--- a/instructions/Instructions.pptx
+++ b/instructions/Instructions.pptx
@@ -8,15 +8,12 @@
     <p:sldId id="256" r:id="rId2"/>
     <p:sldId id="264" r:id="rId3"/>
     <p:sldId id="269" r:id="rId4"/>
-    <p:sldId id="265" r:id="rId5"/>
-    <p:sldId id="267" r:id="rId6"/>
-    <p:sldId id="268" r:id="rId7"/>
-    <p:sldId id="259" r:id="rId8"/>
-    <p:sldId id="266" r:id="rId9"/>
-    <p:sldId id="262" r:id="rId10"/>
-    <p:sldId id="260" r:id="rId11"/>
-    <p:sldId id="261" r:id="rId12"/>
-    <p:sldId id="258" r:id="rId13"/>
+    <p:sldId id="270" r:id="rId5"/>
+    <p:sldId id="271" r:id="rId6"/>
+    <p:sldId id="273" r:id="rId7"/>
+    <p:sldId id="272" r:id="rId8"/>
+    <p:sldId id="262" r:id="rId9"/>
+    <p:sldId id="274" r:id="rId10"/>
   </p:sldIdLst>
   <p:sldSz cx="12192000" cy="6858000"/>
   <p:notesSz cx="6858000" cy="9144000"/>
@@ -134,12 +131,20 @@
 </p:presentation>
 </file>
 
+<file path=ppt/revisionInfo.xml><?xml version="1.0" encoding="utf-8"?>
+<p1510:revInfo xmlns:a="http://schemas.openxmlformats.org/drawingml/2006/main" xmlns:r="http://schemas.openxmlformats.org/officeDocument/2006/relationships" xmlns:p1510="http://schemas.microsoft.com/office/powerpoint/2015/10/main">
+  <p1510:revLst>
+    <p1510:client id="{05E83482-96C4-4B03-864C-FE5F129C6CDA}" v="122" dt="2023-11-03T13:56:03.898"/>
+  </p1510:revLst>
+</p1510:revInfo>
+</file>
+
 <file path=ppt/changesInfos/changesInfo1.xml><?xml version="1.0" encoding="utf-8"?>
 <pc:chgInfo xmlns:a="http://schemas.openxmlformats.org/drawingml/2006/main" xmlns:r="http://schemas.openxmlformats.org/officeDocument/2006/relationships" xmlns:ac="http://schemas.microsoft.com/office/drawing/2013/main/command" xmlns:pc="http://schemas.microsoft.com/office/powerpoint/2013/main/command">
   <pc:docChgLst>
     <pc:chgData name="Micha Engeser" userId="a533b431-da3e-471f-8983-fd723c6850d4" providerId="ADAL" clId="{05E83482-96C4-4B03-864C-FE5F129C6CDA}"/>
-    <pc:docChg chg="modSld">
-      <pc:chgData name="Micha Engeser" userId="a533b431-da3e-471f-8983-fd723c6850d4" providerId="ADAL" clId="{05E83482-96C4-4B03-864C-FE5F129C6CDA}" dt="2023-11-03T10:17:54.666" v="6" actId="20577"/>
+    <pc:docChg chg="undo custSel addSld delSld modSld">
+      <pc:chgData name="Micha Engeser" userId="a533b431-da3e-471f-8983-fd723c6850d4" providerId="ADAL" clId="{05E83482-96C4-4B03-864C-FE5F129C6CDA}" dt="2023-11-03T13:56:13.057" v="1320" actId="20577"/>
       <pc:docMkLst>
         <pc:docMk/>
       </pc:docMkLst>
@@ -166,6 +171,49 @@
           </ac:picMkLst>
         </pc:picChg>
       </pc:sldChg>
+      <pc:sldChg chg="del">
+        <pc:chgData name="Micha Engeser" userId="a533b431-da3e-471f-8983-fd723c6850d4" providerId="ADAL" clId="{05E83482-96C4-4B03-864C-FE5F129C6CDA}" dt="2023-11-03T13:56:02.252" v="1315" actId="47"/>
+        <pc:sldMkLst>
+          <pc:docMk/>
+          <pc:sldMk cId="735242250" sldId="258"/>
+        </pc:sldMkLst>
+      </pc:sldChg>
+      <pc:sldChg chg="del">
+        <pc:chgData name="Micha Engeser" userId="a533b431-da3e-471f-8983-fd723c6850d4" providerId="ADAL" clId="{05E83482-96C4-4B03-864C-FE5F129C6CDA}" dt="2023-11-03T13:46:50.489" v="1211" actId="47"/>
+        <pc:sldMkLst>
+          <pc:docMk/>
+          <pc:sldMk cId="3993068824" sldId="259"/>
+        </pc:sldMkLst>
+      </pc:sldChg>
+      <pc:sldChg chg="del">
+        <pc:chgData name="Micha Engeser" userId="a533b431-da3e-471f-8983-fd723c6850d4" providerId="ADAL" clId="{05E83482-96C4-4B03-864C-FE5F129C6CDA}" dt="2023-11-03T13:55:36.655" v="1292" actId="47"/>
+        <pc:sldMkLst>
+          <pc:docMk/>
+          <pc:sldMk cId="1194465973" sldId="260"/>
+        </pc:sldMkLst>
+      </pc:sldChg>
+      <pc:sldChg chg="del">
+        <pc:chgData name="Micha Engeser" userId="a533b431-da3e-471f-8983-fd723c6850d4" providerId="ADAL" clId="{05E83482-96C4-4B03-864C-FE5F129C6CDA}" dt="2023-11-03T13:55:30.549" v="1291" actId="47"/>
+        <pc:sldMkLst>
+          <pc:docMk/>
+          <pc:sldMk cId="1554016153" sldId="261"/>
+        </pc:sldMkLst>
+      </pc:sldChg>
+      <pc:sldChg chg="modSp mod">
+        <pc:chgData name="Micha Engeser" userId="a533b431-da3e-471f-8983-fd723c6850d4" providerId="ADAL" clId="{05E83482-96C4-4B03-864C-FE5F129C6CDA}" dt="2023-11-03T13:55:58.700" v="1314" actId="20577"/>
+        <pc:sldMkLst>
+          <pc:docMk/>
+          <pc:sldMk cId="1597402663" sldId="262"/>
+        </pc:sldMkLst>
+        <pc:spChg chg="mod">
+          <ac:chgData name="Micha Engeser" userId="a533b431-da3e-471f-8983-fd723c6850d4" providerId="ADAL" clId="{05E83482-96C4-4B03-864C-FE5F129C6CDA}" dt="2023-11-03T13:55:58.700" v="1314" actId="20577"/>
+          <ac:spMkLst>
+            <pc:docMk/>
+            <pc:sldMk cId="1597402663" sldId="262"/>
+            <ac:spMk id="4" creationId="{00000000-0000-0000-0000-000000000000}"/>
+          </ac:spMkLst>
+        </pc:spChg>
+      </pc:sldChg>
       <pc:sldChg chg="modSp mod">
         <pc:chgData name="Micha Engeser" userId="a533b431-da3e-471f-8983-fd723c6850d4" providerId="ADAL" clId="{05E83482-96C4-4B03-864C-FE5F129C6CDA}" dt="2023-11-03T10:17:50.607" v="5" actId="6549"/>
         <pc:sldMkLst>
@@ -181,6 +229,34 @@
           </ac:spMkLst>
         </pc:spChg>
       </pc:sldChg>
+      <pc:sldChg chg="del">
+        <pc:chgData name="Micha Engeser" userId="a533b431-da3e-471f-8983-fd723c6850d4" providerId="ADAL" clId="{05E83482-96C4-4B03-864C-FE5F129C6CDA}" dt="2023-11-03T13:46:42.272" v="1208" actId="47"/>
+        <pc:sldMkLst>
+          <pc:docMk/>
+          <pc:sldMk cId="2019135309" sldId="265"/>
+        </pc:sldMkLst>
+      </pc:sldChg>
+      <pc:sldChg chg="del">
+        <pc:chgData name="Micha Engeser" userId="a533b431-da3e-471f-8983-fd723c6850d4" providerId="ADAL" clId="{05E83482-96C4-4B03-864C-FE5F129C6CDA}" dt="2023-11-03T13:46:51.563" v="1212" actId="47"/>
+        <pc:sldMkLst>
+          <pc:docMk/>
+          <pc:sldMk cId="3832710868" sldId="266"/>
+        </pc:sldMkLst>
+      </pc:sldChg>
+      <pc:sldChg chg="del">
+        <pc:chgData name="Micha Engeser" userId="a533b431-da3e-471f-8983-fd723c6850d4" providerId="ADAL" clId="{05E83482-96C4-4B03-864C-FE5F129C6CDA}" dt="2023-11-03T13:46:44.923" v="1209" actId="47"/>
+        <pc:sldMkLst>
+          <pc:docMk/>
+          <pc:sldMk cId="3737660239" sldId="267"/>
+        </pc:sldMkLst>
+      </pc:sldChg>
+      <pc:sldChg chg="del">
+        <pc:chgData name="Micha Engeser" userId="a533b431-da3e-471f-8983-fd723c6850d4" providerId="ADAL" clId="{05E83482-96C4-4B03-864C-FE5F129C6CDA}" dt="2023-11-03T13:46:48.272" v="1210" actId="47"/>
+        <pc:sldMkLst>
+          <pc:docMk/>
+          <pc:sldMk cId="1672981800" sldId="268"/>
+        </pc:sldMkLst>
+      </pc:sldChg>
       <pc:sldChg chg="modSp mod">
         <pc:chgData name="Micha Engeser" userId="a533b431-da3e-471f-8983-fd723c6850d4" providerId="ADAL" clId="{05E83482-96C4-4B03-864C-FE5F129C6CDA}" dt="2023-11-03T10:17:54.666" v="6" actId="20577"/>
         <pc:sldMkLst>
@@ -192,6 +268,296 @@
           <ac:spMkLst>
             <pc:docMk/>
             <pc:sldMk cId="2998264015" sldId="269"/>
+            <ac:spMk id="4" creationId="{00000000-0000-0000-0000-000000000000}"/>
+          </ac:spMkLst>
+        </pc:spChg>
+      </pc:sldChg>
+      <pc:sldChg chg="addSp delSp modSp add mod">
+        <pc:chgData name="Micha Engeser" userId="a533b431-da3e-471f-8983-fd723c6850d4" providerId="ADAL" clId="{05E83482-96C4-4B03-864C-FE5F129C6CDA}" dt="2023-11-03T13:27:16.769" v="657" actId="1582"/>
+        <pc:sldMkLst>
+          <pc:docMk/>
+          <pc:sldMk cId="2338977154" sldId="270"/>
+        </pc:sldMkLst>
+        <pc:spChg chg="mod">
+          <ac:chgData name="Micha Engeser" userId="a533b431-da3e-471f-8983-fd723c6850d4" providerId="ADAL" clId="{05E83482-96C4-4B03-864C-FE5F129C6CDA}" dt="2023-11-03T13:26:54.269" v="653" actId="20578"/>
+          <ac:spMkLst>
+            <pc:docMk/>
+            <pc:sldMk cId="2338977154" sldId="270"/>
+            <ac:spMk id="4" creationId="{00000000-0000-0000-0000-000000000000}"/>
+          </ac:spMkLst>
+        </pc:spChg>
+        <pc:spChg chg="add mod">
+          <ac:chgData name="Micha Engeser" userId="a533b431-da3e-471f-8983-fd723c6850d4" providerId="ADAL" clId="{05E83482-96C4-4B03-864C-FE5F129C6CDA}" dt="2023-11-03T13:26:45.620" v="649" actId="20578"/>
+          <ac:spMkLst>
+            <pc:docMk/>
+            <pc:sldMk cId="2338977154" sldId="270"/>
+            <ac:spMk id="6" creationId="{3CE7954B-586E-187C-6981-41C0CDD41E16}"/>
+          </ac:spMkLst>
+        </pc:spChg>
+        <pc:spChg chg="add mod">
+          <ac:chgData name="Micha Engeser" userId="a533b431-da3e-471f-8983-fd723c6850d4" providerId="ADAL" clId="{05E83482-96C4-4B03-864C-FE5F129C6CDA}" dt="2023-11-03T13:27:16.769" v="657" actId="1582"/>
+          <ac:spMkLst>
+            <pc:docMk/>
+            <pc:sldMk cId="2338977154" sldId="270"/>
+            <ac:spMk id="7" creationId="{0AA3FE03-F79A-542E-C548-871038B6ADAD}"/>
+          </ac:spMkLst>
+        </pc:spChg>
+        <pc:spChg chg="mod">
+          <ac:chgData name="Micha Engeser" userId="a533b431-da3e-471f-8983-fd723c6850d4" providerId="ADAL" clId="{05E83482-96C4-4B03-864C-FE5F129C6CDA}" dt="2023-11-03T13:21:59.776" v="638" actId="1038"/>
+          <ac:spMkLst>
+            <pc:docMk/>
+            <pc:sldMk cId="2338977154" sldId="270"/>
+            <ac:spMk id="15" creationId="{97743DB1-FA0C-37E7-E303-A1AF55B8C84A}"/>
+          </ac:spMkLst>
+        </pc:spChg>
+        <pc:spChg chg="mod">
+          <ac:chgData name="Micha Engeser" userId="a533b431-da3e-471f-8983-fd723c6850d4" providerId="ADAL" clId="{05E83482-96C4-4B03-864C-FE5F129C6CDA}" dt="2023-11-03T13:21:59.776" v="638" actId="1038"/>
+          <ac:spMkLst>
+            <pc:docMk/>
+            <pc:sldMk cId="2338977154" sldId="270"/>
+            <ac:spMk id="20" creationId="{5D09B655-9AE2-CD82-FD32-3842B4E7CE51}"/>
+          </ac:spMkLst>
+        </pc:spChg>
+        <pc:picChg chg="del">
+          <ac:chgData name="Micha Engeser" userId="a533b431-da3e-471f-8983-fd723c6850d4" providerId="ADAL" clId="{05E83482-96C4-4B03-864C-FE5F129C6CDA}" dt="2023-11-03T13:20:29.441" v="538" actId="478"/>
+          <ac:picMkLst>
+            <pc:docMk/>
+            <pc:sldMk cId="2338977154" sldId="270"/>
+            <ac:picMk id="3" creationId="{203BE947-F453-4732-6E5E-DE77E119B2E2}"/>
+          </ac:picMkLst>
+        </pc:picChg>
+        <pc:picChg chg="del mod">
+          <ac:chgData name="Micha Engeser" userId="a533b431-da3e-471f-8983-fd723c6850d4" providerId="ADAL" clId="{05E83482-96C4-4B03-864C-FE5F129C6CDA}" dt="2023-11-03T10:25:58.899" v="415" actId="478"/>
+          <ac:picMkLst>
+            <pc:docMk/>
+            <pc:sldMk cId="2338977154" sldId="270"/>
+            <ac:picMk id="14" creationId="{915BF254-634A-721C-649A-E789B159443A}"/>
+          </ac:picMkLst>
+        </pc:picChg>
+        <pc:picChg chg="mod">
+          <ac:chgData name="Micha Engeser" userId="a533b431-da3e-471f-8983-fd723c6850d4" providerId="ADAL" clId="{05E83482-96C4-4B03-864C-FE5F129C6CDA}" dt="2023-11-03T13:21:59.776" v="638" actId="1038"/>
+          <ac:picMkLst>
+            <pc:docMk/>
+            <pc:sldMk cId="2338977154" sldId="270"/>
+            <ac:picMk id="1028" creationId="{54921F55-1CC2-E0AA-F781-B13E39422D11}"/>
+          </ac:picMkLst>
+        </pc:picChg>
+        <pc:cxnChg chg="mod">
+          <ac:chgData name="Micha Engeser" userId="a533b431-da3e-471f-8983-fd723c6850d4" providerId="ADAL" clId="{05E83482-96C4-4B03-864C-FE5F129C6CDA}" dt="2023-11-03T13:21:59.776" v="638" actId="1038"/>
+          <ac:cxnSpMkLst>
+            <pc:docMk/>
+            <pc:sldMk cId="2338977154" sldId="270"/>
+            <ac:cxnSpMk id="17" creationId="{BA3039BC-4FF1-DE75-D33F-9B39A4FF01A4}"/>
+          </ac:cxnSpMkLst>
+        </pc:cxnChg>
+        <pc:cxnChg chg="mod">
+          <ac:chgData name="Micha Engeser" userId="a533b431-da3e-471f-8983-fd723c6850d4" providerId="ADAL" clId="{05E83482-96C4-4B03-864C-FE5F129C6CDA}" dt="2023-11-03T13:21:59.776" v="638" actId="1038"/>
+          <ac:cxnSpMkLst>
+            <pc:docMk/>
+            <pc:sldMk cId="2338977154" sldId="270"/>
+            <ac:cxnSpMk id="21" creationId="{7E196047-6CDC-E235-C9D7-35AC5696AAD3}"/>
+          </ac:cxnSpMkLst>
+        </pc:cxnChg>
+      </pc:sldChg>
+      <pc:sldChg chg="modSp add mod">
+        <pc:chgData name="Micha Engeser" userId="a533b431-da3e-471f-8983-fd723c6850d4" providerId="ADAL" clId="{05E83482-96C4-4B03-864C-FE5F129C6CDA}" dt="2023-11-03T13:35:08.873" v="979" actId="1038"/>
+        <pc:sldMkLst>
+          <pc:docMk/>
+          <pc:sldMk cId="1188541947" sldId="271"/>
+        </pc:sldMkLst>
+        <pc:spChg chg="mod">
+          <ac:chgData name="Micha Engeser" userId="a533b431-da3e-471f-8983-fd723c6850d4" providerId="ADAL" clId="{05E83482-96C4-4B03-864C-FE5F129C6CDA}" dt="2023-11-03T13:28:59.074" v="735" actId="20577"/>
+          <ac:spMkLst>
+            <pc:docMk/>
+            <pc:sldMk cId="1188541947" sldId="271"/>
+            <ac:spMk id="4" creationId="{00000000-0000-0000-0000-000000000000}"/>
+          </ac:spMkLst>
+        </pc:spChg>
+        <pc:spChg chg="mod">
+          <ac:chgData name="Micha Engeser" userId="a533b431-da3e-471f-8983-fd723c6850d4" providerId="ADAL" clId="{05E83482-96C4-4B03-864C-FE5F129C6CDA}" dt="2023-11-03T13:35:08.873" v="979" actId="1038"/>
+          <ac:spMkLst>
+            <pc:docMk/>
+            <pc:sldMk cId="1188541947" sldId="271"/>
+            <ac:spMk id="6" creationId="{3CE7954B-586E-187C-6981-41C0CDD41E16}"/>
+          </ac:spMkLst>
+        </pc:spChg>
+        <pc:spChg chg="mod">
+          <ac:chgData name="Micha Engeser" userId="a533b431-da3e-471f-8983-fd723c6850d4" providerId="ADAL" clId="{05E83482-96C4-4B03-864C-FE5F129C6CDA}" dt="2023-11-03T13:35:08.873" v="979" actId="1038"/>
+          <ac:spMkLst>
+            <pc:docMk/>
+            <pc:sldMk cId="1188541947" sldId="271"/>
+            <ac:spMk id="7" creationId="{0AA3FE03-F79A-542E-C548-871038B6ADAD}"/>
+          </ac:spMkLst>
+        </pc:spChg>
+        <pc:spChg chg="mod">
+          <ac:chgData name="Micha Engeser" userId="a533b431-da3e-471f-8983-fd723c6850d4" providerId="ADAL" clId="{05E83482-96C4-4B03-864C-FE5F129C6CDA}" dt="2023-11-03T13:35:08.873" v="979" actId="1038"/>
+          <ac:spMkLst>
+            <pc:docMk/>
+            <pc:sldMk cId="1188541947" sldId="271"/>
+            <ac:spMk id="15" creationId="{97743DB1-FA0C-37E7-E303-A1AF55B8C84A}"/>
+          </ac:spMkLst>
+        </pc:spChg>
+        <pc:spChg chg="mod">
+          <ac:chgData name="Micha Engeser" userId="a533b431-da3e-471f-8983-fd723c6850d4" providerId="ADAL" clId="{05E83482-96C4-4B03-864C-FE5F129C6CDA}" dt="2023-11-03T13:35:08.873" v="979" actId="1038"/>
+          <ac:spMkLst>
+            <pc:docMk/>
+            <pc:sldMk cId="1188541947" sldId="271"/>
+            <ac:spMk id="20" creationId="{5D09B655-9AE2-CD82-FD32-3842B4E7CE51}"/>
+          </ac:spMkLst>
+        </pc:spChg>
+        <pc:picChg chg="mod">
+          <ac:chgData name="Micha Engeser" userId="a533b431-da3e-471f-8983-fd723c6850d4" providerId="ADAL" clId="{05E83482-96C4-4B03-864C-FE5F129C6CDA}" dt="2023-11-03T13:35:08.873" v="979" actId="1038"/>
+          <ac:picMkLst>
+            <pc:docMk/>
+            <pc:sldMk cId="1188541947" sldId="271"/>
+            <ac:picMk id="1028" creationId="{54921F55-1CC2-E0AA-F781-B13E39422D11}"/>
+          </ac:picMkLst>
+        </pc:picChg>
+        <pc:cxnChg chg="mod">
+          <ac:chgData name="Micha Engeser" userId="a533b431-da3e-471f-8983-fd723c6850d4" providerId="ADAL" clId="{05E83482-96C4-4B03-864C-FE5F129C6CDA}" dt="2023-11-03T13:35:08.873" v="979" actId="1038"/>
+          <ac:cxnSpMkLst>
+            <pc:docMk/>
+            <pc:sldMk cId="1188541947" sldId="271"/>
+            <ac:cxnSpMk id="17" creationId="{BA3039BC-4FF1-DE75-D33F-9B39A4FF01A4}"/>
+          </ac:cxnSpMkLst>
+        </pc:cxnChg>
+        <pc:cxnChg chg="mod">
+          <ac:chgData name="Micha Engeser" userId="a533b431-da3e-471f-8983-fd723c6850d4" providerId="ADAL" clId="{05E83482-96C4-4B03-864C-FE5F129C6CDA}" dt="2023-11-03T13:35:08.873" v="979" actId="1038"/>
+          <ac:cxnSpMkLst>
+            <pc:docMk/>
+            <pc:sldMk cId="1188541947" sldId="271"/>
+            <ac:cxnSpMk id="21" creationId="{7E196047-6CDC-E235-C9D7-35AC5696AAD3}"/>
+          </ac:cxnSpMkLst>
+        </pc:cxnChg>
+      </pc:sldChg>
+      <pc:sldChg chg="modSp add mod">
+        <pc:chgData name="Micha Engeser" userId="a533b431-da3e-471f-8983-fd723c6850d4" providerId="ADAL" clId="{05E83482-96C4-4B03-864C-FE5F129C6CDA}" dt="2023-11-03T13:35:00.465" v="971" actId="1038"/>
+        <pc:sldMkLst>
+          <pc:docMk/>
+          <pc:sldMk cId="14521855" sldId="272"/>
+        </pc:sldMkLst>
+        <pc:spChg chg="mod">
+          <ac:chgData name="Micha Engeser" userId="a533b431-da3e-471f-8983-fd723c6850d4" providerId="ADAL" clId="{05E83482-96C4-4B03-864C-FE5F129C6CDA}" dt="2023-11-03T13:34:20.682" v="945" actId="20577"/>
+          <ac:spMkLst>
+            <pc:docMk/>
+            <pc:sldMk cId="14521855" sldId="272"/>
+            <ac:spMk id="4" creationId="{00000000-0000-0000-0000-000000000000}"/>
+          </ac:spMkLst>
+        </pc:spChg>
+        <pc:spChg chg="mod">
+          <ac:chgData name="Micha Engeser" userId="a533b431-da3e-471f-8983-fd723c6850d4" providerId="ADAL" clId="{05E83482-96C4-4B03-864C-FE5F129C6CDA}" dt="2023-11-03T13:35:00.465" v="971" actId="1038"/>
+          <ac:spMkLst>
+            <pc:docMk/>
+            <pc:sldMk cId="14521855" sldId="272"/>
+            <ac:spMk id="6" creationId="{3CE7954B-586E-187C-6981-41C0CDD41E16}"/>
+          </ac:spMkLst>
+        </pc:spChg>
+        <pc:spChg chg="mod">
+          <ac:chgData name="Micha Engeser" userId="a533b431-da3e-471f-8983-fd723c6850d4" providerId="ADAL" clId="{05E83482-96C4-4B03-864C-FE5F129C6CDA}" dt="2023-11-03T13:35:00.465" v="971" actId="1038"/>
+          <ac:spMkLst>
+            <pc:docMk/>
+            <pc:sldMk cId="14521855" sldId="272"/>
+            <ac:spMk id="7" creationId="{0AA3FE03-F79A-542E-C548-871038B6ADAD}"/>
+          </ac:spMkLst>
+        </pc:spChg>
+        <pc:spChg chg="mod">
+          <ac:chgData name="Micha Engeser" userId="a533b431-da3e-471f-8983-fd723c6850d4" providerId="ADAL" clId="{05E83482-96C4-4B03-864C-FE5F129C6CDA}" dt="2023-11-03T13:35:00.465" v="971" actId="1038"/>
+          <ac:spMkLst>
+            <pc:docMk/>
+            <pc:sldMk cId="14521855" sldId="272"/>
+            <ac:spMk id="15" creationId="{97743DB1-FA0C-37E7-E303-A1AF55B8C84A}"/>
+          </ac:spMkLst>
+        </pc:spChg>
+        <pc:spChg chg="mod">
+          <ac:chgData name="Micha Engeser" userId="a533b431-da3e-471f-8983-fd723c6850d4" providerId="ADAL" clId="{05E83482-96C4-4B03-864C-FE5F129C6CDA}" dt="2023-11-03T13:35:00.465" v="971" actId="1038"/>
+          <ac:spMkLst>
+            <pc:docMk/>
+            <pc:sldMk cId="14521855" sldId="272"/>
+            <ac:spMk id="20" creationId="{5D09B655-9AE2-CD82-FD32-3842B4E7CE51}"/>
+          </ac:spMkLst>
+        </pc:spChg>
+        <pc:picChg chg="mod">
+          <ac:chgData name="Micha Engeser" userId="a533b431-da3e-471f-8983-fd723c6850d4" providerId="ADAL" clId="{05E83482-96C4-4B03-864C-FE5F129C6CDA}" dt="2023-11-03T13:35:00.465" v="971" actId="1038"/>
+          <ac:picMkLst>
+            <pc:docMk/>
+            <pc:sldMk cId="14521855" sldId="272"/>
+            <ac:picMk id="1028" creationId="{54921F55-1CC2-E0AA-F781-B13E39422D11}"/>
+          </ac:picMkLst>
+        </pc:picChg>
+        <pc:cxnChg chg="mod">
+          <ac:chgData name="Micha Engeser" userId="a533b431-da3e-471f-8983-fd723c6850d4" providerId="ADAL" clId="{05E83482-96C4-4B03-864C-FE5F129C6CDA}" dt="2023-11-03T13:35:00.465" v="971" actId="1038"/>
+          <ac:cxnSpMkLst>
+            <pc:docMk/>
+            <pc:sldMk cId="14521855" sldId="272"/>
+            <ac:cxnSpMk id="17" creationId="{BA3039BC-4FF1-DE75-D33F-9B39A4FF01A4}"/>
+          </ac:cxnSpMkLst>
+        </pc:cxnChg>
+        <pc:cxnChg chg="mod">
+          <ac:chgData name="Micha Engeser" userId="a533b431-da3e-471f-8983-fd723c6850d4" providerId="ADAL" clId="{05E83482-96C4-4B03-864C-FE5F129C6CDA}" dt="2023-11-03T13:35:00.465" v="971" actId="1038"/>
+          <ac:cxnSpMkLst>
+            <pc:docMk/>
+            <pc:sldMk cId="14521855" sldId="272"/>
+            <ac:cxnSpMk id="21" creationId="{7E196047-6CDC-E235-C9D7-35AC5696AAD3}"/>
+          </ac:cxnSpMkLst>
+        </pc:cxnChg>
+      </pc:sldChg>
+      <pc:sldChg chg="modSp add del mod">
+        <pc:chgData name="Micha Engeser" userId="a533b431-da3e-471f-8983-fd723c6850d4" providerId="ADAL" clId="{05E83482-96C4-4B03-864C-FE5F129C6CDA}" dt="2023-11-03T13:35:47.592" v="994" actId="47"/>
+        <pc:sldMkLst>
+          <pc:docMk/>
+          <pc:sldMk cId="3654238" sldId="273"/>
+        </pc:sldMkLst>
+        <pc:spChg chg="mod">
+          <ac:chgData name="Micha Engeser" userId="a533b431-da3e-471f-8983-fd723c6850d4" providerId="ADAL" clId="{05E83482-96C4-4B03-864C-FE5F129C6CDA}" dt="2023-11-03T13:35:44.976" v="993" actId="313"/>
+          <ac:spMkLst>
+            <pc:docMk/>
+            <pc:sldMk cId="3654238" sldId="273"/>
+            <ac:spMk id="4" creationId="{00000000-0000-0000-0000-000000000000}"/>
+          </ac:spMkLst>
+        </pc:spChg>
+      </pc:sldChg>
+      <pc:sldChg chg="modSp add mod">
+        <pc:chgData name="Micha Engeser" userId="a533b431-da3e-471f-8983-fd723c6850d4" providerId="ADAL" clId="{05E83482-96C4-4B03-864C-FE5F129C6CDA}" dt="2023-11-03T13:38:55.114" v="1207" actId="20577"/>
+        <pc:sldMkLst>
+          <pc:docMk/>
+          <pc:sldMk cId="3645369593" sldId="273"/>
+        </pc:sldMkLst>
+        <pc:spChg chg="mod">
+          <ac:chgData name="Micha Engeser" userId="a533b431-da3e-471f-8983-fd723c6850d4" providerId="ADAL" clId="{05E83482-96C4-4B03-864C-FE5F129C6CDA}" dt="2023-11-03T13:38:39.500" v="1187" actId="113"/>
+          <ac:spMkLst>
+            <pc:docMk/>
+            <pc:sldMk cId="3645369593" sldId="273"/>
+            <ac:spMk id="4" creationId="{00000000-0000-0000-0000-000000000000}"/>
+          </ac:spMkLst>
+        </pc:spChg>
+        <pc:spChg chg="mod">
+          <ac:chgData name="Micha Engeser" userId="a533b431-da3e-471f-8983-fd723c6850d4" providerId="ADAL" clId="{05E83482-96C4-4B03-864C-FE5F129C6CDA}" dt="2023-11-03T13:38:50.426" v="1198" actId="20577"/>
+          <ac:spMkLst>
+            <pc:docMk/>
+            <pc:sldMk cId="3645369593" sldId="273"/>
+            <ac:spMk id="6" creationId="{3CE7954B-586E-187C-6981-41C0CDD41E16}"/>
+          </ac:spMkLst>
+        </pc:spChg>
+        <pc:spChg chg="mod">
+          <ac:chgData name="Micha Engeser" userId="a533b431-da3e-471f-8983-fd723c6850d4" providerId="ADAL" clId="{05E83482-96C4-4B03-864C-FE5F129C6CDA}" dt="2023-11-03T13:38:55.114" v="1207" actId="20577"/>
+          <ac:spMkLst>
+            <pc:docMk/>
+            <pc:sldMk cId="3645369593" sldId="273"/>
+            <ac:spMk id="7" creationId="{0AA3FE03-F79A-542E-C548-871038B6ADAD}"/>
+          </ac:spMkLst>
+        </pc:spChg>
+      </pc:sldChg>
+      <pc:sldChg chg="modSp add mod">
+        <pc:chgData name="Micha Engeser" userId="a533b431-da3e-471f-8983-fd723c6850d4" providerId="ADAL" clId="{05E83482-96C4-4B03-864C-FE5F129C6CDA}" dt="2023-11-03T13:56:13.057" v="1320" actId="20577"/>
+        <pc:sldMkLst>
+          <pc:docMk/>
+          <pc:sldMk cId="57290883" sldId="274"/>
+        </pc:sldMkLst>
+        <pc:spChg chg="mod">
+          <ac:chgData name="Micha Engeser" userId="a533b431-da3e-471f-8983-fd723c6850d4" providerId="ADAL" clId="{05E83482-96C4-4B03-864C-FE5F129C6CDA}" dt="2023-11-03T13:56:13.057" v="1320" actId="20577"/>
+          <ac:spMkLst>
+            <pc:docMk/>
+            <pc:sldMk cId="57290883" sldId="274"/>
             <ac:spMk id="4" creationId="{00000000-0000-0000-0000-000000000000}"/>
           </ac:spMkLst>
         </pc:spChg>
@@ -3382,717 +3748,6 @@
 </p:sld>
 </file>
 
-<file path=ppt/slides/slide10.xml><?xml version="1.0" encoding="utf-8"?>
-<p:sld xmlns:a="http://schemas.openxmlformats.org/drawingml/2006/main" xmlns:r="http://schemas.openxmlformats.org/officeDocument/2006/relationships" xmlns:p="http://schemas.openxmlformats.org/presentationml/2006/main">
-  <p:cSld>
-    <p:spTree>
-      <p:nvGrpSpPr>
-        <p:cNvPr id="1" name=""/>
-        <p:cNvGrpSpPr/>
-        <p:nvPr/>
-      </p:nvGrpSpPr>
-      <p:grpSpPr>
-        <a:xfrm>
-          <a:off x="0" y="0"/>
-          <a:ext cx="0" cy="0"/>
-          <a:chOff x="0" y="0"/>
-          <a:chExt cx="0" cy="0"/>
-        </a:xfrm>
-      </p:grpSpPr>
-      <p:sp>
-        <p:nvSpPr>
-          <p:cNvPr id="4" name="TextBox 3"/>
-          <p:cNvSpPr txBox="1"/>
-          <p:nvPr/>
-        </p:nvSpPr>
-        <p:spPr>
-          <a:xfrm>
-            <a:off x="2178287" y="315672"/>
-            <a:ext cx="7774486" cy="6740307"/>
-          </a:xfrm>
-          <a:prstGeom prst="rect">
-            <a:avLst/>
-          </a:prstGeom>
-          <a:noFill/>
-        </p:spPr>
-        <p:txBody>
-          <a:bodyPr wrap="square" rtlCol="0">
-            <a:spAutoFit/>
-          </a:bodyPr>
-          <a:lstStyle/>
-          <a:p>
-            <a:endParaRPr lang="en-US" sz="2400" dirty="0"/>
-          </a:p>
-          <a:p>
-            <a:r>
-              <a:rPr lang="en-US" sz="2400" dirty="0"/>
-              <a:t>In this part of the experiment, </a:t>
-            </a:r>
-            <a:r>
-              <a:rPr lang="en-US" sz="2400" b="1" dirty="0"/>
-              <a:t>two questions</a:t>
-            </a:r>
-            <a:r>
-              <a:rPr lang="en-US" sz="2400" dirty="0"/>
-              <a:t> will be ask after each image and tone. </a:t>
-            </a:r>
-          </a:p>
-          <a:p>
-            <a:endParaRPr lang="en-US" sz="2400" dirty="0"/>
-          </a:p>
-          <a:p>
-            <a:r>
-              <a:rPr lang="en-US" sz="2400" b="1" dirty="0"/>
-              <a:t>Question 1</a:t>
-            </a:r>
-            <a:r>
-              <a:rPr lang="en-US" sz="2400" dirty="0"/>
-              <a:t>: How much time did it take you to </a:t>
-            </a:r>
-            <a:r>
-              <a:rPr lang="en-US" sz="2400" b="1" dirty="0"/>
-              <a:t>respond to the visual stimulus?</a:t>
-            </a:r>
-            <a:r>
-              <a:rPr lang="en-US" sz="2400" dirty="0"/>
-              <a:t> i.e. what was the delay between the onset of the image and your decision to respond or not respond?</a:t>
-            </a:r>
-          </a:p>
-          <a:p>
-            <a:pPr>
-              <a:lnSpc>
-                <a:spcPct val="150000"/>
-              </a:lnSpc>
-            </a:pPr>
-            <a:r>
-              <a:rPr lang="en-US" sz="2400" dirty="0"/>
-              <a:t>Presented as: </a:t>
-            </a:r>
-            <a:r>
-              <a:rPr lang="en-US" sz="2400" b="1" dirty="0"/>
-              <a:t>Visual task duration?</a:t>
-            </a:r>
-          </a:p>
-          <a:p>
-            <a:endParaRPr lang="en-US" sz="2400" dirty="0"/>
-          </a:p>
-          <a:p>
-            <a:r>
-              <a:rPr lang="en-US" sz="2400" b="1" dirty="0"/>
-              <a:t>Question 2</a:t>
-            </a:r>
-            <a:r>
-              <a:rPr lang="en-US" sz="2400" dirty="0"/>
-              <a:t>: How much time did it take you to </a:t>
-            </a:r>
-            <a:r>
-              <a:rPr lang="en-US" sz="2400" b="1" dirty="0"/>
-              <a:t>respond to the auditory stimulus?</a:t>
-            </a:r>
-            <a:r>
-              <a:rPr lang="en-US" sz="2400" dirty="0"/>
-              <a:t> i.e. what was the delay between the tone and your decision how to respond?</a:t>
-            </a:r>
-          </a:p>
-          <a:p>
-            <a:pPr>
-              <a:lnSpc>
-                <a:spcPct val="150000"/>
-              </a:lnSpc>
-            </a:pPr>
-            <a:r>
-              <a:rPr lang="en-US" sz="2400" dirty="0"/>
-              <a:t>Presented as: </a:t>
-            </a:r>
-            <a:r>
-              <a:rPr lang="en-US" sz="2400" b="1" dirty="0"/>
-              <a:t>Auditory task duration?</a:t>
-            </a:r>
-          </a:p>
-          <a:p>
-            <a:endParaRPr lang="en-US" sz="2400" dirty="0"/>
-          </a:p>
-          <a:p>
-            <a:pPr algn="ctr"/>
-            <a:r>
-              <a:rPr lang="en-US" sz="2400" dirty="0"/>
-              <a:t>Press the </a:t>
-            </a:r>
-            <a:r>
-              <a:rPr lang="en-US" sz="2400" b="1" dirty="0"/>
-              <a:t>right arrow key </a:t>
-            </a:r>
-            <a:r>
-              <a:rPr lang="en-US" sz="2400" dirty="0"/>
-              <a:t>to </a:t>
-            </a:r>
-            <a:r>
-              <a:rPr lang="en-US" sz="2400" b="1" dirty="0"/>
-              <a:t>proceed</a:t>
-            </a:r>
-            <a:r>
-              <a:rPr lang="en-US" sz="2400" dirty="0"/>
-              <a:t> or the </a:t>
-            </a:r>
-            <a:r>
-              <a:rPr lang="en-US" sz="2400" b="1" dirty="0"/>
-              <a:t>left arrow key</a:t>
-            </a:r>
-            <a:r>
-              <a:rPr lang="en-US" sz="2400" dirty="0"/>
-              <a:t> to return to the </a:t>
-            </a:r>
-            <a:r>
-              <a:rPr lang="en-US" sz="2400" b="1" dirty="0"/>
-              <a:t>previous slide</a:t>
-            </a:r>
-          </a:p>
-          <a:p>
-            <a:endParaRPr lang="en-US" sz="2400" dirty="0"/>
-          </a:p>
-        </p:txBody>
-      </p:sp>
-    </p:spTree>
-    <p:extLst>
-      <p:ext uri="{BB962C8B-B14F-4D97-AF65-F5344CB8AC3E}">
-        <p14:creationId xmlns:p14="http://schemas.microsoft.com/office/powerpoint/2010/main" val="1194465973"/>
-      </p:ext>
-    </p:extLst>
-  </p:cSld>
-  <p:clrMapOvr>
-    <a:masterClrMapping/>
-  </p:clrMapOvr>
-</p:sld>
-</file>
-
-<file path=ppt/slides/slide11.xml><?xml version="1.0" encoding="utf-8"?>
-<p:sld xmlns:a="http://schemas.openxmlformats.org/drawingml/2006/main" xmlns:r="http://schemas.openxmlformats.org/officeDocument/2006/relationships" xmlns:p="http://schemas.openxmlformats.org/presentationml/2006/main">
-  <p:cSld>
-    <p:spTree>
-      <p:nvGrpSpPr>
-        <p:cNvPr id="1" name=""/>
-        <p:cNvGrpSpPr/>
-        <p:nvPr/>
-      </p:nvGrpSpPr>
-      <p:grpSpPr>
-        <a:xfrm>
-          <a:off x="0" y="0"/>
-          <a:ext cx="0" cy="0"/>
-          <a:chOff x="0" y="0"/>
-          <a:chExt cx="0" cy="0"/>
-        </a:xfrm>
-      </p:grpSpPr>
-      <p:sp>
-        <p:nvSpPr>
-          <p:cNvPr id="4" name="TextBox 3"/>
-          <p:cNvSpPr txBox="1"/>
-          <p:nvPr/>
-        </p:nvSpPr>
-        <p:spPr>
-          <a:xfrm>
-            <a:off x="2178287" y="315672"/>
-            <a:ext cx="7774486" cy="6740307"/>
-          </a:xfrm>
-          <a:prstGeom prst="rect">
-            <a:avLst/>
-          </a:prstGeom>
-          <a:noFill/>
-        </p:spPr>
-        <p:txBody>
-          <a:bodyPr wrap="square" rtlCol="0">
-            <a:spAutoFit/>
-          </a:bodyPr>
-          <a:lstStyle/>
-          <a:p>
-            <a:endParaRPr lang="en-US" sz="2400" dirty="0"/>
-          </a:p>
-          <a:p>
-            <a:r>
-              <a:rPr lang="en-US" sz="2400" dirty="0"/>
-              <a:t>The screen for your time estimation will look like this:</a:t>
-            </a:r>
-          </a:p>
-          <a:p>
-            <a:endParaRPr lang="en-US" sz="2400" dirty="0"/>
-          </a:p>
-          <a:p>
-            <a:endParaRPr lang="en-US" sz="2400" dirty="0"/>
-          </a:p>
-          <a:p>
-            <a:endParaRPr lang="en-US" sz="2400" dirty="0"/>
-          </a:p>
-          <a:p>
-            <a:endParaRPr lang="en-US" sz="2400" dirty="0"/>
-          </a:p>
-          <a:p>
-            <a:endParaRPr lang="en-US" sz="2400" dirty="0"/>
-          </a:p>
-          <a:p>
-            <a:endParaRPr lang="en-US" sz="2400" dirty="0"/>
-          </a:p>
-          <a:p>
-            <a:endParaRPr lang="en-US" sz="2400" dirty="0"/>
-          </a:p>
-          <a:p>
-            <a:r>
-              <a:rPr lang="en-US" sz="2400" dirty="0"/>
-              <a:t>By </a:t>
-            </a:r>
-            <a:r>
-              <a:rPr lang="en-US" sz="2400" b="1" dirty="0"/>
-              <a:t>turning the knob</a:t>
-            </a:r>
-            <a:r>
-              <a:rPr lang="en-US" sz="2400" dirty="0"/>
-              <a:t> you can change the value and move the pointer on the scale. Select your final answer by </a:t>
-            </a:r>
-            <a:r>
-              <a:rPr lang="en-US" sz="2400" b="1" dirty="0"/>
-              <a:t>pressing the knob</a:t>
-            </a:r>
-            <a:r>
-              <a:rPr lang="en-US" sz="2400" dirty="0"/>
-              <a:t>.</a:t>
-            </a:r>
-          </a:p>
-          <a:p>
-            <a:endParaRPr lang="en-US" sz="2400" dirty="0"/>
-          </a:p>
-          <a:p>
-            <a:pPr algn="ctr"/>
-            <a:endParaRPr lang="en-US" sz="2400" dirty="0"/>
-          </a:p>
-          <a:p>
-            <a:pPr algn="ctr"/>
-            <a:endParaRPr lang="en-US" sz="2400" dirty="0"/>
-          </a:p>
-          <a:p>
-            <a:pPr algn="ctr"/>
-            <a:r>
-              <a:rPr lang="en-US" sz="2400" dirty="0"/>
-              <a:t>Press the </a:t>
-            </a:r>
-            <a:r>
-              <a:rPr lang="en-US" sz="2400" b="1" dirty="0"/>
-              <a:t>right arrow key </a:t>
-            </a:r>
-            <a:r>
-              <a:rPr lang="en-US" sz="2400" dirty="0"/>
-              <a:t>to </a:t>
-            </a:r>
-            <a:r>
-              <a:rPr lang="en-US" sz="2400" b="1" dirty="0"/>
-              <a:t>proceed</a:t>
-            </a:r>
-            <a:r>
-              <a:rPr lang="en-US" sz="2400" dirty="0"/>
-              <a:t> or the </a:t>
-            </a:r>
-            <a:r>
-              <a:rPr lang="en-US" sz="2400" b="1" dirty="0"/>
-              <a:t>left arrow key</a:t>
-            </a:r>
-            <a:r>
-              <a:rPr lang="en-US" sz="2400" dirty="0"/>
-              <a:t> to return to the </a:t>
-            </a:r>
-            <a:r>
-              <a:rPr lang="en-US" sz="2400" b="1" dirty="0"/>
-              <a:t>previous slide</a:t>
-            </a:r>
-          </a:p>
-          <a:p>
-            <a:endParaRPr lang="en-US" sz="2400" dirty="0"/>
-          </a:p>
-        </p:txBody>
-      </p:sp>
-      <p:sp>
-        <p:nvSpPr>
-          <p:cNvPr id="5" name="AutoShape 6" descr="data:image/png;base64,iVBORw0KGgoAAAANSUhEUgAAAZsAAAERCAYAAACtswpGAAAAAXNSR0IArs4c6QAAIABJREFUeF7tnXeUFcX2tkslKkGiBJEgWRABRRBUEBQlKAqYRUyY4xVEf5e/THiNmLOigogiiIogkkQFJCogSpYoGUQkCXzrqW/VWT09Z2ZOn+mG9vDWWixmznRXVT9Vvd/au3b3OeLRay49UKNSKVPy7IsM5cCB3Wbt2m2mQsVyZuO6NaZU6ePMtq0bTYmSpcyRR+43u3fvM39u3WUqHl/W/LNzq9m080hT5tgiZtumHeaAMaZsuWPNls3bTMmSRcyOHftN8RKFzMZ1m0zpsmXNjr+2meIlS5otG7eaUmVLmQ1r15siJYub4kcfY9tOtezdvdPsNAVNicIFUj1Fx4mACIiACBxCAkf069cPjVARAREQAREQgcgISGwiQ6uKRUAEREAEHAGJjeaCCIiACIhA5AQkNpEjVgMiIAIiIAISG80BERABERCByAlIbCJHrAZEQAREQAQkNpoDIiACIiACkROQ2ESOWA2IgAiIgAhIbDQHREAEREAEIicgsYkcsRoQAREQARGQ2GgOiIAIiIAIRE5AYhM5YjUgAiIgAiIgsdEcEAEREAERiJyAxCZyxGpABERABERAYqM5IAIiIAIiEDkBiU3kiNWACIiACIiAxEZzQAREQAREIHICEpvIEasBERABERABiY3mgAiIgAiIQOQEJDaRI1YDIiACIiACEhvNAREQAREQgcgJSGwiR6wGREAEREAEJDaaAyIgAiIgApETkNhEjlgNiIAIiIAISGw0B0RABERABCInILGJHLEaEAEREAERkNhoDoiACIiACEROQGITOWI1IAIiIAIiILHRHBABERABEYicgMQmcsRqQAREQAREQGKjOSACIiACIhA5AYlN5IjVgAiIgAiIgMRGc0AEREAERCByAhKbyBGrAREQAREQAYmN5oAIiIAIiEDkBCQ2kSNWAyIgAiIgAhIbzQEREAEREIHICUhsIkecdwP79u0z06ZNM/xfuHBh06xZszxP+ueff8yPP/5ozznmmGNMo0aNzNy5c82OHTtMvXr1TOnSpfOs41AdsGzZMrNq1SpTuXJlU6NGjZS6wXXBpkCBAikdH9ZBs2fPNn/99Zc56aSTImX6/fffm/3795szzjjDHHXUUWF1P5R6mGPwL168uDniiCMSdS5atMj88ccfpmrVquaEE04Ipa1UK4HVpk2bzJw5c8y8efPsGDE3ypYta++fWrVqmaOPPjrV6nTcQSAgsTkIkFNpYtKkSebbb7+1hub66683FSpUyPW0JUuWmI8++siKTdeuXc2JJ55oBg0aZNatW2d/r127dirNHpJjvvnmGzNlyhTTvHlzc+655+bZhzVr1pivvvrKXHTRRdaYHMzyxhtvWIN6+eWXWwMWRTlw4IDp37+/YQHRt29fU7BgwSiaSavOv//+24wZM8bOyw4dOmQR+y+++MIgxmeffbY566yz0qo/3ZN+/fVXOycQGX9BEBE/5kvJkiXTbULnhUxAYhMy0HSrw6C99dZbdnXbrl0706JFi1yrGjdunPnhhx9M0aJFzY033miKFStmPZ3t27ebxo0bm/Lly6fblcjPCyo2Tz/9tMHo3XzzzQf9ug53sUFMRo0aZRcz3bp1yyI2eNIrV660C5uaNWtGPm9cA4jya6+9ZjZv3mznfZMmTezChUUJ98DSpUutcOMltm3b9qD1Sw3lTkBiE5MZsmfPHuupLF++3N7Y3bt3z3GFy430zjvv2BV33bp1zcUXX3zQw0v5wSaxyUovzp5NbmKTnzmQn3MXLFhghg0bZuB21VVXmerVqyfCe9wbEyZMMFOnTrVhz1tvvdUceeSR+WlO54ZEQGITEsgwquEm+e6776xw3HXXXXYvJllZv369XdlRzjvvPHP66afbnwmpcQMS8vDG1rkBWfW5kAOxbMJ07IF4j6MOjqUk2xvB6+IfN6//BubzjRs3mm3bthmEkz7QDvsy/j2IIGJDf5577jmzc+dOc8MNN1jPxn99tM0qd8uWLbZtrom2q1SpknT/A0awWLt2rdm7d6+91nLlypljjz0223Xl5Nk4FrBKxiOn+cAYrVixwl4P4bKKFSvacU4WRnPjmVP9ycbK9QtGzBO4FClSxO6ruDHjmK1bt9q/7d69O8GrUqVKplChQomuU/9PP/1kRo8ebffWunTpYv/uxjO3/tHGhg0b7JhwHB44oa1k88pbD2PHIorz6C98SpQokWWeDh061LBfdNxxx1mv3l+Yh6+88or9+KGHHordHlgYtuLfWIfEJkaj5r1J2rRpY1q1apWtdxjKTz/91Pzyyy/2xkeUuJExGv49G46dP3++3R/hBvYWbmA2Uv3huocfftge1q9fvyzHUxciwYqRcwj1uYLRJq5PSMVfEIfOnTsbDJkrqYoNRuixxx7LVucVV1yRCNtgNAnzEDqhj95CvJ59Bm+IByNG+JGNZQyiKxg2jrvsssuy1JFMbDhvxIgRdgwQivPPP98mZeRVSIxgn4GNbVcYB0I9n3/+ebY9G7cn0rp1a3PmmWdmqz7ZWE2cONFMnjzZ7lcgEswLihszFgP0YfHixdl40ReupU6dOvYcFjQIlreweMCbYKGS057N6tWrDWHe33//Pcu5LACY16ecckoWUf/kk08M3grzcdeuXTbRxY0l48Jiij0hJ4T8DZbMLcJo/sK+5euvv26Pv//++yU2eU3Mg/R3ic1BAp1KM9xE7NtgvLmZ+/Tpk+00soKeeeYZ+zkZaBdeeKH9OZnYsHLlpmP1Tn1lypSxq1xEgc9YWV9yySVZkgmCig2CQH8wEqxKWW1iABA3+so1lSpVytxxxx2hiw11P/vss7YdCt4JAsOK+s8//7Rt+zm6RAyMGMaVhAOMPyJEYSXtXS0nE5sBAwbYvTHqZx+DUKbfQ/QPHJ7Uiy++aLnjGSC+9Jt2OdcJnzdBID9iwwIELw9xYD4RToINK34WNRSuHW/OeaRcDwb6P//5j/VA0hEb9tZefvll67nBGEFAZNyc47Mrr7zShr5ccWIDF+YT4S/+IVaO16WXXprSvhDeGMJNhlrDhg2t6OY1Nqncmzom/wQkNvlnGGoNCAQ3Kzc+q/KmTZtmqZ9VK6tXjMI999xjjWlOYkNIjtAcBocbHKGh4A0QisDItm/f3m6wuhJUbAizjBw50vYDr4BwDQXjyd8wmNzs//3vfwOLjTshpwQBQilDhgyxhhHRdCtyznN/42evl/bkk09aYSQkhDFyBW8HVnDt3bt34nOv2BAGYq+ATEAENVWPhsrYYyPdGzHG00PUKN6sQn4PS2zo37XXXmuNNoKG4LMf+P7771ux4/rr16+fuE76AUvG7fbbb0+keee2Z5PMs6EO2CNiF1xwQRYPlOPxSJgrd955p/XIKU5s+J2w8Mknn2w/Z9EwePBgu3DwhotzuuEYV+6NGTNm2HFkIZBqan2oN7EqS0pAYhOzieH1bho0aGBXZi7WziqPENrChQttGi5JBC5+nsyzcXtArGA51ps2TDiF+jBKToRAEVRsMGSE6TAuZP94C9fyyCOP2I+8Bj/VMFpeYoN3gaDSf9Jv/ftIya7l0UcftQaVECWhGe/+A0LP795nlLxiA09CNIgbK20MWSqrZjyHgQMH2tU+KdT+zC34wSRMseG5IOaOd78Mr4P0ejzaZFlaL7zwgl2I3HLLLdZLpAQRGxYv7733nt0Po20nGm4cEYOXXnrJZhZ26tTJZk16xYaFFQssb3Hidc4555iWLVvmeLcyn1n0IKgIjVv4pDI+MTMBGdsdiU0Mh9bF3XmIjtUpq1IKRoswGyLBSs/78GcysWGFiQeDcXXPHpCmSggHg5os3h1UbBw+hIU+EAZBBDCsxPu//vrryMTGO3SubQwdxgzDx16OX+ic8eJz9ltOPfVUG+ohxAhn/wa2Exs+dxvyqaSme/vG3g57PPC++uqrsz0cCjtEkP/D8mww5B07dsxRDL28GCvmFmLKz+mKDftAeCkYe64zWfo9GZcslti3wcPzik2yfUrnPeW0h+k4s2dI2jNjSmj5YKZix9CExLJLEpsYDgv7HawQibl7V8KzZs0yX375pb2Z2QPxZqslExtEBkPHDYtAucLKFrEhW4ubOD+eDXWyYuUJeGLsXrHxbsBH4dnQNu2RtPDbb7/Zn9kHQWz42RVv26yASaTwbtIjxAg7q3mExGskndhQF8chCOxB9OrVy56TSsE7YNzYp2DF7Rc06nz88cdtn8MSG0SUMJa/eHkxPm5h4OWVrtiwyY+oEiokicOFybx9YJ6MHz/eJlQQ5vKKDSFd/9szUhEbvBnGlOtx94s8mlRm5sE9RmJzcHmn1BoraIwcq01uXAwbn7ERj6hgtFg5+lf2Ob1BgNg34SZEjJU/IuaEwJtkQH25eTZjx461r9XxZqMRdmEjmToJY2FI+UdcHmNMmq/fuwgrjMa1sL/l0ncRUdpGjPEi2CPxt+2YYfRYYRMG5HzntWCkSLF2eypObPB6CD3hdTIuhHzYs0nlGQ6v2BB+878hIKfnbHJLEGD88Ib81+e84mRigwi/+eabNj2d6/TzIkTIoiRdseGp/uHDh6ckNuwX8aaLMMSG7Dr2ady9ktJNpoMOOgGJzUFHnlqDrNQJgWHMevbsaTdJCVHw+2233ZYIrbnaknk2/pY4BoOCsWEVShv+zXsnNmTCueQD6sG4IWasIp3Y8NnHH39sjTbGmae4WfXjKbGHg9FnxR6F2GCgCZ1Mnz7dhsDYg8HTYzWNyPEvJ+H0coEHgglfBBkB8z557s9GgxvjgKhdc8015vjjj89zQJ0Rhgfn+MNLXAsp3vBM5tmwV8Gehbe4+RFEbAhpslhAONnjYqwcL8SZ55m4/nTFhvRz5gNzlMWQE2xvv0lQYA55xdAlCKTr2Xz22Wfm559/tns6fk55Do4OOGgEJDYHDXXwhlwWFvFtwkPswfAw5k033ZStMr/YkEDAsyRkWbGKJFzmLXgiTzzxRDYhYEMf40e835ulRqiMlF/Oc2KDN4AA4UGwIUxCg7eQ7vruu+/aj8hGc6GNMDwb+siGMEYm2eYxAsKGt79twpM84PrAAw9k289wcf/cxIb6uCb3TJFflJONMkLGXhuGnDCa9711XAf8HCev2BB6I3TqT8emDWegg4gNySU8d5WMFwsQUrMRPO9rgYIkCHCdZN3xP/smeM3egteEd84c8mYD5ldsgt9ZOuNQEJDYHArqKbbpssnYX8FQky3FngIehL8kExserCPTiZU0BobUXbwVwims0NlAZ4X+4IMPJqojW4h2WLFjMGgbQ0Scnf0fjKNfbDC8CBMPH7JSZpOZ/Rvqpy0KK/pq1arZn4OKDQYKsSWM5TLevGLDcy7sT7A6RxQJFxKCcs/OELpyadF4EOxPkImGMcQDwwhiIBEvDL93hZzsORtE9u2337ZeYqrhNPYyeFgR74sVPP2hH3iFrMzdQ4xesXFZangKZG+xaEAMCE3SV8fWuyeVWxiNEBfPnyB2LCboC/PGPZRLuJXiTblnwYLoMYfYh/EmlSRLfXbXyTxgrtJnwnU86Em4i7GhXdKrneecX7GBA9eBp+b1xlO8zXTYQSIgsTlIoNNpxoUlWAlSCE+xAcrGfl5ig0FhJf38889bo+Z/5Yl7RYh/z4aMHlb4FPdaGGcIadcbRuMYwiaEiRBDb5otRtGdx/9s/GJk0xEb9hkwiK4NDC/PyLiwULK23Wt1+B/DjuBQSCZg74lzYOK8LfoIE37nrdvujQc5va4GjwMx5XgeAmW/ILdCP3gAFcPo7a83icIfRuN3wpAum9Dx5XfEnX0KSqpiw4KBvSqKN0nBveIGHvyMV8w8o7hMOthwDtfJ3zDsycSG8/EoEW//dfI3roEQm/crCfIrNjzEiZCzGHGvbkrnftM50RKQ2ETLN1+1s4ImVdc98Y0BdEbTXzGCRJiE1SmrVvcwG0KAUWLFTn0YVYwKq0sMNiLgzarCi8EYk8bKih+DwZ4InhEreYwsq3n3+hTqxOiwQnevRsEo4RnhgRH64288WMqzPhQeTJ05c6Y1mKm8mp5VMQ9TurcCuFAixovVMgYRj8YJJAaR68JDIwzEtbrQI+E1eBB+wwNzhpw+80Aq5/EiVFcIE8KUMKH3qXf+zp4aITm8Pzy3vDKgGEdeIYMnCDeOJwMOrwzvBoPOit+bQMC14a3gpdFX+om3gHC/+uqrtps83OsKYVMWDDzjkmz/gvbxbrh2xwuvhTGFIXs6vFmhR48eti3EEY/IZRqy78QDwiw88FCpC0/Xa+ThzkLAvQGAOUddbm+NTDQvKzwn5gmeMSFjb3Ft4NHm9D1PLI7w1JmT/oeg83UD6uRQCUhsQsUZfmXeNF5u2GTppLTKDY0BcS899K5cESLq4Rj+caPz95xSd73HUzcGxoVc+Bu/e8MVtIkX5TwD6qefHINgYcScwFEfopSsntzokaLrxJLVsfueEq4HEXJtUwceIO3zmfMk/M8UuXMcD/rMNfozxQjfYeSpz5+yzDU4gU01DZrjGSfn9cEIL4Hro9BPryHmOK6BtrwLBfrpzvG27djyd29Ku2NLHY4ln9FWMl6wcP2gTjd/XJo4LBhXxtc/H6jXP+cYf45L9oVm8GBsYeF9ESj1uDaS/c1dUyrHhH9nqsagBCQ2QYnpeBEQAREQgcAEJDaBkekEERABERCBoAQkNkGJ6XgREAEREIHABCQ2gZHpBBEQAREQgaAEJDZBiel4ERABERCBwAQkNoGR6QQREAEREIGgBCQ2QYnpeBEQAREQgcAEJDaBkekEERABERCBoAQkNkGJ6XgREAEREIHABCQ2gZHpBBEQAREQgaAEJDZBiel4ERABERCBwAQkNoGR6QQREAEREIGgBCQ2QYnpeBEQAREQgcAEJDaBkekEERABERCBoAQkNkGJ6XgREAEREIHABCQ2gZHpBBEQAREQgaAEJDZBiel4ERABERCBwAQkNoGR6QQREAEREIGgBCQ2QYnpeBEQAREQgcAEJDaBkekEERABERCBoAQkNkGJ6XgREAEREIHABCQ2gZHpBBEQAREQgaAEJDZBiel4ERABERCBwAQkNoGR6QQREAEREIGgBCQ2QYnpeBEQAREQgcAEJDaBkekEERABERCBoAQkNkGJ6XgREAEREIHABCQ2gZHpBBEQAREQgaAEJDZBiel4ERABERCBwAQkNoGR6QQREAEREIGgBCQ2QYnpeBEQAREQgcAEJDaBkekEERABERCBoAQkNkGJ6XgREAEREIHABCQ2gZHpBBEQAREQgaAEJDZBiel4ERABERCBwAQkNoGR6QQREAEREIGgBCQ2SYjt2bPHHDhwwP6lYMGC5sgjj8yVqzv+iCOOsMfzv0pWAvCEE2wKFSp0WOLZvXu3ve7ChQvn+/r37t1r9u/fbwoUKGCOOuqofNd3sCoIk0FYfXZ9Yl7q3g2LavZ6JDZJ2M6bN8988803duKdffbZ5pRTTslxBDZt2mQ++OADK04nn3yyOeecc6IbrX9JzZs3bzZLly41p556aqLH69atMx9++KEpVqyYufHGG2N1Jbt27TKffvqpufLKKyPt14svvmj++ecfc9ttt+VbcIcPH25+//130759e1OvXr1I+x20ckRwwYIFpnLlyubYY4/Ncvpzzz1nf7/nnnuCVhvZ8a5PN910kznmmGMia+dwr1hik2QG7Nixw7z77rsGo1m2bFnTs2dPU7Ro0WxHYqTeeOMNs3XrVrvCxFhVrVr1sJ5T33//vZkwYYJp1aqVad26dYLFH3/8YZkiNnfccUdsGNGvgQMH2vG96667Iu1X//79DR7JAw88kG+xGTRokBX0iy66yC5y4lQYf+bBrbfeasqUKZOlazCg9O3bNzZddn1iXjI/VaIhILFJwhUvZc6cOeaLL76wf23atKnp0KFDtiMnTpxoJk+ebD9nhdmsWbNoRulfUivcxowZY6ZPn27OPPPMLGKDkcULJCRZvnz52FzRqlWrzDvvvGNKliwpsQlpVF544QW7AMOD84sN4k6pUKFCSK3lvxrXJ+ZlXiHz/Ld2+NYgscll7N977z0bqqB06dLFNGzYMHH0+vXrzfvvv2/+/vtvU61aNevV+GPn+/btSxzPJI4iHoyBJ2xBCdIG53Au/+hXXuf6j0+2T5Cb2KRyi7lrcX3ytpHb35LV7e2vY5PMkKQiNv62Ha/crinZ2Kfr2XjH2LUdlWfj+p1sPqQ6Z3ITm9yYpcOZ+rzn0e8wBcPxoI2w607lnsikYyQ2uYwm4bS3337brtIqVapkLr/8chvT5aYj9IKhwiDyeY0aNRI1EV774YcfDILkEg2KFClivZ+jjz46S4us9gk78Lnfe2JDnb/t3LnThqUI6VHcOYRQ5s+fb+PjGKETTzzRnHbaaXnOz5UrV5off/zRbti7Urp0aXPWWWdlCxfSf+qfO3duQtRoCw7nnXdeYrObTdbPP//csErcsmWL7Wu5cuVM9erVrWfIZ+PGjbP1d+zY0Ta7aNEi89NPP5kqVapYr3DSpEn2fCc27EU0atTI/v7rr7/aYx1P6md/LJnocX3Tpk2zIStXMBR169a19bkCW8Zw+fLlNrGjZs2almPXrl0Tx3BdX3/9tWEuuLYJmcKZRYa/cAysfvnll8TxcIDtM888EziMtm3bNoMHzaLGiWbLli0tK38YjesdNWqUbePCCy/MFqqDCWwIu9WuXTvR9U8++cTy57q+/fZb22/4nnvuufYY9pmYz2vXrk3MAT5nLNu0aWO9QgosmVcLFy60fWA+sulOPe4Y2qJ069YtCzrm+HfffWc2btyY+Jz64cbc9Bb6M2LECPsRi0DmFSFvx+ekk04yDRo0yPM+cAe4PnXq1Mlwn1K4x/HQly1blhhH5gbeD32ClbfMmDHDziPajtseWsogIj5QYpMH4FmzZpmvvvrKTj5uSG4cjBQ3H5OPzzC6rvz11192bwLj6ia/8yD4HYHAQ3JeTm4ra25AQjzbt283V1xxhTnhhBNsnRgM2uCG5UbBkNIGiQzcMDkVrgEjxU1NoQ/8c/0jS+qWW24xJUqUSFSBkacNJwAc7zwpNn/x6AiVYAyffvrpbE03btzY9glD9eabb5rixYsnNoenTp1qxo4da+rUqWMFdcWKFQkurj2MCYb7t99+S1ynM/okb3Dju8LnCB6ilOz6+Ix9JEJ8FNjC31tg+X//93/2I/720Ucf2Wvzs+L3q666yoqpt33En8171z7/0y+EDGOEoUx1zwYD+sorr1jebr5QF4abfjLHvHs2LHKef/55g0Def//92RYOJEHQv3bt2pkWLVok+v3www+btm3bWlFzY0uYi0QOxoVxY8GVbD4j0mysMwdYlHDtXq+Oc26++eZE6JS2KP369Uu0/+eff5pXX33V9jtZGz169LBz3zFgkfTEE0/YY5k7yebGxRdfnLLguD7de++9ds8GxtzzM2fOzDKPHBtElAWJN6tw5MiRdt5551e2m+Ew/0Bik8cEYGKTRYUhZBWNgWP1hqiwIid5wBVulsGDB1sjxYqOlTcrIAwMNzkigbG9/vrrEwY9P2JD3WT8IF4YRFarrKJzKqyEMTisOhEBF6Omf6zMNmzYYG/q7t27W0+L45566inb//r161vDipHD8MCA68VoYbw4hpsTcYIVnl6tWrUS3k1uYuNSoVklY7wwVngHsKGPGF2MCu27/bTVq1dbtg8++GDicmkXcaBfeB6woL/8Tt/wCI8//ngrkBgKRIw2WPG7VTQGzXmHLozKOTCmPQzO4sWL7eqdwiIA40NxQkMfGQuun5/pF39zIpmK2GCAmXd4xxhyFjXMP8Zk/PjxCa8tLLGhbgwt40k/WUhwDVOmTLGeA7yaN29u5y8MmP9wQ+DwtBg7xG/JkiV2QeO8cTxg2LkEG7/Y4DF+/PHH9t7gWBYCzAHmEws9shhZ/MDZ7fV5xQZPxPWLc9hDpW9cCwkKzlPJ7Tb3iw3eDGFK5gL94Zr5mbniFjLcI17vkHsLr4y5QhREJTsBiU2Ks8LF293hGMhLL700y8oWg/LZZ5/ZiXnNNdfYiecKN9WAAQOsIcXVvuSSS+yf8iM2nI/YIXqplNdee80aL0JyGAdvwYgRa0e0brjhBlOxYkUbOiL0g6FgpewtrILxTDDoHE/Jbc8mN7HhXOrw3qQYOdLPKV5e/I5Refzxx+3fvCtkBJCQF14EoU1vQbwYG8SHrCPnveXE361UMfRsdPsLRg0GhKQIWTHmbh+FEA4ra29h5Y6YU1IRG/YKETvY40ExHq6Qms+1YPTDEhvq9ie5UD9eDQYfAT7//POzXNPo0aNtqIkUd/7mPI/c9mz8YgN/QtKIHZ46Y+cKvGCKZ0/04PTTT7d/8oqN30tjfpMh6jyuUqVK5Xlr+MUGb5u5fcYZZ1iPz1veeustO458nkrIOs/GD6MDJDYpDjYrfwyZCxG48JD3dFZ0xLyJ5V922WXZYuasrompe413fsQGwcNwpVJYgT755JO27TvvvDPpKRhrDCj7GhhQFxrDiLB6RVgwBrSbbBM2XbFhFUqoxJu5xCqREBJt33fffVn2umjnkUceySY2GCWMNB4I+zPegoHi+jGgpDh79xmSZaMhsojttddea4477rhsvNhbwotFtOg73hOGkXMQGn/cfs2aNQZDlarYELokLIWnSf3e5BJvan6YYuPCSN6LxRuEKSn93vFhDJgrhGTZk7vgggvSEhsyPmfPnm2z0/D4/XtwhLO49/BqCMf5xYbndfA8XMELJsTMgoQFjD8bLtnE94sN10SoHMFi3nPtiD3zKookn1Tu30w4RmKT4ihirEkW4ObDOGKw/ZuErMRZkTtj7a+a8BOrPopbkedHbDD+7LGkUrgJX3rpJXuzJHtmiDowIIQ/3Gqe31klsrKlYAgIpxDuIGbNcV7RSVdsEAYz/ItnAAAazElEQVRWtd4bGU8Lb5I2MYL+PieL/TsO9IPzMcoYDkI0XJfbZA8iNoRhcspuok7+hhEkdEPYCyHGE0kmUI8++qgVu1Q8G7xgQmmsoFlh+wtzkVBimGLz3//+N0djSr8x4ITK8OpgisDCOT9igzBQVzLPiWsmiWTIkCGWs9tL83o2/j5zj+Ep0bd0xYZr4kFP7nkKosM/BIc9ROaiRCcVq5P1GIlNAGavv/66NbzeVZb3dOd+sxrK6U0CycIIOT3nkVeCQE79SHZJuP6Ecpxo5HbZiMndd99tD8FAE7NnL8bdfO5cjuM63RsW0hUb9oO8GWDUn47YuMw5xgFD7S0uEYLPgohNXinh1NerVy/bHmKDALNhnixLLkjqszuWcfAmbLhrSpb6nJ8EAe8CyMsN480eBiEzxCZZyY/YsJjBS7zuuuuyhJ297fjvGa/YeMOonBOG2FAPizOiEOy3+RMe2CclczROzwoFMGOH7FCJTQD0eYmN82yShdhoBoPEihXDx4qMkh/PJojY4JG9/PLLdsOUsExuBUPp0qw5DiPO+RgzQoneFFjvmxMOtdiwl8FeC8YBkcDLIG2WkBab+Ow/BA2jOQ8uN14IDOOI2MAXzybZg6uPPfaY7Vsqns2zzz5rvSXvXoW3D6zeMYSpejaMDckhJEUky0ZLJjawYvPeJUMwLwhZYWTZP4E3oeH8iI3LCPQ/BOyulY13hBXPwr114GCIDe3jHZF6jgeJh8zPLskDDmTr6Y0DqRtQiU3qrExeYuPeKMC+BskD/tUt3gE3L6GoPn36ZBEbJi/ZM950SlJlhw4daid4stTnIGLDjUJaLH3ybpB7L5/VHIJCeM5lheER8bM/9k2mEPtT7JOQKcb1HmqxcRvTbFizh+AtZEkhBvQxiGdDeC/ZcxNwYl8Jr4N/eLzs4eCNkvzh3zOiXcJo/J+K2FAXfWb/7+qrr84StqEOhBOPICexYS55FwwsdHiHH4uGVMUGYcTDQnRIX2cR5S0sPMhIy4/YkCqNaJFMw/6YP2TpFnAsGm6//XbbfNRiQ/iV+4Vx9YsJ14zA4uWRBJTsWasAJuWwOlRiE2C48xKbn3/+2T7nwYqa9FrcbVcIR3E+xplVtnvpIxvHxK0RAdIpvQ+HciMTEsLY51dsMBwYY9rHeLJi9++RuOeDSCXl+RUycljRsZlOaMhfSDNm1Ythpe+HWmxIGnDC7M1q4jP3vi6uIRWxwTATPiIFnFCWf3+OsaFOjCQsGSMEgs10xBce3mdj2AjnFUiUVMTGPd/E4sM/l1jtk0DAytsrNvyO94pH5H/eg3mGN4SRDCI2eGPJ+ox4sZeCyDZp0sSGldLJRmNPhgUVfEmq8Rpv9odgyiLIG5qOWmzI9OPZHXcf+Oe9Sx6R2AQwnjzX169fv///Ln2VPAnkJTasarmh8Qa4eYhD8z/7D3gBGGaEiFRal0HDSpPX3iACZL24FFJuYkJCrCrDEBsujmcEMHrUyTMgGCT6hxCRwkpWEP2j33hNXA8PamKs2fAmQ815PIRj2CjGwLhnTbxiw7MVpFizmcreTm6pz2Ht2ZAAgWEigwuOCDjGFY4uySEnsWEFiwcBD5cu+7///c8adP5GfTCBFV4N40xhY5uUYTjg7RHnhwOLBvcEPinxvJgyyHM2XkOL2DtPmetxokF9XrHhb4ScCK+xKme8mGfMP8JVFPofRGxgQL14i/zjOqmPtGz3Bgq4sBnvBNmNA2nhzAGe2XFevn//xfs8EfMEYXXPppGJRniS0CRzzD1KELXYsJDAg3Hji5i6ucTeFXz99zF7RSwo4e3NjsvTqBxGB0hsAgx2XmJDVWTW8CoN98S1t3puVDbUiXe7mw/DzwR2Tyt7jyerjVAaRj+/ng31Ug+b/YhKskL/MA78c4YDkXSvMPGfw/FkSrlkCIwfYQ88IldcZt7BEBvnWbonvb39RdBIJaaPhBGdoLg9M3esN52cZ3MYG39ihDuW55tIc3Zp1HyOAJMC74TFHcsDqW6zORXPhvMYe7wH72t3+BwhgT2hHv9bn90LZP3t4zFwDt5aqmJDHd43Mnh5Mj9YgLCfATMyBt3Due5NBe54r5eVLIsQLlyne4OA/57p3LmzfTDUhdiiFhvad55tsvsEb5MwrfddiXqDQN6GVGKTN6PEEUxA4vTEwlkF51S4GRAcjIW76d0TzTml0fK2ZPfuL45hw5QsL0JVhEVIuXRhOQw3n7OPgisftHBzEyt3RhQjxKqS5xySpUVjxL3PGNEexoaVu//19hhGVrbOcPCUNQbZfZ8N7biQnNv34Rj/e+FYTfP9L4gyx/ufBM/pe1EQRlam3peTsqeAIMIYwfH2gWvBoOKpUWDfu3fvLEjJmHLv3uIP7k0SOT3Uh5gjuq4PeKzs41APfIJ8nw2rZQyxeyDUPfxIGzl9nw3jRfjVZY8RUiTUh6dAeIi5BRNX8vqOGbwlRMXNZeYIc4U5zbNQjDWLIZfuzT3C3qTLCGSeuu8wyqkt5uKwYcOytIOI83Cu/ztx3Byj//7vxaFNwnLcg/QplYc6c/o+G97UwCLQu3ghrMrekj9DkPuDOcTi63B/+3tO9khiE9RS63gREAEREIHABCQ2gZHpBBEQAREQgaAEJDZBiel4ERABERCBwAQkNoGR6QQREAEREIGgBCQ2QYnpeBEQAREQgcAEJDaBkekEERABERCBoAQkNkGJ6XgREAEREIHABCQ2gZHpBBEQAREQgaAEJDZBiel4ERABERCBwAQkNoGR6QQREAEREIGgBCQ2QYnpeBEQAREQgcAEJDaBkekEERABERCBoAQkNkGJ6XgREAEREIHABCQ2gZHpBBEQAREQgaAEJDZBiel4ERABERCBwAQkNoGR6QQREAEREIGgBCQ2QYnpeBEQAREQgcAEJDaBkemEQ0Vgx44dZt++fYnm+YbR3L7vnW+W5JsuvefwTZx8Uyfn5lX4pku+Sptvx+QbGlVEQATSJyCxSZ+dzjyIBCZNmmRmzJhhxcOVggULmlNPPdX+8391MMeMGzfO8BXJfK22K4UKFTINGjQwHTt2zLP3tPndd9+ZE044Ia2v386zAR0gAocRAYnNYTTY/9ZLHTlypPnpp59s970eCZ4L5eyzzzZnnXVWlsv78ssvzaxZs7KdwwecV69ePdOtW7cckXDMI488Yv9erVo1ic2/dfKo37EhILGJzVCoI8kIbNy40bz99ttmz549pnHjxgmPBDGYN2+eGTFihBWgPn36GLwWytatW82gQYPM5s2bTe3atc1ll12WqHrNmjXmo48+MoTkrrvuOlO5cuUszVLv+PHjzbRp0xLhN4mN5qYI5J+AxCb/DFVDhAQw+mPHjrVhsh49epgSJUpkae3hhx+2vz/wwAMJsVm0aJEZMmSIKV++vLnhhhtMgQIFspxDKO7pp582xx13nOnVq1fib0uWLDF4UQgRooNQLVy4UJ5NhOOrqg8fAhKbw2esM+5KXajL79k4salQoYK56aabkl63E6l+/fol/j5mzBjz448/muOPP95ceeWVVmjwnNLxbFz9Dz30kBk9erSZPXu2FTBK2bJlzeWXX26KFStm/zZnzpxEH4oUKWLOOecc07Rp0yz9/uWXX8w333xjtm3blvicZIfTTjvNNGnSxNapIgJxJiCxifPoqG85Eti9e7dBHNjLQRzwesgao6QrNghNlSpVrBdVtGhRM3fu3HyLDWG61atXZ7sOBAyRXL58eUKE3EFcR+/evQ0JEBSSHD7//HOzf//+pDzo89VXX53Ng9P0EYE4EZDYxGk01Jc8CaxYscJ88MEHif0UUp/Z6EdwXMkrjIZ38Pzzz9vDvZ6Nv/EwxAbhIPOtUaNGtvpvv/3WkOVG4W+dO3c2DRs2tL8jPIT/9u7da4+/8MIL7ed4P9OnTzfVq1e3HpELCxJiZH+J0rVrVxv2UxGBuBKQ2MR1ZNSvpAQWL15sPvzww8Tf2MMhs6xdu3aGsJIz2u4YhKhWrVpZ6ho4cKBBtA6G2NA+/fOWRx991HopeD0kKXgz7IYNG2YImXlDd6NGjTIzZ840zZs3t9fpjidpYtWqVYbngQgZ+vezNIVEIE4EJDZxGg31JRAB9kHYx9i1a5epW7eu6d69e+J8Ms7Yc6Gwn9G6dWsbziIdGuPsHvSM2rMhS65w4cJZrqt///7We+nQoUO2vRky7IYPH26qVq1qQ4MUEiSmTp1qf6auli1bmvr169uf9bBpoCmjgw8hAYnNIYSvpvNPYOnSpTaVGQHBS3DhNFKmCT8tW7YsSyPsxbABz3M4B8OzIUHA7SW5jjixSSZEycRmw4YN1pvzJgfg3ZQrV84+cFqnTh1To0aN/MNUDSIQIQGJTYRwVXX0BBAZnqkhLMaKHyFxhewvPJkpU6bYdGZCU+xtsOeRLBvN39sw9mzCEBvXL/Zt2KPBK/O+gofr6dKlS7ZwXfT01YIIpE5AYpM6Kx15CAggGOzTYFxr1qyZLeOKvQ/Sk+fPn29atGhh9zTyKggT+zZke/Xt2zfHw+MmNnQUDps2bbL7Otu3bzcLFiwwZOZVrFjR3HjjjXlduv4uAoeMgMTmkKFXw6kQwDMhxZm3AxAmK126dJbTMLQDBgywBrd9+/amWbNmNquLVGGeY7n44ouzvTfttddeM+vXrzcnn3yyueiii2IvNoTW4NC2bdssbzxAaMm8Gzp0qL2G3PafUmGtY0QgSgISmyjpqu58E1i3bp1599137etq2OQ/88wzE3XyWhpW9iQJIEbsgbCXwWtqBg8ebF9b06pVK3ueK7wlgA14wm89e/a0WVw5lTh4NiQ/cC0kN/AC0U6dOiWev+EaeFHo5MmTraDeeeed+eatCkQgKgISm6jIqt7QCLgn+6mQV9CwR4Go8DZnNs352f+eM5eNxrFko7FJj3HesmWLFS6y1y655JJsm/feTsdBbOjPxIkTraCQ2o1nR/iPn7kOrofrYq+KPSsVEYgrAYlNXEdG/UoQYN9mwoQJNpTE98t4C8+WtGnTxobEvIUQ0/vvv289Au9mOh4QacWXXnpp4rmcOHs29I1rQTxXrlxpw4XeQvozwkkatf8dcJpCIhAnAhKbOI2G+pIjAQRn7dq1dlPcvWPMrfTLlCmT9MvQ3EOPPNPCOXhApD6THu0eAM0NOZ4TezucwwZ8kEJKNoWn/v1f1EY6Nv0hO87fD9cm70irVKlSokkEB+HkJaLu+qmXL4Lj4dBUvgwuSP91rAiETUBiEzZR1ScCIiACIpCNgMRGk0IEREAERCByAhKbyBGrAREQAREQAYmN5oAIiIAIiEDkBCQ2kSNWAyIgAiIgAhIbzQEREAEREIHICUhsIkesBkRABERABCQ2mgMiIAIiIAKRE5DYRI5YDYiACIiACEhsNAdEQAREQAQiJyCxiRyxGhABERABEZDYaA6IgAiIgAhETkBiEzliNSACIiACIiCx0RwQAREQARGInIDEJnLEakAEREAEREBiozkgAiIgAiIQOQGJTeSI1YAIiIAIiIDERnNABERABEQgcgISm8gRqwEREAEREAGJjeaACIiACIhA5AQkNpEjVgMiIAIiIAISG80BERABERCByAlIbCJHrAZEQAREQAQkNpoDIiACIiACkROQ2ESOWA2IgAiIgAhIbDQHREAEREAEIicgsYkcsRoQAREQARGQ2GgOiIAIiIAIRE5AYhM5YjUgAiIgAiIgsdEcEAEREAERiJyAxCZyxGpABERABERAYqM5IAIiIAIiEDkBiU3kiNWACIiACIiAxEZzQAREQAREIHICEpvIEasBERABERABiY3mgAiIgAiIQOQEJDaRI1YDIiACIiACEhvNAREQAREQgcgJSGwiR6wGREAEREAEJDaaAyIgAiIgApETkNhEjlgNiIAIiIAISGw0B0RABERABCInILGJHLEaEAEREAERkNhoDoiACIiACEROQGITOWI1IAIiIAIiILHRHBABERABEYicgMQmcsRqQAREQAREQGKjOSACIiACIhA5AYlN5IjVgAiIgAiIgMRGc0AEREAERCByAhKbyBGrAREQAREQAYmN5oAIiIAIiEDkBCQ2kSNWAyIgAiIgAhIbzQEREAEREIHICUhsIkesBkRABERABCQ2mgMZR+CLL77Ick2dOnXKuGvUBYnAv42AxObfNmLqb54EFi1aZIYMGWKPK1mypLnrrrvyPEcHiIAIREtAYhMtX9V+CAjs2LHDfPDBB2b9+vWmQ4cOpmnTpoegF2pSBETAS0Bio/mQkQQ+++wzs3r1atOzZ09z9NFHZ+Q16qJE4N9EQGLzbxot9TUQge+//960bNky0Dk6WAREIBoCEptouKpWERABERABDwGJjaaDCIiACIhA5AQkNpEjVgMiIAIiIAISG80BERABERCByAlIbCJHrAZEQAREQAQkNpoDIiACIiACkROQ2ESOWA2IgAiIgAhIbGIyB9auXWu2bt1q6tWrF1qP5s+fb+vjSfrNmzebMmXK2P/TbWP58uVm3759Zvbs2aZ+/fpmwYIFpmbNmmbDhg2mXbt2afV78uTJpkCBAmbFihW2X/S5cePG5qijjjK1atVKq87p06ebcuXKmQMHDtj/6V/p0qXtq2vSKfTtt99+M61btzarVq0yVatWNbCoVKmSKVKkSOAqN23aZK/z77//tn1atmyZqVy5sh2n7t27B66PExhX+rZlyxZTpUoVM3PmTNOwYUOzceNG06pVq7TqhGPZsmXNrl27TIkSJcxff/1lH5CtUKGCKViwYFp1MmeOPfZY299SpUol/uf6g5YZM2aYatWq2WukX7w5omjRovb/Y445xo45/VaJBwGJTTzGwRoKbhhukLDKn3/+aYoXL262b99udu/ebQ3E/v3789XGnDlzDMbylFNOMYMGDTJdunQxCMZVV12VdrcxjNTRrVs3M3jwYNOrVy+zdOlS06RJk7TqfPHFFw0v38QQhVEwtn/88UeW+v755x/Dv3TEhoXF4sWLrZFEGMaPH29OO+00K9633XZb2l1GHPbu3WuaNWtmXn75ZXPttddarum+iBRBZD4eccQRVhS3bdtmf0fECxcunFY/mecsWBAF/qewsChfvnzg+jgfcWVu069169aZihUrWvFmocLijQWWSjwISGziMQ52hTd16lT7Lq+wCitRVni8mHLJkiXmpJNOMvPmzUu7DYwhK3y8BYSsdu3aVhTwctJZmXKdnI/ngJfw+++/W4OOIebJ/3RXpdSJsM6aNcu+Fw0xo4/pekqIAm8jaNu2rRk3bpzp2LGjGTVqlGnfvn1aRhfjOGXKFHvNeF14DxjGYsWK2TFKtzAmGGAEpm7dunbMGzRoYAUtnTJ69OiEx8VY0G/KGWecYY488sh0qrTcWrRoYaZNm2YaNWpkfv75Z1OnTp20FwbcN7/++qsVwEKFCtl5yfxE1PC2+UwlHgQkNvEYB/VCBERABDKagMQmpsM7YMAAu/JjnyCMwup80qRJpmvXrmFUZ+uYO3euXY1Xr149lDpXrlxpvxqgd+/eodRHJSNHjrRhlbvvvju0Op988klz77332r2mMAqr8rFjx5pzzz3XhqzCKM8++6x9CSn7ImEUvOPhw4ebPn36hFGdrWPgwIHWO2QPKKzy0ksvmWuuuSZtrzisfqie7AQkNjGdFc8884zdKG/Tpk0oPSRcM3HixLQ3oJN1ghAIYlOjRo1Q+ojYsA/Ut2/fUOqjkhEjRthQ3X333Rdanf379zf3339/qGIzZswYa3jDEpunnnrKXH/99fnan/MCW7hwoRk2bJh58MEHQ+P4zjvvmPPPP9/us4RVXnjhBdOjR4+0k0HC6ofqkdj8a+YAYkP8PZ0N6GQXSV1sdLOHE1bZs2ePjd2HtcJnw51MonSzxpJdFxlfbJqHWScb5WHWR7937txpN83DKvSR5JB091b8/YChy54Lq4/sKXLNJAiEWSQ2YdIMry55NuGxDLUmxIa04rC++IsNaDbK2eQOq7CRj7FINznA3w+yiVjhYyzCKoQO16xZY6644oqwqjTvvfeezb4Ly0gSRmPD/PTTTw/Ns8FD7Ny5c2jhJJI4JkyYYDPcwip8fTfJAmFmjH366afybMIaoJDrkdiEDDSs6hRGC4ekwmjhpNIrjBbOfDyca5HYxHT0P/zwQ5taLM8mfwP0b/FsSHtv3ry5PJv8DbcZOnSoTe1nL1ElXgQkNvEaD/VGBERABDKSgMQmI4dVFyUCIiAC8SIgsYnXeKg3IiACIpCRBCQ2GTmsuigREAERiBcBiU28xkO9EQEREIGMJCCxychh1UWJgAiIQLwISGziNR7qjQiIgAhkJAGJTUYOqy5KBERABOJFQGITr/FQb0RABEQgIwlIbDJyWHVRIiACIhAvAhKbeI2HeiMCIiACGUlAYpORw6qLEgEREIF4EZDYxGs81BsREAERyEgCEpuMHFZdlAiIgAjEi4DEJl7jod6IgAiIQEYSkNhk5LDqokRABEQgXgQkNvEaD/VGBERABDKSgMQmI4dVFyUCIiAC8SIgsYnXeKg3IiACIpCRBCQ2GTmsuigREAERiBcBiU28xkO9EQEREIGMJCCxychh1UWJgAiIQLwISGziNR7qjQiIgAhkJAGJTUYOqy5KBERABOJFQGITr/FQb0RABEQgIwlIbDJyWHVRIiACIhAvAhKbeI2HeiMCIiACGUlAYpORw6qLEgEREIF4EZDYxGs81BsREAERyEgCEpuMHFZdlAiIgAjEi4DEJl7jod6IgAiIQEYSkNhk5LDqokRABEQgXgQkNvEaD/VGBERABDKSgMQmI4dVFyUCIiAC8SIgsYnXeKg3IiACIpCRBCQ2GTmsuigREAERiBcBiU28xkO9EQEREIGMJCCxychh1UWJgAiIQLwISGziNR7qjQiIgAhkJAGJTUYOqy5KBERABOJFQGITr/FQb0RABEQgIwlIbDJyWHVRIiACIhAvAhKbeI2HeiMCIiACGUlAYpORw6qLEgEREIF4EZDYxGs81BsREAERyEgCEpuMHFZdlAiIgAjEi4DEJl7jod6IgAiIQEYSkNhk5LDqokRABEQgXgQkNvEaD/VGBERABDKSgMQmI4dVFyUCIiAC8SIgsYnXeKg3IiACIpCRBP4f+Vwgr9TMZycAAAAASUVORK5CYII="/>
-          <p:cNvSpPr>
-            <a:spLocks noChangeAspect="1" noChangeArrowheads="1"/>
-          </p:cNvSpPr>
-          <p:nvPr/>
-        </p:nvSpPr>
-        <p:spPr bwMode="auto">
-          <a:xfrm>
-            <a:off x="155575" y="-1241425"/>
-            <a:ext cx="3914775" cy="2600325"/>
-          </a:xfrm>
-          <a:prstGeom prst="rect">
-            <a:avLst/>
-          </a:prstGeom>
-          <a:noFill/>
-          <a:extLst>
-            <a:ext uri="{909E8E84-426E-40DD-AFC4-6F175D3DCCD1}">
-              <a14:hiddenFill xmlns:a14="http://schemas.microsoft.com/office/drawing/2010/main">
-                <a:solidFill>
-                  <a:srgbClr val="FFFFFF"/>
-                </a:solidFill>
-              </a14:hiddenFill>
-            </a:ext>
-          </a:extLst>
-        </p:spPr>
-        <p:txBody>
-          <a:bodyPr vert="horz" wrap="square" lIns="91440" tIns="45720" rIns="91440" bIns="45720" numCol="1" anchor="t" anchorCtr="0" compatLnSpc="1">
-            <a:prstTxWarp prst="textNoShape">
-              <a:avLst/>
-            </a:prstTxWarp>
-          </a:bodyPr>
-          <a:lstStyle/>
-          <a:p>
-            <a:endParaRPr lang="de-DE"/>
-          </a:p>
-        </p:txBody>
-      </p:sp>
-      <p:sp>
-        <p:nvSpPr>
-          <p:cNvPr id="6" name="AutoShape 8" descr="data:image/png;base64,iVBORw0KGgoAAAANSUhEUgAAAZsAAAERCAYAAACtswpGAAAAAXNSR0IArs4c6QAAIABJREFUeF7tnXeUFcX2tkslKkGiBJEgWRABRRBUEBQlKAqYRUyY4xVEf5e/THiNmLOigogiiIogkkQFJCogSpYoGUQkCXzrqW/VWT09Z2ZOn+mG9vDWWixmznRXVT9Vvd/au3b3OeLRay49UKNSKVPy7IsM5cCB3Wbt2m2mQsVyZuO6NaZU6ePMtq0bTYmSpcyRR+43u3fvM39u3WUqHl/W/LNzq9m080hT5tgiZtumHeaAMaZsuWPNls3bTMmSRcyOHftN8RKFzMZ1m0zpsmXNjr+2meIlS5otG7eaUmVLmQ1r15siJYub4kcfY9tOtezdvdPsNAVNicIFUj1Fx4mACIiACBxCAkf069cPjVARAREQAREQgcgISGwiQ6uKRUAEREAEHAGJjeaCCIiACIhA5AQkNpEjVgMiIAIiIAISG80BERABERCByAlIbCJHrAZEQAREQAQkNpoDIiACIiACkROQ2ESOWA2IgAiIgAhIbDQHREAEREAEIicgsYkcsRoQAREQARGQ2GgOiIAIiIAIRE5AYhM5YjUgAiIgAiIgsdEcEAEREAERiJyAxCZyxGpABERABERAYqM5IAIiIAIiEDkBiU3kiNWACIiACIiAxEZzQAREQAREIHICEpvIEasBERABERABiY3mgAiIgAiIQOQEJDaRI1YDIiACIiACEhvNAREQAREQgcgJSGwiR6wGREAEREAEJDaaAyIgAiIgApETkNhEjlgNiIAIiIAISGw0B0RABERABCInILGJHLEaEAEREAERkNhoDoiACIiACEROQGITOWI1IAIiIAIiILHRHBABERABEYicgMQmcsRqQAREQAREQGKjOSACIiACIhA5AYlN5IjVgAiIgAiIgMRGc0AEREAERCByAhKbyBGrAREQAREQAYmN5oAIiIAIiEDkBCQ2kSNWAyIgAiIgAhIbzQEREAEREIHICUhsIkecdwP79u0z06ZNM/xfuHBh06xZszxP+ueff8yPP/5ozznmmGNMo0aNzNy5c82OHTtMvXr1TOnSpfOs41AdsGzZMrNq1SpTuXJlU6NGjZS6wXXBpkCBAikdH9ZBs2fPNn/99Zc56aSTImX6/fffm/3795szzjjDHHXUUWF1P5R6mGPwL168uDniiCMSdS5atMj88ccfpmrVquaEE04Ipa1UK4HVpk2bzJw5c8y8efPsGDE3ypYta++fWrVqmaOPPjrV6nTcQSAgsTkIkFNpYtKkSebbb7+1hub66683FSpUyPW0JUuWmI8++siKTdeuXc2JJ55oBg0aZNatW2d/r127dirNHpJjvvnmGzNlyhTTvHlzc+655+bZhzVr1pivvvrKXHTRRdaYHMzyxhtvWIN6+eWXWwMWRTlw4IDp37+/YQHRt29fU7BgwSiaSavOv//+24wZM8bOyw4dOmQR+y+++MIgxmeffbY566yz0qo/3ZN+/fVXOycQGX9BEBE/5kvJkiXTbULnhUxAYhMy0HSrw6C99dZbdnXbrl0706JFi1yrGjdunPnhhx9M0aJFzY033miKFStmPZ3t27ebxo0bm/Lly6fblcjPCyo2Tz/9tMHo3XzzzQf9ug53sUFMRo0aZRcz3bp1yyI2eNIrV660C5uaNWtGPm9cA4jya6+9ZjZv3mznfZMmTezChUUJ98DSpUutcOMltm3b9qD1Sw3lTkBiE5MZsmfPHuupLF++3N7Y3bt3z3GFy430zjvv2BV33bp1zcUXX3zQw0v5wSaxyUovzp5NbmKTnzmQn3MXLFhghg0bZuB21VVXmerVqyfCe9wbEyZMMFOnTrVhz1tvvdUceeSR+WlO54ZEQGITEsgwquEm+e6776xw3HXXXXYvJllZv369XdlRzjvvPHP66afbnwmpcQMS8vDG1rkBWfW5kAOxbMJ07IF4j6MOjqUk2xvB6+IfN6//BubzjRs3mm3bthmEkz7QDvsy/j2IIGJDf5577jmzc+dOc8MNN1jPxn99tM0qd8uWLbZtrom2q1SpknT/A0awWLt2rdm7d6+91nLlypljjz0223Xl5Nk4FrBKxiOn+cAYrVixwl4P4bKKFSvacU4WRnPjmVP9ycbK9QtGzBO4FClSxO6ruDHjmK1bt9q/7d69O8GrUqVKplChQomuU/9PP/1kRo8ebffWunTpYv/uxjO3/tHGhg0b7JhwHB44oa1k88pbD2PHIorz6C98SpQokWWeDh061LBfdNxxx1mv3l+Yh6+88or9+KGHHordHlgYtuLfWIfEJkaj5r1J2rRpY1q1apWtdxjKTz/91Pzyyy/2xkeUuJExGv49G46dP3++3R/hBvYWbmA2Uv3huocfftge1q9fvyzHUxciwYqRcwj1uYLRJq5PSMVfEIfOnTsbDJkrqYoNRuixxx7LVucVV1yRCNtgNAnzEDqhj95CvJ59Bm+IByNG+JGNZQyiKxg2jrvsssuy1JFMbDhvxIgRdgwQivPPP98mZeRVSIxgn4GNbVcYB0I9n3/+ebY9G7cn0rp1a3PmmWdmqz7ZWE2cONFMnjzZ7lcgEswLihszFgP0YfHixdl40ReupU6dOvYcFjQIlreweMCbYKGS057N6tWrDWHe33//Pcu5LACY16ecckoWUf/kk08M3grzcdeuXTbRxY0l48Jiij0hJ4T8DZbMLcJo/sK+5euvv26Pv//++yU2eU3Mg/R3ic1BAp1KM9xE7NtgvLmZ+/Tpk+00soKeeeYZ+zkZaBdeeKH9OZnYsHLlpmP1Tn1lypSxq1xEgc9YWV9yySVZkgmCig2CQH8wEqxKWW1iABA3+so1lSpVytxxxx2hiw11P/vss7YdCt4JAsOK+s8//7Rt+zm6RAyMGMaVhAOMPyJEYSXtXS0nE5sBAwbYvTHqZx+DUKbfQ/QPHJ7Uiy++aLnjGSC+9Jt2OdcJnzdBID9iwwIELw9xYD4RToINK34WNRSuHW/OeaRcDwb6P//5j/VA0hEb9tZefvll67nBGEFAZNyc47Mrr7zShr5ccWIDF+YT4S/+IVaO16WXXprSvhDeGMJNhlrDhg2t6OY1Nqncmzom/wQkNvlnGGoNCAQ3Kzc+q/KmTZtmqZ9VK6tXjMI999xjjWlOYkNIjtAcBocbHKGh4A0QisDItm/f3m6wuhJUbAizjBw50vYDr4BwDQXjyd8wmNzs//3vfwOLjTshpwQBQilDhgyxhhHRdCtyznN/42evl/bkk09aYSQkhDFyBW8HVnDt3bt34nOv2BAGYq+ATEAENVWPhsrYYyPdGzHG00PUKN6sQn4PS2zo37XXXmuNNoKG4LMf+P7771ux4/rr16+fuE76AUvG7fbbb0+keee2Z5PMs6EO2CNiF1xwQRYPlOPxSJgrd955p/XIKU5s+J2w8Mknn2w/Z9EwePBgu3DwhotzuuEYV+6NGTNm2HFkIZBqan2oN7EqS0pAYhOzieH1bho0aGBXZi7WziqPENrChQttGi5JBC5+nsyzcXtArGA51ps2TDiF+jBKToRAEVRsMGSE6TAuZP94C9fyyCOP2I+8Bj/VMFpeYoN3gaDSf9Jv/ftIya7l0UcftQaVECWhGe/+A0LP795nlLxiA09CNIgbK20MWSqrZjyHgQMH2tU+KdT+zC34wSRMseG5IOaOd78Mr4P0ejzaZFlaL7zwgl2I3HLLLdZLpAQRGxYv7733nt0Po20nGm4cEYOXXnrJZhZ26tTJZk16xYaFFQssb3Hidc4555iWLVvmeLcyn1n0IKgIjVv4pDI+MTMBGdsdiU0Mh9bF3XmIjtUpq1IKRoswGyLBSs/78GcysWGFiQeDcXXPHpCmSggHg5os3h1UbBw+hIU+EAZBBDCsxPu//vrryMTGO3SubQwdxgzDx16OX+ic8eJz9ltOPfVUG+ohxAhn/wa2Exs+dxvyqaSme/vG3g57PPC++uqrsz0cCjtEkP/D8mww5B07dsxRDL28GCvmFmLKz+mKDftAeCkYe64zWfo9GZcslti3wcPzik2yfUrnPeW0h+k4s2dI2jNjSmj5YKZix9CExLJLEpsYDgv7HawQibl7V8KzZs0yX375pb2Z2QPxZqslExtEBkPHDYtAucLKFrEhW4ubOD+eDXWyYuUJeGLsXrHxbsBH4dnQNu2RtPDbb7/Zn9kHQWz42RVv26yASaTwbtIjxAg7q3mExGskndhQF8chCOxB9OrVy56TSsE7YNzYp2DF7Rc06nz88cdtn8MSG0SUMJa/eHkxPm5h4OWVrtiwyY+oEiokicOFybx9YJ6MHz/eJlQQ5vKKDSFd/9szUhEbvBnGlOtx94s8mlRm5sE9RmJzcHmn1BoraIwcq01uXAwbn7ERj6hgtFg5+lf2Ob1BgNg34SZEjJU/IuaEwJtkQH25eTZjx461r9XxZqMRdmEjmToJY2FI+UdcHmNMmq/fuwgrjMa1sL/l0ncRUdpGjPEi2CPxt+2YYfRYYRMG5HzntWCkSLF2eypObPB6CD3hdTIuhHzYs0nlGQ6v2BB+878hIKfnbHJLEGD88Ib81+e84mRigwi/+eabNj2d6/TzIkTIoiRdseGp/uHDh6ckNuwX8aaLMMSG7Dr2ady9ktJNpoMOOgGJzUFHnlqDrNQJgWHMevbsaTdJCVHw+2233ZYIrbnaknk2/pY4BoOCsWEVShv+zXsnNmTCueQD6sG4IWasIp3Y8NnHH39sjTbGmae4WfXjKbGHg9FnxR6F2GCgCZ1Mnz7dhsDYg8HTYzWNyPEvJ+H0coEHgglfBBkB8z557s9GgxvjgKhdc8015vjjj89zQJ0Rhgfn+MNLXAsp3vBM5tmwV8Gehbe4+RFEbAhpslhAONnjYqwcL8SZ55m4/nTFhvRz5gNzlMWQE2xvv0lQYA55xdAlCKTr2Xz22Wfm559/tns6fk55Do4OOGgEJDYHDXXwhlwWFvFtwkPswfAw5k033ZStMr/YkEDAsyRkWbGKJFzmLXgiTzzxRDYhYEMf40e835ulRqiMlF/Oc2KDN4AA4UGwIUxCg7eQ7vruu+/aj8hGc6GNMDwb+siGMEYm2eYxAsKGt79twpM84PrAAw9k289wcf/cxIb6uCb3TJFflJONMkLGXhuGnDCa9711XAf8HCev2BB6I3TqT8emDWegg4gNySU8d5WMFwsQUrMRPO9rgYIkCHCdZN3xP/smeM3egteEd84c8mYD5ldsgt9ZOuNQEJDYHArqKbbpssnYX8FQky3FngIehL8kExserCPTiZU0BobUXbwVwims0NlAZ4X+4IMPJqojW4h2WLFjMGgbQ0Scnf0fjKNfbDC8CBMPH7JSZpOZ/Rvqpy0KK/pq1arZn4OKDQYKsSWM5TLevGLDcy7sT7A6RxQJFxKCcs/OELpyadF4EOxPkImGMcQDwwhiIBEvDL93hZzsORtE9u2337ZeYqrhNPYyeFgR74sVPP2hH3iFrMzdQ4xesXFZangKZG+xaEAMCE3SV8fWuyeVWxiNEBfPnyB2LCboC/PGPZRLuJXiTblnwYLoMYfYh/EmlSRLfXbXyTxgrtJnwnU86Em4i7GhXdKrneecX7GBA9eBp+b1xlO8zXTYQSIgsTlIoNNpxoUlWAlSCE+xAcrGfl5ig0FhJf38889bo+Z/5Yl7RYh/z4aMHlb4FPdaGGcIadcbRuMYwiaEiRBDb5otRtGdx/9s/GJk0xEb9hkwiK4NDC/PyLiwULK23Wt1+B/DjuBQSCZg74lzYOK8LfoIE37nrdvujQc5va4GjwMx5XgeAmW/ILdCP3gAFcPo7a83icIfRuN3wpAum9Dx5XfEnX0KSqpiw4KBvSqKN0nBveIGHvyMV8w8o7hMOthwDtfJ3zDsycSG8/EoEW//dfI3roEQm/crCfIrNjzEiZCzGHGvbkrnftM50RKQ2ETLN1+1s4ImVdc98Y0BdEbTXzGCRJiE1SmrVvcwG0KAUWLFTn0YVYwKq0sMNiLgzarCi8EYk8bKih+DwZ4InhEreYwsq3n3+hTqxOiwQnevRsEo4RnhgRH64288WMqzPhQeTJ05c6Y1mKm8mp5VMQ9TurcCuFAixovVMgYRj8YJJAaR68JDIwzEtbrQI+E1eBB+wwNzhpw+80Aq5/EiVFcIE8KUMKH3qXf+zp4aITm8Pzy3vDKgGEdeIYMnCDeOJwMOrwzvBoPOit+bQMC14a3gpdFX+om3gHC/+uqrtps83OsKYVMWDDzjkmz/gvbxbrh2xwuvhTGFIXs6vFmhR48eti3EEY/IZRqy78QDwiw88FCpC0/Xa+ThzkLAvQGAOUddbm+NTDQvKzwn5gmeMSFjb3Ft4NHm9D1PLI7w1JmT/oeg83UD6uRQCUhsQsUZfmXeNF5u2GTppLTKDY0BcS899K5cESLq4Rj+caPz95xSd73HUzcGxoVc+Bu/e8MVtIkX5TwD6qefHINgYcScwFEfopSsntzokaLrxJLVsfueEq4HEXJtUwceIO3zmfMk/M8UuXMcD/rMNfozxQjfYeSpz5+yzDU4gU01DZrjGSfn9cEIL4Hro9BPryHmOK6BtrwLBfrpzvG27djyd29Ku2NLHY4ln9FWMl6wcP2gTjd/XJo4LBhXxtc/H6jXP+cYf45L9oVm8GBsYeF9ESj1uDaS/c1dUyrHhH9nqsagBCQ2QYnpeBEQAREQgcAEJDaBkekEERABERCBoAQkNkGJ6XgREAEREIHABCQ2gZHpBBEQAREQgaAEJDZBiel4ERABERCBwAQkNoGR6QQREAEREIGgBCQ2QYnpeBEQAREQgcAEJDaBkekEERABERCBoAQkNkGJ6XgREAEREIHABCQ2gZHpBBEQAREQgaAEJDZBiel4ERABERCBwAQkNoGR6QQREAEREIGgBCQ2QYnpeBEQAREQgcAEJDaBkekEERABERCBoAQkNkGJ6XgREAEREIHABCQ2gZHpBBEQAREQgaAEJDZBiel4ERABERCBwAQkNoGR6QQREAEREIGgBCQ2QYnpeBEQAREQgcAEJDaBkekEERABERCBoAQkNkGJ6XgREAEREIHABCQ2gZHpBBEQAREQgaAEJDZBiel4ERABERCBwAQkNoGR6QQREAEREIGgBCQ2QYnpeBEQAREQgcAEJDaBkekEERABERCBoAQkNkGJ6XgREAEREIHABCQ2gZHpBBEQAREQgaAEJDZBiel4ERABERCBwAQkNoGR6QQREAEREIGgBCQ2QYnpeBEQAREQgcAEJDaBkekEERABERCBoAQkNkGJ6XgREAEREIHABCQ2gZHpBBEQAREQgaAEJDZBiel4ERABERCBwAQkNoGR6QQREAEREIGgBCQ2SYjt2bPHHDhwwP6lYMGC5sgjj8yVqzv+iCOOsMfzv0pWAvCEE2wKFSp0WOLZvXu3ve7ChQvn+/r37t1r9u/fbwoUKGCOOuqofNd3sCoIk0FYfXZ9Yl7q3g2LavZ6JDZJ2M6bN8988803duKdffbZ5pRTTslxBDZt2mQ++OADK04nn3yyOeecc6IbrX9JzZs3bzZLly41p556aqLH69atMx9++KEpVqyYufHGG2N1Jbt27TKffvqpufLKKyPt14svvmj++ecfc9ttt+VbcIcPH25+//130759e1OvXr1I+x20ckRwwYIFpnLlyubYY4/Ncvpzzz1nf7/nnnuCVhvZ8a5PN910kznmmGMia+dwr1hik2QG7Nixw7z77rsGo1m2bFnTs2dPU7Ro0WxHYqTeeOMNs3XrVrvCxFhVrVr1sJ5T33//vZkwYYJp1aqVad26dYLFH3/8YZkiNnfccUdsGNGvgQMH2vG96667Iu1X//79DR7JAw88kG+xGTRokBX0iy66yC5y4lQYf+bBrbfeasqUKZOlazCg9O3bNzZddn1iXjI/VaIhILFJwhUvZc6cOeaLL76wf23atKnp0KFDtiMnTpxoJk+ebD9nhdmsWbNoRulfUivcxowZY6ZPn27OPPPMLGKDkcULJCRZvnz52FzRqlWrzDvvvGNKliwpsQlpVF544QW7AMOD84sN4k6pUKFCSK3lvxrXJ+ZlXiHz/Ld2+NYgscll7N977z0bqqB06dLFNGzYMHH0+vXrzfvvv2/+/vtvU61aNevV+GPn+/btSxzPJI4iHoyBJ2xBCdIG53Au/+hXXuf6j0+2T5Cb2KRyi7lrcX3ytpHb35LV7e2vY5PMkKQiNv62Ha/crinZ2Kfr2XjH2LUdlWfj+p1sPqQ6Z3ITm9yYpcOZ+rzn0e8wBcPxoI2w607lnsikYyQ2uYwm4bS3337brtIqVapkLr/8chvT5aYj9IKhwiDyeY0aNRI1EV774YcfDILkEg2KFClivZ+jjz46S4us9gk78Lnfe2JDnb/t3LnThqUI6VHcOYRQ5s+fb+PjGKETTzzRnHbaaXnOz5UrV5off/zRbti7Urp0aXPWWWdlCxfSf+qfO3duQtRoCw7nnXdeYrObTdbPP//csErcsmWL7Wu5cuVM9erVrWfIZ+PGjbP1d+zY0Ta7aNEi89NPP5kqVapYr3DSpEn2fCc27EU0atTI/v7rr7/aYx1P6md/LJnocX3Tpk2zIStXMBR169a19bkCW8Zw+fLlNrGjZs2almPXrl0Tx3BdX3/9tWEuuLYJmcKZRYa/cAysfvnll8TxcIDtM888EziMtm3bNoMHzaLGiWbLli0tK38YjesdNWqUbePCCy/MFqqDCWwIu9WuXTvR9U8++cTy57q+/fZb22/4nnvuufYY9pmYz2vXrk3MAT5nLNu0aWO9QgosmVcLFy60fWA+sulOPe4Y2qJ069YtCzrm+HfffWc2btyY+Jz64cbc9Bb6M2LECPsRi0DmFSFvx+ekk04yDRo0yPM+cAe4PnXq1Mlwn1K4x/HQly1blhhH5gbeD32ClbfMmDHDziPajtseWsogIj5QYpMH4FmzZpmvvvrKTj5uSG4cjBQ3H5OPzzC6rvz11192bwLj6ia/8yD4HYHAQ3JeTm4ra25AQjzbt283V1xxhTnhhBNsnRgM2uCG5UbBkNIGiQzcMDkVrgEjxU1NoQ/8c/0jS+qWW24xJUqUSFSBkacNJwAc7zwpNn/x6AiVYAyffvrpbE03btzY9glD9eabb5rixYsnNoenTp1qxo4da+rUqWMFdcWKFQkurj2MCYb7t99+S1ynM/okb3Dju8LnCB6ilOz6+Ix9JEJ8FNjC31tg+X//93/2I/720Ucf2Wvzs+L3q666yoqpt33En8171z7/0y+EDGOEoUx1zwYD+sorr1jebr5QF4abfjLHvHs2LHKef/55g0Def//92RYOJEHQv3bt2pkWLVok+v3www+btm3bWlFzY0uYi0QOxoVxY8GVbD4j0mysMwdYlHDtXq+Oc26++eZE6JS2KP369Uu0/+eff5pXX33V9jtZGz169LBz3zFgkfTEE0/YY5k7yebGxRdfnLLguD7de++9ds8GxtzzM2fOzDKPHBtElAWJN6tw5MiRdt5551e2m+Ew/0Bik8cEYGKTRYUhZBWNgWP1hqiwIid5wBVulsGDB1sjxYqOlTcrIAwMNzkigbG9/vrrEwY9P2JD3WT8IF4YRFarrKJzKqyEMTisOhEBF6Omf6zMNmzYYG/q7t27W0+L45566inb//r161vDipHD8MCA68VoYbw4hpsTcYIVnl6tWrUS3k1uYuNSoVklY7wwVngHsKGPGF2MCu27/bTVq1dbtg8++GDicmkXcaBfeB6woL/8Tt/wCI8//ngrkBgKRIw2WPG7VTQGzXmHLozKOTCmPQzO4sWL7eqdwiIA40NxQkMfGQuun5/pF39zIpmK2GCAmXd4xxhyFjXMP8Zk/PjxCa8tLLGhbgwt40k/WUhwDVOmTLGeA7yaN29u5y8MmP9wQ+DwtBg7xG/JkiV2QeO8cTxg2LkEG7/Y4DF+/PHH9t7gWBYCzAHmEws9shhZ/MDZ7fV5xQZPxPWLc9hDpW9cCwkKzlPJ7Tb3iw3eDGFK5gL94Zr5mbniFjLcI17vkHsLr4y5QhREJTsBiU2Ks8LF293hGMhLL700y8oWg/LZZ5/ZiXnNNdfYiecKN9WAAQOsIcXVvuSSS+yf8iM2nI/YIXqplNdee80aL0JyGAdvwYgRa0e0brjhBlOxYkUbOiL0g6FgpewtrILxTDDoHE/Jbc8mN7HhXOrw3qQYOdLPKV5e/I5Refzxx+3fvCtkBJCQF14EoU1vQbwYG8SHrCPnveXE361UMfRsdPsLRg0GhKQIWTHmbh+FEA4ra29h5Y6YU1IRG/YKETvY40ExHq6Qms+1YPTDEhvq9ie5UD9eDQYfAT7//POzXNPo0aNtqIkUd/7mPI/c9mz8YgN/QtKIHZ46Y+cKvGCKZ0/04PTTT7d/8oqN30tjfpMh6jyuUqVK5Xlr+MUGb5u5fcYZZ1iPz1veeustO458nkrIOs/GD6MDJDYpDjYrfwyZCxG48JD3dFZ0xLyJ5V922WXZYuasrompe413fsQGwcNwpVJYgT755JO27TvvvDPpKRhrDCj7GhhQFxrDiLB6RVgwBrSbbBM2XbFhFUqoxJu5xCqREBJt33fffVn2umjnkUceySY2GCWMNB4I+zPegoHi+jGgpDh79xmSZaMhsojttddea4477rhsvNhbwotFtOg73hOGkXMQGn/cfs2aNQZDlarYELokLIWnSf3e5BJvan6YYuPCSN6LxRuEKSn93vFhDJgrhGTZk7vgggvSEhsyPmfPnm2z0/D4/XtwhLO49/BqCMf5xYbndfA8XMELJsTMgoQFjD8bLtnE94sN10SoHMFi3nPtiD3zKookn1Tu30w4RmKT4ihirEkW4ObDOGKw/ZuErMRZkTtj7a+a8BOrPopbkedHbDD+7LGkUrgJX3rpJXuzJHtmiDowIIQ/3Gqe31klsrKlYAgIpxDuIGbNcV7RSVdsEAYz/ItnAAAazElEQVRWtd4bGU8Lb5I2MYL+PieL/TsO9IPzMcoYDkI0XJfbZA8iNoRhcspuok7+hhEkdEPYCyHGE0kmUI8++qgVu1Q8G7xgQmmsoFlh+wtzkVBimGLz3//+N0djSr8x4ITK8OpgisDCOT9igzBQVzLPiWsmiWTIkCGWs9tL83o2/j5zj+Ep0bd0xYZr4kFP7nkKosM/BIc9ROaiRCcVq5P1GIlNAGavv/66NbzeVZb3dOd+sxrK6U0CycIIOT3nkVeCQE79SHZJuP6Ecpxo5HbZiMndd99tD8FAE7NnL8bdfO5cjuM63RsW0hUb9oO8GWDUn47YuMw5xgFD7S0uEYLPgohNXinh1NerVy/bHmKDALNhnixLLkjqszuWcfAmbLhrSpb6nJ8EAe8CyMsN480eBiEzxCZZyY/YsJjBS7zuuuuyhJ297fjvGa/YeMOonBOG2FAPizOiEOy3+RMe2CclczROzwoFMGOH7FCJTQD0eYmN82yShdhoBoPEihXDx4qMkh/PJojY4JG9/PLLdsOUsExuBUPp0qw5DiPO+RgzQoneFFjvmxMOtdiwl8FeC8YBkcDLIG2WkBab+Ow/BA2jOQ8uN14IDOOI2MAXzybZg6uPPfaY7Vsqns2zzz5rvSXvXoW3D6zeMYSpejaMDckhJEUky0ZLJjawYvPeJUMwLwhZYWTZP4E3oeH8iI3LCPQ/BOyulY13hBXPwr114GCIDe3jHZF6jgeJh8zPLskDDmTr6Y0DqRtQiU3qrExeYuPeKMC+BskD/tUt3gE3L6GoPn36ZBEbJi/ZM950SlJlhw4daid4stTnIGLDjUJaLH3ybpB7L5/VHIJCeM5lheER8bM/9k2mEPtT7JOQKcb1HmqxcRvTbFizh+AtZEkhBvQxiGdDeC/ZcxNwYl8Jr4N/eLzs4eCNkvzh3zOiXcJo/J+K2FAXfWb/7+qrr84StqEOhBOPICexYS55FwwsdHiHH4uGVMUGYcTDQnRIX2cR5S0sPMhIy4/YkCqNaJFMw/6YP2TpFnAsGm6//XbbfNRiQ/iV+4Vx9YsJ14zA4uWRBJTsWasAJuWwOlRiE2C48xKbn3/+2T7nwYqa9FrcbVcIR3E+xplVtnvpIxvHxK0RAdIpvQ+HciMTEsLY51dsMBwYY9rHeLJi9++RuOeDSCXl+RUycljRsZlOaMhfSDNm1Ythpe+HWmxIGnDC7M1q4jP3vi6uIRWxwTATPiIFnFCWf3+OsaFOjCQsGSMEgs10xBce3mdj2AjnFUiUVMTGPd/E4sM/l1jtk0DAytsrNvyO94pH5H/eg3mGN4SRDCI2eGPJ+ox4sZeCyDZp0sSGldLJRmNPhgUVfEmq8Rpv9odgyiLIG5qOWmzI9OPZHXcf+Oe9Sx6R2AQwnjzX169fv///Ln2VPAnkJTasarmh8Qa4eYhD8z/7D3gBGGaEiFRal0HDSpPX3iACZL24FFJuYkJCrCrDEBsujmcEMHrUyTMgGCT6hxCRwkpWEP2j33hNXA8PamKs2fAmQ815PIRj2CjGwLhnTbxiw7MVpFizmcreTm6pz2Ht2ZAAgWEigwuOCDjGFY4uySEnsWEFiwcBD5cu+7///c8adP5GfTCBFV4N40xhY5uUYTjg7RHnhwOLBvcEPinxvJgyyHM2XkOL2DtPmetxokF9XrHhb4ScCK+xKme8mGfMP8JVFPofRGxgQL14i/zjOqmPtGz3Bgq4sBnvBNmNA2nhzAGe2XFevn//xfs8EfMEYXXPppGJRniS0CRzzD1KELXYsJDAg3Hji5i6ucTeFXz99zF7RSwo4e3NjsvTqBxGB0hsAgx2XmJDVWTW8CoN98S1t3puVDbUiXe7mw/DzwR2Tyt7jyerjVAaRj+/ng31Ug+b/YhKskL/MA78c4YDkXSvMPGfw/FkSrlkCIwfYQ88IldcZt7BEBvnWbonvb39RdBIJaaPhBGdoLg9M3esN52cZ3MYG39ihDuW55tIc3Zp1HyOAJMC74TFHcsDqW6zORXPhvMYe7wH72t3+BwhgT2hHv9bn90LZP3t4zFwDt5aqmJDHd43Mnh5Mj9YgLCfATMyBt3Due5NBe54r5eVLIsQLlyne4OA/57p3LmzfTDUhdiiFhvad55tsvsEb5MwrfddiXqDQN6GVGKTN6PEEUxA4vTEwlkF51S4GRAcjIW76d0TzTml0fK2ZPfuL45hw5QsL0JVhEVIuXRhOQw3n7OPgisftHBzEyt3RhQjxKqS5xySpUVjxL3PGNEexoaVu//19hhGVrbOcPCUNQbZfZ8N7biQnNv34Rj/e+FYTfP9L4gyx/ufBM/pe1EQRlam3peTsqeAIMIYwfH2gWvBoOKpUWDfu3fvLEjJmHLv3uIP7k0SOT3Uh5gjuq4PeKzs41APfIJ8nw2rZQyxeyDUPfxIGzl9nw3jRfjVZY8RUiTUh6dAeIi5BRNX8vqOGbwlRMXNZeYIc4U5zbNQjDWLIZfuzT3C3qTLCGSeuu8wyqkt5uKwYcOytIOI83Cu/ztx3Byj//7vxaFNwnLcg/QplYc6c/o+G97UwCLQu3ghrMrekj9DkPuDOcTi63B/+3tO9khiE9RS63gREAEREIHABCQ2gZHpBBEQAREQgaAEJDZBiel4ERABERCBwAQkNoGR6QQREAEREIGgBCQ2QYnpeBEQAREQgcAEJDaBkekEERABERCBoAQkNkGJ6XgREAEREIHABCQ2gZHpBBEQAREQgaAEJDZBiel4ERABERCBwAQkNoGR6QQREAEREIGgBCQ2QYnpeBEQAREQgcAEJDaBkekEERABERCBoAQkNkGJ6XgREAEREIHABCQ2gZHpBBEQAREQgaAEJDZBiel4ERABERCBwAQkNoGR6QQREAEREIGgBCQ2QYnpeBEQAREQgcAEJDaBkemEQ0Vgx44dZt++fYnm+YbR3L7vnW+W5JsuvefwTZx8Uyfn5lX4pku+Sptvx+QbGlVEQATSJyCxSZ+dzjyIBCZNmmRmzJhhxcOVggULmlNPPdX+8391MMeMGzfO8BXJfK22K4UKFTINGjQwHTt2zLP3tPndd9+ZE044Ia2v386zAR0gAocRAYnNYTTY/9ZLHTlypPnpp59s970eCZ4L5eyzzzZnnXVWlsv78ssvzaxZs7KdwwecV69ePdOtW7cckXDMI488Yv9erVo1ic2/dfKo37EhILGJzVCoI8kIbNy40bz99ttmz549pnHjxgmPBDGYN2+eGTFihBWgPn36GLwWytatW82gQYPM5s2bTe3atc1ll12WqHrNmjXmo48+MoTkrrvuOlO5cuUszVLv+PHjzbRp0xLhN4mN5qYI5J+AxCb/DFVDhAQw+mPHjrVhsh49epgSJUpkae3hhx+2vz/wwAMJsVm0aJEZMmSIKV++vLnhhhtMgQIFspxDKO7pp582xx13nOnVq1fib0uWLDF4UQgRooNQLVy4UJ5NhOOrqg8fAhKbw2esM+5KXajL79k4salQoYK56aabkl63E6l+/fol/j5mzBjz448/muOPP95ceeWVVmjwnNLxbFz9Dz30kBk9erSZPXu2FTBK2bJlzeWXX26KFStm/zZnzpxEH4oUKWLOOecc07Rp0yz9/uWXX8w333xjtm3blvicZIfTTjvNNGnSxNapIgJxJiCxifPoqG85Eti9e7dBHNjLQRzwesgao6QrNghNlSpVrBdVtGhRM3fu3HyLDWG61atXZ7sOBAyRXL58eUKE3EFcR+/evQ0JEBSSHD7//HOzf//+pDzo89VXX53Ng9P0EYE4EZDYxGk01Jc8CaxYscJ88MEHif0UUp/Z6EdwXMkrjIZ38Pzzz9vDvZ6Nv/EwxAbhIPOtUaNGtvpvv/3WkOVG4W+dO3c2DRs2tL8jPIT/9u7da4+/8MIL7ed4P9OnTzfVq1e3HpELCxJiZH+J0rVrVxv2UxGBuBKQ2MR1ZNSvpAQWL15sPvzww8Tf2MMhs6xdu3aGsJIz2u4YhKhWrVpZ6ho4cKBBtA6G2NA+/fOWRx991HopeD0kKXgz7IYNG2YImXlDd6NGjTIzZ840zZs3t9fpjidpYtWqVYbngQgZ+vezNIVEIE4EJDZxGg31JRAB9kHYx9i1a5epW7eu6d69e+J8Ms7Yc6Gwn9G6dWsbziIdGuPsHvSM2rMhS65w4cJZrqt///7We+nQoUO2vRky7IYPH26qVq1qQ4MUEiSmTp1qf6auli1bmvr169uf9bBpoCmjgw8hAYnNIYSvpvNPYOnSpTaVGQHBS3DhNFKmCT8tW7YsSyPsxbABz3M4B8OzIUHA7SW5jjixSSZEycRmw4YN1pvzJgfg3ZQrV84+cFqnTh1To0aN/MNUDSIQIQGJTYRwVXX0BBAZnqkhLMaKHyFxhewvPJkpU6bYdGZCU+xtsOeRLBvN39sw9mzCEBvXL/Zt2KPBK/O+gofr6dKlS7ZwXfT01YIIpE5AYpM6Kx15CAggGOzTYFxr1qyZLeOKvQ/Sk+fPn29atGhh9zTyKggT+zZke/Xt2zfHw+MmNnQUDps2bbL7Otu3bzcLFiwwZOZVrFjR3HjjjXlduv4uAoeMgMTmkKFXw6kQwDMhxZm3AxAmK126dJbTMLQDBgywBrd9+/amWbNmNquLVGGeY7n44ouzvTfttddeM+vXrzcnn3yyueiii2IvNoTW4NC2bdssbzxAaMm8Gzp0qL2G3PafUmGtY0QgSgISmyjpqu58E1i3bp1599137etq2OQ/88wzE3XyWhpW9iQJIEbsgbCXwWtqBg8ebF9b06pVK3ueK7wlgA14wm89e/a0WVw5lTh4NiQ/cC0kN/AC0U6dOiWev+EaeFHo5MmTraDeeeed+eatCkQgKgISm6jIqt7QCLgn+6mQV9CwR4Go8DZnNs352f+eM5eNxrFko7FJj3HesmWLFS6y1y655JJsm/feTsdBbOjPxIkTraCQ2o1nR/iPn7kOrofrYq+KPSsVEYgrAYlNXEdG/UoQYN9mwoQJNpTE98t4C8+WtGnTxobEvIUQ0/vvv289Au9mOh4QacWXXnpp4rmcOHs29I1rQTxXrlxpw4XeQvozwkkatf8dcJpCIhAnAhKbOI2G+pIjAQRn7dq1dlPcvWPMrfTLlCmT9MvQ3EOPPNPCOXhApD6THu0eAM0NOZ4TezucwwZ8kEJKNoWn/v1f1EY6Nv0hO87fD9cm70irVKlSokkEB+HkJaLu+qmXL4Lj4dBUvgwuSP91rAiETUBiEzZR1ScCIiACIpCNgMRGk0IEREAERCByAhKbyBGrAREQAREQAYmN5oAIiIAIiEDkBCQ2kSNWAyIgAiIgAhIbzQEREAEREIHICUhsIkesBkRABERABCQ2mgMiIAIiIAKRE5DYRI5YDYiACIiACEhsNAdEQAREQAQiJyCxiRyxGhABERABEZDYaA6IgAiIgAhETkBiEzliNSACIiACIiCx0RwQAREQARGInIDEJnLEakAEREAEREBiozkgAiIgAiIQOQGJTeSI1YAIiIAIiIDERnNABERABEQgcgISm8gRqwEREAEREAGJjeaACIiACIhA5AQkNpEjVgMiIAIiIAISG80BERABERCByAlIbCJHrAZEQAREQAQkNpoDIiACIiACkROQ2ESOWA2IgAiIgAhIbDQHREAEREAEIicgsYkcsRoQAREQARGQ2GgOiIAIiIAIRE5AYhM5YjUgAiIgAiIgsdEcEAEREAERiJyAxCZyxGpABERABERAYqM5IAIiIAIiEDkBiU3kiNWACIiACIiAxEZzQAREQAREIHICEpvIEasBERABERABiY3mgAiIgAiIQOQEJDaRI1YDIiACIiACEhvNAREQAREQgcgJSGwiR6wGREAEREAEJDaaAyIgAiIgApETkNhEjlgNiIAIiIAISGw0B0RABERABCInILGJHLEaEAEREAERkNhoDoiACIiACEROQGITOWI1IAIiIAIiILHRHBABERABEYicgMQmcsRqQAREQAREQGKjOSACIiACIhA5AYlN5IjVgAiIgAiIgMRGc0AEREAERCByAhKbyBGrAREQAREQAYmN5oAIiIAIiEDkBCQ2kSNWAyIgAiIgAhIbzQEREAEREIHICUhsIkesBkRABERABCQ2mgMZR+CLL77Ick2dOnXKuGvUBYnAv42AxObfNmLqb54EFi1aZIYMGWKPK1mypLnrrrvyPEcHiIAIREtAYhMtX9V+CAjs2LHDfPDBB2b9+vWmQ4cOpmnTpoegF2pSBETAS0Bio/mQkQQ+++wzs3r1atOzZ09z9NFHZ+Q16qJE4N9EQGLzbxot9TUQge+//960bNky0Dk6WAREIBoCEptouKpWERABERABDwGJjaaDCIiACIhA5AQkNpEjVgMiIAIiIAISG80BERABERCByAlIbCJHrAZEQAREQAQkNpoDIiACIiACkROQ2ESOWA2IgAiIgAhIbGIyB9auXWu2bt1q6tWrF1qP5s+fb+vjSfrNmzebMmXK2P/TbWP58uVm3759Zvbs2aZ+/fpmwYIFpmbNmmbDhg2mXbt2afV78uTJpkCBAmbFihW2X/S5cePG5qijjjK1atVKq87p06ebcuXKmQMHDtj/6V/p0qXtq2vSKfTtt99+M61btzarVq0yVatWNbCoVKmSKVKkSOAqN23aZK/z77//tn1atmyZqVy5sh2n7t27B66PExhX+rZlyxZTpUoVM3PmTNOwYUOzceNG06pVq7TqhGPZsmXNrl27TIkSJcxff/1lH5CtUKGCKViwYFp1MmeOPfZY299SpUol/uf6g5YZM2aYatWq2WukX7w5omjRovb/Y445xo45/VaJBwGJTTzGwRoKbhhukLDKn3/+aYoXL262b99udu/ebQ3E/v3789XGnDlzDMbylFNOMYMGDTJdunQxCMZVV12VdrcxjNTRrVs3M3jwYNOrVy+zdOlS06RJk7TqfPHFFw0v38QQhVEwtn/88UeW+v755x/Dv3TEhoXF4sWLrZFEGMaPH29OO+00K9633XZb2l1GHPbu3WuaNWtmXn75ZXPttddarum+iBRBZD4eccQRVhS3bdtmf0fECxcunFY/mecsWBAF/qewsChfvnzg+jgfcWVu069169aZihUrWvFmocLijQWWSjwISGziMQ52hTd16lT7Lq+wCitRVni8mHLJkiXmpJNOMvPmzUu7DYwhK3y8BYSsdu3aVhTwctJZmXKdnI/ngJfw+++/W4OOIebJ/3RXpdSJsM6aNcu+Fw0xo4/pekqIAm8jaNu2rRk3bpzp2LGjGTVqlGnfvn1aRhfjOGXKFHvNeF14DxjGYsWK2TFKtzAmGGAEpm7dunbMGzRoYAUtnTJ69OiEx8VY0G/KGWecYY488sh0qrTcWrRoYaZNm2YaNWpkfv75Z1OnTp20FwbcN7/++qsVwEKFCtl5yfxE1PC2+UwlHgQkNvEYB/VCBERABDKagMQmpsM7YMAAu/JjnyCMwup80qRJpmvXrmFUZ+uYO3euXY1Xr149lDpXrlxpvxqgd+/eodRHJSNHjrRhlbvvvju0Op988klz77332r2mMAqr8rFjx5pzzz3XhqzCKM8++6x9CSn7ImEUvOPhw4ebPn36hFGdrWPgwIHWO2QPKKzy0ksvmWuuuSZtrzisfqie7AQkNjGdFc8884zdKG/Tpk0oPSRcM3HixLQ3oJN1ghAIYlOjRo1Q+ojYsA/Ut2/fUOqjkhEjRthQ3X333Rdanf379zf3339/qGIzZswYa3jDEpunnnrKXH/99fnan/MCW7hwoRk2bJh58MEHQ+P4zjvvmPPPP9/us4RVXnjhBdOjR4+0k0HC6ofqkdj8a+YAYkP8PZ0N6GQXSV1sdLOHE1bZs2ePjd2HtcJnw51MonSzxpJdFxlfbJqHWScb5WHWR7937txpN83DKvSR5JB091b8/YChy54Lq4/sKXLNJAiEWSQ2YdIMry55NuGxDLUmxIa04rC++IsNaDbK2eQOq7CRj7FINznA3w+yiVjhYyzCKoQO16xZY6644oqwqjTvvfeezb4Ly0gSRmPD/PTTTw/Ns8FD7Ny5c2jhJJI4JkyYYDPcwip8fTfJAmFmjH366afybMIaoJDrkdiEDDSs6hRGC4ekwmjhpNIrjBbOfDyca5HYxHT0P/zwQ5taLM8mfwP0b/FsSHtv3ry5PJv8DbcZOnSoTe1nL1ElXgQkNvEaD/VGBERABDKSgMQmI4dVFyUCIiAC8SIgsYnXeKg3IiACIpCRBCQ2GTmsuigREAERiBcBiU28xkO9EQEREIGMJCCxychh1UWJgAiIQLwISGziNR7qjQiIgAhkJAGJTUYOqy5KBERABOJFQGITr/FQb0RABEQgIwlIbDJyWHVRIiACIhAvAhKbeI2HeiMCIiACGUlAYpORw6qLEgEREIF4EZDYxGs81BsREAERyEgCEpuMHFZdlAiIgAjEi4DEJl7jod6IgAiIQEYSkNhk5LDqokRABEQgXgQkNvEaD/VGBERABDKSgMQmI4dVFyUCIiAC8SIgsYnXeKg3IiACIpCRBCQ2GTmsuigREAERiBcBiU28xkO9EQEREIGMJCCxychh1UWJgAiIQLwISGziNR7qjQiIgAhkJAGJTUYOqy5KBERABOJFQGITr/FQb0RABEQgIwlIbDJyWHVRIiACIhAvAhKbeI2HeiMCIiACGUlAYpORw6qLEgEREIF4EZDYxGs81BsREAERyEgCEpuMHFZdlAiIgAjEi4DEJl7jod6IgAiIQEYSkNhk5LDqokRABEQgXgQkNvEaD/VGBERABDKSgMQmI4dVFyUCIiAC8SIgsYnXeKg3IiACIpCRBCQ2GTmsuigREAERiBcBiU28xkO9EQEREIGMJCCxychh1UWJgAiIQLwISGziNR7qjQiIgAhkJAGJTUYOqy5KBERABOJFQGITr/FQb0RABEQgIwlIbDJyWHVRIiACIhAvAhKbeI2HeiMCIiACGUlAYpORw6qLEgEREIF4EZDYxGs81BsREAERyEgCEpuMHFZdlAiIgAjEi4DEJl7jod6IgAiIQEYSkNhk5LDqokRABEQgXgQkNvEaD/VGBERABDKSgMQmI4dVFyUCIiAC8SIgsYnXeKg3IiACIpCRBP4f+Vwgr9TMZycAAAAASUVORK5CYII="/>
-          <p:cNvSpPr>
-            <a:spLocks noChangeAspect="1" noChangeArrowheads="1"/>
-          </p:cNvSpPr>
-          <p:nvPr/>
-        </p:nvSpPr>
-        <p:spPr bwMode="auto">
-          <a:xfrm>
-            <a:off x="307975" y="-1089025"/>
-            <a:ext cx="3914775" cy="2600325"/>
-          </a:xfrm>
-          <a:prstGeom prst="rect">
-            <a:avLst/>
-          </a:prstGeom>
-          <a:noFill/>
-          <a:extLst>
-            <a:ext uri="{909E8E84-426E-40DD-AFC4-6F175D3DCCD1}">
-              <a14:hiddenFill xmlns:a14="http://schemas.microsoft.com/office/drawing/2010/main">
-                <a:solidFill>
-                  <a:srgbClr val="FFFFFF"/>
-                </a:solidFill>
-              </a14:hiddenFill>
-            </a:ext>
-          </a:extLst>
-        </p:spPr>
-        <p:txBody>
-          <a:bodyPr vert="horz" wrap="square" lIns="91440" tIns="45720" rIns="91440" bIns="45720" numCol="1" anchor="t" anchorCtr="0" compatLnSpc="1">
-            <a:prstTxWarp prst="textNoShape">
-              <a:avLst/>
-            </a:prstTxWarp>
-          </a:bodyPr>
-          <a:lstStyle/>
-          <a:p>
-            <a:endParaRPr lang="de-DE"/>
-          </a:p>
-        </p:txBody>
-      </p:sp>
-      <p:pic>
-        <p:nvPicPr>
-          <p:cNvPr id="7" name="Grafik 6"/>
-          <p:cNvPicPr>
-            <a:picLocks noChangeAspect="1"/>
-          </p:cNvPicPr>
-          <p:nvPr/>
-        </p:nvPicPr>
-        <p:blipFill rotWithShape="1">
-          <a:blip r:embed="rId2"/>
-          <a:srcRect t="-1" b="79302"/>
-          <a:stretch/>
-        </p:blipFill>
-        <p:spPr bwMode="auto">
-          <a:xfrm>
-            <a:off x="3844212" y="1286785"/>
-            <a:ext cx="4310132" cy="612353"/>
-          </a:xfrm>
-          <a:prstGeom prst="rect">
-            <a:avLst/>
-          </a:prstGeom>
-        </p:spPr>
-      </p:pic>
-      <p:pic>
-        <p:nvPicPr>
-          <p:cNvPr id="8" name="Grafik 7"/>
-          <p:cNvPicPr>
-            <a:picLocks noChangeAspect="1"/>
-          </p:cNvPicPr>
-          <p:nvPr/>
-        </p:nvPicPr>
-        <p:blipFill rotWithShape="1">
-          <a:blip r:embed="rId2"/>
-          <a:srcRect t="66989"/>
-          <a:stretch/>
-        </p:blipFill>
-        <p:spPr bwMode="auto">
-          <a:xfrm>
-            <a:off x="3844212" y="2161674"/>
-            <a:ext cx="4310132" cy="975013"/>
-          </a:xfrm>
-          <a:prstGeom prst="rect">
-            <a:avLst/>
-          </a:prstGeom>
-        </p:spPr>
-      </p:pic>
-    </p:spTree>
-    <p:extLst>
-      <p:ext uri="{BB962C8B-B14F-4D97-AF65-F5344CB8AC3E}">
-        <p14:creationId xmlns:p14="http://schemas.microsoft.com/office/powerpoint/2010/main" val="1554016153"/>
-      </p:ext>
-    </p:extLst>
-  </p:cSld>
-  <p:clrMapOvr>
-    <a:masterClrMapping/>
-  </p:clrMapOvr>
-  <p:timing>
-    <p:tnLst>
-      <p:par>
-        <p:cTn id="1" dur="indefinite" restart="never" nodeType="tmRoot">
-          <p:childTnLst>
-            <p:seq concurrent="1" nextAc="seek">
-              <p:cTn id="2" dur="indefinite" nodeType="mainSeq">
-                <p:childTnLst>
-                  <p:par>
-                    <p:cTn id="3" fill="hold">
-                      <p:stCondLst>
-                        <p:cond delay="indefinite"/>
-                      </p:stCondLst>
-                      <p:childTnLst>
-                        <p:par>
-                          <p:cTn id="4" fill="hold">
-                            <p:stCondLst>
-                              <p:cond delay="0"/>
-                            </p:stCondLst>
-                            <p:childTnLst>
-                              <p:par>
-                                <p:cTn id="5" presetID="1" presetClass="entr" presetSubtype="0" fill="hold" nodeType="clickEffect">
-                                  <p:stCondLst>
-                                    <p:cond delay="0"/>
-                                  </p:stCondLst>
-                                  <p:childTnLst>
-                                    <p:set>
-                                      <p:cBhvr>
-                                        <p:cTn id="6" dur="1" fill="hold">
-                                          <p:stCondLst>
-                                            <p:cond delay="0"/>
-                                          </p:stCondLst>
-                                        </p:cTn>
-                                        <p:tgtEl>
-                                          <p:spTgt spid="7"/>
-                                        </p:tgtEl>
-                                        <p:attrNameLst>
-                                          <p:attrName>style.visibility</p:attrName>
-                                        </p:attrNameLst>
-                                      </p:cBhvr>
-                                      <p:to>
-                                        <p:strVal val="visible"/>
-                                      </p:to>
-                                    </p:set>
-                                  </p:childTnLst>
-                                </p:cTn>
-                              </p:par>
-                            </p:childTnLst>
-                          </p:cTn>
-                        </p:par>
-                      </p:childTnLst>
-                    </p:cTn>
-                  </p:par>
-                  <p:par>
-                    <p:cTn id="7" fill="hold">
-                      <p:stCondLst>
-                        <p:cond delay="indefinite"/>
-                      </p:stCondLst>
-                      <p:childTnLst>
-                        <p:par>
-                          <p:cTn id="8" fill="hold">
-                            <p:stCondLst>
-                              <p:cond delay="0"/>
-                            </p:stCondLst>
-                            <p:childTnLst>
-                              <p:par>
-                                <p:cTn id="9" presetID="1" presetClass="entr" presetSubtype="0" fill="hold" nodeType="clickEffect">
-                                  <p:stCondLst>
-                                    <p:cond delay="0"/>
-                                  </p:stCondLst>
-                                  <p:childTnLst>
-                                    <p:set>
-                                      <p:cBhvr>
-                                        <p:cTn id="10" dur="1" fill="hold">
-                                          <p:stCondLst>
-                                            <p:cond delay="0"/>
-                                          </p:stCondLst>
-                                        </p:cTn>
-                                        <p:tgtEl>
-                                          <p:spTgt spid="8"/>
-                                        </p:tgtEl>
-                                        <p:attrNameLst>
-                                          <p:attrName>style.visibility</p:attrName>
-                                        </p:attrNameLst>
-                                      </p:cBhvr>
-                                      <p:to>
-                                        <p:strVal val="visible"/>
-                                      </p:to>
-                                    </p:set>
-                                  </p:childTnLst>
-                                </p:cTn>
-                              </p:par>
-                            </p:childTnLst>
-                          </p:cTn>
-                        </p:par>
-                      </p:childTnLst>
-                    </p:cTn>
-                  </p:par>
-                </p:childTnLst>
-              </p:cTn>
-              <p:prevCondLst>
-                <p:cond evt="onPrev" delay="0">
-                  <p:tgtEl>
-                    <p:sldTgt/>
-                  </p:tgtEl>
-                </p:cond>
-              </p:prevCondLst>
-              <p:nextCondLst>
-                <p:cond evt="onNext" delay="0">
-                  <p:tgtEl>
-                    <p:sldTgt/>
-                  </p:tgtEl>
-                </p:cond>
-              </p:nextCondLst>
-            </p:seq>
-          </p:childTnLst>
-        </p:cTn>
-      </p:par>
-    </p:tnLst>
-  </p:timing>
-</p:sld>
-</file>
-
-<file path=ppt/slides/slide12.xml><?xml version="1.0" encoding="utf-8"?>
-<p:sld xmlns:a="http://schemas.openxmlformats.org/drawingml/2006/main" xmlns:r="http://schemas.openxmlformats.org/officeDocument/2006/relationships" xmlns:p="http://schemas.openxmlformats.org/presentationml/2006/main">
-  <p:cSld>
-    <p:spTree>
-      <p:nvGrpSpPr>
-        <p:cNvPr id="1" name=""/>
-        <p:cNvGrpSpPr/>
-        <p:nvPr/>
-      </p:nvGrpSpPr>
-      <p:grpSpPr>
-        <a:xfrm>
-          <a:off x="0" y="0"/>
-          <a:ext cx="0" cy="0"/>
-          <a:chOff x="0" y="0"/>
-          <a:chExt cx="0" cy="0"/>
-        </a:xfrm>
-      </p:grpSpPr>
-      <p:sp>
-        <p:nvSpPr>
-          <p:cNvPr id="4" name="TextBox 3"/>
-          <p:cNvSpPr txBox="1"/>
-          <p:nvPr/>
-        </p:nvSpPr>
-        <p:spPr>
-          <a:xfrm>
-            <a:off x="2178287" y="294605"/>
-            <a:ext cx="7774486" cy="7109639"/>
-          </a:xfrm>
-          <a:prstGeom prst="rect">
-            <a:avLst/>
-          </a:prstGeom>
-          <a:noFill/>
-        </p:spPr>
-        <p:txBody>
-          <a:bodyPr wrap="square" rtlCol="0">
-            <a:spAutoFit/>
-          </a:bodyPr>
-          <a:lstStyle/>
-          <a:p>
-            <a:endParaRPr lang="en-US" sz="2400" dirty="0"/>
-          </a:p>
-          <a:p>
-            <a:r>
-              <a:rPr lang="en-US" sz="2400" dirty="0"/>
-              <a:t>Each sequence will last about 3 min. You will be able to rest between sequences. The sequence will only begin after you press the space bar.</a:t>
-            </a:r>
-          </a:p>
-          <a:p>
-            <a:endParaRPr lang="en-US" sz="2400" dirty="0"/>
-          </a:p>
-          <a:p>
-            <a:r>
-              <a:rPr lang="en-US" sz="2400" dirty="0"/>
-              <a:t>Please do your best to remain focused and alert, and keep your eyes fixed on the center of the screen. If you need a break, or have any questions, do not hesitate to ask the experimenter.</a:t>
-            </a:r>
-          </a:p>
-          <a:p>
-            <a:endParaRPr lang="en-US" sz="2400" dirty="0"/>
-          </a:p>
-          <a:p>
-            <a:r>
-              <a:rPr lang="en-US" sz="2400" dirty="0"/>
-              <a:t>We will start with a calibration task in which you can practice time estimation, followed by a few practice trials, and you will have a chance to ask questions before starting the experiment. </a:t>
-            </a:r>
-            <a:r>
-              <a:rPr lang="en-US" sz="2400" b="1" dirty="0"/>
-              <a:t>Good luck!</a:t>
-            </a:r>
-            <a:endParaRPr lang="en-US" sz="2400" dirty="0"/>
-          </a:p>
-          <a:p>
-            <a:pPr algn="ctr"/>
-            <a:endParaRPr lang="en-US" sz="2400" dirty="0"/>
-          </a:p>
-          <a:p>
-            <a:pPr algn="ctr"/>
-            <a:r>
-              <a:rPr lang="en-US" sz="2400" dirty="0"/>
-              <a:t>Press the </a:t>
-            </a:r>
-            <a:r>
-              <a:rPr lang="en-US" sz="2400" b="1" dirty="0"/>
-              <a:t>right arrow key </a:t>
-            </a:r>
-            <a:r>
-              <a:rPr lang="en-US" sz="2400" dirty="0"/>
-              <a:t>to </a:t>
-            </a:r>
-            <a:r>
-              <a:rPr lang="en-US" sz="2400" b="1" dirty="0"/>
-              <a:t>proceed</a:t>
-            </a:r>
-            <a:r>
-              <a:rPr lang="en-US" sz="2400" dirty="0"/>
-              <a:t> or the </a:t>
-            </a:r>
-            <a:r>
-              <a:rPr lang="en-US" sz="2400" b="1" dirty="0"/>
-              <a:t>left arrow key</a:t>
-            </a:r>
-            <a:r>
-              <a:rPr lang="en-US" sz="2400" dirty="0"/>
-              <a:t> to return to the </a:t>
-            </a:r>
-            <a:r>
-              <a:rPr lang="en-US" sz="2400" b="1" dirty="0"/>
-              <a:t>previous slide</a:t>
-            </a:r>
-          </a:p>
-          <a:p>
-            <a:endParaRPr lang="en-US" sz="2400" dirty="0"/>
-          </a:p>
-          <a:p>
-            <a:endParaRPr lang="en-US" sz="2400" dirty="0"/>
-          </a:p>
-        </p:txBody>
-      </p:sp>
-    </p:spTree>
-    <p:extLst>
-      <p:ext uri="{BB962C8B-B14F-4D97-AF65-F5344CB8AC3E}">
-        <p14:creationId xmlns:p14="http://schemas.microsoft.com/office/powerpoint/2010/main" val="735242250"/>
-      </p:ext>
-    </p:extLst>
-  </p:cSld>
-  <p:clrMapOvr>
-    <a:masterClrMapping/>
-  </p:clrMapOvr>
-</p:sld>
-</file>
-
 <file path=ppt/slides/slide2.xml><?xml version="1.0" encoding="utf-8"?>
 <p:sld xmlns:a="http://schemas.openxmlformats.org/drawingml/2006/main" xmlns:r="http://schemas.openxmlformats.org/officeDocument/2006/relationships" xmlns:p="http://schemas.openxmlformats.org/presentationml/2006/main">
   <p:cSld>
@@ -5125,15 +4780,69 @@
           <a:p>
             <a:r>
               <a:rPr lang="en-US" sz="2400" dirty="0"/>
-              <a:t>At the beginning of each sequence, we will show you </a:t>
+              <a:t>The task of the current session is a </a:t>
             </a:r>
             <a:r>
               <a:rPr lang="en-US" sz="2400" b="1" dirty="0"/>
-              <a:t>two specific “target” images </a:t>
-            </a:r>
-            <a:r>
-              <a:rPr lang="en-US" sz="2400" dirty="0"/>
-              <a:t>that you will need to remember and be on the lookout for. </a:t>
+              <a:t>rating task.</a:t>
+            </a:r>
+          </a:p>
+          <a:p>
+            <a:endParaRPr lang="en-US" sz="2400" b="1" dirty="0"/>
+          </a:p>
+          <a:p>
+            <a:r>
+              <a:rPr lang="en-US" sz="2400" dirty="0"/>
+              <a:t>You will see an images of a kitchen or a bathroom for 1.5 sec. Your task is to rate the image according to your personal judgment of </a:t>
+            </a:r>
+            <a:r>
+              <a:rPr lang="en-US" sz="2400" b="1" dirty="0"/>
+              <a:t>typicality </a:t>
+            </a:r>
+            <a:r>
+              <a:rPr lang="en-US" sz="2400" dirty="0"/>
+              <a:t>on a scale from </a:t>
+            </a:r>
+            <a:r>
+              <a:rPr lang="en-US" sz="2400" b="1" dirty="0"/>
+              <a:t>1 to 7.</a:t>
+            </a:r>
+          </a:p>
+          <a:p>
+            <a:endParaRPr lang="en-US" sz="2400" b="1" dirty="0"/>
+          </a:p>
+          <a:p>
+            <a:r>
+              <a:rPr lang="en-US" sz="2400" dirty="0"/>
+              <a:t>For a</a:t>
+            </a:r>
+            <a:r>
+              <a:rPr lang="en-US" sz="2400" b="1" dirty="0"/>
+              <a:t> very typical </a:t>
+            </a:r>
+            <a:r>
+              <a:rPr lang="en-US" sz="2400" dirty="0"/>
+              <a:t>exemplar of a kitchen/bathroom </a:t>
+            </a:r>
+            <a:r>
+              <a:rPr lang="en-US" sz="2400" b="1" dirty="0"/>
+              <a:t>press “7” </a:t>
+            </a:r>
+            <a:r>
+              <a:rPr lang="en-US" sz="2400" dirty="0"/>
+              <a:t>and for a </a:t>
+            </a:r>
+            <a:r>
+              <a:rPr lang="en-US" sz="2400" b="1" dirty="0"/>
+              <a:t>totally atypical </a:t>
+            </a:r>
+            <a:r>
+              <a:rPr lang="en-US" sz="2400" dirty="0"/>
+              <a:t>exemplar</a:t>
+            </a:r>
+            <a:r>
+              <a:rPr lang="en-US" sz="2400" b="1" dirty="0"/>
+              <a:t> press “1”.</a:t>
             </a:r>
           </a:p>
           <a:p>
@@ -5142,39 +4851,8 @@
           <a:p>
             <a:r>
               <a:rPr lang="en-US" sz="2400" dirty="0"/>
-              <a:t>Your main task will be to attentively look at each image for as long as it’s on the screen, and </a:t>
-            </a:r>
-            <a:r>
-              <a:rPr lang="en-US" sz="2400" b="1" dirty="0"/>
-              <a:t>press the green button </a:t>
-            </a:r>
-            <a:r>
-              <a:rPr lang="en-US" sz="2400" dirty="0"/>
-              <a:t>whenever you see a </a:t>
-            </a:r>
-            <a:r>
-              <a:rPr lang="en-US" sz="2400" b="1" dirty="0"/>
-              <a:t>target image </a:t>
-            </a:r>
-            <a:r>
-              <a:rPr lang="en-US" sz="2400" dirty="0"/>
-              <a:t>in any view (front or side).</a:t>
-            </a:r>
-          </a:p>
-          <a:p>
-            <a:r>
-              <a:rPr lang="en-US" sz="2400" dirty="0"/>
-              <a:t>Please respond as quickly and as accurately as possible.</a:t>
-            </a:r>
-          </a:p>
-          <a:p>
-            <a:endParaRPr lang="en-US" sz="2400" dirty="0"/>
-          </a:p>
-          <a:p>
-            <a:endParaRPr lang="en-US" sz="2400" dirty="0"/>
-          </a:p>
-          <a:p>
-            <a:endParaRPr lang="en-US" sz="2400" dirty="0"/>
+              <a:t>Take your time. No speed pressure in this task. </a:t>
+            </a:r>
           </a:p>
           <a:p>
             <a:endParaRPr lang="en-US" sz="2400" dirty="0"/>
@@ -5188,6 +4866,10 @@
           </a:p>
           <a:p>
             <a:pPr algn="ctr"/>
+            <a:endParaRPr lang="en-US" sz="2400" dirty="0"/>
+          </a:p>
+          <a:p>
+            <a:pPr algn="ctr"/>
             <a:r>
               <a:rPr lang="en-US" sz="2400" dirty="0"/>
               <a:t>Press the </a:t>
@@ -5233,432 +4915,395 @@
           </a:p>
         </p:txBody>
       </p:sp>
-      <p:grpSp>
-        <p:nvGrpSpPr>
-          <p:cNvPr id="14" name="Gruppieren 13"/>
-          <p:cNvGrpSpPr/>
-          <p:nvPr/>
-        </p:nvGrpSpPr>
-        <p:grpSpPr>
-          <a:xfrm>
-            <a:off x="5121520" y="3916052"/>
-            <a:ext cx="1888019" cy="1599765"/>
-            <a:chOff x="1866122" y="1498567"/>
-            <a:chExt cx="5075854" cy="3250713"/>
-          </a:xfrm>
-        </p:grpSpPr>
-        <p:pic>
-          <p:nvPicPr>
-            <p:cNvPr id="15" name="Grafik 14"/>
-            <p:cNvPicPr/>
-            <p:nvPr/>
-          </p:nvPicPr>
-          <p:blipFill rotWithShape="1">
-            <a:blip r:embed="rId2" cstate="hqprint">
-              <a:extLst>
-                <a:ext uri="{28A0092B-C50C-407E-A947-70E740481C1C}">
-                  <a14:useLocalDpi xmlns:a14="http://schemas.microsoft.com/office/drawing/2010/main" val="0"/>
-                </a:ext>
-              </a:extLst>
-            </a:blip>
-            <a:srcRect/>
-            <a:stretch/>
-          </p:blipFill>
-          <p:spPr bwMode="auto">
-            <a:xfrm>
-              <a:off x="1866122" y="1498567"/>
-              <a:ext cx="5075854" cy="3250713"/>
-            </a:xfrm>
-            <a:prstGeom prst="rect">
-              <a:avLst/>
-            </a:prstGeom>
-            <a:ln>
-              <a:noFill/>
-            </a:ln>
+      <p:pic>
+        <p:nvPicPr>
+          <p:cNvPr id="1028" name="Picture 4" descr="German (Germany) Keyboard Labels - DSI Computer Keyboards">
             <a:extLst>
-              <a:ext uri="{53640926-AAD7-44D8-BBD7-CCE9431645EC}">
-                <a14:shadowObscured xmlns:a14="http://schemas.microsoft.com/office/drawing/2010/main"/>
+              <a:ext uri="{FF2B5EF4-FFF2-40B4-BE49-F238E27FC236}">
+                <a16:creationId xmlns:a16="http://schemas.microsoft.com/office/drawing/2014/main" id="{54921F55-1CC2-E0AA-F781-B13E39422D11}"/>
               </a:ext>
             </a:extLst>
-          </p:spPr>
-        </p:pic>
-        <p:sp>
-          <p:nvSpPr>
-            <p:cNvPr id="16" name="Abgerundetes Rechteck 15"/>
-            <p:cNvSpPr/>
-            <p:nvPr/>
-          </p:nvSpPr>
-          <p:spPr>
-            <a:xfrm>
-              <a:off x="3290888" y="2271713"/>
-              <a:ext cx="623887" cy="442912"/>
-            </a:xfrm>
-            <a:prstGeom prst="roundRect">
-              <a:avLst/>
-            </a:prstGeom>
-            <a:solidFill>
-              <a:srgbClr val="00B050"/>
-            </a:solidFill>
-            <a:ln>
-              <a:solidFill>
-                <a:srgbClr val="00B050"/>
-              </a:solidFill>
-            </a:ln>
-          </p:spPr>
-          <p:style>
-            <a:lnRef idx="1">
-              <a:schemeClr val="accent1"/>
-            </a:lnRef>
-            <a:fillRef idx="3">
-              <a:schemeClr val="accent1"/>
-            </a:fillRef>
-            <a:effectRef idx="2">
-              <a:schemeClr val="accent1"/>
-            </a:effectRef>
-            <a:fontRef idx="minor">
-              <a:schemeClr val="lt1"/>
-            </a:fontRef>
-          </p:style>
-          <p:txBody>
-            <a:bodyPr rtlCol="0" anchor="ctr"/>
-            <a:lstStyle/>
-            <a:p>
-              <a:pPr algn="ctr"/>
-              <a:endParaRPr lang="de-DE"/>
-            </a:p>
-          </p:txBody>
-        </p:sp>
-        <p:sp>
-          <p:nvSpPr>
-            <p:cNvPr id="17" name="Abgerundetes Rechteck 16"/>
-            <p:cNvSpPr/>
-            <p:nvPr/>
-          </p:nvSpPr>
-          <p:spPr>
-            <a:xfrm>
-              <a:off x="4919663" y="2271713"/>
-              <a:ext cx="623887" cy="442912"/>
-            </a:xfrm>
-            <a:prstGeom prst="roundRect">
-              <a:avLst/>
-            </a:prstGeom>
-            <a:solidFill>
-              <a:srgbClr val="C00000"/>
-            </a:solidFill>
-            <a:ln>
-              <a:solidFill>
-                <a:srgbClr val="C00000"/>
-              </a:solidFill>
-            </a:ln>
-          </p:spPr>
-          <p:style>
-            <a:lnRef idx="1">
-              <a:schemeClr val="accent1"/>
-            </a:lnRef>
-            <a:fillRef idx="3">
-              <a:schemeClr val="accent1"/>
-            </a:fillRef>
-            <a:effectRef idx="2">
-              <a:schemeClr val="accent1"/>
-            </a:effectRef>
-            <a:fontRef idx="minor">
-              <a:schemeClr val="lt1"/>
-            </a:fontRef>
-          </p:style>
-          <p:txBody>
-            <a:bodyPr rtlCol="0" anchor="ctr"/>
-            <a:lstStyle/>
-            <a:p>
-              <a:pPr algn="ctr"/>
-              <a:endParaRPr lang="de-DE"/>
-            </a:p>
-          </p:txBody>
-        </p:sp>
-        <p:sp>
-          <p:nvSpPr>
-            <p:cNvPr id="18" name="Abgerundetes Rechteck 17"/>
-            <p:cNvSpPr/>
-            <p:nvPr/>
-          </p:nvSpPr>
-          <p:spPr>
-            <a:xfrm>
-              <a:off x="3290887" y="3676065"/>
-              <a:ext cx="623887" cy="442912"/>
-            </a:xfrm>
-            <a:prstGeom prst="roundRect">
-              <a:avLst/>
-            </a:prstGeom>
-            <a:solidFill>
-              <a:srgbClr val="0070C0"/>
-            </a:solidFill>
-            <a:ln>
-              <a:solidFill>
-                <a:srgbClr val="0070C0"/>
-              </a:solidFill>
-            </a:ln>
-          </p:spPr>
-          <p:style>
-            <a:lnRef idx="1">
-              <a:schemeClr val="accent1"/>
-            </a:lnRef>
-            <a:fillRef idx="3">
-              <a:schemeClr val="accent1"/>
-            </a:fillRef>
-            <a:effectRef idx="2">
-              <a:schemeClr val="accent1"/>
-            </a:effectRef>
-            <a:fontRef idx="minor">
-              <a:schemeClr val="lt1"/>
-            </a:fontRef>
-          </p:style>
-          <p:txBody>
-            <a:bodyPr rtlCol="0" anchor="ctr"/>
-            <a:lstStyle/>
-            <a:p>
-              <a:pPr algn="ctr"/>
-              <a:endParaRPr lang="de-DE"/>
-            </a:p>
-          </p:txBody>
-        </p:sp>
-        <p:sp>
-          <p:nvSpPr>
-            <p:cNvPr id="19" name="Abgerundetes Rechteck 18"/>
-            <p:cNvSpPr/>
-            <p:nvPr/>
-          </p:nvSpPr>
-          <p:spPr>
-            <a:xfrm>
-              <a:off x="4919663" y="3676065"/>
-              <a:ext cx="623887" cy="442912"/>
-            </a:xfrm>
-            <a:prstGeom prst="roundRect">
-              <a:avLst/>
-            </a:prstGeom>
-            <a:noFill/>
-            <a:ln>
-              <a:noFill/>
-            </a:ln>
-          </p:spPr>
-          <p:style>
-            <a:lnRef idx="1">
-              <a:schemeClr val="accent1"/>
-            </a:lnRef>
-            <a:fillRef idx="3">
-              <a:schemeClr val="accent1"/>
-            </a:fillRef>
-            <a:effectRef idx="2">
-              <a:schemeClr val="accent1"/>
-            </a:effectRef>
-            <a:fontRef idx="minor">
-              <a:schemeClr val="lt1"/>
-            </a:fontRef>
-          </p:style>
-          <p:txBody>
-            <a:bodyPr rtlCol="0" anchor="ctr"/>
-            <a:lstStyle/>
-            <a:p>
-              <a:pPr algn="ctr"/>
-              <a:endParaRPr lang="de-DE"/>
-            </a:p>
-          </p:txBody>
-        </p:sp>
-        <p:sp>
-          <p:nvSpPr>
-            <p:cNvPr id="20" name="Abgerundetes Rechteck 19"/>
-            <p:cNvSpPr/>
-            <p:nvPr/>
-          </p:nvSpPr>
-          <p:spPr>
-            <a:xfrm>
-              <a:off x="2225913" y="2973610"/>
-              <a:ext cx="422038" cy="281573"/>
-            </a:xfrm>
-            <a:prstGeom prst="roundRect">
-              <a:avLst/>
-            </a:prstGeom>
+          </p:cNvPr>
+          <p:cNvPicPr>
+            <a:picLocks noChangeAspect="1" noChangeArrowheads="1"/>
+          </p:cNvPicPr>
+          <p:nvPr/>
+        </p:nvPicPr>
+        <p:blipFill rotWithShape="1">
+          <a:blip r:embed="rId2" cstate="hqprint">
+            <a:extLst>
+              <a:ext uri="{28A0092B-C50C-407E-A947-70E740481C1C}">
+                <a14:useLocalDpi xmlns:a14="http://schemas.microsoft.com/office/drawing/2010/main" val="0"/>
+              </a:ext>
+            </a:extLst>
+          </a:blip>
+          <a:srcRect r="26400" b="80062"/>
+          <a:stretch/>
+        </p:blipFill>
+        <p:spPr bwMode="auto">
+          <a:xfrm>
+            <a:off x="4285218" y="4897692"/>
+            <a:ext cx="3382407" cy="320846"/>
+          </a:xfrm>
+          <a:prstGeom prst="rect">
+            <a:avLst/>
+          </a:prstGeom>
+          <a:noFill/>
+          <a:ln>
             <a:solidFill>
               <a:schemeClr val="bg1"/>
             </a:solidFill>
-            <a:ln>
-              <a:solidFill>
-                <a:schemeClr val="bg1"/>
-              </a:solidFill>
-            </a:ln>
-          </p:spPr>
-          <p:style>
-            <a:lnRef idx="1">
-              <a:schemeClr val="accent1"/>
-            </a:lnRef>
-            <a:fillRef idx="3">
-              <a:schemeClr val="accent1"/>
-            </a:fillRef>
-            <a:effectRef idx="2">
-              <a:schemeClr val="accent1"/>
-            </a:effectRef>
-            <a:fontRef idx="minor">
-              <a:schemeClr val="lt1"/>
-            </a:fontRef>
-          </p:style>
-          <p:txBody>
-            <a:bodyPr rtlCol="0" anchor="ctr"/>
-            <a:lstStyle/>
-            <a:p>
-              <a:pPr algn="ctr"/>
-              <a:endParaRPr lang="de-DE" dirty="0"/>
-            </a:p>
-          </p:txBody>
-        </p:sp>
-        <p:sp>
-          <p:nvSpPr>
-            <p:cNvPr id="21" name="Pfeil nach rechts 20"/>
-            <p:cNvSpPr/>
-            <p:nvPr/>
-          </p:nvSpPr>
-          <p:spPr>
-            <a:xfrm rot="10800000">
-              <a:off x="2314571" y="3090580"/>
-              <a:ext cx="219075" cy="45719"/>
-            </a:xfrm>
-            <a:prstGeom prst="rightArrow">
-              <a:avLst/>
-            </a:prstGeom>
+          </a:ln>
+          <a:extLst>
+            <a:ext uri="{909E8E84-426E-40DD-AFC4-6F175D3DCCD1}">
+              <a14:hiddenFill xmlns:a14="http://schemas.microsoft.com/office/drawing/2010/main">
+                <a:solidFill>
+                  <a:srgbClr val="FFFFFF"/>
+                </a:solidFill>
+              </a14:hiddenFill>
+            </a:ext>
+          </a:extLst>
+        </p:spPr>
+      </p:pic>
+      <p:sp>
+        <p:nvSpPr>
+          <p:cNvPr id="15" name="Rectangle 14">
+            <a:extLst>
+              <a:ext uri="{FF2B5EF4-FFF2-40B4-BE49-F238E27FC236}">
+                <a16:creationId xmlns:a16="http://schemas.microsoft.com/office/drawing/2014/main" id="{97743DB1-FA0C-37E7-E303-A1AF55B8C84A}"/>
+              </a:ext>
+            </a:extLst>
+          </p:cNvPr>
+          <p:cNvSpPr/>
+          <p:nvPr/>
+        </p:nvSpPr>
+        <p:spPr>
+          <a:xfrm>
+            <a:off x="6432080" y="4916696"/>
+            <a:ext cx="301841" cy="301841"/>
+          </a:xfrm>
+          <a:prstGeom prst="rect">
+            <a:avLst/>
+          </a:prstGeom>
+          <a:noFill/>
+          <a:ln w="28575">
             <a:solidFill>
-              <a:schemeClr val="tx1"/>
+              <a:srgbClr val="00B0F0"/>
             </a:solidFill>
-            <a:ln>
-              <a:solidFill>
-                <a:schemeClr val="tx1"/>
-              </a:solidFill>
-            </a:ln>
-          </p:spPr>
-          <p:style>
-            <a:lnRef idx="2">
-              <a:schemeClr val="dk1"/>
-            </a:lnRef>
-            <a:fillRef idx="1">
-              <a:schemeClr val="lt1"/>
-            </a:fillRef>
-            <a:effectRef idx="0">
-              <a:schemeClr val="dk1"/>
-            </a:effectRef>
-            <a:fontRef idx="minor">
-              <a:schemeClr val="dk1"/>
-            </a:fontRef>
-          </p:style>
-          <p:txBody>
-            <a:bodyPr rtlCol="0" anchor="ctr"/>
-            <a:lstStyle/>
-            <a:p>
-              <a:pPr algn="ctr"/>
-              <a:endParaRPr lang="de-DE">
+          </a:ln>
+        </p:spPr>
+        <p:style>
+          <a:lnRef idx="1">
+            <a:schemeClr val="accent1"/>
+          </a:lnRef>
+          <a:fillRef idx="3">
+            <a:schemeClr val="accent1"/>
+          </a:fillRef>
+          <a:effectRef idx="2">
+            <a:schemeClr val="accent1"/>
+          </a:effectRef>
+          <a:fontRef idx="minor">
+            <a:schemeClr val="lt1"/>
+          </a:fontRef>
+        </p:style>
+        <p:txBody>
+          <a:bodyPr rtlCol="0" anchor="ctr"/>
+          <a:lstStyle/>
+          <a:p>
+            <a:pPr algn="ctr"/>
+            <a:endParaRPr lang="en-US"/>
+          </a:p>
+        </p:txBody>
+      </p:sp>
+      <p:cxnSp>
+        <p:nvCxnSpPr>
+          <p:cNvPr id="17" name="Straight Connector 16">
+            <a:extLst>
+              <a:ext uri="{FF2B5EF4-FFF2-40B4-BE49-F238E27FC236}">
+                <a16:creationId xmlns:a16="http://schemas.microsoft.com/office/drawing/2014/main" id="{BA3039BC-4FF1-DE75-D33F-9B39A4FF01A4}"/>
+              </a:ext>
+            </a:extLst>
+          </p:cNvPr>
+          <p:cNvCxnSpPr>
+            <a:cxnSpLocks/>
+            <a:stCxn id="15" idx="3"/>
+          </p:cNvCxnSpPr>
+          <p:nvPr/>
+        </p:nvCxnSpPr>
+        <p:spPr>
+          <a:xfrm flipV="1">
+            <a:off x="6733921" y="5067616"/>
+            <a:ext cx="1333754" cy="1"/>
+          </a:xfrm>
+          <a:prstGeom prst="line">
+            <a:avLst/>
+          </a:prstGeom>
+          <a:ln>
+            <a:solidFill>
+              <a:srgbClr val="00B0F0"/>
+            </a:solidFill>
+          </a:ln>
+        </p:spPr>
+        <p:style>
+          <a:lnRef idx="2">
+            <a:schemeClr val="accent1"/>
+          </a:lnRef>
+          <a:fillRef idx="0">
+            <a:schemeClr val="accent1"/>
+          </a:fillRef>
+          <a:effectRef idx="1">
+            <a:schemeClr val="accent1"/>
+          </a:effectRef>
+          <a:fontRef idx="minor">
+            <a:schemeClr val="tx1"/>
+          </a:fontRef>
+        </p:style>
+      </p:cxnSp>
+      <p:sp>
+        <p:nvSpPr>
+          <p:cNvPr id="20" name="Rectangle 19">
+            <a:extLst>
+              <a:ext uri="{FF2B5EF4-FFF2-40B4-BE49-F238E27FC236}">
+                <a16:creationId xmlns:a16="http://schemas.microsoft.com/office/drawing/2014/main" id="{5D09B655-9AE2-CD82-FD32-3842B4E7CE51}"/>
+              </a:ext>
+            </a:extLst>
+          </p:cNvPr>
+          <p:cNvSpPr/>
+          <p:nvPr/>
+        </p:nvSpPr>
+        <p:spPr>
+          <a:xfrm>
+            <a:off x="4586950" y="4916697"/>
+            <a:ext cx="301841" cy="301841"/>
+          </a:xfrm>
+          <a:prstGeom prst="rect">
+            <a:avLst/>
+          </a:prstGeom>
+          <a:noFill/>
+          <a:ln w="28575">
+            <a:solidFill>
+              <a:srgbClr val="FF66FF"/>
+            </a:solidFill>
+          </a:ln>
+        </p:spPr>
+        <p:style>
+          <a:lnRef idx="1">
+            <a:schemeClr val="accent1"/>
+          </a:lnRef>
+          <a:fillRef idx="3">
+            <a:schemeClr val="accent1"/>
+          </a:fillRef>
+          <a:effectRef idx="2">
+            <a:schemeClr val="accent1"/>
+          </a:effectRef>
+          <a:fontRef idx="minor">
+            <a:schemeClr val="lt1"/>
+          </a:fontRef>
+        </p:style>
+        <p:txBody>
+          <a:bodyPr rtlCol="0" anchor="ctr"/>
+          <a:lstStyle/>
+          <a:p>
+            <a:pPr algn="ctr"/>
+            <a:endParaRPr lang="en-US"/>
+          </a:p>
+        </p:txBody>
+      </p:sp>
+      <p:cxnSp>
+        <p:nvCxnSpPr>
+          <p:cNvPr id="21" name="Straight Connector 20">
+            <a:extLst>
+              <a:ext uri="{FF2B5EF4-FFF2-40B4-BE49-F238E27FC236}">
+                <a16:creationId xmlns:a16="http://schemas.microsoft.com/office/drawing/2014/main" id="{7E196047-6CDC-E235-C9D7-35AC5696AAD3}"/>
+              </a:ext>
+            </a:extLst>
+          </p:cNvPr>
+          <p:cNvCxnSpPr>
+            <a:cxnSpLocks/>
+          </p:cNvCxnSpPr>
+          <p:nvPr/>
+        </p:nvCxnSpPr>
+        <p:spPr>
+          <a:xfrm>
+            <a:off x="4052009" y="5048612"/>
+            <a:ext cx="534941" cy="0"/>
+          </a:xfrm>
+          <a:prstGeom prst="line">
+            <a:avLst/>
+          </a:prstGeom>
+          <a:ln>
+            <a:solidFill>
+              <a:srgbClr val="FF66FF"/>
+            </a:solidFill>
+          </a:ln>
+        </p:spPr>
+        <p:style>
+          <a:lnRef idx="2">
+            <a:schemeClr val="accent1"/>
+          </a:lnRef>
+          <a:fillRef idx="0">
+            <a:schemeClr val="accent1"/>
+          </a:fillRef>
+          <a:effectRef idx="1">
+            <a:schemeClr val="accent1"/>
+          </a:effectRef>
+          <a:fontRef idx="minor">
+            <a:schemeClr val="tx1"/>
+          </a:fontRef>
+        </p:style>
+      </p:cxnSp>
+      <p:sp>
+        <p:nvSpPr>
+          <p:cNvPr id="6" name="Rectangle 5">
+            <a:extLst>
+              <a:ext uri="{FF2B5EF4-FFF2-40B4-BE49-F238E27FC236}">
+                <a16:creationId xmlns:a16="http://schemas.microsoft.com/office/drawing/2014/main" id="{3CE7954B-586E-187C-6981-41C0CDD41E16}"/>
+              </a:ext>
+            </a:extLst>
+          </p:cNvPr>
+          <p:cNvSpPr/>
+          <p:nvPr/>
+        </p:nvSpPr>
+        <p:spPr>
+          <a:xfrm>
+            <a:off x="3063213" y="4714182"/>
+            <a:ext cx="988796" cy="772218"/>
+          </a:xfrm>
+          <a:prstGeom prst="rect">
+            <a:avLst/>
+          </a:prstGeom>
+          <a:noFill/>
+          <a:ln w="28575" cap="flat" cmpd="sng" algn="ctr">
+            <a:solidFill>
+              <a:srgbClr val="FF66FF"/>
+            </a:solidFill>
+            <a:prstDash val="solid"/>
+            <a:round/>
+            <a:headEnd type="none" w="med" len="med"/>
+            <a:tailEnd type="none" w="med" len="med"/>
+          </a:ln>
+        </p:spPr>
+        <p:style>
+          <a:lnRef idx="0">
+            <a:scrgbClr r="0" g="0" b="0"/>
+          </a:lnRef>
+          <a:fillRef idx="0">
+            <a:scrgbClr r="0" g="0" b="0"/>
+          </a:fillRef>
+          <a:effectRef idx="0">
+            <a:scrgbClr r="0" g="0" b="0"/>
+          </a:effectRef>
+          <a:fontRef idx="minor">
+            <a:schemeClr val="dk1"/>
+          </a:fontRef>
+        </p:style>
+        <p:txBody>
+          <a:bodyPr rtlCol="0" anchor="ctr"/>
+          <a:lstStyle/>
+          <a:p>
+            <a:pPr algn="ctr"/>
+            <a:r>
+              <a:rPr lang="en-US" sz="2000" dirty="0">
                 <a:solidFill>
                   <a:schemeClr val="tx1"/>
                 </a:solidFill>
-              </a:endParaRPr>
-            </a:p>
-          </p:txBody>
-        </p:sp>
-        <p:sp>
-          <p:nvSpPr>
-            <p:cNvPr id="22" name="Abgerundetes Rechteck 21"/>
-            <p:cNvSpPr/>
-            <p:nvPr/>
-          </p:nvSpPr>
-          <p:spPr>
-            <a:xfrm rot="10800000">
-              <a:off x="6212125" y="2973610"/>
-              <a:ext cx="422038" cy="281573"/>
-            </a:xfrm>
-            <a:prstGeom prst="roundRect">
-              <a:avLst/>
-            </a:prstGeom>
-            <a:solidFill>
-              <a:schemeClr val="bg1"/>
-            </a:solidFill>
-            <a:ln>
-              <a:solidFill>
-                <a:schemeClr val="bg1"/>
-              </a:solidFill>
-            </a:ln>
-          </p:spPr>
-          <p:style>
-            <a:lnRef idx="1">
-              <a:schemeClr val="accent1"/>
-            </a:lnRef>
-            <a:fillRef idx="3">
-              <a:schemeClr val="accent1"/>
-            </a:fillRef>
-            <a:effectRef idx="2">
-              <a:schemeClr val="accent1"/>
-            </a:effectRef>
-            <a:fontRef idx="minor">
-              <a:schemeClr val="lt1"/>
-            </a:fontRef>
-          </p:style>
-          <p:txBody>
-            <a:bodyPr rtlCol="0" anchor="ctr"/>
-            <a:lstStyle/>
-            <a:p>
-              <a:pPr algn="ctr"/>
-              <a:endParaRPr lang="de-DE" dirty="0"/>
-            </a:p>
-          </p:txBody>
-        </p:sp>
-        <p:sp>
-          <p:nvSpPr>
-            <p:cNvPr id="23" name="Pfeil nach rechts 22"/>
-            <p:cNvSpPr/>
-            <p:nvPr/>
-          </p:nvSpPr>
-          <p:spPr>
-            <a:xfrm>
-              <a:off x="6300783" y="3090580"/>
-              <a:ext cx="219075" cy="45719"/>
-            </a:xfrm>
-            <a:prstGeom prst="rightArrow">
-              <a:avLst/>
-            </a:prstGeom>
-            <a:solidFill>
-              <a:schemeClr val="tx1"/>
-            </a:solidFill>
-            <a:ln>
-              <a:solidFill>
-                <a:schemeClr val="tx1"/>
-              </a:solidFill>
-            </a:ln>
-          </p:spPr>
-          <p:style>
-            <a:lnRef idx="2">
-              <a:schemeClr val="dk1"/>
-            </a:lnRef>
-            <a:fillRef idx="1">
-              <a:schemeClr val="lt1"/>
-            </a:fillRef>
-            <a:effectRef idx="0">
-              <a:schemeClr val="dk1"/>
-            </a:effectRef>
-            <a:fontRef idx="minor">
-              <a:schemeClr val="dk1"/>
-            </a:fontRef>
-          </p:style>
-          <p:txBody>
-            <a:bodyPr rtlCol="0" anchor="ctr"/>
-            <a:lstStyle/>
-            <a:p>
-              <a:pPr algn="ctr"/>
-              <a:endParaRPr lang="de-DE">
+              </a:rPr>
+              <a:t>very </a:t>
+            </a:r>
+            <a:br>
+              <a:rPr lang="en-US" sz="2000" dirty="0">
                 <a:solidFill>
                   <a:schemeClr val="tx1"/>
                 </a:solidFill>
-              </a:endParaRPr>
-            </a:p>
-          </p:txBody>
-        </p:sp>
-      </p:grpSp>
+              </a:rPr>
+            </a:br>
+            <a:r>
+              <a:rPr lang="en-US" sz="2000" dirty="0">
+                <a:solidFill>
+                  <a:schemeClr val="tx1"/>
+                </a:solidFill>
+              </a:rPr>
+              <a:t>atypical</a:t>
+            </a:r>
+          </a:p>
+        </p:txBody>
+      </p:sp>
+      <p:sp>
+        <p:nvSpPr>
+          <p:cNvPr id="7" name="Rectangle 6">
+            <a:extLst>
+              <a:ext uri="{FF2B5EF4-FFF2-40B4-BE49-F238E27FC236}">
+                <a16:creationId xmlns:a16="http://schemas.microsoft.com/office/drawing/2014/main" id="{0AA3FE03-F79A-542E-C548-871038B6ADAD}"/>
+              </a:ext>
+            </a:extLst>
+          </p:cNvPr>
+          <p:cNvSpPr/>
+          <p:nvPr/>
+        </p:nvSpPr>
+        <p:spPr>
+          <a:xfrm>
+            <a:off x="8067675" y="4714182"/>
+            <a:ext cx="988796" cy="772218"/>
+          </a:xfrm>
+          <a:prstGeom prst="rect">
+            <a:avLst/>
+          </a:prstGeom>
+          <a:noFill/>
+          <a:ln w="28575">
+            <a:solidFill>
+              <a:srgbClr val="00B0F0"/>
+            </a:solidFill>
+          </a:ln>
+        </p:spPr>
+        <p:style>
+          <a:lnRef idx="0">
+            <a:scrgbClr r="0" g="0" b="0"/>
+          </a:lnRef>
+          <a:fillRef idx="0">
+            <a:scrgbClr r="0" g="0" b="0"/>
+          </a:fillRef>
+          <a:effectRef idx="0">
+            <a:scrgbClr r="0" g="0" b="0"/>
+          </a:effectRef>
+          <a:fontRef idx="minor">
+            <a:schemeClr val="dk1"/>
+          </a:fontRef>
+        </p:style>
+        <p:txBody>
+          <a:bodyPr rtlCol="0" anchor="ctr"/>
+          <a:lstStyle/>
+          <a:p>
+            <a:pPr algn="ctr"/>
+            <a:r>
+              <a:rPr lang="en-US" sz="2000" dirty="0">
+                <a:solidFill>
+                  <a:schemeClr val="tx1"/>
+                </a:solidFill>
+              </a:rPr>
+              <a:t>very </a:t>
+            </a:r>
+            <a:br>
+              <a:rPr lang="en-US" sz="2000" dirty="0">
+                <a:solidFill>
+                  <a:schemeClr val="tx1"/>
+                </a:solidFill>
+              </a:rPr>
+            </a:br>
+            <a:r>
+              <a:rPr lang="en-US" sz="2000" dirty="0">
+                <a:solidFill>
+                  <a:schemeClr val="tx1"/>
+                </a:solidFill>
+              </a:rPr>
+              <a:t>typical</a:t>
+            </a:r>
+          </a:p>
+        </p:txBody>
+      </p:sp>
     </p:spTree>
     <p:extLst>
       <p:ext uri="{BB962C8B-B14F-4D97-AF65-F5344CB8AC3E}">
-        <p14:creationId xmlns:p14="http://schemas.microsoft.com/office/powerpoint/2010/main" val="2019135309"/>
+        <p14:creationId xmlns:p14="http://schemas.microsoft.com/office/powerpoint/2010/main" val="2338977154"/>
       </p:ext>
     </p:extLst>
   </p:cSld>
@@ -5712,15 +5357,69 @@
           <a:p>
             <a:r>
               <a:rPr lang="en-US" sz="2400" dirty="0"/>
-              <a:t>At the beginning of each sequence, we will show you </a:t>
+              <a:t>The task of the current session is a </a:t>
             </a:r>
             <a:r>
               <a:rPr lang="en-US" sz="2400" b="1" dirty="0"/>
-              <a:t>two specific “target” images </a:t>
-            </a:r>
-            <a:r>
-              <a:rPr lang="en-US" sz="2400" dirty="0"/>
-              <a:t>that you will need to remember and be on the lookout for. </a:t>
+              <a:t>rating task.</a:t>
+            </a:r>
+          </a:p>
+          <a:p>
+            <a:endParaRPr lang="en-US" sz="2400" b="1" dirty="0"/>
+          </a:p>
+          <a:p>
+            <a:r>
+              <a:rPr lang="en-US" sz="2400" dirty="0"/>
+              <a:t>You will see an images of a kitchen or a bathroom for 1.5 sec. Your task is to rate the image according to your personal judgment of </a:t>
+            </a:r>
+            <a:r>
+              <a:rPr lang="en-US" sz="2400" b="1" dirty="0"/>
+              <a:t>aesthetic attractiveness </a:t>
+            </a:r>
+            <a:r>
+              <a:rPr lang="en-US" sz="2400" dirty="0"/>
+              <a:t>on a scale from </a:t>
+            </a:r>
+            <a:r>
+              <a:rPr lang="en-US" sz="2400" b="1" dirty="0"/>
+              <a:t>1 to 7.</a:t>
+            </a:r>
+          </a:p>
+          <a:p>
+            <a:endParaRPr lang="en-US" sz="2400" b="1" dirty="0"/>
+          </a:p>
+          <a:p>
+            <a:r>
+              <a:rPr lang="en-US" sz="2400" dirty="0"/>
+              <a:t>For a</a:t>
+            </a:r>
+            <a:r>
+              <a:rPr lang="en-US" sz="2400" b="1" dirty="0"/>
+              <a:t> very aesthetically appealing </a:t>
+            </a:r>
+            <a:r>
+              <a:rPr lang="en-US" sz="2400" dirty="0"/>
+              <a:t>exemplar of a kitchen/bathroom </a:t>
+            </a:r>
+            <a:r>
+              <a:rPr lang="en-US" sz="2400" b="1" dirty="0"/>
+              <a:t>press “7” </a:t>
+            </a:r>
+            <a:r>
+              <a:rPr lang="en-US" sz="2400" dirty="0"/>
+              <a:t>and for a </a:t>
+            </a:r>
+            <a:r>
+              <a:rPr lang="en-US" sz="2400" b="1" dirty="0"/>
+              <a:t>totally unattractive  </a:t>
+            </a:r>
+            <a:r>
+              <a:rPr lang="en-US" sz="2400" dirty="0"/>
+              <a:t>exemplar</a:t>
+            </a:r>
+            <a:r>
+              <a:rPr lang="en-US" sz="2400" b="1" dirty="0"/>
+              <a:t> press “1”.</a:t>
             </a:r>
           </a:p>
           <a:p>
@@ -5729,42 +5428,8 @@
           <a:p>
             <a:r>
               <a:rPr lang="en-US" sz="2400" dirty="0"/>
-              <a:t>Your main task will be to attentively look at each image for as long as it’s on the screen, and </a:t>
-            </a:r>
-            <a:r>
-              <a:rPr lang="en-US" sz="2400" b="1" dirty="0"/>
-              <a:t>press the little orange button </a:t>
-            </a:r>
-            <a:r>
-              <a:rPr lang="en-US" sz="2400" dirty="0"/>
-              <a:t>whenever you see a </a:t>
-            </a:r>
-            <a:r>
-              <a:rPr lang="en-US" sz="2400" b="1" dirty="0"/>
-              <a:t>target image </a:t>
-            </a:r>
-            <a:r>
-              <a:rPr lang="en-US" sz="2400" dirty="0"/>
-              <a:t>in any view (front or side).</a:t>
-            </a:r>
-          </a:p>
-          <a:p>
-            <a:r>
-              <a:rPr lang="en-US" sz="2400" dirty="0"/>
-              <a:t>Please respond as quickly and as accurately as possible.</a:t>
-            </a:r>
-          </a:p>
-          <a:p>
-            <a:endParaRPr lang="en-US" sz="2400" dirty="0"/>
-          </a:p>
-          <a:p>
-            <a:endParaRPr lang="en-US" sz="2400" dirty="0"/>
-          </a:p>
-          <a:p>
-            <a:endParaRPr lang="en-US" sz="2400" dirty="0"/>
-          </a:p>
-          <a:p>
-            <a:endParaRPr lang="en-US" sz="2400" dirty="0"/>
+              <a:t>Take your time. No speed pressure in this task. </a:t>
+            </a:r>
           </a:p>
           <a:p>
             <a:endParaRPr lang="en-US" sz="2400" dirty="0"/>
@@ -5775,6 +5440,10 @@
           </a:p>
           <a:p>
             <a:pPr algn="ctr"/>
+            <a:endParaRPr lang="en-US" sz="2400" dirty="0"/>
+          </a:p>
+          <a:p>
+            <a:pPr algn="ctr"/>
             <a:r>
               <a:rPr lang="en-US" sz="2400" dirty="0"/>
               <a:t>Press the </a:t>
@@ -5820,539 +5489,380 @@
           </a:p>
         </p:txBody>
       </p:sp>
-      <p:grpSp>
-        <p:nvGrpSpPr>
-          <p:cNvPr id="2" name="Gruppieren 1"/>
-          <p:cNvGrpSpPr/>
+      <p:pic>
+        <p:nvPicPr>
+          <p:cNvPr id="1028" name="Picture 4" descr="German (Germany) Keyboard Labels - DSI Computer Keyboards">
+            <a:extLst>
+              <a:ext uri="{FF2B5EF4-FFF2-40B4-BE49-F238E27FC236}">
+                <a16:creationId xmlns:a16="http://schemas.microsoft.com/office/drawing/2014/main" id="{54921F55-1CC2-E0AA-F781-B13E39422D11}"/>
+              </a:ext>
+            </a:extLst>
+          </p:cNvPr>
+          <p:cNvPicPr>
+            <a:picLocks noChangeAspect="1" noChangeArrowheads="1"/>
+          </p:cNvPicPr>
           <p:nvPr/>
-        </p:nvGrpSpPr>
-        <p:grpSpPr>
+        </p:nvPicPr>
+        <p:blipFill rotWithShape="1">
+          <a:blip r:embed="rId2" cstate="hqprint">
+            <a:extLst>
+              <a:ext uri="{28A0092B-C50C-407E-A947-70E740481C1C}">
+                <a14:useLocalDpi xmlns:a14="http://schemas.microsoft.com/office/drawing/2010/main" val="0"/>
+              </a:ext>
+            </a:extLst>
+          </a:blip>
+          <a:srcRect r="26400" b="80062"/>
+          <a:stretch/>
+        </p:blipFill>
+        <p:spPr bwMode="auto">
           <a:xfrm>
-            <a:off x="5121520" y="3916052"/>
-            <a:ext cx="1888019" cy="1599765"/>
-            <a:chOff x="5121520" y="3916052"/>
-            <a:chExt cx="1888019" cy="1599765"/>
+            <a:off x="4361418" y="5116767"/>
+            <a:ext cx="3382407" cy="320846"/>
           </a:xfrm>
-        </p:grpSpPr>
-        <p:grpSp>
-          <p:nvGrpSpPr>
-            <p:cNvPr id="14" name="Gruppieren 13"/>
-            <p:cNvGrpSpPr/>
-            <p:nvPr/>
-          </p:nvGrpSpPr>
-          <p:grpSpPr>
-            <a:xfrm>
-              <a:off x="5121520" y="3916052"/>
-              <a:ext cx="1888019" cy="1599765"/>
-              <a:chOff x="1866122" y="1498567"/>
-              <a:chExt cx="5075854" cy="3250713"/>
-            </a:xfrm>
-          </p:grpSpPr>
-          <p:pic>
-            <p:nvPicPr>
-              <p:cNvPr id="15" name="Grafik 14"/>
-              <p:cNvPicPr/>
-              <p:nvPr/>
-            </p:nvPicPr>
-            <p:blipFill rotWithShape="1">
-              <a:blip r:embed="rId2" cstate="hqprint">
-                <a:extLst>
-                  <a:ext uri="{28A0092B-C50C-407E-A947-70E740481C1C}">
-                    <a14:useLocalDpi xmlns:a14="http://schemas.microsoft.com/office/drawing/2010/main" val="0"/>
-                  </a:ext>
-                </a:extLst>
-              </a:blip>
-              <a:srcRect/>
-              <a:stretch/>
-            </p:blipFill>
-            <p:spPr bwMode="auto">
-              <a:xfrm>
-                <a:off x="1866122" y="1498567"/>
-                <a:ext cx="5075854" cy="3250713"/>
-              </a:xfrm>
-              <a:prstGeom prst="rect">
-                <a:avLst/>
-              </a:prstGeom>
-              <a:ln>
-                <a:noFill/>
-              </a:ln>
-              <a:extLst>
-                <a:ext uri="{53640926-AAD7-44D8-BBD7-CCE9431645EC}">
-                  <a14:shadowObscured xmlns:a14="http://schemas.microsoft.com/office/drawing/2010/main"/>
-                </a:ext>
-              </a:extLst>
-            </p:spPr>
-          </p:pic>
-          <p:sp>
-            <p:nvSpPr>
-              <p:cNvPr id="16" name="Abgerundetes Rechteck 15"/>
-              <p:cNvSpPr/>
-              <p:nvPr/>
-            </p:nvSpPr>
-            <p:spPr>
-              <a:xfrm>
-                <a:off x="3290888" y="2271713"/>
-                <a:ext cx="623887" cy="442912"/>
-              </a:xfrm>
-              <a:prstGeom prst="roundRect">
-                <a:avLst/>
-              </a:prstGeom>
-              <a:solidFill>
-                <a:srgbClr val="00B050"/>
-              </a:solidFill>
-              <a:ln>
+          <a:prstGeom prst="rect">
+            <a:avLst/>
+          </a:prstGeom>
+          <a:noFill/>
+          <a:ln>
+            <a:solidFill>
+              <a:schemeClr val="bg1"/>
+            </a:solidFill>
+          </a:ln>
+          <a:extLst>
+            <a:ext uri="{909E8E84-426E-40DD-AFC4-6F175D3DCCD1}">
+              <a14:hiddenFill xmlns:a14="http://schemas.microsoft.com/office/drawing/2010/main">
                 <a:solidFill>
-                  <a:srgbClr val="00B050"/>
+                  <a:srgbClr val="FFFFFF"/>
                 </a:solidFill>
-              </a:ln>
-            </p:spPr>
-            <p:style>
-              <a:lnRef idx="1">
-                <a:schemeClr val="accent1"/>
-              </a:lnRef>
-              <a:fillRef idx="3">
-                <a:schemeClr val="accent1"/>
-              </a:fillRef>
-              <a:effectRef idx="2">
-                <a:schemeClr val="accent1"/>
-              </a:effectRef>
-              <a:fontRef idx="minor">
-                <a:schemeClr val="lt1"/>
-              </a:fontRef>
-            </p:style>
-            <p:txBody>
-              <a:bodyPr rtlCol="0" anchor="ctr"/>
-              <a:lstStyle/>
-              <a:p>
-                <a:pPr algn="ctr"/>
-                <a:endParaRPr lang="de-DE"/>
-              </a:p>
-            </p:txBody>
-          </p:sp>
-          <p:sp>
-            <p:nvSpPr>
-              <p:cNvPr id="17" name="Abgerundetes Rechteck 16"/>
-              <p:cNvSpPr/>
-              <p:nvPr/>
-            </p:nvSpPr>
-            <p:spPr>
-              <a:xfrm>
-                <a:off x="4919663" y="2271713"/>
-                <a:ext cx="623887" cy="442912"/>
-              </a:xfrm>
-              <a:prstGeom prst="roundRect">
-                <a:avLst/>
-              </a:prstGeom>
-              <a:solidFill>
-                <a:srgbClr val="C00000"/>
-              </a:solidFill>
-              <a:ln>
-                <a:solidFill>
-                  <a:srgbClr val="C00000"/>
-                </a:solidFill>
-              </a:ln>
-            </p:spPr>
-            <p:style>
-              <a:lnRef idx="1">
-                <a:schemeClr val="accent1"/>
-              </a:lnRef>
-              <a:fillRef idx="3">
-                <a:schemeClr val="accent1"/>
-              </a:fillRef>
-              <a:effectRef idx="2">
-                <a:schemeClr val="accent1"/>
-              </a:effectRef>
-              <a:fontRef idx="minor">
-                <a:schemeClr val="lt1"/>
-              </a:fontRef>
-            </p:style>
-            <p:txBody>
-              <a:bodyPr rtlCol="0" anchor="ctr"/>
-              <a:lstStyle/>
-              <a:p>
-                <a:pPr algn="ctr"/>
-                <a:endParaRPr lang="de-DE"/>
-              </a:p>
-            </p:txBody>
-          </p:sp>
-          <p:sp>
-            <p:nvSpPr>
-              <p:cNvPr id="18" name="Abgerundetes Rechteck 17"/>
-              <p:cNvSpPr/>
-              <p:nvPr/>
-            </p:nvSpPr>
-            <p:spPr>
-              <a:xfrm>
-                <a:off x="3290887" y="3676065"/>
-                <a:ext cx="623887" cy="442912"/>
-              </a:xfrm>
-              <a:prstGeom prst="roundRect">
-                <a:avLst/>
-              </a:prstGeom>
-              <a:solidFill>
-                <a:srgbClr val="0070C0"/>
-              </a:solidFill>
-              <a:ln>
-                <a:solidFill>
-                  <a:srgbClr val="0070C0"/>
-                </a:solidFill>
-              </a:ln>
-            </p:spPr>
-            <p:style>
-              <a:lnRef idx="1">
-                <a:schemeClr val="accent1"/>
-              </a:lnRef>
-              <a:fillRef idx="3">
-                <a:schemeClr val="accent1"/>
-              </a:fillRef>
-              <a:effectRef idx="2">
-                <a:schemeClr val="accent1"/>
-              </a:effectRef>
-              <a:fontRef idx="minor">
-                <a:schemeClr val="lt1"/>
-              </a:fontRef>
-            </p:style>
-            <p:txBody>
-              <a:bodyPr rtlCol="0" anchor="ctr"/>
-              <a:lstStyle/>
-              <a:p>
-                <a:pPr algn="ctr"/>
-                <a:endParaRPr lang="de-DE"/>
-              </a:p>
-            </p:txBody>
-          </p:sp>
-          <p:sp>
-            <p:nvSpPr>
-              <p:cNvPr id="19" name="Abgerundetes Rechteck 18"/>
-              <p:cNvSpPr/>
-              <p:nvPr/>
-            </p:nvSpPr>
-            <p:spPr>
-              <a:xfrm>
-                <a:off x="4919663" y="3676065"/>
-                <a:ext cx="623887" cy="442912"/>
-              </a:xfrm>
-              <a:prstGeom prst="roundRect">
-                <a:avLst/>
-              </a:prstGeom>
-              <a:noFill/>
-              <a:ln>
-                <a:noFill/>
-              </a:ln>
-            </p:spPr>
-            <p:style>
-              <a:lnRef idx="1">
-                <a:schemeClr val="accent1"/>
-              </a:lnRef>
-              <a:fillRef idx="3">
-                <a:schemeClr val="accent1"/>
-              </a:fillRef>
-              <a:effectRef idx="2">
-                <a:schemeClr val="accent1"/>
-              </a:effectRef>
-              <a:fontRef idx="minor">
-                <a:schemeClr val="lt1"/>
-              </a:fontRef>
-            </p:style>
-            <p:txBody>
-              <a:bodyPr rtlCol="0" anchor="ctr"/>
-              <a:lstStyle/>
-              <a:p>
-                <a:pPr algn="ctr"/>
-                <a:endParaRPr lang="de-DE"/>
-              </a:p>
-            </p:txBody>
-          </p:sp>
-          <p:sp>
-            <p:nvSpPr>
-              <p:cNvPr id="20" name="Abgerundetes Rechteck 19"/>
-              <p:cNvSpPr/>
-              <p:nvPr/>
-            </p:nvSpPr>
-            <p:spPr>
-              <a:xfrm>
-                <a:off x="2225913" y="2973610"/>
-                <a:ext cx="422038" cy="281573"/>
-              </a:xfrm>
-              <a:prstGeom prst="roundRect">
-                <a:avLst/>
-              </a:prstGeom>
-              <a:solidFill>
-                <a:schemeClr val="bg1"/>
-              </a:solidFill>
-              <a:ln>
-                <a:solidFill>
-                  <a:schemeClr val="bg1"/>
-                </a:solidFill>
-              </a:ln>
-            </p:spPr>
-            <p:style>
-              <a:lnRef idx="1">
-                <a:schemeClr val="accent1"/>
-              </a:lnRef>
-              <a:fillRef idx="3">
-                <a:schemeClr val="accent1"/>
-              </a:fillRef>
-              <a:effectRef idx="2">
-                <a:schemeClr val="accent1"/>
-              </a:effectRef>
-              <a:fontRef idx="minor">
-                <a:schemeClr val="lt1"/>
-              </a:fontRef>
-            </p:style>
-            <p:txBody>
-              <a:bodyPr rtlCol="0" anchor="ctr"/>
-              <a:lstStyle/>
-              <a:p>
-                <a:pPr algn="ctr"/>
-                <a:endParaRPr lang="de-DE" dirty="0"/>
-              </a:p>
-            </p:txBody>
-          </p:sp>
-          <p:sp>
-            <p:nvSpPr>
-              <p:cNvPr id="21" name="Pfeil nach rechts 20"/>
-              <p:cNvSpPr/>
-              <p:nvPr/>
-            </p:nvSpPr>
-            <p:spPr>
-              <a:xfrm rot="10800000">
-                <a:off x="2314571" y="3090580"/>
-                <a:ext cx="219075" cy="45719"/>
-              </a:xfrm>
-              <a:prstGeom prst="rightArrow">
-                <a:avLst/>
-              </a:prstGeom>
-              <a:solidFill>
-                <a:schemeClr val="tx1"/>
-              </a:solidFill>
-              <a:ln>
+              </a14:hiddenFill>
+            </a:ext>
+          </a:extLst>
+        </p:spPr>
+      </p:pic>
+      <p:sp>
+        <p:nvSpPr>
+          <p:cNvPr id="15" name="Rectangle 14">
+            <a:extLst>
+              <a:ext uri="{FF2B5EF4-FFF2-40B4-BE49-F238E27FC236}">
+                <a16:creationId xmlns:a16="http://schemas.microsoft.com/office/drawing/2014/main" id="{97743DB1-FA0C-37E7-E303-A1AF55B8C84A}"/>
+              </a:ext>
+            </a:extLst>
+          </p:cNvPr>
+          <p:cNvSpPr/>
+          <p:nvPr/>
+        </p:nvSpPr>
+        <p:spPr>
+          <a:xfrm>
+            <a:off x="6508280" y="5135771"/>
+            <a:ext cx="301841" cy="301841"/>
+          </a:xfrm>
+          <a:prstGeom prst="rect">
+            <a:avLst/>
+          </a:prstGeom>
+          <a:noFill/>
+          <a:ln w="28575">
+            <a:solidFill>
+              <a:srgbClr val="00B0F0"/>
+            </a:solidFill>
+          </a:ln>
+        </p:spPr>
+        <p:style>
+          <a:lnRef idx="1">
+            <a:schemeClr val="accent1"/>
+          </a:lnRef>
+          <a:fillRef idx="3">
+            <a:schemeClr val="accent1"/>
+          </a:fillRef>
+          <a:effectRef idx="2">
+            <a:schemeClr val="accent1"/>
+          </a:effectRef>
+          <a:fontRef idx="minor">
+            <a:schemeClr val="lt1"/>
+          </a:fontRef>
+        </p:style>
+        <p:txBody>
+          <a:bodyPr rtlCol="0" anchor="ctr"/>
+          <a:lstStyle/>
+          <a:p>
+            <a:pPr algn="ctr"/>
+            <a:endParaRPr lang="en-US"/>
+          </a:p>
+        </p:txBody>
+      </p:sp>
+      <p:cxnSp>
+        <p:nvCxnSpPr>
+          <p:cNvPr id="17" name="Straight Connector 16">
+            <a:extLst>
+              <a:ext uri="{FF2B5EF4-FFF2-40B4-BE49-F238E27FC236}">
+                <a16:creationId xmlns:a16="http://schemas.microsoft.com/office/drawing/2014/main" id="{BA3039BC-4FF1-DE75-D33F-9B39A4FF01A4}"/>
+              </a:ext>
+            </a:extLst>
+          </p:cNvPr>
+          <p:cNvCxnSpPr>
+            <a:cxnSpLocks/>
+            <a:stCxn id="15" idx="3"/>
+          </p:cNvCxnSpPr>
+          <p:nvPr/>
+        </p:nvCxnSpPr>
+        <p:spPr>
+          <a:xfrm flipV="1">
+            <a:off x="6810121" y="5286691"/>
+            <a:ext cx="1333754" cy="1"/>
+          </a:xfrm>
+          <a:prstGeom prst="line">
+            <a:avLst/>
+          </a:prstGeom>
+          <a:ln>
+            <a:solidFill>
+              <a:srgbClr val="00B0F0"/>
+            </a:solidFill>
+          </a:ln>
+        </p:spPr>
+        <p:style>
+          <a:lnRef idx="2">
+            <a:schemeClr val="accent1"/>
+          </a:lnRef>
+          <a:fillRef idx="0">
+            <a:schemeClr val="accent1"/>
+          </a:fillRef>
+          <a:effectRef idx="1">
+            <a:schemeClr val="accent1"/>
+          </a:effectRef>
+          <a:fontRef idx="minor">
+            <a:schemeClr val="tx1"/>
+          </a:fontRef>
+        </p:style>
+      </p:cxnSp>
+      <p:sp>
+        <p:nvSpPr>
+          <p:cNvPr id="20" name="Rectangle 19">
+            <a:extLst>
+              <a:ext uri="{FF2B5EF4-FFF2-40B4-BE49-F238E27FC236}">
+                <a16:creationId xmlns:a16="http://schemas.microsoft.com/office/drawing/2014/main" id="{5D09B655-9AE2-CD82-FD32-3842B4E7CE51}"/>
+              </a:ext>
+            </a:extLst>
+          </p:cNvPr>
+          <p:cNvSpPr/>
+          <p:nvPr/>
+        </p:nvSpPr>
+        <p:spPr>
+          <a:xfrm>
+            <a:off x="4663150" y="5135772"/>
+            <a:ext cx="301841" cy="301841"/>
+          </a:xfrm>
+          <a:prstGeom prst="rect">
+            <a:avLst/>
+          </a:prstGeom>
+          <a:noFill/>
+          <a:ln w="28575">
+            <a:solidFill>
+              <a:srgbClr val="FF66FF"/>
+            </a:solidFill>
+          </a:ln>
+        </p:spPr>
+        <p:style>
+          <a:lnRef idx="1">
+            <a:schemeClr val="accent1"/>
+          </a:lnRef>
+          <a:fillRef idx="3">
+            <a:schemeClr val="accent1"/>
+          </a:fillRef>
+          <a:effectRef idx="2">
+            <a:schemeClr val="accent1"/>
+          </a:effectRef>
+          <a:fontRef idx="minor">
+            <a:schemeClr val="lt1"/>
+          </a:fontRef>
+        </p:style>
+        <p:txBody>
+          <a:bodyPr rtlCol="0" anchor="ctr"/>
+          <a:lstStyle/>
+          <a:p>
+            <a:pPr algn="ctr"/>
+            <a:endParaRPr lang="en-US"/>
+          </a:p>
+        </p:txBody>
+      </p:sp>
+      <p:cxnSp>
+        <p:nvCxnSpPr>
+          <p:cNvPr id="21" name="Straight Connector 20">
+            <a:extLst>
+              <a:ext uri="{FF2B5EF4-FFF2-40B4-BE49-F238E27FC236}">
+                <a16:creationId xmlns:a16="http://schemas.microsoft.com/office/drawing/2014/main" id="{7E196047-6CDC-E235-C9D7-35AC5696AAD3}"/>
+              </a:ext>
+            </a:extLst>
+          </p:cNvPr>
+          <p:cNvCxnSpPr>
+            <a:cxnSpLocks/>
+          </p:cNvCxnSpPr>
+          <p:nvPr/>
+        </p:nvCxnSpPr>
+        <p:spPr>
+          <a:xfrm>
+            <a:off x="4128209" y="5267687"/>
+            <a:ext cx="534941" cy="0"/>
+          </a:xfrm>
+          <a:prstGeom prst="line">
+            <a:avLst/>
+          </a:prstGeom>
+          <a:ln>
+            <a:solidFill>
+              <a:srgbClr val="FF66FF"/>
+            </a:solidFill>
+          </a:ln>
+        </p:spPr>
+        <p:style>
+          <a:lnRef idx="2">
+            <a:schemeClr val="accent1"/>
+          </a:lnRef>
+          <a:fillRef idx="0">
+            <a:schemeClr val="accent1"/>
+          </a:fillRef>
+          <a:effectRef idx="1">
+            <a:schemeClr val="accent1"/>
+          </a:effectRef>
+          <a:fontRef idx="minor">
+            <a:schemeClr val="tx1"/>
+          </a:fontRef>
+        </p:style>
+      </p:cxnSp>
+      <p:sp>
+        <p:nvSpPr>
+          <p:cNvPr id="6" name="Rectangle 5">
+            <a:extLst>
+              <a:ext uri="{FF2B5EF4-FFF2-40B4-BE49-F238E27FC236}">
+                <a16:creationId xmlns:a16="http://schemas.microsoft.com/office/drawing/2014/main" id="{3CE7954B-586E-187C-6981-41C0CDD41E16}"/>
+              </a:ext>
+            </a:extLst>
+          </p:cNvPr>
+          <p:cNvSpPr/>
+          <p:nvPr/>
+        </p:nvSpPr>
+        <p:spPr>
+          <a:xfrm>
+            <a:off x="2552700" y="4933257"/>
+            <a:ext cx="1575509" cy="772218"/>
+          </a:xfrm>
+          <a:prstGeom prst="rect">
+            <a:avLst/>
+          </a:prstGeom>
+          <a:noFill/>
+          <a:ln w="28575" cap="flat" cmpd="sng" algn="ctr">
+            <a:solidFill>
+              <a:srgbClr val="FF66FF"/>
+            </a:solidFill>
+            <a:prstDash val="solid"/>
+            <a:round/>
+            <a:headEnd type="none" w="med" len="med"/>
+            <a:tailEnd type="none" w="med" len="med"/>
+          </a:ln>
+        </p:spPr>
+        <p:style>
+          <a:lnRef idx="0">
+            <a:scrgbClr r="0" g="0" b="0"/>
+          </a:lnRef>
+          <a:fillRef idx="0">
+            <a:scrgbClr r="0" g="0" b="0"/>
+          </a:fillRef>
+          <a:effectRef idx="0">
+            <a:scrgbClr r="0" g="0" b="0"/>
+          </a:effectRef>
+          <a:fontRef idx="minor">
+            <a:schemeClr val="dk1"/>
+          </a:fontRef>
+        </p:style>
+        <p:txBody>
+          <a:bodyPr rtlCol="0" anchor="ctr"/>
+          <a:lstStyle/>
+          <a:p>
+            <a:pPr algn="ctr"/>
+            <a:r>
+              <a:rPr lang="en-US" sz="2000" dirty="0">
                 <a:solidFill>
                   <a:schemeClr val="tx1"/>
                 </a:solidFill>
-              </a:ln>
-            </p:spPr>
-            <p:style>
-              <a:lnRef idx="2">
-                <a:schemeClr val="dk1"/>
-              </a:lnRef>
-              <a:fillRef idx="1">
-                <a:schemeClr val="lt1"/>
-              </a:fillRef>
-              <a:effectRef idx="0">
-                <a:schemeClr val="dk1"/>
-              </a:effectRef>
-              <a:fontRef idx="minor">
-                <a:schemeClr val="dk1"/>
-              </a:fontRef>
-            </p:style>
-            <p:txBody>
-              <a:bodyPr rtlCol="0" anchor="ctr"/>
-              <a:lstStyle/>
-              <a:p>
-                <a:pPr algn="ctr"/>
-                <a:endParaRPr lang="de-DE">
-                  <a:solidFill>
-                    <a:schemeClr val="tx1"/>
-                  </a:solidFill>
-                </a:endParaRPr>
-              </a:p>
-            </p:txBody>
-          </p:sp>
-          <p:sp>
-            <p:nvSpPr>
-              <p:cNvPr id="22" name="Abgerundetes Rechteck 21"/>
-              <p:cNvSpPr/>
-              <p:nvPr/>
-            </p:nvSpPr>
-            <p:spPr>
-              <a:xfrm rot="10800000">
-                <a:off x="6212125" y="2973610"/>
-                <a:ext cx="422038" cy="281573"/>
-              </a:xfrm>
-              <a:prstGeom prst="roundRect">
-                <a:avLst/>
-              </a:prstGeom>
-              <a:solidFill>
-                <a:schemeClr val="bg1"/>
-              </a:solidFill>
-              <a:ln>
-                <a:solidFill>
-                  <a:schemeClr val="bg1"/>
-                </a:solidFill>
-              </a:ln>
-            </p:spPr>
-            <p:style>
-              <a:lnRef idx="1">
-                <a:schemeClr val="accent1"/>
-              </a:lnRef>
-              <a:fillRef idx="3">
-                <a:schemeClr val="accent1"/>
-              </a:fillRef>
-              <a:effectRef idx="2">
-                <a:schemeClr val="accent1"/>
-              </a:effectRef>
-              <a:fontRef idx="minor">
-                <a:schemeClr val="lt1"/>
-              </a:fontRef>
-            </p:style>
-            <p:txBody>
-              <a:bodyPr rtlCol="0" anchor="ctr"/>
-              <a:lstStyle/>
-              <a:p>
-                <a:pPr algn="ctr"/>
-                <a:endParaRPr lang="de-DE" dirty="0"/>
-              </a:p>
-            </p:txBody>
-          </p:sp>
-          <p:sp>
-            <p:nvSpPr>
-              <p:cNvPr id="23" name="Pfeil nach rechts 22"/>
-              <p:cNvSpPr/>
-              <p:nvPr/>
-            </p:nvSpPr>
-            <p:spPr>
-              <a:xfrm>
-                <a:off x="6300783" y="3090580"/>
-                <a:ext cx="219075" cy="45719"/>
-              </a:xfrm>
-              <a:prstGeom prst="rightArrow">
-                <a:avLst/>
-              </a:prstGeom>
-              <a:solidFill>
-                <a:schemeClr val="tx1"/>
-              </a:solidFill>
-              <a:ln>
+              </a:rPr>
+              <a:t>very unattractive</a:t>
+            </a:r>
+          </a:p>
+        </p:txBody>
+      </p:sp>
+      <p:sp>
+        <p:nvSpPr>
+          <p:cNvPr id="7" name="Rectangle 6">
+            <a:extLst>
+              <a:ext uri="{FF2B5EF4-FFF2-40B4-BE49-F238E27FC236}">
+                <a16:creationId xmlns:a16="http://schemas.microsoft.com/office/drawing/2014/main" id="{0AA3FE03-F79A-542E-C548-871038B6ADAD}"/>
+              </a:ext>
+            </a:extLst>
+          </p:cNvPr>
+          <p:cNvSpPr/>
+          <p:nvPr/>
+        </p:nvSpPr>
+        <p:spPr>
+          <a:xfrm>
+            <a:off x="8143875" y="4933257"/>
+            <a:ext cx="1285875" cy="772218"/>
+          </a:xfrm>
+          <a:prstGeom prst="rect">
+            <a:avLst/>
+          </a:prstGeom>
+          <a:noFill/>
+          <a:ln w="28575">
+            <a:solidFill>
+              <a:srgbClr val="00B0F0"/>
+            </a:solidFill>
+          </a:ln>
+        </p:spPr>
+        <p:style>
+          <a:lnRef idx="0">
+            <a:scrgbClr r="0" g="0" b="0"/>
+          </a:lnRef>
+          <a:fillRef idx="0">
+            <a:scrgbClr r="0" g="0" b="0"/>
+          </a:fillRef>
+          <a:effectRef idx="0">
+            <a:scrgbClr r="0" g="0" b="0"/>
+          </a:effectRef>
+          <a:fontRef idx="minor">
+            <a:schemeClr val="dk1"/>
+          </a:fontRef>
+        </p:style>
+        <p:txBody>
+          <a:bodyPr rtlCol="0" anchor="ctr"/>
+          <a:lstStyle/>
+          <a:p>
+            <a:pPr algn="ctr"/>
+            <a:r>
+              <a:rPr lang="en-US" sz="2000" dirty="0">
                 <a:solidFill>
                   <a:schemeClr val="tx1"/>
                 </a:solidFill>
-              </a:ln>
-            </p:spPr>
-            <p:style>
-              <a:lnRef idx="2">
-                <a:schemeClr val="dk1"/>
-              </a:lnRef>
-              <a:fillRef idx="1">
-                <a:schemeClr val="lt1"/>
-              </a:fillRef>
-              <a:effectRef idx="0">
-                <a:schemeClr val="dk1"/>
-              </a:effectRef>
-              <a:fontRef idx="minor">
-                <a:schemeClr val="dk1"/>
-              </a:fontRef>
-            </p:style>
-            <p:txBody>
-              <a:bodyPr rtlCol="0" anchor="ctr"/>
-              <a:lstStyle/>
-              <a:p>
-                <a:pPr algn="ctr"/>
-                <a:endParaRPr lang="de-DE">
-                  <a:solidFill>
-                    <a:schemeClr val="tx1"/>
-                  </a:solidFill>
-                </a:endParaRPr>
-              </a:p>
-            </p:txBody>
-          </p:sp>
-        </p:grpSp>
-        <p:sp>
-          <p:nvSpPr>
-            <p:cNvPr id="24" name="Abgerundetes Rechteck 23"/>
-            <p:cNvSpPr/>
-            <p:nvPr/>
-          </p:nvSpPr>
-          <p:spPr>
-            <a:xfrm>
-              <a:off x="5261417" y="4347739"/>
-              <a:ext cx="149721" cy="101629"/>
-            </a:xfrm>
-            <a:prstGeom prst="roundRect">
-              <a:avLst/>
-            </a:prstGeom>
-            <a:solidFill>
-              <a:schemeClr val="accent6"/>
-            </a:solidFill>
-            <a:ln>
-              <a:solidFill>
-                <a:schemeClr val="accent6"/>
-              </a:solidFill>
-            </a:ln>
-          </p:spPr>
-          <p:style>
-            <a:lnRef idx="1">
-              <a:schemeClr val="accent1"/>
-            </a:lnRef>
-            <a:fillRef idx="3">
-              <a:schemeClr val="accent1"/>
-            </a:fillRef>
-            <a:effectRef idx="2">
-              <a:schemeClr val="accent1"/>
-            </a:effectRef>
-            <a:fontRef idx="minor">
-              <a:schemeClr val="lt1"/>
-            </a:fontRef>
-          </p:style>
-          <p:txBody>
-            <a:bodyPr rtlCol="0" anchor="ctr"/>
-            <a:lstStyle/>
-            <a:p>
-              <a:pPr algn="ctr"/>
-              <a:endParaRPr lang="de-DE"/>
-            </a:p>
-          </p:txBody>
-        </p:sp>
-        <p:sp>
-          <p:nvSpPr>
-            <p:cNvPr id="25" name="Abgerundetes Rechteck 24"/>
-            <p:cNvSpPr/>
-            <p:nvPr/>
-          </p:nvSpPr>
-          <p:spPr>
-            <a:xfrm>
-              <a:off x="6733033" y="4347309"/>
-              <a:ext cx="149721" cy="101629"/>
-            </a:xfrm>
-            <a:prstGeom prst="roundRect">
-              <a:avLst/>
-            </a:prstGeom>
-            <a:solidFill>
-              <a:srgbClr val="FFFF00"/>
-            </a:solidFill>
-            <a:ln>
-              <a:solidFill>
-                <a:srgbClr val="FFFF00"/>
-              </a:solidFill>
-            </a:ln>
-          </p:spPr>
-          <p:style>
-            <a:lnRef idx="1">
-              <a:schemeClr val="accent1"/>
-            </a:lnRef>
-            <a:fillRef idx="3">
-              <a:schemeClr val="accent1"/>
-            </a:fillRef>
-            <a:effectRef idx="2">
-              <a:schemeClr val="accent1"/>
-            </a:effectRef>
-            <a:fontRef idx="minor">
-              <a:schemeClr val="lt1"/>
-            </a:fontRef>
-          </p:style>
-          <p:txBody>
-            <a:bodyPr rtlCol="0" anchor="ctr"/>
-            <a:lstStyle/>
-            <a:p>
-              <a:pPr algn="ctr"/>
-              <a:endParaRPr lang="de-DE"/>
-            </a:p>
-          </p:txBody>
-        </p:sp>
-      </p:grpSp>
+              </a:rPr>
+              <a:t>very </a:t>
+            </a:r>
+            <a:br>
+              <a:rPr lang="en-US" sz="2000" dirty="0">
+                <a:solidFill>
+                  <a:schemeClr val="tx1"/>
+                </a:solidFill>
+              </a:rPr>
+            </a:br>
+            <a:r>
+              <a:rPr lang="en-US" sz="2000" dirty="0">
+                <a:solidFill>
+                  <a:schemeClr val="tx1"/>
+                </a:solidFill>
+              </a:rPr>
+              <a:t>attractive</a:t>
+            </a:r>
+          </a:p>
+        </p:txBody>
+      </p:sp>
     </p:spTree>
     <p:extLst>
       <p:ext uri="{BB962C8B-B14F-4D97-AF65-F5344CB8AC3E}">
-        <p14:creationId xmlns:p14="http://schemas.microsoft.com/office/powerpoint/2010/main" val="3737660239"/>
+        <p14:creationId xmlns:p14="http://schemas.microsoft.com/office/powerpoint/2010/main" val="1188541947"/>
       </p:ext>
     </p:extLst>
   </p:cSld>
@@ -6406,15 +5916,69 @@
           <a:p>
             <a:r>
               <a:rPr lang="en-US" sz="2400" dirty="0"/>
-              <a:t>At the beginning of each sequence, we will show you </a:t>
+              <a:t>The task of the current session is a </a:t>
             </a:r>
             <a:r>
               <a:rPr lang="en-US" sz="2400" b="1" dirty="0"/>
-              <a:t>two specific “target” images </a:t>
-            </a:r>
-            <a:r>
-              <a:rPr lang="en-US" sz="2400" dirty="0"/>
-              <a:t>that you will need to remember and be on the lookout for. </a:t>
+              <a:t>rating task.</a:t>
+            </a:r>
+          </a:p>
+          <a:p>
+            <a:endParaRPr lang="en-US" sz="2400" b="1" dirty="0"/>
+          </a:p>
+          <a:p>
+            <a:r>
+              <a:rPr lang="en-US" sz="2400" dirty="0"/>
+              <a:t>You will see an images of a kitchen or a bathroom for 1.5 sec. Your task is to rate the image according to your personal judgment of </a:t>
+            </a:r>
+            <a:r>
+              <a:rPr lang="en-US" sz="2400" b="1" dirty="0"/>
+              <a:t>usability </a:t>
+            </a:r>
+            <a:r>
+              <a:rPr lang="en-US" sz="2400" dirty="0"/>
+              <a:t>on a scale from </a:t>
+            </a:r>
+            <a:r>
+              <a:rPr lang="en-US" sz="2400" b="1" dirty="0"/>
+              <a:t>1 to 7.</a:t>
+            </a:r>
+          </a:p>
+          <a:p>
+            <a:endParaRPr lang="en-US" sz="2400" b="1" dirty="0"/>
+          </a:p>
+          <a:p>
+            <a:r>
+              <a:rPr lang="en-US" sz="2400" dirty="0"/>
+              <a:t>For a</a:t>
+            </a:r>
+            <a:r>
+              <a:rPr lang="en-US" sz="2400" b="1" dirty="0"/>
+              <a:t> very practically designed/easy to use </a:t>
+            </a:r>
+            <a:r>
+              <a:rPr lang="en-US" sz="2400" dirty="0"/>
+              <a:t>exemplar of a kitchen/bathroom </a:t>
+            </a:r>
+            <a:r>
+              <a:rPr lang="en-US" sz="2400" b="1" dirty="0"/>
+              <a:t>press “7” </a:t>
+            </a:r>
+            <a:r>
+              <a:rPr lang="en-US" sz="2400" dirty="0"/>
+              <a:t>and </a:t>
+            </a:r>
+            <a:r>
+              <a:rPr lang="en-US" sz="2400" b="1" dirty="0"/>
+              <a:t>press “1” </a:t>
+            </a:r>
+            <a:r>
+              <a:rPr lang="en-US" sz="2400" dirty="0"/>
+              <a:t>for exemplars that appears </a:t>
+            </a:r>
+            <a:r>
+              <a:rPr lang="en-US" sz="2400" b="1" dirty="0"/>
+              <a:t>unpractical/difficult to use.</a:t>
             </a:r>
           </a:p>
           <a:p>
@@ -6423,42 +5987,8 @@
           <a:p>
             <a:r>
               <a:rPr lang="en-US" sz="2400" dirty="0"/>
-              <a:t>Your main task will be to attentively look at each image for as long as it’s on the screen, and </a:t>
-            </a:r>
-            <a:r>
-              <a:rPr lang="en-US" sz="2400" b="1" dirty="0"/>
-              <a:t>press the little yellow button </a:t>
-            </a:r>
-            <a:r>
-              <a:rPr lang="en-US" sz="2400" dirty="0"/>
-              <a:t>whenever you see a </a:t>
-            </a:r>
-            <a:r>
-              <a:rPr lang="en-US" sz="2400" b="1" dirty="0"/>
-              <a:t>target image </a:t>
-            </a:r>
-            <a:r>
-              <a:rPr lang="en-US" sz="2400" dirty="0"/>
-              <a:t>in any view (front or side).</a:t>
-            </a:r>
-          </a:p>
-          <a:p>
-            <a:r>
-              <a:rPr lang="en-US" sz="2400" dirty="0"/>
-              <a:t>Please respond as quickly and as accurately as possible.</a:t>
-            </a:r>
-          </a:p>
-          <a:p>
-            <a:endParaRPr lang="en-US" sz="2400" dirty="0"/>
-          </a:p>
-          <a:p>
-            <a:endParaRPr lang="en-US" sz="2400" dirty="0"/>
-          </a:p>
-          <a:p>
-            <a:endParaRPr lang="en-US" sz="2400" dirty="0"/>
-          </a:p>
-          <a:p>
-            <a:endParaRPr lang="en-US" sz="2400" dirty="0"/>
+              <a:t>Take your time. No speed pressure in this task. </a:t>
+            </a:r>
           </a:p>
           <a:p>
             <a:endParaRPr lang="en-US" sz="2400" dirty="0"/>
@@ -6469,6 +5999,10 @@
           </a:p>
           <a:p>
             <a:pPr algn="ctr"/>
+            <a:endParaRPr lang="en-US" sz="2400" dirty="0"/>
+          </a:p>
+          <a:p>
+            <a:pPr algn="ctr"/>
             <a:r>
               <a:rPr lang="en-US" sz="2400" dirty="0"/>
               <a:t>Press the </a:t>
@@ -6514,539 +6048,380 @@
           </a:p>
         </p:txBody>
       </p:sp>
-      <p:grpSp>
-        <p:nvGrpSpPr>
-          <p:cNvPr id="13" name="Gruppieren 12"/>
-          <p:cNvGrpSpPr/>
+      <p:pic>
+        <p:nvPicPr>
+          <p:cNvPr id="1028" name="Picture 4" descr="German (Germany) Keyboard Labels - DSI Computer Keyboards">
+            <a:extLst>
+              <a:ext uri="{FF2B5EF4-FFF2-40B4-BE49-F238E27FC236}">
+                <a16:creationId xmlns:a16="http://schemas.microsoft.com/office/drawing/2014/main" id="{54921F55-1CC2-E0AA-F781-B13E39422D11}"/>
+              </a:ext>
+            </a:extLst>
+          </p:cNvPr>
+          <p:cNvPicPr>
+            <a:picLocks noChangeAspect="1" noChangeArrowheads="1"/>
+          </p:cNvPicPr>
           <p:nvPr/>
-        </p:nvGrpSpPr>
-        <p:grpSpPr>
+        </p:nvPicPr>
+        <p:blipFill rotWithShape="1">
+          <a:blip r:embed="rId2" cstate="hqprint">
+            <a:extLst>
+              <a:ext uri="{28A0092B-C50C-407E-A947-70E740481C1C}">
+                <a14:useLocalDpi xmlns:a14="http://schemas.microsoft.com/office/drawing/2010/main" val="0"/>
+              </a:ext>
+            </a:extLst>
+          </a:blip>
+          <a:srcRect r="26400" b="80062"/>
+          <a:stretch/>
+        </p:blipFill>
+        <p:spPr bwMode="auto">
           <a:xfrm>
-            <a:off x="5121520" y="3935931"/>
-            <a:ext cx="1888019" cy="1599765"/>
-            <a:chOff x="5121520" y="3916052"/>
-            <a:chExt cx="1888019" cy="1599765"/>
+            <a:off x="4361418" y="5116767"/>
+            <a:ext cx="3382407" cy="320846"/>
           </a:xfrm>
-        </p:grpSpPr>
-        <p:grpSp>
-          <p:nvGrpSpPr>
-            <p:cNvPr id="24" name="Gruppieren 23"/>
-            <p:cNvGrpSpPr/>
-            <p:nvPr/>
-          </p:nvGrpSpPr>
-          <p:grpSpPr>
-            <a:xfrm>
-              <a:off x="5121520" y="3916052"/>
-              <a:ext cx="1888019" cy="1599765"/>
-              <a:chOff x="1866122" y="1498567"/>
-              <a:chExt cx="5075854" cy="3250713"/>
-            </a:xfrm>
-          </p:grpSpPr>
-          <p:pic>
-            <p:nvPicPr>
-              <p:cNvPr id="27" name="Grafik 26"/>
-              <p:cNvPicPr/>
-              <p:nvPr/>
-            </p:nvPicPr>
-            <p:blipFill rotWithShape="1">
-              <a:blip r:embed="rId2" cstate="hqprint">
-                <a:extLst>
-                  <a:ext uri="{28A0092B-C50C-407E-A947-70E740481C1C}">
-                    <a14:useLocalDpi xmlns:a14="http://schemas.microsoft.com/office/drawing/2010/main" val="0"/>
-                  </a:ext>
-                </a:extLst>
-              </a:blip>
-              <a:srcRect/>
-              <a:stretch/>
-            </p:blipFill>
-            <p:spPr bwMode="auto">
-              <a:xfrm>
-                <a:off x="1866122" y="1498567"/>
-                <a:ext cx="5075854" cy="3250713"/>
-              </a:xfrm>
-              <a:prstGeom prst="rect">
-                <a:avLst/>
-              </a:prstGeom>
-              <a:ln>
-                <a:noFill/>
-              </a:ln>
-              <a:extLst>
-                <a:ext uri="{53640926-AAD7-44D8-BBD7-CCE9431645EC}">
-                  <a14:shadowObscured xmlns:a14="http://schemas.microsoft.com/office/drawing/2010/main"/>
-                </a:ext>
-              </a:extLst>
-            </p:spPr>
-          </p:pic>
-          <p:sp>
-            <p:nvSpPr>
-              <p:cNvPr id="28" name="Abgerundetes Rechteck 27"/>
-              <p:cNvSpPr/>
-              <p:nvPr/>
-            </p:nvSpPr>
-            <p:spPr>
-              <a:xfrm>
-                <a:off x="3290888" y="2271713"/>
-                <a:ext cx="623887" cy="442912"/>
-              </a:xfrm>
-              <a:prstGeom prst="roundRect">
-                <a:avLst/>
-              </a:prstGeom>
-              <a:solidFill>
-                <a:srgbClr val="00B050"/>
-              </a:solidFill>
-              <a:ln>
+          <a:prstGeom prst="rect">
+            <a:avLst/>
+          </a:prstGeom>
+          <a:noFill/>
+          <a:ln>
+            <a:solidFill>
+              <a:schemeClr val="bg1"/>
+            </a:solidFill>
+          </a:ln>
+          <a:extLst>
+            <a:ext uri="{909E8E84-426E-40DD-AFC4-6F175D3DCCD1}">
+              <a14:hiddenFill xmlns:a14="http://schemas.microsoft.com/office/drawing/2010/main">
                 <a:solidFill>
-                  <a:srgbClr val="00B050"/>
+                  <a:srgbClr val="FFFFFF"/>
                 </a:solidFill>
-              </a:ln>
-            </p:spPr>
-            <p:style>
-              <a:lnRef idx="1">
-                <a:schemeClr val="accent1"/>
-              </a:lnRef>
-              <a:fillRef idx="3">
-                <a:schemeClr val="accent1"/>
-              </a:fillRef>
-              <a:effectRef idx="2">
-                <a:schemeClr val="accent1"/>
-              </a:effectRef>
-              <a:fontRef idx="minor">
-                <a:schemeClr val="lt1"/>
-              </a:fontRef>
-            </p:style>
-            <p:txBody>
-              <a:bodyPr rtlCol="0" anchor="ctr"/>
-              <a:lstStyle/>
-              <a:p>
-                <a:pPr algn="ctr"/>
-                <a:endParaRPr lang="de-DE"/>
-              </a:p>
-            </p:txBody>
-          </p:sp>
-          <p:sp>
-            <p:nvSpPr>
-              <p:cNvPr id="29" name="Abgerundetes Rechteck 28"/>
-              <p:cNvSpPr/>
-              <p:nvPr/>
-            </p:nvSpPr>
-            <p:spPr>
-              <a:xfrm>
-                <a:off x="4919663" y="2271713"/>
-                <a:ext cx="623887" cy="442912"/>
-              </a:xfrm>
-              <a:prstGeom prst="roundRect">
-                <a:avLst/>
-              </a:prstGeom>
-              <a:solidFill>
-                <a:srgbClr val="C00000"/>
-              </a:solidFill>
-              <a:ln>
-                <a:solidFill>
-                  <a:srgbClr val="C00000"/>
-                </a:solidFill>
-              </a:ln>
-            </p:spPr>
-            <p:style>
-              <a:lnRef idx="1">
-                <a:schemeClr val="accent1"/>
-              </a:lnRef>
-              <a:fillRef idx="3">
-                <a:schemeClr val="accent1"/>
-              </a:fillRef>
-              <a:effectRef idx="2">
-                <a:schemeClr val="accent1"/>
-              </a:effectRef>
-              <a:fontRef idx="minor">
-                <a:schemeClr val="lt1"/>
-              </a:fontRef>
-            </p:style>
-            <p:txBody>
-              <a:bodyPr rtlCol="0" anchor="ctr"/>
-              <a:lstStyle/>
-              <a:p>
-                <a:pPr algn="ctr"/>
-                <a:endParaRPr lang="de-DE"/>
-              </a:p>
-            </p:txBody>
-          </p:sp>
-          <p:sp>
-            <p:nvSpPr>
-              <p:cNvPr id="30" name="Abgerundetes Rechteck 29"/>
-              <p:cNvSpPr/>
-              <p:nvPr/>
-            </p:nvSpPr>
-            <p:spPr>
-              <a:xfrm>
-                <a:off x="3290887" y="3676065"/>
-                <a:ext cx="623887" cy="442912"/>
-              </a:xfrm>
-              <a:prstGeom prst="roundRect">
-                <a:avLst/>
-              </a:prstGeom>
-              <a:solidFill>
-                <a:srgbClr val="0070C0"/>
-              </a:solidFill>
-              <a:ln>
-                <a:solidFill>
-                  <a:srgbClr val="0070C0"/>
-                </a:solidFill>
-              </a:ln>
-            </p:spPr>
-            <p:style>
-              <a:lnRef idx="1">
-                <a:schemeClr val="accent1"/>
-              </a:lnRef>
-              <a:fillRef idx="3">
-                <a:schemeClr val="accent1"/>
-              </a:fillRef>
-              <a:effectRef idx="2">
-                <a:schemeClr val="accent1"/>
-              </a:effectRef>
-              <a:fontRef idx="minor">
-                <a:schemeClr val="lt1"/>
-              </a:fontRef>
-            </p:style>
-            <p:txBody>
-              <a:bodyPr rtlCol="0" anchor="ctr"/>
-              <a:lstStyle/>
-              <a:p>
-                <a:pPr algn="ctr"/>
-                <a:endParaRPr lang="de-DE"/>
-              </a:p>
-            </p:txBody>
-          </p:sp>
-          <p:sp>
-            <p:nvSpPr>
-              <p:cNvPr id="31" name="Abgerundetes Rechteck 30"/>
-              <p:cNvSpPr/>
-              <p:nvPr/>
-            </p:nvSpPr>
-            <p:spPr>
-              <a:xfrm>
-                <a:off x="4919663" y="3676065"/>
-                <a:ext cx="623887" cy="442912"/>
-              </a:xfrm>
-              <a:prstGeom prst="roundRect">
-                <a:avLst/>
-              </a:prstGeom>
-              <a:noFill/>
-              <a:ln>
-                <a:noFill/>
-              </a:ln>
-            </p:spPr>
-            <p:style>
-              <a:lnRef idx="1">
-                <a:schemeClr val="accent1"/>
-              </a:lnRef>
-              <a:fillRef idx="3">
-                <a:schemeClr val="accent1"/>
-              </a:fillRef>
-              <a:effectRef idx="2">
-                <a:schemeClr val="accent1"/>
-              </a:effectRef>
-              <a:fontRef idx="minor">
-                <a:schemeClr val="lt1"/>
-              </a:fontRef>
-            </p:style>
-            <p:txBody>
-              <a:bodyPr rtlCol="0" anchor="ctr"/>
-              <a:lstStyle/>
-              <a:p>
-                <a:pPr algn="ctr"/>
-                <a:endParaRPr lang="de-DE"/>
-              </a:p>
-            </p:txBody>
-          </p:sp>
-          <p:sp>
-            <p:nvSpPr>
-              <p:cNvPr id="32" name="Abgerundetes Rechteck 31"/>
-              <p:cNvSpPr/>
-              <p:nvPr/>
-            </p:nvSpPr>
-            <p:spPr>
-              <a:xfrm>
-                <a:off x="2225913" y="2973610"/>
-                <a:ext cx="422038" cy="281573"/>
-              </a:xfrm>
-              <a:prstGeom prst="roundRect">
-                <a:avLst/>
-              </a:prstGeom>
-              <a:solidFill>
-                <a:schemeClr val="bg1"/>
-              </a:solidFill>
-              <a:ln>
-                <a:solidFill>
-                  <a:schemeClr val="bg1"/>
-                </a:solidFill>
-              </a:ln>
-            </p:spPr>
-            <p:style>
-              <a:lnRef idx="1">
-                <a:schemeClr val="accent1"/>
-              </a:lnRef>
-              <a:fillRef idx="3">
-                <a:schemeClr val="accent1"/>
-              </a:fillRef>
-              <a:effectRef idx="2">
-                <a:schemeClr val="accent1"/>
-              </a:effectRef>
-              <a:fontRef idx="minor">
-                <a:schemeClr val="lt1"/>
-              </a:fontRef>
-            </p:style>
-            <p:txBody>
-              <a:bodyPr rtlCol="0" anchor="ctr"/>
-              <a:lstStyle/>
-              <a:p>
-                <a:pPr algn="ctr"/>
-                <a:endParaRPr lang="de-DE" dirty="0"/>
-              </a:p>
-            </p:txBody>
-          </p:sp>
-          <p:sp>
-            <p:nvSpPr>
-              <p:cNvPr id="33" name="Pfeil nach rechts 32"/>
-              <p:cNvSpPr/>
-              <p:nvPr/>
-            </p:nvSpPr>
-            <p:spPr>
-              <a:xfrm rot="10800000">
-                <a:off x="2314571" y="3090580"/>
-                <a:ext cx="219075" cy="45719"/>
-              </a:xfrm>
-              <a:prstGeom prst="rightArrow">
-                <a:avLst/>
-              </a:prstGeom>
-              <a:solidFill>
-                <a:schemeClr val="tx1"/>
-              </a:solidFill>
-              <a:ln>
+              </a14:hiddenFill>
+            </a:ext>
+          </a:extLst>
+        </p:spPr>
+      </p:pic>
+      <p:sp>
+        <p:nvSpPr>
+          <p:cNvPr id="15" name="Rectangle 14">
+            <a:extLst>
+              <a:ext uri="{FF2B5EF4-FFF2-40B4-BE49-F238E27FC236}">
+                <a16:creationId xmlns:a16="http://schemas.microsoft.com/office/drawing/2014/main" id="{97743DB1-FA0C-37E7-E303-A1AF55B8C84A}"/>
+              </a:ext>
+            </a:extLst>
+          </p:cNvPr>
+          <p:cNvSpPr/>
+          <p:nvPr/>
+        </p:nvSpPr>
+        <p:spPr>
+          <a:xfrm>
+            <a:off x="6508280" y="5135771"/>
+            <a:ext cx="301841" cy="301841"/>
+          </a:xfrm>
+          <a:prstGeom prst="rect">
+            <a:avLst/>
+          </a:prstGeom>
+          <a:noFill/>
+          <a:ln w="28575">
+            <a:solidFill>
+              <a:srgbClr val="00B0F0"/>
+            </a:solidFill>
+          </a:ln>
+        </p:spPr>
+        <p:style>
+          <a:lnRef idx="1">
+            <a:schemeClr val="accent1"/>
+          </a:lnRef>
+          <a:fillRef idx="3">
+            <a:schemeClr val="accent1"/>
+          </a:fillRef>
+          <a:effectRef idx="2">
+            <a:schemeClr val="accent1"/>
+          </a:effectRef>
+          <a:fontRef idx="minor">
+            <a:schemeClr val="lt1"/>
+          </a:fontRef>
+        </p:style>
+        <p:txBody>
+          <a:bodyPr rtlCol="0" anchor="ctr"/>
+          <a:lstStyle/>
+          <a:p>
+            <a:pPr algn="ctr"/>
+            <a:endParaRPr lang="en-US"/>
+          </a:p>
+        </p:txBody>
+      </p:sp>
+      <p:cxnSp>
+        <p:nvCxnSpPr>
+          <p:cNvPr id="17" name="Straight Connector 16">
+            <a:extLst>
+              <a:ext uri="{FF2B5EF4-FFF2-40B4-BE49-F238E27FC236}">
+                <a16:creationId xmlns:a16="http://schemas.microsoft.com/office/drawing/2014/main" id="{BA3039BC-4FF1-DE75-D33F-9B39A4FF01A4}"/>
+              </a:ext>
+            </a:extLst>
+          </p:cNvPr>
+          <p:cNvCxnSpPr>
+            <a:cxnSpLocks/>
+            <a:stCxn id="15" idx="3"/>
+          </p:cNvCxnSpPr>
+          <p:nvPr/>
+        </p:nvCxnSpPr>
+        <p:spPr>
+          <a:xfrm flipV="1">
+            <a:off x="6810121" y="5286691"/>
+            <a:ext cx="1333754" cy="1"/>
+          </a:xfrm>
+          <a:prstGeom prst="line">
+            <a:avLst/>
+          </a:prstGeom>
+          <a:ln>
+            <a:solidFill>
+              <a:srgbClr val="00B0F0"/>
+            </a:solidFill>
+          </a:ln>
+        </p:spPr>
+        <p:style>
+          <a:lnRef idx="2">
+            <a:schemeClr val="accent1"/>
+          </a:lnRef>
+          <a:fillRef idx="0">
+            <a:schemeClr val="accent1"/>
+          </a:fillRef>
+          <a:effectRef idx="1">
+            <a:schemeClr val="accent1"/>
+          </a:effectRef>
+          <a:fontRef idx="minor">
+            <a:schemeClr val="tx1"/>
+          </a:fontRef>
+        </p:style>
+      </p:cxnSp>
+      <p:sp>
+        <p:nvSpPr>
+          <p:cNvPr id="20" name="Rectangle 19">
+            <a:extLst>
+              <a:ext uri="{FF2B5EF4-FFF2-40B4-BE49-F238E27FC236}">
+                <a16:creationId xmlns:a16="http://schemas.microsoft.com/office/drawing/2014/main" id="{5D09B655-9AE2-CD82-FD32-3842B4E7CE51}"/>
+              </a:ext>
+            </a:extLst>
+          </p:cNvPr>
+          <p:cNvSpPr/>
+          <p:nvPr/>
+        </p:nvSpPr>
+        <p:spPr>
+          <a:xfrm>
+            <a:off x="4663150" y="5135772"/>
+            <a:ext cx="301841" cy="301841"/>
+          </a:xfrm>
+          <a:prstGeom prst="rect">
+            <a:avLst/>
+          </a:prstGeom>
+          <a:noFill/>
+          <a:ln w="28575">
+            <a:solidFill>
+              <a:srgbClr val="FF66FF"/>
+            </a:solidFill>
+          </a:ln>
+        </p:spPr>
+        <p:style>
+          <a:lnRef idx="1">
+            <a:schemeClr val="accent1"/>
+          </a:lnRef>
+          <a:fillRef idx="3">
+            <a:schemeClr val="accent1"/>
+          </a:fillRef>
+          <a:effectRef idx="2">
+            <a:schemeClr val="accent1"/>
+          </a:effectRef>
+          <a:fontRef idx="minor">
+            <a:schemeClr val="lt1"/>
+          </a:fontRef>
+        </p:style>
+        <p:txBody>
+          <a:bodyPr rtlCol="0" anchor="ctr"/>
+          <a:lstStyle/>
+          <a:p>
+            <a:pPr algn="ctr"/>
+            <a:endParaRPr lang="en-US"/>
+          </a:p>
+        </p:txBody>
+      </p:sp>
+      <p:cxnSp>
+        <p:nvCxnSpPr>
+          <p:cNvPr id="21" name="Straight Connector 20">
+            <a:extLst>
+              <a:ext uri="{FF2B5EF4-FFF2-40B4-BE49-F238E27FC236}">
+                <a16:creationId xmlns:a16="http://schemas.microsoft.com/office/drawing/2014/main" id="{7E196047-6CDC-E235-C9D7-35AC5696AAD3}"/>
+              </a:ext>
+            </a:extLst>
+          </p:cNvPr>
+          <p:cNvCxnSpPr>
+            <a:cxnSpLocks/>
+          </p:cNvCxnSpPr>
+          <p:nvPr/>
+        </p:nvCxnSpPr>
+        <p:spPr>
+          <a:xfrm>
+            <a:off x="4128209" y="5267687"/>
+            <a:ext cx="534941" cy="0"/>
+          </a:xfrm>
+          <a:prstGeom prst="line">
+            <a:avLst/>
+          </a:prstGeom>
+          <a:ln>
+            <a:solidFill>
+              <a:srgbClr val="FF66FF"/>
+            </a:solidFill>
+          </a:ln>
+        </p:spPr>
+        <p:style>
+          <a:lnRef idx="2">
+            <a:schemeClr val="accent1"/>
+          </a:lnRef>
+          <a:fillRef idx="0">
+            <a:schemeClr val="accent1"/>
+          </a:fillRef>
+          <a:effectRef idx="1">
+            <a:schemeClr val="accent1"/>
+          </a:effectRef>
+          <a:fontRef idx="minor">
+            <a:schemeClr val="tx1"/>
+          </a:fontRef>
+        </p:style>
+      </p:cxnSp>
+      <p:sp>
+        <p:nvSpPr>
+          <p:cNvPr id="6" name="Rectangle 5">
+            <a:extLst>
+              <a:ext uri="{FF2B5EF4-FFF2-40B4-BE49-F238E27FC236}">
+                <a16:creationId xmlns:a16="http://schemas.microsoft.com/office/drawing/2014/main" id="{3CE7954B-586E-187C-6981-41C0CDD41E16}"/>
+              </a:ext>
+            </a:extLst>
+          </p:cNvPr>
+          <p:cNvSpPr/>
+          <p:nvPr/>
+        </p:nvSpPr>
+        <p:spPr>
+          <a:xfrm>
+            <a:off x="2552700" y="4933257"/>
+            <a:ext cx="1575509" cy="772218"/>
+          </a:xfrm>
+          <a:prstGeom prst="rect">
+            <a:avLst/>
+          </a:prstGeom>
+          <a:noFill/>
+          <a:ln w="28575" cap="flat" cmpd="sng" algn="ctr">
+            <a:solidFill>
+              <a:srgbClr val="FF66FF"/>
+            </a:solidFill>
+            <a:prstDash val="solid"/>
+            <a:round/>
+            <a:headEnd type="none" w="med" len="med"/>
+            <a:tailEnd type="none" w="med" len="med"/>
+          </a:ln>
+        </p:spPr>
+        <p:style>
+          <a:lnRef idx="0">
+            <a:scrgbClr r="0" g="0" b="0"/>
+          </a:lnRef>
+          <a:fillRef idx="0">
+            <a:scrgbClr r="0" g="0" b="0"/>
+          </a:fillRef>
+          <a:effectRef idx="0">
+            <a:scrgbClr r="0" g="0" b="0"/>
+          </a:effectRef>
+          <a:fontRef idx="minor">
+            <a:schemeClr val="dk1"/>
+          </a:fontRef>
+        </p:style>
+        <p:txBody>
+          <a:bodyPr rtlCol="0" anchor="ctr"/>
+          <a:lstStyle/>
+          <a:p>
+            <a:pPr algn="ctr"/>
+            <a:r>
+              <a:rPr lang="en-US" sz="2000" dirty="0">
                 <a:solidFill>
                   <a:schemeClr val="tx1"/>
                 </a:solidFill>
-              </a:ln>
-            </p:spPr>
-            <p:style>
-              <a:lnRef idx="2">
-                <a:schemeClr val="dk1"/>
-              </a:lnRef>
-              <a:fillRef idx="1">
-                <a:schemeClr val="lt1"/>
-              </a:fillRef>
-              <a:effectRef idx="0">
-                <a:schemeClr val="dk1"/>
-              </a:effectRef>
-              <a:fontRef idx="minor">
-                <a:schemeClr val="dk1"/>
-              </a:fontRef>
-            </p:style>
-            <p:txBody>
-              <a:bodyPr rtlCol="0" anchor="ctr"/>
-              <a:lstStyle/>
-              <a:p>
-                <a:pPr algn="ctr"/>
-                <a:endParaRPr lang="de-DE">
-                  <a:solidFill>
-                    <a:schemeClr val="tx1"/>
-                  </a:solidFill>
-                </a:endParaRPr>
-              </a:p>
-            </p:txBody>
-          </p:sp>
-          <p:sp>
-            <p:nvSpPr>
-              <p:cNvPr id="34" name="Abgerundetes Rechteck 33"/>
-              <p:cNvSpPr/>
-              <p:nvPr/>
-            </p:nvSpPr>
-            <p:spPr>
-              <a:xfrm rot="10800000">
-                <a:off x="6212125" y="2973610"/>
-                <a:ext cx="422038" cy="281573"/>
-              </a:xfrm>
-              <a:prstGeom prst="roundRect">
-                <a:avLst/>
-              </a:prstGeom>
-              <a:solidFill>
-                <a:schemeClr val="bg1"/>
-              </a:solidFill>
-              <a:ln>
-                <a:solidFill>
-                  <a:schemeClr val="bg1"/>
-                </a:solidFill>
-              </a:ln>
-            </p:spPr>
-            <p:style>
-              <a:lnRef idx="1">
-                <a:schemeClr val="accent1"/>
-              </a:lnRef>
-              <a:fillRef idx="3">
-                <a:schemeClr val="accent1"/>
-              </a:fillRef>
-              <a:effectRef idx="2">
-                <a:schemeClr val="accent1"/>
-              </a:effectRef>
-              <a:fontRef idx="minor">
-                <a:schemeClr val="lt1"/>
-              </a:fontRef>
-            </p:style>
-            <p:txBody>
-              <a:bodyPr rtlCol="0" anchor="ctr"/>
-              <a:lstStyle/>
-              <a:p>
-                <a:pPr algn="ctr"/>
-                <a:endParaRPr lang="de-DE" dirty="0"/>
-              </a:p>
-            </p:txBody>
-          </p:sp>
-          <p:sp>
-            <p:nvSpPr>
-              <p:cNvPr id="35" name="Pfeil nach rechts 34"/>
-              <p:cNvSpPr/>
-              <p:nvPr/>
-            </p:nvSpPr>
-            <p:spPr>
-              <a:xfrm>
-                <a:off x="6300783" y="3090580"/>
-                <a:ext cx="219075" cy="45719"/>
-              </a:xfrm>
-              <a:prstGeom prst="rightArrow">
-                <a:avLst/>
-              </a:prstGeom>
-              <a:solidFill>
-                <a:schemeClr val="tx1"/>
-              </a:solidFill>
-              <a:ln>
+              </a:rPr>
+              <a:t>very unpractical</a:t>
+            </a:r>
+          </a:p>
+        </p:txBody>
+      </p:sp>
+      <p:sp>
+        <p:nvSpPr>
+          <p:cNvPr id="7" name="Rectangle 6">
+            <a:extLst>
+              <a:ext uri="{FF2B5EF4-FFF2-40B4-BE49-F238E27FC236}">
+                <a16:creationId xmlns:a16="http://schemas.microsoft.com/office/drawing/2014/main" id="{0AA3FE03-F79A-542E-C548-871038B6ADAD}"/>
+              </a:ext>
+            </a:extLst>
+          </p:cNvPr>
+          <p:cNvSpPr/>
+          <p:nvPr/>
+        </p:nvSpPr>
+        <p:spPr>
+          <a:xfrm>
+            <a:off x="8143875" y="4933257"/>
+            <a:ext cx="1285875" cy="772218"/>
+          </a:xfrm>
+          <a:prstGeom prst="rect">
+            <a:avLst/>
+          </a:prstGeom>
+          <a:noFill/>
+          <a:ln w="28575">
+            <a:solidFill>
+              <a:srgbClr val="00B0F0"/>
+            </a:solidFill>
+          </a:ln>
+        </p:spPr>
+        <p:style>
+          <a:lnRef idx="0">
+            <a:scrgbClr r="0" g="0" b="0"/>
+          </a:lnRef>
+          <a:fillRef idx="0">
+            <a:scrgbClr r="0" g="0" b="0"/>
+          </a:fillRef>
+          <a:effectRef idx="0">
+            <a:scrgbClr r="0" g="0" b="0"/>
+          </a:effectRef>
+          <a:fontRef idx="minor">
+            <a:schemeClr val="dk1"/>
+          </a:fontRef>
+        </p:style>
+        <p:txBody>
+          <a:bodyPr rtlCol="0" anchor="ctr"/>
+          <a:lstStyle/>
+          <a:p>
+            <a:pPr algn="ctr"/>
+            <a:r>
+              <a:rPr lang="en-US" sz="2000" dirty="0">
                 <a:solidFill>
                   <a:schemeClr val="tx1"/>
                 </a:solidFill>
-              </a:ln>
-            </p:spPr>
-            <p:style>
-              <a:lnRef idx="2">
-                <a:schemeClr val="dk1"/>
-              </a:lnRef>
-              <a:fillRef idx="1">
-                <a:schemeClr val="lt1"/>
-              </a:fillRef>
-              <a:effectRef idx="0">
-                <a:schemeClr val="dk1"/>
-              </a:effectRef>
-              <a:fontRef idx="minor">
-                <a:schemeClr val="dk1"/>
-              </a:fontRef>
-            </p:style>
-            <p:txBody>
-              <a:bodyPr rtlCol="0" anchor="ctr"/>
-              <a:lstStyle/>
-              <a:p>
-                <a:pPr algn="ctr"/>
-                <a:endParaRPr lang="de-DE">
-                  <a:solidFill>
-                    <a:schemeClr val="tx1"/>
-                  </a:solidFill>
-                </a:endParaRPr>
-              </a:p>
-            </p:txBody>
-          </p:sp>
-        </p:grpSp>
-        <p:sp>
-          <p:nvSpPr>
-            <p:cNvPr id="25" name="Abgerundetes Rechteck 24"/>
-            <p:cNvSpPr/>
-            <p:nvPr/>
-          </p:nvSpPr>
-          <p:spPr>
-            <a:xfrm>
-              <a:off x="5261417" y="4347739"/>
-              <a:ext cx="149721" cy="101629"/>
-            </a:xfrm>
-            <a:prstGeom prst="roundRect">
-              <a:avLst/>
-            </a:prstGeom>
-            <a:solidFill>
-              <a:schemeClr val="accent6"/>
-            </a:solidFill>
-            <a:ln>
-              <a:solidFill>
-                <a:schemeClr val="accent6"/>
-              </a:solidFill>
-            </a:ln>
-          </p:spPr>
-          <p:style>
-            <a:lnRef idx="1">
-              <a:schemeClr val="accent1"/>
-            </a:lnRef>
-            <a:fillRef idx="3">
-              <a:schemeClr val="accent1"/>
-            </a:fillRef>
-            <a:effectRef idx="2">
-              <a:schemeClr val="accent1"/>
-            </a:effectRef>
-            <a:fontRef idx="minor">
-              <a:schemeClr val="lt1"/>
-            </a:fontRef>
-          </p:style>
-          <p:txBody>
-            <a:bodyPr rtlCol="0" anchor="ctr"/>
-            <a:lstStyle/>
-            <a:p>
-              <a:pPr algn="ctr"/>
-              <a:endParaRPr lang="de-DE"/>
-            </a:p>
-          </p:txBody>
-        </p:sp>
-        <p:sp>
-          <p:nvSpPr>
-            <p:cNvPr id="26" name="Abgerundetes Rechteck 25"/>
-            <p:cNvSpPr/>
-            <p:nvPr/>
-          </p:nvSpPr>
-          <p:spPr>
-            <a:xfrm>
-              <a:off x="6733033" y="4347309"/>
-              <a:ext cx="149721" cy="101629"/>
-            </a:xfrm>
-            <a:prstGeom prst="roundRect">
-              <a:avLst/>
-            </a:prstGeom>
-            <a:solidFill>
-              <a:srgbClr val="FFFF00"/>
-            </a:solidFill>
-            <a:ln>
-              <a:solidFill>
-                <a:srgbClr val="FFFF00"/>
-              </a:solidFill>
-            </a:ln>
-          </p:spPr>
-          <p:style>
-            <a:lnRef idx="1">
-              <a:schemeClr val="accent1"/>
-            </a:lnRef>
-            <a:fillRef idx="3">
-              <a:schemeClr val="accent1"/>
-            </a:fillRef>
-            <a:effectRef idx="2">
-              <a:schemeClr val="accent1"/>
-            </a:effectRef>
-            <a:fontRef idx="minor">
-              <a:schemeClr val="lt1"/>
-            </a:fontRef>
-          </p:style>
-          <p:txBody>
-            <a:bodyPr rtlCol="0" anchor="ctr"/>
-            <a:lstStyle/>
-            <a:p>
-              <a:pPr algn="ctr"/>
-              <a:endParaRPr lang="de-DE"/>
-            </a:p>
-          </p:txBody>
-        </p:sp>
-      </p:grpSp>
+              </a:rPr>
+              <a:t>very </a:t>
+            </a:r>
+            <a:br>
+              <a:rPr lang="en-US" sz="2000" dirty="0">
+                <a:solidFill>
+                  <a:schemeClr val="tx1"/>
+                </a:solidFill>
+              </a:rPr>
+            </a:br>
+            <a:r>
+              <a:rPr lang="en-US" sz="2000" dirty="0">
+                <a:solidFill>
+                  <a:schemeClr val="tx1"/>
+                </a:solidFill>
+              </a:rPr>
+              <a:t>practical</a:t>
+            </a:r>
+          </a:p>
+        </p:txBody>
+      </p:sp>
     </p:spTree>
     <p:extLst>
       <p:ext uri="{BB962C8B-B14F-4D97-AF65-F5344CB8AC3E}">
-        <p14:creationId xmlns:p14="http://schemas.microsoft.com/office/powerpoint/2010/main" val="1672981800"/>
+        <p14:creationId xmlns:p14="http://schemas.microsoft.com/office/powerpoint/2010/main" val="3645369593"/>
       </p:ext>
     </p:extLst>
   </p:cSld>
@@ -7081,8 +6456,8 @@
         </p:nvSpPr>
         <p:spPr>
           <a:xfrm>
-            <a:off x="2178287" y="315672"/>
-            <a:ext cx="7774486" cy="6740307"/>
+            <a:off x="2178287" y="315671"/>
+            <a:ext cx="7774486" cy="7478970"/>
           </a:xfrm>
           <a:prstGeom prst="rect">
             <a:avLst/>
@@ -7100,15 +6475,77 @@
           <a:p>
             <a:r>
               <a:rPr lang="en-US" sz="2400" dirty="0"/>
-              <a:t>In addition to the visual task, there will be an auditory task as well. Therefore, </a:t>
+              <a:t>The task of the current session is a </a:t>
             </a:r>
             <a:r>
               <a:rPr lang="en-US" sz="2400" b="1" dirty="0"/>
-              <a:t>a tone</a:t>
-            </a:r>
-            <a:r>
-              <a:rPr lang="en-US" sz="2400" dirty="0"/>
-              <a:t> will occur during or shortly after the visual image.</a:t>
+              <a:t>rating task.</a:t>
+            </a:r>
+          </a:p>
+          <a:p>
+            <a:endParaRPr lang="en-US" sz="2400" b="1" dirty="0"/>
+          </a:p>
+          <a:p>
+            <a:r>
+              <a:rPr lang="en-US" sz="2400" dirty="0"/>
+              <a:t>You will see an images of a kitchen or a bathroom for 1.5 sec. Your task is to rate the image according to your personal judgment of </a:t>
+            </a:r>
+            <a:r>
+              <a:rPr lang="en-US" sz="2400" b="1" dirty="0"/>
+              <a:t>familiarity </a:t>
+            </a:r>
+            <a:r>
+              <a:rPr lang="en-US" sz="2400" dirty="0"/>
+              <a:t>on a scale from </a:t>
+            </a:r>
+            <a:r>
+              <a:rPr lang="en-US" sz="2400" b="1" dirty="0"/>
+              <a:t>1 to 7.</a:t>
+            </a:r>
+          </a:p>
+          <a:p>
+            <a:endParaRPr lang="en-US" sz="2400" b="1" dirty="0"/>
+          </a:p>
+          <a:p>
+            <a:r>
+              <a:rPr lang="en-US" sz="2400" dirty="0"/>
+              <a:t>For an</a:t>
+            </a:r>
+            <a:r>
+              <a:rPr lang="en-US" sz="2400" b="1" dirty="0"/>
+              <a:t> </a:t>
+            </a:r>
+            <a:r>
+              <a:rPr lang="en-US" sz="2400" dirty="0"/>
+              <a:t>image</a:t>
+            </a:r>
+            <a:r>
+              <a:rPr lang="en-US" sz="2400" b="1" dirty="0"/>
+              <a:t> </a:t>
+            </a:r>
+            <a:r>
+              <a:rPr lang="en-US" sz="2400" dirty="0"/>
+              <a:t>that </a:t>
+            </a:r>
+            <a:r>
+              <a:rPr lang="en-US" sz="2400" b="1" dirty="0"/>
+              <a:t>resembles a familiar scene </a:t>
+            </a:r>
+            <a:r>
+              <a:rPr lang="en-US" sz="2400" dirty="0"/>
+              <a:t>very closely </a:t>
+            </a:r>
+            <a:r>
+              <a:rPr lang="en-US" sz="2400" b="1" dirty="0"/>
+              <a:t>press “7” </a:t>
+            </a:r>
+            <a:r>
+              <a:rPr lang="en-US" sz="2400" dirty="0"/>
+              <a:t>and for an image that is </a:t>
+            </a:r>
+            <a:r>
+              <a:rPr lang="en-US" sz="2400" b="1" dirty="0"/>
+              <a:t>nothing alike a familiar scene press “1”.</a:t>
             </a:r>
           </a:p>
           <a:p>
@@ -7117,68 +6554,18 @@
           <a:p>
             <a:r>
               <a:rPr lang="en-US" sz="2400" dirty="0"/>
-              <a:t>Your task will be to discriminate </a:t>
-            </a:r>
-            <a:r>
-              <a:rPr lang="en-US" sz="2400" b="1" dirty="0"/>
-              <a:t>“high” and “low” pitches </a:t>
-            </a:r>
-            <a:r>
-              <a:rPr lang="en-US" sz="2400" dirty="0"/>
-              <a:t>of the tone. Use the </a:t>
-            </a:r>
-            <a:r>
-              <a:rPr lang="en-US" sz="2400" b="1" dirty="0"/>
-              <a:t>red button </a:t>
-            </a:r>
-            <a:r>
-              <a:rPr lang="en-US" sz="2400" dirty="0"/>
-              <a:t>to respond to </a:t>
-            </a:r>
-            <a:r>
-              <a:rPr lang="en-US" sz="2400" b="1" dirty="0"/>
-              <a:t>high tone </a:t>
-            </a:r>
-            <a:r>
-              <a:rPr lang="en-US" sz="2400" dirty="0"/>
-              <a:t>and the </a:t>
-            </a:r>
-            <a:r>
-              <a:rPr lang="en-US" sz="2400" b="1" dirty="0"/>
-              <a:t>white button for low tones</a:t>
-            </a:r>
-            <a:r>
-              <a:rPr lang="en-US" sz="2400" dirty="0"/>
-              <a:t>. </a:t>
-            </a:r>
-          </a:p>
-          <a:p>
-            <a:r>
-              <a:rPr lang="en-US" sz="2400" dirty="0"/>
-              <a:t>Please respond as quickly and as accurately as possible. Always respond </a:t>
-            </a:r>
-            <a:r>
-              <a:rPr lang="en-US" sz="2400" b="1" dirty="0"/>
-              <a:t>first to the visual</a:t>
-            </a:r>
-            <a:r>
-              <a:rPr lang="en-US" sz="2400" dirty="0"/>
-              <a:t> and then to the auditory task.</a:t>
+              <a:t>Take your time. No speed pressure in this task. </a:t>
             </a:r>
           </a:p>
           <a:p>
             <a:endParaRPr lang="en-US" sz="2400" dirty="0"/>
           </a:p>
           <a:p>
+            <a:pPr algn="ctr"/>
             <a:endParaRPr lang="en-US" sz="2400" dirty="0"/>
           </a:p>
           <a:p>
-            <a:r>
-              <a:rPr lang="en-US" sz="2400" dirty="0"/>
-              <a:t>  </a:t>
-            </a:r>
-          </a:p>
-          <a:p>
+            <a:pPr algn="ctr"/>
             <a:endParaRPr lang="en-US" sz="2400" dirty="0"/>
           </a:p>
           <a:p>
@@ -7217,436 +6604,391 @@
             </a:r>
           </a:p>
           <a:p>
+            <a:pPr algn="ctr"/>
             <a:endParaRPr lang="en-US" sz="2400" dirty="0"/>
           </a:p>
-        </p:txBody>
-      </p:sp>
-      <p:grpSp>
-        <p:nvGrpSpPr>
-          <p:cNvPr id="14" name="Gruppieren 13"/>
-          <p:cNvGrpSpPr/>
-          <p:nvPr/>
-        </p:nvGrpSpPr>
-        <p:grpSpPr>
-          <a:xfrm>
-            <a:off x="5340033" y="4347652"/>
-            <a:ext cx="1446939" cy="1219279"/>
-            <a:chOff x="1866122" y="1498567"/>
-            <a:chExt cx="5075854" cy="3250713"/>
-          </a:xfrm>
-        </p:grpSpPr>
-        <p:pic>
-          <p:nvPicPr>
-            <p:cNvPr id="15" name="Grafik 14"/>
-            <p:cNvPicPr/>
-            <p:nvPr/>
-          </p:nvPicPr>
-          <p:blipFill rotWithShape="1">
-            <a:blip r:embed="rId2" cstate="hqprint">
-              <a:extLst>
-                <a:ext uri="{28A0092B-C50C-407E-A947-70E740481C1C}">
-                  <a14:useLocalDpi xmlns:a14="http://schemas.microsoft.com/office/drawing/2010/main" val="0"/>
-                </a:ext>
-              </a:extLst>
-            </a:blip>
-            <a:srcRect/>
-            <a:stretch/>
-          </p:blipFill>
-          <p:spPr bwMode="auto">
-            <a:xfrm>
-              <a:off x="1866122" y="1498567"/>
-              <a:ext cx="5075854" cy="3250713"/>
-            </a:xfrm>
-            <a:prstGeom prst="rect">
-              <a:avLst/>
-            </a:prstGeom>
-            <a:ln>
-              <a:noFill/>
-            </a:ln>
+          <a:p>
+            <a:endParaRPr lang="en-US" sz="2400" dirty="0"/>
+          </a:p>
+          <a:p>
+            <a:endParaRPr lang="en-US" sz="2400" dirty="0"/>
+          </a:p>
+        </p:txBody>
+      </p:sp>
+      <p:pic>
+        <p:nvPicPr>
+          <p:cNvPr id="1028" name="Picture 4" descr="German (Germany) Keyboard Labels - DSI Computer Keyboards">
             <a:extLst>
-              <a:ext uri="{53640926-AAD7-44D8-BBD7-CCE9431645EC}">
-                <a14:shadowObscured xmlns:a14="http://schemas.microsoft.com/office/drawing/2010/main"/>
+              <a:ext uri="{FF2B5EF4-FFF2-40B4-BE49-F238E27FC236}">
+                <a16:creationId xmlns:a16="http://schemas.microsoft.com/office/drawing/2014/main" id="{54921F55-1CC2-E0AA-F781-B13E39422D11}"/>
               </a:ext>
             </a:extLst>
-          </p:spPr>
-        </p:pic>
-        <p:sp>
-          <p:nvSpPr>
-            <p:cNvPr id="16" name="Abgerundetes Rechteck 15"/>
-            <p:cNvSpPr/>
-            <p:nvPr/>
-          </p:nvSpPr>
-          <p:spPr>
-            <a:xfrm>
-              <a:off x="3290888" y="2271713"/>
-              <a:ext cx="623887" cy="442912"/>
-            </a:xfrm>
-            <a:prstGeom prst="roundRect">
-              <a:avLst/>
-            </a:prstGeom>
-            <a:solidFill>
-              <a:srgbClr val="00B050"/>
-            </a:solidFill>
-            <a:ln>
-              <a:solidFill>
-                <a:srgbClr val="00B050"/>
-              </a:solidFill>
-            </a:ln>
-          </p:spPr>
-          <p:style>
-            <a:lnRef idx="1">
-              <a:schemeClr val="accent1"/>
-            </a:lnRef>
-            <a:fillRef idx="3">
-              <a:schemeClr val="accent1"/>
-            </a:fillRef>
-            <a:effectRef idx="2">
-              <a:schemeClr val="accent1"/>
-            </a:effectRef>
-            <a:fontRef idx="minor">
-              <a:schemeClr val="lt1"/>
-            </a:fontRef>
-          </p:style>
-          <p:txBody>
-            <a:bodyPr rtlCol="0" anchor="ctr"/>
-            <a:lstStyle/>
-            <a:p>
-              <a:pPr algn="ctr"/>
-              <a:endParaRPr lang="de-DE"/>
-            </a:p>
-          </p:txBody>
-        </p:sp>
-        <p:sp>
-          <p:nvSpPr>
-            <p:cNvPr id="17" name="Abgerundetes Rechteck 16"/>
-            <p:cNvSpPr/>
-            <p:nvPr/>
-          </p:nvSpPr>
-          <p:spPr>
-            <a:xfrm>
-              <a:off x="4919663" y="2271713"/>
-              <a:ext cx="623887" cy="442912"/>
-            </a:xfrm>
-            <a:prstGeom prst="roundRect">
-              <a:avLst/>
-            </a:prstGeom>
-            <a:solidFill>
-              <a:srgbClr val="C00000"/>
-            </a:solidFill>
-            <a:ln>
-              <a:solidFill>
-                <a:srgbClr val="C00000"/>
-              </a:solidFill>
-            </a:ln>
-          </p:spPr>
-          <p:style>
-            <a:lnRef idx="1">
-              <a:schemeClr val="accent1"/>
-            </a:lnRef>
-            <a:fillRef idx="3">
-              <a:schemeClr val="accent1"/>
-            </a:fillRef>
-            <a:effectRef idx="2">
-              <a:schemeClr val="accent1"/>
-            </a:effectRef>
-            <a:fontRef idx="minor">
-              <a:schemeClr val="lt1"/>
-            </a:fontRef>
-          </p:style>
-          <p:txBody>
-            <a:bodyPr rtlCol="0" anchor="ctr"/>
-            <a:lstStyle/>
-            <a:p>
-              <a:pPr algn="ctr"/>
-              <a:endParaRPr lang="de-DE"/>
-            </a:p>
-          </p:txBody>
-        </p:sp>
-        <p:sp>
-          <p:nvSpPr>
-            <p:cNvPr id="18" name="Abgerundetes Rechteck 17"/>
-            <p:cNvSpPr/>
-            <p:nvPr/>
-          </p:nvSpPr>
-          <p:spPr>
-            <a:xfrm>
-              <a:off x="3290887" y="3676065"/>
-              <a:ext cx="623887" cy="442912"/>
-            </a:xfrm>
-            <a:prstGeom prst="roundRect">
-              <a:avLst/>
-            </a:prstGeom>
-            <a:solidFill>
-              <a:srgbClr val="0070C0"/>
-            </a:solidFill>
-            <a:ln>
-              <a:solidFill>
-                <a:srgbClr val="0070C0"/>
-              </a:solidFill>
-            </a:ln>
-          </p:spPr>
-          <p:style>
-            <a:lnRef idx="1">
-              <a:schemeClr val="accent1"/>
-            </a:lnRef>
-            <a:fillRef idx="3">
-              <a:schemeClr val="accent1"/>
-            </a:fillRef>
-            <a:effectRef idx="2">
-              <a:schemeClr val="accent1"/>
-            </a:effectRef>
-            <a:fontRef idx="minor">
-              <a:schemeClr val="lt1"/>
-            </a:fontRef>
-          </p:style>
-          <p:txBody>
-            <a:bodyPr rtlCol="0" anchor="ctr"/>
-            <a:lstStyle/>
-            <a:p>
-              <a:pPr algn="ctr"/>
-              <a:endParaRPr lang="de-DE"/>
-            </a:p>
-          </p:txBody>
-        </p:sp>
-        <p:sp>
-          <p:nvSpPr>
-            <p:cNvPr id="19" name="Abgerundetes Rechteck 18"/>
-            <p:cNvSpPr/>
-            <p:nvPr/>
-          </p:nvSpPr>
-          <p:spPr>
-            <a:xfrm>
-              <a:off x="4919663" y="3676065"/>
-              <a:ext cx="623887" cy="442912"/>
-            </a:xfrm>
-            <a:prstGeom prst="roundRect">
-              <a:avLst/>
-            </a:prstGeom>
-            <a:noFill/>
-            <a:ln>
-              <a:noFill/>
-            </a:ln>
-          </p:spPr>
-          <p:style>
-            <a:lnRef idx="1">
-              <a:schemeClr val="accent1"/>
-            </a:lnRef>
-            <a:fillRef idx="3">
-              <a:schemeClr val="accent1"/>
-            </a:fillRef>
-            <a:effectRef idx="2">
-              <a:schemeClr val="accent1"/>
-            </a:effectRef>
-            <a:fontRef idx="minor">
-              <a:schemeClr val="lt1"/>
-            </a:fontRef>
-          </p:style>
-          <p:txBody>
-            <a:bodyPr rtlCol="0" anchor="ctr"/>
-            <a:lstStyle/>
-            <a:p>
-              <a:pPr algn="ctr"/>
-              <a:endParaRPr lang="de-DE"/>
-            </a:p>
-          </p:txBody>
-        </p:sp>
-        <p:sp>
-          <p:nvSpPr>
-            <p:cNvPr id="20" name="Abgerundetes Rechteck 19"/>
-            <p:cNvSpPr/>
-            <p:nvPr/>
-          </p:nvSpPr>
-          <p:spPr>
-            <a:xfrm>
-              <a:off x="2225913" y="2973610"/>
-              <a:ext cx="422038" cy="281573"/>
-            </a:xfrm>
-            <a:prstGeom prst="roundRect">
-              <a:avLst/>
-            </a:prstGeom>
+          </p:cNvPr>
+          <p:cNvPicPr>
+            <a:picLocks noChangeAspect="1" noChangeArrowheads="1"/>
+          </p:cNvPicPr>
+          <p:nvPr/>
+        </p:nvPicPr>
+        <p:blipFill rotWithShape="1">
+          <a:blip r:embed="rId2" cstate="hqprint">
+            <a:extLst>
+              <a:ext uri="{28A0092B-C50C-407E-A947-70E740481C1C}">
+                <a14:useLocalDpi xmlns:a14="http://schemas.microsoft.com/office/drawing/2010/main" val="0"/>
+              </a:ext>
+            </a:extLst>
+          </a:blip>
+          <a:srcRect r="26400" b="80062"/>
+          <a:stretch/>
+        </p:blipFill>
+        <p:spPr bwMode="auto">
+          <a:xfrm>
+            <a:off x="4380468" y="5116767"/>
+            <a:ext cx="3382407" cy="320846"/>
+          </a:xfrm>
+          <a:prstGeom prst="rect">
+            <a:avLst/>
+          </a:prstGeom>
+          <a:noFill/>
+          <a:ln>
             <a:solidFill>
               <a:schemeClr val="bg1"/>
             </a:solidFill>
-            <a:ln>
-              <a:solidFill>
-                <a:schemeClr val="bg1"/>
-              </a:solidFill>
-            </a:ln>
-          </p:spPr>
-          <p:style>
-            <a:lnRef idx="1">
-              <a:schemeClr val="accent1"/>
-            </a:lnRef>
-            <a:fillRef idx="3">
-              <a:schemeClr val="accent1"/>
-            </a:fillRef>
-            <a:effectRef idx="2">
-              <a:schemeClr val="accent1"/>
-            </a:effectRef>
-            <a:fontRef idx="minor">
-              <a:schemeClr val="lt1"/>
-            </a:fontRef>
-          </p:style>
-          <p:txBody>
-            <a:bodyPr rtlCol="0" anchor="ctr"/>
-            <a:lstStyle/>
-            <a:p>
-              <a:pPr algn="ctr"/>
-              <a:endParaRPr lang="de-DE" dirty="0"/>
-            </a:p>
-          </p:txBody>
-        </p:sp>
-        <p:sp>
-          <p:nvSpPr>
-            <p:cNvPr id="21" name="Pfeil nach rechts 20"/>
-            <p:cNvSpPr/>
-            <p:nvPr/>
-          </p:nvSpPr>
-          <p:spPr>
-            <a:xfrm rot="10800000">
-              <a:off x="2314571" y="3090580"/>
-              <a:ext cx="219075" cy="45719"/>
-            </a:xfrm>
-            <a:prstGeom prst="rightArrow">
-              <a:avLst/>
-            </a:prstGeom>
+          </a:ln>
+          <a:extLst>
+            <a:ext uri="{909E8E84-426E-40DD-AFC4-6F175D3DCCD1}">
+              <a14:hiddenFill xmlns:a14="http://schemas.microsoft.com/office/drawing/2010/main">
+                <a:solidFill>
+                  <a:srgbClr val="FFFFFF"/>
+                </a:solidFill>
+              </a14:hiddenFill>
+            </a:ext>
+          </a:extLst>
+        </p:spPr>
+      </p:pic>
+      <p:sp>
+        <p:nvSpPr>
+          <p:cNvPr id="15" name="Rectangle 14">
+            <a:extLst>
+              <a:ext uri="{FF2B5EF4-FFF2-40B4-BE49-F238E27FC236}">
+                <a16:creationId xmlns:a16="http://schemas.microsoft.com/office/drawing/2014/main" id="{97743DB1-FA0C-37E7-E303-A1AF55B8C84A}"/>
+              </a:ext>
+            </a:extLst>
+          </p:cNvPr>
+          <p:cNvSpPr/>
+          <p:nvPr/>
+        </p:nvSpPr>
+        <p:spPr>
+          <a:xfrm>
+            <a:off x="6527330" y="5135771"/>
+            <a:ext cx="301841" cy="301841"/>
+          </a:xfrm>
+          <a:prstGeom prst="rect">
+            <a:avLst/>
+          </a:prstGeom>
+          <a:noFill/>
+          <a:ln w="28575">
             <a:solidFill>
-              <a:schemeClr val="tx1"/>
+              <a:srgbClr val="00B0F0"/>
             </a:solidFill>
-            <a:ln>
-              <a:solidFill>
-                <a:schemeClr val="tx1"/>
-              </a:solidFill>
-            </a:ln>
-          </p:spPr>
-          <p:style>
-            <a:lnRef idx="2">
-              <a:schemeClr val="dk1"/>
-            </a:lnRef>
-            <a:fillRef idx="1">
-              <a:schemeClr val="lt1"/>
-            </a:fillRef>
-            <a:effectRef idx="0">
-              <a:schemeClr val="dk1"/>
-            </a:effectRef>
-            <a:fontRef idx="minor">
-              <a:schemeClr val="dk1"/>
-            </a:fontRef>
-          </p:style>
-          <p:txBody>
-            <a:bodyPr rtlCol="0" anchor="ctr"/>
-            <a:lstStyle/>
-            <a:p>
-              <a:pPr algn="ctr"/>
-              <a:endParaRPr lang="de-DE">
+          </a:ln>
+        </p:spPr>
+        <p:style>
+          <a:lnRef idx="1">
+            <a:schemeClr val="accent1"/>
+          </a:lnRef>
+          <a:fillRef idx="3">
+            <a:schemeClr val="accent1"/>
+          </a:fillRef>
+          <a:effectRef idx="2">
+            <a:schemeClr val="accent1"/>
+          </a:effectRef>
+          <a:fontRef idx="minor">
+            <a:schemeClr val="lt1"/>
+          </a:fontRef>
+        </p:style>
+        <p:txBody>
+          <a:bodyPr rtlCol="0" anchor="ctr"/>
+          <a:lstStyle/>
+          <a:p>
+            <a:pPr algn="ctr"/>
+            <a:endParaRPr lang="en-US"/>
+          </a:p>
+        </p:txBody>
+      </p:sp>
+      <p:cxnSp>
+        <p:nvCxnSpPr>
+          <p:cNvPr id="17" name="Straight Connector 16">
+            <a:extLst>
+              <a:ext uri="{FF2B5EF4-FFF2-40B4-BE49-F238E27FC236}">
+                <a16:creationId xmlns:a16="http://schemas.microsoft.com/office/drawing/2014/main" id="{BA3039BC-4FF1-DE75-D33F-9B39A4FF01A4}"/>
+              </a:ext>
+            </a:extLst>
+          </p:cNvPr>
+          <p:cNvCxnSpPr>
+            <a:cxnSpLocks/>
+            <a:stCxn id="15" idx="3"/>
+          </p:cNvCxnSpPr>
+          <p:nvPr/>
+        </p:nvCxnSpPr>
+        <p:spPr>
+          <a:xfrm flipV="1">
+            <a:off x="6829171" y="5286691"/>
+            <a:ext cx="1333754" cy="1"/>
+          </a:xfrm>
+          <a:prstGeom prst="line">
+            <a:avLst/>
+          </a:prstGeom>
+          <a:ln>
+            <a:solidFill>
+              <a:srgbClr val="00B0F0"/>
+            </a:solidFill>
+          </a:ln>
+        </p:spPr>
+        <p:style>
+          <a:lnRef idx="2">
+            <a:schemeClr val="accent1"/>
+          </a:lnRef>
+          <a:fillRef idx="0">
+            <a:schemeClr val="accent1"/>
+          </a:fillRef>
+          <a:effectRef idx="1">
+            <a:schemeClr val="accent1"/>
+          </a:effectRef>
+          <a:fontRef idx="minor">
+            <a:schemeClr val="tx1"/>
+          </a:fontRef>
+        </p:style>
+      </p:cxnSp>
+      <p:sp>
+        <p:nvSpPr>
+          <p:cNvPr id="20" name="Rectangle 19">
+            <a:extLst>
+              <a:ext uri="{FF2B5EF4-FFF2-40B4-BE49-F238E27FC236}">
+                <a16:creationId xmlns:a16="http://schemas.microsoft.com/office/drawing/2014/main" id="{5D09B655-9AE2-CD82-FD32-3842B4E7CE51}"/>
+              </a:ext>
+            </a:extLst>
+          </p:cNvPr>
+          <p:cNvSpPr/>
+          <p:nvPr/>
+        </p:nvSpPr>
+        <p:spPr>
+          <a:xfrm>
+            <a:off x="4682200" y="5135772"/>
+            <a:ext cx="301841" cy="301841"/>
+          </a:xfrm>
+          <a:prstGeom prst="rect">
+            <a:avLst/>
+          </a:prstGeom>
+          <a:noFill/>
+          <a:ln w="28575">
+            <a:solidFill>
+              <a:srgbClr val="FF66FF"/>
+            </a:solidFill>
+          </a:ln>
+        </p:spPr>
+        <p:style>
+          <a:lnRef idx="1">
+            <a:schemeClr val="accent1"/>
+          </a:lnRef>
+          <a:fillRef idx="3">
+            <a:schemeClr val="accent1"/>
+          </a:fillRef>
+          <a:effectRef idx="2">
+            <a:schemeClr val="accent1"/>
+          </a:effectRef>
+          <a:fontRef idx="minor">
+            <a:schemeClr val="lt1"/>
+          </a:fontRef>
+        </p:style>
+        <p:txBody>
+          <a:bodyPr rtlCol="0" anchor="ctr"/>
+          <a:lstStyle/>
+          <a:p>
+            <a:pPr algn="ctr"/>
+            <a:endParaRPr lang="en-US"/>
+          </a:p>
+        </p:txBody>
+      </p:sp>
+      <p:cxnSp>
+        <p:nvCxnSpPr>
+          <p:cNvPr id="21" name="Straight Connector 20">
+            <a:extLst>
+              <a:ext uri="{FF2B5EF4-FFF2-40B4-BE49-F238E27FC236}">
+                <a16:creationId xmlns:a16="http://schemas.microsoft.com/office/drawing/2014/main" id="{7E196047-6CDC-E235-C9D7-35AC5696AAD3}"/>
+              </a:ext>
+            </a:extLst>
+          </p:cNvPr>
+          <p:cNvCxnSpPr>
+            <a:cxnSpLocks/>
+          </p:cNvCxnSpPr>
+          <p:nvPr/>
+        </p:nvCxnSpPr>
+        <p:spPr>
+          <a:xfrm>
+            <a:off x="4147259" y="5267687"/>
+            <a:ext cx="534941" cy="0"/>
+          </a:xfrm>
+          <a:prstGeom prst="line">
+            <a:avLst/>
+          </a:prstGeom>
+          <a:ln>
+            <a:solidFill>
+              <a:srgbClr val="FF66FF"/>
+            </a:solidFill>
+          </a:ln>
+        </p:spPr>
+        <p:style>
+          <a:lnRef idx="2">
+            <a:schemeClr val="accent1"/>
+          </a:lnRef>
+          <a:fillRef idx="0">
+            <a:schemeClr val="accent1"/>
+          </a:fillRef>
+          <a:effectRef idx="1">
+            <a:schemeClr val="accent1"/>
+          </a:effectRef>
+          <a:fontRef idx="minor">
+            <a:schemeClr val="tx1"/>
+          </a:fontRef>
+        </p:style>
+      </p:cxnSp>
+      <p:sp>
+        <p:nvSpPr>
+          <p:cNvPr id="6" name="Rectangle 5">
+            <a:extLst>
+              <a:ext uri="{FF2B5EF4-FFF2-40B4-BE49-F238E27FC236}">
+                <a16:creationId xmlns:a16="http://schemas.microsoft.com/office/drawing/2014/main" id="{3CE7954B-586E-187C-6981-41C0CDD41E16}"/>
+              </a:ext>
+            </a:extLst>
+          </p:cNvPr>
+          <p:cNvSpPr/>
+          <p:nvPr/>
+        </p:nvSpPr>
+        <p:spPr>
+          <a:xfrm>
+            <a:off x="2571750" y="4933257"/>
+            <a:ext cx="1575509" cy="772218"/>
+          </a:xfrm>
+          <a:prstGeom prst="rect">
+            <a:avLst/>
+          </a:prstGeom>
+          <a:noFill/>
+          <a:ln w="28575" cap="flat" cmpd="sng" algn="ctr">
+            <a:solidFill>
+              <a:srgbClr val="FF66FF"/>
+            </a:solidFill>
+            <a:prstDash val="solid"/>
+            <a:round/>
+            <a:headEnd type="none" w="med" len="med"/>
+            <a:tailEnd type="none" w="med" len="med"/>
+          </a:ln>
+        </p:spPr>
+        <p:style>
+          <a:lnRef idx="0">
+            <a:scrgbClr r="0" g="0" b="0"/>
+          </a:lnRef>
+          <a:fillRef idx="0">
+            <a:scrgbClr r="0" g="0" b="0"/>
+          </a:fillRef>
+          <a:effectRef idx="0">
+            <a:scrgbClr r="0" g="0" b="0"/>
+          </a:effectRef>
+          <a:fontRef idx="minor">
+            <a:schemeClr val="dk1"/>
+          </a:fontRef>
+        </p:style>
+        <p:txBody>
+          <a:bodyPr rtlCol="0" anchor="ctr"/>
+          <a:lstStyle/>
+          <a:p>
+            <a:pPr algn="ctr"/>
+            <a:r>
+              <a:rPr lang="en-US" sz="2000" dirty="0">
                 <a:solidFill>
                   <a:schemeClr val="tx1"/>
                 </a:solidFill>
-              </a:endParaRPr>
-            </a:p>
-          </p:txBody>
-        </p:sp>
-        <p:sp>
-          <p:nvSpPr>
-            <p:cNvPr id="22" name="Abgerundetes Rechteck 21"/>
-            <p:cNvSpPr/>
-            <p:nvPr/>
-          </p:nvSpPr>
-          <p:spPr>
-            <a:xfrm rot="10800000">
-              <a:off x="6212125" y="2973610"/>
-              <a:ext cx="422038" cy="281573"/>
-            </a:xfrm>
-            <a:prstGeom prst="roundRect">
-              <a:avLst/>
-            </a:prstGeom>
+              </a:rPr>
+              <a:t>very unfamiliar</a:t>
+            </a:r>
+          </a:p>
+        </p:txBody>
+      </p:sp>
+      <p:sp>
+        <p:nvSpPr>
+          <p:cNvPr id="7" name="Rectangle 6">
+            <a:extLst>
+              <a:ext uri="{FF2B5EF4-FFF2-40B4-BE49-F238E27FC236}">
+                <a16:creationId xmlns:a16="http://schemas.microsoft.com/office/drawing/2014/main" id="{0AA3FE03-F79A-542E-C548-871038B6ADAD}"/>
+              </a:ext>
+            </a:extLst>
+          </p:cNvPr>
+          <p:cNvSpPr/>
+          <p:nvPr/>
+        </p:nvSpPr>
+        <p:spPr>
+          <a:xfrm>
+            <a:off x="8162925" y="4933257"/>
+            <a:ext cx="1285875" cy="772218"/>
+          </a:xfrm>
+          <a:prstGeom prst="rect">
+            <a:avLst/>
+          </a:prstGeom>
+          <a:noFill/>
+          <a:ln w="28575">
             <a:solidFill>
-              <a:schemeClr val="bg1"/>
+              <a:srgbClr val="00B0F0"/>
             </a:solidFill>
-            <a:ln>
-              <a:solidFill>
-                <a:schemeClr val="bg1"/>
-              </a:solidFill>
-            </a:ln>
-          </p:spPr>
-          <p:style>
-            <a:lnRef idx="1">
-              <a:schemeClr val="accent1"/>
-            </a:lnRef>
-            <a:fillRef idx="3">
-              <a:schemeClr val="accent1"/>
-            </a:fillRef>
-            <a:effectRef idx="2">
-              <a:schemeClr val="accent1"/>
-            </a:effectRef>
-            <a:fontRef idx="minor">
-              <a:schemeClr val="lt1"/>
-            </a:fontRef>
-          </p:style>
-          <p:txBody>
-            <a:bodyPr rtlCol="0" anchor="ctr"/>
-            <a:lstStyle/>
-            <a:p>
-              <a:pPr algn="ctr"/>
-              <a:endParaRPr lang="de-DE" dirty="0"/>
-            </a:p>
-          </p:txBody>
-        </p:sp>
-        <p:sp>
-          <p:nvSpPr>
-            <p:cNvPr id="23" name="Pfeil nach rechts 22"/>
-            <p:cNvSpPr/>
-            <p:nvPr/>
-          </p:nvSpPr>
-          <p:spPr>
-            <a:xfrm>
-              <a:off x="6300783" y="3090580"/>
-              <a:ext cx="219075" cy="45719"/>
-            </a:xfrm>
-            <a:prstGeom prst="rightArrow">
-              <a:avLst/>
-            </a:prstGeom>
-            <a:solidFill>
-              <a:schemeClr val="tx1"/>
-            </a:solidFill>
-            <a:ln>
-              <a:solidFill>
-                <a:schemeClr val="tx1"/>
-              </a:solidFill>
-            </a:ln>
-          </p:spPr>
-          <p:style>
-            <a:lnRef idx="2">
-              <a:schemeClr val="dk1"/>
-            </a:lnRef>
-            <a:fillRef idx="1">
-              <a:schemeClr val="lt1"/>
-            </a:fillRef>
-            <a:effectRef idx="0">
-              <a:schemeClr val="dk1"/>
-            </a:effectRef>
-            <a:fontRef idx="minor">
-              <a:schemeClr val="dk1"/>
-            </a:fontRef>
-          </p:style>
-          <p:txBody>
-            <a:bodyPr rtlCol="0" anchor="ctr"/>
-            <a:lstStyle/>
-            <a:p>
-              <a:pPr algn="ctr"/>
-              <a:endParaRPr lang="de-DE">
+          </a:ln>
+        </p:spPr>
+        <p:style>
+          <a:lnRef idx="0">
+            <a:scrgbClr r="0" g="0" b="0"/>
+          </a:lnRef>
+          <a:fillRef idx="0">
+            <a:scrgbClr r="0" g="0" b="0"/>
+          </a:fillRef>
+          <a:effectRef idx="0">
+            <a:scrgbClr r="0" g="0" b="0"/>
+          </a:effectRef>
+          <a:fontRef idx="minor">
+            <a:schemeClr val="dk1"/>
+          </a:fontRef>
+        </p:style>
+        <p:txBody>
+          <a:bodyPr rtlCol="0" anchor="ctr"/>
+          <a:lstStyle/>
+          <a:p>
+            <a:pPr algn="ctr"/>
+            <a:r>
+              <a:rPr lang="en-US" sz="2000" dirty="0">
                 <a:solidFill>
                   <a:schemeClr val="tx1"/>
                 </a:solidFill>
-              </a:endParaRPr>
-            </a:p>
-          </p:txBody>
-        </p:sp>
-      </p:grpSp>
+              </a:rPr>
+              <a:t>very </a:t>
+            </a:r>
+            <a:br>
+              <a:rPr lang="en-US" sz="2000" dirty="0">
+                <a:solidFill>
+                  <a:schemeClr val="tx1"/>
+                </a:solidFill>
+              </a:rPr>
+            </a:br>
+            <a:r>
+              <a:rPr lang="en-US" sz="2000" dirty="0">
+                <a:solidFill>
+                  <a:schemeClr val="tx1"/>
+                </a:solidFill>
+              </a:rPr>
+              <a:t>familiar</a:t>
+            </a:r>
+          </a:p>
+        </p:txBody>
+      </p:sp>
     </p:spTree>
     <p:extLst>
       <p:ext uri="{BB962C8B-B14F-4D97-AF65-F5344CB8AC3E}">
-        <p14:creationId xmlns:p14="http://schemas.microsoft.com/office/powerpoint/2010/main" val="3993068824"/>
+        <p14:creationId xmlns:p14="http://schemas.microsoft.com/office/powerpoint/2010/main" val="14521855"/>
       </p:ext>
     </p:extLst>
   </p:cSld>
@@ -7681,7 +7023,7 @@
         </p:nvSpPr>
         <p:spPr>
           <a:xfrm>
-            <a:off x="2178287" y="315672"/>
+            <a:off x="2178287" y="294605"/>
             <a:ext cx="7774486" cy="6740307"/>
           </a:xfrm>
           <a:prstGeom prst="rect">
@@ -7700,85 +7042,48 @@
           <a:p>
             <a:r>
               <a:rPr lang="en-US" sz="2400" dirty="0"/>
-              <a:t>In addition to the visual task, there will be an auditory task as well. Therefore, </a:t>
-            </a:r>
+              <a:t>The experiment is divided in xx blocks. Each block will last about xx min. You will be able to rest between blocks.</a:t>
+            </a:r>
+          </a:p>
+          <a:p>
+            <a:r>
+              <a:rPr lang="en-US" sz="2400" dirty="0"/>
+              <a:t> </a:t>
+            </a:r>
+          </a:p>
+          <a:p>
+            <a:r>
+              <a:rPr lang="en-US" sz="2400" dirty="0"/>
+              <a:t>Please do your best to remain focused and alert, and keep your eyes fixed on the center of the screen. </a:t>
+            </a:r>
+          </a:p>
+          <a:p>
+            <a:endParaRPr lang="en-US" sz="2400" dirty="0"/>
+          </a:p>
+          <a:p>
+            <a:r>
+              <a:rPr lang="en-US" sz="2400" dirty="0"/>
+              <a:t>If you need a break, or have any questions, do not hesitate to ask the experimenter.</a:t>
+            </a:r>
+          </a:p>
+          <a:p>
+            <a:endParaRPr lang="en-US" sz="2400" dirty="0"/>
+          </a:p>
+          <a:p>
+            <a:r>
+              <a:rPr lang="en-US" sz="2400" dirty="0"/>
+              <a:t>We will start with a few practice trials, and you will have a chance to ask questions before starting the experiment.</a:t>
+            </a:r>
+          </a:p>
+          <a:p>
             <a:r>
               <a:rPr lang="en-US" sz="2400" b="1" dirty="0"/>
-              <a:t>a tone</a:t>
-            </a:r>
-            <a:r>
-              <a:rPr lang="en-US" sz="2400" dirty="0"/>
-              <a:t> will occur during or shortly after the visual image.</a:t>
-            </a:r>
-          </a:p>
-          <a:p>
+              <a:t>Good luck!</a:t>
+            </a:r>
             <a:endParaRPr lang="en-US" sz="2400" dirty="0"/>
           </a:p>
           <a:p>
-            <a:r>
-              <a:rPr lang="en-US" sz="2400" dirty="0"/>
-              <a:t>Your task will be to discriminate </a:t>
-            </a:r>
-            <a:r>
-              <a:rPr lang="en-US" sz="2400" b="1" dirty="0"/>
-              <a:t>“high” and “low” pitches </a:t>
-            </a:r>
-            <a:r>
-              <a:rPr lang="en-US" sz="2400" dirty="0"/>
-              <a:t>of the tone. Use the </a:t>
-            </a:r>
-            <a:r>
-              <a:rPr lang="en-US" sz="2400" b="1" dirty="0"/>
-              <a:t>green button </a:t>
-            </a:r>
-            <a:r>
-              <a:rPr lang="en-US" sz="2400" dirty="0"/>
-              <a:t>to respond to </a:t>
-            </a:r>
-            <a:r>
-              <a:rPr lang="en-US" sz="2400" b="1" dirty="0"/>
-              <a:t>high tone </a:t>
-            </a:r>
-            <a:r>
-              <a:rPr lang="en-US" sz="2400" dirty="0"/>
-              <a:t>and the </a:t>
-            </a:r>
-            <a:r>
-              <a:rPr lang="en-US" sz="2400" b="1" dirty="0"/>
-              <a:t>blue button for low tones</a:t>
-            </a:r>
-            <a:r>
-              <a:rPr lang="en-US" sz="2400" dirty="0"/>
-              <a:t>. </a:t>
-            </a:r>
-          </a:p>
-          <a:p>
-            <a:r>
-              <a:rPr lang="en-US" sz="2400" dirty="0"/>
-              <a:t>Please respond as quickly and as accurately as possible. Always respond </a:t>
-            </a:r>
-            <a:r>
-              <a:rPr lang="en-US" sz="2400" b="1" dirty="0"/>
-              <a:t>first to the visual</a:t>
-            </a:r>
-            <a:r>
-              <a:rPr lang="en-US" sz="2400" dirty="0"/>
-              <a:t> and then to the auditory task.</a:t>
-            </a:r>
-          </a:p>
-          <a:p>
-            <a:endParaRPr lang="en-US" sz="2400" dirty="0"/>
-          </a:p>
-          <a:p>
-            <a:endParaRPr lang="en-US" sz="2400" dirty="0"/>
-          </a:p>
-          <a:p>
-            <a:r>
-              <a:rPr lang="en-US" sz="2400" dirty="0"/>
-              <a:t>  </a:t>
-            </a:r>
-          </a:p>
-          <a:p>
+            <a:pPr algn="ctr"/>
             <a:endParaRPr lang="en-US" sz="2400" dirty="0"/>
           </a:p>
           <a:p>
@@ -7797,7 +7102,7 @@
             </a:r>
             <a:r>
               <a:rPr lang="en-US" sz="2400" b="1" dirty="0"/>
-              <a:t>proceed</a:t>
+              <a:t>start the experiment</a:t>
             </a:r>
             <a:r>
               <a:rPr lang="en-US" sz="2400" dirty="0"/>
@@ -7819,434 +7124,15 @@
           <a:p>
             <a:endParaRPr lang="en-US" sz="2400" dirty="0"/>
           </a:p>
-        </p:txBody>
-      </p:sp>
-      <p:grpSp>
-        <p:nvGrpSpPr>
-          <p:cNvPr id="14" name="Gruppieren 13"/>
-          <p:cNvGrpSpPr/>
-          <p:nvPr/>
-        </p:nvGrpSpPr>
-        <p:grpSpPr>
-          <a:xfrm>
-            <a:off x="5340033" y="4347652"/>
-            <a:ext cx="1446939" cy="1219279"/>
-            <a:chOff x="1866122" y="1498567"/>
-            <a:chExt cx="5075854" cy="3250713"/>
-          </a:xfrm>
-        </p:grpSpPr>
-        <p:pic>
-          <p:nvPicPr>
-            <p:cNvPr id="15" name="Grafik 14"/>
-            <p:cNvPicPr/>
-            <p:nvPr/>
-          </p:nvPicPr>
-          <p:blipFill rotWithShape="1">
-            <a:blip r:embed="rId2" cstate="hqprint">
-              <a:extLst>
-                <a:ext uri="{28A0092B-C50C-407E-A947-70E740481C1C}">
-                  <a14:useLocalDpi xmlns:a14="http://schemas.microsoft.com/office/drawing/2010/main" val="0"/>
-                </a:ext>
-              </a:extLst>
-            </a:blip>
-            <a:srcRect/>
-            <a:stretch/>
-          </p:blipFill>
-          <p:spPr bwMode="auto">
-            <a:xfrm>
-              <a:off x="1866122" y="1498567"/>
-              <a:ext cx="5075854" cy="3250713"/>
-            </a:xfrm>
-            <a:prstGeom prst="rect">
-              <a:avLst/>
-            </a:prstGeom>
-            <a:ln>
-              <a:noFill/>
-            </a:ln>
-            <a:extLst>
-              <a:ext uri="{53640926-AAD7-44D8-BBD7-CCE9431645EC}">
-                <a14:shadowObscured xmlns:a14="http://schemas.microsoft.com/office/drawing/2010/main"/>
-              </a:ext>
-            </a:extLst>
-          </p:spPr>
-        </p:pic>
-        <p:sp>
-          <p:nvSpPr>
-            <p:cNvPr id="16" name="Abgerundetes Rechteck 15"/>
-            <p:cNvSpPr/>
-            <p:nvPr/>
-          </p:nvSpPr>
-          <p:spPr>
-            <a:xfrm>
-              <a:off x="3290888" y="2271713"/>
-              <a:ext cx="623887" cy="442912"/>
-            </a:xfrm>
-            <a:prstGeom prst="roundRect">
-              <a:avLst/>
-            </a:prstGeom>
-            <a:solidFill>
-              <a:srgbClr val="00B050"/>
-            </a:solidFill>
-            <a:ln>
-              <a:solidFill>
-                <a:srgbClr val="00B050"/>
-              </a:solidFill>
-            </a:ln>
-          </p:spPr>
-          <p:style>
-            <a:lnRef idx="1">
-              <a:schemeClr val="accent1"/>
-            </a:lnRef>
-            <a:fillRef idx="3">
-              <a:schemeClr val="accent1"/>
-            </a:fillRef>
-            <a:effectRef idx="2">
-              <a:schemeClr val="accent1"/>
-            </a:effectRef>
-            <a:fontRef idx="minor">
-              <a:schemeClr val="lt1"/>
-            </a:fontRef>
-          </p:style>
-          <p:txBody>
-            <a:bodyPr rtlCol="0" anchor="ctr"/>
-            <a:lstStyle/>
-            <a:p>
-              <a:pPr algn="ctr"/>
-              <a:endParaRPr lang="de-DE"/>
-            </a:p>
-          </p:txBody>
-        </p:sp>
-        <p:sp>
-          <p:nvSpPr>
-            <p:cNvPr id="17" name="Abgerundetes Rechteck 16"/>
-            <p:cNvSpPr/>
-            <p:nvPr/>
-          </p:nvSpPr>
-          <p:spPr>
-            <a:xfrm>
-              <a:off x="4919663" y="2271713"/>
-              <a:ext cx="623887" cy="442912"/>
-            </a:xfrm>
-            <a:prstGeom prst="roundRect">
-              <a:avLst/>
-            </a:prstGeom>
-            <a:solidFill>
-              <a:srgbClr val="C00000"/>
-            </a:solidFill>
-            <a:ln>
-              <a:solidFill>
-                <a:srgbClr val="C00000"/>
-              </a:solidFill>
-            </a:ln>
-          </p:spPr>
-          <p:style>
-            <a:lnRef idx="1">
-              <a:schemeClr val="accent1"/>
-            </a:lnRef>
-            <a:fillRef idx="3">
-              <a:schemeClr val="accent1"/>
-            </a:fillRef>
-            <a:effectRef idx="2">
-              <a:schemeClr val="accent1"/>
-            </a:effectRef>
-            <a:fontRef idx="minor">
-              <a:schemeClr val="lt1"/>
-            </a:fontRef>
-          </p:style>
-          <p:txBody>
-            <a:bodyPr rtlCol="0" anchor="ctr"/>
-            <a:lstStyle/>
-            <a:p>
-              <a:pPr algn="ctr"/>
-              <a:endParaRPr lang="de-DE"/>
-            </a:p>
-          </p:txBody>
-        </p:sp>
-        <p:sp>
-          <p:nvSpPr>
-            <p:cNvPr id="18" name="Abgerundetes Rechteck 17"/>
-            <p:cNvSpPr/>
-            <p:nvPr/>
-          </p:nvSpPr>
-          <p:spPr>
-            <a:xfrm>
-              <a:off x="3290887" y="3676065"/>
-              <a:ext cx="623887" cy="442912"/>
-            </a:xfrm>
-            <a:prstGeom prst="roundRect">
-              <a:avLst/>
-            </a:prstGeom>
-            <a:solidFill>
-              <a:srgbClr val="0070C0"/>
-            </a:solidFill>
-            <a:ln>
-              <a:solidFill>
-                <a:srgbClr val="0070C0"/>
-              </a:solidFill>
-            </a:ln>
-          </p:spPr>
-          <p:style>
-            <a:lnRef idx="1">
-              <a:schemeClr val="accent1"/>
-            </a:lnRef>
-            <a:fillRef idx="3">
-              <a:schemeClr val="accent1"/>
-            </a:fillRef>
-            <a:effectRef idx="2">
-              <a:schemeClr val="accent1"/>
-            </a:effectRef>
-            <a:fontRef idx="minor">
-              <a:schemeClr val="lt1"/>
-            </a:fontRef>
-          </p:style>
-          <p:txBody>
-            <a:bodyPr rtlCol="0" anchor="ctr"/>
-            <a:lstStyle/>
-            <a:p>
-              <a:pPr algn="ctr"/>
-              <a:endParaRPr lang="de-DE"/>
-            </a:p>
-          </p:txBody>
-        </p:sp>
-        <p:sp>
-          <p:nvSpPr>
-            <p:cNvPr id="19" name="Abgerundetes Rechteck 18"/>
-            <p:cNvSpPr/>
-            <p:nvPr/>
-          </p:nvSpPr>
-          <p:spPr>
-            <a:xfrm>
-              <a:off x="4919663" y="3676065"/>
-              <a:ext cx="623887" cy="442912"/>
-            </a:xfrm>
-            <a:prstGeom prst="roundRect">
-              <a:avLst/>
-            </a:prstGeom>
-            <a:noFill/>
-            <a:ln>
-              <a:noFill/>
-            </a:ln>
-          </p:spPr>
-          <p:style>
-            <a:lnRef idx="1">
-              <a:schemeClr val="accent1"/>
-            </a:lnRef>
-            <a:fillRef idx="3">
-              <a:schemeClr val="accent1"/>
-            </a:fillRef>
-            <a:effectRef idx="2">
-              <a:schemeClr val="accent1"/>
-            </a:effectRef>
-            <a:fontRef idx="minor">
-              <a:schemeClr val="lt1"/>
-            </a:fontRef>
-          </p:style>
-          <p:txBody>
-            <a:bodyPr rtlCol="0" anchor="ctr"/>
-            <a:lstStyle/>
-            <a:p>
-              <a:pPr algn="ctr"/>
-              <a:endParaRPr lang="de-DE"/>
-            </a:p>
-          </p:txBody>
-        </p:sp>
-        <p:sp>
-          <p:nvSpPr>
-            <p:cNvPr id="20" name="Abgerundetes Rechteck 19"/>
-            <p:cNvSpPr/>
-            <p:nvPr/>
-          </p:nvSpPr>
-          <p:spPr>
-            <a:xfrm>
-              <a:off x="2225913" y="2973610"/>
-              <a:ext cx="422038" cy="281573"/>
-            </a:xfrm>
-            <a:prstGeom prst="roundRect">
-              <a:avLst/>
-            </a:prstGeom>
-            <a:solidFill>
-              <a:schemeClr val="bg1"/>
-            </a:solidFill>
-            <a:ln>
-              <a:solidFill>
-                <a:schemeClr val="bg1"/>
-              </a:solidFill>
-            </a:ln>
-          </p:spPr>
-          <p:style>
-            <a:lnRef idx="1">
-              <a:schemeClr val="accent1"/>
-            </a:lnRef>
-            <a:fillRef idx="3">
-              <a:schemeClr val="accent1"/>
-            </a:fillRef>
-            <a:effectRef idx="2">
-              <a:schemeClr val="accent1"/>
-            </a:effectRef>
-            <a:fontRef idx="minor">
-              <a:schemeClr val="lt1"/>
-            </a:fontRef>
-          </p:style>
-          <p:txBody>
-            <a:bodyPr rtlCol="0" anchor="ctr"/>
-            <a:lstStyle/>
-            <a:p>
-              <a:pPr algn="ctr"/>
-              <a:endParaRPr lang="de-DE" dirty="0"/>
-            </a:p>
-          </p:txBody>
-        </p:sp>
-        <p:sp>
-          <p:nvSpPr>
-            <p:cNvPr id="21" name="Pfeil nach rechts 20"/>
-            <p:cNvSpPr/>
-            <p:nvPr/>
-          </p:nvSpPr>
-          <p:spPr>
-            <a:xfrm rot="10800000">
-              <a:off x="2314571" y="3090580"/>
-              <a:ext cx="219075" cy="45719"/>
-            </a:xfrm>
-            <a:prstGeom prst="rightArrow">
-              <a:avLst/>
-            </a:prstGeom>
-            <a:solidFill>
-              <a:schemeClr val="tx1"/>
-            </a:solidFill>
-            <a:ln>
-              <a:solidFill>
-                <a:schemeClr val="tx1"/>
-              </a:solidFill>
-            </a:ln>
-          </p:spPr>
-          <p:style>
-            <a:lnRef idx="2">
-              <a:schemeClr val="dk1"/>
-            </a:lnRef>
-            <a:fillRef idx="1">
-              <a:schemeClr val="lt1"/>
-            </a:fillRef>
-            <a:effectRef idx="0">
-              <a:schemeClr val="dk1"/>
-            </a:effectRef>
-            <a:fontRef idx="minor">
-              <a:schemeClr val="dk1"/>
-            </a:fontRef>
-          </p:style>
-          <p:txBody>
-            <a:bodyPr rtlCol="0" anchor="ctr"/>
-            <a:lstStyle/>
-            <a:p>
-              <a:pPr algn="ctr"/>
-              <a:endParaRPr lang="de-DE">
-                <a:solidFill>
-                  <a:schemeClr val="tx1"/>
-                </a:solidFill>
-              </a:endParaRPr>
-            </a:p>
-          </p:txBody>
-        </p:sp>
-        <p:sp>
-          <p:nvSpPr>
-            <p:cNvPr id="22" name="Abgerundetes Rechteck 21"/>
-            <p:cNvSpPr/>
-            <p:nvPr/>
-          </p:nvSpPr>
-          <p:spPr>
-            <a:xfrm rot="10800000">
-              <a:off x="6212125" y="2973610"/>
-              <a:ext cx="422038" cy="281573"/>
-            </a:xfrm>
-            <a:prstGeom prst="roundRect">
-              <a:avLst/>
-            </a:prstGeom>
-            <a:solidFill>
-              <a:schemeClr val="bg1"/>
-            </a:solidFill>
-            <a:ln>
-              <a:solidFill>
-                <a:schemeClr val="bg1"/>
-              </a:solidFill>
-            </a:ln>
-          </p:spPr>
-          <p:style>
-            <a:lnRef idx="1">
-              <a:schemeClr val="accent1"/>
-            </a:lnRef>
-            <a:fillRef idx="3">
-              <a:schemeClr val="accent1"/>
-            </a:fillRef>
-            <a:effectRef idx="2">
-              <a:schemeClr val="accent1"/>
-            </a:effectRef>
-            <a:fontRef idx="minor">
-              <a:schemeClr val="lt1"/>
-            </a:fontRef>
-          </p:style>
-          <p:txBody>
-            <a:bodyPr rtlCol="0" anchor="ctr"/>
-            <a:lstStyle/>
-            <a:p>
-              <a:pPr algn="ctr"/>
-              <a:endParaRPr lang="de-DE" dirty="0"/>
-            </a:p>
-          </p:txBody>
-        </p:sp>
-        <p:sp>
-          <p:nvSpPr>
-            <p:cNvPr id="23" name="Pfeil nach rechts 22"/>
-            <p:cNvSpPr/>
-            <p:nvPr/>
-          </p:nvSpPr>
-          <p:spPr>
-            <a:xfrm>
-              <a:off x="6300783" y="3090580"/>
-              <a:ext cx="219075" cy="45719"/>
-            </a:xfrm>
-            <a:prstGeom prst="rightArrow">
-              <a:avLst/>
-            </a:prstGeom>
-            <a:solidFill>
-              <a:schemeClr val="tx1"/>
-            </a:solidFill>
-            <a:ln>
-              <a:solidFill>
-                <a:schemeClr val="tx1"/>
-              </a:solidFill>
-            </a:ln>
-          </p:spPr>
-          <p:style>
-            <a:lnRef idx="2">
-              <a:schemeClr val="dk1"/>
-            </a:lnRef>
-            <a:fillRef idx="1">
-              <a:schemeClr val="lt1"/>
-            </a:fillRef>
-            <a:effectRef idx="0">
-              <a:schemeClr val="dk1"/>
-            </a:effectRef>
-            <a:fontRef idx="minor">
-              <a:schemeClr val="dk1"/>
-            </a:fontRef>
-          </p:style>
-          <p:txBody>
-            <a:bodyPr rtlCol="0" anchor="ctr"/>
-            <a:lstStyle/>
-            <a:p>
-              <a:pPr algn="ctr"/>
-              <a:endParaRPr lang="de-DE">
-                <a:solidFill>
-                  <a:schemeClr val="tx1"/>
-                </a:solidFill>
-              </a:endParaRPr>
-            </a:p>
-          </p:txBody>
-        </p:sp>
-      </p:grpSp>
+          <a:p>
+            <a:endParaRPr lang="en-US" sz="2400" dirty="0"/>
+          </a:p>
+        </p:txBody>
+      </p:sp>
     </p:spTree>
     <p:extLst>
       <p:ext uri="{BB962C8B-B14F-4D97-AF65-F5344CB8AC3E}">
-        <p14:creationId xmlns:p14="http://schemas.microsoft.com/office/powerpoint/2010/main" val="3832710868"/>
+        <p14:creationId xmlns:p14="http://schemas.microsoft.com/office/powerpoint/2010/main" val="1597402663"/>
       </p:ext>
     </p:extLst>
   </p:cSld>
@@ -8282,7 +7168,7 @@
         <p:spPr>
           <a:xfrm>
             <a:off x="2178287" y="294605"/>
-            <a:ext cx="7774486" cy="7109639"/>
+            <a:ext cx="7774486" cy="6740307"/>
           </a:xfrm>
           <a:prstGeom prst="rect">
             <a:avLst/>
@@ -8300,11 +7186,30 @@
           <a:p>
             <a:r>
               <a:rPr lang="en-US" sz="2400" dirty="0"/>
-              <a:t>Each sequence will last about 2min. You will be able to rest between sequences. The sequence will only begin after you press the right arrow key.</a:t>
-            </a:r>
-          </a:p>
-          <a:p>
-            <a:endParaRPr lang="en-US" sz="2400" dirty="0"/>
+              <a:t>The experiment is divided in </a:t>
+            </a:r>
+            <a:r>
+              <a:rPr lang="en-US" sz="2400" dirty="0" err="1"/>
+              <a:t>yy</a:t>
+            </a:r>
+            <a:r>
+              <a:rPr lang="en-US" sz="2400" dirty="0"/>
+              <a:t> blocks. Each block will last about </a:t>
+            </a:r>
+            <a:r>
+              <a:rPr lang="en-US" sz="2400" dirty="0" err="1"/>
+              <a:t>yy</a:t>
+            </a:r>
+            <a:r>
+              <a:rPr lang="en-US" sz="2400" dirty="0"/>
+              <a:t> min. You will be able to rest between blocks.</a:t>
+            </a:r>
+          </a:p>
+          <a:p>
+            <a:r>
+              <a:rPr lang="en-US" sz="2400" dirty="0"/>
+              <a:t> </a:t>
+            </a:r>
           </a:p>
           <a:p>
             <a:r>
@@ -8357,7 +7262,7 @@
             </a:r>
             <a:r>
               <a:rPr lang="en-US" sz="2400" b="1" dirty="0"/>
-              <a:t>proceed</a:t>
+              <a:t>start the experiment</a:t>
             </a:r>
             <a:r>
               <a:rPr lang="en-US" sz="2400" dirty="0"/>
@@ -8387,7 +7292,7 @@
     </p:spTree>
     <p:extLst>
       <p:ext uri="{BB962C8B-B14F-4D97-AF65-F5344CB8AC3E}">
-        <p14:creationId xmlns:p14="http://schemas.microsoft.com/office/powerpoint/2010/main" val="1597402663"/>
+        <p14:creationId xmlns:p14="http://schemas.microsoft.com/office/powerpoint/2010/main" val="57290883"/>
       </p:ext>
     </p:extLst>
   </p:cSld>

--- a/instructions/Instructions.pptx
+++ b/instructions/Instructions.pptx
@@ -7,13 +7,16 @@
   <p:sldIdLst>
     <p:sldId id="256" r:id="rId2"/>
     <p:sldId id="264" r:id="rId3"/>
-    <p:sldId id="269" r:id="rId4"/>
-    <p:sldId id="270" r:id="rId5"/>
-    <p:sldId id="271" r:id="rId6"/>
-    <p:sldId id="273" r:id="rId7"/>
-    <p:sldId id="272" r:id="rId8"/>
-    <p:sldId id="262" r:id="rId9"/>
-    <p:sldId id="274" r:id="rId10"/>
+    <p:sldId id="277" r:id="rId4"/>
+    <p:sldId id="278" r:id="rId5"/>
+    <p:sldId id="270" r:id="rId6"/>
+    <p:sldId id="282" r:id="rId7"/>
+    <p:sldId id="283" r:id="rId8"/>
+    <p:sldId id="285" r:id="rId9"/>
+    <p:sldId id="288" r:id="rId10"/>
+    <p:sldId id="287" r:id="rId11"/>
+    <p:sldId id="262" r:id="rId12"/>
+    <p:sldId id="274" r:id="rId13"/>
   </p:sldIdLst>
   <p:sldSz cx="12192000" cy="6858000"/>
   <p:notesSz cx="6858000" cy="9144000"/>
@@ -134,7 +137,7 @@
 <file path=ppt/revisionInfo.xml><?xml version="1.0" encoding="utf-8"?>
 <p1510:revInfo xmlns:a="http://schemas.openxmlformats.org/drawingml/2006/main" xmlns:r="http://schemas.openxmlformats.org/officeDocument/2006/relationships" xmlns:p1510="http://schemas.microsoft.com/office/powerpoint/2015/10/main">
   <p1510:revLst>
-    <p1510:client id="{05E83482-96C4-4B03-864C-FE5F129C6CDA}" v="122" dt="2023-11-03T13:56:03.898"/>
+    <p1510:client id="{05E83482-96C4-4B03-864C-FE5F129C6CDA}" v="239" dt="2023-11-24T15:41:08.009"/>
   </p1510:revLst>
 </p1510:revInfo>
 </file>
@@ -143,19 +146,27 @@
 <pc:chgInfo xmlns:a="http://schemas.openxmlformats.org/drawingml/2006/main" xmlns:r="http://schemas.openxmlformats.org/officeDocument/2006/relationships" xmlns:ac="http://schemas.microsoft.com/office/drawing/2013/main/command" xmlns:pc="http://schemas.microsoft.com/office/powerpoint/2013/main/command">
   <pc:docChgLst>
     <pc:chgData name="Micha Engeser" userId="a533b431-da3e-471f-8983-fd723c6850d4" providerId="ADAL" clId="{05E83482-96C4-4B03-864C-FE5F129C6CDA}"/>
-    <pc:docChg chg="undo custSel addSld delSld modSld">
-      <pc:chgData name="Micha Engeser" userId="a533b431-da3e-471f-8983-fd723c6850d4" providerId="ADAL" clId="{05E83482-96C4-4B03-864C-FE5F129C6CDA}" dt="2023-11-03T13:56:13.057" v="1320" actId="20577"/>
+    <pc:docChg chg="undo custSel addSld delSld modSld sldOrd">
+      <pc:chgData name="Micha Engeser" userId="a533b431-da3e-471f-8983-fd723c6850d4" providerId="ADAL" clId="{05E83482-96C4-4B03-864C-FE5F129C6CDA}" dt="2023-11-24T17:16:46.858" v="3027" actId="47"/>
       <pc:docMkLst>
         <pc:docMk/>
       </pc:docMkLst>
       <pc:sldChg chg="modSp mod">
-        <pc:chgData name="Micha Engeser" userId="a533b431-da3e-471f-8983-fd723c6850d4" providerId="ADAL" clId="{05E83482-96C4-4B03-864C-FE5F129C6CDA}" dt="2023-11-03T10:16:27.296" v="3" actId="1582"/>
+        <pc:chgData name="Micha Engeser" userId="a533b431-da3e-471f-8983-fd723c6850d4" providerId="ADAL" clId="{05E83482-96C4-4B03-864C-FE5F129C6CDA}" dt="2023-11-24T14:55:00.693" v="1489" actId="1035"/>
         <pc:sldMkLst>
           <pc:docMk/>
           <pc:sldMk cId="3993129042" sldId="256"/>
         </pc:sldMkLst>
+        <pc:spChg chg="mod">
+          <ac:chgData name="Micha Engeser" userId="a533b431-da3e-471f-8983-fd723c6850d4" providerId="ADAL" clId="{05E83482-96C4-4B03-864C-FE5F129C6CDA}" dt="2023-11-24T14:54:55.648" v="1469" actId="20577"/>
+          <ac:spMkLst>
+            <pc:docMk/>
+            <pc:sldMk cId="3993129042" sldId="256"/>
+            <ac:spMk id="4" creationId="{00000000-0000-0000-0000-000000000000}"/>
+          </ac:spMkLst>
+        </pc:spChg>
         <pc:picChg chg="mod">
-          <ac:chgData name="Micha Engeser" userId="a533b431-da3e-471f-8983-fd723c6850d4" providerId="ADAL" clId="{05E83482-96C4-4B03-864C-FE5F129C6CDA}" dt="2023-11-03T10:16:27.296" v="3" actId="1582"/>
+          <ac:chgData name="Micha Engeser" userId="a533b431-da3e-471f-8983-fd723c6850d4" providerId="ADAL" clId="{05E83482-96C4-4B03-864C-FE5F129C6CDA}" dt="2023-11-24T14:55:00.693" v="1489" actId="1035"/>
           <ac:picMkLst>
             <pc:docMk/>
             <pc:sldMk cId="3993129042" sldId="256"/>
@@ -163,7 +174,7 @@
           </ac:picMkLst>
         </pc:picChg>
         <pc:picChg chg="mod">
-          <ac:chgData name="Micha Engeser" userId="a533b431-da3e-471f-8983-fd723c6850d4" providerId="ADAL" clId="{05E83482-96C4-4B03-864C-FE5F129C6CDA}" dt="2023-11-03T10:16:15.437" v="1" actId="1582"/>
+          <ac:chgData name="Micha Engeser" userId="a533b431-da3e-471f-8983-fd723c6850d4" providerId="ADAL" clId="{05E83482-96C4-4B03-864C-FE5F129C6CDA}" dt="2023-11-24T14:55:00.693" v="1489" actId="1035"/>
           <ac:picMkLst>
             <pc:docMk/>
             <pc:sldMk cId="3993129042" sldId="256"/>
@@ -200,13 +211,13 @@
         </pc:sldMkLst>
       </pc:sldChg>
       <pc:sldChg chg="modSp mod">
-        <pc:chgData name="Micha Engeser" userId="a533b431-da3e-471f-8983-fd723c6850d4" providerId="ADAL" clId="{05E83482-96C4-4B03-864C-FE5F129C6CDA}" dt="2023-11-03T13:55:58.700" v="1314" actId="20577"/>
+        <pc:chgData name="Micha Engeser" userId="a533b431-da3e-471f-8983-fd723c6850d4" providerId="ADAL" clId="{05E83482-96C4-4B03-864C-FE5F129C6CDA}" dt="2023-11-24T15:59:54.644" v="3021" actId="20577"/>
         <pc:sldMkLst>
           <pc:docMk/>
           <pc:sldMk cId="1597402663" sldId="262"/>
         </pc:sldMkLst>
         <pc:spChg chg="mod">
-          <ac:chgData name="Micha Engeser" userId="a533b431-da3e-471f-8983-fd723c6850d4" providerId="ADAL" clId="{05E83482-96C4-4B03-864C-FE5F129C6CDA}" dt="2023-11-03T13:55:58.700" v="1314" actId="20577"/>
+          <ac:chgData name="Micha Engeser" userId="a533b431-da3e-471f-8983-fd723c6850d4" providerId="ADAL" clId="{05E83482-96C4-4B03-864C-FE5F129C6CDA}" dt="2023-11-24T15:59:54.644" v="3021" actId="20577"/>
           <ac:spMkLst>
             <pc:docMk/>
             <pc:sldMk cId="1597402663" sldId="262"/>
@@ -214,20 +225,76 @@
           </ac:spMkLst>
         </pc:spChg>
       </pc:sldChg>
-      <pc:sldChg chg="modSp mod">
-        <pc:chgData name="Micha Engeser" userId="a533b431-da3e-471f-8983-fd723c6850d4" providerId="ADAL" clId="{05E83482-96C4-4B03-864C-FE5F129C6CDA}" dt="2023-11-03T10:17:50.607" v="5" actId="6549"/>
+      <pc:sldChg chg="modSp mod ord">
+        <pc:chgData name="Micha Engeser" userId="a533b431-da3e-471f-8983-fd723c6850d4" providerId="ADAL" clId="{05E83482-96C4-4B03-864C-FE5F129C6CDA}" dt="2023-11-24T15:01:56.085" v="1812"/>
         <pc:sldMkLst>
           <pc:docMk/>
           <pc:sldMk cId="3521823961" sldId="264"/>
         </pc:sldMkLst>
         <pc:spChg chg="mod">
-          <ac:chgData name="Micha Engeser" userId="a533b431-da3e-471f-8983-fd723c6850d4" providerId="ADAL" clId="{05E83482-96C4-4B03-864C-FE5F129C6CDA}" dt="2023-11-03T10:17:50.607" v="5" actId="6549"/>
+          <ac:chgData name="Micha Engeser" userId="a533b431-da3e-471f-8983-fd723c6850d4" providerId="ADAL" clId="{05E83482-96C4-4B03-864C-FE5F129C6CDA}" dt="2023-11-24T15:00:46.004" v="1762" actId="20577"/>
           <ac:spMkLst>
             <pc:docMk/>
             <pc:sldMk cId="3521823961" sldId="264"/>
             <ac:spMk id="4" creationId="{00000000-0000-0000-0000-000000000000}"/>
           </ac:spMkLst>
         </pc:spChg>
+        <pc:spChg chg="mod">
+          <ac:chgData name="Micha Engeser" userId="a533b431-da3e-471f-8983-fd723c6850d4" providerId="ADAL" clId="{05E83482-96C4-4B03-864C-FE5F129C6CDA}" dt="2023-11-24T15:00:54.309" v="1810" actId="1035"/>
+          <ac:spMkLst>
+            <pc:docMk/>
+            <pc:sldMk cId="3521823961" sldId="264"/>
+            <ac:spMk id="15" creationId="{97743DB1-FA0C-37E7-E303-A1AF55B8C84A}"/>
+          </ac:spMkLst>
+        </pc:spChg>
+        <pc:spChg chg="mod">
+          <ac:chgData name="Micha Engeser" userId="a533b431-da3e-471f-8983-fd723c6850d4" providerId="ADAL" clId="{05E83482-96C4-4B03-864C-FE5F129C6CDA}" dt="2023-11-24T15:00:54.309" v="1810" actId="1035"/>
+          <ac:spMkLst>
+            <pc:docMk/>
+            <pc:sldMk cId="3521823961" sldId="264"/>
+            <ac:spMk id="20" creationId="{5D09B655-9AE2-CD82-FD32-3842B4E7CE51}"/>
+          </ac:spMkLst>
+        </pc:spChg>
+        <pc:picChg chg="mod">
+          <ac:chgData name="Micha Engeser" userId="a533b431-da3e-471f-8983-fd723c6850d4" providerId="ADAL" clId="{05E83482-96C4-4B03-864C-FE5F129C6CDA}" dt="2023-11-24T15:00:54.309" v="1810" actId="1035"/>
+          <ac:picMkLst>
+            <pc:docMk/>
+            <pc:sldMk cId="3521823961" sldId="264"/>
+            <ac:picMk id="3" creationId="{203BE947-F453-4732-6E5E-DE77E119B2E2}"/>
+          </ac:picMkLst>
+        </pc:picChg>
+        <pc:picChg chg="mod">
+          <ac:chgData name="Micha Engeser" userId="a533b431-da3e-471f-8983-fd723c6850d4" providerId="ADAL" clId="{05E83482-96C4-4B03-864C-FE5F129C6CDA}" dt="2023-11-24T15:00:54.309" v="1810" actId="1035"/>
+          <ac:picMkLst>
+            <pc:docMk/>
+            <pc:sldMk cId="3521823961" sldId="264"/>
+            <ac:picMk id="14" creationId="{915BF254-634A-721C-649A-E789B159443A}"/>
+          </ac:picMkLst>
+        </pc:picChg>
+        <pc:picChg chg="mod">
+          <ac:chgData name="Micha Engeser" userId="a533b431-da3e-471f-8983-fd723c6850d4" providerId="ADAL" clId="{05E83482-96C4-4B03-864C-FE5F129C6CDA}" dt="2023-11-24T15:00:54.309" v="1810" actId="1035"/>
+          <ac:picMkLst>
+            <pc:docMk/>
+            <pc:sldMk cId="3521823961" sldId="264"/>
+            <ac:picMk id="1028" creationId="{54921F55-1CC2-E0AA-F781-B13E39422D11}"/>
+          </ac:picMkLst>
+        </pc:picChg>
+        <pc:cxnChg chg="mod">
+          <ac:chgData name="Micha Engeser" userId="a533b431-da3e-471f-8983-fd723c6850d4" providerId="ADAL" clId="{05E83482-96C4-4B03-864C-FE5F129C6CDA}" dt="2023-11-24T15:00:54.309" v="1810" actId="1035"/>
+          <ac:cxnSpMkLst>
+            <pc:docMk/>
+            <pc:sldMk cId="3521823961" sldId="264"/>
+            <ac:cxnSpMk id="17" creationId="{BA3039BC-4FF1-DE75-D33F-9B39A4FF01A4}"/>
+          </ac:cxnSpMkLst>
+        </pc:cxnChg>
+        <pc:cxnChg chg="mod">
+          <ac:chgData name="Micha Engeser" userId="a533b431-da3e-471f-8983-fd723c6850d4" providerId="ADAL" clId="{05E83482-96C4-4B03-864C-FE5F129C6CDA}" dt="2023-11-24T15:00:54.309" v="1810" actId="1035"/>
+          <ac:cxnSpMkLst>
+            <pc:docMk/>
+            <pc:sldMk cId="3521823961" sldId="264"/>
+            <ac:cxnSpMk id="21" creationId="{7E196047-6CDC-E235-C9D7-35AC5696AAD3}"/>
+          </ac:cxnSpMkLst>
+        </pc:cxnChg>
       </pc:sldChg>
       <pc:sldChg chg="del">
         <pc:chgData name="Micha Engeser" userId="a533b431-da3e-471f-8983-fd723c6850d4" providerId="ADAL" clId="{05E83482-96C4-4B03-864C-FE5F129C6CDA}" dt="2023-11-03T13:46:42.272" v="1208" actId="47"/>
@@ -257,8 +324,8 @@
           <pc:sldMk cId="1672981800" sldId="268"/>
         </pc:sldMkLst>
       </pc:sldChg>
-      <pc:sldChg chg="modSp mod">
-        <pc:chgData name="Micha Engeser" userId="a533b431-da3e-471f-8983-fd723c6850d4" providerId="ADAL" clId="{05E83482-96C4-4B03-864C-FE5F129C6CDA}" dt="2023-11-03T10:17:54.666" v="6" actId="20577"/>
+      <pc:sldChg chg="modSp del mod">
+        <pc:chgData name="Micha Engeser" userId="a533b431-da3e-471f-8983-fd723c6850d4" providerId="ADAL" clId="{05E83482-96C4-4B03-864C-FE5F129C6CDA}" dt="2023-11-24T14:50:10.019" v="1329" actId="47"/>
         <pc:sldMkLst>
           <pc:docMk/>
           <pc:sldMk cId="2998264015" sldId="269"/>
@@ -273,21 +340,45 @@
         </pc:spChg>
       </pc:sldChg>
       <pc:sldChg chg="addSp delSp modSp add mod">
-        <pc:chgData name="Micha Engeser" userId="a533b431-da3e-471f-8983-fd723c6850d4" providerId="ADAL" clId="{05E83482-96C4-4B03-864C-FE5F129C6CDA}" dt="2023-11-03T13:27:16.769" v="657" actId="1582"/>
+        <pc:chgData name="Micha Engeser" userId="a533b431-da3e-471f-8983-fd723c6850d4" providerId="ADAL" clId="{05E83482-96C4-4B03-864C-FE5F129C6CDA}" dt="2023-11-24T15:27:23.959" v="2535"/>
         <pc:sldMkLst>
           <pc:docMk/>
           <pc:sldMk cId="2338977154" sldId="270"/>
         </pc:sldMkLst>
+        <pc:spChg chg="add del">
+          <ac:chgData name="Micha Engeser" userId="a533b431-da3e-471f-8983-fd723c6850d4" providerId="ADAL" clId="{05E83482-96C4-4B03-864C-FE5F129C6CDA}" dt="2023-11-24T15:24:11.602" v="2502"/>
+          <ac:spMkLst>
+            <pc:docMk/>
+            <pc:sldMk cId="2338977154" sldId="270"/>
+            <ac:spMk id="2" creationId="{2A153E99-4F63-FE41-2DC6-DDBB279D6ADE}"/>
+          </ac:spMkLst>
+        </pc:spChg>
+        <pc:spChg chg="add del mod">
+          <ac:chgData name="Micha Engeser" userId="a533b431-da3e-471f-8983-fd723c6850d4" providerId="ADAL" clId="{05E83482-96C4-4B03-864C-FE5F129C6CDA}" dt="2023-11-24T15:24:24.859" v="2506"/>
+          <ac:spMkLst>
+            <pc:docMk/>
+            <pc:sldMk cId="2338977154" sldId="270"/>
+            <ac:spMk id="3" creationId="{5533AE1F-64CC-6EDB-78FA-A320472CFC15}"/>
+          </ac:spMkLst>
+        </pc:spChg>
         <pc:spChg chg="mod">
-          <ac:chgData name="Micha Engeser" userId="a533b431-da3e-471f-8983-fd723c6850d4" providerId="ADAL" clId="{05E83482-96C4-4B03-864C-FE5F129C6CDA}" dt="2023-11-03T13:26:54.269" v="653" actId="20578"/>
+          <ac:chgData name="Micha Engeser" userId="a533b431-da3e-471f-8983-fd723c6850d4" providerId="ADAL" clId="{05E83482-96C4-4B03-864C-FE5F129C6CDA}" dt="2023-11-24T15:25:34.780" v="2528" actId="20577"/>
           <ac:spMkLst>
             <pc:docMk/>
             <pc:sldMk cId="2338977154" sldId="270"/>
             <ac:spMk id="4" creationId="{00000000-0000-0000-0000-000000000000}"/>
           </ac:spMkLst>
         </pc:spChg>
+        <pc:spChg chg="add del">
+          <ac:chgData name="Micha Engeser" userId="a533b431-da3e-471f-8983-fd723c6850d4" providerId="ADAL" clId="{05E83482-96C4-4B03-864C-FE5F129C6CDA}" dt="2023-11-24T15:27:23.959" v="2535"/>
+          <ac:spMkLst>
+            <pc:docMk/>
+            <pc:sldMk cId="2338977154" sldId="270"/>
+            <ac:spMk id="5" creationId="{6C258F52-ABDF-C3A3-2692-FB89B120C4D3}"/>
+          </ac:spMkLst>
+        </pc:spChg>
         <pc:spChg chg="add mod">
-          <ac:chgData name="Micha Engeser" userId="a533b431-da3e-471f-8983-fd723c6850d4" providerId="ADAL" clId="{05E83482-96C4-4B03-864C-FE5F129C6CDA}" dt="2023-11-03T13:26:45.620" v="649" actId="20578"/>
+          <ac:chgData name="Micha Engeser" userId="a533b431-da3e-471f-8983-fd723c6850d4" providerId="ADAL" clId="{05E83482-96C4-4B03-864C-FE5F129C6CDA}" dt="2023-11-24T15:14:21.553" v="2114" actId="1036"/>
           <ac:spMkLst>
             <pc:docMk/>
             <pc:sldMk cId="2338977154" sldId="270"/>
@@ -295,7 +386,7 @@
           </ac:spMkLst>
         </pc:spChg>
         <pc:spChg chg="add mod">
-          <ac:chgData name="Micha Engeser" userId="a533b431-da3e-471f-8983-fd723c6850d4" providerId="ADAL" clId="{05E83482-96C4-4B03-864C-FE5F129C6CDA}" dt="2023-11-03T13:27:16.769" v="657" actId="1582"/>
+          <ac:chgData name="Micha Engeser" userId="a533b431-da3e-471f-8983-fd723c6850d4" providerId="ADAL" clId="{05E83482-96C4-4B03-864C-FE5F129C6CDA}" dt="2023-11-24T15:14:21.553" v="2114" actId="1036"/>
           <ac:spMkLst>
             <pc:docMk/>
             <pc:sldMk cId="2338977154" sldId="270"/>
@@ -303,7 +394,7 @@
           </ac:spMkLst>
         </pc:spChg>
         <pc:spChg chg="mod">
-          <ac:chgData name="Micha Engeser" userId="a533b431-da3e-471f-8983-fd723c6850d4" providerId="ADAL" clId="{05E83482-96C4-4B03-864C-FE5F129C6CDA}" dt="2023-11-03T13:21:59.776" v="638" actId="1038"/>
+          <ac:chgData name="Micha Engeser" userId="a533b431-da3e-471f-8983-fd723c6850d4" providerId="ADAL" clId="{05E83482-96C4-4B03-864C-FE5F129C6CDA}" dt="2023-11-24T15:14:21.553" v="2114" actId="1036"/>
           <ac:spMkLst>
             <pc:docMk/>
             <pc:sldMk cId="2338977154" sldId="270"/>
@@ -311,7 +402,7 @@
           </ac:spMkLst>
         </pc:spChg>
         <pc:spChg chg="mod">
-          <ac:chgData name="Micha Engeser" userId="a533b431-da3e-471f-8983-fd723c6850d4" providerId="ADAL" clId="{05E83482-96C4-4B03-864C-FE5F129C6CDA}" dt="2023-11-03T13:21:59.776" v="638" actId="1038"/>
+          <ac:chgData name="Micha Engeser" userId="a533b431-da3e-471f-8983-fd723c6850d4" providerId="ADAL" clId="{05E83482-96C4-4B03-864C-FE5F129C6CDA}" dt="2023-11-24T15:14:21.553" v="2114" actId="1036"/>
           <ac:spMkLst>
             <pc:docMk/>
             <pc:sldMk cId="2338977154" sldId="270"/>
@@ -335,7 +426,7 @@
           </ac:picMkLst>
         </pc:picChg>
         <pc:picChg chg="mod">
-          <ac:chgData name="Micha Engeser" userId="a533b431-da3e-471f-8983-fd723c6850d4" providerId="ADAL" clId="{05E83482-96C4-4B03-864C-FE5F129C6CDA}" dt="2023-11-03T13:21:59.776" v="638" actId="1038"/>
+          <ac:chgData name="Micha Engeser" userId="a533b431-da3e-471f-8983-fd723c6850d4" providerId="ADAL" clId="{05E83482-96C4-4B03-864C-FE5F129C6CDA}" dt="2023-11-24T15:14:21.553" v="2114" actId="1036"/>
           <ac:picMkLst>
             <pc:docMk/>
             <pc:sldMk cId="2338977154" sldId="270"/>
@@ -343,7 +434,7 @@
           </ac:picMkLst>
         </pc:picChg>
         <pc:cxnChg chg="mod">
-          <ac:chgData name="Micha Engeser" userId="a533b431-da3e-471f-8983-fd723c6850d4" providerId="ADAL" clId="{05E83482-96C4-4B03-864C-FE5F129C6CDA}" dt="2023-11-03T13:21:59.776" v="638" actId="1038"/>
+          <ac:chgData name="Micha Engeser" userId="a533b431-da3e-471f-8983-fd723c6850d4" providerId="ADAL" clId="{05E83482-96C4-4B03-864C-FE5F129C6CDA}" dt="2023-11-24T15:14:21.553" v="2114" actId="1036"/>
           <ac:cxnSpMkLst>
             <pc:docMk/>
             <pc:sldMk cId="2338977154" sldId="270"/>
@@ -351,7 +442,7 @@
           </ac:cxnSpMkLst>
         </pc:cxnChg>
         <pc:cxnChg chg="mod">
-          <ac:chgData name="Micha Engeser" userId="a533b431-da3e-471f-8983-fd723c6850d4" providerId="ADAL" clId="{05E83482-96C4-4B03-864C-FE5F129C6CDA}" dt="2023-11-03T13:21:59.776" v="638" actId="1038"/>
+          <ac:chgData name="Micha Engeser" userId="a533b431-da3e-471f-8983-fd723c6850d4" providerId="ADAL" clId="{05E83482-96C4-4B03-864C-FE5F129C6CDA}" dt="2023-11-24T15:14:21.553" v="2114" actId="1036"/>
           <ac:cxnSpMkLst>
             <pc:docMk/>
             <pc:sldMk cId="2338977154" sldId="270"/>
@@ -359,8 +450,8 @@
           </ac:cxnSpMkLst>
         </pc:cxnChg>
       </pc:sldChg>
-      <pc:sldChg chg="modSp add mod">
-        <pc:chgData name="Micha Engeser" userId="a533b431-da3e-471f-8983-fd723c6850d4" providerId="ADAL" clId="{05E83482-96C4-4B03-864C-FE5F129C6CDA}" dt="2023-11-03T13:35:08.873" v="979" actId="1038"/>
+      <pc:sldChg chg="modSp add del mod">
+        <pc:chgData name="Micha Engeser" userId="a533b431-da3e-471f-8983-fd723c6850d4" providerId="ADAL" clId="{05E83482-96C4-4B03-864C-FE5F129C6CDA}" dt="2023-11-24T15:39:40.875" v="2799" actId="47"/>
         <pc:sldMkLst>
           <pc:docMk/>
           <pc:sldMk cId="1188541947" sldId="271"/>
@@ -430,8 +521,8 @@
           </ac:cxnSpMkLst>
         </pc:cxnChg>
       </pc:sldChg>
-      <pc:sldChg chg="modSp add mod">
-        <pc:chgData name="Micha Engeser" userId="a533b431-da3e-471f-8983-fd723c6850d4" providerId="ADAL" clId="{05E83482-96C4-4B03-864C-FE5F129C6CDA}" dt="2023-11-03T13:35:00.465" v="971" actId="1038"/>
+      <pc:sldChg chg="modSp add del mod">
+        <pc:chgData name="Micha Engeser" userId="a533b431-da3e-471f-8983-fd723c6850d4" providerId="ADAL" clId="{05E83482-96C4-4B03-864C-FE5F129C6CDA}" dt="2023-11-24T15:59:26.572" v="3018" actId="47"/>
         <pc:sldMkLst>
           <pc:docMk/>
           <pc:sldMk cId="14521855" sldId="272"/>
@@ -516,8 +607,8 @@
           </ac:spMkLst>
         </pc:spChg>
       </pc:sldChg>
-      <pc:sldChg chg="modSp add mod">
-        <pc:chgData name="Micha Engeser" userId="a533b431-da3e-471f-8983-fd723c6850d4" providerId="ADAL" clId="{05E83482-96C4-4B03-864C-FE5F129C6CDA}" dt="2023-11-03T13:38:55.114" v="1207" actId="20577"/>
+      <pc:sldChg chg="modSp add del mod">
+        <pc:chgData name="Micha Engeser" userId="a533b431-da3e-471f-8983-fd723c6850d4" providerId="ADAL" clId="{05E83482-96C4-4B03-864C-FE5F129C6CDA}" dt="2023-11-24T15:59:24.646" v="3017" actId="47"/>
         <pc:sldMkLst>
           <pc:docMk/>
           <pc:sldMk cId="3645369593" sldId="273"/>
@@ -548,17 +639,402 @@
         </pc:spChg>
       </pc:sldChg>
       <pc:sldChg chg="modSp add mod">
-        <pc:chgData name="Micha Engeser" userId="a533b431-da3e-471f-8983-fd723c6850d4" providerId="ADAL" clId="{05E83482-96C4-4B03-864C-FE5F129C6CDA}" dt="2023-11-03T13:56:13.057" v="1320" actId="20577"/>
+        <pc:chgData name="Micha Engeser" userId="a533b431-da3e-471f-8983-fd723c6850d4" providerId="ADAL" clId="{05E83482-96C4-4B03-864C-FE5F129C6CDA}" dt="2023-11-24T17:16:35.916" v="3025" actId="20577"/>
         <pc:sldMkLst>
           <pc:docMk/>
           <pc:sldMk cId="57290883" sldId="274"/>
         </pc:sldMkLst>
         <pc:spChg chg="mod">
-          <ac:chgData name="Micha Engeser" userId="a533b431-da3e-471f-8983-fd723c6850d4" providerId="ADAL" clId="{05E83482-96C4-4B03-864C-FE5F129C6CDA}" dt="2023-11-03T13:56:13.057" v="1320" actId="20577"/>
+          <ac:chgData name="Micha Engeser" userId="a533b431-da3e-471f-8983-fd723c6850d4" providerId="ADAL" clId="{05E83482-96C4-4B03-864C-FE5F129C6CDA}" dt="2023-11-24T17:16:35.916" v="3025" actId="20577"/>
           <ac:spMkLst>
             <pc:docMk/>
             <pc:sldMk cId="57290883" sldId="274"/>
             <ac:spMk id="4" creationId="{00000000-0000-0000-0000-000000000000}"/>
+          </ac:spMkLst>
+        </pc:spChg>
+      </pc:sldChg>
+      <pc:sldChg chg="delSp modSp add del mod">
+        <pc:chgData name="Micha Engeser" userId="a533b431-da3e-471f-8983-fd723c6850d4" providerId="ADAL" clId="{05E83482-96C4-4B03-864C-FE5F129C6CDA}" dt="2023-11-24T14:55:10.094" v="1493" actId="47"/>
+        <pc:sldMkLst>
+          <pc:docMk/>
+          <pc:sldMk cId="766938020" sldId="275"/>
+        </pc:sldMkLst>
+        <pc:spChg chg="mod">
+          <ac:chgData name="Micha Engeser" userId="a533b431-da3e-471f-8983-fd723c6850d4" providerId="ADAL" clId="{05E83482-96C4-4B03-864C-FE5F129C6CDA}" dt="2023-11-24T14:49:38.549" v="1323" actId="20577"/>
+          <ac:spMkLst>
+            <pc:docMk/>
+            <pc:sldMk cId="766938020" sldId="275"/>
+            <ac:spMk id="4" creationId="{00000000-0000-0000-0000-000000000000}"/>
+          </ac:spMkLst>
+        </pc:spChg>
+        <pc:picChg chg="del">
+          <ac:chgData name="Micha Engeser" userId="a533b431-da3e-471f-8983-fd723c6850d4" providerId="ADAL" clId="{05E83482-96C4-4B03-864C-FE5F129C6CDA}" dt="2023-11-24T14:49:41.689" v="1324" actId="478"/>
+          <ac:picMkLst>
+            <pc:docMk/>
+            <pc:sldMk cId="766938020" sldId="275"/>
+            <ac:picMk id="9" creationId="{1A89498A-8CFB-C0CE-E327-0F29E32E2FBD}"/>
+          </ac:picMkLst>
+        </pc:picChg>
+        <pc:picChg chg="mod">
+          <ac:chgData name="Micha Engeser" userId="a533b431-da3e-471f-8983-fd723c6850d4" providerId="ADAL" clId="{05E83482-96C4-4B03-864C-FE5F129C6CDA}" dt="2023-11-24T14:49:44.938" v="1325" actId="1076"/>
+          <ac:picMkLst>
+            <pc:docMk/>
+            <pc:sldMk cId="766938020" sldId="275"/>
+            <ac:picMk id="12" creationId="{338039F2-14B5-BB5E-4368-E9B77A849C77}"/>
+          </ac:picMkLst>
+        </pc:picChg>
+      </pc:sldChg>
+      <pc:sldChg chg="delSp modSp add del mod">
+        <pc:chgData name="Micha Engeser" userId="a533b431-da3e-471f-8983-fd723c6850d4" providerId="ADAL" clId="{05E83482-96C4-4B03-864C-FE5F129C6CDA}" dt="2023-11-24T14:55:09.401" v="1492" actId="47"/>
+        <pc:sldMkLst>
+          <pc:docMk/>
+          <pc:sldMk cId="10781340" sldId="276"/>
+        </pc:sldMkLst>
+        <pc:spChg chg="mod">
+          <ac:chgData name="Micha Engeser" userId="a533b431-da3e-471f-8983-fd723c6850d4" providerId="ADAL" clId="{05E83482-96C4-4B03-864C-FE5F129C6CDA}" dt="2023-11-24T14:49:58.294" v="1328" actId="20577"/>
+          <ac:spMkLst>
+            <pc:docMk/>
+            <pc:sldMk cId="10781340" sldId="276"/>
+            <ac:spMk id="4" creationId="{00000000-0000-0000-0000-000000000000}"/>
+          </ac:spMkLst>
+        </pc:spChg>
+        <pc:picChg chg="mod">
+          <ac:chgData name="Micha Engeser" userId="a533b431-da3e-471f-8983-fd723c6850d4" providerId="ADAL" clId="{05E83482-96C4-4B03-864C-FE5F129C6CDA}" dt="2023-11-24T14:49:53.127" v="1327" actId="1076"/>
+          <ac:picMkLst>
+            <pc:docMk/>
+            <pc:sldMk cId="10781340" sldId="276"/>
+            <ac:picMk id="9" creationId="{1A89498A-8CFB-C0CE-E327-0F29E32E2FBD}"/>
+          </ac:picMkLst>
+        </pc:picChg>
+        <pc:picChg chg="del">
+          <ac:chgData name="Micha Engeser" userId="a533b431-da3e-471f-8983-fd723c6850d4" providerId="ADAL" clId="{05E83482-96C4-4B03-864C-FE5F129C6CDA}" dt="2023-11-24T14:49:47.308" v="1326" actId="478"/>
+          <ac:picMkLst>
+            <pc:docMk/>
+            <pc:sldMk cId="10781340" sldId="276"/>
+            <ac:picMk id="12" creationId="{338039F2-14B5-BB5E-4368-E9B77A849C77}"/>
+          </ac:picMkLst>
+        </pc:picChg>
+      </pc:sldChg>
+      <pc:sldChg chg="addSp delSp modSp add mod">
+        <pc:chgData name="Micha Engeser" userId="a533b431-da3e-471f-8983-fd723c6850d4" providerId="ADAL" clId="{05E83482-96C4-4B03-864C-FE5F129C6CDA}" dt="2023-11-24T14:58:42.599" v="1650" actId="1035"/>
+        <pc:sldMkLst>
+          <pc:docMk/>
+          <pc:sldMk cId="4137375922" sldId="277"/>
+        </pc:sldMkLst>
+        <pc:spChg chg="mod">
+          <ac:chgData name="Micha Engeser" userId="a533b431-da3e-471f-8983-fd723c6850d4" providerId="ADAL" clId="{05E83482-96C4-4B03-864C-FE5F129C6CDA}" dt="2023-11-24T14:58:27.281" v="1644" actId="20577"/>
+          <ac:spMkLst>
+            <pc:docMk/>
+            <pc:sldMk cId="4137375922" sldId="277"/>
+            <ac:spMk id="4" creationId="{00000000-0000-0000-0000-000000000000}"/>
+          </ac:spMkLst>
+        </pc:spChg>
+        <pc:picChg chg="del mod">
+          <ac:chgData name="Micha Engeser" userId="a533b431-da3e-471f-8983-fd723c6850d4" providerId="ADAL" clId="{05E83482-96C4-4B03-864C-FE5F129C6CDA}" dt="2023-11-24T14:58:29.250" v="1645" actId="478"/>
+          <ac:picMkLst>
+            <pc:docMk/>
+            <pc:sldMk cId="4137375922" sldId="277"/>
+            <ac:picMk id="9" creationId="{1A89498A-8CFB-C0CE-E327-0F29E32E2FBD}"/>
+          </ac:picMkLst>
+        </pc:picChg>
+        <pc:picChg chg="add del mod">
+          <ac:chgData name="Micha Engeser" userId="a533b431-da3e-471f-8983-fd723c6850d4" providerId="ADAL" clId="{05E83482-96C4-4B03-864C-FE5F129C6CDA}" dt="2023-11-24T14:58:42.599" v="1650" actId="1035"/>
+          <ac:picMkLst>
+            <pc:docMk/>
+            <pc:sldMk cId="4137375922" sldId="277"/>
+            <ac:picMk id="12" creationId="{338039F2-14B5-BB5E-4368-E9B77A849C77}"/>
+          </ac:picMkLst>
+        </pc:picChg>
+      </pc:sldChg>
+      <pc:sldChg chg="add del">
+        <pc:chgData name="Micha Engeser" userId="a533b431-da3e-471f-8983-fd723c6850d4" providerId="ADAL" clId="{05E83482-96C4-4B03-864C-FE5F129C6CDA}" dt="2023-11-24T14:55:10.528" v="1494" actId="47"/>
+        <pc:sldMkLst>
+          <pc:docMk/>
+          <pc:sldMk cId="813016447" sldId="278"/>
+        </pc:sldMkLst>
+      </pc:sldChg>
+      <pc:sldChg chg="delSp modSp add mod">
+        <pc:chgData name="Micha Engeser" userId="a533b431-da3e-471f-8983-fd723c6850d4" providerId="ADAL" clId="{05E83482-96C4-4B03-864C-FE5F129C6CDA}" dt="2023-11-24T14:58:21.652" v="1637" actId="1076"/>
+        <pc:sldMkLst>
+          <pc:docMk/>
+          <pc:sldMk cId="3355149081" sldId="278"/>
+        </pc:sldMkLst>
+        <pc:picChg chg="mod">
+          <ac:chgData name="Micha Engeser" userId="a533b431-da3e-471f-8983-fd723c6850d4" providerId="ADAL" clId="{05E83482-96C4-4B03-864C-FE5F129C6CDA}" dt="2023-11-24T14:58:21.652" v="1637" actId="1076"/>
+          <ac:picMkLst>
+            <pc:docMk/>
+            <pc:sldMk cId="3355149081" sldId="278"/>
+            <ac:picMk id="9" creationId="{1A89498A-8CFB-C0CE-E327-0F29E32E2FBD}"/>
+          </ac:picMkLst>
+        </pc:picChg>
+        <pc:picChg chg="del">
+          <ac:chgData name="Micha Engeser" userId="a533b431-da3e-471f-8983-fd723c6850d4" providerId="ADAL" clId="{05E83482-96C4-4B03-864C-FE5F129C6CDA}" dt="2023-11-24T14:58:16.783" v="1636" actId="478"/>
+          <ac:picMkLst>
+            <pc:docMk/>
+            <pc:sldMk cId="3355149081" sldId="278"/>
+            <ac:picMk id="12" creationId="{338039F2-14B5-BB5E-4368-E9B77A849C77}"/>
+          </ac:picMkLst>
+        </pc:picChg>
+      </pc:sldChg>
+      <pc:sldChg chg="add del ord">
+        <pc:chgData name="Micha Engeser" userId="a533b431-da3e-471f-8983-fd723c6850d4" providerId="ADAL" clId="{05E83482-96C4-4B03-864C-FE5F129C6CDA}" dt="2023-11-24T17:16:45.098" v="3026" actId="47"/>
+        <pc:sldMkLst>
+          <pc:docMk/>
+          <pc:sldMk cId="239976619" sldId="279"/>
+        </pc:sldMkLst>
+      </pc:sldChg>
+      <pc:sldChg chg="add del ord">
+        <pc:chgData name="Micha Engeser" userId="a533b431-da3e-471f-8983-fd723c6850d4" providerId="ADAL" clId="{05E83482-96C4-4B03-864C-FE5F129C6CDA}" dt="2023-11-24T17:16:46.858" v="3027" actId="47"/>
+        <pc:sldMkLst>
+          <pc:docMk/>
+          <pc:sldMk cId="392735081" sldId="280"/>
+        </pc:sldMkLst>
+      </pc:sldChg>
+      <pc:sldChg chg="modSp add del mod">
+        <pc:chgData name="Micha Engeser" userId="a533b431-da3e-471f-8983-fd723c6850d4" providerId="ADAL" clId="{05E83482-96C4-4B03-864C-FE5F129C6CDA}" dt="2023-11-24T15:15:33.504" v="2154" actId="47"/>
+        <pc:sldMkLst>
+          <pc:docMk/>
+          <pc:sldMk cId="591816126" sldId="281"/>
+        </pc:sldMkLst>
+        <pc:spChg chg="mod">
+          <ac:chgData name="Micha Engeser" userId="a533b431-da3e-471f-8983-fd723c6850d4" providerId="ADAL" clId="{05E83482-96C4-4B03-864C-FE5F129C6CDA}" dt="2023-11-24T15:15:13.472" v="2133" actId="20577"/>
+          <ac:spMkLst>
+            <pc:docMk/>
+            <pc:sldMk cId="591816126" sldId="281"/>
+            <ac:spMk id="4" creationId="{00000000-0000-0000-0000-000000000000}"/>
+          </ac:spMkLst>
+        </pc:spChg>
+      </pc:sldChg>
+      <pc:sldChg chg="addSp delSp modSp add mod">
+        <pc:chgData name="Micha Engeser" userId="a533b431-da3e-471f-8983-fd723c6850d4" providerId="ADAL" clId="{05E83482-96C4-4B03-864C-FE5F129C6CDA}" dt="2023-11-24T15:41:08.009" v="2853" actId="478"/>
+        <pc:sldMkLst>
+          <pc:docMk/>
+          <pc:sldMk cId="196451270" sldId="282"/>
+        </pc:sldMkLst>
+        <pc:spChg chg="add del">
+          <ac:chgData name="Micha Engeser" userId="a533b431-da3e-471f-8983-fd723c6850d4" providerId="ADAL" clId="{05E83482-96C4-4B03-864C-FE5F129C6CDA}" dt="2023-11-24T15:27:18.539" v="2531" actId="478"/>
+          <ac:spMkLst>
+            <pc:docMk/>
+            <pc:sldMk cId="196451270" sldId="282"/>
+            <ac:spMk id="2" creationId="{5E58A886-5BA3-0FC6-AE36-407D62F7FA02}"/>
+          </ac:spMkLst>
+        </pc:spChg>
+        <pc:spChg chg="add del mod">
+          <ac:chgData name="Micha Engeser" userId="a533b431-da3e-471f-8983-fd723c6850d4" providerId="ADAL" clId="{05E83482-96C4-4B03-864C-FE5F129C6CDA}" dt="2023-11-24T15:27:36.106" v="2539" actId="478"/>
+          <ac:spMkLst>
+            <pc:docMk/>
+            <pc:sldMk cId="196451270" sldId="282"/>
+            <ac:spMk id="3" creationId="{54AACEDE-B04A-1F2B-917B-2E9A025A89FD}"/>
+          </ac:spMkLst>
+        </pc:spChg>
+        <pc:spChg chg="mod">
+          <ac:chgData name="Micha Engeser" userId="a533b431-da3e-471f-8983-fd723c6850d4" providerId="ADAL" clId="{05E83482-96C4-4B03-864C-FE5F129C6CDA}" dt="2023-11-24T15:28:29.965" v="2575" actId="20577"/>
+          <ac:spMkLst>
+            <pc:docMk/>
+            <pc:sldMk cId="196451270" sldId="282"/>
+            <ac:spMk id="4" creationId="{00000000-0000-0000-0000-000000000000}"/>
+          </ac:spMkLst>
+        </pc:spChg>
+        <pc:spChg chg="add del mod">
+          <ac:chgData name="Micha Engeser" userId="a533b431-da3e-471f-8983-fd723c6850d4" providerId="ADAL" clId="{05E83482-96C4-4B03-864C-FE5F129C6CDA}" dt="2023-11-24T15:27:31.856" v="2537" actId="478"/>
+          <ac:spMkLst>
+            <pc:docMk/>
+            <pc:sldMk cId="196451270" sldId="282"/>
+            <ac:spMk id="5" creationId="{271B6F3D-ABB8-9980-A1F1-E2DB92E3CA88}"/>
+          </ac:spMkLst>
+        </pc:spChg>
+        <pc:spChg chg="mod">
+          <ac:chgData name="Micha Engeser" userId="a533b431-da3e-471f-8983-fd723c6850d4" providerId="ADAL" clId="{05E83482-96C4-4B03-864C-FE5F129C6CDA}" dt="2023-11-24T15:17:20.396" v="2321" actId="14100"/>
+          <ac:spMkLst>
+            <pc:docMk/>
+            <pc:sldMk cId="196451270" sldId="282"/>
+            <ac:spMk id="6" creationId="{3CE7954B-586E-187C-6981-41C0CDD41E16}"/>
+          </ac:spMkLst>
+        </pc:spChg>
+        <pc:spChg chg="mod">
+          <ac:chgData name="Micha Engeser" userId="a533b431-da3e-471f-8983-fd723c6850d4" providerId="ADAL" clId="{05E83482-96C4-4B03-864C-FE5F129C6CDA}" dt="2023-11-24T15:17:37.457" v="2330" actId="14100"/>
+          <ac:spMkLst>
+            <pc:docMk/>
+            <pc:sldMk cId="196451270" sldId="282"/>
+            <ac:spMk id="7" creationId="{0AA3FE03-F79A-542E-C548-871038B6ADAD}"/>
+          </ac:spMkLst>
+        </pc:spChg>
+        <pc:spChg chg="add del">
+          <ac:chgData name="Micha Engeser" userId="a533b431-da3e-471f-8983-fd723c6850d4" providerId="ADAL" clId="{05E83482-96C4-4B03-864C-FE5F129C6CDA}" dt="2023-11-24T15:27:41.935" v="2541"/>
+          <ac:spMkLst>
+            <pc:docMk/>
+            <pc:sldMk cId="196451270" sldId="282"/>
+            <ac:spMk id="8" creationId="{9D00F0D9-61D4-DF0C-A994-BD79C40CD74D}"/>
+          </ac:spMkLst>
+        </pc:spChg>
+        <pc:spChg chg="add del">
+          <ac:chgData name="Micha Engeser" userId="a533b431-da3e-471f-8983-fd723c6850d4" providerId="ADAL" clId="{05E83482-96C4-4B03-864C-FE5F129C6CDA}" dt="2023-11-24T15:27:49.144" v="2543"/>
+          <ac:spMkLst>
+            <pc:docMk/>
+            <pc:sldMk cId="196451270" sldId="282"/>
+            <ac:spMk id="9" creationId="{A41C15C3-2A42-7EB5-892E-C031BD561109}"/>
+          </ac:spMkLst>
+        </pc:spChg>
+        <pc:spChg chg="add del mod">
+          <ac:chgData name="Micha Engeser" userId="a533b431-da3e-471f-8983-fd723c6850d4" providerId="ADAL" clId="{05E83482-96C4-4B03-864C-FE5F129C6CDA}" dt="2023-11-24T15:41:08.009" v="2853" actId="478"/>
+          <ac:spMkLst>
+            <pc:docMk/>
+            <pc:sldMk cId="196451270" sldId="282"/>
+            <ac:spMk id="10" creationId="{C5729EE5-5FA4-70EA-75D0-5F1045B283EB}"/>
+          </ac:spMkLst>
+        </pc:spChg>
+      </pc:sldChg>
+      <pc:sldChg chg="modSp add mod">
+        <pc:chgData name="Micha Engeser" userId="a533b431-da3e-471f-8983-fd723c6850d4" providerId="ADAL" clId="{05E83482-96C4-4B03-864C-FE5F129C6CDA}" dt="2023-11-24T15:34:51.152" v="2725" actId="20577"/>
+        <pc:sldMkLst>
+          <pc:docMk/>
+          <pc:sldMk cId="1400370751" sldId="283"/>
+        </pc:sldMkLst>
+        <pc:spChg chg="mod">
+          <ac:chgData name="Micha Engeser" userId="a533b431-da3e-471f-8983-fd723c6850d4" providerId="ADAL" clId="{05E83482-96C4-4B03-864C-FE5F129C6CDA}" dt="2023-11-24T15:34:51.152" v="2725" actId="20577"/>
+          <ac:spMkLst>
+            <pc:docMk/>
+            <pc:sldMk cId="1400370751" sldId="283"/>
+            <ac:spMk id="4" creationId="{00000000-0000-0000-0000-000000000000}"/>
+          </ac:spMkLst>
+        </pc:spChg>
+        <pc:spChg chg="mod">
+          <ac:chgData name="Micha Engeser" userId="a533b431-da3e-471f-8983-fd723c6850d4" providerId="ADAL" clId="{05E83482-96C4-4B03-864C-FE5F129C6CDA}" dt="2023-11-24T15:21:12.707" v="2486" actId="14100"/>
+          <ac:spMkLst>
+            <pc:docMk/>
+            <pc:sldMk cId="1400370751" sldId="283"/>
+            <ac:spMk id="6" creationId="{3CE7954B-586E-187C-6981-41C0CDD41E16}"/>
+          </ac:spMkLst>
+        </pc:spChg>
+        <pc:spChg chg="mod">
+          <ac:chgData name="Micha Engeser" userId="a533b431-da3e-471f-8983-fd723c6850d4" providerId="ADAL" clId="{05E83482-96C4-4B03-864C-FE5F129C6CDA}" dt="2023-11-24T15:21:25.622" v="2498" actId="20577"/>
+          <ac:spMkLst>
+            <pc:docMk/>
+            <pc:sldMk cId="1400370751" sldId="283"/>
+            <ac:spMk id="7" creationId="{0AA3FE03-F79A-542E-C548-871038B6ADAD}"/>
+          </ac:spMkLst>
+        </pc:spChg>
+      </pc:sldChg>
+      <pc:sldChg chg="delSp modSp add del mod ord">
+        <pc:chgData name="Micha Engeser" userId="a533b431-da3e-471f-8983-fd723c6850d4" providerId="ADAL" clId="{05E83482-96C4-4B03-864C-FE5F129C6CDA}" dt="2023-11-24T15:39:17.740" v="2796" actId="47"/>
+        <pc:sldMkLst>
+          <pc:docMk/>
+          <pc:sldMk cId="960573757" sldId="284"/>
+        </pc:sldMkLst>
+        <pc:spChg chg="mod">
+          <ac:chgData name="Micha Engeser" userId="a533b431-da3e-471f-8983-fd723c6850d4" providerId="ADAL" clId="{05E83482-96C4-4B03-864C-FE5F129C6CDA}" dt="2023-11-24T15:32:06.142" v="2645" actId="20577"/>
+          <ac:spMkLst>
+            <pc:docMk/>
+            <pc:sldMk cId="960573757" sldId="284"/>
+            <ac:spMk id="4" creationId="{00000000-0000-0000-0000-000000000000}"/>
+          </ac:spMkLst>
+        </pc:spChg>
+        <pc:spChg chg="del mod">
+          <ac:chgData name="Micha Engeser" userId="a533b431-da3e-471f-8983-fd723c6850d4" providerId="ADAL" clId="{05E83482-96C4-4B03-864C-FE5F129C6CDA}" dt="2023-11-24T15:31:32.670" v="2636" actId="478"/>
+          <ac:spMkLst>
+            <pc:docMk/>
+            <pc:sldMk cId="960573757" sldId="284"/>
+            <ac:spMk id="10" creationId="{C5729EE5-5FA4-70EA-75D0-5F1045B283EB}"/>
+          </ac:spMkLst>
+        </pc:spChg>
+      </pc:sldChg>
+      <pc:sldChg chg="addSp delSp modSp add mod">
+        <pc:chgData name="Micha Engeser" userId="a533b431-da3e-471f-8983-fd723c6850d4" providerId="ADAL" clId="{05E83482-96C4-4B03-864C-FE5F129C6CDA}" dt="2023-11-24T15:40:08.432" v="2811" actId="20577"/>
+        <pc:sldMkLst>
+          <pc:docMk/>
+          <pc:sldMk cId="2961459844" sldId="285"/>
+        </pc:sldMkLst>
+        <pc:spChg chg="add del">
+          <ac:chgData name="Micha Engeser" userId="a533b431-da3e-471f-8983-fd723c6850d4" providerId="ADAL" clId="{05E83482-96C4-4B03-864C-FE5F129C6CDA}" dt="2023-11-24T15:37:20.123" v="2731"/>
+          <ac:spMkLst>
+            <pc:docMk/>
+            <pc:sldMk cId="2961459844" sldId="285"/>
+            <ac:spMk id="2" creationId="{76B86279-2286-30B7-741D-329C3EC70E21}"/>
+          </ac:spMkLst>
+        </pc:spChg>
+        <pc:spChg chg="add del">
+          <ac:chgData name="Micha Engeser" userId="a533b431-da3e-471f-8983-fd723c6850d4" providerId="ADAL" clId="{05E83482-96C4-4B03-864C-FE5F129C6CDA}" dt="2023-11-24T15:37:50.951" v="2734" actId="478"/>
+          <ac:spMkLst>
+            <pc:docMk/>
+            <pc:sldMk cId="2961459844" sldId="285"/>
+            <ac:spMk id="3" creationId="{B3BEB720-8F65-53C5-3887-A6B29FA0D69D}"/>
+          </ac:spMkLst>
+        </pc:spChg>
+        <pc:spChg chg="mod">
+          <ac:chgData name="Micha Engeser" userId="a533b431-da3e-471f-8983-fd723c6850d4" providerId="ADAL" clId="{05E83482-96C4-4B03-864C-FE5F129C6CDA}" dt="2023-11-24T15:40:08.432" v="2811" actId="20577"/>
+          <ac:spMkLst>
+            <pc:docMk/>
+            <pc:sldMk cId="2961459844" sldId="285"/>
+            <ac:spMk id="4" creationId="{00000000-0000-0000-0000-000000000000}"/>
+          </ac:spMkLst>
+        </pc:spChg>
+        <pc:spChg chg="mod">
+          <ac:chgData name="Micha Engeser" userId="a533b431-da3e-471f-8983-fd723c6850d4" providerId="ADAL" clId="{05E83482-96C4-4B03-864C-FE5F129C6CDA}" dt="2023-11-24T15:38:55.430" v="2777" actId="313"/>
+          <ac:spMkLst>
+            <pc:docMk/>
+            <pc:sldMk cId="2961459844" sldId="285"/>
+            <ac:spMk id="6" creationId="{3CE7954B-586E-187C-6981-41C0CDD41E16}"/>
+          </ac:spMkLst>
+        </pc:spChg>
+        <pc:spChg chg="mod">
+          <ac:chgData name="Micha Engeser" userId="a533b431-da3e-471f-8983-fd723c6850d4" providerId="ADAL" clId="{05E83482-96C4-4B03-864C-FE5F129C6CDA}" dt="2023-11-24T15:39:00.657" v="2786" actId="20577"/>
+          <ac:spMkLst>
+            <pc:docMk/>
+            <pc:sldMk cId="2961459844" sldId="285"/>
+            <ac:spMk id="7" creationId="{0AA3FE03-F79A-542E-C548-871038B6ADAD}"/>
+          </ac:spMkLst>
+        </pc:spChg>
+      </pc:sldChg>
+      <pc:sldChg chg="modSp add del mod">
+        <pc:chgData name="Micha Engeser" userId="a533b431-da3e-471f-8983-fd723c6850d4" providerId="ADAL" clId="{05E83482-96C4-4B03-864C-FE5F129C6CDA}" dt="2023-11-24T15:40:16.591" v="2815" actId="47"/>
+        <pc:sldMkLst>
+          <pc:docMk/>
+          <pc:sldMk cId="2142755562" sldId="286"/>
+        </pc:sldMkLst>
+        <pc:spChg chg="mod">
+          <ac:chgData name="Micha Engeser" userId="a533b431-da3e-471f-8983-fd723c6850d4" providerId="ADAL" clId="{05E83482-96C4-4B03-864C-FE5F129C6CDA}" dt="2023-11-24T15:39:52.146" v="2809" actId="20577"/>
+          <ac:spMkLst>
+            <pc:docMk/>
+            <pc:sldMk cId="2142755562" sldId="286"/>
+            <ac:spMk id="4" creationId="{00000000-0000-0000-0000-000000000000}"/>
+          </ac:spMkLst>
+        </pc:spChg>
+      </pc:sldChg>
+      <pc:sldChg chg="modSp add mod ord">
+        <pc:chgData name="Micha Engeser" userId="a533b431-da3e-471f-8983-fd723c6850d4" providerId="ADAL" clId="{05E83482-96C4-4B03-864C-FE5F129C6CDA}" dt="2023-11-24T15:42:37.776" v="3016" actId="20577"/>
+        <pc:sldMkLst>
+          <pc:docMk/>
+          <pc:sldMk cId="3028571398" sldId="287"/>
+        </pc:sldMkLst>
+        <pc:spChg chg="mod">
+          <ac:chgData name="Micha Engeser" userId="a533b431-da3e-471f-8983-fd723c6850d4" providerId="ADAL" clId="{05E83482-96C4-4B03-864C-FE5F129C6CDA}" dt="2023-11-24T15:42:37.776" v="3016" actId="20577"/>
+          <ac:spMkLst>
+            <pc:docMk/>
+            <pc:sldMk cId="3028571398" sldId="287"/>
+            <ac:spMk id="4" creationId="{00000000-0000-0000-0000-000000000000}"/>
+          </ac:spMkLst>
+        </pc:spChg>
+      </pc:sldChg>
+      <pc:sldChg chg="delSp modSp add mod ord">
+        <pc:chgData name="Micha Engeser" userId="a533b431-da3e-471f-8983-fd723c6850d4" providerId="ADAL" clId="{05E83482-96C4-4B03-864C-FE5F129C6CDA}" dt="2023-11-24T15:41:25.642" v="2876" actId="20577"/>
+        <pc:sldMkLst>
+          <pc:docMk/>
+          <pc:sldMk cId="2894883524" sldId="288"/>
+        </pc:sldMkLst>
+        <pc:spChg chg="mod">
+          <ac:chgData name="Micha Engeser" userId="a533b431-da3e-471f-8983-fd723c6850d4" providerId="ADAL" clId="{05E83482-96C4-4B03-864C-FE5F129C6CDA}" dt="2023-11-24T15:41:25.642" v="2876" actId="20577"/>
+          <ac:spMkLst>
+            <pc:docMk/>
+            <pc:sldMk cId="2894883524" sldId="288"/>
+            <ac:spMk id="4" creationId="{00000000-0000-0000-0000-000000000000}"/>
+          </ac:spMkLst>
+        </pc:spChg>
+        <pc:spChg chg="del">
+          <ac:chgData name="Micha Engeser" userId="a533b431-da3e-471f-8983-fd723c6850d4" providerId="ADAL" clId="{05E83482-96C4-4B03-864C-FE5F129C6CDA}" dt="2023-11-24T15:41:03.761" v="2852" actId="478"/>
+          <ac:spMkLst>
+            <pc:docMk/>
+            <pc:sldMk cId="2894883524" sldId="288"/>
+            <ac:spMk id="10" creationId="{C5729EE5-5FA4-70EA-75D0-5F1045B283EB}"/>
           </ac:spMkLst>
         </pc:spChg>
       </pc:sldChg>
@@ -746,7 +1222,7 @@
           <a:p>
             <a:fld id="{9D7C6ACB-8DF6-1449-BE97-CA8D947F79D3}" type="datetimeFigureOut">
               <a:rPr lang="en-US" smtClean="0"/>
-              <a:t>11/3/2023</a:t>
+              <a:t>11/24/2023</a:t>
             </a:fld>
             <a:endParaRPr lang="en-US"/>
           </a:p>
@@ -914,7 +1390,7 @@
           <a:p>
             <a:fld id="{9D7C6ACB-8DF6-1449-BE97-CA8D947F79D3}" type="datetimeFigureOut">
               <a:rPr lang="en-US" smtClean="0"/>
-              <a:t>11/3/2023</a:t>
+              <a:t>11/24/2023</a:t>
             </a:fld>
             <a:endParaRPr lang="en-US"/>
           </a:p>
@@ -1092,7 +1568,7 @@
           <a:p>
             <a:fld id="{9D7C6ACB-8DF6-1449-BE97-CA8D947F79D3}" type="datetimeFigureOut">
               <a:rPr lang="en-US" smtClean="0"/>
-              <a:t>11/3/2023</a:t>
+              <a:t>11/24/2023</a:t>
             </a:fld>
             <a:endParaRPr lang="en-US"/>
           </a:p>
@@ -1260,7 +1736,7 @@
           <a:p>
             <a:fld id="{9D7C6ACB-8DF6-1449-BE97-CA8D947F79D3}" type="datetimeFigureOut">
               <a:rPr lang="en-US" smtClean="0"/>
-              <a:t>11/3/2023</a:t>
+              <a:t>11/24/2023</a:t>
             </a:fld>
             <a:endParaRPr lang="en-US"/>
           </a:p>
@@ -1505,7 +1981,7 @@
           <a:p>
             <a:fld id="{9D7C6ACB-8DF6-1449-BE97-CA8D947F79D3}" type="datetimeFigureOut">
               <a:rPr lang="en-US" smtClean="0"/>
-              <a:t>11/3/2023</a:t>
+              <a:t>11/24/2023</a:t>
             </a:fld>
             <a:endParaRPr lang="en-US"/>
           </a:p>
@@ -1790,7 +2266,7 @@
           <a:p>
             <a:fld id="{9D7C6ACB-8DF6-1449-BE97-CA8D947F79D3}" type="datetimeFigureOut">
               <a:rPr lang="en-US" smtClean="0"/>
-              <a:t>11/3/2023</a:t>
+              <a:t>11/24/2023</a:t>
             </a:fld>
             <a:endParaRPr lang="en-US"/>
           </a:p>
@@ -2209,7 +2685,7 @@
           <a:p>
             <a:fld id="{9D7C6ACB-8DF6-1449-BE97-CA8D947F79D3}" type="datetimeFigureOut">
               <a:rPr lang="en-US" smtClean="0"/>
-              <a:t>11/3/2023</a:t>
+              <a:t>11/24/2023</a:t>
             </a:fld>
             <a:endParaRPr lang="en-US"/>
           </a:p>
@@ -2326,7 +2802,7 @@
           <a:p>
             <a:fld id="{9D7C6ACB-8DF6-1449-BE97-CA8D947F79D3}" type="datetimeFigureOut">
               <a:rPr lang="en-US" smtClean="0"/>
-              <a:t>11/3/2023</a:t>
+              <a:t>11/24/2023</a:t>
             </a:fld>
             <a:endParaRPr lang="en-US"/>
           </a:p>
@@ -2421,7 +2897,7 @@
           <a:p>
             <a:fld id="{9D7C6ACB-8DF6-1449-BE97-CA8D947F79D3}" type="datetimeFigureOut">
               <a:rPr lang="en-US" smtClean="0"/>
-              <a:t>11/3/2023</a:t>
+              <a:t>11/24/2023</a:t>
             </a:fld>
             <a:endParaRPr lang="en-US"/>
           </a:p>
@@ -2696,7 +3172,7 @@
           <a:p>
             <a:fld id="{9D7C6ACB-8DF6-1449-BE97-CA8D947F79D3}" type="datetimeFigureOut">
               <a:rPr lang="en-US" smtClean="0"/>
-              <a:t>11/3/2023</a:t>
+              <a:t>11/24/2023</a:t>
             </a:fld>
             <a:endParaRPr lang="en-US"/>
           </a:p>
@@ -2948,7 +3424,7 @@
           <a:p>
             <a:fld id="{9D7C6ACB-8DF6-1449-BE97-CA8D947F79D3}" type="datetimeFigureOut">
               <a:rPr lang="en-US" smtClean="0"/>
-              <a:t>11/3/2023</a:t>
+              <a:t>11/24/2023</a:t>
             </a:fld>
             <a:endParaRPr lang="en-US"/>
           </a:p>
@@ -3162,7 +3638,7 @@
           <a:p>
             <a:fld id="{9D7C6ACB-8DF6-1449-BE97-CA8D947F79D3}" type="datetimeFigureOut">
               <a:rPr lang="en-US" smtClean="0"/>
-              <a:t>11/3/2023</a:t>
+              <a:t>11/24/2023</a:t>
             </a:fld>
             <a:endParaRPr lang="en-US"/>
           </a:p>
@@ -3546,7 +4022,7 @@
         <p:spPr>
           <a:xfrm>
             <a:off x="2178287" y="575342"/>
-            <a:ext cx="7774486" cy="6524863"/>
+            <a:ext cx="7774486" cy="6740307"/>
           </a:xfrm>
           <a:prstGeom prst="rect">
             <a:avLst/>
@@ -3560,93 +4036,95 @@
           <a:lstStyle/>
           <a:p>
             <a:r>
-              <a:rPr lang="en-US" sz="2200" dirty="0"/>
+              <a:rPr lang="en-US" sz="2400" dirty="0"/>
               <a:t>Welcome to the experiment!</a:t>
             </a:r>
           </a:p>
           <a:p>
-            <a:endParaRPr lang="en-US" sz="2200" dirty="0"/>
-          </a:p>
-          <a:p>
-            <a:r>
-              <a:rPr lang="en-US" sz="2200" dirty="0"/>
-              <a:t>In this study we will present you with images of </a:t>
-            </a:r>
-            <a:r>
-              <a:rPr lang="en-US" sz="2200" b="1" dirty="0"/>
+            <a:r>
+              <a:rPr lang="en-US" sz="2400" dirty="0"/>
+              <a:t>You will perform a </a:t>
+            </a:r>
+            <a:r>
+              <a:rPr lang="en-US" sz="2400" b="1" dirty="0"/>
+              <a:t>categorization task.</a:t>
+            </a:r>
+            <a:endParaRPr lang="en-US" sz="2400" dirty="0"/>
+          </a:p>
+          <a:p>
+            <a:endParaRPr lang="en-US" sz="2400" dirty="0"/>
+          </a:p>
+          <a:p>
+            <a:r>
+              <a:rPr lang="en-US" sz="2400" dirty="0"/>
+              <a:t>Will present you with images of </a:t>
+            </a:r>
+            <a:r>
+              <a:rPr lang="en-US" sz="2400" b="1" dirty="0"/>
               <a:t>kitchens</a:t>
             </a:r>
             <a:r>
-              <a:rPr lang="en-US" sz="2200" dirty="0"/>
+              <a:rPr lang="en-US" sz="2400" dirty="0"/>
               <a:t> or </a:t>
             </a:r>
             <a:r>
-              <a:rPr lang="en-US" sz="2200" b="1" dirty="0"/>
+              <a:rPr lang="en-US" sz="2400" b="1" dirty="0"/>
               <a:t>bathrooms</a:t>
             </a:r>
             <a:r>
-              <a:rPr lang="en-US" sz="2200" dirty="0"/>
-              <a:t>. In each session you are will be instructed to do different tasks on these images. </a:t>
-            </a:r>
-          </a:p>
-          <a:p>
-            <a:endParaRPr lang="en-US" sz="2200" dirty="0"/>
-          </a:p>
-          <a:p>
-            <a:endParaRPr lang="en-US" sz="2200" dirty="0"/>
-          </a:p>
-          <a:p>
-            <a:endParaRPr lang="en-US" sz="2200" dirty="0"/>
-          </a:p>
-          <a:p>
-            <a:endParaRPr lang="en-US" sz="2200" dirty="0"/>
-          </a:p>
-          <a:p>
-            <a:endParaRPr lang="en-US" sz="2200" dirty="0"/>
-          </a:p>
-          <a:p>
-            <a:endParaRPr lang="en-US" sz="2200" dirty="0"/>
-          </a:p>
-          <a:p>
-            <a:endParaRPr lang="en-US" sz="2200" dirty="0"/>
-          </a:p>
-          <a:p>
-            <a:endParaRPr lang="en-US" sz="2200" dirty="0"/>
-          </a:p>
-          <a:p>
-            <a:endParaRPr lang="en-US" sz="2200" dirty="0"/>
+              <a:rPr lang="en-US" sz="2400" dirty="0"/>
+              <a:t>. The images will be shown for a very short time. Your task is to discriminate whether a presented images is a kitchen or a bathroom.</a:t>
+            </a:r>
+          </a:p>
+          <a:p>
+            <a:endParaRPr lang="en-US" sz="2400" dirty="0"/>
+          </a:p>
+          <a:p>
+            <a:endParaRPr lang="en-US" sz="2400" dirty="0"/>
+          </a:p>
+          <a:p>
+            <a:endParaRPr lang="en-US" sz="2400" dirty="0"/>
+          </a:p>
+          <a:p>
+            <a:endParaRPr lang="en-US" sz="2400" dirty="0"/>
+          </a:p>
+          <a:p>
+            <a:endParaRPr lang="en-US" sz="2400" dirty="0"/>
+          </a:p>
+          <a:p>
+            <a:endParaRPr lang="en-US" sz="2400" dirty="0"/>
           </a:p>
           <a:p>
             <a:pPr algn="ctr"/>
-            <a:endParaRPr lang="en-US" sz="2200" dirty="0"/>
+            <a:endParaRPr lang="en-US" sz="2400" dirty="0"/>
           </a:p>
           <a:p>
             <a:pPr algn="ctr"/>
-            <a:endParaRPr lang="en-US" sz="2200" dirty="0"/>
+            <a:endParaRPr lang="en-US" sz="2400" dirty="0"/>
           </a:p>
           <a:p>
             <a:pPr algn="ctr"/>
             <a:r>
-              <a:rPr lang="en-US" sz="2200" dirty="0"/>
+              <a:rPr lang="en-US" sz="2400" dirty="0"/>
               <a:t>Press the </a:t>
             </a:r>
             <a:r>
-              <a:rPr lang="en-US" sz="2200" b="1" dirty="0"/>
+              <a:rPr lang="en-US" sz="2400" b="1" dirty="0"/>
               <a:t>right arrow key</a:t>
             </a:r>
             <a:r>
-              <a:rPr lang="en-US" sz="2200" dirty="0"/>
+              <a:rPr lang="en-US" sz="2400" dirty="0"/>
               <a:t> to proceed</a:t>
             </a:r>
           </a:p>
           <a:p>
             <a:r>
-              <a:rPr lang="en-US" sz="2200" dirty="0"/>
+              <a:rPr lang="en-US" sz="2400" dirty="0"/>
               <a:t> </a:t>
             </a:r>
           </a:p>
           <a:p>
-            <a:endParaRPr lang="en-US" sz="2200" dirty="0"/>
+            <a:endParaRPr lang="en-US" sz="2400" dirty="0"/>
           </a:p>
         </p:txBody>
       </p:sp>
@@ -3678,7 +4156,7 @@
         </p:blipFill>
         <p:spPr>
           <a:xfrm>
-            <a:off x="6001304" y="2661759"/>
+            <a:off x="6001304" y="3531767"/>
             <a:ext cx="2706783" cy="2030087"/>
           </a:xfrm>
           <a:prstGeom prst="rect">
@@ -3722,7 +4200,7 @@
         </p:blipFill>
         <p:spPr>
           <a:xfrm>
-            <a:off x="2745640" y="2662353"/>
+            <a:off x="2745640" y="3532361"/>
             <a:ext cx="2706783" cy="2029493"/>
           </a:xfrm>
           <a:prstGeom prst="rect">
@@ -3739,6 +4217,865 @@
     <p:extLst>
       <p:ext uri="{BB962C8B-B14F-4D97-AF65-F5344CB8AC3E}">
         <p14:creationId xmlns:p14="http://schemas.microsoft.com/office/powerpoint/2010/main" val="3993129042"/>
+      </p:ext>
+    </p:extLst>
+  </p:cSld>
+  <p:clrMapOvr>
+    <a:masterClrMapping/>
+  </p:clrMapOvr>
+</p:sld>
+</file>
+
+<file path=ppt/slides/slide10.xml><?xml version="1.0" encoding="utf-8"?>
+<p:sld xmlns:a="http://schemas.openxmlformats.org/drawingml/2006/main" xmlns:r="http://schemas.openxmlformats.org/officeDocument/2006/relationships" xmlns:p="http://schemas.openxmlformats.org/presentationml/2006/main">
+  <p:cSld>
+    <p:spTree>
+      <p:nvGrpSpPr>
+        <p:cNvPr id="1" name=""/>
+        <p:cNvGrpSpPr/>
+        <p:nvPr/>
+      </p:nvGrpSpPr>
+      <p:grpSpPr>
+        <a:xfrm>
+          <a:off x="0" y="0"/>
+          <a:ext cx="0" cy="0"/>
+          <a:chOff x="0" y="0"/>
+          <a:chExt cx="0" cy="0"/>
+        </a:xfrm>
+      </p:grpSpPr>
+      <p:sp>
+        <p:nvSpPr>
+          <p:cNvPr id="4" name="TextBox 3"/>
+          <p:cNvSpPr txBox="1"/>
+          <p:nvPr/>
+        </p:nvSpPr>
+        <p:spPr>
+          <a:xfrm>
+            <a:off x="2178287" y="315671"/>
+            <a:ext cx="7774486" cy="7478970"/>
+          </a:xfrm>
+          <a:prstGeom prst="rect">
+            <a:avLst/>
+          </a:prstGeom>
+          <a:noFill/>
+        </p:spPr>
+        <p:txBody>
+          <a:bodyPr wrap="square" rtlCol="0">
+            <a:spAutoFit/>
+          </a:bodyPr>
+          <a:lstStyle/>
+          <a:p>
+            <a:r>
+              <a:rPr lang="en-US" sz="2400" dirty="0"/>
+              <a:t>The rating task will be on </a:t>
+            </a:r>
+            <a:r>
+              <a:rPr lang="en-US" sz="2400" b="1" dirty="0"/>
+              <a:t>visual complexity.</a:t>
+            </a:r>
+          </a:p>
+          <a:p>
+            <a:endParaRPr lang="en-US" sz="2400" b="1" dirty="0"/>
+          </a:p>
+          <a:p>
+            <a:r>
+              <a:rPr lang="en-US" sz="2400" dirty="0"/>
+              <a:t>Please provide your personal judgment on the complexity in the structure of the presented scene.</a:t>
+            </a:r>
+          </a:p>
+          <a:p>
+            <a:r>
+              <a:rPr lang="en-US" sz="2400" dirty="0"/>
+              <a:t> </a:t>
+            </a:r>
+          </a:p>
+          <a:p>
+            <a:r>
+              <a:rPr lang="en-US" sz="2400" dirty="0"/>
+              <a:t>For a</a:t>
+            </a:r>
+            <a:r>
+              <a:rPr lang="en-US" sz="2400" b="1" dirty="0"/>
+              <a:t> very aesthetic </a:t>
+            </a:r>
+            <a:r>
+              <a:rPr lang="en-US" sz="2400" dirty="0"/>
+              <a:t>exemplar of a </a:t>
+            </a:r>
+            <a:r>
+              <a:rPr lang="en-US" sz="2400" b="1" dirty="0"/>
+              <a:t>press “7” </a:t>
+            </a:r>
+            <a:r>
+              <a:rPr lang="en-US" sz="2400" dirty="0"/>
+              <a:t>and for a </a:t>
+            </a:r>
+            <a:r>
+              <a:rPr lang="en-US" sz="2400" b="1" dirty="0"/>
+              <a:t>very unaesthetic </a:t>
+            </a:r>
+            <a:r>
+              <a:rPr lang="en-US" sz="2400" dirty="0"/>
+              <a:t>exemplar</a:t>
+            </a:r>
+            <a:r>
+              <a:rPr lang="en-US" sz="2400" b="1" dirty="0"/>
+              <a:t> press “1”.</a:t>
+            </a:r>
+          </a:p>
+          <a:p>
+            <a:endParaRPr lang="en-US" sz="2400" dirty="0"/>
+          </a:p>
+          <a:p>
+            <a:r>
+              <a:rPr lang="en-US" sz="2400" dirty="0"/>
+              <a:t>Take your time. No speed pressure in this task. </a:t>
+            </a:r>
+          </a:p>
+          <a:p>
+            <a:pPr algn="ctr"/>
+            <a:endParaRPr lang="en-US" sz="2400" dirty="0"/>
+          </a:p>
+          <a:p>
+            <a:pPr algn="ctr"/>
+            <a:endParaRPr lang="en-US" sz="2400" dirty="0"/>
+          </a:p>
+          <a:p>
+            <a:pPr algn="ctr"/>
+            <a:endParaRPr lang="en-US" sz="2400" dirty="0"/>
+          </a:p>
+          <a:p>
+            <a:pPr algn="ctr"/>
+            <a:endParaRPr lang="en-US" sz="2400" dirty="0"/>
+          </a:p>
+          <a:p>
+            <a:pPr algn="ctr"/>
+            <a:endParaRPr lang="en-US" sz="2400" dirty="0"/>
+          </a:p>
+          <a:p>
+            <a:pPr algn="ctr"/>
+            <a:endParaRPr lang="en-US" sz="2400" dirty="0"/>
+          </a:p>
+          <a:p>
+            <a:pPr algn="ctr"/>
+            <a:r>
+              <a:rPr lang="en-US" sz="2400" dirty="0"/>
+              <a:t>Press the </a:t>
+            </a:r>
+            <a:r>
+              <a:rPr lang="en-US" sz="2400" b="1" dirty="0"/>
+              <a:t>right arrow key </a:t>
+            </a:r>
+            <a:r>
+              <a:rPr lang="en-US" sz="2400" dirty="0"/>
+              <a:t>to </a:t>
+            </a:r>
+            <a:r>
+              <a:rPr lang="en-US" sz="2400" b="1" dirty="0"/>
+              <a:t>proceed</a:t>
+            </a:r>
+            <a:r>
+              <a:rPr lang="en-US" sz="2400" dirty="0"/>
+              <a:t> or the </a:t>
+            </a:r>
+            <a:r>
+              <a:rPr lang="en-US" sz="2400" b="1" dirty="0"/>
+              <a:t>left arrow key</a:t>
+            </a:r>
+            <a:r>
+              <a:rPr lang="en-US" sz="2400" dirty="0"/>
+              <a:t> to return to the </a:t>
+            </a:r>
+            <a:r>
+              <a:rPr lang="en-US" sz="2400" b="1" dirty="0"/>
+              <a:t>previous slide</a:t>
+            </a:r>
+          </a:p>
+          <a:p>
+            <a:pPr algn="ctr"/>
+            <a:endParaRPr lang="en-US" sz="2400" dirty="0"/>
+          </a:p>
+          <a:p>
+            <a:endParaRPr lang="en-US" sz="2400" dirty="0"/>
+          </a:p>
+          <a:p>
+            <a:endParaRPr lang="en-US" sz="2400" dirty="0"/>
+          </a:p>
+        </p:txBody>
+      </p:sp>
+      <p:pic>
+        <p:nvPicPr>
+          <p:cNvPr id="1028" name="Picture 4" descr="German (Germany) Keyboard Labels - DSI Computer Keyboards">
+            <a:extLst>
+              <a:ext uri="{FF2B5EF4-FFF2-40B4-BE49-F238E27FC236}">
+                <a16:creationId xmlns:a16="http://schemas.microsoft.com/office/drawing/2014/main" id="{54921F55-1CC2-E0AA-F781-B13E39422D11}"/>
+              </a:ext>
+            </a:extLst>
+          </p:cNvPr>
+          <p:cNvPicPr>
+            <a:picLocks noChangeAspect="1" noChangeArrowheads="1"/>
+          </p:cNvPicPr>
+          <p:nvPr/>
+        </p:nvPicPr>
+        <p:blipFill rotWithShape="1">
+          <a:blip r:embed="rId2" cstate="hqprint">
+            <a:extLst>
+              <a:ext uri="{28A0092B-C50C-407E-A947-70E740481C1C}">
+                <a14:useLocalDpi xmlns:a14="http://schemas.microsoft.com/office/drawing/2010/main" val="0"/>
+              </a:ext>
+            </a:extLst>
+          </a:blip>
+          <a:srcRect r="26400" b="80062"/>
+          <a:stretch/>
+        </p:blipFill>
+        <p:spPr bwMode="auto">
+          <a:xfrm>
+            <a:off x="4285218" y="4871063"/>
+            <a:ext cx="3382407" cy="320846"/>
+          </a:xfrm>
+          <a:prstGeom prst="rect">
+            <a:avLst/>
+          </a:prstGeom>
+          <a:noFill/>
+          <a:ln>
+            <a:solidFill>
+              <a:schemeClr val="bg1"/>
+            </a:solidFill>
+          </a:ln>
+          <a:extLst>
+            <a:ext uri="{909E8E84-426E-40DD-AFC4-6F175D3DCCD1}">
+              <a14:hiddenFill xmlns:a14="http://schemas.microsoft.com/office/drawing/2010/main">
+                <a:solidFill>
+                  <a:srgbClr val="FFFFFF"/>
+                </a:solidFill>
+              </a14:hiddenFill>
+            </a:ext>
+          </a:extLst>
+        </p:spPr>
+      </p:pic>
+      <p:sp>
+        <p:nvSpPr>
+          <p:cNvPr id="15" name="Rectangle 14">
+            <a:extLst>
+              <a:ext uri="{FF2B5EF4-FFF2-40B4-BE49-F238E27FC236}">
+                <a16:creationId xmlns:a16="http://schemas.microsoft.com/office/drawing/2014/main" id="{97743DB1-FA0C-37E7-E303-A1AF55B8C84A}"/>
+              </a:ext>
+            </a:extLst>
+          </p:cNvPr>
+          <p:cNvSpPr/>
+          <p:nvPr/>
+        </p:nvSpPr>
+        <p:spPr>
+          <a:xfrm>
+            <a:off x="6432080" y="4890067"/>
+            <a:ext cx="301841" cy="301841"/>
+          </a:xfrm>
+          <a:prstGeom prst="rect">
+            <a:avLst/>
+          </a:prstGeom>
+          <a:noFill/>
+          <a:ln w="28575">
+            <a:solidFill>
+              <a:srgbClr val="00B0F0"/>
+            </a:solidFill>
+          </a:ln>
+        </p:spPr>
+        <p:style>
+          <a:lnRef idx="1">
+            <a:schemeClr val="accent1"/>
+          </a:lnRef>
+          <a:fillRef idx="3">
+            <a:schemeClr val="accent1"/>
+          </a:fillRef>
+          <a:effectRef idx="2">
+            <a:schemeClr val="accent1"/>
+          </a:effectRef>
+          <a:fontRef idx="minor">
+            <a:schemeClr val="lt1"/>
+          </a:fontRef>
+        </p:style>
+        <p:txBody>
+          <a:bodyPr rtlCol="0" anchor="ctr"/>
+          <a:lstStyle/>
+          <a:p>
+            <a:pPr algn="ctr"/>
+            <a:endParaRPr lang="en-US"/>
+          </a:p>
+        </p:txBody>
+      </p:sp>
+      <p:cxnSp>
+        <p:nvCxnSpPr>
+          <p:cNvPr id="17" name="Straight Connector 16">
+            <a:extLst>
+              <a:ext uri="{FF2B5EF4-FFF2-40B4-BE49-F238E27FC236}">
+                <a16:creationId xmlns:a16="http://schemas.microsoft.com/office/drawing/2014/main" id="{BA3039BC-4FF1-DE75-D33F-9B39A4FF01A4}"/>
+              </a:ext>
+            </a:extLst>
+          </p:cNvPr>
+          <p:cNvCxnSpPr>
+            <a:cxnSpLocks/>
+            <a:stCxn id="15" idx="3"/>
+          </p:cNvCxnSpPr>
+          <p:nvPr/>
+        </p:nvCxnSpPr>
+        <p:spPr>
+          <a:xfrm flipV="1">
+            <a:off x="6733921" y="5040987"/>
+            <a:ext cx="1333754" cy="1"/>
+          </a:xfrm>
+          <a:prstGeom prst="line">
+            <a:avLst/>
+          </a:prstGeom>
+          <a:ln>
+            <a:solidFill>
+              <a:srgbClr val="00B0F0"/>
+            </a:solidFill>
+          </a:ln>
+        </p:spPr>
+        <p:style>
+          <a:lnRef idx="2">
+            <a:schemeClr val="accent1"/>
+          </a:lnRef>
+          <a:fillRef idx="0">
+            <a:schemeClr val="accent1"/>
+          </a:fillRef>
+          <a:effectRef idx="1">
+            <a:schemeClr val="accent1"/>
+          </a:effectRef>
+          <a:fontRef idx="minor">
+            <a:schemeClr val="tx1"/>
+          </a:fontRef>
+        </p:style>
+      </p:cxnSp>
+      <p:sp>
+        <p:nvSpPr>
+          <p:cNvPr id="20" name="Rectangle 19">
+            <a:extLst>
+              <a:ext uri="{FF2B5EF4-FFF2-40B4-BE49-F238E27FC236}">
+                <a16:creationId xmlns:a16="http://schemas.microsoft.com/office/drawing/2014/main" id="{5D09B655-9AE2-CD82-FD32-3842B4E7CE51}"/>
+              </a:ext>
+            </a:extLst>
+          </p:cNvPr>
+          <p:cNvSpPr/>
+          <p:nvPr/>
+        </p:nvSpPr>
+        <p:spPr>
+          <a:xfrm>
+            <a:off x="4586950" y="4890068"/>
+            <a:ext cx="301841" cy="301841"/>
+          </a:xfrm>
+          <a:prstGeom prst="rect">
+            <a:avLst/>
+          </a:prstGeom>
+          <a:noFill/>
+          <a:ln w="28575">
+            <a:solidFill>
+              <a:srgbClr val="FF66FF"/>
+            </a:solidFill>
+          </a:ln>
+        </p:spPr>
+        <p:style>
+          <a:lnRef idx="1">
+            <a:schemeClr val="accent1"/>
+          </a:lnRef>
+          <a:fillRef idx="3">
+            <a:schemeClr val="accent1"/>
+          </a:fillRef>
+          <a:effectRef idx="2">
+            <a:schemeClr val="accent1"/>
+          </a:effectRef>
+          <a:fontRef idx="minor">
+            <a:schemeClr val="lt1"/>
+          </a:fontRef>
+        </p:style>
+        <p:txBody>
+          <a:bodyPr rtlCol="0" anchor="ctr"/>
+          <a:lstStyle/>
+          <a:p>
+            <a:pPr algn="ctr"/>
+            <a:endParaRPr lang="en-US"/>
+          </a:p>
+        </p:txBody>
+      </p:sp>
+      <p:cxnSp>
+        <p:nvCxnSpPr>
+          <p:cNvPr id="21" name="Straight Connector 20">
+            <a:extLst>
+              <a:ext uri="{FF2B5EF4-FFF2-40B4-BE49-F238E27FC236}">
+                <a16:creationId xmlns:a16="http://schemas.microsoft.com/office/drawing/2014/main" id="{7E196047-6CDC-E235-C9D7-35AC5696AAD3}"/>
+              </a:ext>
+            </a:extLst>
+          </p:cNvPr>
+          <p:cNvCxnSpPr>
+            <a:cxnSpLocks/>
+          </p:cNvCxnSpPr>
+          <p:nvPr/>
+        </p:nvCxnSpPr>
+        <p:spPr>
+          <a:xfrm>
+            <a:off x="4052009" y="5021983"/>
+            <a:ext cx="534941" cy="0"/>
+          </a:xfrm>
+          <a:prstGeom prst="line">
+            <a:avLst/>
+          </a:prstGeom>
+          <a:ln>
+            <a:solidFill>
+              <a:srgbClr val="FF66FF"/>
+            </a:solidFill>
+          </a:ln>
+        </p:spPr>
+        <p:style>
+          <a:lnRef idx="2">
+            <a:schemeClr val="accent1"/>
+          </a:lnRef>
+          <a:fillRef idx="0">
+            <a:schemeClr val="accent1"/>
+          </a:fillRef>
+          <a:effectRef idx="1">
+            <a:schemeClr val="accent1"/>
+          </a:effectRef>
+          <a:fontRef idx="minor">
+            <a:schemeClr val="tx1"/>
+          </a:fontRef>
+        </p:style>
+      </p:cxnSp>
+      <p:sp>
+        <p:nvSpPr>
+          <p:cNvPr id="6" name="Rectangle 5">
+            <a:extLst>
+              <a:ext uri="{FF2B5EF4-FFF2-40B4-BE49-F238E27FC236}">
+                <a16:creationId xmlns:a16="http://schemas.microsoft.com/office/drawing/2014/main" id="{3CE7954B-586E-187C-6981-41C0CDD41E16}"/>
+              </a:ext>
+            </a:extLst>
+          </p:cNvPr>
+          <p:cNvSpPr/>
+          <p:nvPr/>
+        </p:nvSpPr>
+        <p:spPr>
+          <a:xfrm>
+            <a:off x="2539014" y="4687553"/>
+            <a:ext cx="1512995" cy="772218"/>
+          </a:xfrm>
+          <a:prstGeom prst="rect">
+            <a:avLst/>
+          </a:prstGeom>
+          <a:noFill/>
+          <a:ln w="28575" cap="flat" cmpd="sng" algn="ctr">
+            <a:solidFill>
+              <a:srgbClr val="FF66FF"/>
+            </a:solidFill>
+            <a:prstDash val="solid"/>
+            <a:round/>
+            <a:headEnd type="none" w="med" len="med"/>
+            <a:tailEnd type="none" w="med" len="med"/>
+          </a:ln>
+        </p:spPr>
+        <p:style>
+          <a:lnRef idx="0">
+            <a:scrgbClr r="0" g="0" b="0"/>
+          </a:lnRef>
+          <a:fillRef idx="0">
+            <a:scrgbClr r="0" g="0" b="0"/>
+          </a:fillRef>
+          <a:effectRef idx="0">
+            <a:scrgbClr r="0" g="0" b="0"/>
+          </a:effectRef>
+          <a:fontRef idx="minor">
+            <a:schemeClr val="dk1"/>
+          </a:fontRef>
+        </p:style>
+        <p:txBody>
+          <a:bodyPr rtlCol="0" anchor="ctr"/>
+          <a:lstStyle/>
+          <a:p>
+            <a:pPr algn="ctr"/>
+            <a:r>
+              <a:rPr lang="en-US" sz="2000" dirty="0">
+                <a:solidFill>
+                  <a:schemeClr val="tx1"/>
+                </a:solidFill>
+              </a:rPr>
+              <a:t>very</a:t>
+            </a:r>
+          </a:p>
+          <a:p>
+            <a:pPr algn="ctr"/>
+            <a:r>
+              <a:rPr lang="en-US" sz="2000" dirty="0">
+                <a:solidFill>
+                  <a:schemeClr val="tx1"/>
+                </a:solidFill>
+              </a:rPr>
+              <a:t>unaesthetic</a:t>
+            </a:r>
+          </a:p>
+        </p:txBody>
+      </p:sp>
+      <p:sp>
+        <p:nvSpPr>
+          <p:cNvPr id="7" name="Rectangle 6">
+            <a:extLst>
+              <a:ext uri="{FF2B5EF4-FFF2-40B4-BE49-F238E27FC236}">
+                <a16:creationId xmlns:a16="http://schemas.microsoft.com/office/drawing/2014/main" id="{0AA3FE03-F79A-542E-C548-871038B6ADAD}"/>
+              </a:ext>
+            </a:extLst>
+          </p:cNvPr>
+          <p:cNvSpPr/>
+          <p:nvPr/>
+        </p:nvSpPr>
+        <p:spPr>
+          <a:xfrm>
+            <a:off x="8067675" y="4687553"/>
+            <a:ext cx="1218368" cy="772218"/>
+          </a:xfrm>
+          <a:prstGeom prst="rect">
+            <a:avLst/>
+          </a:prstGeom>
+          <a:noFill/>
+          <a:ln w="28575">
+            <a:solidFill>
+              <a:srgbClr val="00B0F0"/>
+            </a:solidFill>
+          </a:ln>
+        </p:spPr>
+        <p:style>
+          <a:lnRef idx="0">
+            <a:scrgbClr r="0" g="0" b="0"/>
+          </a:lnRef>
+          <a:fillRef idx="0">
+            <a:scrgbClr r="0" g="0" b="0"/>
+          </a:fillRef>
+          <a:effectRef idx="0">
+            <a:scrgbClr r="0" g="0" b="0"/>
+          </a:effectRef>
+          <a:fontRef idx="minor">
+            <a:schemeClr val="dk1"/>
+          </a:fontRef>
+        </p:style>
+        <p:txBody>
+          <a:bodyPr rtlCol="0" anchor="ctr"/>
+          <a:lstStyle/>
+          <a:p>
+            <a:pPr algn="ctr"/>
+            <a:r>
+              <a:rPr lang="en-US" sz="2000" dirty="0">
+                <a:solidFill>
+                  <a:schemeClr val="tx1"/>
+                </a:solidFill>
+              </a:rPr>
+              <a:t>very </a:t>
+            </a:r>
+            <a:br>
+              <a:rPr lang="en-US" sz="2000" dirty="0">
+                <a:solidFill>
+                  <a:schemeClr val="tx1"/>
+                </a:solidFill>
+              </a:rPr>
+            </a:br>
+            <a:r>
+              <a:rPr lang="en-US" sz="2000" dirty="0">
+                <a:solidFill>
+                  <a:schemeClr val="tx1"/>
+                </a:solidFill>
+              </a:rPr>
+              <a:t> aesthetic</a:t>
+            </a:r>
+          </a:p>
+        </p:txBody>
+      </p:sp>
+    </p:spTree>
+    <p:extLst>
+      <p:ext uri="{BB962C8B-B14F-4D97-AF65-F5344CB8AC3E}">
+        <p14:creationId xmlns:p14="http://schemas.microsoft.com/office/powerpoint/2010/main" val="3028571398"/>
+      </p:ext>
+    </p:extLst>
+  </p:cSld>
+  <p:clrMapOvr>
+    <a:masterClrMapping/>
+  </p:clrMapOvr>
+</p:sld>
+</file>
+
+<file path=ppt/slides/slide11.xml><?xml version="1.0" encoding="utf-8"?>
+<p:sld xmlns:a="http://schemas.openxmlformats.org/drawingml/2006/main" xmlns:r="http://schemas.openxmlformats.org/officeDocument/2006/relationships" xmlns:p="http://schemas.openxmlformats.org/presentationml/2006/main">
+  <p:cSld>
+    <p:spTree>
+      <p:nvGrpSpPr>
+        <p:cNvPr id="1" name=""/>
+        <p:cNvGrpSpPr/>
+        <p:nvPr/>
+      </p:nvGrpSpPr>
+      <p:grpSpPr>
+        <a:xfrm>
+          <a:off x="0" y="0"/>
+          <a:ext cx="0" cy="0"/>
+          <a:chOff x="0" y="0"/>
+          <a:chExt cx="0" cy="0"/>
+        </a:xfrm>
+      </p:grpSpPr>
+      <p:sp>
+        <p:nvSpPr>
+          <p:cNvPr id="4" name="TextBox 3"/>
+          <p:cNvSpPr txBox="1"/>
+          <p:nvPr/>
+        </p:nvSpPr>
+        <p:spPr>
+          <a:xfrm>
+            <a:off x="2178287" y="294605"/>
+            <a:ext cx="7774486" cy="6740307"/>
+          </a:xfrm>
+          <a:prstGeom prst="rect">
+            <a:avLst/>
+          </a:prstGeom>
+          <a:noFill/>
+        </p:spPr>
+        <p:txBody>
+          <a:bodyPr wrap="square" rtlCol="0">
+            <a:spAutoFit/>
+          </a:bodyPr>
+          <a:lstStyle/>
+          <a:p>
+            <a:endParaRPr lang="en-US" sz="2400" dirty="0"/>
+          </a:p>
+          <a:p>
+            <a:r>
+              <a:rPr lang="en-US" sz="2400" dirty="0"/>
+              <a:t>The experiment is divided in 24 blocks. Each block will last about 2 min. You will be able to rest between blocks.</a:t>
+            </a:r>
+          </a:p>
+          <a:p>
+            <a:r>
+              <a:rPr lang="en-US" sz="2400" dirty="0"/>
+              <a:t> </a:t>
+            </a:r>
+          </a:p>
+          <a:p>
+            <a:r>
+              <a:rPr lang="en-US" sz="2400" dirty="0"/>
+              <a:t>Please do your best to remain focused and alert, and keep your eyes fixed on the center of the screen. </a:t>
+            </a:r>
+          </a:p>
+          <a:p>
+            <a:endParaRPr lang="en-US" sz="2400" dirty="0"/>
+          </a:p>
+          <a:p>
+            <a:r>
+              <a:rPr lang="en-US" sz="2400" dirty="0"/>
+              <a:t>If you need a break, or have any questions, do not hesitate to ask the experimenter.</a:t>
+            </a:r>
+          </a:p>
+          <a:p>
+            <a:endParaRPr lang="en-US" sz="2400" dirty="0"/>
+          </a:p>
+          <a:p>
+            <a:r>
+              <a:rPr lang="en-US" sz="2400" dirty="0"/>
+              <a:t>We will start with a few practice trials, and you will have a chance to ask questions before starting the experiment.</a:t>
+            </a:r>
+          </a:p>
+          <a:p>
+            <a:r>
+              <a:rPr lang="en-US" sz="2400" b="1" dirty="0"/>
+              <a:t>Good luck!</a:t>
+            </a:r>
+            <a:endParaRPr lang="en-US" sz="2400" dirty="0"/>
+          </a:p>
+          <a:p>
+            <a:pPr algn="ctr"/>
+            <a:endParaRPr lang="en-US" sz="2400" dirty="0"/>
+          </a:p>
+          <a:p>
+            <a:pPr algn="ctr"/>
+            <a:r>
+              <a:rPr lang="en-US" sz="2400" dirty="0"/>
+              <a:t>Press the </a:t>
+            </a:r>
+            <a:r>
+              <a:rPr lang="en-US" sz="2400" b="1" dirty="0"/>
+              <a:t>right arrow key </a:t>
+            </a:r>
+            <a:r>
+              <a:rPr lang="en-US" sz="2400" dirty="0"/>
+              <a:t>to </a:t>
+            </a:r>
+            <a:r>
+              <a:rPr lang="en-US" sz="2400" b="1" dirty="0"/>
+              <a:t>start the experiment</a:t>
+            </a:r>
+            <a:r>
+              <a:rPr lang="en-US" sz="2400" dirty="0"/>
+              <a:t> or the </a:t>
+            </a:r>
+            <a:r>
+              <a:rPr lang="en-US" sz="2400" b="1" dirty="0"/>
+              <a:t>left arrow key</a:t>
+            </a:r>
+            <a:r>
+              <a:rPr lang="en-US" sz="2400" dirty="0"/>
+              <a:t> to return to the </a:t>
+            </a:r>
+            <a:r>
+              <a:rPr lang="en-US" sz="2400" b="1" dirty="0"/>
+              <a:t>previous slide</a:t>
+            </a:r>
+          </a:p>
+          <a:p>
+            <a:endParaRPr lang="en-US" sz="2400" dirty="0"/>
+          </a:p>
+          <a:p>
+            <a:endParaRPr lang="en-US" sz="2400" dirty="0"/>
+          </a:p>
+        </p:txBody>
+      </p:sp>
+    </p:spTree>
+    <p:extLst>
+      <p:ext uri="{BB962C8B-B14F-4D97-AF65-F5344CB8AC3E}">
+        <p14:creationId xmlns:p14="http://schemas.microsoft.com/office/powerpoint/2010/main" val="1597402663"/>
+      </p:ext>
+    </p:extLst>
+  </p:cSld>
+  <p:clrMapOvr>
+    <a:masterClrMapping/>
+  </p:clrMapOvr>
+</p:sld>
+</file>
+
+<file path=ppt/slides/slide12.xml><?xml version="1.0" encoding="utf-8"?>
+<p:sld xmlns:a="http://schemas.openxmlformats.org/drawingml/2006/main" xmlns:r="http://schemas.openxmlformats.org/officeDocument/2006/relationships" xmlns:p="http://schemas.openxmlformats.org/presentationml/2006/main">
+  <p:cSld>
+    <p:spTree>
+      <p:nvGrpSpPr>
+        <p:cNvPr id="1" name=""/>
+        <p:cNvGrpSpPr/>
+        <p:nvPr/>
+      </p:nvGrpSpPr>
+      <p:grpSpPr>
+        <a:xfrm>
+          <a:off x="0" y="0"/>
+          <a:ext cx="0" cy="0"/>
+          <a:chOff x="0" y="0"/>
+          <a:chExt cx="0" cy="0"/>
+        </a:xfrm>
+      </p:grpSpPr>
+      <p:sp>
+        <p:nvSpPr>
+          <p:cNvPr id="4" name="TextBox 3"/>
+          <p:cNvSpPr txBox="1"/>
+          <p:nvPr/>
+        </p:nvSpPr>
+        <p:spPr>
+          <a:xfrm>
+            <a:off x="2178287" y="294605"/>
+            <a:ext cx="7774486" cy="6740307"/>
+          </a:xfrm>
+          <a:prstGeom prst="rect">
+            <a:avLst/>
+          </a:prstGeom>
+          <a:noFill/>
+        </p:spPr>
+        <p:txBody>
+          <a:bodyPr wrap="square" rtlCol="0">
+            <a:spAutoFit/>
+          </a:bodyPr>
+          <a:lstStyle/>
+          <a:p>
+            <a:endParaRPr lang="en-US" sz="2400" dirty="0"/>
+          </a:p>
+          <a:p>
+            <a:r>
+              <a:rPr lang="en-US" sz="2400" dirty="0"/>
+              <a:t>The experiment is divided in 2 blocks. Each block will last about 2 min. You will be able to rest between blocks.</a:t>
+            </a:r>
+          </a:p>
+          <a:p>
+            <a:r>
+              <a:rPr lang="en-US" sz="2400" dirty="0"/>
+              <a:t> </a:t>
+            </a:r>
+          </a:p>
+          <a:p>
+            <a:r>
+              <a:rPr lang="en-US" sz="2400" dirty="0"/>
+              <a:t>Please do your best to remain focused and alert, and keep your eyes fixed on the center of the screen. </a:t>
+            </a:r>
+          </a:p>
+          <a:p>
+            <a:endParaRPr lang="en-US" sz="2400" dirty="0"/>
+          </a:p>
+          <a:p>
+            <a:r>
+              <a:rPr lang="en-US" sz="2400" dirty="0"/>
+              <a:t>If you need a break, or have any questions, do not hesitate to ask the experimenter.</a:t>
+            </a:r>
+          </a:p>
+          <a:p>
+            <a:endParaRPr lang="en-US" sz="2400" dirty="0"/>
+          </a:p>
+          <a:p>
+            <a:r>
+              <a:rPr lang="en-US" sz="2400" dirty="0"/>
+              <a:t>We will start with a few practice trials, and you will have a chance to ask questions before starting the experiment.</a:t>
+            </a:r>
+          </a:p>
+          <a:p>
+            <a:r>
+              <a:rPr lang="en-US" sz="2400" b="1" dirty="0"/>
+              <a:t>Good luck!</a:t>
+            </a:r>
+            <a:endParaRPr lang="en-US" sz="2400" dirty="0"/>
+          </a:p>
+          <a:p>
+            <a:pPr algn="ctr"/>
+            <a:endParaRPr lang="en-US" sz="2400" dirty="0"/>
+          </a:p>
+          <a:p>
+            <a:pPr algn="ctr"/>
+            <a:r>
+              <a:rPr lang="en-US" sz="2400" dirty="0"/>
+              <a:t>Press the </a:t>
+            </a:r>
+            <a:r>
+              <a:rPr lang="en-US" sz="2400" b="1" dirty="0"/>
+              <a:t>right arrow key </a:t>
+            </a:r>
+            <a:r>
+              <a:rPr lang="en-US" sz="2400" dirty="0"/>
+              <a:t>to </a:t>
+            </a:r>
+            <a:r>
+              <a:rPr lang="en-US" sz="2400" b="1" dirty="0"/>
+              <a:t>start the experiment</a:t>
+            </a:r>
+            <a:r>
+              <a:rPr lang="en-US" sz="2400" dirty="0"/>
+              <a:t> or the </a:t>
+            </a:r>
+            <a:r>
+              <a:rPr lang="en-US" sz="2400" b="1" dirty="0"/>
+              <a:t>left arrow key</a:t>
+            </a:r>
+            <a:r>
+              <a:rPr lang="en-US" sz="2400" dirty="0"/>
+              <a:t> to return to the </a:t>
+            </a:r>
+            <a:r>
+              <a:rPr lang="en-US" sz="2400" b="1" dirty="0"/>
+              <a:t>previous slide</a:t>
+            </a:r>
+          </a:p>
+          <a:p>
+            <a:endParaRPr lang="en-US" sz="2400" dirty="0"/>
+          </a:p>
+          <a:p>
+            <a:endParaRPr lang="en-US" sz="2400" dirty="0"/>
+          </a:p>
+        </p:txBody>
+      </p:sp>
+    </p:spTree>
+    <p:extLst>
+      <p:ext uri="{BB962C8B-B14F-4D97-AF65-F5344CB8AC3E}">
+        <p14:creationId xmlns:p14="http://schemas.microsoft.com/office/powerpoint/2010/main" val="57290883"/>
       </p:ext>
     </p:extLst>
   </p:cSld>
@@ -3787,28 +5124,6 @@
           </a:bodyPr>
           <a:lstStyle/>
           <a:p>
-            <a:endParaRPr lang="en-US" sz="2400" dirty="0"/>
-          </a:p>
-          <a:p>
-            <a:r>
-              <a:rPr lang="en-US" sz="2400" dirty="0"/>
-              <a:t>The task of the current session is a </a:t>
-            </a:r>
-            <a:r>
-              <a:rPr lang="en-US" sz="2400" b="1" dirty="0"/>
-              <a:t>categorization task.</a:t>
-            </a:r>
-          </a:p>
-          <a:p>
-            <a:endParaRPr lang="en-US" sz="2400" b="1" dirty="0"/>
-          </a:p>
-          <a:p>
-            <a:r>
-              <a:rPr lang="en-US" sz="2400" dirty="0"/>
-              <a:t>The images will be shown for a very brief time. Your task is to discriminate whether a presented images is a kitchen or a bathroom.</a:t>
-            </a:r>
-          </a:p>
-          <a:p>
             <a:r>
               <a:rPr lang="en-US" sz="2400" b="1" dirty="0"/>
               <a:t>Press the ”F” button </a:t>
@@ -3819,22 +5134,43 @@
             </a:r>
             <a:r>
               <a:rPr lang="en-US" sz="2400" b="1" dirty="0"/>
-              <a:t>kitchen </a:t>
-            </a:r>
-            <a:r>
-              <a:rPr lang="en-US" sz="2400" dirty="0"/>
-              <a:t>and the</a:t>
-            </a:r>
-          </a:p>
-          <a:p>
+              <a:t>kitchen.</a:t>
+            </a:r>
+          </a:p>
+          <a:p>
+            <a:endParaRPr lang="en-US" sz="2400" dirty="0"/>
+          </a:p>
+          <a:p>
+            <a:r>
+              <a:rPr lang="en-US" sz="2400" dirty="0"/>
+              <a:t>When you see a </a:t>
+            </a:r>
             <a:r>
               <a:rPr lang="en-US" sz="2400" b="1" dirty="0"/>
-              <a:t>“J” button for a bathroom</a:t>
-            </a:r>
-            <a:r>
-              <a:rPr lang="en-US" sz="2400" dirty="0"/>
-              <a:t>. Please respond as quickly and as accurately as possible.</a:t>
-            </a:r>
+              <a:t>bathroom press the “J” button</a:t>
+            </a:r>
+            <a:r>
+              <a:rPr lang="en-US" sz="2400" dirty="0"/>
+              <a:t>. </a:t>
+            </a:r>
+          </a:p>
+          <a:p>
+            <a:endParaRPr lang="en-US" sz="2400" dirty="0"/>
+          </a:p>
+          <a:p>
+            <a:r>
+              <a:rPr lang="en-US" sz="2400" dirty="0"/>
+              <a:t>Please respond as quickly and as accurately as possible. After each block you will receive feedback about your accuracy.</a:t>
+            </a:r>
+          </a:p>
+          <a:p>
+            <a:endParaRPr lang="en-US" sz="2400" dirty="0"/>
+          </a:p>
+          <a:p>
+            <a:endParaRPr lang="en-US" sz="2400" dirty="0"/>
+          </a:p>
+          <a:p>
+            <a:endParaRPr lang="en-US" sz="2400" dirty="0"/>
           </a:p>
           <a:p>
             <a:endParaRPr lang="en-US" sz="2400" dirty="0"/>
@@ -3929,7 +5265,7 @@
         </p:blipFill>
         <p:spPr bwMode="auto">
           <a:xfrm>
-            <a:off x="3798163" y="3894454"/>
+            <a:off x="3798163" y="3344037"/>
             <a:ext cx="4595674" cy="1609188"/>
           </a:xfrm>
           <a:prstGeom prst="rect">
@@ -3966,7 +5302,7 @@
         </p:nvSpPr>
         <p:spPr>
           <a:xfrm>
-            <a:off x="6178858" y="4526988"/>
+            <a:off x="6178858" y="3976571"/>
             <a:ext cx="301841" cy="301841"/>
           </a:xfrm>
           <a:prstGeom prst="rect">
@@ -4020,7 +5356,7 @@
         </p:nvCxnSpPr>
         <p:spPr>
           <a:xfrm flipV="1">
-            <a:off x="6480699" y="4669654"/>
+            <a:off x="6480699" y="4119237"/>
             <a:ext cx="2236589" cy="8255"/>
           </a:xfrm>
           <a:prstGeom prst="line">
@@ -4061,7 +5397,7 @@
         </p:nvSpPr>
         <p:spPr>
           <a:xfrm>
-            <a:off x="5251725" y="4526988"/>
+            <a:off x="5251725" y="3976571"/>
             <a:ext cx="301841" cy="301841"/>
           </a:xfrm>
           <a:prstGeom prst="rect">
@@ -4113,7 +5449,7 @@
         </p:nvCxnSpPr>
         <p:spPr>
           <a:xfrm>
-            <a:off x="3474712" y="4658903"/>
+            <a:off x="3474712" y="4108486"/>
             <a:ext cx="1777013" cy="0"/>
           </a:xfrm>
           <a:prstGeom prst="line">
@@ -4168,7 +5504,7 @@
         </p:blipFill>
         <p:spPr>
           <a:xfrm>
-            <a:off x="8717288" y="3965385"/>
+            <a:off x="8717288" y="3414968"/>
             <a:ext cx="1878048" cy="1408537"/>
           </a:xfrm>
           <a:prstGeom prst="rect">
@@ -4212,7 +5548,7 @@
         </p:blipFill>
         <p:spPr>
           <a:xfrm>
-            <a:off x="1583184" y="3973846"/>
+            <a:off x="1583184" y="3423429"/>
             <a:ext cx="1878048" cy="1408124"/>
           </a:xfrm>
           <a:prstGeom prst="rect">
@@ -4263,8 +5599,8 @@
         </p:nvSpPr>
         <p:spPr>
           <a:xfrm>
-            <a:off x="2178287" y="315671"/>
-            <a:ext cx="7774486" cy="7478970"/>
+            <a:off x="2178287" y="575342"/>
+            <a:ext cx="7774486" cy="6740307"/>
           </a:xfrm>
           <a:prstGeom prst="rect">
             <a:avLst/>
@@ -4277,123 +5613,92 @@
           </a:bodyPr>
           <a:lstStyle/>
           <a:p>
-            <a:endParaRPr lang="en-US" sz="2400" dirty="0"/>
-          </a:p>
-          <a:p>
-            <a:r>
-              <a:rPr lang="en-US" sz="2400" dirty="0"/>
-              <a:t>The task of the current session is a </a:t>
+            <a:r>
+              <a:rPr lang="en-US" sz="2400" dirty="0"/>
+              <a:t>Welcome to the experiment!</a:t>
+            </a:r>
+          </a:p>
+          <a:p>
+            <a:r>
+              <a:rPr lang="en-US" sz="2400" dirty="0"/>
+              <a:t>You will perform a </a:t>
             </a:r>
             <a:r>
               <a:rPr lang="en-US" sz="2400" b="1" dirty="0"/>
-              <a:t>categorization task.</a:t>
-            </a:r>
-          </a:p>
-          <a:p>
-            <a:endParaRPr lang="en-US" sz="2400" b="1" dirty="0"/>
-          </a:p>
-          <a:p>
-            <a:r>
-              <a:rPr lang="en-US" sz="2400" dirty="0"/>
-              <a:t>The images will be shown for a very brief time. Your task is to discriminate whether a presented images is a kitchen or a bathroom.</a:t>
-            </a:r>
-          </a:p>
-          <a:p>
+              <a:t>rating task.</a:t>
+            </a:r>
+            <a:endParaRPr lang="en-US" sz="2400" dirty="0"/>
+          </a:p>
+          <a:p>
+            <a:endParaRPr lang="en-US" sz="2400" dirty="0"/>
+          </a:p>
+          <a:p>
+            <a:r>
+              <a:rPr lang="en-US" sz="2400" dirty="0"/>
+              <a:t>Will present you with images of </a:t>
+            </a:r>
             <a:r>
               <a:rPr lang="en-US" sz="2400" b="1" dirty="0"/>
-              <a:t>Press the ”J” button </a:t>
-            </a:r>
-            <a:r>
-              <a:rPr lang="en-US" sz="2400" dirty="0"/>
-              <a:t>whenever you see a </a:t>
+              <a:t>kitchens</a:t>
+            </a:r>
+            <a:r>
+              <a:rPr lang="en-US" sz="2400" dirty="0"/>
+              <a:t>. The images will be shown for 1.5 seconds. Your task is to rate your personal experience of the image a scale from </a:t>
             </a:r>
             <a:r>
               <a:rPr lang="en-US" sz="2400" b="1" dirty="0"/>
-              <a:t>kitchen </a:t>
-            </a:r>
-            <a:r>
-              <a:rPr lang="en-US" sz="2400" dirty="0"/>
-              <a:t>and </a:t>
-            </a:r>
-            <a:r>
-              <a:rPr lang="en-US" sz="2400"/>
-              <a:t>the </a:t>
-            </a:r>
-          </a:p>
-          <a:p>
-            <a:r>
-              <a:rPr lang="en-US" sz="2400" b="1"/>
-              <a:t>“</a:t>
+              <a:t>1 to 7.</a:t>
+            </a:r>
+          </a:p>
+          <a:p>
+            <a:endParaRPr lang="en-US" sz="2400" dirty="0"/>
+          </a:p>
+          <a:p>
+            <a:endParaRPr lang="en-US" sz="2400" dirty="0"/>
+          </a:p>
+          <a:p>
+            <a:endParaRPr lang="en-US" sz="2400" dirty="0"/>
+          </a:p>
+          <a:p>
+            <a:endParaRPr lang="en-US" sz="2400" dirty="0"/>
+          </a:p>
+          <a:p>
+            <a:endParaRPr lang="en-US" sz="2400" dirty="0"/>
+          </a:p>
+          <a:p>
+            <a:endParaRPr lang="en-US" sz="2400" dirty="0"/>
+          </a:p>
+          <a:p>
+            <a:endParaRPr lang="en-US" sz="2400" dirty="0"/>
+          </a:p>
+          <a:p>
+            <a:pPr algn="ctr"/>
+            <a:endParaRPr lang="en-US" sz="2400" dirty="0"/>
+          </a:p>
+          <a:p>
+            <a:pPr algn="ctr"/>
+            <a:endParaRPr lang="en-US" sz="2400" dirty="0"/>
+          </a:p>
+          <a:p>
+            <a:pPr algn="ctr"/>
+            <a:r>
+              <a:rPr lang="en-US" sz="2400" dirty="0"/>
+              <a:t>Press the </a:t>
             </a:r>
             <a:r>
               <a:rPr lang="en-US" sz="2400" b="1" dirty="0"/>
-              <a:t>F” button for a bathroom</a:t>
-            </a:r>
-            <a:r>
-              <a:rPr lang="en-US" sz="2400" dirty="0"/>
-              <a:t>. Please respond as quickly and as accurately as possible.</a:t>
-            </a:r>
-          </a:p>
-          <a:p>
-            <a:endParaRPr lang="en-US" sz="2400" dirty="0"/>
-          </a:p>
-          <a:p>
-            <a:endParaRPr lang="en-US" sz="2400" dirty="0"/>
-          </a:p>
-          <a:p>
-            <a:endParaRPr lang="en-US" sz="2400" dirty="0"/>
-          </a:p>
-          <a:p>
-            <a:endParaRPr lang="en-US" sz="2400" dirty="0"/>
-          </a:p>
-          <a:p>
-            <a:endParaRPr lang="en-US" sz="2400" dirty="0"/>
-          </a:p>
-          <a:p>
-            <a:pPr algn="ctr"/>
-            <a:endParaRPr lang="en-US" sz="2400" dirty="0"/>
-          </a:p>
-          <a:p>
-            <a:pPr algn="ctr"/>
-            <a:r>
-              <a:rPr lang="en-US" sz="2400" dirty="0"/>
-              <a:t>Press the </a:t>
-            </a:r>
-            <a:r>
-              <a:rPr lang="en-US" sz="2400" b="1" dirty="0"/>
-              <a:t>right arrow key </a:t>
-            </a:r>
-            <a:r>
-              <a:rPr lang="en-US" sz="2400" dirty="0"/>
-              <a:t>to </a:t>
-            </a:r>
-            <a:r>
-              <a:rPr lang="en-US" sz="2400" b="1" dirty="0"/>
-              <a:t>proceed</a:t>
-            </a:r>
-            <a:r>
-              <a:rPr lang="en-US" sz="2400" dirty="0"/>
-              <a:t> or the </a:t>
-            </a:r>
-            <a:r>
-              <a:rPr lang="en-US" sz="2400" b="1" dirty="0"/>
-              <a:t>left arrow key</a:t>
-            </a:r>
-            <a:r>
-              <a:rPr lang="en-US" sz="2400" dirty="0"/>
-              <a:t> to return to the </a:t>
-            </a:r>
-            <a:r>
-              <a:rPr lang="en-US" sz="2400" b="1" dirty="0"/>
-              <a:t>previous slide</a:t>
-            </a:r>
-          </a:p>
-          <a:p>
-            <a:pPr algn="ctr"/>
-            <a:endParaRPr lang="en-US" sz="2400" dirty="0"/>
-          </a:p>
-          <a:p>
-            <a:endParaRPr lang="en-US" sz="2400" dirty="0"/>
+              <a:t>right arrow key</a:t>
+            </a:r>
+            <a:r>
+              <a:rPr lang="en-US" sz="2400" dirty="0"/>
+              <a:t> to proceed</a:t>
+            </a:r>
+          </a:p>
+          <a:p>
+            <a:r>
+              <a:rPr lang="en-US" sz="2400" dirty="0"/>
+              <a:t> </a:t>
+            </a:r>
           </a:p>
           <a:p>
             <a:endParaRPr lang="en-US" sz="2400" dirty="0"/>
@@ -4402,248 +5707,10 @@
       </p:sp>
       <p:pic>
         <p:nvPicPr>
-          <p:cNvPr id="1028" name="Picture 4" descr="German (Germany) Keyboard Labels - DSI Computer Keyboards">
+          <p:cNvPr id="12" name="Picture 11" descr="A kitchen with white cabinets and appliances&#10;&#10;Description automatically generated">
             <a:extLst>
               <a:ext uri="{FF2B5EF4-FFF2-40B4-BE49-F238E27FC236}">
-                <a16:creationId xmlns:a16="http://schemas.microsoft.com/office/drawing/2014/main" id="{54921F55-1CC2-E0AA-F781-B13E39422D11}"/>
-              </a:ext>
-            </a:extLst>
-          </p:cNvPr>
-          <p:cNvPicPr>
-            <a:picLocks noChangeAspect="1" noChangeArrowheads="1"/>
-          </p:cNvPicPr>
-          <p:nvPr/>
-        </p:nvPicPr>
-        <p:blipFill rotWithShape="1">
-          <a:blip r:embed="rId2" cstate="hqprint">
-            <a:extLst>
-              <a:ext uri="{28A0092B-C50C-407E-A947-70E740481C1C}">
-                <a14:useLocalDpi xmlns:a14="http://schemas.microsoft.com/office/drawing/2010/main" val="0"/>
-              </a:ext>
-            </a:extLst>
-          </a:blip>
-          <a:srcRect/>
-          <a:stretch/>
-        </p:blipFill>
-        <p:spPr bwMode="auto">
-          <a:xfrm>
-            <a:off x="3798163" y="3894454"/>
-            <a:ext cx="4595674" cy="1609188"/>
-          </a:xfrm>
-          <a:prstGeom prst="rect">
-            <a:avLst/>
-          </a:prstGeom>
-          <a:noFill/>
-          <a:ln>
-            <a:solidFill>
-              <a:schemeClr val="bg1"/>
-            </a:solidFill>
-          </a:ln>
-          <a:extLst>
-            <a:ext uri="{909E8E84-426E-40DD-AFC4-6F175D3DCCD1}">
-              <a14:hiddenFill xmlns:a14="http://schemas.microsoft.com/office/drawing/2010/main">
-                <a:solidFill>
-                  <a:srgbClr val="FFFFFF"/>
-                </a:solidFill>
-              </a14:hiddenFill>
-            </a:ext>
-          </a:extLst>
-        </p:spPr>
-      </p:pic>
-      <p:sp>
-        <p:nvSpPr>
-          <p:cNvPr id="15" name="Rectangle 14">
-            <a:extLst>
-              <a:ext uri="{FF2B5EF4-FFF2-40B4-BE49-F238E27FC236}">
-                <a16:creationId xmlns:a16="http://schemas.microsoft.com/office/drawing/2014/main" id="{97743DB1-FA0C-37E7-E303-A1AF55B8C84A}"/>
-              </a:ext>
-            </a:extLst>
-          </p:cNvPr>
-          <p:cNvSpPr/>
-          <p:nvPr/>
-        </p:nvSpPr>
-        <p:spPr>
-          <a:xfrm>
-            <a:off x="6178858" y="4527696"/>
-            <a:ext cx="301841" cy="301841"/>
-          </a:xfrm>
-          <a:prstGeom prst="rect">
-            <a:avLst/>
-          </a:prstGeom>
-          <a:noFill/>
-          <a:ln w="28575">
-            <a:solidFill>
-              <a:srgbClr val="00B0F0"/>
-            </a:solidFill>
-          </a:ln>
-        </p:spPr>
-        <p:style>
-          <a:lnRef idx="1">
-            <a:schemeClr val="accent1"/>
-          </a:lnRef>
-          <a:fillRef idx="3">
-            <a:schemeClr val="accent1"/>
-          </a:fillRef>
-          <a:effectRef idx="2">
-            <a:schemeClr val="accent1"/>
-          </a:effectRef>
-          <a:fontRef idx="minor">
-            <a:schemeClr val="lt1"/>
-          </a:fontRef>
-        </p:style>
-        <p:txBody>
-          <a:bodyPr rtlCol="0" anchor="ctr"/>
-          <a:lstStyle/>
-          <a:p>
-            <a:pPr algn="ctr"/>
-            <a:endParaRPr lang="en-US"/>
-          </a:p>
-        </p:txBody>
-      </p:sp>
-      <p:cxnSp>
-        <p:nvCxnSpPr>
-          <p:cNvPr id="17" name="Straight Connector 16">
-            <a:extLst>
-              <a:ext uri="{FF2B5EF4-FFF2-40B4-BE49-F238E27FC236}">
-                <a16:creationId xmlns:a16="http://schemas.microsoft.com/office/drawing/2014/main" id="{BA3039BC-4FF1-DE75-D33F-9B39A4FF01A4}"/>
-              </a:ext>
-            </a:extLst>
-          </p:cNvPr>
-          <p:cNvCxnSpPr>
-            <a:cxnSpLocks/>
-            <a:stCxn id="15" idx="3"/>
-            <a:endCxn id="3" idx="1"/>
-          </p:cNvCxnSpPr>
-          <p:nvPr/>
-        </p:nvCxnSpPr>
-        <p:spPr>
-          <a:xfrm flipV="1">
-            <a:off x="6480699" y="4669654"/>
-            <a:ext cx="2250069" cy="8963"/>
-          </a:xfrm>
-          <a:prstGeom prst="line">
-            <a:avLst/>
-          </a:prstGeom>
-          <a:ln>
-            <a:solidFill>
-              <a:srgbClr val="00B0F0"/>
-            </a:solidFill>
-          </a:ln>
-        </p:spPr>
-        <p:style>
-          <a:lnRef idx="2">
-            <a:schemeClr val="accent1"/>
-          </a:lnRef>
-          <a:fillRef idx="0">
-            <a:schemeClr val="accent1"/>
-          </a:fillRef>
-          <a:effectRef idx="1">
-            <a:schemeClr val="accent1"/>
-          </a:effectRef>
-          <a:fontRef idx="minor">
-            <a:schemeClr val="tx1"/>
-          </a:fontRef>
-        </p:style>
-      </p:cxnSp>
-      <p:sp>
-        <p:nvSpPr>
-          <p:cNvPr id="20" name="Rectangle 19">
-            <a:extLst>
-              <a:ext uri="{FF2B5EF4-FFF2-40B4-BE49-F238E27FC236}">
-                <a16:creationId xmlns:a16="http://schemas.microsoft.com/office/drawing/2014/main" id="{5D09B655-9AE2-CD82-FD32-3842B4E7CE51}"/>
-              </a:ext>
-            </a:extLst>
-          </p:cNvPr>
-          <p:cNvSpPr/>
-          <p:nvPr/>
-        </p:nvSpPr>
-        <p:spPr>
-          <a:xfrm>
-            <a:off x="5251725" y="4526988"/>
-            <a:ext cx="301841" cy="301841"/>
-          </a:xfrm>
-          <a:prstGeom prst="rect">
-            <a:avLst/>
-          </a:prstGeom>
-          <a:noFill/>
-          <a:ln w="28575">
-            <a:solidFill>
-              <a:srgbClr val="FF66FF"/>
-            </a:solidFill>
-          </a:ln>
-        </p:spPr>
-        <p:style>
-          <a:lnRef idx="1">
-            <a:schemeClr val="accent1"/>
-          </a:lnRef>
-          <a:fillRef idx="3">
-            <a:schemeClr val="accent1"/>
-          </a:fillRef>
-          <a:effectRef idx="2">
-            <a:schemeClr val="accent1"/>
-          </a:effectRef>
-          <a:fontRef idx="minor">
-            <a:schemeClr val="lt1"/>
-          </a:fontRef>
-        </p:style>
-        <p:txBody>
-          <a:bodyPr rtlCol="0" anchor="ctr"/>
-          <a:lstStyle/>
-          <a:p>
-            <a:pPr algn="ctr"/>
-            <a:endParaRPr lang="en-US"/>
-          </a:p>
-        </p:txBody>
-      </p:sp>
-      <p:cxnSp>
-        <p:nvCxnSpPr>
-          <p:cNvPr id="21" name="Straight Connector 20">
-            <a:extLst>
-              <a:ext uri="{FF2B5EF4-FFF2-40B4-BE49-F238E27FC236}">
-                <a16:creationId xmlns:a16="http://schemas.microsoft.com/office/drawing/2014/main" id="{7E196047-6CDC-E235-C9D7-35AC5696AAD3}"/>
-              </a:ext>
-            </a:extLst>
-          </p:cNvPr>
-          <p:cNvCxnSpPr>
-            <a:cxnSpLocks/>
-          </p:cNvCxnSpPr>
-          <p:nvPr/>
-        </p:nvCxnSpPr>
-        <p:spPr>
-          <a:xfrm>
-            <a:off x="3474712" y="4658903"/>
-            <a:ext cx="1777013" cy="0"/>
-          </a:xfrm>
-          <a:prstGeom prst="line">
-            <a:avLst/>
-          </a:prstGeom>
-          <a:ln>
-            <a:solidFill>
-              <a:srgbClr val="FF66FF"/>
-            </a:solidFill>
-          </a:ln>
-        </p:spPr>
-        <p:style>
-          <a:lnRef idx="2">
-            <a:schemeClr val="accent1"/>
-          </a:lnRef>
-          <a:fillRef idx="0">
-            <a:schemeClr val="accent1"/>
-          </a:fillRef>
-          <a:effectRef idx="1">
-            <a:schemeClr val="accent1"/>
-          </a:effectRef>
-          <a:fontRef idx="minor">
-            <a:schemeClr val="tx1"/>
-          </a:fontRef>
-        </p:style>
-      </p:cxnSp>
-      <p:pic>
-        <p:nvPicPr>
-          <p:cNvPr id="3" name="Picture 2" descr="A kitchen with white cabinets and appliances&#10;&#10;Description automatically generated">
-            <a:extLst>
-              <a:ext uri="{FF2B5EF4-FFF2-40B4-BE49-F238E27FC236}">
-                <a16:creationId xmlns:a16="http://schemas.microsoft.com/office/drawing/2014/main" id="{203BE947-F453-4732-6E5E-DE77E119B2E2}"/>
+                <a16:creationId xmlns:a16="http://schemas.microsoft.com/office/drawing/2014/main" id="{338039F2-14B5-BB5E-4368-E9B77A849C77}"/>
               </a:ext>
             </a:extLst>
           </p:cNvPr>
@@ -4653,7 +5720,7 @@
           <p:nvPr/>
         </p:nvPicPr>
         <p:blipFill>
-          <a:blip r:embed="rId3" cstate="hqprint">
+          <a:blip r:embed="rId2" cstate="hqprint">
             <a:extLst>
               <a:ext uri="{28A0092B-C50C-407E-A947-70E740481C1C}">
                 <a14:useLocalDpi xmlns:a14="http://schemas.microsoft.com/office/drawing/2010/main" val="0"/>
@@ -4666,8 +5733,8 @@
         </p:blipFill>
         <p:spPr>
           <a:xfrm>
-            <a:off x="8730768" y="3965592"/>
-            <a:ext cx="1878048" cy="1408124"/>
+            <a:off x="4742608" y="3429000"/>
+            <a:ext cx="2706783" cy="2029493"/>
           </a:xfrm>
           <a:prstGeom prst="rect">
             <a:avLst/>
@@ -4679,54 +5746,10 @@
           </a:ln>
         </p:spPr>
       </p:pic>
-      <p:pic>
-        <p:nvPicPr>
-          <p:cNvPr id="14" name="Picture 13" descr="A bathroom with a sink and toilet&#10;&#10;Description automatically generated">
-            <a:extLst>
-              <a:ext uri="{FF2B5EF4-FFF2-40B4-BE49-F238E27FC236}">
-                <a16:creationId xmlns:a16="http://schemas.microsoft.com/office/drawing/2014/main" id="{915BF254-634A-721C-649A-E789B159443A}"/>
-              </a:ext>
-            </a:extLst>
-          </p:cNvPr>
-          <p:cNvPicPr>
-            <a:picLocks noChangeAspect="1"/>
-          </p:cNvPicPr>
-          <p:nvPr/>
-        </p:nvPicPr>
-        <p:blipFill>
-          <a:blip r:embed="rId4" cstate="hqprint">
-            <a:extLst>
-              <a:ext uri="{28A0092B-C50C-407E-A947-70E740481C1C}">
-                <a14:useLocalDpi xmlns:a14="http://schemas.microsoft.com/office/drawing/2010/main" val="0"/>
-              </a:ext>
-            </a:extLst>
-          </a:blip>
-          <a:stretch>
-            <a:fillRect/>
-          </a:stretch>
-        </p:blipFill>
-        <p:spPr>
-          <a:xfrm>
-            <a:off x="1583184" y="3954634"/>
-            <a:ext cx="1878048" cy="1408537"/>
-          </a:xfrm>
-          <a:prstGeom prst="rect">
-            <a:avLst/>
-          </a:prstGeom>
-          <a:solidFill>
-            <a:srgbClr val="FF66FF"/>
-          </a:solidFill>
-          <a:ln w="28575">
-            <a:solidFill>
-              <a:srgbClr val="FF66FF"/>
-            </a:solidFill>
-          </a:ln>
-        </p:spPr>
-      </p:pic>
     </p:spTree>
     <p:extLst>
       <p:ext uri="{BB962C8B-B14F-4D97-AF65-F5344CB8AC3E}">
-        <p14:creationId xmlns:p14="http://schemas.microsoft.com/office/powerpoint/2010/main" val="2998264015"/>
+        <p14:creationId xmlns:p14="http://schemas.microsoft.com/office/powerpoint/2010/main" val="4137375922"/>
       </p:ext>
     </p:extLst>
   </p:cSld>
@@ -4761,6 +5784,194 @@
         </p:nvSpPr>
         <p:spPr>
           <a:xfrm>
+            <a:off x="2178287" y="575342"/>
+            <a:ext cx="7774486" cy="6740307"/>
+          </a:xfrm>
+          <a:prstGeom prst="rect">
+            <a:avLst/>
+          </a:prstGeom>
+          <a:noFill/>
+        </p:spPr>
+        <p:txBody>
+          <a:bodyPr wrap="square" rtlCol="0">
+            <a:spAutoFit/>
+          </a:bodyPr>
+          <a:lstStyle/>
+          <a:p>
+            <a:r>
+              <a:rPr lang="en-US" sz="2400" dirty="0"/>
+              <a:t>Welcome to the experiment!</a:t>
+            </a:r>
+          </a:p>
+          <a:p>
+            <a:r>
+              <a:rPr lang="en-US" sz="2400" dirty="0"/>
+              <a:t>You will perform a </a:t>
+            </a:r>
+            <a:r>
+              <a:rPr lang="en-US" sz="2400" b="1" dirty="0"/>
+              <a:t>rating task.</a:t>
+            </a:r>
+            <a:endParaRPr lang="en-US" sz="2400" dirty="0"/>
+          </a:p>
+          <a:p>
+            <a:endParaRPr lang="en-US" sz="2400" dirty="0"/>
+          </a:p>
+          <a:p>
+            <a:r>
+              <a:rPr lang="en-US" sz="2400" dirty="0"/>
+              <a:t>Will present you with images of </a:t>
+            </a:r>
+            <a:r>
+              <a:rPr lang="en-US" sz="2400" b="1" dirty="0"/>
+              <a:t>bathrooms</a:t>
+            </a:r>
+            <a:r>
+              <a:rPr lang="en-US" sz="2400" dirty="0"/>
+              <a:t>. The images will be shown for 1.5 seconds. Your task is to rate your personal experience of the image a scale from </a:t>
+            </a:r>
+            <a:r>
+              <a:rPr lang="en-US" sz="2400" b="1" dirty="0"/>
+              <a:t>1 to 7.</a:t>
+            </a:r>
+          </a:p>
+          <a:p>
+            <a:endParaRPr lang="en-US" sz="2400" dirty="0"/>
+          </a:p>
+          <a:p>
+            <a:endParaRPr lang="en-US" sz="2400" dirty="0"/>
+          </a:p>
+          <a:p>
+            <a:endParaRPr lang="en-US" sz="2400" dirty="0"/>
+          </a:p>
+          <a:p>
+            <a:endParaRPr lang="en-US" sz="2400" dirty="0"/>
+          </a:p>
+          <a:p>
+            <a:endParaRPr lang="en-US" sz="2400" dirty="0"/>
+          </a:p>
+          <a:p>
+            <a:endParaRPr lang="en-US" sz="2400" dirty="0"/>
+          </a:p>
+          <a:p>
+            <a:endParaRPr lang="en-US" sz="2400" dirty="0"/>
+          </a:p>
+          <a:p>
+            <a:pPr algn="ctr"/>
+            <a:endParaRPr lang="en-US" sz="2400" dirty="0"/>
+          </a:p>
+          <a:p>
+            <a:pPr algn="ctr"/>
+            <a:endParaRPr lang="en-US" sz="2400" dirty="0"/>
+          </a:p>
+          <a:p>
+            <a:pPr algn="ctr"/>
+            <a:r>
+              <a:rPr lang="en-US" sz="2400" dirty="0"/>
+              <a:t>Press the </a:t>
+            </a:r>
+            <a:r>
+              <a:rPr lang="en-US" sz="2400" b="1" dirty="0"/>
+              <a:t>right arrow key</a:t>
+            </a:r>
+            <a:r>
+              <a:rPr lang="en-US" sz="2400" dirty="0"/>
+              <a:t> to proceed</a:t>
+            </a:r>
+          </a:p>
+          <a:p>
+            <a:r>
+              <a:rPr lang="en-US" sz="2400" dirty="0"/>
+              <a:t> </a:t>
+            </a:r>
+          </a:p>
+          <a:p>
+            <a:endParaRPr lang="en-US" sz="2400" dirty="0"/>
+          </a:p>
+        </p:txBody>
+      </p:sp>
+      <p:pic>
+        <p:nvPicPr>
+          <p:cNvPr id="9" name="Picture 8" descr="A bathroom with a sink and toilet&#10;&#10;Description automatically generated">
+            <a:extLst>
+              <a:ext uri="{FF2B5EF4-FFF2-40B4-BE49-F238E27FC236}">
+                <a16:creationId xmlns:a16="http://schemas.microsoft.com/office/drawing/2014/main" id="{1A89498A-8CFB-C0CE-E327-0F29E32E2FBD}"/>
+              </a:ext>
+            </a:extLst>
+          </p:cNvPr>
+          <p:cNvPicPr>
+            <a:picLocks noChangeAspect="1"/>
+          </p:cNvPicPr>
+          <p:nvPr/>
+        </p:nvPicPr>
+        <p:blipFill>
+          <a:blip r:embed="rId2" cstate="hqprint">
+            <a:extLst>
+              <a:ext uri="{28A0092B-C50C-407E-A947-70E740481C1C}">
+                <a14:useLocalDpi xmlns:a14="http://schemas.microsoft.com/office/drawing/2010/main" val="0"/>
+              </a:ext>
+            </a:extLst>
+          </a:blip>
+          <a:stretch>
+            <a:fillRect/>
+          </a:stretch>
+        </p:blipFill>
+        <p:spPr>
+          <a:xfrm>
+            <a:off x="4742608" y="3336458"/>
+            <a:ext cx="2706783" cy="2030087"/>
+          </a:xfrm>
+          <a:prstGeom prst="rect">
+            <a:avLst/>
+          </a:prstGeom>
+          <a:solidFill>
+            <a:schemeClr val="tx1"/>
+          </a:solidFill>
+          <a:ln w="28575">
+            <a:solidFill>
+              <a:srgbClr val="FF66FF"/>
+            </a:solidFill>
+          </a:ln>
+        </p:spPr>
+      </p:pic>
+    </p:spTree>
+    <p:extLst>
+      <p:ext uri="{BB962C8B-B14F-4D97-AF65-F5344CB8AC3E}">
+        <p14:creationId xmlns:p14="http://schemas.microsoft.com/office/powerpoint/2010/main" val="3355149081"/>
+      </p:ext>
+    </p:extLst>
+  </p:cSld>
+  <p:clrMapOvr>
+    <a:masterClrMapping/>
+  </p:clrMapOvr>
+</p:sld>
+</file>
+
+<file path=ppt/slides/slide5.xml><?xml version="1.0" encoding="utf-8"?>
+<p:sld xmlns:a="http://schemas.openxmlformats.org/drawingml/2006/main" xmlns:r="http://schemas.openxmlformats.org/officeDocument/2006/relationships" xmlns:p="http://schemas.openxmlformats.org/presentationml/2006/main">
+  <p:cSld>
+    <p:spTree>
+      <p:nvGrpSpPr>
+        <p:cNvPr id="1" name=""/>
+        <p:cNvGrpSpPr/>
+        <p:nvPr/>
+      </p:nvGrpSpPr>
+      <p:grpSpPr>
+        <a:xfrm>
+          <a:off x="0" y="0"/>
+          <a:ext cx="0" cy="0"/>
+          <a:chOff x="0" y="0"/>
+          <a:chExt cx="0" cy="0"/>
+        </a:xfrm>
+      </p:grpSpPr>
+      <p:sp>
+        <p:nvSpPr>
+          <p:cNvPr id="4" name="TextBox 3"/>
+          <p:cNvSpPr txBox="1"/>
+          <p:nvPr/>
+        </p:nvSpPr>
+        <p:spPr>
+          <a:xfrm>
             <a:off x="2178287" y="315671"/>
             <a:ext cx="7774486" cy="7478970"/>
           </a:xfrm>
@@ -4775,41 +5986,123 @@
           </a:bodyPr>
           <a:lstStyle/>
           <a:p>
-            <a:endParaRPr lang="en-US" sz="2400" dirty="0"/>
-          </a:p>
-          <a:p>
-            <a:r>
-              <a:rPr lang="en-US" sz="2400" dirty="0"/>
-              <a:t>The task of the current session is a </a:t>
+            <a:r>
+              <a:rPr lang="en-US" sz="2400" dirty="0"/>
+              <a:t>The rating task will be on </a:t>
             </a:r>
             <a:r>
               <a:rPr lang="en-US" sz="2400" b="1" dirty="0"/>
-              <a:t>rating task.</a:t>
+              <a:t>typicality.</a:t>
             </a:r>
           </a:p>
           <a:p>
             <a:endParaRPr lang="en-US" sz="2400" b="1" dirty="0"/>
           </a:p>
           <a:p>
-            <a:r>
-              <a:rPr lang="en-US" sz="2400" dirty="0"/>
-              <a:t>You will see an images of a kitchen or a bathroom for 1.5 sec. Your task is to rate the image according to your personal judgment of </a:t>
-            </a:r>
-            <a:r>
-              <a:rPr lang="en-US" sz="2400" b="1" dirty="0"/>
-              <a:t>typicality </a:t>
-            </a:r>
-            <a:r>
-              <a:rPr lang="en-US" sz="2400" dirty="0"/>
-              <a:t>on a scale from </a:t>
-            </a:r>
-            <a:r>
-              <a:rPr lang="en-US" sz="2400" b="1" dirty="0"/>
-              <a:t>1 to 7.</a:t>
-            </a:r>
-          </a:p>
-          <a:p>
-            <a:endParaRPr lang="en-US" sz="2400" b="1" dirty="0"/>
+            <a:pPr marL="0" marR="0" lvl="0" indent="0" algn="l" defTabSz="914400" rtl="0" eaLnBrk="0" fontAlgn="base" latinLnBrk="0" hangingPunct="0">
+              <a:lnSpc>
+                <a:spcPct val="100000"/>
+              </a:lnSpc>
+              <a:spcBef>
+                <a:spcPct val="0"/>
+              </a:spcBef>
+              <a:spcAft>
+                <a:spcPct val="0"/>
+              </a:spcAft>
+              <a:buClrTx/>
+              <a:buSzTx/>
+              <a:buFontTx/>
+              <a:buNone/>
+              <a:tabLst/>
+            </a:pPr>
+            <a:r>
+              <a:rPr kumimoji="0" lang="en-US" altLang="en-US" sz="2400" b="0" i="0" u="none" strike="noStrike" cap="none" normalizeH="0" baseline="0" dirty="0">
+                <a:ln>
+                  <a:noFill/>
+                </a:ln>
+                <a:solidFill>
+                  <a:schemeClr val="tx1"/>
+                </a:solidFill>
+                <a:effectLst/>
+              </a:rPr>
+              <a:t>Please provide your judgment on the extent to which</a:t>
+            </a:r>
+            <a:r>
+              <a:rPr kumimoji="0" lang="en-US" altLang="en-US" sz="2400" b="0" i="0" u="none" strike="noStrike" cap="none" normalizeH="0" baseline="0" dirty="0">
+                <a:ln>
+                  <a:noFill/>
+                </a:ln>
+                <a:solidFill>
+                  <a:srgbClr val="0F0F0F"/>
+                </a:solidFill>
+                <a:effectLst/>
+              </a:rPr>
+              <a:t> the presented scene is a typical representati</a:t>
+            </a:r>
+            <a:r>
+              <a:rPr kumimoji="0" lang="en-US" altLang="en-US" sz="2400" b="0" i="0" u="none" strike="noStrike" cap="none" normalizeH="0" baseline="0" dirty="0">
+                <a:ln>
+                  <a:noFill/>
+                </a:ln>
+                <a:solidFill>
+                  <a:schemeClr val="tx1"/>
+                </a:solidFill>
+                <a:effectLst/>
+              </a:rPr>
+              <a:t>ve </a:t>
+            </a:r>
+            <a:r>
+              <a:rPr kumimoji="0" lang="en-US" altLang="en-US" sz="2400" b="0" i="0" u="none" strike="noStrike" cap="none" normalizeH="0" baseline="0" dirty="0">
+                <a:ln>
+                  <a:noFill/>
+                </a:ln>
+                <a:solidFill>
+                  <a:srgbClr val="0F0F0F"/>
+                </a:solidFill>
+                <a:effectLst/>
+              </a:rPr>
+              <a:t>of its </a:t>
+            </a:r>
+            <a:r>
+              <a:rPr kumimoji="0" lang="en-US" altLang="en-US" sz="2400" b="0" i="0" u="none" strike="noStrike" cap="none" normalizeH="0" baseline="0" dirty="0">
+                <a:ln>
+                  <a:noFill/>
+                </a:ln>
+                <a:solidFill>
+                  <a:schemeClr val="tx1"/>
+                </a:solidFill>
+                <a:effectLst/>
+              </a:rPr>
+              <a:t>scene </a:t>
+            </a:r>
+            <a:r>
+              <a:rPr kumimoji="0" lang="en-US" altLang="en-US" sz="2400" b="0" i="0" u="none" strike="noStrike" cap="none" normalizeH="0" baseline="0" dirty="0">
+                <a:ln>
+                  <a:noFill/>
+                </a:ln>
+                <a:solidFill>
+                  <a:srgbClr val="0F0F0F"/>
+                </a:solidFill>
+                <a:effectLst/>
+              </a:rPr>
+              <a:t>category (kitchen/bathroom).</a:t>
+            </a:r>
+            <a:r>
+              <a:rPr kumimoji="0" lang="en-US" altLang="en-US" sz="2400" b="0" i="0" u="none" strike="noStrike" cap="none" normalizeH="0" baseline="0" dirty="0">
+                <a:ln>
+                  <a:noFill/>
+                </a:ln>
+                <a:solidFill>
+                  <a:schemeClr val="tx1"/>
+                </a:solidFill>
+                <a:effectLst/>
+              </a:rPr>
+              <a:t> </a:t>
+            </a:r>
+            <a:endParaRPr lang="en-US" sz="2400" dirty="0"/>
+          </a:p>
+          <a:p>
+            <a:endParaRPr lang="en-US" sz="2400" dirty="0"/>
           </a:p>
           <a:p>
             <a:r>
@@ -4822,7 +6115,7 @@
             </a:r>
             <a:r>
               <a:rPr lang="en-US" sz="2400" dirty="0"/>
-              <a:t>exemplar of a kitchen/bathroom </a:t>
+              <a:t>exemplar of a </a:t>
             </a:r>
             <a:r>
               <a:rPr lang="en-US" sz="2400" b="1" dirty="0"/>
@@ -4855,9 +6148,15 @@
             </a:r>
           </a:p>
           <a:p>
-            <a:endParaRPr lang="en-US" sz="2400" dirty="0"/>
-          </a:p>
-          <a:p>
+            <a:pPr algn="ctr"/>
+            <a:endParaRPr lang="en-US" sz="2400" dirty="0"/>
+          </a:p>
+          <a:p>
+            <a:pPr algn="ctr"/>
+            <a:endParaRPr lang="en-US" sz="2400" dirty="0"/>
+          </a:p>
+          <a:p>
+            <a:pPr algn="ctr"/>
             <a:endParaRPr lang="en-US" sz="2400" dirty="0"/>
           </a:p>
           <a:p>
@@ -4942,7 +6241,7 @@
         </p:blipFill>
         <p:spPr bwMode="auto">
           <a:xfrm>
-            <a:off x="4285218" y="4897692"/>
+            <a:off x="4285218" y="4871063"/>
             <a:ext cx="3382407" cy="320846"/>
           </a:xfrm>
           <a:prstGeom prst="rect">
@@ -4979,7 +6278,7 @@
         </p:nvSpPr>
         <p:spPr>
           <a:xfrm>
-            <a:off x="6432080" y="4916696"/>
+            <a:off x="6432080" y="4890067"/>
             <a:ext cx="301841" cy="301841"/>
           </a:xfrm>
           <a:prstGeom prst="rect">
@@ -5032,7 +6331,7 @@
         </p:nvCxnSpPr>
         <p:spPr>
           <a:xfrm flipV="1">
-            <a:off x="6733921" y="5067616"/>
+            <a:off x="6733921" y="5040987"/>
             <a:ext cx="1333754" cy="1"/>
           </a:xfrm>
           <a:prstGeom prst="line">
@@ -5073,7 +6372,7 @@
         </p:nvSpPr>
         <p:spPr>
           <a:xfrm>
-            <a:off x="4586950" y="4916697"/>
+            <a:off x="4586950" y="4890068"/>
             <a:ext cx="301841" cy="301841"/>
           </a:xfrm>
           <a:prstGeom prst="rect">
@@ -5125,7 +6424,7 @@
         </p:nvCxnSpPr>
         <p:spPr>
           <a:xfrm>
-            <a:off x="4052009" y="5048612"/>
+            <a:off x="4052009" y="5021983"/>
             <a:ext cx="534941" cy="0"/>
           </a:xfrm>
           <a:prstGeom prst="line">
@@ -5166,7 +6465,7 @@
         </p:nvSpPr>
         <p:spPr>
           <a:xfrm>
-            <a:off x="3063213" y="4714182"/>
+            <a:off x="3063213" y="4687553"/>
             <a:ext cx="988796" cy="772218"/>
           </a:xfrm>
           <a:prstGeom prst="rect">
@@ -5242,7 +6541,7 @@
         </p:nvSpPr>
         <p:spPr>
           <a:xfrm>
-            <a:off x="8067675" y="4714182"/>
+            <a:off x="8067675" y="4687553"/>
             <a:ext cx="988796" cy="772218"/>
           </a:xfrm>
           <a:prstGeom prst="rect">
@@ -5313,7 +6612,7 @@
 </p:sld>
 </file>
 
-<file path=ppt/slides/slide5.xml><?xml version="1.0" encoding="utf-8"?>
+<file path=ppt/slides/slide6.xml><?xml version="1.0" encoding="utf-8"?>
 <p:sld xmlns:a="http://schemas.openxmlformats.org/drawingml/2006/main" xmlns:r="http://schemas.openxmlformats.org/officeDocument/2006/relationships" xmlns:p="http://schemas.openxmlformats.org/presentationml/2006/main">
   <p:cSld>
     <p:spTree>
@@ -5352,16 +6651,13 @@
           </a:bodyPr>
           <a:lstStyle/>
           <a:p>
-            <a:endParaRPr lang="en-US" sz="2400" dirty="0"/>
-          </a:p>
-          <a:p>
-            <a:r>
-              <a:rPr lang="en-US" sz="2400" dirty="0"/>
-              <a:t>The task of the current session is a </a:t>
+            <a:r>
+              <a:rPr lang="en-US" sz="2400" dirty="0"/>
+              <a:t>The rating task will be on </a:t>
             </a:r>
             <a:r>
               <a:rPr lang="en-US" sz="2400" b="1" dirty="0"/>
-              <a:t>rating task.</a:t>
+              <a:t>familiarity.</a:t>
             </a:r>
           </a:p>
           <a:p>
@@ -5369,37 +6665,49 @@
           </a:p>
           <a:p>
             <a:r>
-              <a:rPr lang="en-US" sz="2400" dirty="0"/>
-              <a:t>You will see an images of a kitchen or a bathroom for 1.5 sec. Your task is to rate the image according to your personal judgment of </a:t>
+              <a:rPr kumimoji="0" lang="en-US" altLang="en-US" sz="2400" b="0" i="0" u="none" strike="noStrike" cap="none" normalizeH="0" baseline="0" dirty="0">
+                <a:ln>
+                  <a:noFill/>
+                </a:ln>
+                <a:solidFill>
+                  <a:schemeClr val="tx1"/>
+                </a:solidFill>
+                <a:effectLst/>
+              </a:rPr>
+              <a:t>Please provide your judgment on the extent to which</a:t>
+            </a:r>
+            <a:r>
+              <a:rPr kumimoji="0" lang="en-US" altLang="en-US" sz="2400" b="0" i="0" u="none" strike="noStrike" cap="none" normalizeH="0" baseline="0" dirty="0">
+                <a:ln>
+                  <a:noFill/>
+                </a:ln>
+                <a:solidFill>
+                  <a:srgbClr val="0F0F0F"/>
+                </a:solidFill>
+                <a:effectLst/>
+              </a:rPr>
+              <a:t> the presented scene </a:t>
+            </a:r>
+            <a:r>
+              <a:rPr lang="en-US" sz="2400" dirty="0"/>
+              <a:t>resembles places you have lived in or where spent a substantial amount of time during your life. </a:t>
+            </a:r>
+          </a:p>
+          <a:p>
+            <a:endParaRPr lang="en-US" sz="2400" dirty="0"/>
+          </a:p>
+          <a:p>
+            <a:r>
+              <a:rPr lang="en-US" sz="2400" dirty="0"/>
+              <a:t>For a</a:t>
             </a:r>
             <a:r>
               <a:rPr lang="en-US" sz="2400" b="1" dirty="0"/>
-              <a:t>aesthetic attractiveness </a:t>
-            </a:r>
-            <a:r>
-              <a:rPr lang="en-US" sz="2400" dirty="0"/>
-              <a:t>on a scale from </a:t>
-            </a:r>
-            <a:r>
-              <a:rPr lang="en-US" sz="2400" b="1" dirty="0"/>
-              <a:t>1 to 7.</a:t>
-            </a:r>
-          </a:p>
-          <a:p>
-            <a:endParaRPr lang="en-US" sz="2400" b="1" dirty="0"/>
-          </a:p>
-          <a:p>
-            <a:r>
-              <a:rPr lang="en-US" sz="2400" dirty="0"/>
-              <a:t>For a</a:t>
-            </a:r>
-            <a:r>
-              <a:rPr lang="en-US" sz="2400" b="1" dirty="0"/>
-              <a:t> very aesthetically appealing </a:t>
-            </a:r>
-            <a:r>
-              <a:rPr lang="en-US" sz="2400" dirty="0"/>
-              <a:t>exemplar of a kitchen/bathroom </a:t>
+              <a:t> very familiar </a:t>
+            </a:r>
+            <a:r>
+              <a:rPr lang="en-US" sz="2400" dirty="0"/>
+              <a:t>exemplar of a </a:t>
             </a:r>
             <a:r>
               <a:rPr lang="en-US" sz="2400" b="1" dirty="0"/>
@@ -5411,7 +6719,7 @@
             </a:r>
             <a:r>
               <a:rPr lang="en-US" sz="2400" b="1" dirty="0"/>
-              <a:t>totally unattractive  </a:t>
+              <a:t>totally unfamiliar </a:t>
             </a:r>
             <a:r>
               <a:rPr lang="en-US" sz="2400" dirty="0"/>
@@ -5432,6 +6740,15 @@
             </a:r>
           </a:p>
           <a:p>
+            <a:pPr algn="ctr"/>
+            <a:endParaRPr lang="en-US" sz="2400" dirty="0"/>
+          </a:p>
+          <a:p>
+            <a:pPr algn="ctr"/>
+            <a:endParaRPr lang="en-US" sz="2400" dirty="0"/>
+          </a:p>
+          <a:p>
+            <a:pPr algn="ctr"/>
             <a:endParaRPr lang="en-US" sz="2400" dirty="0"/>
           </a:p>
           <a:p>
@@ -5516,7 +6833,7 @@
         </p:blipFill>
         <p:spPr bwMode="auto">
           <a:xfrm>
-            <a:off x="4361418" y="5116767"/>
+            <a:off x="4285218" y="4871063"/>
             <a:ext cx="3382407" cy="320846"/>
           </a:xfrm>
           <a:prstGeom prst="rect">
@@ -5553,7 +6870,7 @@
         </p:nvSpPr>
         <p:spPr>
           <a:xfrm>
-            <a:off x="6508280" y="5135771"/>
+            <a:off x="6432080" y="4890067"/>
             <a:ext cx="301841" cy="301841"/>
           </a:xfrm>
           <a:prstGeom prst="rect">
@@ -5606,7 +6923,7 @@
         </p:nvCxnSpPr>
         <p:spPr>
           <a:xfrm flipV="1">
-            <a:off x="6810121" y="5286691"/>
+            <a:off x="6733921" y="5040987"/>
             <a:ext cx="1333754" cy="1"/>
           </a:xfrm>
           <a:prstGeom prst="line">
@@ -5647,7 +6964,7 @@
         </p:nvSpPr>
         <p:spPr>
           <a:xfrm>
-            <a:off x="4663150" y="5135772"/>
+            <a:off x="4586950" y="4890068"/>
             <a:ext cx="301841" cy="301841"/>
           </a:xfrm>
           <a:prstGeom prst="rect">
@@ -5699,7 +7016,7 @@
         </p:nvCxnSpPr>
         <p:spPr>
           <a:xfrm>
-            <a:off x="4128209" y="5267687"/>
+            <a:off x="4052009" y="5021983"/>
             <a:ext cx="534941" cy="0"/>
           </a:xfrm>
           <a:prstGeom prst="line">
@@ -5740,8 +7057,8 @@
         </p:nvSpPr>
         <p:spPr>
           <a:xfrm>
-            <a:off x="2552700" y="4933257"/>
-            <a:ext cx="1575509" cy="772218"/>
+            <a:off x="2741929" y="4687553"/>
+            <a:ext cx="1310080" cy="772218"/>
           </a:xfrm>
           <a:prstGeom prst="rect">
             <a:avLst/>
@@ -5782,7 +7099,18 @@
                   <a:schemeClr val="tx1"/>
                 </a:solidFill>
               </a:rPr>
-              <a:t>very unattractive</a:t>
+              <a:t>very</a:t>
+            </a:r>
+          </a:p>
+          <a:p>
+            <a:pPr algn="ctr"/>
+            <a:r>
+              <a:rPr lang="en-US" sz="2000" dirty="0">
+                <a:solidFill>
+                  <a:schemeClr val="tx1"/>
+                </a:solidFill>
+              </a:rPr>
+              <a:t>unfamiliar</a:t>
             </a:r>
           </a:p>
         </p:txBody>
@@ -5801,8 +7129,8 @@
         </p:nvSpPr>
         <p:spPr>
           <a:xfrm>
-            <a:off x="8143875" y="4933257"/>
-            <a:ext cx="1285875" cy="772218"/>
+            <a:off x="8067675" y="4687553"/>
+            <a:ext cx="1218368" cy="772218"/>
           </a:xfrm>
           <a:prstGeom prst="rect">
             <a:avLst/>
@@ -5854,7 +7182,7 @@
                   <a:schemeClr val="tx1"/>
                 </a:solidFill>
               </a:rPr>
-              <a:t>attractive</a:t>
+              <a:t>familiar</a:t>
             </a:r>
           </a:p>
         </p:txBody>
@@ -5862,7 +7190,7 @@
     </p:spTree>
     <p:extLst>
       <p:ext uri="{BB962C8B-B14F-4D97-AF65-F5344CB8AC3E}">
-        <p14:creationId xmlns:p14="http://schemas.microsoft.com/office/powerpoint/2010/main" val="1188541947"/>
+        <p14:creationId xmlns:p14="http://schemas.microsoft.com/office/powerpoint/2010/main" val="196451270"/>
       </p:ext>
     </p:extLst>
   </p:cSld>
@@ -5872,7 +7200,7 @@
 </p:sld>
 </file>
 
-<file path=ppt/slides/slide6.xml><?xml version="1.0" encoding="utf-8"?>
+<file path=ppt/slides/slide7.xml><?xml version="1.0" encoding="utf-8"?>
 <p:sld xmlns:a="http://schemas.openxmlformats.org/drawingml/2006/main" xmlns:r="http://schemas.openxmlformats.org/officeDocument/2006/relationships" xmlns:p="http://schemas.openxmlformats.org/presentationml/2006/main">
   <p:cSld>
     <p:spTree>
@@ -5911,16 +7239,13 @@
           </a:bodyPr>
           <a:lstStyle/>
           <a:p>
-            <a:endParaRPr lang="en-US" sz="2400" dirty="0"/>
-          </a:p>
-          <a:p>
-            <a:r>
-              <a:rPr lang="en-US" sz="2400" dirty="0"/>
-              <a:t>The task of the current session is a </a:t>
+            <a:r>
+              <a:rPr lang="en-US" sz="2400" dirty="0"/>
+              <a:t>The rating task will be on </a:t>
             </a:r>
             <a:r>
               <a:rPr lang="en-US" sz="2400" b="1" dirty="0"/>
-              <a:t>rating task.</a:t>
+              <a:t>aesthetic attractiveness.</a:t>
             </a:r>
           </a:p>
           <a:p>
@@ -5929,36 +7254,27 @@
           <a:p>
             <a:r>
               <a:rPr lang="en-US" sz="2400" dirty="0"/>
-              <a:t>You will see an images of a kitchen or a bathroom for 1.5 sec. Your task is to rate the image according to your personal judgment of </a:t>
+              <a:t>Please provide your personal judgment on the aesthetic appeal of the presented scene.</a:t>
+            </a:r>
+          </a:p>
+          <a:p>
+            <a:r>
+              <a:rPr lang="en-US" sz="2400" dirty="0"/>
+              <a:t> </a:t>
+            </a:r>
+          </a:p>
+          <a:p>
+            <a:r>
+              <a:rPr lang="en-US" sz="2400" dirty="0"/>
+              <a:t>For a</a:t>
             </a:r>
             <a:r>
               <a:rPr lang="en-US" sz="2400" b="1" dirty="0"/>
-              <a:t>usability </a:t>
-            </a:r>
-            <a:r>
-              <a:rPr lang="en-US" sz="2400" dirty="0"/>
-              <a:t>on a scale from </a:t>
-            </a:r>
-            <a:r>
-              <a:rPr lang="en-US" sz="2400" b="1" dirty="0"/>
-              <a:t>1 to 7.</a:t>
-            </a:r>
-          </a:p>
-          <a:p>
-            <a:endParaRPr lang="en-US" sz="2400" b="1" dirty="0"/>
-          </a:p>
-          <a:p>
-            <a:r>
-              <a:rPr lang="en-US" sz="2400" dirty="0"/>
-              <a:t>For a</a:t>
-            </a:r>
-            <a:r>
-              <a:rPr lang="en-US" sz="2400" b="1" dirty="0"/>
-              <a:t> very practically designed/easy to use </a:t>
-            </a:r>
-            <a:r>
-              <a:rPr lang="en-US" sz="2400" dirty="0"/>
-              <a:t>exemplar of a kitchen/bathroom </a:t>
+              <a:t> very aesthetic </a:t>
+            </a:r>
+            <a:r>
+              <a:rPr lang="en-US" sz="2400" dirty="0"/>
+              <a:t>exemplar of a </a:t>
             </a:r>
             <a:r>
               <a:rPr lang="en-US" sz="2400" b="1" dirty="0"/>
@@ -5966,19 +7282,19 @@
             </a:r>
             <a:r>
               <a:rPr lang="en-US" sz="2400" dirty="0"/>
-              <a:t>and </a:t>
+              <a:t>and for a </a:t>
             </a:r>
             <a:r>
               <a:rPr lang="en-US" sz="2400" b="1" dirty="0"/>
-              <a:t>press “1” </a:t>
-            </a:r>
-            <a:r>
-              <a:rPr lang="en-US" sz="2400" dirty="0"/>
-              <a:t>for exemplars that appears </a:t>
+              <a:t>very unaesthetic </a:t>
+            </a:r>
+            <a:r>
+              <a:rPr lang="en-US" sz="2400" dirty="0"/>
+              <a:t>exemplar</a:t>
             </a:r>
             <a:r>
               <a:rPr lang="en-US" sz="2400" b="1" dirty="0"/>
-              <a:t>unpractical/difficult to use.</a:t>
+              <a:t> press “1”.</a:t>
             </a:r>
           </a:p>
           <a:p>
@@ -5991,6 +7307,19 @@
             </a:r>
           </a:p>
           <a:p>
+            <a:pPr algn="ctr"/>
+            <a:endParaRPr lang="en-US" sz="2400" dirty="0"/>
+          </a:p>
+          <a:p>
+            <a:pPr algn="ctr"/>
+            <a:endParaRPr lang="en-US" sz="2400" dirty="0"/>
+          </a:p>
+          <a:p>
+            <a:pPr algn="ctr"/>
+            <a:endParaRPr lang="en-US" sz="2400" dirty="0"/>
+          </a:p>
+          <a:p>
+            <a:pPr algn="ctr"/>
             <a:endParaRPr lang="en-US" sz="2400" dirty="0"/>
           </a:p>
           <a:p>
@@ -6075,7 +7404,7 @@
         </p:blipFill>
         <p:spPr bwMode="auto">
           <a:xfrm>
-            <a:off x="4361418" y="5116767"/>
+            <a:off x="4285218" y="4871063"/>
             <a:ext cx="3382407" cy="320846"/>
           </a:xfrm>
           <a:prstGeom prst="rect">
@@ -6112,7 +7441,7 @@
         </p:nvSpPr>
         <p:spPr>
           <a:xfrm>
-            <a:off x="6508280" y="5135771"/>
+            <a:off x="6432080" y="4890067"/>
             <a:ext cx="301841" cy="301841"/>
           </a:xfrm>
           <a:prstGeom prst="rect">
@@ -6165,7 +7494,7 @@
         </p:nvCxnSpPr>
         <p:spPr>
           <a:xfrm flipV="1">
-            <a:off x="6810121" y="5286691"/>
+            <a:off x="6733921" y="5040987"/>
             <a:ext cx="1333754" cy="1"/>
           </a:xfrm>
           <a:prstGeom prst="line">
@@ -6206,7 +7535,7 @@
         </p:nvSpPr>
         <p:spPr>
           <a:xfrm>
-            <a:off x="4663150" y="5135772"/>
+            <a:off x="4586950" y="4890068"/>
             <a:ext cx="301841" cy="301841"/>
           </a:xfrm>
           <a:prstGeom prst="rect">
@@ -6258,7 +7587,7 @@
         </p:nvCxnSpPr>
         <p:spPr>
           <a:xfrm>
-            <a:off x="4128209" y="5267687"/>
+            <a:off x="4052009" y="5021983"/>
             <a:ext cx="534941" cy="0"/>
           </a:xfrm>
           <a:prstGeom prst="line">
@@ -6299,8 +7628,8 @@
         </p:nvSpPr>
         <p:spPr>
           <a:xfrm>
-            <a:off x="2552700" y="4933257"/>
-            <a:ext cx="1575509" cy="772218"/>
+            <a:off x="2539014" y="4687553"/>
+            <a:ext cx="1512995" cy="772218"/>
           </a:xfrm>
           <a:prstGeom prst="rect">
             <a:avLst/>
@@ -6341,7 +7670,18 @@
                   <a:schemeClr val="tx1"/>
                 </a:solidFill>
               </a:rPr>
-              <a:t>very unpractical</a:t>
+              <a:t>very</a:t>
+            </a:r>
+          </a:p>
+          <a:p>
+            <a:pPr algn="ctr"/>
+            <a:r>
+              <a:rPr lang="en-US" sz="2000" dirty="0">
+                <a:solidFill>
+                  <a:schemeClr val="tx1"/>
+                </a:solidFill>
+              </a:rPr>
+              <a:t>unaesthetic</a:t>
             </a:r>
           </a:p>
         </p:txBody>
@@ -6360,8 +7700,8 @@
         </p:nvSpPr>
         <p:spPr>
           <a:xfrm>
-            <a:off x="8143875" y="4933257"/>
-            <a:ext cx="1285875" cy="772218"/>
+            <a:off x="8067675" y="4687553"/>
+            <a:ext cx="1218368" cy="772218"/>
           </a:xfrm>
           <a:prstGeom prst="rect">
             <a:avLst/>
@@ -6413,7 +7753,7 @@
                   <a:schemeClr val="tx1"/>
                 </a:solidFill>
               </a:rPr>
-              <a:t>practical</a:t>
+              <a:t> aesthetic</a:t>
             </a:r>
           </a:p>
         </p:txBody>
@@ -6421,7 +7761,7 @@
     </p:spTree>
     <p:extLst>
       <p:ext uri="{BB962C8B-B14F-4D97-AF65-F5344CB8AC3E}">
-        <p14:creationId xmlns:p14="http://schemas.microsoft.com/office/powerpoint/2010/main" val="3645369593"/>
+        <p14:creationId xmlns:p14="http://schemas.microsoft.com/office/powerpoint/2010/main" val="1400370751"/>
       </p:ext>
     </p:extLst>
   </p:cSld>
@@ -6431,7 +7771,7 @@
 </p:sld>
 </file>
 
-<file path=ppt/slides/slide7.xml><?xml version="1.0" encoding="utf-8"?>
+<file path=ppt/slides/slide8.xml><?xml version="1.0" encoding="utf-8"?>
 <p:sld xmlns:a="http://schemas.openxmlformats.org/drawingml/2006/main" xmlns:r="http://schemas.openxmlformats.org/officeDocument/2006/relationships" xmlns:p="http://schemas.openxmlformats.org/presentationml/2006/main">
   <p:cSld>
     <p:spTree>
@@ -6470,70 +7810,126 @@
           </a:bodyPr>
           <a:lstStyle/>
           <a:p>
-            <a:endParaRPr lang="en-US" sz="2400" dirty="0"/>
-          </a:p>
-          <a:p>
-            <a:r>
-              <a:rPr lang="en-US" sz="2400" dirty="0"/>
-              <a:t>The task of the current session is a </a:t>
+            <a:r>
+              <a:rPr lang="en-US" sz="2400" dirty="0"/>
+              <a:t>The rating task will be on </a:t>
             </a:r>
             <a:r>
               <a:rPr lang="en-US" sz="2400" b="1" dirty="0"/>
-              <a:t>rating task.</a:t>
+              <a:t>usability.</a:t>
             </a:r>
           </a:p>
           <a:p>
             <a:endParaRPr lang="en-US" sz="2400" b="1" dirty="0"/>
           </a:p>
           <a:p>
-            <a:r>
-              <a:rPr lang="en-US" sz="2400" dirty="0"/>
-              <a:t>You will see an images of a kitchen or a bathroom for 1.5 sec. Your task is to rate the image according to your personal judgment of </a:t>
+            <a:pPr marL="0" marR="0" lvl="0" indent="0" algn="l" defTabSz="914400" rtl="0" eaLnBrk="0" fontAlgn="base" latinLnBrk="0" hangingPunct="0">
+              <a:lnSpc>
+                <a:spcPct val="100000"/>
+              </a:lnSpc>
+              <a:spcBef>
+                <a:spcPct val="0"/>
+              </a:spcBef>
+              <a:spcAft>
+                <a:spcPct val="0"/>
+              </a:spcAft>
+              <a:buClrTx/>
+              <a:buSzTx/>
+              <a:buFontTx/>
+              <a:buNone/>
+              <a:tabLst/>
+            </a:pPr>
+            <a:r>
+              <a:rPr kumimoji="0" lang="en-US" altLang="en-US" sz="2400" b="0" i="0" u="none" strike="noStrike" cap="none" normalizeH="0" baseline="0" dirty="0">
+                <a:ln>
+                  <a:noFill/>
+                </a:ln>
+                <a:solidFill>
+                  <a:srgbClr val="0F0F0F"/>
+                </a:solidFill>
+                <a:effectLst/>
+              </a:rPr>
+              <a:t>Please </a:t>
+            </a:r>
+            <a:r>
+              <a:rPr kumimoji="0" lang="en-US" altLang="en-US" sz="2400" b="0" i="0" u="none" strike="noStrike" cap="none" normalizeH="0" baseline="0" dirty="0">
+                <a:ln>
+                  <a:noFill/>
+                </a:ln>
+                <a:solidFill>
+                  <a:schemeClr val="tx1"/>
+                </a:solidFill>
+                <a:effectLst/>
+              </a:rPr>
+              <a:t>provid</a:t>
+            </a:r>
+            <a:r>
+              <a:rPr kumimoji="0" lang="en-US" altLang="en-US" sz="2400" b="0" i="0" u="none" strike="noStrike" cap="none" normalizeH="0" baseline="0" dirty="0">
+                <a:ln>
+                  <a:noFill/>
+                </a:ln>
+                <a:solidFill>
+                  <a:srgbClr val="0F0F0F"/>
+                </a:solidFill>
+                <a:effectLst/>
+              </a:rPr>
+              <a:t>e your personal judgment on the usability/practicability i</a:t>
+            </a:r>
+            <a:r>
+              <a:rPr kumimoji="0" lang="en-US" altLang="en-US" sz="2400" b="0" i="0" u="none" strike="noStrike" cap="none" normalizeH="0" baseline="0" dirty="0">
+                <a:ln>
+                  <a:noFill/>
+                </a:ln>
+                <a:solidFill>
+                  <a:schemeClr val="tx1"/>
+                </a:solidFill>
+                <a:effectLst/>
+              </a:rPr>
+              <a:t>f you were</a:t>
+            </a:r>
+            <a:r>
+              <a:rPr kumimoji="0" lang="en-US" altLang="en-US" sz="2400" b="0" i="0" u="none" strike="noStrike" cap="none" normalizeH="0" baseline="0" dirty="0">
+                <a:ln>
+                  <a:noFill/>
+                </a:ln>
+                <a:solidFill>
+                  <a:srgbClr val="0F0F0F"/>
+                </a:solidFill>
+                <a:effectLst/>
+              </a:rPr>
+              <a:t> to interact with the presented scene</a:t>
+            </a:r>
+            <a:r>
+              <a:rPr kumimoji="0" lang="en-US" altLang="en-US" sz="2400" b="0" i="0" u="none" strike="noStrike" cap="none" normalizeH="0" baseline="0" dirty="0">
+                <a:ln>
+                  <a:noFill/>
+                </a:ln>
+                <a:solidFill>
+                  <a:schemeClr val="tx1"/>
+                </a:solidFill>
+                <a:effectLst/>
+              </a:rPr>
+              <a:t>.</a:t>
+            </a:r>
+          </a:p>
+          <a:p>
+            <a:r>
+              <a:rPr lang="en-US" sz="2400" dirty="0"/>
+              <a:t> </a:t>
+            </a:r>
+          </a:p>
+          <a:p>
+            <a:r>
+              <a:rPr lang="en-US" sz="2400" dirty="0"/>
+              <a:t>For a</a:t>
             </a:r>
             <a:r>
               <a:rPr lang="en-US" sz="2400" b="1" dirty="0"/>
-              <a:t>familiarity </a:t>
-            </a:r>
-            <a:r>
-              <a:rPr lang="en-US" sz="2400" dirty="0"/>
-              <a:t>on a scale from </a:t>
-            </a:r>
-            <a:r>
-              <a:rPr lang="en-US" sz="2400" b="1" dirty="0"/>
-              <a:t>1 to 7.</a:t>
-            </a:r>
-          </a:p>
-          <a:p>
-            <a:endParaRPr lang="en-US" sz="2400" b="1" dirty="0"/>
-          </a:p>
-          <a:p>
-            <a:r>
-              <a:rPr lang="en-US" sz="2400" dirty="0"/>
-              <a:t>For an</a:t>
-            </a:r>
-            <a:r>
-              <a:rPr lang="en-US" sz="2400" b="1" dirty="0"/>
-              <a:t> </a:t>
-            </a:r>
-            <a:r>
-              <a:rPr lang="en-US" sz="2400" dirty="0"/>
-              <a:t>image</a:t>
-            </a:r>
-            <a:r>
-              <a:rPr lang="en-US" sz="2400" b="1" dirty="0"/>
-              <a:t> </a:t>
-            </a:r>
-            <a:r>
-              <a:rPr lang="en-US" sz="2400" dirty="0"/>
-              <a:t>that </a:t>
-            </a:r>
-            <a:r>
-              <a:rPr lang="en-US" sz="2400" b="1" dirty="0"/>
-              <a:t>resembles a familiar scene </a:t>
-            </a:r>
-            <a:r>
-              <a:rPr lang="en-US" sz="2400" dirty="0"/>
-              <a:t>very closely </a:t>
+              <a:t> very practical </a:t>
+            </a:r>
+            <a:r>
+              <a:rPr lang="en-US" sz="2400" dirty="0"/>
+              <a:t>exemplar of a </a:t>
             </a:r>
             <a:r>
               <a:rPr lang="en-US" sz="2400" b="1" dirty="0"/>
@@ -6541,11 +7937,19 @@
             </a:r>
             <a:r>
               <a:rPr lang="en-US" sz="2400" dirty="0"/>
-              <a:t>and for an image that is </a:t>
+              <a:t>and for a </a:t>
             </a:r>
             <a:r>
               <a:rPr lang="en-US" sz="2400" b="1" dirty="0"/>
-              <a:t>nothing alike a familiar scene press “1”.</a:t>
+              <a:t>very unpractical </a:t>
+            </a:r>
+            <a:r>
+              <a:rPr lang="en-US" sz="2400" dirty="0"/>
+              <a:t>exemplar</a:t>
+            </a:r>
+            <a:r>
+              <a:rPr lang="en-US" sz="2400" b="1" dirty="0"/>
+              <a:t> press “1”.</a:t>
             </a:r>
           </a:p>
           <a:p>
@@ -6558,6 +7962,15 @@
             </a:r>
           </a:p>
           <a:p>
+            <a:pPr algn="ctr"/>
+            <a:endParaRPr lang="en-US" sz="2400" dirty="0"/>
+          </a:p>
+          <a:p>
+            <a:pPr algn="ctr"/>
+            <a:endParaRPr lang="en-US" sz="2400" dirty="0"/>
+          </a:p>
+          <a:p>
+            <a:pPr algn="ctr"/>
             <a:endParaRPr lang="en-US" sz="2400" dirty="0"/>
           </a:p>
           <a:p>
@@ -6642,7 +8055,7 @@
         </p:blipFill>
         <p:spPr bwMode="auto">
           <a:xfrm>
-            <a:off x="4380468" y="5116767"/>
+            <a:off x="4285218" y="4871063"/>
             <a:ext cx="3382407" cy="320846"/>
           </a:xfrm>
           <a:prstGeom prst="rect">
@@ -6679,7 +8092,7 @@
         </p:nvSpPr>
         <p:spPr>
           <a:xfrm>
-            <a:off x="6527330" y="5135771"/>
+            <a:off x="6432080" y="4890067"/>
             <a:ext cx="301841" cy="301841"/>
           </a:xfrm>
           <a:prstGeom prst="rect">
@@ -6732,7 +8145,7 @@
         </p:nvCxnSpPr>
         <p:spPr>
           <a:xfrm flipV="1">
-            <a:off x="6829171" y="5286691"/>
+            <a:off x="6733921" y="5040987"/>
             <a:ext cx="1333754" cy="1"/>
           </a:xfrm>
           <a:prstGeom prst="line">
@@ -6773,7 +8186,7 @@
         </p:nvSpPr>
         <p:spPr>
           <a:xfrm>
-            <a:off x="4682200" y="5135772"/>
+            <a:off x="4586950" y="4890068"/>
             <a:ext cx="301841" cy="301841"/>
           </a:xfrm>
           <a:prstGeom prst="rect">
@@ -6825,7 +8238,7 @@
         </p:nvCxnSpPr>
         <p:spPr>
           <a:xfrm>
-            <a:off x="4147259" y="5267687"/>
+            <a:off x="4052009" y="5021983"/>
             <a:ext cx="534941" cy="0"/>
           </a:xfrm>
           <a:prstGeom prst="line">
@@ -6866,8 +8279,8 @@
         </p:nvSpPr>
         <p:spPr>
           <a:xfrm>
-            <a:off x="2571750" y="4933257"/>
-            <a:ext cx="1575509" cy="772218"/>
+            <a:off x="2539014" y="4687553"/>
+            <a:ext cx="1512995" cy="772218"/>
           </a:xfrm>
           <a:prstGeom prst="rect">
             <a:avLst/>
@@ -6908,7 +8321,18 @@
                   <a:schemeClr val="tx1"/>
                 </a:solidFill>
               </a:rPr>
-              <a:t>very unfamiliar</a:t>
+              <a:t>very</a:t>
+            </a:r>
+          </a:p>
+          <a:p>
+            <a:pPr algn="ctr"/>
+            <a:r>
+              <a:rPr lang="en-US" sz="2000" dirty="0">
+                <a:solidFill>
+                  <a:schemeClr val="tx1"/>
+                </a:solidFill>
+              </a:rPr>
+              <a:t>unpractical</a:t>
             </a:r>
           </a:p>
         </p:txBody>
@@ -6927,8 +8351,8 @@
         </p:nvSpPr>
         <p:spPr>
           <a:xfrm>
-            <a:off x="8162925" y="4933257"/>
-            <a:ext cx="1285875" cy="772218"/>
+            <a:off x="8067675" y="4687553"/>
+            <a:ext cx="1218368" cy="772218"/>
           </a:xfrm>
           <a:prstGeom prst="rect">
             <a:avLst/>
@@ -6980,7 +8404,7 @@
                   <a:schemeClr val="tx1"/>
                 </a:solidFill>
               </a:rPr>
-              <a:t>familiar</a:t>
+              <a:t> practical</a:t>
             </a:r>
           </a:p>
         </p:txBody>
@@ -6988,151 +8412,7 @@
     </p:spTree>
     <p:extLst>
       <p:ext uri="{BB962C8B-B14F-4D97-AF65-F5344CB8AC3E}">
-        <p14:creationId xmlns:p14="http://schemas.microsoft.com/office/powerpoint/2010/main" val="14521855"/>
-      </p:ext>
-    </p:extLst>
-  </p:cSld>
-  <p:clrMapOvr>
-    <a:masterClrMapping/>
-  </p:clrMapOvr>
-</p:sld>
-</file>
-
-<file path=ppt/slides/slide8.xml><?xml version="1.0" encoding="utf-8"?>
-<p:sld xmlns:a="http://schemas.openxmlformats.org/drawingml/2006/main" xmlns:r="http://schemas.openxmlformats.org/officeDocument/2006/relationships" xmlns:p="http://schemas.openxmlformats.org/presentationml/2006/main">
-  <p:cSld>
-    <p:spTree>
-      <p:nvGrpSpPr>
-        <p:cNvPr id="1" name=""/>
-        <p:cNvGrpSpPr/>
-        <p:nvPr/>
-      </p:nvGrpSpPr>
-      <p:grpSpPr>
-        <a:xfrm>
-          <a:off x="0" y="0"/>
-          <a:ext cx="0" cy="0"/>
-          <a:chOff x="0" y="0"/>
-          <a:chExt cx="0" cy="0"/>
-        </a:xfrm>
-      </p:grpSpPr>
-      <p:sp>
-        <p:nvSpPr>
-          <p:cNvPr id="4" name="TextBox 3"/>
-          <p:cNvSpPr txBox="1"/>
-          <p:nvPr/>
-        </p:nvSpPr>
-        <p:spPr>
-          <a:xfrm>
-            <a:off x="2178287" y="294605"/>
-            <a:ext cx="7774486" cy="6740307"/>
-          </a:xfrm>
-          <a:prstGeom prst="rect">
-            <a:avLst/>
-          </a:prstGeom>
-          <a:noFill/>
-        </p:spPr>
-        <p:txBody>
-          <a:bodyPr wrap="square" rtlCol="0">
-            <a:spAutoFit/>
-          </a:bodyPr>
-          <a:lstStyle/>
-          <a:p>
-            <a:endParaRPr lang="en-US" sz="2400" dirty="0"/>
-          </a:p>
-          <a:p>
-            <a:r>
-              <a:rPr lang="en-US" sz="2400" dirty="0"/>
-              <a:t>The experiment is divided in xx blocks. Each block will last about xx min. You will be able to rest between blocks.</a:t>
-            </a:r>
-          </a:p>
-          <a:p>
-            <a:r>
-              <a:rPr lang="en-US" sz="2400" dirty="0"/>
-              <a:t> </a:t>
-            </a:r>
-          </a:p>
-          <a:p>
-            <a:r>
-              <a:rPr lang="en-US" sz="2400" dirty="0"/>
-              <a:t>Please do your best to remain focused and alert, and keep your eyes fixed on the center of the screen. </a:t>
-            </a:r>
-          </a:p>
-          <a:p>
-            <a:endParaRPr lang="en-US" sz="2400" dirty="0"/>
-          </a:p>
-          <a:p>
-            <a:r>
-              <a:rPr lang="en-US" sz="2400" dirty="0"/>
-              <a:t>If you need a break, or have any questions, do not hesitate to ask the experimenter.</a:t>
-            </a:r>
-          </a:p>
-          <a:p>
-            <a:endParaRPr lang="en-US" sz="2400" dirty="0"/>
-          </a:p>
-          <a:p>
-            <a:r>
-              <a:rPr lang="en-US" sz="2400" dirty="0"/>
-              <a:t>We will start with a few practice trials, and you will have a chance to ask questions before starting the experiment.</a:t>
-            </a:r>
-          </a:p>
-          <a:p>
-            <a:r>
-              <a:rPr lang="en-US" sz="2400" b="1" dirty="0"/>
-              <a:t>Good luck!</a:t>
-            </a:r>
-            <a:endParaRPr lang="en-US" sz="2400" dirty="0"/>
-          </a:p>
-          <a:p>
-            <a:pPr algn="ctr"/>
-            <a:endParaRPr lang="en-US" sz="2400" dirty="0"/>
-          </a:p>
-          <a:p>
-            <a:pPr algn="ctr"/>
-            <a:r>
-              <a:rPr lang="en-US" sz="2400" dirty="0"/>
-              <a:t>Press the </a:t>
-            </a:r>
-            <a:r>
-              <a:rPr lang="en-US" sz="2400" b="1" dirty="0"/>
-              <a:t>right arrow key </a:t>
-            </a:r>
-            <a:r>
-              <a:rPr lang="en-US" sz="2400" dirty="0"/>
-              <a:t>to </a:t>
-            </a:r>
-            <a:r>
-              <a:rPr lang="en-US" sz="2400" b="1" dirty="0"/>
-              <a:t>start the experiment</a:t>
-            </a:r>
-            <a:r>
-              <a:rPr lang="en-US" sz="2400" dirty="0"/>
-              <a:t> or the </a:t>
-            </a:r>
-            <a:r>
-              <a:rPr lang="en-US" sz="2400" b="1" dirty="0"/>
-              <a:t>left arrow key</a:t>
-            </a:r>
-            <a:r>
-              <a:rPr lang="en-US" sz="2400" dirty="0"/>
-              <a:t> to return to the </a:t>
-            </a:r>
-            <a:r>
-              <a:rPr lang="en-US" sz="2400" b="1" dirty="0"/>
-              <a:t>previous slide</a:t>
-            </a:r>
-          </a:p>
-          <a:p>
-            <a:endParaRPr lang="en-US" sz="2400" dirty="0"/>
-          </a:p>
-          <a:p>
-            <a:endParaRPr lang="en-US" sz="2400" dirty="0"/>
-          </a:p>
-        </p:txBody>
-      </p:sp>
-    </p:spTree>
-    <p:extLst>
-      <p:ext uri="{BB962C8B-B14F-4D97-AF65-F5344CB8AC3E}">
-        <p14:creationId xmlns:p14="http://schemas.microsoft.com/office/powerpoint/2010/main" val="1597402663"/>
+        <p14:creationId xmlns:p14="http://schemas.microsoft.com/office/powerpoint/2010/main" val="2961459844"/>
       </p:ext>
     </p:extLst>
   </p:cSld>
@@ -7167,8 +8447,8 @@
         </p:nvSpPr>
         <p:spPr>
           <a:xfrm>
-            <a:off x="2178287" y="294605"/>
-            <a:ext cx="7774486" cy="6740307"/>
+            <a:off x="2178287" y="315671"/>
+            <a:ext cx="7774486" cy="7478970"/>
           </a:xfrm>
           <a:prstGeom prst="rect">
             <a:avLst/>
@@ -7181,65 +8461,108 @@
           </a:bodyPr>
           <a:lstStyle/>
           <a:p>
-            <a:endParaRPr lang="en-US" sz="2400" dirty="0"/>
-          </a:p>
-          <a:p>
-            <a:r>
-              <a:rPr lang="en-US" sz="2400" dirty="0"/>
-              <a:t>The experiment is divided in </a:t>
-            </a:r>
-            <a:r>
-              <a:rPr lang="en-US" sz="2400" dirty="0" err="1"/>
-              <a:t>yy</a:t>
-            </a:r>
-            <a:r>
-              <a:rPr lang="en-US" sz="2400" dirty="0"/>
-              <a:t> blocks. Each block will last about </a:t>
-            </a:r>
-            <a:r>
-              <a:rPr lang="en-US" sz="2400" dirty="0" err="1"/>
-              <a:t>yy</a:t>
-            </a:r>
-            <a:r>
-              <a:rPr lang="en-US" sz="2400" dirty="0"/>
-              <a:t> min. You will be able to rest between blocks.</a:t>
-            </a:r>
-          </a:p>
-          <a:p>
-            <a:r>
-              <a:rPr lang="en-US" sz="2400" dirty="0"/>
-              <a:t> </a:t>
-            </a:r>
-          </a:p>
-          <a:p>
-            <a:r>
-              <a:rPr lang="en-US" sz="2400" dirty="0"/>
-              <a:t>Please do your best to remain focused and alert, and keep your eyes fixed on the center of the screen. </a:t>
-            </a:r>
-          </a:p>
-          <a:p>
-            <a:endParaRPr lang="en-US" sz="2400" dirty="0"/>
-          </a:p>
-          <a:p>
-            <a:r>
-              <a:rPr lang="en-US" sz="2400" dirty="0"/>
-              <a:t>If you need a break, or have any questions, do not hesitate to ask the experimenter.</a:t>
-            </a:r>
-          </a:p>
-          <a:p>
-            <a:endParaRPr lang="en-US" sz="2400" dirty="0"/>
-          </a:p>
-          <a:p>
-            <a:r>
-              <a:rPr lang="en-US" sz="2400" dirty="0"/>
-              <a:t>We will start with a few practice trials, and you will have a chance to ask questions before starting the experiment.</a:t>
-            </a:r>
-          </a:p>
-          <a:p>
+            <a:r>
+              <a:rPr lang="en-US" sz="2400" dirty="0"/>
+              <a:t>The rating task will be on </a:t>
+            </a:r>
             <a:r>
               <a:rPr lang="en-US" sz="2400" b="1" dirty="0"/>
-              <a:t>Good luck!</a:t>
-            </a:r>
+              <a:t>visual complexity.</a:t>
+            </a:r>
+          </a:p>
+          <a:p>
+            <a:endParaRPr lang="en-US" sz="2400" b="1" dirty="0"/>
+          </a:p>
+          <a:p>
+            <a:r>
+              <a:rPr kumimoji="0" lang="en-US" altLang="en-US" sz="2400" b="0" i="0" u="none" strike="noStrike" cap="none" normalizeH="0" baseline="0" dirty="0">
+                <a:ln>
+                  <a:noFill/>
+                </a:ln>
+                <a:solidFill>
+                  <a:schemeClr val="tx1"/>
+                </a:solidFill>
+                <a:effectLst/>
+              </a:rPr>
+              <a:t>Please provide your judgment on the extent to which</a:t>
+            </a:r>
+            <a:r>
+              <a:rPr kumimoji="0" lang="en-US" altLang="en-US" sz="2400" b="0" i="0" u="none" strike="noStrike" cap="none" normalizeH="0" baseline="0" dirty="0">
+                <a:ln>
+                  <a:noFill/>
+                </a:ln>
+                <a:solidFill>
+                  <a:srgbClr val="0F0F0F"/>
+                </a:solidFill>
+                <a:effectLst/>
+              </a:rPr>
+              <a:t> the presented scene </a:t>
+            </a:r>
+            <a:r>
+              <a:rPr lang="en-US" sz="2400" dirty="0"/>
+              <a:t>resembles places you have lived in or where spent a substantial amount of time during your life. </a:t>
+            </a:r>
+          </a:p>
+          <a:p>
+            <a:endParaRPr lang="en-US" sz="2400" dirty="0"/>
+          </a:p>
+          <a:p>
+            <a:r>
+              <a:rPr lang="en-US" sz="2400" dirty="0"/>
+              <a:t>For a</a:t>
+            </a:r>
+            <a:r>
+              <a:rPr lang="en-US" sz="2400" b="1" dirty="0"/>
+              <a:t> very familiar </a:t>
+            </a:r>
+            <a:r>
+              <a:rPr lang="en-US" sz="2400" dirty="0"/>
+              <a:t>exemplar of a </a:t>
+            </a:r>
+            <a:r>
+              <a:rPr lang="en-US" sz="2400" b="1" dirty="0"/>
+              <a:t>press “7” </a:t>
+            </a:r>
+            <a:r>
+              <a:rPr lang="en-US" sz="2400" dirty="0"/>
+              <a:t>and for a </a:t>
+            </a:r>
+            <a:r>
+              <a:rPr lang="en-US" sz="2400" b="1" dirty="0"/>
+              <a:t>totally unfamiliar </a:t>
+            </a:r>
+            <a:r>
+              <a:rPr lang="en-US" sz="2400" dirty="0"/>
+              <a:t>exemplar</a:t>
+            </a:r>
+            <a:r>
+              <a:rPr lang="en-US" sz="2400" b="1" dirty="0"/>
+              <a:t> press “1”.</a:t>
+            </a:r>
+          </a:p>
+          <a:p>
+            <a:endParaRPr lang="en-US" sz="2400" dirty="0"/>
+          </a:p>
+          <a:p>
+            <a:r>
+              <a:rPr lang="en-US" sz="2400" dirty="0"/>
+              <a:t>Take your time. No speed pressure in this task. </a:t>
+            </a:r>
+          </a:p>
+          <a:p>
+            <a:pPr algn="ctr"/>
+            <a:endParaRPr lang="en-US" sz="2400" dirty="0"/>
+          </a:p>
+          <a:p>
+            <a:pPr algn="ctr"/>
+            <a:endParaRPr lang="en-US" sz="2400" dirty="0"/>
+          </a:p>
+          <a:p>
+            <a:pPr algn="ctr"/>
+            <a:endParaRPr lang="en-US" sz="2400" dirty="0"/>
+          </a:p>
+          <a:p>
+            <a:pPr algn="ctr"/>
             <a:endParaRPr lang="en-US" sz="2400" dirty="0"/>
           </a:p>
           <a:p>
@@ -7262,7 +8585,7 @@
             </a:r>
             <a:r>
               <a:rPr lang="en-US" sz="2400" b="1" dirty="0"/>
-              <a:t>start the experiment</a:t>
+              <a:t>proceed</a:t>
             </a:r>
             <a:r>
               <a:rPr lang="en-US" sz="2400" dirty="0"/>
@@ -7282,17 +8605,402 @@
             </a:r>
           </a:p>
           <a:p>
-            <a:endParaRPr lang="en-US" sz="2400" dirty="0"/>
-          </a:p>
-          <a:p>
-            <a:endParaRPr lang="en-US" sz="2400" dirty="0"/>
+            <a:pPr algn="ctr"/>
+            <a:endParaRPr lang="en-US" sz="2400" dirty="0"/>
+          </a:p>
+          <a:p>
+            <a:endParaRPr lang="en-US" sz="2400" dirty="0"/>
+          </a:p>
+          <a:p>
+            <a:endParaRPr lang="en-US" sz="2400" dirty="0"/>
+          </a:p>
+        </p:txBody>
+      </p:sp>
+      <p:pic>
+        <p:nvPicPr>
+          <p:cNvPr id="1028" name="Picture 4" descr="German (Germany) Keyboard Labels - DSI Computer Keyboards">
+            <a:extLst>
+              <a:ext uri="{FF2B5EF4-FFF2-40B4-BE49-F238E27FC236}">
+                <a16:creationId xmlns:a16="http://schemas.microsoft.com/office/drawing/2014/main" id="{54921F55-1CC2-E0AA-F781-B13E39422D11}"/>
+              </a:ext>
+            </a:extLst>
+          </p:cNvPr>
+          <p:cNvPicPr>
+            <a:picLocks noChangeAspect="1" noChangeArrowheads="1"/>
+          </p:cNvPicPr>
+          <p:nvPr/>
+        </p:nvPicPr>
+        <p:blipFill rotWithShape="1">
+          <a:blip r:embed="rId2" cstate="hqprint">
+            <a:extLst>
+              <a:ext uri="{28A0092B-C50C-407E-A947-70E740481C1C}">
+                <a14:useLocalDpi xmlns:a14="http://schemas.microsoft.com/office/drawing/2010/main" val="0"/>
+              </a:ext>
+            </a:extLst>
+          </a:blip>
+          <a:srcRect r="26400" b="80062"/>
+          <a:stretch/>
+        </p:blipFill>
+        <p:spPr bwMode="auto">
+          <a:xfrm>
+            <a:off x="4285218" y="4871063"/>
+            <a:ext cx="3382407" cy="320846"/>
+          </a:xfrm>
+          <a:prstGeom prst="rect">
+            <a:avLst/>
+          </a:prstGeom>
+          <a:noFill/>
+          <a:ln>
+            <a:solidFill>
+              <a:schemeClr val="bg1"/>
+            </a:solidFill>
+          </a:ln>
+          <a:extLst>
+            <a:ext uri="{909E8E84-426E-40DD-AFC4-6F175D3DCCD1}">
+              <a14:hiddenFill xmlns:a14="http://schemas.microsoft.com/office/drawing/2010/main">
+                <a:solidFill>
+                  <a:srgbClr val="FFFFFF"/>
+                </a:solidFill>
+              </a14:hiddenFill>
+            </a:ext>
+          </a:extLst>
+        </p:spPr>
+      </p:pic>
+      <p:sp>
+        <p:nvSpPr>
+          <p:cNvPr id="15" name="Rectangle 14">
+            <a:extLst>
+              <a:ext uri="{FF2B5EF4-FFF2-40B4-BE49-F238E27FC236}">
+                <a16:creationId xmlns:a16="http://schemas.microsoft.com/office/drawing/2014/main" id="{97743DB1-FA0C-37E7-E303-A1AF55B8C84A}"/>
+              </a:ext>
+            </a:extLst>
+          </p:cNvPr>
+          <p:cNvSpPr/>
+          <p:nvPr/>
+        </p:nvSpPr>
+        <p:spPr>
+          <a:xfrm>
+            <a:off x="6432080" y="4890067"/>
+            <a:ext cx="301841" cy="301841"/>
+          </a:xfrm>
+          <a:prstGeom prst="rect">
+            <a:avLst/>
+          </a:prstGeom>
+          <a:noFill/>
+          <a:ln w="28575">
+            <a:solidFill>
+              <a:srgbClr val="00B0F0"/>
+            </a:solidFill>
+          </a:ln>
+        </p:spPr>
+        <p:style>
+          <a:lnRef idx="1">
+            <a:schemeClr val="accent1"/>
+          </a:lnRef>
+          <a:fillRef idx="3">
+            <a:schemeClr val="accent1"/>
+          </a:fillRef>
+          <a:effectRef idx="2">
+            <a:schemeClr val="accent1"/>
+          </a:effectRef>
+          <a:fontRef idx="minor">
+            <a:schemeClr val="lt1"/>
+          </a:fontRef>
+        </p:style>
+        <p:txBody>
+          <a:bodyPr rtlCol="0" anchor="ctr"/>
+          <a:lstStyle/>
+          <a:p>
+            <a:pPr algn="ctr"/>
+            <a:endParaRPr lang="en-US"/>
+          </a:p>
+        </p:txBody>
+      </p:sp>
+      <p:cxnSp>
+        <p:nvCxnSpPr>
+          <p:cNvPr id="17" name="Straight Connector 16">
+            <a:extLst>
+              <a:ext uri="{FF2B5EF4-FFF2-40B4-BE49-F238E27FC236}">
+                <a16:creationId xmlns:a16="http://schemas.microsoft.com/office/drawing/2014/main" id="{BA3039BC-4FF1-DE75-D33F-9B39A4FF01A4}"/>
+              </a:ext>
+            </a:extLst>
+          </p:cNvPr>
+          <p:cNvCxnSpPr>
+            <a:cxnSpLocks/>
+            <a:stCxn id="15" idx="3"/>
+          </p:cNvCxnSpPr>
+          <p:nvPr/>
+        </p:nvCxnSpPr>
+        <p:spPr>
+          <a:xfrm flipV="1">
+            <a:off x="6733921" y="5040987"/>
+            <a:ext cx="1333754" cy="1"/>
+          </a:xfrm>
+          <a:prstGeom prst="line">
+            <a:avLst/>
+          </a:prstGeom>
+          <a:ln>
+            <a:solidFill>
+              <a:srgbClr val="00B0F0"/>
+            </a:solidFill>
+          </a:ln>
+        </p:spPr>
+        <p:style>
+          <a:lnRef idx="2">
+            <a:schemeClr val="accent1"/>
+          </a:lnRef>
+          <a:fillRef idx="0">
+            <a:schemeClr val="accent1"/>
+          </a:fillRef>
+          <a:effectRef idx="1">
+            <a:schemeClr val="accent1"/>
+          </a:effectRef>
+          <a:fontRef idx="minor">
+            <a:schemeClr val="tx1"/>
+          </a:fontRef>
+        </p:style>
+      </p:cxnSp>
+      <p:sp>
+        <p:nvSpPr>
+          <p:cNvPr id="20" name="Rectangle 19">
+            <a:extLst>
+              <a:ext uri="{FF2B5EF4-FFF2-40B4-BE49-F238E27FC236}">
+                <a16:creationId xmlns:a16="http://schemas.microsoft.com/office/drawing/2014/main" id="{5D09B655-9AE2-CD82-FD32-3842B4E7CE51}"/>
+              </a:ext>
+            </a:extLst>
+          </p:cNvPr>
+          <p:cNvSpPr/>
+          <p:nvPr/>
+        </p:nvSpPr>
+        <p:spPr>
+          <a:xfrm>
+            <a:off x="4586950" y="4890068"/>
+            <a:ext cx="301841" cy="301841"/>
+          </a:xfrm>
+          <a:prstGeom prst="rect">
+            <a:avLst/>
+          </a:prstGeom>
+          <a:noFill/>
+          <a:ln w="28575">
+            <a:solidFill>
+              <a:srgbClr val="FF66FF"/>
+            </a:solidFill>
+          </a:ln>
+        </p:spPr>
+        <p:style>
+          <a:lnRef idx="1">
+            <a:schemeClr val="accent1"/>
+          </a:lnRef>
+          <a:fillRef idx="3">
+            <a:schemeClr val="accent1"/>
+          </a:fillRef>
+          <a:effectRef idx="2">
+            <a:schemeClr val="accent1"/>
+          </a:effectRef>
+          <a:fontRef idx="minor">
+            <a:schemeClr val="lt1"/>
+          </a:fontRef>
+        </p:style>
+        <p:txBody>
+          <a:bodyPr rtlCol="0" anchor="ctr"/>
+          <a:lstStyle/>
+          <a:p>
+            <a:pPr algn="ctr"/>
+            <a:endParaRPr lang="en-US"/>
+          </a:p>
+        </p:txBody>
+      </p:sp>
+      <p:cxnSp>
+        <p:nvCxnSpPr>
+          <p:cNvPr id="21" name="Straight Connector 20">
+            <a:extLst>
+              <a:ext uri="{FF2B5EF4-FFF2-40B4-BE49-F238E27FC236}">
+                <a16:creationId xmlns:a16="http://schemas.microsoft.com/office/drawing/2014/main" id="{7E196047-6CDC-E235-C9D7-35AC5696AAD3}"/>
+              </a:ext>
+            </a:extLst>
+          </p:cNvPr>
+          <p:cNvCxnSpPr>
+            <a:cxnSpLocks/>
+          </p:cNvCxnSpPr>
+          <p:nvPr/>
+        </p:nvCxnSpPr>
+        <p:spPr>
+          <a:xfrm>
+            <a:off x="4052009" y="5021983"/>
+            <a:ext cx="534941" cy="0"/>
+          </a:xfrm>
+          <a:prstGeom prst="line">
+            <a:avLst/>
+          </a:prstGeom>
+          <a:ln>
+            <a:solidFill>
+              <a:srgbClr val="FF66FF"/>
+            </a:solidFill>
+          </a:ln>
+        </p:spPr>
+        <p:style>
+          <a:lnRef idx="2">
+            <a:schemeClr val="accent1"/>
+          </a:lnRef>
+          <a:fillRef idx="0">
+            <a:schemeClr val="accent1"/>
+          </a:fillRef>
+          <a:effectRef idx="1">
+            <a:schemeClr val="accent1"/>
+          </a:effectRef>
+          <a:fontRef idx="minor">
+            <a:schemeClr val="tx1"/>
+          </a:fontRef>
+        </p:style>
+      </p:cxnSp>
+      <p:sp>
+        <p:nvSpPr>
+          <p:cNvPr id="6" name="Rectangle 5">
+            <a:extLst>
+              <a:ext uri="{FF2B5EF4-FFF2-40B4-BE49-F238E27FC236}">
+                <a16:creationId xmlns:a16="http://schemas.microsoft.com/office/drawing/2014/main" id="{3CE7954B-586E-187C-6981-41C0CDD41E16}"/>
+              </a:ext>
+            </a:extLst>
+          </p:cNvPr>
+          <p:cNvSpPr/>
+          <p:nvPr/>
+        </p:nvSpPr>
+        <p:spPr>
+          <a:xfrm>
+            <a:off x="2741929" y="4687553"/>
+            <a:ext cx="1310080" cy="772218"/>
+          </a:xfrm>
+          <a:prstGeom prst="rect">
+            <a:avLst/>
+          </a:prstGeom>
+          <a:noFill/>
+          <a:ln w="28575" cap="flat" cmpd="sng" algn="ctr">
+            <a:solidFill>
+              <a:srgbClr val="FF66FF"/>
+            </a:solidFill>
+            <a:prstDash val="solid"/>
+            <a:round/>
+            <a:headEnd type="none" w="med" len="med"/>
+            <a:tailEnd type="none" w="med" len="med"/>
+          </a:ln>
+        </p:spPr>
+        <p:style>
+          <a:lnRef idx="0">
+            <a:scrgbClr r="0" g="0" b="0"/>
+          </a:lnRef>
+          <a:fillRef idx="0">
+            <a:scrgbClr r="0" g="0" b="0"/>
+          </a:fillRef>
+          <a:effectRef idx="0">
+            <a:scrgbClr r="0" g="0" b="0"/>
+          </a:effectRef>
+          <a:fontRef idx="minor">
+            <a:schemeClr val="dk1"/>
+          </a:fontRef>
+        </p:style>
+        <p:txBody>
+          <a:bodyPr rtlCol="0" anchor="ctr"/>
+          <a:lstStyle/>
+          <a:p>
+            <a:pPr algn="ctr"/>
+            <a:r>
+              <a:rPr lang="en-US" sz="2000" dirty="0">
+                <a:solidFill>
+                  <a:schemeClr val="tx1"/>
+                </a:solidFill>
+              </a:rPr>
+              <a:t>very</a:t>
+            </a:r>
+          </a:p>
+          <a:p>
+            <a:pPr algn="ctr"/>
+            <a:r>
+              <a:rPr lang="en-US" sz="2000" dirty="0">
+                <a:solidFill>
+                  <a:schemeClr val="tx1"/>
+                </a:solidFill>
+              </a:rPr>
+              <a:t>unfamiliar</a:t>
+            </a:r>
+          </a:p>
+        </p:txBody>
+      </p:sp>
+      <p:sp>
+        <p:nvSpPr>
+          <p:cNvPr id="7" name="Rectangle 6">
+            <a:extLst>
+              <a:ext uri="{FF2B5EF4-FFF2-40B4-BE49-F238E27FC236}">
+                <a16:creationId xmlns:a16="http://schemas.microsoft.com/office/drawing/2014/main" id="{0AA3FE03-F79A-542E-C548-871038B6ADAD}"/>
+              </a:ext>
+            </a:extLst>
+          </p:cNvPr>
+          <p:cNvSpPr/>
+          <p:nvPr/>
+        </p:nvSpPr>
+        <p:spPr>
+          <a:xfrm>
+            <a:off x="8067675" y="4687553"/>
+            <a:ext cx="1218368" cy="772218"/>
+          </a:xfrm>
+          <a:prstGeom prst="rect">
+            <a:avLst/>
+          </a:prstGeom>
+          <a:noFill/>
+          <a:ln w="28575">
+            <a:solidFill>
+              <a:srgbClr val="00B0F0"/>
+            </a:solidFill>
+          </a:ln>
+        </p:spPr>
+        <p:style>
+          <a:lnRef idx="0">
+            <a:scrgbClr r="0" g="0" b="0"/>
+          </a:lnRef>
+          <a:fillRef idx="0">
+            <a:scrgbClr r="0" g="0" b="0"/>
+          </a:fillRef>
+          <a:effectRef idx="0">
+            <a:scrgbClr r="0" g="0" b="0"/>
+          </a:effectRef>
+          <a:fontRef idx="minor">
+            <a:schemeClr val="dk1"/>
+          </a:fontRef>
+        </p:style>
+        <p:txBody>
+          <a:bodyPr rtlCol="0" anchor="ctr"/>
+          <a:lstStyle/>
+          <a:p>
+            <a:pPr algn="ctr"/>
+            <a:r>
+              <a:rPr lang="en-US" sz="2000" dirty="0">
+                <a:solidFill>
+                  <a:schemeClr val="tx1"/>
+                </a:solidFill>
+              </a:rPr>
+              <a:t>very </a:t>
+            </a:r>
+            <a:br>
+              <a:rPr lang="en-US" sz="2000" dirty="0">
+                <a:solidFill>
+                  <a:schemeClr val="tx1"/>
+                </a:solidFill>
+              </a:rPr>
+            </a:br>
+            <a:r>
+              <a:rPr lang="en-US" sz="2000" dirty="0">
+                <a:solidFill>
+                  <a:schemeClr val="tx1"/>
+                </a:solidFill>
+              </a:rPr>
+              <a:t>familiar</a:t>
+            </a:r>
           </a:p>
         </p:txBody>
       </p:sp>
     </p:spTree>
     <p:extLst>
       <p:ext uri="{BB962C8B-B14F-4D97-AF65-F5344CB8AC3E}">
-        <p14:creationId xmlns:p14="http://schemas.microsoft.com/office/powerpoint/2010/main" val="57290883"/>
+        <p14:creationId xmlns:p14="http://schemas.microsoft.com/office/powerpoint/2010/main" val="2894883524"/>
       </p:ext>
     </p:extLst>
   </p:cSld>

--- a/instructions/Instructions.pptx
+++ b/instructions/Instructions.pptx
@@ -7,16 +7,15 @@
   <p:sldIdLst>
     <p:sldId id="256" r:id="rId2"/>
     <p:sldId id="264" r:id="rId3"/>
-    <p:sldId id="277" r:id="rId4"/>
-    <p:sldId id="278" r:id="rId5"/>
-    <p:sldId id="270" r:id="rId6"/>
-    <p:sldId id="282" r:id="rId7"/>
-    <p:sldId id="283" r:id="rId8"/>
-    <p:sldId id="285" r:id="rId9"/>
-    <p:sldId id="288" r:id="rId10"/>
+    <p:sldId id="262" r:id="rId4"/>
+    <p:sldId id="277" r:id="rId5"/>
+    <p:sldId id="278" r:id="rId6"/>
+    <p:sldId id="270" r:id="rId7"/>
+    <p:sldId id="282" r:id="rId8"/>
+    <p:sldId id="283" r:id="rId9"/>
+    <p:sldId id="285" r:id="rId10"/>
     <p:sldId id="287" r:id="rId11"/>
-    <p:sldId id="262" r:id="rId12"/>
-    <p:sldId id="274" r:id="rId13"/>
+    <p:sldId id="274" r:id="rId12"/>
   </p:sldIdLst>
   <p:sldSz cx="12192000" cy="6858000"/>
   <p:notesSz cx="6858000" cy="9144000"/>
@@ -116,6 +115,29 @@
     </a:lvl9pPr>
   </p:defaultTextStyle>
   <p:extLst>
+    <p:ext uri="{521415D9-36F7-43E2-AB2F-B90AF26B5E84}">
+      <p14:sectionLst xmlns:p14="http://schemas.microsoft.com/office/powerpoint/2010/main">
+        <p14:section name="Categorization" id="{3DB780F7-0920-4C6E-9D66-B9ED3261DA8E}">
+          <p14:sldIdLst>
+            <p14:sldId id="256"/>
+            <p14:sldId id="264"/>
+            <p14:sldId id="262"/>
+          </p14:sldIdLst>
+        </p14:section>
+        <p14:section name="Rating" id="{2756EDD5-CD0B-4264-8D67-4228FD9D0AE9}">
+          <p14:sldIdLst>
+            <p14:sldId id="277"/>
+            <p14:sldId id="278"/>
+            <p14:sldId id="270"/>
+            <p14:sldId id="282"/>
+            <p14:sldId id="283"/>
+            <p14:sldId id="285"/>
+            <p14:sldId id="287"/>
+            <p14:sldId id="274"/>
+          </p14:sldIdLst>
+        </p14:section>
+      </p14:sectionLst>
+    </p:ext>
     <p:ext uri="{EFAFB233-063F-42B5-8137-9DF3F51BA10A}">
       <p15:sldGuideLst xmlns:p15="http://schemas.microsoft.com/office/powerpoint/2012/main">
         <p15:guide id="1" orient="horz" pos="2160" userDrawn="1">
@@ -137,7 +159,7 @@
 <file path=ppt/revisionInfo.xml><?xml version="1.0" encoding="utf-8"?>
 <p1510:revInfo xmlns:a="http://schemas.openxmlformats.org/drawingml/2006/main" xmlns:r="http://schemas.openxmlformats.org/officeDocument/2006/relationships" xmlns:p1510="http://schemas.microsoft.com/office/powerpoint/2015/10/main">
   <p1510:revLst>
-    <p1510:client id="{05E83482-96C4-4B03-864C-FE5F129C6CDA}" v="239" dt="2023-11-24T15:41:08.009"/>
+    <p1510:client id="{05E83482-96C4-4B03-864C-FE5F129C6CDA}" v="243" dt="2023-11-27T15:49:51.043"/>
   </p1510:revLst>
 </p1510:revInfo>
 </file>
@@ -146,23 +168,47 @@
 <pc:chgInfo xmlns:a="http://schemas.openxmlformats.org/drawingml/2006/main" xmlns:r="http://schemas.openxmlformats.org/officeDocument/2006/relationships" xmlns:ac="http://schemas.microsoft.com/office/drawing/2013/main/command" xmlns:pc="http://schemas.microsoft.com/office/powerpoint/2013/main/command">
   <pc:docChgLst>
     <pc:chgData name="Micha Engeser" userId="a533b431-da3e-471f-8983-fd723c6850d4" providerId="ADAL" clId="{05E83482-96C4-4B03-864C-FE5F129C6CDA}"/>
-    <pc:docChg chg="undo custSel addSld delSld modSld sldOrd">
-      <pc:chgData name="Micha Engeser" userId="a533b431-da3e-471f-8983-fd723c6850d4" providerId="ADAL" clId="{05E83482-96C4-4B03-864C-FE5F129C6CDA}" dt="2023-11-24T17:16:46.858" v="3027" actId="47"/>
+    <pc:docChg chg="undo custSel addSld delSld modSld sldOrd addSection modSection">
+      <pc:chgData name="Micha Engeser" userId="a533b431-da3e-471f-8983-fd723c6850d4" providerId="ADAL" clId="{05E83482-96C4-4B03-864C-FE5F129C6CDA}" dt="2023-11-27T15:57:25.828" v="3279" actId="47"/>
       <pc:docMkLst>
         <pc:docMk/>
       </pc:docMkLst>
-      <pc:sldChg chg="modSp mod">
-        <pc:chgData name="Micha Engeser" userId="a533b431-da3e-471f-8983-fd723c6850d4" providerId="ADAL" clId="{05E83482-96C4-4B03-864C-FE5F129C6CDA}" dt="2023-11-24T14:55:00.693" v="1489" actId="1035"/>
+      <pc:sldChg chg="addSp delSp modSp mod modClrScheme chgLayout">
+        <pc:chgData name="Micha Engeser" userId="a533b431-da3e-471f-8983-fd723c6850d4" providerId="ADAL" clId="{05E83482-96C4-4B03-864C-FE5F129C6CDA}" dt="2023-11-27T15:51:38" v="3083" actId="478"/>
         <pc:sldMkLst>
           <pc:docMk/>
           <pc:sldMk cId="3993129042" sldId="256"/>
         </pc:sldMkLst>
+        <pc:spChg chg="add del mod">
+          <ac:chgData name="Micha Engeser" userId="a533b431-da3e-471f-8983-fd723c6850d4" providerId="ADAL" clId="{05E83482-96C4-4B03-864C-FE5F129C6CDA}" dt="2023-11-27T15:48:58.092" v="3047" actId="478"/>
+          <ac:spMkLst>
+            <pc:docMk/>
+            <pc:sldMk cId="3993129042" sldId="256"/>
+            <ac:spMk id="2" creationId="{E1263701-C5C5-9C74-8DAD-98349A237F0A}"/>
+          </ac:spMkLst>
+        </pc:spChg>
+        <pc:spChg chg="add del mod ord">
+          <ac:chgData name="Micha Engeser" userId="a533b431-da3e-471f-8983-fd723c6850d4" providerId="ADAL" clId="{05E83482-96C4-4B03-864C-FE5F129C6CDA}" dt="2023-11-27T15:51:29.026" v="3082" actId="478"/>
+          <ac:spMkLst>
+            <pc:docMk/>
+            <pc:sldMk cId="3993129042" sldId="256"/>
+            <ac:spMk id="3" creationId="{E63E7FDD-EF4D-9978-1A53-ED43A13D6038}"/>
+          </ac:spMkLst>
+        </pc:spChg>
         <pc:spChg chg="mod">
-          <ac:chgData name="Micha Engeser" userId="a533b431-da3e-471f-8983-fd723c6850d4" providerId="ADAL" clId="{05E83482-96C4-4B03-864C-FE5F129C6CDA}" dt="2023-11-24T14:54:55.648" v="1469" actId="20577"/>
+          <ac:chgData name="Micha Engeser" userId="a533b431-da3e-471f-8983-fd723c6850d4" providerId="ADAL" clId="{05E83482-96C4-4B03-864C-FE5F129C6CDA}" dt="2023-11-27T15:45:21.831" v="3031" actId="20577"/>
           <ac:spMkLst>
             <pc:docMk/>
             <pc:sldMk cId="3993129042" sldId="256"/>
             <ac:spMk id="4" creationId="{00000000-0000-0000-0000-000000000000}"/>
+          </ac:spMkLst>
+        </pc:spChg>
+        <pc:spChg chg="add del mod">
+          <ac:chgData name="Micha Engeser" userId="a533b431-da3e-471f-8983-fd723c6850d4" providerId="ADAL" clId="{05E83482-96C4-4B03-864C-FE5F129C6CDA}" dt="2023-11-27T15:51:38" v="3083" actId="478"/>
+          <ac:spMkLst>
+            <pc:docMk/>
+            <pc:sldMk cId="3993129042" sldId="256"/>
+            <ac:spMk id="6" creationId="{3545D98F-5C7B-AD11-8F46-D02117E523B6}"/>
           </ac:spMkLst>
         </pc:spChg>
         <pc:picChg chg="mod">
@@ -210,8 +256,8 @@
           <pc:sldMk cId="1554016153" sldId="261"/>
         </pc:sldMkLst>
       </pc:sldChg>
-      <pc:sldChg chg="modSp mod">
-        <pc:chgData name="Micha Engeser" userId="a533b431-da3e-471f-8983-fd723c6850d4" providerId="ADAL" clId="{05E83482-96C4-4B03-864C-FE5F129C6CDA}" dt="2023-11-24T15:59:54.644" v="3021" actId="20577"/>
+      <pc:sldChg chg="modSp mod ord">
+        <pc:chgData name="Micha Engeser" userId="a533b431-da3e-471f-8983-fd723c6850d4" providerId="ADAL" clId="{05E83482-96C4-4B03-864C-FE5F129C6CDA}" dt="2023-11-27T15:46:23.137" v="3033"/>
         <pc:sldMkLst>
           <pc:docMk/>
           <pc:sldMk cId="1597402663" sldId="262"/>
@@ -225,18 +271,34 @@
           </ac:spMkLst>
         </pc:spChg>
       </pc:sldChg>
-      <pc:sldChg chg="modSp mod ord">
-        <pc:chgData name="Micha Engeser" userId="a533b431-da3e-471f-8983-fd723c6850d4" providerId="ADAL" clId="{05E83482-96C4-4B03-864C-FE5F129C6CDA}" dt="2023-11-24T15:01:56.085" v="1812"/>
+      <pc:sldChg chg="addSp delSp modSp mod ord">
+        <pc:chgData name="Micha Engeser" userId="a533b431-da3e-471f-8983-fd723c6850d4" providerId="ADAL" clId="{05E83482-96C4-4B03-864C-FE5F129C6CDA}" dt="2023-11-27T15:52:06.887" v="3085" actId="20577"/>
         <pc:sldMkLst>
           <pc:docMk/>
           <pc:sldMk cId="3521823961" sldId="264"/>
         </pc:sldMkLst>
         <pc:spChg chg="mod">
-          <ac:chgData name="Micha Engeser" userId="a533b431-da3e-471f-8983-fd723c6850d4" providerId="ADAL" clId="{05E83482-96C4-4B03-864C-FE5F129C6CDA}" dt="2023-11-24T15:00:46.004" v="1762" actId="20577"/>
+          <ac:chgData name="Micha Engeser" userId="a533b431-da3e-471f-8983-fd723c6850d4" providerId="ADAL" clId="{05E83482-96C4-4B03-864C-FE5F129C6CDA}" dt="2023-11-27T15:52:06.887" v="3085" actId="20577"/>
           <ac:spMkLst>
             <pc:docMk/>
             <pc:sldMk cId="3521823961" sldId="264"/>
             <ac:spMk id="4" creationId="{00000000-0000-0000-0000-000000000000}"/>
+          </ac:spMkLst>
+        </pc:spChg>
+        <pc:spChg chg="add del">
+          <ac:chgData name="Micha Engeser" userId="a533b431-da3e-471f-8983-fd723c6850d4" providerId="ADAL" clId="{05E83482-96C4-4B03-864C-FE5F129C6CDA}" dt="2023-11-27T15:49:15.820" v="3061" actId="22"/>
+          <ac:spMkLst>
+            <pc:docMk/>
+            <pc:sldMk cId="3521823961" sldId="264"/>
+            <ac:spMk id="5" creationId="{7171573B-35F9-76BA-DD54-61DF907F85A3}"/>
+          </ac:spMkLst>
+        </pc:spChg>
+        <pc:spChg chg="add del mod">
+          <ac:chgData name="Micha Engeser" userId="a533b431-da3e-471f-8983-fd723c6850d4" providerId="ADAL" clId="{05E83482-96C4-4B03-864C-FE5F129C6CDA}" dt="2023-11-27T15:49:51.043" v="3071"/>
+          <ac:spMkLst>
+            <pc:docMk/>
+            <pc:sldMk cId="3521823961" sldId="264"/>
+            <ac:spMk id="6" creationId="{550D72BE-E123-6FCE-30CE-CFF19D1BCBE1}"/>
           </ac:spMkLst>
         </pc:spChg>
         <pc:spChg chg="mod">
@@ -340,7 +402,7 @@
         </pc:spChg>
       </pc:sldChg>
       <pc:sldChg chg="addSp delSp modSp add mod">
-        <pc:chgData name="Micha Engeser" userId="a533b431-da3e-471f-8983-fd723c6850d4" providerId="ADAL" clId="{05E83482-96C4-4B03-864C-FE5F129C6CDA}" dt="2023-11-24T15:27:23.959" v="2535"/>
+        <pc:chgData name="Micha Engeser" userId="a533b431-da3e-471f-8983-fd723c6850d4" providerId="ADAL" clId="{05E83482-96C4-4B03-864C-FE5F129C6CDA}" dt="2023-11-27T15:54:26.116" v="3147" actId="20577"/>
         <pc:sldMkLst>
           <pc:docMk/>
           <pc:sldMk cId="2338977154" sldId="270"/>
@@ -362,7 +424,7 @@
           </ac:spMkLst>
         </pc:spChg>
         <pc:spChg chg="mod">
-          <ac:chgData name="Micha Engeser" userId="a533b431-da3e-471f-8983-fd723c6850d4" providerId="ADAL" clId="{05E83482-96C4-4B03-864C-FE5F129C6CDA}" dt="2023-11-24T15:25:34.780" v="2528" actId="20577"/>
+          <ac:chgData name="Micha Engeser" userId="a533b431-da3e-471f-8983-fd723c6850d4" providerId="ADAL" clId="{05E83482-96C4-4B03-864C-FE5F129C6CDA}" dt="2023-11-27T15:54:26.116" v="3147" actId="20577"/>
           <ac:spMkLst>
             <pc:docMk/>
             <pc:sldMk cId="2338977154" sldId="270"/>
@@ -639,13 +701,13 @@
         </pc:spChg>
       </pc:sldChg>
       <pc:sldChg chg="modSp add mod">
-        <pc:chgData name="Micha Engeser" userId="a533b431-da3e-471f-8983-fd723c6850d4" providerId="ADAL" clId="{05E83482-96C4-4B03-864C-FE5F129C6CDA}" dt="2023-11-24T17:16:35.916" v="3025" actId="20577"/>
+        <pc:chgData name="Micha Engeser" userId="a533b431-da3e-471f-8983-fd723c6850d4" providerId="ADAL" clId="{05E83482-96C4-4B03-864C-FE5F129C6CDA}" dt="2023-11-27T15:44:14.080" v="3028" actId="20577"/>
         <pc:sldMkLst>
           <pc:docMk/>
           <pc:sldMk cId="57290883" sldId="274"/>
         </pc:sldMkLst>
         <pc:spChg chg="mod">
-          <ac:chgData name="Micha Engeser" userId="a533b431-da3e-471f-8983-fd723c6850d4" providerId="ADAL" clId="{05E83482-96C4-4B03-864C-FE5F129C6CDA}" dt="2023-11-24T17:16:35.916" v="3025" actId="20577"/>
+          <ac:chgData name="Micha Engeser" userId="a533b431-da3e-471f-8983-fd723c6850d4" providerId="ADAL" clId="{05E83482-96C4-4B03-864C-FE5F129C6CDA}" dt="2023-11-27T15:44:14.080" v="3028" actId="20577"/>
           <ac:spMkLst>
             <pc:docMk/>
             <pc:sldMk cId="57290883" sldId="274"/>
@@ -716,13 +778,13 @@
         </pc:picChg>
       </pc:sldChg>
       <pc:sldChg chg="addSp delSp modSp add mod">
-        <pc:chgData name="Micha Engeser" userId="a533b431-da3e-471f-8983-fd723c6850d4" providerId="ADAL" clId="{05E83482-96C4-4B03-864C-FE5F129C6CDA}" dt="2023-11-24T14:58:42.599" v="1650" actId="1035"/>
+        <pc:chgData name="Micha Engeser" userId="a533b431-da3e-471f-8983-fd723c6850d4" providerId="ADAL" clId="{05E83482-96C4-4B03-864C-FE5F129C6CDA}" dt="2023-11-27T15:52:20.739" v="3088" actId="20577"/>
         <pc:sldMkLst>
           <pc:docMk/>
           <pc:sldMk cId="4137375922" sldId="277"/>
         </pc:sldMkLst>
         <pc:spChg chg="mod">
-          <ac:chgData name="Micha Engeser" userId="a533b431-da3e-471f-8983-fd723c6850d4" providerId="ADAL" clId="{05E83482-96C4-4B03-864C-FE5F129C6CDA}" dt="2023-11-24T14:58:27.281" v="1644" actId="20577"/>
+          <ac:chgData name="Micha Engeser" userId="a533b431-da3e-471f-8983-fd723c6850d4" providerId="ADAL" clId="{05E83482-96C4-4B03-864C-FE5F129C6CDA}" dt="2023-11-27T15:52:20.739" v="3088" actId="20577"/>
           <ac:spMkLst>
             <pc:docMk/>
             <pc:sldMk cId="4137375922" sldId="277"/>
@@ -754,11 +816,19 @@
         </pc:sldMkLst>
       </pc:sldChg>
       <pc:sldChg chg="delSp modSp add mod">
-        <pc:chgData name="Micha Engeser" userId="a533b431-da3e-471f-8983-fd723c6850d4" providerId="ADAL" clId="{05E83482-96C4-4B03-864C-FE5F129C6CDA}" dt="2023-11-24T14:58:21.652" v="1637" actId="1076"/>
+        <pc:chgData name="Micha Engeser" userId="a533b431-da3e-471f-8983-fd723c6850d4" providerId="ADAL" clId="{05E83482-96C4-4B03-864C-FE5F129C6CDA}" dt="2023-11-27T15:52:43.493" v="3091" actId="20577"/>
         <pc:sldMkLst>
           <pc:docMk/>
           <pc:sldMk cId="3355149081" sldId="278"/>
         </pc:sldMkLst>
+        <pc:spChg chg="mod">
+          <ac:chgData name="Micha Engeser" userId="a533b431-da3e-471f-8983-fd723c6850d4" providerId="ADAL" clId="{05E83482-96C4-4B03-864C-FE5F129C6CDA}" dt="2023-11-27T15:52:43.493" v="3091" actId="20577"/>
+          <ac:spMkLst>
+            <pc:docMk/>
+            <pc:sldMk cId="3355149081" sldId="278"/>
+            <ac:spMk id="4" creationId="{00000000-0000-0000-0000-000000000000}"/>
+          </ac:spMkLst>
+        </pc:spChg>
         <pc:picChg chg="mod">
           <ac:chgData name="Micha Engeser" userId="a533b431-da3e-471f-8983-fd723c6850d4" providerId="ADAL" clId="{05E83482-96C4-4B03-864C-FE5F129C6CDA}" dt="2023-11-24T14:58:21.652" v="1637" actId="1076"/>
           <ac:picMkLst>
@@ -806,7 +876,7 @@
         </pc:spChg>
       </pc:sldChg>
       <pc:sldChg chg="addSp delSp modSp add mod">
-        <pc:chgData name="Micha Engeser" userId="a533b431-da3e-471f-8983-fd723c6850d4" providerId="ADAL" clId="{05E83482-96C4-4B03-864C-FE5F129C6CDA}" dt="2023-11-24T15:41:08.009" v="2853" actId="478"/>
+        <pc:chgData name="Micha Engeser" userId="a533b431-da3e-471f-8983-fd723c6850d4" providerId="ADAL" clId="{05E83482-96C4-4B03-864C-FE5F129C6CDA}" dt="2023-11-27T15:54:11.980" v="3135" actId="20577"/>
         <pc:sldMkLst>
           <pc:docMk/>
           <pc:sldMk cId="196451270" sldId="282"/>
@@ -828,7 +898,7 @@
           </ac:spMkLst>
         </pc:spChg>
         <pc:spChg chg="mod">
-          <ac:chgData name="Micha Engeser" userId="a533b431-da3e-471f-8983-fd723c6850d4" providerId="ADAL" clId="{05E83482-96C4-4B03-864C-FE5F129C6CDA}" dt="2023-11-24T15:28:29.965" v="2575" actId="20577"/>
+          <ac:chgData name="Micha Engeser" userId="a533b431-da3e-471f-8983-fd723c6850d4" providerId="ADAL" clId="{05E83482-96C4-4B03-864C-FE5F129C6CDA}" dt="2023-11-27T15:54:11.980" v="3135" actId="20577"/>
           <ac:spMkLst>
             <pc:docMk/>
             <pc:sldMk cId="196451270" sldId="282"/>
@@ -885,13 +955,13 @@
         </pc:spChg>
       </pc:sldChg>
       <pc:sldChg chg="modSp add mod">
-        <pc:chgData name="Micha Engeser" userId="a533b431-da3e-471f-8983-fd723c6850d4" providerId="ADAL" clId="{05E83482-96C4-4B03-864C-FE5F129C6CDA}" dt="2023-11-24T15:34:51.152" v="2725" actId="20577"/>
+        <pc:chgData name="Micha Engeser" userId="a533b431-da3e-471f-8983-fd723c6850d4" providerId="ADAL" clId="{05E83482-96C4-4B03-864C-FE5F129C6CDA}" dt="2023-11-27T15:54:39.407" v="3157" actId="20577"/>
         <pc:sldMkLst>
           <pc:docMk/>
           <pc:sldMk cId="1400370751" sldId="283"/>
         </pc:sldMkLst>
         <pc:spChg chg="mod">
-          <ac:chgData name="Micha Engeser" userId="a533b431-da3e-471f-8983-fd723c6850d4" providerId="ADAL" clId="{05E83482-96C4-4B03-864C-FE5F129C6CDA}" dt="2023-11-24T15:34:51.152" v="2725" actId="20577"/>
+          <ac:chgData name="Micha Engeser" userId="a533b431-da3e-471f-8983-fd723c6850d4" providerId="ADAL" clId="{05E83482-96C4-4B03-864C-FE5F129C6CDA}" dt="2023-11-27T15:54:39.407" v="3157" actId="20577"/>
           <ac:spMkLst>
             <pc:docMk/>
             <pc:sldMk cId="1400370751" sldId="283"/>
@@ -939,7 +1009,7 @@
         </pc:spChg>
       </pc:sldChg>
       <pc:sldChg chg="addSp delSp modSp add mod">
-        <pc:chgData name="Micha Engeser" userId="a533b431-da3e-471f-8983-fd723c6850d4" providerId="ADAL" clId="{05E83482-96C4-4B03-864C-FE5F129C6CDA}" dt="2023-11-24T15:40:08.432" v="2811" actId="20577"/>
+        <pc:chgData name="Micha Engeser" userId="a533b431-da3e-471f-8983-fd723c6850d4" providerId="ADAL" clId="{05E83482-96C4-4B03-864C-FE5F129C6CDA}" dt="2023-11-27T15:55:40.236" v="3180" actId="20577"/>
         <pc:sldMkLst>
           <pc:docMk/>
           <pc:sldMk cId="2961459844" sldId="285"/>
@@ -961,7 +1031,7 @@
           </ac:spMkLst>
         </pc:spChg>
         <pc:spChg chg="mod">
-          <ac:chgData name="Micha Engeser" userId="a533b431-da3e-471f-8983-fd723c6850d4" providerId="ADAL" clId="{05E83482-96C4-4B03-864C-FE5F129C6CDA}" dt="2023-11-24T15:40:08.432" v="2811" actId="20577"/>
+          <ac:chgData name="Micha Engeser" userId="a533b431-da3e-471f-8983-fd723c6850d4" providerId="ADAL" clId="{05E83482-96C4-4B03-864C-FE5F129C6CDA}" dt="2023-11-27T15:55:40.236" v="3180" actId="20577"/>
           <ac:spMkLst>
             <pc:docMk/>
             <pc:sldMk cId="2961459844" sldId="285"/>
@@ -1001,22 +1071,38 @@
         </pc:spChg>
       </pc:sldChg>
       <pc:sldChg chg="modSp add mod ord">
-        <pc:chgData name="Micha Engeser" userId="a533b431-da3e-471f-8983-fd723c6850d4" providerId="ADAL" clId="{05E83482-96C4-4B03-864C-FE5F129C6CDA}" dt="2023-11-24T15:42:37.776" v="3016" actId="20577"/>
+        <pc:chgData name="Micha Engeser" userId="a533b431-da3e-471f-8983-fd723c6850d4" providerId="ADAL" clId="{05E83482-96C4-4B03-864C-FE5F129C6CDA}" dt="2023-11-27T15:57:07.581" v="3278" actId="20577"/>
         <pc:sldMkLst>
           <pc:docMk/>
           <pc:sldMk cId="3028571398" sldId="287"/>
         </pc:sldMkLst>
         <pc:spChg chg="mod">
-          <ac:chgData name="Micha Engeser" userId="a533b431-da3e-471f-8983-fd723c6850d4" providerId="ADAL" clId="{05E83482-96C4-4B03-864C-FE5F129C6CDA}" dt="2023-11-24T15:42:37.776" v="3016" actId="20577"/>
+          <ac:chgData name="Micha Engeser" userId="a533b431-da3e-471f-8983-fd723c6850d4" providerId="ADAL" clId="{05E83482-96C4-4B03-864C-FE5F129C6CDA}" dt="2023-11-27T15:57:03.018" v="3271" actId="20577"/>
           <ac:spMkLst>
             <pc:docMk/>
             <pc:sldMk cId="3028571398" sldId="287"/>
             <ac:spMk id="4" creationId="{00000000-0000-0000-0000-000000000000}"/>
           </ac:spMkLst>
         </pc:spChg>
+        <pc:spChg chg="mod">
+          <ac:chgData name="Micha Engeser" userId="a533b431-da3e-471f-8983-fd723c6850d4" providerId="ADAL" clId="{05E83482-96C4-4B03-864C-FE5F129C6CDA}" dt="2023-11-27T15:56:54.761" v="3258" actId="20577"/>
+          <ac:spMkLst>
+            <pc:docMk/>
+            <pc:sldMk cId="3028571398" sldId="287"/>
+            <ac:spMk id="6" creationId="{3CE7954B-586E-187C-6981-41C0CDD41E16}"/>
+          </ac:spMkLst>
+        </pc:spChg>
+        <pc:spChg chg="mod">
+          <ac:chgData name="Micha Engeser" userId="a533b431-da3e-471f-8983-fd723c6850d4" providerId="ADAL" clId="{05E83482-96C4-4B03-864C-FE5F129C6CDA}" dt="2023-11-27T15:57:07.581" v="3278" actId="20577"/>
+          <ac:spMkLst>
+            <pc:docMk/>
+            <pc:sldMk cId="3028571398" sldId="287"/>
+            <ac:spMk id="7" creationId="{0AA3FE03-F79A-542E-C548-871038B6ADAD}"/>
+          </ac:spMkLst>
+        </pc:spChg>
       </pc:sldChg>
-      <pc:sldChg chg="delSp modSp add mod ord">
-        <pc:chgData name="Micha Engeser" userId="a533b431-da3e-471f-8983-fd723c6850d4" providerId="ADAL" clId="{05E83482-96C4-4B03-864C-FE5F129C6CDA}" dt="2023-11-24T15:41:25.642" v="2876" actId="20577"/>
+      <pc:sldChg chg="delSp modSp add del mod ord">
+        <pc:chgData name="Micha Engeser" userId="a533b431-da3e-471f-8983-fd723c6850d4" providerId="ADAL" clId="{05E83482-96C4-4B03-864C-FE5F129C6CDA}" dt="2023-11-27T15:57:25.828" v="3279" actId="47"/>
         <pc:sldMkLst>
           <pc:docMk/>
           <pc:sldMk cId="2894883524" sldId="288"/>
@@ -1037,6 +1123,28 @@
             <ac:spMk id="10" creationId="{C5729EE5-5FA4-70EA-75D0-5F1045B283EB}"/>
           </ac:spMkLst>
         </pc:spChg>
+      </pc:sldChg>
+      <pc:sldChg chg="modSp new del mod">
+        <pc:chgData name="Micha Engeser" userId="a533b431-da3e-471f-8983-fd723c6850d4" providerId="ADAL" clId="{05E83482-96C4-4B03-864C-FE5F129C6CDA}" dt="2023-11-27T15:49:53.491" v="3075" actId="680"/>
+        <pc:sldMkLst>
+          <pc:docMk/>
+          <pc:sldMk cId="3057411897" sldId="289"/>
+        </pc:sldMkLst>
+        <pc:spChg chg="mod">
+          <ac:chgData name="Micha Engeser" userId="a533b431-da3e-471f-8983-fd723c6850d4" providerId="ADAL" clId="{05E83482-96C4-4B03-864C-FE5F129C6CDA}" dt="2023-11-27T15:49:53.023" v="3074" actId="20577"/>
+          <ac:spMkLst>
+            <pc:docMk/>
+            <pc:sldMk cId="3057411897" sldId="289"/>
+            <ac:spMk id="2" creationId="{0AA1A579-8E24-A942-12FD-5AFAF96074FE}"/>
+          </ac:spMkLst>
+        </pc:spChg>
+      </pc:sldChg>
+      <pc:sldChg chg="new del">
+        <pc:chgData name="Micha Engeser" userId="a533b431-da3e-471f-8983-fd723c6850d4" providerId="ADAL" clId="{05E83482-96C4-4B03-864C-FE5F129C6CDA}" dt="2023-11-27T15:46:34.294" v="3035" actId="47"/>
+        <pc:sldMkLst>
+          <pc:docMk/>
+          <pc:sldMk cId="3341552701" sldId="289"/>
+        </pc:sldMkLst>
       </pc:sldChg>
     </pc:docChg>
   </pc:docChgLst>
@@ -1222,7 +1330,7 @@
           <a:p>
             <a:fld id="{9D7C6ACB-8DF6-1449-BE97-CA8D947F79D3}" type="datetimeFigureOut">
               <a:rPr lang="en-US" smtClean="0"/>
-              <a:t>11/24/2023</a:t>
+              <a:t>11/27/2023</a:t>
             </a:fld>
             <a:endParaRPr lang="en-US"/>
           </a:p>
@@ -1390,7 +1498,7 @@
           <a:p>
             <a:fld id="{9D7C6ACB-8DF6-1449-BE97-CA8D947F79D3}" type="datetimeFigureOut">
               <a:rPr lang="en-US" smtClean="0"/>
-              <a:t>11/24/2023</a:t>
+              <a:t>11/27/2023</a:t>
             </a:fld>
             <a:endParaRPr lang="en-US"/>
           </a:p>
@@ -1568,7 +1676,7 @@
           <a:p>
             <a:fld id="{9D7C6ACB-8DF6-1449-BE97-CA8D947F79D3}" type="datetimeFigureOut">
               <a:rPr lang="en-US" smtClean="0"/>
-              <a:t>11/24/2023</a:t>
+              <a:t>11/27/2023</a:t>
             </a:fld>
             <a:endParaRPr lang="en-US"/>
           </a:p>
@@ -1736,7 +1844,7 @@
           <a:p>
             <a:fld id="{9D7C6ACB-8DF6-1449-BE97-CA8D947F79D3}" type="datetimeFigureOut">
               <a:rPr lang="en-US" smtClean="0"/>
-              <a:t>11/24/2023</a:t>
+              <a:t>11/27/2023</a:t>
             </a:fld>
             <a:endParaRPr lang="en-US"/>
           </a:p>
@@ -1981,7 +2089,7 @@
           <a:p>
             <a:fld id="{9D7C6ACB-8DF6-1449-BE97-CA8D947F79D3}" type="datetimeFigureOut">
               <a:rPr lang="en-US" smtClean="0"/>
-              <a:t>11/24/2023</a:t>
+              <a:t>11/27/2023</a:t>
             </a:fld>
             <a:endParaRPr lang="en-US"/>
           </a:p>
@@ -2266,7 +2374,7 @@
           <a:p>
             <a:fld id="{9D7C6ACB-8DF6-1449-BE97-CA8D947F79D3}" type="datetimeFigureOut">
               <a:rPr lang="en-US" smtClean="0"/>
-              <a:t>11/24/2023</a:t>
+              <a:t>11/27/2023</a:t>
             </a:fld>
             <a:endParaRPr lang="en-US"/>
           </a:p>
@@ -2685,7 +2793,7 @@
           <a:p>
             <a:fld id="{9D7C6ACB-8DF6-1449-BE97-CA8D947F79D3}" type="datetimeFigureOut">
               <a:rPr lang="en-US" smtClean="0"/>
-              <a:t>11/24/2023</a:t>
+              <a:t>11/27/2023</a:t>
             </a:fld>
             <a:endParaRPr lang="en-US"/>
           </a:p>
@@ -2802,7 +2910,7 @@
           <a:p>
             <a:fld id="{9D7C6ACB-8DF6-1449-BE97-CA8D947F79D3}" type="datetimeFigureOut">
               <a:rPr lang="en-US" smtClean="0"/>
-              <a:t>11/24/2023</a:t>
+              <a:t>11/27/2023</a:t>
             </a:fld>
             <a:endParaRPr lang="en-US"/>
           </a:p>
@@ -2897,7 +3005,7 @@
           <a:p>
             <a:fld id="{9D7C6ACB-8DF6-1449-BE97-CA8D947F79D3}" type="datetimeFigureOut">
               <a:rPr lang="en-US" smtClean="0"/>
-              <a:t>11/24/2023</a:t>
+              <a:t>11/27/2023</a:t>
             </a:fld>
             <a:endParaRPr lang="en-US"/>
           </a:p>
@@ -3172,7 +3280,7 @@
           <a:p>
             <a:fld id="{9D7C6ACB-8DF6-1449-BE97-CA8D947F79D3}" type="datetimeFigureOut">
               <a:rPr lang="en-US" smtClean="0"/>
-              <a:t>11/24/2023</a:t>
+              <a:t>11/27/2023</a:t>
             </a:fld>
             <a:endParaRPr lang="en-US"/>
           </a:p>
@@ -3424,7 +3532,7 @@
           <a:p>
             <a:fld id="{9D7C6ACB-8DF6-1449-BE97-CA8D947F79D3}" type="datetimeFigureOut">
               <a:rPr lang="en-US" smtClean="0"/>
-              <a:t>11/24/2023</a:t>
+              <a:t>11/27/2023</a:t>
             </a:fld>
             <a:endParaRPr lang="en-US"/>
           </a:p>
@@ -3638,7 +3746,7 @@
           <a:p>
             <a:fld id="{9D7C6ACB-8DF6-1449-BE97-CA8D947F79D3}" type="datetimeFigureOut">
               <a:rPr lang="en-US" smtClean="0"/>
-              <a:t>11/24/2023</a:t>
+              <a:t>11/27/2023</a:t>
             </a:fld>
             <a:endParaRPr lang="en-US"/>
           </a:p>
@@ -4057,7 +4165,7 @@
           <a:p>
             <a:r>
               <a:rPr lang="en-US" sz="2400" dirty="0"/>
-              <a:t>Will present you with images of </a:t>
+              <a:t>We will present you with images of </a:t>
             </a:r>
             <a:r>
               <a:rPr lang="en-US" sz="2400" b="1" dirty="0"/>
@@ -4280,7 +4388,7 @@
           <a:p>
             <a:r>
               <a:rPr lang="en-US" sz="2400" dirty="0"/>
-              <a:t>Please provide your personal judgment on the complexity in the structure of the presented scene.</a:t>
+              <a:t>Please provide your personal judgment on the complexity in the appearance of the presented scene.</a:t>
             </a:r>
           </a:p>
           <a:p>
@@ -4296,11 +4404,11 @@
             </a:r>
             <a:r>
               <a:rPr lang="en-US" sz="2400" b="1" dirty="0"/>
-              <a:t> very aesthetic </a:t>
-            </a:r>
-            <a:r>
-              <a:rPr lang="en-US" sz="2400" dirty="0"/>
-              <a:t>exemplar of a </a:t>
+              <a:t> very complex </a:t>
+            </a:r>
+            <a:r>
+              <a:rPr lang="en-US" sz="2400" dirty="0"/>
+              <a:t>scene of a </a:t>
             </a:r>
             <a:r>
               <a:rPr lang="en-US" sz="2400" b="1" dirty="0"/>
@@ -4312,11 +4420,11 @@
             </a:r>
             <a:r>
               <a:rPr lang="en-US" sz="2400" b="1" dirty="0"/>
-              <a:t>very unaesthetic </a:t>
-            </a:r>
-            <a:r>
-              <a:rPr lang="en-US" sz="2400" dirty="0"/>
-              <a:t>exemplar</a:t>
+              <a:t>very simple </a:t>
+            </a:r>
+            <a:r>
+              <a:rPr lang="en-US" sz="2400" dirty="0"/>
+              <a:t>scene</a:t>
             </a:r>
             <a:r>
               <a:rPr lang="en-US" sz="2400" b="1" dirty="0"/>
@@ -4707,7 +4815,7 @@
                   <a:schemeClr val="tx1"/>
                 </a:solidFill>
               </a:rPr>
-              <a:t>unaesthetic</a:t>
+              <a:t>simple</a:t>
             </a:r>
           </a:p>
         </p:txBody>
@@ -4779,7 +4887,7 @@
                   <a:schemeClr val="tx1"/>
                 </a:solidFill>
               </a:rPr>
-              <a:t> aesthetic</a:t>
+              <a:t> complex</a:t>
             </a:r>
           </a:p>
         </p:txBody>
@@ -4841,151 +4949,7 @@
           <a:p>
             <a:r>
               <a:rPr lang="en-US" sz="2400" dirty="0"/>
-              <a:t>The experiment is divided in 24 blocks. Each block will last about 2 min. You will be able to rest between blocks.</a:t>
-            </a:r>
-          </a:p>
-          <a:p>
-            <a:r>
-              <a:rPr lang="en-US" sz="2400" dirty="0"/>
-              <a:t> </a:t>
-            </a:r>
-          </a:p>
-          <a:p>
-            <a:r>
-              <a:rPr lang="en-US" sz="2400" dirty="0"/>
-              <a:t>Please do your best to remain focused and alert, and keep your eyes fixed on the center of the screen. </a:t>
-            </a:r>
-          </a:p>
-          <a:p>
-            <a:endParaRPr lang="en-US" sz="2400" dirty="0"/>
-          </a:p>
-          <a:p>
-            <a:r>
-              <a:rPr lang="en-US" sz="2400" dirty="0"/>
-              <a:t>If you need a break, or have any questions, do not hesitate to ask the experimenter.</a:t>
-            </a:r>
-          </a:p>
-          <a:p>
-            <a:endParaRPr lang="en-US" sz="2400" dirty="0"/>
-          </a:p>
-          <a:p>
-            <a:r>
-              <a:rPr lang="en-US" sz="2400" dirty="0"/>
-              <a:t>We will start with a few practice trials, and you will have a chance to ask questions before starting the experiment.</a:t>
-            </a:r>
-          </a:p>
-          <a:p>
-            <a:r>
-              <a:rPr lang="en-US" sz="2400" b="1" dirty="0"/>
-              <a:t>Good luck!</a:t>
-            </a:r>
-            <a:endParaRPr lang="en-US" sz="2400" dirty="0"/>
-          </a:p>
-          <a:p>
-            <a:pPr algn="ctr"/>
-            <a:endParaRPr lang="en-US" sz="2400" dirty="0"/>
-          </a:p>
-          <a:p>
-            <a:pPr algn="ctr"/>
-            <a:r>
-              <a:rPr lang="en-US" sz="2400" dirty="0"/>
-              <a:t>Press the </a:t>
-            </a:r>
-            <a:r>
-              <a:rPr lang="en-US" sz="2400" b="1" dirty="0"/>
-              <a:t>right arrow key </a:t>
-            </a:r>
-            <a:r>
-              <a:rPr lang="en-US" sz="2400" dirty="0"/>
-              <a:t>to </a:t>
-            </a:r>
-            <a:r>
-              <a:rPr lang="en-US" sz="2400" b="1" dirty="0"/>
-              <a:t>start the experiment</a:t>
-            </a:r>
-            <a:r>
-              <a:rPr lang="en-US" sz="2400" dirty="0"/>
-              <a:t> or the </a:t>
-            </a:r>
-            <a:r>
-              <a:rPr lang="en-US" sz="2400" b="1" dirty="0"/>
-              <a:t>left arrow key</a:t>
-            </a:r>
-            <a:r>
-              <a:rPr lang="en-US" sz="2400" dirty="0"/>
-              <a:t> to return to the </a:t>
-            </a:r>
-            <a:r>
-              <a:rPr lang="en-US" sz="2400" b="1" dirty="0"/>
-              <a:t>previous slide</a:t>
-            </a:r>
-          </a:p>
-          <a:p>
-            <a:endParaRPr lang="en-US" sz="2400" dirty="0"/>
-          </a:p>
-          <a:p>
-            <a:endParaRPr lang="en-US" sz="2400" dirty="0"/>
-          </a:p>
-        </p:txBody>
-      </p:sp>
-    </p:spTree>
-    <p:extLst>
-      <p:ext uri="{BB962C8B-B14F-4D97-AF65-F5344CB8AC3E}">
-        <p14:creationId xmlns:p14="http://schemas.microsoft.com/office/powerpoint/2010/main" val="1597402663"/>
-      </p:ext>
-    </p:extLst>
-  </p:cSld>
-  <p:clrMapOvr>
-    <a:masterClrMapping/>
-  </p:clrMapOvr>
-</p:sld>
-</file>
-
-<file path=ppt/slides/slide12.xml><?xml version="1.0" encoding="utf-8"?>
-<p:sld xmlns:a="http://schemas.openxmlformats.org/drawingml/2006/main" xmlns:r="http://schemas.openxmlformats.org/officeDocument/2006/relationships" xmlns:p="http://schemas.openxmlformats.org/presentationml/2006/main">
-  <p:cSld>
-    <p:spTree>
-      <p:nvGrpSpPr>
-        <p:cNvPr id="1" name=""/>
-        <p:cNvGrpSpPr/>
-        <p:nvPr/>
-      </p:nvGrpSpPr>
-      <p:grpSpPr>
-        <a:xfrm>
-          <a:off x="0" y="0"/>
-          <a:ext cx="0" cy="0"/>
-          <a:chOff x="0" y="0"/>
-          <a:chExt cx="0" cy="0"/>
-        </a:xfrm>
-      </p:grpSpPr>
-      <p:sp>
-        <p:nvSpPr>
-          <p:cNvPr id="4" name="TextBox 3"/>
-          <p:cNvSpPr txBox="1"/>
-          <p:nvPr/>
-        </p:nvSpPr>
-        <p:spPr>
-          <a:xfrm>
-            <a:off x="2178287" y="294605"/>
-            <a:ext cx="7774486" cy="6740307"/>
-          </a:xfrm>
-          <a:prstGeom prst="rect">
-            <a:avLst/>
-          </a:prstGeom>
-          <a:noFill/>
-        </p:spPr>
-        <p:txBody>
-          <a:bodyPr wrap="square" rtlCol="0">
-            <a:spAutoFit/>
-          </a:bodyPr>
-          <a:lstStyle/>
-          <a:p>
-            <a:endParaRPr lang="en-US" sz="2400" dirty="0"/>
-          </a:p>
-          <a:p>
-            <a:r>
-              <a:rPr lang="en-US" sz="2400" dirty="0"/>
-              <a:t>The experiment is divided in 2 blocks. Each block will last about 2 min. You will be able to rest between blocks.</a:t>
+              <a:t>The experiment is divided in 2 blocks. Each block will last about 3 min. You will be able to rest between blocks.</a:t>
             </a:r>
           </a:p>
           <a:p>
@@ -5160,7 +5124,7 @@
           <a:p>
             <a:r>
               <a:rPr lang="en-US" sz="2400" dirty="0"/>
-              <a:t>Please respond as quickly and as accurately as possible. After each block you will receive feedback about your accuracy.</a:t>
+              <a:t>Please respond as quickly and as accurately as possible. After each block you will receive feedback on your accuracy.</a:t>
             </a:r>
           </a:p>
           <a:p>
@@ -5599,6 +5563,150 @@
         </p:nvSpPr>
         <p:spPr>
           <a:xfrm>
+            <a:off x="2178287" y="294605"/>
+            <a:ext cx="7774486" cy="6740307"/>
+          </a:xfrm>
+          <a:prstGeom prst="rect">
+            <a:avLst/>
+          </a:prstGeom>
+          <a:noFill/>
+        </p:spPr>
+        <p:txBody>
+          <a:bodyPr wrap="square" rtlCol="0">
+            <a:spAutoFit/>
+          </a:bodyPr>
+          <a:lstStyle/>
+          <a:p>
+            <a:endParaRPr lang="en-US" sz="2400" dirty="0"/>
+          </a:p>
+          <a:p>
+            <a:r>
+              <a:rPr lang="en-US" sz="2400" dirty="0"/>
+              <a:t>The experiment is divided in 24 blocks. Each block will last about 2 min. You will be able to rest between blocks.</a:t>
+            </a:r>
+          </a:p>
+          <a:p>
+            <a:r>
+              <a:rPr lang="en-US" sz="2400" dirty="0"/>
+              <a:t> </a:t>
+            </a:r>
+          </a:p>
+          <a:p>
+            <a:r>
+              <a:rPr lang="en-US" sz="2400" dirty="0"/>
+              <a:t>Please do your best to remain focused and alert, and keep your eyes fixed on the center of the screen. </a:t>
+            </a:r>
+          </a:p>
+          <a:p>
+            <a:endParaRPr lang="en-US" sz="2400" dirty="0"/>
+          </a:p>
+          <a:p>
+            <a:r>
+              <a:rPr lang="en-US" sz="2400" dirty="0"/>
+              <a:t>If you need a break, or have any questions, do not hesitate to ask the experimenter.</a:t>
+            </a:r>
+          </a:p>
+          <a:p>
+            <a:endParaRPr lang="en-US" sz="2400" dirty="0"/>
+          </a:p>
+          <a:p>
+            <a:r>
+              <a:rPr lang="en-US" sz="2400" dirty="0"/>
+              <a:t>We will start with a few practice trials, and you will have a chance to ask questions before starting the experiment.</a:t>
+            </a:r>
+          </a:p>
+          <a:p>
+            <a:r>
+              <a:rPr lang="en-US" sz="2400" b="1" dirty="0"/>
+              <a:t>Good luck!</a:t>
+            </a:r>
+            <a:endParaRPr lang="en-US" sz="2400" dirty="0"/>
+          </a:p>
+          <a:p>
+            <a:pPr algn="ctr"/>
+            <a:endParaRPr lang="en-US" sz="2400" dirty="0"/>
+          </a:p>
+          <a:p>
+            <a:pPr algn="ctr"/>
+            <a:r>
+              <a:rPr lang="en-US" sz="2400" dirty="0"/>
+              <a:t>Press the </a:t>
+            </a:r>
+            <a:r>
+              <a:rPr lang="en-US" sz="2400" b="1" dirty="0"/>
+              <a:t>right arrow key </a:t>
+            </a:r>
+            <a:r>
+              <a:rPr lang="en-US" sz="2400" dirty="0"/>
+              <a:t>to </a:t>
+            </a:r>
+            <a:r>
+              <a:rPr lang="en-US" sz="2400" b="1" dirty="0"/>
+              <a:t>start the experiment</a:t>
+            </a:r>
+            <a:r>
+              <a:rPr lang="en-US" sz="2400" dirty="0"/>
+              <a:t> or the </a:t>
+            </a:r>
+            <a:r>
+              <a:rPr lang="en-US" sz="2400" b="1" dirty="0"/>
+              <a:t>left arrow key</a:t>
+            </a:r>
+            <a:r>
+              <a:rPr lang="en-US" sz="2400" dirty="0"/>
+              <a:t> to return to the </a:t>
+            </a:r>
+            <a:r>
+              <a:rPr lang="en-US" sz="2400" b="1" dirty="0"/>
+              <a:t>previous slide</a:t>
+            </a:r>
+          </a:p>
+          <a:p>
+            <a:endParaRPr lang="en-US" sz="2400" dirty="0"/>
+          </a:p>
+          <a:p>
+            <a:endParaRPr lang="en-US" sz="2400" dirty="0"/>
+          </a:p>
+        </p:txBody>
+      </p:sp>
+    </p:spTree>
+    <p:extLst>
+      <p:ext uri="{BB962C8B-B14F-4D97-AF65-F5344CB8AC3E}">
+        <p14:creationId xmlns:p14="http://schemas.microsoft.com/office/powerpoint/2010/main" val="1597402663"/>
+      </p:ext>
+    </p:extLst>
+  </p:cSld>
+  <p:clrMapOvr>
+    <a:masterClrMapping/>
+  </p:clrMapOvr>
+</p:sld>
+</file>
+
+<file path=ppt/slides/slide4.xml><?xml version="1.0" encoding="utf-8"?>
+<p:sld xmlns:a="http://schemas.openxmlformats.org/drawingml/2006/main" xmlns:r="http://schemas.openxmlformats.org/officeDocument/2006/relationships" xmlns:p="http://schemas.openxmlformats.org/presentationml/2006/main">
+  <p:cSld>
+    <p:spTree>
+      <p:nvGrpSpPr>
+        <p:cNvPr id="1" name=""/>
+        <p:cNvGrpSpPr/>
+        <p:nvPr/>
+      </p:nvGrpSpPr>
+      <p:grpSpPr>
+        <a:xfrm>
+          <a:off x="0" y="0"/>
+          <a:ext cx="0" cy="0"/>
+          <a:chOff x="0" y="0"/>
+          <a:chExt cx="0" cy="0"/>
+        </a:xfrm>
+      </p:grpSpPr>
+      <p:sp>
+        <p:nvSpPr>
+          <p:cNvPr id="4" name="TextBox 3"/>
+          <p:cNvSpPr txBox="1"/>
+          <p:nvPr/>
+        </p:nvSpPr>
+        <p:spPr>
+          <a:xfrm>
             <a:off x="2178287" y="575342"/>
             <a:ext cx="7774486" cy="6740307"/>
           </a:xfrm>
@@ -5635,7 +5743,7 @@
           <a:p>
             <a:r>
               <a:rPr lang="en-US" sz="2400" dirty="0"/>
-              <a:t>Will present you with images of </a:t>
+              <a:t>We will present you with images of </a:t>
             </a:r>
             <a:r>
               <a:rPr lang="en-US" sz="2400" b="1" dirty="0"/>
@@ -5759,7 +5867,7 @@
 </p:sld>
 </file>
 
-<file path=ppt/slides/slide4.xml><?xml version="1.0" encoding="utf-8"?>
+<file path=ppt/slides/slide5.xml><?xml version="1.0" encoding="utf-8"?>
 <p:sld xmlns:a="http://schemas.openxmlformats.org/drawingml/2006/main" xmlns:r="http://schemas.openxmlformats.org/officeDocument/2006/relationships" xmlns:p="http://schemas.openxmlformats.org/presentationml/2006/main">
   <p:cSld>
     <p:spTree>
@@ -5820,7 +5928,7 @@
           <a:p>
             <a:r>
               <a:rPr lang="en-US" sz="2400" dirty="0"/>
-              <a:t>Will present you with images of </a:t>
+              <a:t>We will present you with images of </a:t>
             </a:r>
             <a:r>
               <a:rPr lang="en-US" sz="2400" b="1" dirty="0"/>
@@ -5947,7 +6055,7 @@
 </p:sld>
 </file>
 
-<file path=ppt/slides/slide5.xml><?xml version="1.0" encoding="utf-8"?>
+<file path=ppt/slides/slide6.xml><?xml version="1.0" encoding="utf-8"?>
 <p:sld xmlns:a="http://schemas.openxmlformats.org/drawingml/2006/main" xmlns:r="http://schemas.openxmlformats.org/officeDocument/2006/relationships" xmlns:p="http://schemas.openxmlformats.org/presentationml/2006/main">
   <p:cSld>
     <p:spTree>
@@ -6037,7 +6145,7 @@
                 </a:solidFill>
                 <a:effectLst/>
               </a:rPr>
-              <a:t> the presented scene is a typical representati</a:t>
+              <a:t> the presented scene is a typical version</a:t>
             </a:r>
             <a:r>
               <a:rPr kumimoji="0" lang="en-US" altLang="en-US" sz="2400" b="0" i="0" u="none" strike="noStrike" cap="none" normalizeH="0" baseline="0" dirty="0">
@@ -6049,7 +6157,7 @@
                 </a:solidFill>
                 <a:effectLst/>
               </a:rPr>
-              <a:t>ve </a:t>
+              <a:t> </a:t>
             </a:r>
             <a:r>
               <a:rPr kumimoji="0" lang="en-US" altLang="en-US" sz="2400" b="0" i="0" u="none" strike="noStrike" cap="none" normalizeH="0" baseline="0" dirty="0">
@@ -6115,7 +6223,7 @@
             </a:r>
             <a:r>
               <a:rPr lang="en-US" sz="2400" dirty="0"/>
-              <a:t>exemplar of a </a:t>
+              <a:t>scene </a:t>
             </a:r>
             <a:r>
               <a:rPr lang="en-US" sz="2400" b="1" dirty="0"/>
@@ -6131,7 +6239,7 @@
             </a:r>
             <a:r>
               <a:rPr lang="en-US" sz="2400" dirty="0"/>
-              <a:t>exemplar</a:t>
+              <a:t>scene</a:t>
             </a:r>
             <a:r>
               <a:rPr lang="en-US" sz="2400" b="1" dirty="0"/>
@@ -6612,7 +6720,7 @@
 </p:sld>
 </file>
 
-<file path=ppt/slides/slide6.xml><?xml version="1.0" encoding="utf-8"?>
+<file path=ppt/slides/slide7.xml><?xml version="1.0" encoding="utf-8"?>
 <p:sld xmlns:a="http://schemas.openxmlformats.org/drawingml/2006/main" xmlns:r="http://schemas.openxmlformats.org/officeDocument/2006/relationships" xmlns:p="http://schemas.openxmlformats.org/presentationml/2006/main">
   <p:cSld>
     <p:spTree>
@@ -6690,7 +6798,7 @@
             </a:r>
             <a:r>
               <a:rPr lang="en-US" sz="2400" dirty="0"/>
-              <a:t>resembles places you have lived in or where spent a substantial amount of time during your life. </a:t>
+              <a:t>resembles places you have lived in or where you spent a substantial amount of time during your life. </a:t>
             </a:r>
           </a:p>
           <a:p>
@@ -6707,7 +6815,7 @@
             </a:r>
             <a:r>
               <a:rPr lang="en-US" sz="2400" dirty="0"/>
-              <a:t>exemplar of a </a:t>
+              <a:t>scene </a:t>
             </a:r>
             <a:r>
               <a:rPr lang="en-US" sz="2400" b="1" dirty="0"/>
@@ -6723,7 +6831,7 @@
             </a:r>
             <a:r>
               <a:rPr lang="en-US" sz="2400" dirty="0"/>
-              <a:t>exemplar</a:t>
+              <a:t>scene</a:t>
             </a:r>
             <a:r>
               <a:rPr lang="en-US" sz="2400" b="1" dirty="0"/>
@@ -7200,7 +7308,7 @@
 </p:sld>
 </file>
 
-<file path=ppt/slides/slide7.xml><?xml version="1.0" encoding="utf-8"?>
+<file path=ppt/slides/slide8.xml><?xml version="1.0" encoding="utf-8"?>
 <p:sld xmlns:a="http://schemas.openxmlformats.org/drawingml/2006/main" xmlns:r="http://schemas.openxmlformats.org/officeDocument/2006/relationships" xmlns:p="http://schemas.openxmlformats.org/presentationml/2006/main">
   <p:cSld>
     <p:spTree>
@@ -7274,7 +7382,7 @@
             </a:r>
             <a:r>
               <a:rPr lang="en-US" sz="2400" dirty="0"/>
-              <a:t>exemplar of a </a:t>
+              <a:t>scene of a </a:t>
             </a:r>
             <a:r>
               <a:rPr lang="en-US" sz="2400" b="1" dirty="0"/>
@@ -7290,7 +7398,7 @@
             </a:r>
             <a:r>
               <a:rPr lang="en-US" sz="2400" dirty="0"/>
-              <a:t>exemplar</a:t>
+              <a:t>scene</a:t>
             </a:r>
             <a:r>
               <a:rPr lang="en-US" sz="2400" b="1" dirty="0"/>
@@ -7771,7 +7879,7 @@
 </p:sld>
 </file>
 
-<file path=ppt/slides/slide8.xml><?xml version="1.0" encoding="utf-8"?>
+<file path=ppt/slides/slide9.xml><?xml version="1.0" encoding="utf-8"?>
 <p:sld xmlns:a="http://schemas.openxmlformats.org/drawingml/2006/main" xmlns:r="http://schemas.openxmlformats.org/officeDocument/2006/relationships" xmlns:p="http://schemas.openxmlformats.org/presentationml/2006/main">
   <p:cSld>
     <p:spTree>
@@ -7840,7 +7948,7 @@
               <a:tabLst/>
             </a:pPr>
             <a:r>
-              <a:rPr kumimoji="0" lang="en-US" altLang="en-US" sz="2400" b="0" i="0" u="none" strike="noStrike" cap="none" normalizeH="0" baseline="0" dirty="0">
+              <a:rPr kumimoji="0" lang="en-US" altLang="en-US" sz="2400" b="0" i="0" strike="noStrike" cap="none" normalizeH="0" baseline="0" dirty="0">
                 <a:ln>
                   <a:noFill/>
                 </a:ln>
@@ -7852,7 +7960,7 @@
               <a:t>Please </a:t>
             </a:r>
             <a:r>
-              <a:rPr kumimoji="0" lang="en-US" altLang="en-US" sz="2400" b="0" i="0" u="none" strike="noStrike" cap="none" normalizeH="0" baseline="0" dirty="0">
+              <a:rPr kumimoji="0" lang="en-US" altLang="en-US" sz="2400" b="0" i="0" strike="noStrike" cap="none" normalizeH="0" baseline="0" dirty="0">
                 <a:ln>
                   <a:noFill/>
                 </a:ln>
@@ -7864,7 +7972,7 @@
               <a:t>provid</a:t>
             </a:r>
             <a:r>
-              <a:rPr kumimoji="0" lang="en-US" altLang="en-US" sz="2400" b="0" i="0" u="none" strike="noStrike" cap="none" normalizeH="0" baseline="0" dirty="0">
+              <a:rPr kumimoji="0" lang="en-US" altLang="en-US" sz="2400" b="0" i="0" strike="noStrike" cap="none" normalizeH="0" baseline="0" dirty="0">
                 <a:ln>
                   <a:noFill/>
                 </a:ln>
@@ -7873,10 +7981,10 @@
                 </a:solidFill>
                 <a:effectLst/>
               </a:rPr>
-              <a:t>e your personal judgment on the usability/practicability i</a:t>
-            </a:r>
-            <a:r>
-              <a:rPr kumimoji="0" lang="en-US" altLang="en-US" sz="2400" b="0" i="0" u="none" strike="noStrike" cap="none" normalizeH="0" baseline="0" dirty="0">
+              <a:t>e your personal judgment on the usability/practicability presented scene i</a:t>
+            </a:r>
+            <a:r>
+              <a:rPr kumimoji="0" lang="en-US" altLang="en-US" sz="2400" b="0" i="0" strike="noStrike" cap="none" normalizeH="0" baseline="0" dirty="0">
                 <a:ln>
                   <a:noFill/>
                 </a:ln>
@@ -7888,7 +7996,7 @@
               <a:t>f you were</a:t>
             </a:r>
             <a:r>
-              <a:rPr kumimoji="0" lang="en-US" altLang="en-US" sz="2400" b="0" i="0" u="none" strike="noStrike" cap="none" normalizeH="0" baseline="0" dirty="0">
+              <a:rPr kumimoji="0" lang="en-US" altLang="en-US" sz="2400" b="0" i="0" strike="noStrike" cap="none" normalizeH="0" baseline="0" dirty="0">
                 <a:ln>
                   <a:noFill/>
                 </a:ln>
@@ -7897,10 +8005,18 @@
                 </a:solidFill>
                 <a:effectLst/>
               </a:rPr>
-              <a:t> to interact with the presented scene</a:t>
-            </a:r>
-            <a:r>
-              <a:rPr kumimoji="0" lang="en-US" altLang="en-US" sz="2400" b="0" i="0" u="none" strike="noStrike" cap="none" normalizeH="0" baseline="0" dirty="0">
+              <a:t> to interact with </a:t>
+            </a:r>
+            <a:r>
+              <a:rPr lang="en-US" altLang="en-US" sz="2400" dirty="0">
+                <a:solidFill>
+                  <a:srgbClr val="0F0F0F"/>
+                </a:solidFill>
+              </a:rPr>
+              <a:t>it</a:t>
+            </a:r>
+            <a:r>
+              <a:rPr kumimoji="0" lang="en-US" altLang="en-US" sz="2400" b="0" i="0" strike="noStrike" cap="none" normalizeH="0" baseline="0" dirty="0">
                 <a:ln>
                   <a:noFill/>
                 </a:ln>
@@ -7929,7 +8045,7 @@
             </a:r>
             <a:r>
               <a:rPr lang="en-US" sz="2400" dirty="0"/>
-              <a:t>exemplar of a </a:t>
+              <a:t>scene of a </a:t>
             </a:r>
             <a:r>
               <a:rPr lang="en-US" sz="2400" b="1" dirty="0"/>
@@ -7945,7 +8061,7 @@
             </a:r>
             <a:r>
               <a:rPr lang="en-US" sz="2400" dirty="0"/>
-              <a:t>exemplar</a:t>
+              <a:t>scene</a:t>
             </a:r>
             <a:r>
               <a:rPr lang="en-US" sz="2400" b="1" dirty="0"/>
@@ -8413,594 +8529,6 @@
     <p:extLst>
       <p:ext uri="{BB962C8B-B14F-4D97-AF65-F5344CB8AC3E}">
         <p14:creationId xmlns:p14="http://schemas.microsoft.com/office/powerpoint/2010/main" val="2961459844"/>
-      </p:ext>
-    </p:extLst>
-  </p:cSld>
-  <p:clrMapOvr>
-    <a:masterClrMapping/>
-  </p:clrMapOvr>
-</p:sld>
-</file>
-
-<file path=ppt/slides/slide9.xml><?xml version="1.0" encoding="utf-8"?>
-<p:sld xmlns:a="http://schemas.openxmlformats.org/drawingml/2006/main" xmlns:r="http://schemas.openxmlformats.org/officeDocument/2006/relationships" xmlns:p="http://schemas.openxmlformats.org/presentationml/2006/main">
-  <p:cSld>
-    <p:spTree>
-      <p:nvGrpSpPr>
-        <p:cNvPr id="1" name=""/>
-        <p:cNvGrpSpPr/>
-        <p:nvPr/>
-      </p:nvGrpSpPr>
-      <p:grpSpPr>
-        <a:xfrm>
-          <a:off x="0" y="0"/>
-          <a:ext cx="0" cy="0"/>
-          <a:chOff x="0" y="0"/>
-          <a:chExt cx="0" cy="0"/>
-        </a:xfrm>
-      </p:grpSpPr>
-      <p:sp>
-        <p:nvSpPr>
-          <p:cNvPr id="4" name="TextBox 3"/>
-          <p:cNvSpPr txBox="1"/>
-          <p:nvPr/>
-        </p:nvSpPr>
-        <p:spPr>
-          <a:xfrm>
-            <a:off x="2178287" y="315671"/>
-            <a:ext cx="7774486" cy="7478970"/>
-          </a:xfrm>
-          <a:prstGeom prst="rect">
-            <a:avLst/>
-          </a:prstGeom>
-          <a:noFill/>
-        </p:spPr>
-        <p:txBody>
-          <a:bodyPr wrap="square" rtlCol="0">
-            <a:spAutoFit/>
-          </a:bodyPr>
-          <a:lstStyle/>
-          <a:p>
-            <a:r>
-              <a:rPr lang="en-US" sz="2400" dirty="0"/>
-              <a:t>The rating task will be on </a:t>
-            </a:r>
-            <a:r>
-              <a:rPr lang="en-US" sz="2400" b="1" dirty="0"/>
-              <a:t>visual complexity.</a:t>
-            </a:r>
-          </a:p>
-          <a:p>
-            <a:endParaRPr lang="en-US" sz="2400" b="1" dirty="0"/>
-          </a:p>
-          <a:p>
-            <a:r>
-              <a:rPr kumimoji="0" lang="en-US" altLang="en-US" sz="2400" b="0" i="0" u="none" strike="noStrike" cap="none" normalizeH="0" baseline="0" dirty="0">
-                <a:ln>
-                  <a:noFill/>
-                </a:ln>
-                <a:solidFill>
-                  <a:schemeClr val="tx1"/>
-                </a:solidFill>
-                <a:effectLst/>
-              </a:rPr>
-              <a:t>Please provide your judgment on the extent to which</a:t>
-            </a:r>
-            <a:r>
-              <a:rPr kumimoji="0" lang="en-US" altLang="en-US" sz="2400" b="0" i="0" u="none" strike="noStrike" cap="none" normalizeH="0" baseline="0" dirty="0">
-                <a:ln>
-                  <a:noFill/>
-                </a:ln>
-                <a:solidFill>
-                  <a:srgbClr val="0F0F0F"/>
-                </a:solidFill>
-                <a:effectLst/>
-              </a:rPr>
-              <a:t> the presented scene </a:t>
-            </a:r>
-            <a:r>
-              <a:rPr lang="en-US" sz="2400" dirty="0"/>
-              <a:t>resembles places you have lived in or where spent a substantial amount of time during your life. </a:t>
-            </a:r>
-          </a:p>
-          <a:p>
-            <a:endParaRPr lang="en-US" sz="2400" dirty="0"/>
-          </a:p>
-          <a:p>
-            <a:r>
-              <a:rPr lang="en-US" sz="2400" dirty="0"/>
-              <a:t>For a</a:t>
-            </a:r>
-            <a:r>
-              <a:rPr lang="en-US" sz="2400" b="1" dirty="0"/>
-              <a:t> very familiar </a:t>
-            </a:r>
-            <a:r>
-              <a:rPr lang="en-US" sz="2400" dirty="0"/>
-              <a:t>exemplar of a </a:t>
-            </a:r>
-            <a:r>
-              <a:rPr lang="en-US" sz="2400" b="1" dirty="0"/>
-              <a:t>press “7” </a:t>
-            </a:r>
-            <a:r>
-              <a:rPr lang="en-US" sz="2400" dirty="0"/>
-              <a:t>and for a </a:t>
-            </a:r>
-            <a:r>
-              <a:rPr lang="en-US" sz="2400" b="1" dirty="0"/>
-              <a:t>totally unfamiliar </a:t>
-            </a:r>
-            <a:r>
-              <a:rPr lang="en-US" sz="2400" dirty="0"/>
-              <a:t>exemplar</a:t>
-            </a:r>
-            <a:r>
-              <a:rPr lang="en-US" sz="2400" b="1" dirty="0"/>
-              <a:t> press “1”.</a:t>
-            </a:r>
-          </a:p>
-          <a:p>
-            <a:endParaRPr lang="en-US" sz="2400" dirty="0"/>
-          </a:p>
-          <a:p>
-            <a:r>
-              <a:rPr lang="en-US" sz="2400" dirty="0"/>
-              <a:t>Take your time. No speed pressure in this task. </a:t>
-            </a:r>
-          </a:p>
-          <a:p>
-            <a:pPr algn="ctr"/>
-            <a:endParaRPr lang="en-US" sz="2400" dirty="0"/>
-          </a:p>
-          <a:p>
-            <a:pPr algn="ctr"/>
-            <a:endParaRPr lang="en-US" sz="2400" dirty="0"/>
-          </a:p>
-          <a:p>
-            <a:pPr algn="ctr"/>
-            <a:endParaRPr lang="en-US" sz="2400" dirty="0"/>
-          </a:p>
-          <a:p>
-            <a:pPr algn="ctr"/>
-            <a:endParaRPr lang="en-US" sz="2400" dirty="0"/>
-          </a:p>
-          <a:p>
-            <a:pPr algn="ctr"/>
-            <a:endParaRPr lang="en-US" sz="2400" dirty="0"/>
-          </a:p>
-          <a:p>
-            <a:pPr algn="ctr"/>
-            <a:r>
-              <a:rPr lang="en-US" sz="2400" dirty="0"/>
-              <a:t>Press the </a:t>
-            </a:r>
-            <a:r>
-              <a:rPr lang="en-US" sz="2400" b="1" dirty="0"/>
-              <a:t>right arrow key </a:t>
-            </a:r>
-            <a:r>
-              <a:rPr lang="en-US" sz="2400" dirty="0"/>
-              <a:t>to </a:t>
-            </a:r>
-            <a:r>
-              <a:rPr lang="en-US" sz="2400" b="1" dirty="0"/>
-              <a:t>proceed</a:t>
-            </a:r>
-            <a:r>
-              <a:rPr lang="en-US" sz="2400" dirty="0"/>
-              <a:t> or the </a:t>
-            </a:r>
-            <a:r>
-              <a:rPr lang="en-US" sz="2400" b="1" dirty="0"/>
-              <a:t>left arrow key</a:t>
-            </a:r>
-            <a:r>
-              <a:rPr lang="en-US" sz="2400" dirty="0"/>
-              <a:t> to return to the </a:t>
-            </a:r>
-            <a:r>
-              <a:rPr lang="en-US" sz="2400" b="1" dirty="0"/>
-              <a:t>previous slide</a:t>
-            </a:r>
-          </a:p>
-          <a:p>
-            <a:pPr algn="ctr"/>
-            <a:endParaRPr lang="en-US" sz="2400" dirty="0"/>
-          </a:p>
-          <a:p>
-            <a:endParaRPr lang="en-US" sz="2400" dirty="0"/>
-          </a:p>
-          <a:p>
-            <a:endParaRPr lang="en-US" sz="2400" dirty="0"/>
-          </a:p>
-        </p:txBody>
-      </p:sp>
-      <p:pic>
-        <p:nvPicPr>
-          <p:cNvPr id="1028" name="Picture 4" descr="German (Germany) Keyboard Labels - DSI Computer Keyboards">
-            <a:extLst>
-              <a:ext uri="{FF2B5EF4-FFF2-40B4-BE49-F238E27FC236}">
-                <a16:creationId xmlns:a16="http://schemas.microsoft.com/office/drawing/2014/main" id="{54921F55-1CC2-E0AA-F781-B13E39422D11}"/>
-              </a:ext>
-            </a:extLst>
-          </p:cNvPr>
-          <p:cNvPicPr>
-            <a:picLocks noChangeAspect="1" noChangeArrowheads="1"/>
-          </p:cNvPicPr>
-          <p:nvPr/>
-        </p:nvPicPr>
-        <p:blipFill rotWithShape="1">
-          <a:blip r:embed="rId2" cstate="hqprint">
-            <a:extLst>
-              <a:ext uri="{28A0092B-C50C-407E-A947-70E740481C1C}">
-                <a14:useLocalDpi xmlns:a14="http://schemas.microsoft.com/office/drawing/2010/main" val="0"/>
-              </a:ext>
-            </a:extLst>
-          </a:blip>
-          <a:srcRect r="26400" b="80062"/>
-          <a:stretch/>
-        </p:blipFill>
-        <p:spPr bwMode="auto">
-          <a:xfrm>
-            <a:off x="4285218" y="4871063"/>
-            <a:ext cx="3382407" cy="320846"/>
-          </a:xfrm>
-          <a:prstGeom prst="rect">
-            <a:avLst/>
-          </a:prstGeom>
-          <a:noFill/>
-          <a:ln>
-            <a:solidFill>
-              <a:schemeClr val="bg1"/>
-            </a:solidFill>
-          </a:ln>
-          <a:extLst>
-            <a:ext uri="{909E8E84-426E-40DD-AFC4-6F175D3DCCD1}">
-              <a14:hiddenFill xmlns:a14="http://schemas.microsoft.com/office/drawing/2010/main">
-                <a:solidFill>
-                  <a:srgbClr val="FFFFFF"/>
-                </a:solidFill>
-              </a14:hiddenFill>
-            </a:ext>
-          </a:extLst>
-        </p:spPr>
-      </p:pic>
-      <p:sp>
-        <p:nvSpPr>
-          <p:cNvPr id="15" name="Rectangle 14">
-            <a:extLst>
-              <a:ext uri="{FF2B5EF4-FFF2-40B4-BE49-F238E27FC236}">
-                <a16:creationId xmlns:a16="http://schemas.microsoft.com/office/drawing/2014/main" id="{97743DB1-FA0C-37E7-E303-A1AF55B8C84A}"/>
-              </a:ext>
-            </a:extLst>
-          </p:cNvPr>
-          <p:cNvSpPr/>
-          <p:nvPr/>
-        </p:nvSpPr>
-        <p:spPr>
-          <a:xfrm>
-            <a:off x="6432080" y="4890067"/>
-            <a:ext cx="301841" cy="301841"/>
-          </a:xfrm>
-          <a:prstGeom prst="rect">
-            <a:avLst/>
-          </a:prstGeom>
-          <a:noFill/>
-          <a:ln w="28575">
-            <a:solidFill>
-              <a:srgbClr val="00B0F0"/>
-            </a:solidFill>
-          </a:ln>
-        </p:spPr>
-        <p:style>
-          <a:lnRef idx="1">
-            <a:schemeClr val="accent1"/>
-          </a:lnRef>
-          <a:fillRef idx="3">
-            <a:schemeClr val="accent1"/>
-          </a:fillRef>
-          <a:effectRef idx="2">
-            <a:schemeClr val="accent1"/>
-          </a:effectRef>
-          <a:fontRef idx="minor">
-            <a:schemeClr val="lt1"/>
-          </a:fontRef>
-        </p:style>
-        <p:txBody>
-          <a:bodyPr rtlCol="0" anchor="ctr"/>
-          <a:lstStyle/>
-          <a:p>
-            <a:pPr algn="ctr"/>
-            <a:endParaRPr lang="en-US"/>
-          </a:p>
-        </p:txBody>
-      </p:sp>
-      <p:cxnSp>
-        <p:nvCxnSpPr>
-          <p:cNvPr id="17" name="Straight Connector 16">
-            <a:extLst>
-              <a:ext uri="{FF2B5EF4-FFF2-40B4-BE49-F238E27FC236}">
-                <a16:creationId xmlns:a16="http://schemas.microsoft.com/office/drawing/2014/main" id="{BA3039BC-4FF1-DE75-D33F-9B39A4FF01A4}"/>
-              </a:ext>
-            </a:extLst>
-          </p:cNvPr>
-          <p:cNvCxnSpPr>
-            <a:cxnSpLocks/>
-            <a:stCxn id="15" idx="3"/>
-          </p:cNvCxnSpPr>
-          <p:nvPr/>
-        </p:nvCxnSpPr>
-        <p:spPr>
-          <a:xfrm flipV="1">
-            <a:off x="6733921" y="5040987"/>
-            <a:ext cx="1333754" cy="1"/>
-          </a:xfrm>
-          <a:prstGeom prst="line">
-            <a:avLst/>
-          </a:prstGeom>
-          <a:ln>
-            <a:solidFill>
-              <a:srgbClr val="00B0F0"/>
-            </a:solidFill>
-          </a:ln>
-        </p:spPr>
-        <p:style>
-          <a:lnRef idx="2">
-            <a:schemeClr val="accent1"/>
-          </a:lnRef>
-          <a:fillRef idx="0">
-            <a:schemeClr val="accent1"/>
-          </a:fillRef>
-          <a:effectRef idx="1">
-            <a:schemeClr val="accent1"/>
-          </a:effectRef>
-          <a:fontRef idx="minor">
-            <a:schemeClr val="tx1"/>
-          </a:fontRef>
-        </p:style>
-      </p:cxnSp>
-      <p:sp>
-        <p:nvSpPr>
-          <p:cNvPr id="20" name="Rectangle 19">
-            <a:extLst>
-              <a:ext uri="{FF2B5EF4-FFF2-40B4-BE49-F238E27FC236}">
-                <a16:creationId xmlns:a16="http://schemas.microsoft.com/office/drawing/2014/main" id="{5D09B655-9AE2-CD82-FD32-3842B4E7CE51}"/>
-              </a:ext>
-            </a:extLst>
-          </p:cNvPr>
-          <p:cNvSpPr/>
-          <p:nvPr/>
-        </p:nvSpPr>
-        <p:spPr>
-          <a:xfrm>
-            <a:off x="4586950" y="4890068"/>
-            <a:ext cx="301841" cy="301841"/>
-          </a:xfrm>
-          <a:prstGeom prst="rect">
-            <a:avLst/>
-          </a:prstGeom>
-          <a:noFill/>
-          <a:ln w="28575">
-            <a:solidFill>
-              <a:srgbClr val="FF66FF"/>
-            </a:solidFill>
-          </a:ln>
-        </p:spPr>
-        <p:style>
-          <a:lnRef idx="1">
-            <a:schemeClr val="accent1"/>
-          </a:lnRef>
-          <a:fillRef idx="3">
-            <a:schemeClr val="accent1"/>
-          </a:fillRef>
-          <a:effectRef idx="2">
-            <a:schemeClr val="accent1"/>
-          </a:effectRef>
-          <a:fontRef idx="minor">
-            <a:schemeClr val="lt1"/>
-          </a:fontRef>
-        </p:style>
-        <p:txBody>
-          <a:bodyPr rtlCol="0" anchor="ctr"/>
-          <a:lstStyle/>
-          <a:p>
-            <a:pPr algn="ctr"/>
-            <a:endParaRPr lang="en-US"/>
-          </a:p>
-        </p:txBody>
-      </p:sp>
-      <p:cxnSp>
-        <p:nvCxnSpPr>
-          <p:cNvPr id="21" name="Straight Connector 20">
-            <a:extLst>
-              <a:ext uri="{FF2B5EF4-FFF2-40B4-BE49-F238E27FC236}">
-                <a16:creationId xmlns:a16="http://schemas.microsoft.com/office/drawing/2014/main" id="{7E196047-6CDC-E235-C9D7-35AC5696AAD3}"/>
-              </a:ext>
-            </a:extLst>
-          </p:cNvPr>
-          <p:cNvCxnSpPr>
-            <a:cxnSpLocks/>
-          </p:cNvCxnSpPr>
-          <p:nvPr/>
-        </p:nvCxnSpPr>
-        <p:spPr>
-          <a:xfrm>
-            <a:off x="4052009" y="5021983"/>
-            <a:ext cx="534941" cy="0"/>
-          </a:xfrm>
-          <a:prstGeom prst="line">
-            <a:avLst/>
-          </a:prstGeom>
-          <a:ln>
-            <a:solidFill>
-              <a:srgbClr val="FF66FF"/>
-            </a:solidFill>
-          </a:ln>
-        </p:spPr>
-        <p:style>
-          <a:lnRef idx="2">
-            <a:schemeClr val="accent1"/>
-          </a:lnRef>
-          <a:fillRef idx="0">
-            <a:schemeClr val="accent1"/>
-          </a:fillRef>
-          <a:effectRef idx="1">
-            <a:schemeClr val="accent1"/>
-          </a:effectRef>
-          <a:fontRef idx="minor">
-            <a:schemeClr val="tx1"/>
-          </a:fontRef>
-        </p:style>
-      </p:cxnSp>
-      <p:sp>
-        <p:nvSpPr>
-          <p:cNvPr id="6" name="Rectangle 5">
-            <a:extLst>
-              <a:ext uri="{FF2B5EF4-FFF2-40B4-BE49-F238E27FC236}">
-                <a16:creationId xmlns:a16="http://schemas.microsoft.com/office/drawing/2014/main" id="{3CE7954B-586E-187C-6981-41C0CDD41E16}"/>
-              </a:ext>
-            </a:extLst>
-          </p:cNvPr>
-          <p:cNvSpPr/>
-          <p:nvPr/>
-        </p:nvSpPr>
-        <p:spPr>
-          <a:xfrm>
-            <a:off x="2741929" y="4687553"/>
-            <a:ext cx="1310080" cy="772218"/>
-          </a:xfrm>
-          <a:prstGeom prst="rect">
-            <a:avLst/>
-          </a:prstGeom>
-          <a:noFill/>
-          <a:ln w="28575" cap="flat" cmpd="sng" algn="ctr">
-            <a:solidFill>
-              <a:srgbClr val="FF66FF"/>
-            </a:solidFill>
-            <a:prstDash val="solid"/>
-            <a:round/>
-            <a:headEnd type="none" w="med" len="med"/>
-            <a:tailEnd type="none" w="med" len="med"/>
-          </a:ln>
-        </p:spPr>
-        <p:style>
-          <a:lnRef idx="0">
-            <a:scrgbClr r="0" g="0" b="0"/>
-          </a:lnRef>
-          <a:fillRef idx="0">
-            <a:scrgbClr r="0" g="0" b="0"/>
-          </a:fillRef>
-          <a:effectRef idx="0">
-            <a:scrgbClr r="0" g="0" b="0"/>
-          </a:effectRef>
-          <a:fontRef idx="minor">
-            <a:schemeClr val="dk1"/>
-          </a:fontRef>
-        </p:style>
-        <p:txBody>
-          <a:bodyPr rtlCol="0" anchor="ctr"/>
-          <a:lstStyle/>
-          <a:p>
-            <a:pPr algn="ctr"/>
-            <a:r>
-              <a:rPr lang="en-US" sz="2000" dirty="0">
-                <a:solidFill>
-                  <a:schemeClr val="tx1"/>
-                </a:solidFill>
-              </a:rPr>
-              <a:t>very</a:t>
-            </a:r>
-          </a:p>
-          <a:p>
-            <a:pPr algn="ctr"/>
-            <a:r>
-              <a:rPr lang="en-US" sz="2000" dirty="0">
-                <a:solidFill>
-                  <a:schemeClr val="tx1"/>
-                </a:solidFill>
-              </a:rPr>
-              <a:t>unfamiliar</a:t>
-            </a:r>
-          </a:p>
-        </p:txBody>
-      </p:sp>
-      <p:sp>
-        <p:nvSpPr>
-          <p:cNvPr id="7" name="Rectangle 6">
-            <a:extLst>
-              <a:ext uri="{FF2B5EF4-FFF2-40B4-BE49-F238E27FC236}">
-                <a16:creationId xmlns:a16="http://schemas.microsoft.com/office/drawing/2014/main" id="{0AA3FE03-F79A-542E-C548-871038B6ADAD}"/>
-              </a:ext>
-            </a:extLst>
-          </p:cNvPr>
-          <p:cNvSpPr/>
-          <p:nvPr/>
-        </p:nvSpPr>
-        <p:spPr>
-          <a:xfrm>
-            <a:off x="8067675" y="4687553"/>
-            <a:ext cx="1218368" cy="772218"/>
-          </a:xfrm>
-          <a:prstGeom prst="rect">
-            <a:avLst/>
-          </a:prstGeom>
-          <a:noFill/>
-          <a:ln w="28575">
-            <a:solidFill>
-              <a:srgbClr val="00B0F0"/>
-            </a:solidFill>
-          </a:ln>
-        </p:spPr>
-        <p:style>
-          <a:lnRef idx="0">
-            <a:scrgbClr r="0" g="0" b="0"/>
-          </a:lnRef>
-          <a:fillRef idx="0">
-            <a:scrgbClr r="0" g="0" b="0"/>
-          </a:fillRef>
-          <a:effectRef idx="0">
-            <a:scrgbClr r="0" g="0" b="0"/>
-          </a:effectRef>
-          <a:fontRef idx="minor">
-            <a:schemeClr val="dk1"/>
-          </a:fontRef>
-        </p:style>
-        <p:txBody>
-          <a:bodyPr rtlCol="0" anchor="ctr"/>
-          <a:lstStyle/>
-          <a:p>
-            <a:pPr algn="ctr"/>
-            <a:r>
-              <a:rPr lang="en-US" sz="2000" dirty="0">
-                <a:solidFill>
-                  <a:schemeClr val="tx1"/>
-                </a:solidFill>
-              </a:rPr>
-              <a:t>very </a:t>
-            </a:r>
-            <a:br>
-              <a:rPr lang="en-US" sz="2000" dirty="0">
-                <a:solidFill>
-                  <a:schemeClr val="tx1"/>
-                </a:solidFill>
-              </a:rPr>
-            </a:br>
-            <a:r>
-              <a:rPr lang="en-US" sz="2000" dirty="0">
-                <a:solidFill>
-                  <a:schemeClr val="tx1"/>
-                </a:solidFill>
-              </a:rPr>
-              <a:t>familiar</a:t>
-            </a:r>
-          </a:p>
-        </p:txBody>
-      </p:sp>
-    </p:spTree>
-    <p:extLst>
-      <p:ext uri="{BB962C8B-B14F-4D97-AF65-F5344CB8AC3E}">
-        <p14:creationId xmlns:p14="http://schemas.microsoft.com/office/powerpoint/2010/main" val="2894883524"/>
       </p:ext>
     </p:extLst>
   </p:cSld>
@@ -9325,6 +8853,19 @@
         </a:fontRef>
       </a:style>
     </a:lnDef>
+    <a:txDef>
+      <a:spPr>
+        <a:noFill/>
+      </a:spPr>
+      <a:bodyPr wrap="square" rtlCol="0">
+        <a:spAutoFit/>
+      </a:bodyPr>
+      <a:lstStyle>
+        <a:defPPr algn="l">
+          <a:defRPr dirty="0"/>
+        </a:defPPr>
+      </a:lstStyle>
+    </a:txDef>
   </a:objectDefaults>
   <a:extraClrSchemeLst/>
 </a:theme>

--- a/instructions/Instructions.pptx
+++ b/instructions/Instructions.pptx
@@ -169,7 +169,7 @@
   <pc:docChgLst>
     <pc:chgData name="Micha Engeser" userId="a533b431-da3e-471f-8983-fd723c6850d4" providerId="ADAL" clId="{05E83482-96C4-4B03-864C-FE5F129C6CDA}"/>
     <pc:docChg chg="undo custSel addSld delSld modSld sldOrd addSection modSection">
-      <pc:chgData name="Micha Engeser" userId="a533b431-da3e-471f-8983-fd723c6850d4" providerId="ADAL" clId="{05E83482-96C4-4B03-864C-FE5F129C6CDA}" dt="2023-11-27T15:57:25.828" v="3279" actId="47"/>
+      <pc:chgData name="Micha Engeser" userId="a533b431-da3e-471f-8983-fd723c6850d4" providerId="ADAL" clId="{05E83482-96C4-4B03-864C-FE5F129C6CDA}" dt="2023-11-28T10:21:04.188" v="3285" actId="20577"/>
       <pc:docMkLst>
         <pc:docMk/>
       </pc:docMkLst>
@@ -778,13 +778,13 @@
         </pc:picChg>
       </pc:sldChg>
       <pc:sldChg chg="addSp delSp modSp add mod">
-        <pc:chgData name="Micha Engeser" userId="a533b431-da3e-471f-8983-fd723c6850d4" providerId="ADAL" clId="{05E83482-96C4-4B03-864C-FE5F129C6CDA}" dt="2023-11-27T15:52:20.739" v="3088" actId="20577"/>
+        <pc:chgData name="Micha Engeser" userId="a533b431-da3e-471f-8983-fd723c6850d4" providerId="ADAL" clId="{05E83482-96C4-4B03-864C-FE5F129C6CDA}" dt="2023-11-28T10:20:56.681" v="3282" actId="20577"/>
         <pc:sldMkLst>
           <pc:docMk/>
           <pc:sldMk cId="4137375922" sldId="277"/>
         </pc:sldMkLst>
         <pc:spChg chg="mod">
-          <ac:chgData name="Micha Engeser" userId="a533b431-da3e-471f-8983-fd723c6850d4" providerId="ADAL" clId="{05E83482-96C4-4B03-864C-FE5F129C6CDA}" dt="2023-11-27T15:52:20.739" v="3088" actId="20577"/>
+          <ac:chgData name="Micha Engeser" userId="a533b431-da3e-471f-8983-fd723c6850d4" providerId="ADAL" clId="{05E83482-96C4-4B03-864C-FE5F129C6CDA}" dt="2023-11-28T10:20:56.681" v="3282" actId="20577"/>
           <ac:spMkLst>
             <pc:docMk/>
             <pc:sldMk cId="4137375922" sldId="277"/>
@@ -816,13 +816,13 @@
         </pc:sldMkLst>
       </pc:sldChg>
       <pc:sldChg chg="delSp modSp add mod">
-        <pc:chgData name="Micha Engeser" userId="a533b431-da3e-471f-8983-fd723c6850d4" providerId="ADAL" clId="{05E83482-96C4-4B03-864C-FE5F129C6CDA}" dt="2023-11-27T15:52:43.493" v="3091" actId="20577"/>
+        <pc:chgData name="Micha Engeser" userId="a533b431-da3e-471f-8983-fd723c6850d4" providerId="ADAL" clId="{05E83482-96C4-4B03-864C-FE5F129C6CDA}" dt="2023-11-28T10:21:04.188" v="3285" actId="20577"/>
         <pc:sldMkLst>
           <pc:docMk/>
           <pc:sldMk cId="3355149081" sldId="278"/>
         </pc:sldMkLst>
         <pc:spChg chg="mod">
-          <ac:chgData name="Micha Engeser" userId="a533b431-da3e-471f-8983-fd723c6850d4" providerId="ADAL" clId="{05E83482-96C4-4B03-864C-FE5F129C6CDA}" dt="2023-11-27T15:52:43.493" v="3091" actId="20577"/>
+          <ac:chgData name="Micha Engeser" userId="a533b431-da3e-471f-8983-fd723c6850d4" providerId="ADAL" clId="{05E83482-96C4-4B03-864C-FE5F129C6CDA}" dt="2023-11-28T10:21:04.188" v="3285" actId="20577"/>
           <ac:spMkLst>
             <pc:docMk/>
             <pc:sldMk cId="3355149081" sldId="278"/>
@@ -1330,7 +1330,7 @@
           <a:p>
             <a:fld id="{9D7C6ACB-8DF6-1449-BE97-CA8D947F79D3}" type="datetimeFigureOut">
               <a:rPr lang="en-US" smtClean="0"/>
-              <a:t>11/27/2023</a:t>
+              <a:t>11/28/2023</a:t>
             </a:fld>
             <a:endParaRPr lang="en-US"/>
           </a:p>
@@ -1498,7 +1498,7 @@
           <a:p>
             <a:fld id="{9D7C6ACB-8DF6-1449-BE97-CA8D947F79D3}" type="datetimeFigureOut">
               <a:rPr lang="en-US" smtClean="0"/>
-              <a:t>11/27/2023</a:t>
+              <a:t>11/28/2023</a:t>
             </a:fld>
             <a:endParaRPr lang="en-US"/>
           </a:p>
@@ -1676,7 +1676,7 @@
           <a:p>
             <a:fld id="{9D7C6ACB-8DF6-1449-BE97-CA8D947F79D3}" type="datetimeFigureOut">
               <a:rPr lang="en-US" smtClean="0"/>
-              <a:t>11/27/2023</a:t>
+              <a:t>11/28/2023</a:t>
             </a:fld>
             <a:endParaRPr lang="en-US"/>
           </a:p>
@@ -1844,7 +1844,7 @@
           <a:p>
             <a:fld id="{9D7C6ACB-8DF6-1449-BE97-CA8D947F79D3}" type="datetimeFigureOut">
               <a:rPr lang="en-US" smtClean="0"/>
-              <a:t>11/27/2023</a:t>
+              <a:t>11/28/2023</a:t>
             </a:fld>
             <a:endParaRPr lang="en-US"/>
           </a:p>
@@ -2089,7 +2089,7 @@
           <a:p>
             <a:fld id="{9D7C6ACB-8DF6-1449-BE97-CA8D947F79D3}" type="datetimeFigureOut">
               <a:rPr lang="en-US" smtClean="0"/>
-              <a:t>11/27/2023</a:t>
+              <a:t>11/28/2023</a:t>
             </a:fld>
             <a:endParaRPr lang="en-US"/>
           </a:p>
@@ -2374,7 +2374,7 @@
           <a:p>
             <a:fld id="{9D7C6ACB-8DF6-1449-BE97-CA8D947F79D3}" type="datetimeFigureOut">
               <a:rPr lang="en-US" smtClean="0"/>
-              <a:t>11/27/2023</a:t>
+              <a:t>11/28/2023</a:t>
             </a:fld>
             <a:endParaRPr lang="en-US"/>
           </a:p>
@@ -2793,7 +2793,7 @@
           <a:p>
             <a:fld id="{9D7C6ACB-8DF6-1449-BE97-CA8D947F79D3}" type="datetimeFigureOut">
               <a:rPr lang="en-US" smtClean="0"/>
-              <a:t>11/27/2023</a:t>
+              <a:t>11/28/2023</a:t>
             </a:fld>
             <a:endParaRPr lang="en-US"/>
           </a:p>
@@ -2910,7 +2910,7 @@
           <a:p>
             <a:fld id="{9D7C6ACB-8DF6-1449-BE97-CA8D947F79D3}" type="datetimeFigureOut">
               <a:rPr lang="en-US" smtClean="0"/>
-              <a:t>11/27/2023</a:t>
+              <a:t>11/28/2023</a:t>
             </a:fld>
             <a:endParaRPr lang="en-US"/>
           </a:p>
@@ -3005,7 +3005,7 @@
           <a:p>
             <a:fld id="{9D7C6ACB-8DF6-1449-BE97-CA8D947F79D3}" type="datetimeFigureOut">
               <a:rPr lang="en-US" smtClean="0"/>
-              <a:t>11/27/2023</a:t>
+              <a:t>11/28/2023</a:t>
             </a:fld>
             <a:endParaRPr lang="en-US"/>
           </a:p>
@@ -3280,7 +3280,7 @@
           <a:p>
             <a:fld id="{9D7C6ACB-8DF6-1449-BE97-CA8D947F79D3}" type="datetimeFigureOut">
               <a:rPr lang="en-US" smtClean="0"/>
-              <a:t>11/27/2023</a:t>
+              <a:t>11/28/2023</a:t>
             </a:fld>
             <a:endParaRPr lang="en-US"/>
           </a:p>
@@ -3532,7 +3532,7 @@
           <a:p>
             <a:fld id="{9D7C6ACB-8DF6-1449-BE97-CA8D947F79D3}" type="datetimeFigureOut">
               <a:rPr lang="en-US" smtClean="0"/>
-              <a:t>11/27/2023</a:t>
+              <a:t>11/28/2023</a:t>
             </a:fld>
             <a:endParaRPr lang="en-US"/>
           </a:p>
@@ -3746,7 +3746,7 @@
           <a:p>
             <a:fld id="{9D7C6ACB-8DF6-1449-BE97-CA8D947F79D3}" type="datetimeFigureOut">
               <a:rPr lang="en-US" smtClean="0"/>
-              <a:t>11/27/2023</a:t>
+              <a:t>11/28/2023</a:t>
             </a:fld>
             <a:endParaRPr lang="en-US"/>
           </a:p>
@@ -5751,7 +5751,7 @@
             </a:r>
             <a:r>
               <a:rPr lang="en-US" sz="2400" dirty="0"/>
-              <a:t>. The images will be shown for 1.5 seconds. Your task is to rate your personal experience of the image a scale from </a:t>
+              <a:t>. The images will be shown for 1.5 seconds. Your task is to rate your personal experience of the image on a scale from </a:t>
             </a:r>
             <a:r>
               <a:rPr lang="en-US" sz="2400" b="1" dirty="0"/>
@@ -5936,7 +5936,15 @@
             </a:r>
             <a:r>
               <a:rPr lang="en-US" sz="2400" dirty="0"/>
-              <a:t>. The images will be shown for 1.5 seconds. Your task is to rate your personal experience of the image a scale from </a:t>
+              <a:t>. The images will be shown for 1.5 seconds. Your task is to rate your personal experience of the </a:t>
+            </a:r>
+            <a:r>
+              <a:rPr lang="en-US" sz="2400"/>
+              <a:t>image on a </a:t>
+            </a:r>
+            <a:r>
+              <a:rPr lang="en-US" sz="2400" dirty="0"/>
+              <a:t>scale from </a:t>
             </a:r>
             <a:r>
               <a:rPr lang="en-US" sz="2400" b="1" dirty="0"/>

--- a/instructions/Instructions.pptx
+++ b/instructions/Instructions.pptx
@@ -169,7 +169,7 @@
   <pc:docChgLst>
     <pc:chgData name="Micha Engeser" userId="a533b431-da3e-471f-8983-fd723c6850d4" providerId="ADAL" clId="{05E83482-96C4-4B03-864C-FE5F129C6CDA}"/>
     <pc:docChg chg="undo custSel addSld delSld modSld sldOrd addSection modSection">
-      <pc:chgData name="Micha Engeser" userId="a533b431-da3e-471f-8983-fd723c6850d4" providerId="ADAL" clId="{05E83482-96C4-4B03-864C-FE5F129C6CDA}" dt="2023-11-28T10:21:04.188" v="3285" actId="20577"/>
+      <pc:chgData name="Micha Engeser" userId="a533b431-da3e-471f-8983-fd723c6850d4" providerId="ADAL" clId="{05E83482-96C4-4B03-864C-FE5F129C6CDA}" dt="2023-12-01T12:58:01.639" v="3375" actId="22"/>
       <pc:docMkLst>
         <pc:docMk/>
       </pc:docMkLst>
@@ -402,7 +402,7 @@
         </pc:spChg>
       </pc:sldChg>
       <pc:sldChg chg="addSp delSp modSp add mod">
-        <pc:chgData name="Micha Engeser" userId="a533b431-da3e-471f-8983-fd723c6850d4" providerId="ADAL" clId="{05E83482-96C4-4B03-864C-FE5F129C6CDA}" dt="2023-11-27T15:54:26.116" v="3147" actId="20577"/>
+        <pc:chgData name="Micha Engeser" userId="a533b431-da3e-471f-8983-fd723c6850d4" providerId="ADAL" clId="{05E83482-96C4-4B03-864C-FE5F129C6CDA}" dt="2023-12-01T12:54:48.741" v="3370" actId="22"/>
         <pc:sldMkLst>
           <pc:docMk/>
           <pc:sldMk cId="2338977154" sldId="270"/>
@@ -423,6 +423,14 @@
             <ac:spMk id="3" creationId="{5533AE1F-64CC-6EDB-78FA-A320472CFC15}"/>
           </ac:spMkLst>
         </pc:spChg>
+        <pc:spChg chg="add del">
+          <ac:chgData name="Micha Engeser" userId="a533b431-da3e-471f-8983-fd723c6850d4" providerId="ADAL" clId="{05E83482-96C4-4B03-864C-FE5F129C6CDA}" dt="2023-12-01T12:40:43.669" v="3369" actId="478"/>
+          <ac:spMkLst>
+            <pc:docMk/>
+            <pc:sldMk cId="2338977154" sldId="270"/>
+            <ac:spMk id="3" creationId="{C6A81CC4-0FD0-95C7-3308-F2AA65D92B23}"/>
+          </ac:spMkLst>
+        </pc:spChg>
         <pc:spChg chg="mod">
           <ac:chgData name="Micha Engeser" userId="a533b431-da3e-471f-8983-fd723c6850d4" providerId="ADAL" clId="{05E83482-96C4-4B03-864C-FE5F129C6CDA}" dt="2023-11-27T15:54:26.116" v="3147" actId="20577"/>
           <ac:spMkLst>
@@ -477,6 +485,14 @@
             <pc:docMk/>
             <pc:sldMk cId="2338977154" sldId="270"/>
             <ac:picMk id="3" creationId="{203BE947-F453-4732-6E5E-DE77E119B2E2}"/>
+          </ac:picMkLst>
+        </pc:picChg>
+        <pc:picChg chg="add">
+          <ac:chgData name="Micha Engeser" userId="a533b431-da3e-471f-8983-fd723c6850d4" providerId="ADAL" clId="{05E83482-96C4-4B03-864C-FE5F129C6CDA}" dt="2023-12-01T12:54:48.741" v="3370" actId="22"/>
+          <ac:picMkLst>
+            <pc:docMk/>
+            <pc:sldMk cId="2338977154" sldId="270"/>
+            <ac:picMk id="8" creationId="{F9D93483-E00C-4B3D-0016-4FAE33DDA13F}"/>
           </ac:picMkLst>
         </pc:picChg>
         <pc:picChg chg="del mod">
@@ -876,7 +892,7 @@
         </pc:spChg>
       </pc:sldChg>
       <pc:sldChg chg="addSp delSp modSp add mod">
-        <pc:chgData name="Micha Engeser" userId="a533b431-da3e-471f-8983-fd723c6850d4" providerId="ADAL" clId="{05E83482-96C4-4B03-864C-FE5F129C6CDA}" dt="2023-11-27T15:54:11.980" v="3135" actId="20577"/>
+        <pc:chgData name="Micha Engeser" userId="a533b431-da3e-471f-8983-fd723c6850d4" providerId="ADAL" clId="{05E83482-96C4-4B03-864C-FE5F129C6CDA}" dt="2023-12-01T12:56:42.404" v="3372" actId="1076"/>
         <pc:sldMkLst>
           <pc:docMk/>
           <pc:sldMk cId="196451270" sldId="282"/>
@@ -953,15 +969,23 @@
             <ac:spMk id="10" creationId="{C5729EE5-5FA4-70EA-75D0-5F1045B283EB}"/>
           </ac:spMkLst>
         </pc:spChg>
+        <pc:picChg chg="add mod">
+          <ac:chgData name="Micha Engeser" userId="a533b431-da3e-471f-8983-fd723c6850d4" providerId="ADAL" clId="{05E83482-96C4-4B03-864C-FE5F129C6CDA}" dt="2023-12-01T12:56:42.404" v="3372" actId="1076"/>
+          <ac:picMkLst>
+            <pc:docMk/>
+            <pc:sldMk cId="196451270" sldId="282"/>
+            <ac:picMk id="3" creationId="{511E7084-13DD-261A-40E7-8908B1FD66A5}"/>
+          </ac:picMkLst>
+        </pc:picChg>
       </pc:sldChg>
-      <pc:sldChg chg="modSp add mod">
-        <pc:chgData name="Micha Engeser" userId="a533b431-da3e-471f-8983-fd723c6850d4" providerId="ADAL" clId="{05E83482-96C4-4B03-864C-FE5F129C6CDA}" dt="2023-11-27T15:54:39.407" v="3157" actId="20577"/>
+      <pc:sldChg chg="addSp modSp add mod">
+        <pc:chgData name="Micha Engeser" userId="a533b431-da3e-471f-8983-fd723c6850d4" providerId="ADAL" clId="{05E83482-96C4-4B03-864C-FE5F129C6CDA}" dt="2023-12-01T12:57:32.434" v="3374" actId="1076"/>
         <pc:sldMkLst>
           <pc:docMk/>
           <pc:sldMk cId="1400370751" sldId="283"/>
         </pc:sldMkLst>
         <pc:spChg chg="mod">
-          <ac:chgData name="Micha Engeser" userId="a533b431-da3e-471f-8983-fd723c6850d4" providerId="ADAL" clId="{05E83482-96C4-4B03-864C-FE5F129C6CDA}" dt="2023-11-27T15:54:39.407" v="3157" actId="20577"/>
+          <ac:chgData name="Micha Engeser" userId="a533b431-da3e-471f-8983-fd723c6850d4" providerId="ADAL" clId="{05E83482-96C4-4B03-864C-FE5F129C6CDA}" dt="2023-12-01T10:40:35.801" v="3292" actId="20577"/>
           <ac:spMkLst>
             <pc:docMk/>
             <pc:sldMk cId="1400370751" sldId="283"/>
@@ -984,6 +1008,14 @@
             <ac:spMk id="7" creationId="{0AA3FE03-F79A-542E-C548-871038B6ADAD}"/>
           </ac:spMkLst>
         </pc:spChg>
+        <pc:picChg chg="add mod">
+          <ac:chgData name="Micha Engeser" userId="a533b431-da3e-471f-8983-fd723c6850d4" providerId="ADAL" clId="{05E83482-96C4-4B03-864C-FE5F129C6CDA}" dt="2023-12-01T12:57:32.434" v="3374" actId="1076"/>
+          <ac:picMkLst>
+            <pc:docMk/>
+            <pc:sldMk cId="1400370751" sldId="283"/>
+            <ac:picMk id="3" creationId="{58AC10CD-296A-6EE6-69A2-16B8EB978E39}"/>
+          </ac:picMkLst>
+        </pc:picChg>
       </pc:sldChg>
       <pc:sldChg chg="delSp modSp add del mod ord">
         <pc:chgData name="Micha Engeser" userId="a533b431-da3e-471f-8983-fd723c6850d4" providerId="ADAL" clId="{05E83482-96C4-4B03-864C-FE5F129C6CDA}" dt="2023-11-24T15:39:17.740" v="2796" actId="47"/>
@@ -1009,7 +1041,7 @@
         </pc:spChg>
       </pc:sldChg>
       <pc:sldChg chg="addSp delSp modSp add mod">
-        <pc:chgData name="Micha Engeser" userId="a533b431-da3e-471f-8983-fd723c6850d4" providerId="ADAL" clId="{05E83482-96C4-4B03-864C-FE5F129C6CDA}" dt="2023-11-27T15:55:40.236" v="3180" actId="20577"/>
+        <pc:chgData name="Micha Engeser" userId="a533b431-da3e-471f-8983-fd723c6850d4" providerId="ADAL" clId="{05E83482-96C4-4B03-864C-FE5F129C6CDA}" dt="2023-12-01T12:58:01.639" v="3375" actId="22"/>
         <pc:sldMkLst>
           <pc:docMk/>
           <pc:sldMk cId="2961459844" sldId="285"/>
@@ -1054,6 +1086,14 @@
             <ac:spMk id="7" creationId="{0AA3FE03-F79A-542E-C548-871038B6ADAD}"/>
           </ac:spMkLst>
         </pc:spChg>
+        <pc:picChg chg="add">
+          <ac:chgData name="Micha Engeser" userId="a533b431-da3e-471f-8983-fd723c6850d4" providerId="ADAL" clId="{05E83482-96C4-4B03-864C-FE5F129C6CDA}" dt="2023-12-01T12:58:01.639" v="3375" actId="22"/>
+          <ac:picMkLst>
+            <pc:docMk/>
+            <pc:sldMk cId="2961459844" sldId="285"/>
+            <ac:picMk id="3" creationId="{3228FD5D-5924-9876-43E6-734822CE9281}"/>
+          </ac:picMkLst>
+        </pc:picChg>
       </pc:sldChg>
       <pc:sldChg chg="modSp add del mod">
         <pc:chgData name="Micha Engeser" userId="a533b431-da3e-471f-8983-fd723c6850d4" providerId="ADAL" clId="{05E83482-96C4-4B03-864C-FE5F129C6CDA}" dt="2023-11-24T15:40:16.591" v="2815" actId="47"/>
@@ -1071,13 +1111,13 @@
         </pc:spChg>
       </pc:sldChg>
       <pc:sldChg chg="modSp add mod ord">
-        <pc:chgData name="Micha Engeser" userId="a533b431-da3e-471f-8983-fd723c6850d4" providerId="ADAL" clId="{05E83482-96C4-4B03-864C-FE5F129C6CDA}" dt="2023-11-27T15:57:07.581" v="3278" actId="20577"/>
+        <pc:chgData name="Micha Engeser" userId="a533b431-da3e-471f-8983-fd723c6850d4" providerId="ADAL" clId="{05E83482-96C4-4B03-864C-FE5F129C6CDA}" dt="2023-12-01T10:53:51.140" v="3367" actId="20577"/>
         <pc:sldMkLst>
           <pc:docMk/>
           <pc:sldMk cId="3028571398" sldId="287"/>
         </pc:sldMkLst>
         <pc:spChg chg="mod">
-          <ac:chgData name="Micha Engeser" userId="a533b431-da3e-471f-8983-fd723c6850d4" providerId="ADAL" clId="{05E83482-96C4-4B03-864C-FE5F129C6CDA}" dt="2023-11-27T15:57:03.018" v="3271" actId="20577"/>
+          <ac:chgData name="Micha Engeser" userId="a533b431-da3e-471f-8983-fd723c6850d4" providerId="ADAL" clId="{05E83482-96C4-4B03-864C-FE5F129C6CDA}" dt="2023-12-01T10:53:51.140" v="3367" actId="20577"/>
           <ac:spMkLst>
             <pc:docMk/>
             <pc:sldMk cId="3028571398" sldId="287"/>
@@ -1330,7 +1370,7 @@
           <a:p>
             <a:fld id="{9D7C6ACB-8DF6-1449-BE97-CA8D947F79D3}" type="datetimeFigureOut">
               <a:rPr lang="en-US" smtClean="0"/>
-              <a:t>11/28/2023</a:t>
+              <a:t>12/1/2023</a:t>
             </a:fld>
             <a:endParaRPr lang="en-US"/>
           </a:p>
@@ -1498,7 +1538,7 @@
           <a:p>
             <a:fld id="{9D7C6ACB-8DF6-1449-BE97-CA8D947F79D3}" type="datetimeFigureOut">
               <a:rPr lang="en-US" smtClean="0"/>
-              <a:t>11/28/2023</a:t>
+              <a:t>12/1/2023</a:t>
             </a:fld>
             <a:endParaRPr lang="en-US"/>
           </a:p>
@@ -1676,7 +1716,7 @@
           <a:p>
             <a:fld id="{9D7C6ACB-8DF6-1449-BE97-CA8D947F79D3}" type="datetimeFigureOut">
               <a:rPr lang="en-US" smtClean="0"/>
-              <a:t>11/28/2023</a:t>
+              <a:t>12/1/2023</a:t>
             </a:fld>
             <a:endParaRPr lang="en-US"/>
           </a:p>
@@ -1844,7 +1884,7 @@
           <a:p>
             <a:fld id="{9D7C6ACB-8DF6-1449-BE97-CA8D947F79D3}" type="datetimeFigureOut">
               <a:rPr lang="en-US" smtClean="0"/>
-              <a:t>11/28/2023</a:t>
+              <a:t>12/1/2023</a:t>
             </a:fld>
             <a:endParaRPr lang="en-US"/>
           </a:p>
@@ -2089,7 +2129,7 @@
           <a:p>
             <a:fld id="{9D7C6ACB-8DF6-1449-BE97-CA8D947F79D3}" type="datetimeFigureOut">
               <a:rPr lang="en-US" smtClean="0"/>
-              <a:t>11/28/2023</a:t>
+              <a:t>12/1/2023</a:t>
             </a:fld>
             <a:endParaRPr lang="en-US"/>
           </a:p>
@@ -2374,7 +2414,7 @@
           <a:p>
             <a:fld id="{9D7C6ACB-8DF6-1449-BE97-CA8D947F79D3}" type="datetimeFigureOut">
               <a:rPr lang="en-US" smtClean="0"/>
-              <a:t>11/28/2023</a:t>
+              <a:t>12/1/2023</a:t>
             </a:fld>
             <a:endParaRPr lang="en-US"/>
           </a:p>
@@ -2793,7 +2833,7 @@
           <a:p>
             <a:fld id="{9D7C6ACB-8DF6-1449-BE97-CA8D947F79D3}" type="datetimeFigureOut">
               <a:rPr lang="en-US" smtClean="0"/>
-              <a:t>11/28/2023</a:t>
+              <a:t>12/1/2023</a:t>
             </a:fld>
             <a:endParaRPr lang="en-US"/>
           </a:p>
@@ -2910,7 +2950,7 @@
           <a:p>
             <a:fld id="{9D7C6ACB-8DF6-1449-BE97-CA8D947F79D3}" type="datetimeFigureOut">
               <a:rPr lang="en-US" smtClean="0"/>
-              <a:t>11/28/2023</a:t>
+              <a:t>12/1/2023</a:t>
             </a:fld>
             <a:endParaRPr lang="en-US"/>
           </a:p>
@@ -3005,7 +3045,7 @@
           <a:p>
             <a:fld id="{9D7C6ACB-8DF6-1449-BE97-CA8D947F79D3}" type="datetimeFigureOut">
               <a:rPr lang="en-US" smtClean="0"/>
-              <a:t>11/28/2023</a:t>
+              <a:t>12/1/2023</a:t>
             </a:fld>
             <a:endParaRPr lang="en-US"/>
           </a:p>
@@ -3280,7 +3320,7 @@
           <a:p>
             <a:fld id="{9D7C6ACB-8DF6-1449-BE97-CA8D947F79D3}" type="datetimeFigureOut">
               <a:rPr lang="en-US" smtClean="0"/>
-              <a:t>11/28/2023</a:t>
+              <a:t>12/1/2023</a:t>
             </a:fld>
             <a:endParaRPr lang="en-US"/>
           </a:p>
@@ -3532,7 +3572,7 @@
           <a:p>
             <a:fld id="{9D7C6ACB-8DF6-1449-BE97-CA8D947F79D3}" type="datetimeFigureOut">
               <a:rPr lang="en-US" smtClean="0"/>
-              <a:t>11/28/2023</a:t>
+              <a:t>12/1/2023</a:t>
             </a:fld>
             <a:endParaRPr lang="en-US"/>
           </a:p>
@@ -3746,7 +3786,7 @@
           <a:p>
             <a:fld id="{9D7C6ACB-8DF6-1449-BE97-CA8D947F79D3}" type="datetimeFigureOut">
               <a:rPr lang="en-US" smtClean="0"/>
-              <a:t>11/28/2023</a:t>
+              <a:t>12/1/2023</a:t>
             </a:fld>
             <a:endParaRPr lang="en-US"/>
           </a:p>
@@ -4388,7 +4428,7 @@
           <a:p>
             <a:r>
               <a:rPr lang="en-US" sz="2400" dirty="0"/>
-              <a:t>Please provide your personal judgment on the complexity in the appearance of the presented scene.</a:t>
+              <a:t>Please provide your personal judgment on the complexity in the appearance of the presented scene. You think of complexity as the number of elements appearing in a scene.</a:t>
             </a:r>
           </a:p>
           <a:p>
@@ -4439,10 +4479,6 @@
               <a:rPr lang="en-US" sz="2400" dirty="0"/>
               <a:t>Take your time. No speed pressure in this task. </a:t>
             </a:r>
-          </a:p>
-          <a:p>
-            <a:pPr algn="ctr"/>
-            <a:endParaRPr lang="en-US" sz="2400" dirty="0"/>
           </a:p>
           <a:p>
             <a:pPr algn="ctr"/>
@@ -6715,6 +6751,36 @@
           </a:p>
         </p:txBody>
       </p:sp>
+      <p:pic>
+        <p:nvPicPr>
+          <p:cNvPr id="8" name="Picture 7">
+            <a:extLst>
+              <a:ext uri="{FF2B5EF4-FFF2-40B4-BE49-F238E27FC236}">
+                <a16:creationId xmlns:a16="http://schemas.microsoft.com/office/drawing/2014/main" id="{F9D93483-E00C-4B3D-0016-4FAE33DDA13F}"/>
+              </a:ext>
+            </a:extLst>
+          </p:cNvPr>
+          <p:cNvPicPr>
+            <a:picLocks noChangeAspect="1"/>
+          </p:cNvPicPr>
+          <p:nvPr/>
+        </p:nvPicPr>
+        <p:blipFill>
+          <a:blip r:embed="rId3"/>
+          <a:stretch>
+            <a:fillRect/>
+          </a:stretch>
+        </p:blipFill>
+        <p:spPr>
+          <a:xfrm>
+            <a:off x="2976127" y="366285"/>
+            <a:ext cx="6239746" cy="6125430"/>
+          </a:xfrm>
+          <a:prstGeom prst="rect">
+            <a:avLst/>
+          </a:prstGeom>
+        </p:spPr>
+      </p:pic>
     </p:spTree>
     <p:extLst>
       <p:ext uri="{BB962C8B-B14F-4D97-AF65-F5344CB8AC3E}">
@@ -7303,6 +7369,36 @@
           </a:p>
         </p:txBody>
       </p:sp>
+      <p:pic>
+        <p:nvPicPr>
+          <p:cNvPr id="3" name="Picture 2">
+            <a:extLst>
+              <a:ext uri="{FF2B5EF4-FFF2-40B4-BE49-F238E27FC236}">
+                <a16:creationId xmlns:a16="http://schemas.microsoft.com/office/drawing/2014/main" id="{511E7084-13DD-261A-40E7-8908B1FD66A5}"/>
+              </a:ext>
+            </a:extLst>
+          </p:cNvPr>
+          <p:cNvPicPr>
+            <a:picLocks noChangeAspect="1"/>
+          </p:cNvPicPr>
+          <p:nvPr/>
+        </p:nvPicPr>
+        <p:blipFill>
+          <a:blip r:embed="rId3"/>
+          <a:stretch>
+            <a:fillRect/>
+          </a:stretch>
+        </p:blipFill>
+        <p:spPr>
+          <a:xfrm>
+            <a:off x="619497" y="4840560"/>
+            <a:ext cx="1762371" cy="619211"/>
+          </a:xfrm>
+          <a:prstGeom prst="rect">
+            <a:avLst/>
+          </a:prstGeom>
+        </p:spPr>
+      </p:pic>
     </p:spTree>
     <p:extLst>
       <p:ext uri="{BB962C8B-B14F-4D97-AF65-F5344CB8AC3E}">
@@ -7376,7 +7472,7 @@
           <a:p>
             <a:r>
               <a:rPr lang="en-US" sz="2400" dirty="0"/>
-              <a:t> </a:t>
+              <a:t>  beauty</a:t>
             </a:r>
           </a:p>
           <a:p>
@@ -7874,6 +7970,36 @@
           </a:p>
         </p:txBody>
       </p:sp>
+      <p:pic>
+        <p:nvPicPr>
+          <p:cNvPr id="3" name="Picture 2">
+            <a:extLst>
+              <a:ext uri="{FF2B5EF4-FFF2-40B4-BE49-F238E27FC236}">
+                <a16:creationId xmlns:a16="http://schemas.microsoft.com/office/drawing/2014/main" id="{58AC10CD-296A-6EE6-69A2-16B8EB978E39}"/>
+              </a:ext>
+            </a:extLst>
+          </p:cNvPr>
+          <p:cNvPicPr>
+            <a:picLocks noChangeAspect="1"/>
+          </p:cNvPicPr>
+          <p:nvPr/>
+        </p:nvPicPr>
+        <p:blipFill>
+          <a:blip r:embed="rId3"/>
+          <a:stretch>
+            <a:fillRect/>
+          </a:stretch>
+        </p:blipFill>
+        <p:spPr>
+          <a:xfrm>
+            <a:off x="595643" y="3235892"/>
+            <a:ext cx="1943371" cy="819264"/>
+          </a:xfrm>
+          <a:prstGeom prst="rect">
+            <a:avLst/>
+          </a:prstGeom>
+        </p:spPr>
+      </p:pic>
     </p:spTree>
     <p:extLst>
       <p:ext uri="{BB962C8B-B14F-4D97-AF65-F5344CB8AC3E}">
@@ -8533,6 +8659,36 @@
           </a:p>
         </p:txBody>
       </p:sp>
+      <p:pic>
+        <p:nvPicPr>
+          <p:cNvPr id="3" name="Picture 2">
+            <a:extLst>
+              <a:ext uri="{FF2B5EF4-FFF2-40B4-BE49-F238E27FC236}">
+                <a16:creationId xmlns:a16="http://schemas.microsoft.com/office/drawing/2014/main" id="{3228FD5D-5924-9876-43E6-734822CE9281}"/>
+              </a:ext>
+            </a:extLst>
+          </p:cNvPr>
+          <p:cNvPicPr>
+            <a:picLocks noChangeAspect="1"/>
+          </p:cNvPicPr>
+          <p:nvPr/>
+        </p:nvPicPr>
+        <p:blipFill>
+          <a:blip r:embed="rId3"/>
+          <a:stretch>
+            <a:fillRect/>
+          </a:stretch>
+        </p:blipFill>
+        <p:spPr>
+          <a:xfrm>
+            <a:off x="5291025" y="2971736"/>
+            <a:ext cx="1609950" cy="914528"/>
+          </a:xfrm>
+          <a:prstGeom prst="rect">
+            <a:avLst/>
+          </a:prstGeom>
+        </p:spPr>
+      </p:pic>
     </p:spTree>
     <p:extLst>
       <p:ext uri="{BB962C8B-B14F-4D97-AF65-F5344CB8AC3E}">

--- a/instructions/Instructions.pptx
+++ b/instructions/Instructions.pptx
@@ -11,10 +11,10 @@
     <p:sldId id="277" r:id="rId5"/>
     <p:sldId id="278" r:id="rId6"/>
     <p:sldId id="270" r:id="rId7"/>
-    <p:sldId id="282" r:id="rId8"/>
-    <p:sldId id="283" r:id="rId9"/>
-    <p:sldId id="285" r:id="rId10"/>
-    <p:sldId id="287" r:id="rId11"/>
+    <p:sldId id="288" r:id="rId8"/>
+    <p:sldId id="289" r:id="rId9"/>
+    <p:sldId id="290" r:id="rId10"/>
+    <p:sldId id="291" r:id="rId11"/>
     <p:sldId id="274" r:id="rId12"/>
   </p:sldIdLst>
   <p:sldSz cx="12192000" cy="6858000"/>
@@ -129,10 +129,10 @@
             <p14:sldId id="277"/>
             <p14:sldId id="278"/>
             <p14:sldId id="270"/>
-            <p14:sldId id="282"/>
-            <p14:sldId id="283"/>
-            <p14:sldId id="285"/>
-            <p14:sldId id="287"/>
+            <p14:sldId id="288"/>
+            <p14:sldId id="289"/>
+            <p14:sldId id="290"/>
+            <p14:sldId id="291"/>
             <p14:sldId id="274"/>
           </p14:sldIdLst>
         </p14:section>
@@ -159,7 +159,7 @@
 <file path=ppt/revisionInfo.xml><?xml version="1.0" encoding="utf-8"?>
 <p1510:revInfo xmlns:a="http://schemas.openxmlformats.org/drawingml/2006/main" xmlns:r="http://schemas.openxmlformats.org/officeDocument/2006/relationships" xmlns:p1510="http://schemas.microsoft.com/office/powerpoint/2015/10/main">
   <p1510:revLst>
-    <p1510:client id="{05E83482-96C4-4B03-864C-FE5F129C6CDA}" v="243" dt="2023-11-27T15:49:51.043"/>
+    <p1510:client id="{05E83482-96C4-4B03-864C-FE5F129C6CDA}" v="263" dt="2023-12-01T13:27:51.192"/>
   </p1510:revLst>
 </p1510:revInfo>
 </file>
@@ -168,13 +168,13 @@
 <pc:chgInfo xmlns:a="http://schemas.openxmlformats.org/drawingml/2006/main" xmlns:r="http://schemas.openxmlformats.org/officeDocument/2006/relationships" xmlns:ac="http://schemas.microsoft.com/office/drawing/2013/main/command" xmlns:pc="http://schemas.microsoft.com/office/powerpoint/2013/main/command">
   <pc:docChgLst>
     <pc:chgData name="Micha Engeser" userId="a533b431-da3e-471f-8983-fd723c6850d4" providerId="ADAL" clId="{05E83482-96C4-4B03-864C-FE5F129C6CDA}"/>
-    <pc:docChg chg="undo custSel addSld delSld modSld sldOrd addSection modSection">
-      <pc:chgData name="Micha Engeser" userId="a533b431-da3e-471f-8983-fd723c6850d4" providerId="ADAL" clId="{05E83482-96C4-4B03-864C-FE5F129C6CDA}" dt="2023-12-01T12:58:01.639" v="3375" actId="22"/>
+    <pc:docChg chg="undo custSel addSld delSld modSld sldOrd modMainMaster addSection modSection">
+      <pc:chgData name="Micha Engeser" userId="a533b431-da3e-471f-8983-fd723c6850d4" providerId="ADAL" clId="{05E83482-96C4-4B03-864C-FE5F129C6CDA}" dt="2023-12-01T13:30:23.298" v="3697" actId="20577"/>
       <pc:docMkLst>
         <pc:docMk/>
       </pc:docMkLst>
-      <pc:sldChg chg="addSp delSp modSp mod modClrScheme chgLayout">
-        <pc:chgData name="Micha Engeser" userId="a533b431-da3e-471f-8983-fd723c6850d4" providerId="ADAL" clId="{05E83482-96C4-4B03-864C-FE5F129C6CDA}" dt="2023-11-27T15:51:38" v="3083" actId="478"/>
+      <pc:sldChg chg="addSp delSp modSp mod setBg modClrScheme chgLayout">
+        <pc:chgData name="Micha Engeser" userId="a533b431-da3e-471f-8983-fd723c6850d4" providerId="ADAL" clId="{05E83482-96C4-4B03-864C-FE5F129C6CDA}" dt="2023-12-01T13:27:51.192" v="3661"/>
         <pc:sldMkLst>
           <pc:docMk/>
           <pc:sldMk cId="3993129042" sldId="256"/>
@@ -256,8 +256,8 @@
           <pc:sldMk cId="1554016153" sldId="261"/>
         </pc:sldMkLst>
       </pc:sldChg>
-      <pc:sldChg chg="modSp mod ord">
-        <pc:chgData name="Micha Engeser" userId="a533b431-da3e-471f-8983-fd723c6850d4" providerId="ADAL" clId="{05E83482-96C4-4B03-864C-FE5F129C6CDA}" dt="2023-11-27T15:46:23.137" v="3033"/>
+      <pc:sldChg chg="modSp mod ord setBg">
+        <pc:chgData name="Micha Engeser" userId="a533b431-da3e-471f-8983-fd723c6850d4" providerId="ADAL" clId="{05E83482-96C4-4B03-864C-FE5F129C6CDA}" dt="2023-12-01T13:27:51.192" v="3661"/>
         <pc:sldMkLst>
           <pc:docMk/>
           <pc:sldMk cId="1597402663" sldId="262"/>
@@ -271,8 +271,8 @@
           </ac:spMkLst>
         </pc:spChg>
       </pc:sldChg>
-      <pc:sldChg chg="addSp delSp modSp mod ord">
-        <pc:chgData name="Micha Engeser" userId="a533b431-da3e-471f-8983-fd723c6850d4" providerId="ADAL" clId="{05E83482-96C4-4B03-864C-FE5F129C6CDA}" dt="2023-11-27T15:52:06.887" v="3085" actId="20577"/>
+      <pc:sldChg chg="addSp delSp modSp mod ord setBg">
+        <pc:chgData name="Micha Engeser" userId="a533b431-da3e-471f-8983-fd723c6850d4" providerId="ADAL" clId="{05E83482-96C4-4B03-864C-FE5F129C6CDA}" dt="2023-12-01T13:27:51.192" v="3661"/>
         <pc:sldMkLst>
           <pc:docMk/>
           <pc:sldMk cId="3521823961" sldId="264"/>
@@ -401,8 +401,8 @@
           </ac:spMkLst>
         </pc:spChg>
       </pc:sldChg>
-      <pc:sldChg chg="addSp delSp modSp add mod">
-        <pc:chgData name="Micha Engeser" userId="a533b431-da3e-471f-8983-fd723c6850d4" providerId="ADAL" clId="{05E83482-96C4-4B03-864C-FE5F129C6CDA}" dt="2023-12-01T12:54:48.741" v="3370" actId="22"/>
+      <pc:sldChg chg="addSp delSp modSp add mod ord setBg">
+        <pc:chgData name="Micha Engeser" userId="a533b431-da3e-471f-8983-fd723c6850d4" providerId="ADAL" clId="{05E83482-96C4-4B03-864C-FE5F129C6CDA}" dt="2023-12-01T13:28:40.133" v="3672" actId="20577"/>
         <pc:sldMkLst>
           <pc:docMk/>
           <pc:sldMk cId="2338977154" sldId="270"/>
@@ -432,7 +432,7 @@
           </ac:spMkLst>
         </pc:spChg>
         <pc:spChg chg="mod">
-          <ac:chgData name="Micha Engeser" userId="a533b431-da3e-471f-8983-fd723c6850d4" providerId="ADAL" clId="{05E83482-96C4-4B03-864C-FE5F129C6CDA}" dt="2023-11-27T15:54:26.116" v="3147" actId="20577"/>
+          <ac:chgData name="Micha Engeser" userId="a533b431-da3e-471f-8983-fd723c6850d4" providerId="ADAL" clId="{05E83482-96C4-4B03-864C-FE5F129C6CDA}" dt="2023-12-01T13:28:40.133" v="3672" actId="20577"/>
           <ac:spMkLst>
             <pc:docMk/>
             <pc:sldMk cId="2338977154" sldId="270"/>
@@ -447,32 +447,32 @@
             <ac:spMk id="5" creationId="{6C258F52-ABDF-C3A3-2692-FB89B120C4D3}"/>
           </ac:spMkLst>
         </pc:spChg>
-        <pc:spChg chg="add mod">
-          <ac:chgData name="Micha Engeser" userId="a533b431-da3e-471f-8983-fd723c6850d4" providerId="ADAL" clId="{05E83482-96C4-4B03-864C-FE5F129C6CDA}" dt="2023-11-24T15:14:21.553" v="2114" actId="1036"/>
+        <pc:spChg chg="add del mod">
+          <ac:chgData name="Micha Engeser" userId="a533b431-da3e-471f-8983-fd723c6850d4" providerId="ADAL" clId="{05E83482-96C4-4B03-864C-FE5F129C6CDA}" dt="2023-12-01T13:16:40.437" v="3378" actId="478"/>
           <ac:spMkLst>
             <pc:docMk/>
             <pc:sldMk cId="2338977154" sldId="270"/>
             <ac:spMk id="6" creationId="{3CE7954B-586E-187C-6981-41C0CDD41E16}"/>
           </ac:spMkLst>
         </pc:spChg>
-        <pc:spChg chg="add mod">
-          <ac:chgData name="Micha Engeser" userId="a533b431-da3e-471f-8983-fd723c6850d4" providerId="ADAL" clId="{05E83482-96C4-4B03-864C-FE5F129C6CDA}" dt="2023-11-24T15:14:21.553" v="2114" actId="1036"/>
+        <pc:spChg chg="add del mod">
+          <ac:chgData name="Micha Engeser" userId="a533b431-da3e-471f-8983-fd723c6850d4" providerId="ADAL" clId="{05E83482-96C4-4B03-864C-FE5F129C6CDA}" dt="2023-12-01T13:16:40.437" v="3378" actId="478"/>
           <ac:spMkLst>
             <pc:docMk/>
             <pc:sldMk cId="2338977154" sldId="270"/>
             <ac:spMk id="7" creationId="{0AA3FE03-F79A-542E-C548-871038B6ADAD}"/>
           </ac:spMkLst>
         </pc:spChg>
-        <pc:spChg chg="mod">
-          <ac:chgData name="Micha Engeser" userId="a533b431-da3e-471f-8983-fd723c6850d4" providerId="ADAL" clId="{05E83482-96C4-4B03-864C-FE5F129C6CDA}" dt="2023-11-24T15:14:21.553" v="2114" actId="1036"/>
+        <pc:spChg chg="del mod">
+          <ac:chgData name="Micha Engeser" userId="a533b431-da3e-471f-8983-fd723c6850d4" providerId="ADAL" clId="{05E83482-96C4-4B03-864C-FE5F129C6CDA}" dt="2023-12-01T13:16:40.437" v="3378" actId="478"/>
           <ac:spMkLst>
             <pc:docMk/>
             <pc:sldMk cId="2338977154" sldId="270"/>
             <ac:spMk id="15" creationId="{97743DB1-FA0C-37E7-E303-A1AF55B8C84A}"/>
           </ac:spMkLst>
         </pc:spChg>
-        <pc:spChg chg="mod">
-          <ac:chgData name="Micha Engeser" userId="a533b431-da3e-471f-8983-fd723c6850d4" providerId="ADAL" clId="{05E83482-96C4-4B03-864C-FE5F129C6CDA}" dt="2023-11-24T15:14:21.553" v="2114" actId="1036"/>
+        <pc:spChg chg="del mod">
+          <ac:chgData name="Micha Engeser" userId="a533b431-da3e-471f-8983-fd723c6850d4" providerId="ADAL" clId="{05E83482-96C4-4B03-864C-FE5F129C6CDA}" dt="2023-12-01T13:16:40.437" v="3378" actId="478"/>
           <ac:spMkLst>
             <pc:docMk/>
             <pc:sldMk cId="2338977154" sldId="270"/>
@@ -487,8 +487,8 @@
             <ac:picMk id="3" creationId="{203BE947-F453-4732-6E5E-DE77E119B2E2}"/>
           </ac:picMkLst>
         </pc:picChg>
-        <pc:picChg chg="add">
-          <ac:chgData name="Micha Engeser" userId="a533b431-da3e-471f-8983-fd723c6850d4" providerId="ADAL" clId="{05E83482-96C4-4B03-864C-FE5F129C6CDA}" dt="2023-12-01T12:54:48.741" v="3370" actId="22"/>
+        <pc:picChg chg="add mod">
+          <ac:chgData name="Micha Engeser" userId="a533b431-da3e-471f-8983-fd723c6850d4" providerId="ADAL" clId="{05E83482-96C4-4B03-864C-FE5F129C6CDA}" dt="2023-12-01T13:17:46.264" v="3452" actId="1076"/>
           <ac:picMkLst>
             <pc:docMk/>
             <pc:sldMk cId="2338977154" sldId="270"/>
@@ -503,24 +503,24 @@
             <ac:picMk id="14" creationId="{915BF254-634A-721C-649A-E789B159443A}"/>
           </ac:picMkLst>
         </pc:picChg>
-        <pc:picChg chg="mod">
-          <ac:chgData name="Micha Engeser" userId="a533b431-da3e-471f-8983-fd723c6850d4" providerId="ADAL" clId="{05E83482-96C4-4B03-864C-FE5F129C6CDA}" dt="2023-11-24T15:14:21.553" v="2114" actId="1036"/>
+        <pc:picChg chg="del mod">
+          <ac:chgData name="Micha Engeser" userId="a533b431-da3e-471f-8983-fd723c6850d4" providerId="ADAL" clId="{05E83482-96C4-4B03-864C-FE5F129C6CDA}" dt="2023-12-01T13:16:40.437" v="3378" actId="478"/>
           <ac:picMkLst>
             <pc:docMk/>
             <pc:sldMk cId="2338977154" sldId="270"/>
             <ac:picMk id="1028" creationId="{54921F55-1CC2-E0AA-F781-B13E39422D11}"/>
           </ac:picMkLst>
         </pc:picChg>
-        <pc:cxnChg chg="mod">
-          <ac:chgData name="Micha Engeser" userId="a533b431-da3e-471f-8983-fd723c6850d4" providerId="ADAL" clId="{05E83482-96C4-4B03-864C-FE5F129C6CDA}" dt="2023-11-24T15:14:21.553" v="2114" actId="1036"/>
+        <pc:cxnChg chg="del mod">
+          <ac:chgData name="Micha Engeser" userId="a533b431-da3e-471f-8983-fd723c6850d4" providerId="ADAL" clId="{05E83482-96C4-4B03-864C-FE5F129C6CDA}" dt="2023-12-01T13:16:40.437" v="3378" actId="478"/>
           <ac:cxnSpMkLst>
             <pc:docMk/>
             <pc:sldMk cId="2338977154" sldId="270"/>
             <ac:cxnSpMk id="17" creationId="{BA3039BC-4FF1-DE75-D33F-9B39A4FF01A4}"/>
           </ac:cxnSpMkLst>
         </pc:cxnChg>
-        <pc:cxnChg chg="mod">
-          <ac:chgData name="Micha Engeser" userId="a533b431-da3e-471f-8983-fd723c6850d4" providerId="ADAL" clId="{05E83482-96C4-4B03-864C-FE5F129C6CDA}" dt="2023-11-24T15:14:21.553" v="2114" actId="1036"/>
+        <pc:cxnChg chg="del mod">
+          <ac:chgData name="Micha Engeser" userId="a533b431-da3e-471f-8983-fd723c6850d4" providerId="ADAL" clId="{05E83482-96C4-4B03-864C-FE5F129C6CDA}" dt="2023-12-01T13:16:40.437" v="3378" actId="478"/>
           <ac:cxnSpMkLst>
             <pc:docMk/>
             <pc:sldMk cId="2338977154" sldId="270"/>
@@ -716,8 +716,8 @@
           </ac:spMkLst>
         </pc:spChg>
       </pc:sldChg>
-      <pc:sldChg chg="modSp add mod">
-        <pc:chgData name="Micha Engeser" userId="a533b431-da3e-471f-8983-fd723c6850d4" providerId="ADAL" clId="{05E83482-96C4-4B03-864C-FE5F129C6CDA}" dt="2023-11-27T15:44:14.080" v="3028" actId="20577"/>
+      <pc:sldChg chg="modSp add mod setBg">
+        <pc:chgData name="Micha Engeser" userId="a533b431-da3e-471f-8983-fd723c6850d4" providerId="ADAL" clId="{05E83482-96C4-4B03-864C-FE5F129C6CDA}" dt="2023-12-01T13:27:51.192" v="3661"/>
         <pc:sldMkLst>
           <pc:docMk/>
           <pc:sldMk cId="57290883" sldId="274"/>
@@ -793,8 +793,8 @@
           </ac:picMkLst>
         </pc:picChg>
       </pc:sldChg>
-      <pc:sldChg chg="addSp delSp modSp add mod">
-        <pc:chgData name="Micha Engeser" userId="a533b431-da3e-471f-8983-fd723c6850d4" providerId="ADAL" clId="{05E83482-96C4-4B03-864C-FE5F129C6CDA}" dt="2023-11-28T10:20:56.681" v="3282" actId="20577"/>
+      <pc:sldChg chg="addSp delSp modSp add mod setBg">
+        <pc:chgData name="Micha Engeser" userId="a533b431-da3e-471f-8983-fd723c6850d4" providerId="ADAL" clId="{05E83482-96C4-4B03-864C-FE5F129C6CDA}" dt="2023-12-01T13:27:51.192" v="3661"/>
         <pc:sldMkLst>
           <pc:docMk/>
           <pc:sldMk cId="4137375922" sldId="277"/>
@@ -807,6 +807,14 @@
             <ac:spMk id="4" creationId="{00000000-0000-0000-0000-000000000000}"/>
           </ac:spMkLst>
         </pc:spChg>
+        <pc:picChg chg="add del mod">
+          <ac:chgData name="Micha Engeser" userId="a533b431-da3e-471f-8983-fd723c6850d4" providerId="ADAL" clId="{05E83482-96C4-4B03-864C-FE5F129C6CDA}" dt="2023-12-01T13:19:48.363" v="3459" actId="478"/>
+          <ac:picMkLst>
+            <pc:docMk/>
+            <pc:sldMk cId="4137375922" sldId="277"/>
+            <ac:picMk id="2" creationId="{E23F48F5-4F3B-8544-B7E5-871BD34148BF}"/>
+          </ac:picMkLst>
+        </pc:picChg>
         <pc:picChg chg="del mod">
           <ac:chgData name="Micha Engeser" userId="a533b431-da3e-471f-8983-fd723c6850d4" providerId="ADAL" clId="{05E83482-96C4-4B03-864C-FE5F129C6CDA}" dt="2023-11-24T14:58:29.250" v="1645" actId="478"/>
           <ac:picMkLst>
@@ -831,8 +839,8 @@
           <pc:sldMk cId="813016447" sldId="278"/>
         </pc:sldMkLst>
       </pc:sldChg>
-      <pc:sldChg chg="delSp modSp add mod">
-        <pc:chgData name="Micha Engeser" userId="a533b431-da3e-471f-8983-fd723c6850d4" providerId="ADAL" clId="{05E83482-96C4-4B03-864C-FE5F129C6CDA}" dt="2023-11-28T10:21:04.188" v="3285" actId="20577"/>
+      <pc:sldChg chg="delSp modSp add mod setBg">
+        <pc:chgData name="Micha Engeser" userId="a533b431-da3e-471f-8983-fd723c6850d4" providerId="ADAL" clId="{05E83482-96C4-4B03-864C-FE5F129C6CDA}" dt="2023-12-01T13:27:51.192" v="3661"/>
         <pc:sldMkLst>
           <pc:docMk/>
           <pc:sldMk cId="3355149081" sldId="278"/>
@@ -891,8 +899,8 @@
           </ac:spMkLst>
         </pc:spChg>
       </pc:sldChg>
-      <pc:sldChg chg="addSp delSp modSp add mod">
-        <pc:chgData name="Micha Engeser" userId="a533b431-da3e-471f-8983-fd723c6850d4" providerId="ADAL" clId="{05E83482-96C4-4B03-864C-FE5F129C6CDA}" dt="2023-12-01T12:56:42.404" v="3372" actId="1076"/>
+      <pc:sldChg chg="addSp delSp modSp add del mod setBg">
+        <pc:chgData name="Micha Engeser" userId="a533b431-da3e-471f-8983-fd723c6850d4" providerId="ADAL" clId="{05E83482-96C4-4B03-864C-FE5F129C6CDA}" dt="2023-12-01T13:22:59.888" v="3500" actId="47"/>
         <pc:sldMkLst>
           <pc:docMk/>
           <pc:sldMk cId="196451270" sldId="282"/>
@@ -978,14 +986,14 @@
           </ac:picMkLst>
         </pc:picChg>
       </pc:sldChg>
-      <pc:sldChg chg="addSp modSp add mod">
-        <pc:chgData name="Micha Engeser" userId="a533b431-da3e-471f-8983-fd723c6850d4" providerId="ADAL" clId="{05E83482-96C4-4B03-864C-FE5F129C6CDA}" dt="2023-12-01T12:57:32.434" v="3374" actId="1076"/>
+      <pc:sldChg chg="addSp delSp modSp add del mod setBg">
+        <pc:chgData name="Micha Engeser" userId="a533b431-da3e-471f-8983-fd723c6850d4" providerId="ADAL" clId="{05E83482-96C4-4B03-864C-FE5F129C6CDA}" dt="2023-12-01T13:24:09.717" v="3586" actId="47"/>
         <pc:sldMkLst>
           <pc:docMk/>
           <pc:sldMk cId="1400370751" sldId="283"/>
         </pc:sldMkLst>
         <pc:spChg chg="mod">
-          <ac:chgData name="Micha Engeser" userId="a533b431-da3e-471f-8983-fd723c6850d4" providerId="ADAL" clId="{05E83482-96C4-4B03-864C-FE5F129C6CDA}" dt="2023-12-01T10:40:35.801" v="3292" actId="20577"/>
+          <ac:chgData name="Micha Engeser" userId="a533b431-da3e-471f-8983-fd723c6850d4" providerId="ADAL" clId="{05E83482-96C4-4B03-864C-FE5F129C6CDA}" dt="2023-12-01T13:23:37.139" v="3584" actId="20577"/>
           <ac:spMkLst>
             <pc:docMk/>
             <pc:sldMk cId="1400370751" sldId="283"/>
@@ -1008,8 +1016,8 @@
             <ac:spMk id="7" creationId="{0AA3FE03-F79A-542E-C548-871038B6ADAD}"/>
           </ac:spMkLst>
         </pc:spChg>
-        <pc:picChg chg="add mod">
-          <ac:chgData name="Micha Engeser" userId="a533b431-da3e-471f-8983-fd723c6850d4" providerId="ADAL" clId="{05E83482-96C4-4B03-864C-FE5F129C6CDA}" dt="2023-12-01T12:57:32.434" v="3374" actId="1076"/>
+        <pc:picChg chg="add del mod">
+          <ac:chgData name="Micha Engeser" userId="a533b431-da3e-471f-8983-fd723c6850d4" providerId="ADAL" clId="{05E83482-96C4-4B03-864C-FE5F129C6CDA}" dt="2023-12-01T13:22:29.127" v="3494" actId="478"/>
           <ac:picMkLst>
             <pc:docMk/>
             <pc:sldMk cId="1400370751" sldId="283"/>
@@ -1040,8 +1048,8 @@
           </ac:spMkLst>
         </pc:spChg>
       </pc:sldChg>
-      <pc:sldChg chg="addSp delSp modSp add mod">
-        <pc:chgData name="Micha Engeser" userId="a533b431-da3e-471f-8983-fd723c6850d4" providerId="ADAL" clId="{05E83482-96C4-4B03-864C-FE5F129C6CDA}" dt="2023-12-01T12:58:01.639" v="3375" actId="22"/>
+      <pc:sldChg chg="addSp delSp modSp add del mod setBg">
+        <pc:chgData name="Micha Engeser" userId="a533b431-da3e-471f-8983-fd723c6850d4" providerId="ADAL" clId="{05E83482-96C4-4B03-864C-FE5F129C6CDA}" dt="2023-12-01T13:25:14.462" v="3604" actId="47"/>
         <pc:sldMkLst>
           <pc:docMk/>
           <pc:sldMk cId="2961459844" sldId="285"/>
@@ -1110,8 +1118,8 @@
           </ac:spMkLst>
         </pc:spChg>
       </pc:sldChg>
-      <pc:sldChg chg="modSp add mod ord">
-        <pc:chgData name="Micha Engeser" userId="a533b431-da3e-471f-8983-fd723c6850d4" providerId="ADAL" clId="{05E83482-96C4-4B03-864C-FE5F129C6CDA}" dt="2023-12-01T10:53:51.140" v="3367" actId="20577"/>
+      <pc:sldChg chg="modSp add del mod ord setBg">
+        <pc:chgData name="Micha Engeser" userId="a533b431-da3e-471f-8983-fd723c6850d4" providerId="ADAL" clId="{05E83482-96C4-4B03-864C-FE5F129C6CDA}" dt="2023-12-01T13:28:00.352" v="3664" actId="47"/>
         <pc:sldMkLst>
           <pc:docMk/>
           <pc:sldMk cId="3028571398" sldId="287"/>
@@ -1164,6 +1172,60 @@
           </ac:spMkLst>
         </pc:spChg>
       </pc:sldChg>
+      <pc:sldChg chg="addSp delSp modSp add mod setBg">
+        <pc:chgData name="Micha Engeser" userId="a533b431-da3e-471f-8983-fd723c6850d4" providerId="ADAL" clId="{05E83482-96C4-4B03-864C-FE5F129C6CDA}" dt="2023-12-01T13:28:46.262" v="3674" actId="20577"/>
+        <pc:sldMkLst>
+          <pc:docMk/>
+          <pc:sldMk cId="3615114323" sldId="288"/>
+        </pc:sldMkLst>
+        <pc:spChg chg="add mod">
+          <ac:chgData name="Micha Engeser" userId="a533b431-da3e-471f-8983-fd723c6850d4" providerId="ADAL" clId="{05E83482-96C4-4B03-864C-FE5F129C6CDA}" dt="2023-12-01T13:27:06.446" v="3656" actId="2711"/>
+          <ac:spMkLst>
+            <pc:docMk/>
+            <pc:sldMk cId="3615114323" sldId="288"/>
+            <ac:spMk id="3" creationId="{EBC2AABB-8846-1FEC-24FE-2D1D9A673E7C}"/>
+          </ac:spMkLst>
+        </pc:spChg>
+        <pc:spChg chg="mod">
+          <ac:chgData name="Micha Engeser" userId="a533b431-da3e-471f-8983-fd723c6850d4" providerId="ADAL" clId="{05E83482-96C4-4B03-864C-FE5F129C6CDA}" dt="2023-12-01T13:28:46.262" v="3674" actId="20577"/>
+          <ac:spMkLst>
+            <pc:docMk/>
+            <pc:sldMk cId="3615114323" sldId="288"/>
+            <ac:spMk id="4" creationId="{00000000-0000-0000-0000-000000000000}"/>
+          </ac:spMkLst>
+        </pc:spChg>
+        <pc:picChg chg="add del mod">
+          <ac:chgData name="Micha Engeser" userId="a533b431-da3e-471f-8983-fd723c6850d4" providerId="ADAL" clId="{05E83482-96C4-4B03-864C-FE5F129C6CDA}" dt="2023-12-01T13:21:38.266" v="3485" actId="478"/>
+          <ac:picMkLst>
+            <pc:docMk/>
+            <pc:sldMk cId="3615114323" sldId="288"/>
+            <ac:picMk id="2" creationId="{F77FCE9B-A2D1-24AA-1A58-95D7DB722EB1}"/>
+          </ac:picMkLst>
+        </pc:picChg>
+      </pc:sldChg>
+      <pc:sldChg chg="addSp modSp add mod setBg">
+        <pc:chgData name="Micha Engeser" userId="a533b431-da3e-471f-8983-fd723c6850d4" providerId="ADAL" clId="{05E83482-96C4-4B03-864C-FE5F129C6CDA}" dt="2023-12-01T13:28:53.407" v="3676" actId="20577"/>
+        <pc:sldMkLst>
+          <pc:docMk/>
+          <pc:sldMk cId="2565728965" sldId="289"/>
+        </pc:sldMkLst>
+        <pc:spChg chg="mod">
+          <ac:chgData name="Micha Engeser" userId="a533b431-da3e-471f-8983-fd723c6850d4" providerId="ADAL" clId="{05E83482-96C4-4B03-864C-FE5F129C6CDA}" dt="2023-12-01T13:28:53.407" v="3676" actId="20577"/>
+          <ac:spMkLst>
+            <pc:docMk/>
+            <pc:sldMk cId="2565728965" sldId="289"/>
+            <ac:spMk id="4" creationId="{00000000-0000-0000-0000-000000000000}"/>
+          </ac:spMkLst>
+        </pc:spChg>
+        <pc:picChg chg="add mod modCrop">
+          <ac:chgData name="Micha Engeser" userId="a533b431-da3e-471f-8983-fd723c6850d4" providerId="ADAL" clId="{05E83482-96C4-4B03-864C-FE5F129C6CDA}" dt="2023-12-01T13:25:56.968" v="3626" actId="1035"/>
+          <ac:picMkLst>
+            <pc:docMk/>
+            <pc:sldMk cId="2565728965" sldId="289"/>
+            <ac:picMk id="2" creationId="{CB505824-B206-4DFC-2B55-62AF7F83A0C4}"/>
+          </ac:picMkLst>
+        </pc:picChg>
+      </pc:sldChg>
       <pc:sldChg chg="modSp new del mod">
         <pc:chgData name="Micha Engeser" userId="a533b431-da3e-471f-8983-fd723c6850d4" providerId="ADAL" clId="{05E83482-96C4-4B03-864C-FE5F129C6CDA}" dt="2023-11-27T15:49:53.491" v="3075" actId="680"/>
         <pc:sldMkLst>
@@ -1186,6 +1248,170 @@
           <pc:sldMk cId="3341552701" sldId="289"/>
         </pc:sldMkLst>
       </pc:sldChg>
+      <pc:sldChg chg="addSp modSp add mod setBg">
+        <pc:chgData name="Micha Engeser" userId="a533b431-da3e-471f-8983-fd723c6850d4" providerId="ADAL" clId="{05E83482-96C4-4B03-864C-FE5F129C6CDA}" dt="2023-12-01T13:29:02.735" v="3678" actId="20577"/>
+        <pc:sldMkLst>
+          <pc:docMk/>
+          <pc:sldMk cId="193223339" sldId="290"/>
+        </pc:sldMkLst>
+        <pc:spChg chg="mod">
+          <ac:chgData name="Micha Engeser" userId="a533b431-da3e-471f-8983-fd723c6850d4" providerId="ADAL" clId="{05E83482-96C4-4B03-864C-FE5F129C6CDA}" dt="2023-12-01T13:29:02.735" v="3678" actId="20577"/>
+          <ac:spMkLst>
+            <pc:docMk/>
+            <pc:sldMk cId="193223339" sldId="290"/>
+            <ac:spMk id="4" creationId="{00000000-0000-0000-0000-000000000000}"/>
+          </ac:spMkLst>
+        </pc:spChg>
+        <pc:picChg chg="add mod">
+          <ac:chgData name="Micha Engeser" userId="a533b431-da3e-471f-8983-fd723c6850d4" providerId="ADAL" clId="{05E83482-96C4-4B03-864C-FE5F129C6CDA}" dt="2023-12-01T13:26:04.918" v="3631" actId="1037"/>
+          <ac:picMkLst>
+            <pc:docMk/>
+            <pc:sldMk cId="193223339" sldId="290"/>
+            <ac:picMk id="2" creationId="{21B2A327-0C87-87EE-7943-D8A7CD79453F}"/>
+          </ac:picMkLst>
+        </pc:picChg>
+      </pc:sldChg>
+      <pc:sldChg chg="addSp delSp modSp add mod setBg">
+        <pc:chgData name="Micha Engeser" userId="a533b431-da3e-471f-8983-fd723c6850d4" providerId="ADAL" clId="{05E83482-96C4-4B03-864C-FE5F129C6CDA}" dt="2023-12-01T13:30:23.298" v="3697" actId="20577"/>
+        <pc:sldMkLst>
+          <pc:docMk/>
+          <pc:sldMk cId="934964708" sldId="291"/>
+        </pc:sldMkLst>
+        <pc:spChg chg="add del">
+          <ac:chgData name="Micha Engeser" userId="a533b431-da3e-471f-8983-fd723c6850d4" providerId="ADAL" clId="{05E83482-96C4-4B03-864C-FE5F129C6CDA}" dt="2023-12-01T13:26:13.463" v="3633" actId="22"/>
+          <ac:spMkLst>
+            <pc:docMk/>
+            <pc:sldMk cId="934964708" sldId="291"/>
+            <ac:spMk id="3" creationId="{963E63D4-140A-E193-6A62-9A456EF1BE40}"/>
+          </ac:spMkLst>
+        </pc:spChg>
+        <pc:spChg chg="mod">
+          <ac:chgData name="Micha Engeser" userId="a533b431-da3e-471f-8983-fd723c6850d4" providerId="ADAL" clId="{05E83482-96C4-4B03-864C-FE5F129C6CDA}" dt="2023-12-01T13:30:23.298" v="3697" actId="20577"/>
+          <ac:spMkLst>
+            <pc:docMk/>
+            <pc:sldMk cId="934964708" sldId="291"/>
+            <ac:spMk id="4" creationId="{00000000-0000-0000-0000-000000000000}"/>
+          </ac:spMkLst>
+        </pc:spChg>
+        <pc:spChg chg="add mod">
+          <ac:chgData name="Micha Engeser" userId="a533b431-da3e-471f-8983-fd723c6850d4" providerId="ADAL" clId="{05E83482-96C4-4B03-864C-FE5F129C6CDA}" dt="2023-12-01T13:26:53.920" v="3655" actId="404"/>
+          <ac:spMkLst>
+            <pc:docMk/>
+            <pc:sldMk cId="934964708" sldId="291"/>
+            <ac:spMk id="5" creationId="{3CF3C99D-19DD-3133-D3C1-E45D03C8E237}"/>
+          </ac:spMkLst>
+        </pc:spChg>
+        <pc:picChg chg="mod">
+          <ac:chgData name="Micha Engeser" userId="a533b431-da3e-471f-8983-fd723c6850d4" providerId="ADAL" clId="{05E83482-96C4-4B03-864C-FE5F129C6CDA}" dt="2023-12-01T13:30:04.089" v="3696" actId="1076"/>
+          <ac:picMkLst>
+            <pc:docMk/>
+            <pc:sldMk cId="934964708" sldId="291"/>
+            <ac:picMk id="8" creationId="{F9D93483-E00C-4B3D-0016-4FAE33DDA13F}"/>
+          </ac:picMkLst>
+        </pc:picChg>
+      </pc:sldChg>
+      <pc:sldChg chg="add del setBg">
+        <pc:chgData name="Micha Engeser" userId="a533b431-da3e-471f-8983-fd723c6850d4" providerId="ADAL" clId="{05E83482-96C4-4B03-864C-FE5F129C6CDA}" dt="2023-12-01T13:25:12.465" v="3603" actId="47"/>
+        <pc:sldMkLst>
+          <pc:docMk/>
+          <pc:sldMk cId="180849175" sldId="292"/>
+        </pc:sldMkLst>
+      </pc:sldChg>
+      <pc:sldMasterChg chg="setBg modSldLayout">
+        <pc:chgData name="Micha Engeser" userId="a533b431-da3e-471f-8983-fd723c6850d4" providerId="ADAL" clId="{05E83482-96C4-4B03-864C-FE5F129C6CDA}" dt="2023-12-01T13:27:51.192" v="3661"/>
+        <pc:sldMasterMkLst>
+          <pc:docMk/>
+          <pc:sldMasterMk cId="2501080194" sldId="2147483648"/>
+        </pc:sldMasterMkLst>
+        <pc:sldLayoutChg chg="setBg">
+          <pc:chgData name="Micha Engeser" userId="a533b431-da3e-471f-8983-fd723c6850d4" providerId="ADAL" clId="{05E83482-96C4-4B03-864C-FE5F129C6CDA}" dt="2023-12-01T13:27:51.192" v="3661"/>
+          <pc:sldLayoutMkLst>
+            <pc:docMk/>
+            <pc:sldMasterMk cId="2501080194" sldId="2147483648"/>
+            <pc:sldLayoutMk cId="1179424929" sldId="2147483649"/>
+          </pc:sldLayoutMkLst>
+        </pc:sldLayoutChg>
+        <pc:sldLayoutChg chg="setBg">
+          <pc:chgData name="Micha Engeser" userId="a533b431-da3e-471f-8983-fd723c6850d4" providerId="ADAL" clId="{05E83482-96C4-4B03-864C-FE5F129C6CDA}" dt="2023-12-01T13:27:51.192" v="3661"/>
+          <pc:sldLayoutMkLst>
+            <pc:docMk/>
+            <pc:sldMasterMk cId="2501080194" sldId="2147483648"/>
+            <pc:sldLayoutMk cId="3049319075" sldId="2147483650"/>
+          </pc:sldLayoutMkLst>
+        </pc:sldLayoutChg>
+        <pc:sldLayoutChg chg="setBg">
+          <pc:chgData name="Micha Engeser" userId="a533b431-da3e-471f-8983-fd723c6850d4" providerId="ADAL" clId="{05E83482-96C4-4B03-864C-FE5F129C6CDA}" dt="2023-12-01T13:27:51.192" v="3661"/>
+          <pc:sldLayoutMkLst>
+            <pc:docMk/>
+            <pc:sldMasterMk cId="2501080194" sldId="2147483648"/>
+            <pc:sldLayoutMk cId="2584939518" sldId="2147483651"/>
+          </pc:sldLayoutMkLst>
+        </pc:sldLayoutChg>
+        <pc:sldLayoutChg chg="setBg">
+          <pc:chgData name="Micha Engeser" userId="a533b431-da3e-471f-8983-fd723c6850d4" providerId="ADAL" clId="{05E83482-96C4-4B03-864C-FE5F129C6CDA}" dt="2023-12-01T13:27:51.192" v="3661"/>
+          <pc:sldLayoutMkLst>
+            <pc:docMk/>
+            <pc:sldMasterMk cId="2501080194" sldId="2147483648"/>
+            <pc:sldLayoutMk cId="437131364" sldId="2147483652"/>
+          </pc:sldLayoutMkLst>
+        </pc:sldLayoutChg>
+        <pc:sldLayoutChg chg="setBg">
+          <pc:chgData name="Micha Engeser" userId="a533b431-da3e-471f-8983-fd723c6850d4" providerId="ADAL" clId="{05E83482-96C4-4B03-864C-FE5F129C6CDA}" dt="2023-12-01T13:27:51.192" v="3661"/>
+          <pc:sldLayoutMkLst>
+            <pc:docMk/>
+            <pc:sldMasterMk cId="2501080194" sldId="2147483648"/>
+            <pc:sldLayoutMk cId="4158476841" sldId="2147483653"/>
+          </pc:sldLayoutMkLst>
+        </pc:sldLayoutChg>
+        <pc:sldLayoutChg chg="setBg">
+          <pc:chgData name="Micha Engeser" userId="a533b431-da3e-471f-8983-fd723c6850d4" providerId="ADAL" clId="{05E83482-96C4-4B03-864C-FE5F129C6CDA}" dt="2023-12-01T13:27:51.192" v="3661"/>
+          <pc:sldLayoutMkLst>
+            <pc:docMk/>
+            <pc:sldMasterMk cId="2501080194" sldId="2147483648"/>
+            <pc:sldLayoutMk cId="1582732304" sldId="2147483654"/>
+          </pc:sldLayoutMkLst>
+        </pc:sldLayoutChg>
+        <pc:sldLayoutChg chg="setBg">
+          <pc:chgData name="Micha Engeser" userId="a533b431-da3e-471f-8983-fd723c6850d4" providerId="ADAL" clId="{05E83482-96C4-4B03-864C-FE5F129C6CDA}" dt="2023-12-01T13:27:51.192" v="3661"/>
+          <pc:sldLayoutMkLst>
+            <pc:docMk/>
+            <pc:sldMasterMk cId="2501080194" sldId="2147483648"/>
+            <pc:sldLayoutMk cId="3702143730" sldId="2147483655"/>
+          </pc:sldLayoutMkLst>
+        </pc:sldLayoutChg>
+        <pc:sldLayoutChg chg="setBg">
+          <pc:chgData name="Micha Engeser" userId="a533b431-da3e-471f-8983-fd723c6850d4" providerId="ADAL" clId="{05E83482-96C4-4B03-864C-FE5F129C6CDA}" dt="2023-12-01T13:27:51.192" v="3661"/>
+          <pc:sldLayoutMkLst>
+            <pc:docMk/>
+            <pc:sldMasterMk cId="2501080194" sldId="2147483648"/>
+            <pc:sldLayoutMk cId="1019582572" sldId="2147483656"/>
+          </pc:sldLayoutMkLst>
+        </pc:sldLayoutChg>
+        <pc:sldLayoutChg chg="setBg">
+          <pc:chgData name="Micha Engeser" userId="a533b431-da3e-471f-8983-fd723c6850d4" providerId="ADAL" clId="{05E83482-96C4-4B03-864C-FE5F129C6CDA}" dt="2023-12-01T13:27:51.192" v="3661"/>
+          <pc:sldLayoutMkLst>
+            <pc:docMk/>
+            <pc:sldMasterMk cId="2501080194" sldId="2147483648"/>
+            <pc:sldLayoutMk cId="1689622766" sldId="2147483657"/>
+          </pc:sldLayoutMkLst>
+        </pc:sldLayoutChg>
+        <pc:sldLayoutChg chg="setBg">
+          <pc:chgData name="Micha Engeser" userId="a533b431-da3e-471f-8983-fd723c6850d4" providerId="ADAL" clId="{05E83482-96C4-4B03-864C-FE5F129C6CDA}" dt="2023-12-01T13:27:51.192" v="3661"/>
+          <pc:sldLayoutMkLst>
+            <pc:docMk/>
+            <pc:sldMasterMk cId="2501080194" sldId="2147483648"/>
+            <pc:sldLayoutMk cId="1247629813" sldId="2147483658"/>
+          </pc:sldLayoutMkLst>
+        </pc:sldLayoutChg>
+        <pc:sldLayoutChg chg="setBg">
+          <pc:chgData name="Micha Engeser" userId="a533b431-da3e-471f-8983-fd723c6850d4" providerId="ADAL" clId="{05E83482-96C4-4B03-864C-FE5F129C6CDA}" dt="2023-12-01T13:27:51.192" v="3661"/>
+          <pc:sldLayoutMkLst>
+            <pc:docMk/>
+            <pc:sldMasterMk cId="2501080194" sldId="2147483648"/>
+            <pc:sldLayoutMk cId="3028690459" sldId="2147483659"/>
+          </pc:sldLayoutMkLst>
+        </pc:sldLayoutChg>
+      </pc:sldMasterChg>
     </pc:docChg>
   </pc:docChgLst>
 </pc:chgInfo>
@@ -3639,7 +3865,7 @@
     <p:bg>
       <p:bgPr>
         <a:solidFill>
-          <a:srgbClr val="808080"/>
+          <a:srgbClr val="7D7D7D"/>
         </a:solidFill>
         <a:effectLst/>
       </p:bgPr>
@@ -4428,7 +4654,15 @@
           <a:p>
             <a:r>
               <a:rPr lang="en-US" sz="2400" dirty="0"/>
-              <a:t>Please provide your personal judgment on the complexity in the appearance of the presented scene. You think of complexity as the number of elements appearing in a scene.</a:t>
+              <a:t>Please provide your personal judgment on the </a:t>
+            </a:r>
+            <a:r>
+              <a:rPr lang="en-US" sz="2400"/>
+              <a:t>complexity of </a:t>
+            </a:r>
+            <a:r>
+              <a:rPr lang="en-US" sz="2400" dirty="0"/>
+              <a:t>the presented scene. You can think of complexity as the number of different elements appearing in a scene.</a:t>
             </a:r>
           </a:p>
           <a:p>
@@ -4472,29 +4706,35 @@
             </a:r>
           </a:p>
           <a:p>
-            <a:endParaRPr lang="en-US" sz="2400" dirty="0"/>
-          </a:p>
-          <a:p>
-            <a:r>
-              <a:rPr lang="en-US" sz="2400" dirty="0"/>
-              <a:t>Take your time. No speed pressure in this task. </a:t>
-            </a:r>
-          </a:p>
-          <a:p>
-            <a:pPr algn="ctr"/>
-            <a:endParaRPr lang="en-US" sz="2400" dirty="0"/>
-          </a:p>
-          <a:p>
-            <a:pPr algn="ctr"/>
-            <a:endParaRPr lang="en-US" sz="2400" dirty="0"/>
-          </a:p>
-          <a:p>
-            <a:pPr algn="ctr"/>
-            <a:endParaRPr lang="en-US" sz="2400" dirty="0"/>
-          </a:p>
-          <a:p>
-            <a:pPr algn="ctr"/>
-            <a:endParaRPr lang="en-US" sz="2400" dirty="0"/>
+            <a:endParaRPr lang="en-US" sz="2400" b="1" dirty="0"/>
+          </a:p>
+          <a:p>
+            <a:r>
+              <a:rPr lang="en-US" sz="2400" dirty="0"/>
+              <a:t>To confirm your answer press </a:t>
+            </a:r>
+            <a:br>
+              <a:rPr lang="en-US" sz="2400" dirty="0"/>
+            </a:br>
+            <a:r>
+              <a:rPr lang="en-US" sz="2400" dirty="0"/>
+              <a:t>the space bar</a:t>
+            </a:r>
+          </a:p>
+          <a:p>
+            <a:endParaRPr lang="en-US" sz="2400" dirty="0"/>
+          </a:p>
+          <a:p>
+            <a:r>
+              <a:rPr lang="en-US" sz="2400" dirty="0"/>
+              <a:t>Take your time. </a:t>
+            </a:r>
+          </a:p>
+          <a:p>
+            <a:r>
+              <a:rPr lang="en-US" sz="2400" dirty="0"/>
+              <a:t>No speed pressure in this task. </a:t>
+            </a:r>
           </a:p>
           <a:p>
             <a:pPr algn="ctr"/>
@@ -4549,389 +4789,83 @@
       </p:sp>
       <p:pic>
         <p:nvPicPr>
-          <p:cNvPr id="1028" name="Picture 4" descr="German (Germany) Keyboard Labels - DSI Computer Keyboards">
+          <p:cNvPr id="8" name="Picture 7">
             <a:extLst>
               <a:ext uri="{FF2B5EF4-FFF2-40B4-BE49-F238E27FC236}">
-                <a16:creationId xmlns:a16="http://schemas.microsoft.com/office/drawing/2014/main" id="{54921F55-1CC2-E0AA-F781-B13E39422D11}"/>
+                <a16:creationId xmlns:a16="http://schemas.microsoft.com/office/drawing/2014/main" id="{F9D93483-E00C-4B3D-0016-4FAE33DDA13F}"/>
               </a:ext>
             </a:extLst>
           </p:cNvPr>
           <p:cNvPicPr>
-            <a:picLocks noChangeAspect="1" noChangeArrowheads="1"/>
+            <a:picLocks noChangeAspect="1"/>
           </p:cNvPicPr>
           <p:nvPr/>
         </p:nvPicPr>
-        <p:blipFill rotWithShape="1">
-          <a:blip r:embed="rId2" cstate="hqprint">
-            <a:extLst>
-              <a:ext uri="{28A0092B-C50C-407E-A947-70E740481C1C}">
-                <a14:useLocalDpi xmlns:a14="http://schemas.microsoft.com/office/drawing/2010/main" val="0"/>
-              </a:ext>
-            </a:extLst>
-          </a:blip>
-          <a:srcRect r="26400" b="80062"/>
-          <a:stretch/>
+        <p:blipFill>
+          <a:blip r:embed="rId2"/>
+          <a:stretch>
+            <a:fillRect/>
+          </a:stretch>
         </p:blipFill>
-        <p:spPr bwMode="auto">
+        <p:spPr>
           <a:xfrm>
-            <a:off x="4285218" y="4871063"/>
-            <a:ext cx="3382407" cy="320846"/>
+            <a:off x="6551721" y="3006774"/>
+            <a:ext cx="2515313" cy="2469231"/>
           </a:xfrm>
           <a:prstGeom prst="rect">
             <a:avLst/>
           </a:prstGeom>
-          <a:noFill/>
-          <a:ln>
-            <a:solidFill>
-              <a:schemeClr val="bg1"/>
-            </a:solidFill>
-          </a:ln>
-          <a:extLst>
-            <a:ext uri="{909E8E84-426E-40DD-AFC4-6F175D3DCCD1}">
-              <a14:hiddenFill xmlns:a14="http://schemas.microsoft.com/office/drawing/2010/main">
-                <a:solidFill>
-                  <a:srgbClr val="FFFFFF"/>
-                </a:solidFill>
-              </a14:hiddenFill>
-            </a:ext>
-          </a:extLst>
         </p:spPr>
       </p:pic>
       <p:sp>
         <p:nvSpPr>
-          <p:cNvPr id="15" name="Rectangle 14">
+          <p:cNvPr id="5" name="TextBox 4">
             <a:extLst>
               <a:ext uri="{FF2B5EF4-FFF2-40B4-BE49-F238E27FC236}">
-                <a16:creationId xmlns:a16="http://schemas.microsoft.com/office/drawing/2014/main" id="{97743DB1-FA0C-37E7-E303-A1AF55B8C84A}"/>
+                <a16:creationId xmlns:a16="http://schemas.microsoft.com/office/drawing/2014/main" id="{3CF3C99D-19DD-3133-D3C1-E45D03C8E237}"/>
               </a:ext>
             </a:extLst>
           </p:cNvPr>
-          <p:cNvSpPr/>
+          <p:cNvSpPr txBox="1"/>
           <p:nvPr/>
         </p:nvSpPr>
         <p:spPr>
           <a:xfrm>
-            <a:off x="6432080" y="4890067"/>
-            <a:ext cx="301841" cy="301841"/>
+            <a:off x="7315200" y="4087500"/>
+            <a:ext cx="976313" cy="276999"/>
           </a:xfrm>
           <a:prstGeom prst="rect">
             <a:avLst/>
           </a:prstGeom>
-          <a:noFill/>
-          <a:ln w="28575">
-            <a:solidFill>
-              <a:srgbClr val="00B0F0"/>
-            </a:solidFill>
-          </a:ln>
+          <a:solidFill>
+            <a:srgbClr val="7D7D7D"/>
+          </a:solidFill>
         </p:spPr>
-        <p:style>
-          <a:lnRef idx="1">
-            <a:schemeClr val="accent1"/>
-          </a:lnRef>
-          <a:fillRef idx="3">
-            <a:schemeClr val="accent1"/>
-          </a:fillRef>
-          <a:effectRef idx="2">
-            <a:schemeClr val="accent1"/>
-          </a:effectRef>
-          <a:fontRef idx="minor">
-            <a:schemeClr val="lt1"/>
-          </a:fontRef>
-        </p:style>
-        <p:txBody>
-          <a:bodyPr rtlCol="0" anchor="ctr"/>
+        <p:txBody>
+          <a:bodyPr wrap="square" rtlCol="0">
+            <a:spAutoFit/>
+          </a:bodyPr>
           <a:lstStyle/>
           <a:p>
-            <a:pPr algn="ctr"/>
-            <a:endParaRPr lang="en-US"/>
-          </a:p>
-        </p:txBody>
-      </p:sp>
-      <p:cxnSp>
-        <p:nvCxnSpPr>
-          <p:cNvPr id="17" name="Straight Connector 16">
-            <a:extLst>
-              <a:ext uri="{FF2B5EF4-FFF2-40B4-BE49-F238E27FC236}">
-                <a16:creationId xmlns:a16="http://schemas.microsoft.com/office/drawing/2014/main" id="{BA3039BC-4FF1-DE75-D33F-9B39A4FF01A4}"/>
-              </a:ext>
-            </a:extLst>
-          </p:cNvPr>
-          <p:cNvCxnSpPr>
-            <a:cxnSpLocks/>
-            <a:stCxn id="15" idx="3"/>
-          </p:cNvCxnSpPr>
-          <p:nvPr/>
-        </p:nvCxnSpPr>
-        <p:spPr>
-          <a:xfrm flipV="1">
-            <a:off x="6733921" y="5040987"/>
-            <a:ext cx="1333754" cy="1"/>
-          </a:xfrm>
-          <a:prstGeom prst="line">
-            <a:avLst/>
-          </a:prstGeom>
-          <a:ln>
-            <a:solidFill>
-              <a:srgbClr val="00B0F0"/>
-            </a:solidFill>
-          </a:ln>
-        </p:spPr>
-        <p:style>
-          <a:lnRef idx="2">
-            <a:schemeClr val="accent1"/>
-          </a:lnRef>
-          <a:fillRef idx="0">
-            <a:schemeClr val="accent1"/>
-          </a:fillRef>
-          <a:effectRef idx="1">
-            <a:schemeClr val="accent1"/>
-          </a:effectRef>
-          <a:fontRef idx="minor">
-            <a:schemeClr val="tx1"/>
-          </a:fontRef>
-        </p:style>
-      </p:cxnSp>
-      <p:sp>
-        <p:nvSpPr>
-          <p:cNvPr id="20" name="Rectangle 19">
-            <a:extLst>
-              <a:ext uri="{FF2B5EF4-FFF2-40B4-BE49-F238E27FC236}">
-                <a16:creationId xmlns:a16="http://schemas.microsoft.com/office/drawing/2014/main" id="{5D09B655-9AE2-CD82-FD32-3842B4E7CE51}"/>
-              </a:ext>
-            </a:extLst>
-          </p:cNvPr>
-          <p:cNvSpPr/>
-          <p:nvPr/>
-        </p:nvSpPr>
-        <p:spPr>
-          <a:xfrm>
-            <a:off x="4586950" y="4890068"/>
-            <a:ext cx="301841" cy="301841"/>
-          </a:xfrm>
-          <a:prstGeom prst="rect">
-            <a:avLst/>
-          </a:prstGeom>
-          <a:noFill/>
-          <a:ln w="28575">
-            <a:solidFill>
-              <a:srgbClr val="FF66FF"/>
-            </a:solidFill>
-          </a:ln>
-        </p:spPr>
-        <p:style>
-          <a:lnRef idx="1">
-            <a:schemeClr val="accent1"/>
-          </a:lnRef>
-          <a:fillRef idx="3">
-            <a:schemeClr val="accent1"/>
-          </a:fillRef>
-          <a:effectRef idx="2">
-            <a:schemeClr val="accent1"/>
-          </a:effectRef>
-          <a:fontRef idx="minor">
-            <a:schemeClr val="lt1"/>
-          </a:fontRef>
-        </p:style>
-        <p:txBody>
-          <a:bodyPr rtlCol="0" anchor="ctr"/>
-          <a:lstStyle/>
-          <a:p>
-            <a:pPr algn="ctr"/>
-            <a:endParaRPr lang="en-US"/>
-          </a:p>
-        </p:txBody>
-      </p:sp>
-      <p:cxnSp>
-        <p:nvCxnSpPr>
-          <p:cNvPr id="21" name="Straight Connector 20">
-            <a:extLst>
-              <a:ext uri="{FF2B5EF4-FFF2-40B4-BE49-F238E27FC236}">
-                <a16:creationId xmlns:a16="http://schemas.microsoft.com/office/drawing/2014/main" id="{7E196047-6CDC-E235-C9D7-35AC5696AAD3}"/>
-              </a:ext>
-            </a:extLst>
-          </p:cNvPr>
-          <p:cNvCxnSpPr>
-            <a:cxnSpLocks/>
-          </p:cNvCxnSpPr>
-          <p:nvPr/>
-        </p:nvCxnSpPr>
-        <p:spPr>
-          <a:xfrm>
-            <a:off x="4052009" y="5021983"/>
-            <a:ext cx="534941" cy="0"/>
-          </a:xfrm>
-          <a:prstGeom prst="line">
-            <a:avLst/>
-          </a:prstGeom>
-          <a:ln>
-            <a:solidFill>
-              <a:srgbClr val="FF66FF"/>
-            </a:solidFill>
-          </a:ln>
-        </p:spPr>
-        <p:style>
-          <a:lnRef idx="2">
-            <a:schemeClr val="accent1"/>
-          </a:lnRef>
-          <a:fillRef idx="0">
-            <a:schemeClr val="accent1"/>
-          </a:fillRef>
-          <a:effectRef idx="1">
-            <a:schemeClr val="accent1"/>
-          </a:effectRef>
-          <a:fontRef idx="minor">
-            <a:schemeClr val="tx1"/>
-          </a:fontRef>
-        </p:style>
-      </p:cxnSp>
-      <p:sp>
-        <p:nvSpPr>
-          <p:cNvPr id="6" name="Rectangle 5">
-            <a:extLst>
-              <a:ext uri="{FF2B5EF4-FFF2-40B4-BE49-F238E27FC236}">
-                <a16:creationId xmlns:a16="http://schemas.microsoft.com/office/drawing/2014/main" id="{3CE7954B-586E-187C-6981-41C0CDD41E16}"/>
-              </a:ext>
-            </a:extLst>
-          </p:cNvPr>
-          <p:cNvSpPr/>
-          <p:nvPr/>
-        </p:nvSpPr>
-        <p:spPr>
-          <a:xfrm>
-            <a:off x="2539014" y="4687553"/>
-            <a:ext cx="1512995" cy="772218"/>
-          </a:xfrm>
-          <a:prstGeom prst="rect">
-            <a:avLst/>
-          </a:prstGeom>
-          <a:noFill/>
-          <a:ln w="28575" cap="flat" cmpd="sng" algn="ctr">
-            <a:solidFill>
-              <a:srgbClr val="FF66FF"/>
-            </a:solidFill>
-            <a:prstDash val="solid"/>
-            <a:round/>
-            <a:headEnd type="none" w="med" len="med"/>
-            <a:tailEnd type="none" w="med" len="med"/>
-          </a:ln>
-        </p:spPr>
-        <p:style>
-          <a:lnRef idx="0">
-            <a:scrgbClr r="0" g="0" b="0"/>
-          </a:lnRef>
-          <a:fillRef idx="0">
-            <a:scrgbClr r="0" g="0" b="0"/>
-          </a:fillRef>
-          <a:effectRef idx="0">
-            <a:scrgbClr r="0" g="0" b="0"/>
-          </a:effectRef>
-          <a:fontRef idx="minor">
-            <a:schemeClr val="dk1"/>
-          </a:fontRef>
-        </p:style>
-        <p:txBody>
-          <a:bodyPr rtlCol="0" anchor="ctr"/>
-          <a:lstStyle/>
-          <a:p>
-            <a:pPr algn="ctr"/>
-            <a:r>
-              <a:rPr lang="en-US" sz="2000" dirty="0">
-                <a:solidFill>
-                  <a:schemeClr val="tx1"/>
-                </a:solidFill>
+            <a:pPr algn="l"/>
+            <a:r>
+              <a:rPr lang="en-US" sz="1200" dirty="0">
+                <a:latin typeface="Arial" panose="020B0604020202020204" pitchFamily="34" charset="0"/>
+                <a:cs typeface="Arial" panose="020B0604020202020204" pitchFamily="34" charset="0"/>
               </a:rPr>
-              <a:t>very</a:t>
-            </a:r>
-          </a:p>
-          <a:p>
-            <a:pPr algn="ctr"/>
-            <a:r>
-              <a:rPr lang="en-US" sz="2000" dirty="0">
-                <a:solidFill>
-                  <a:schemeClr val="tx1"/>
-                </a:solidFill>
-              </a:rPr>
-              <a:t>simple</a:t>
-            </a:r>
-          </a:p>
-        </p:txBody>
-      </p:sp>
-      <p:sp>
-        <p:nvSpPr>
-          <p:cNvPr id="7" name="Rectangle 6">
-            <a:extLst>
-              <a:ext uri="{FF2B5EF4-FFF2-40B4-BE49-F238E27FC236}">
-                <a16:creationId xmlns:a16="http://schemas.microsoft.com/office/drawing/2014/main" id="{0AA3FE03-F79A-542E-C548-871038B6ADAD}"/>
-              </a:ext>
-            </a:extLst>
-          </p:cNvPr>
-          <p:cNvSpPr/>
-          <p:nvPr/>
-        </p:nvSpPr>
-        <p:spPr>
-          <a:xfrm>
-            <a:off x="8067675" y="4687553"/>
-            <a:ext cx="1218368" cy="772218"/>
-          </a:xfrm>
-          <a:prstGeom prst="rect">
-            <a:avLst/>
-          </a:prstGeom>
-          <a:noFill/>
-          <a:ln w="28575">
-            <a:solidFill>
-              <a:srgbClr val="00B0F0"/>
-            </a:solidFill>
-          </a:ln>
-        </p:spPr>
-        <p:style>
-          <a:lnRef idx="0">
-            <a:scrgbClr r="0" g="0" b="0"/>
-          </a:lnRef>
-          <a:fillRef idx="0">
-            <a:scrgbClr r="0" g="0" b="0"/>
-          </a:fillRef>
-          <a:effectRef idx="0">
-            <a:scrgbClr r="0" g="0" b="0"/>
-          </a:effectRef>
-          <a:fontRef idx="minor">
-            <a:schemeClr val="dk1"/>
-          </a:fontRef>
-        </p:style>
-        <p:txBody>
-          <a:bodyPr rtlCol="0" anchor="ctr"/>
-          <a:lstStyle/>
-          <a:p>
-            <a:pPr algn="ctr"/>
-            <a:r>
-              <a:rPr lang="en-US" sz="2000" dirty="0">
-                <a:solidFill>
-                  <a:schemeClr val="tx1"/>
-                </a:solidFill>
-              </a:rPr>
-              <a:t>very </a:t>
-            </a:r>
-            <a:br>
-              <a:rPr lang="en-US" sz="2000" dirty="0">
-                <a:solidFill>
-                  <a:schemeClr val="tx1"/>
-                </a:solidFill>
-              </a:rPr>
-            </a:br>
-            <a:r>
-              <a:rPr lang="en-US" sz="2000" dirty="0">
-                <a:solidFill>
-                  <a:schemeClr val="tx1"/>
-                </a:solidFill>
-              </a:rPr>
-              <a:t> complex</a:t>
-            </a:r>
+              <a:t>complexity</a:t>
+            </a:r>
+            <a:endParaRPr lang="en-US" sz="1400" dirty="0">
+              <a:latin typeface="Arial" panose="020B0604020202020204" pitchFamily="34" charset="0"/>
+              <a:cs typeface="Arial" panose="020B0604020202020204" pitchFamily="34" charset="0"/>
+            </a:endParaRPr>
           </a:p>
         </p:txBody>
       </p:sp>
     </p:spTree>
     <p:extLst>
       <p:ext uri="{BB962C8B-B14F-4D97-AF65-F5344CB8AC3E}">
-        <p14:creationId xmlns:p14="http://schemas.microsoft.com/office/powerpoint/2010/main" val="3028571398"/>
+        <p14:creationId xmlns:p14="http://schemas.microsoft.com/office/powerpoint/2010/main" val="934964708"/>
       </p:ext>
     </p:extLst>
   </p:cSld>
@@ -6291,29 +6225,35 @@
             </a:r>
           </a:p>
           <a:p>
-            <a:endParaRPr lang="en-US" sz="2400" dirty="0"/>
-          </a:p>
-          <a:p>
-            <a:r>
-              <a:rPr lang="en-US" sz="2400" dirty="0"/>
-              <a:t>Take your time. No speed pressure in this task. </a:t>
-            </a:r>
-          </a:p>
-          <a:p>
-            <a:pPr algn="ctr"/>
-            <a:endParaRPr lang="en-US" sz="2400" dirty="0"/>
-          </a:p>
-          <a:p>
-            <a:pPr algn="ctr"/>
-            <a:endParaRPr lang="en-US" sz="2400" dirty="0"/>
-          </a:p>
-          <a:p>
-            <a:pPr algn="ctr"/>
-            <a:endParaRPr lang="en-US" sz="2400" dirty="0"/>
-          </a:p>
-          <a:p>
-            <a:pPr algn="ctr"/>
-            <a:endParaRPr lang="en-US" sz="2400" dirty="0"/>
+            <a:endParaRPr lang="en-US" sz="2400" b="1" dirty="0"/>
+          </a:p>
+          <a:p>
+            <a:r>
+              <a:rPr lang="en-US" sz="2400" dirty="0"/>
+              <a:t>To confirm your answer press </a:t>
+            </a:r>
+            <a:br>
+              <a:rPr lang="en-US" sz="2400" dirty="0"/>
+            </a:br>
+            <a:r>
+              <a:rPr lang="en-US" sz="2400" dirty="0"/>
+              <a:t>the space bar.</a:t>
+            </a:r>
+          </a:p>
+          <a:p>
+            <a:endParaRPr lang="en-US" sz="2400" dirty="0"/>
+          </a:p>
+          <a:p>
+            <a:r>
+              <a:rPr lang="en-US" sz="2400" dirty="0"/>
+              <a:t>Take your time. </a:t>
+            </a:r>
+          </a:p>
+          <a:p>
+            <a:r>
+              <a:rPr lang="en-US" sz="2400" dirty="0"/>
+              <a:t>No speed pressure in this task. </a:t>
+            </a:r>
           </a:p>
           <a:p>
             <a:pPr algn="ctr"/>
@@ -6363,391 +6303,6 @@
           </a:p>
           <a:p>
             <a:endParaRPr lang="en-US" sz="2400" dirty="0"/>
-          </a:p>
-        </p:txBody>
-      </p:sp>
-      <p:pic>
-        <p:nvPicPr>
-          <p:cNvPr id="1028" name="Picture 4" descr="German (Germany) Keyboard Labels - DSI Computer Keyboards">
-            <a:extLst>
-              <a:ext uri="{FF2B5EF4-FFF2-40B4-BE49-F238E27FC236}">
-                <a16:creationId xmlns:a16="http://schemas.microsoft.com/office/drawing/2014/main" id="{54921F55-1CC2-E0AA-F781-B13E39422D11}"/>
-              </a:ext>
-            </a:extLst>
-          </p:cNvPr>
-          <p:cNvPicPr>
-            <a:picLocks noChangeAspect="1" noChangeArrowheads="1"/>
-          </p:cNvPicPr>
-          <p:nvPr/>
-        </p:nvPicPr>
-        <p:blipFill rotWithShape="1">
-          <a:blip r:embed="rId2" cstate="hqprint">
-            <a:extLst>
-              <a:ext uri="{28A0092B-C50C-407E-A947-70E740481C1C}">
-                <a14:useLocalDpi xmlns:a14="http://schemas.microsoft.com/office/drawing/2010/main" val="0"/>
-              </a:ext>
-            </a:extLst>
-          </a:blip>
-          <a:srcRect r="26400" b="80062"/>
-          <a:stretch/>
-        </p:blipFill>
-        <p:spPr bwMode="auto">
-          <a:xfrm>
-            <a:off x="4285218" y="4871063"/>
-            <a:ext cx="3382407" cy="320846"/>
-          </a:xfrm>
-          <a:prstGeom prst="rect">
-            <a:avLst/>
-          </a:prstGeom>
-          <a:noFill/>
-          <a:ln>
-            <a:solidFill>
-              <a:schemeClr val="bg1"/>
-            </a:solidFill>
-          </a:ln>
-          <a:extLst>
-            <a:ext uri="{909E8E84-426E-40DD-AFC4-6F175D3DCCD1}">
-              <a14:hiddenFill xmlns:a14="http://schemas.microsoft.com/office/drawing/2010/main">
-                <a:solidFill>
-                  <a:srgbClr val="FFFFFF"/>
-                </a:solidFill>
-              </a14:hiddenFill>
-            </a:ext>
-          </a:extLst>
-        </p:spPr>
-      </p:pic>
-      <p:sp>
-        <p:nvSpPr>
-          <p:cNvPr id="15" name="Rectangle 14">
-            <a:extLst>
-              <a:ext uri="{FF2B5EF4-FFF2-40B4-BE49-F238E27FC236}">
-                <a16:creationId xmlns:a16="http://schemas.microsoft.com/office/drawing/2014/main" id="{97743DB1-FA0C-37E7-E303-A1AF55B8C84A}"/>
-              </a:ext>
-            </a:extLst>
-          </p:cNvPr>
-          <p:cNvSpPr/>
-          <p:nvPr/>
-        </p:nvSpPr>
-        <p:spPr>
-          <a:xfrm>
-            <a:off x="6432080" y="4890067"/>
-            <a:ext cx="301841" cy="301841"/>
-          </a:xfrm>
-          <a:prstGeom prst="rect">
-            <a:avLst/>
-          </a:prstGeom>
-          <a:noFill/>
-          <a:ln w="28575">
-            <a:solidFill>
-              <a:srgbClr val="00B0F0"/>
-            </a:solidFill>
-          </a:ln>
-        </p:spPr>
-        <p:style>
-          <a:lnRef idx="1">
-            <a:schemeClr val="accent1"/>
-          </a:lnRef>
-          <a:fillRef idx="3">
-            <a:schemeClr val="accent1"/>
-          </a:fillRef>
-          <a:effectRef idx="2">
-            <a:schemeClr val="accent1"/>
-          </a:effectRef>
-          <a:fontRef idx="minor">
-            <a:schemeClr val="lt1"/>
-          </a:fontRef>
-        </p:style>
-        <p:txBody>
-          <a:bodyPr rtlCol="0" anchor="ctr"/>
-          <a:lstStyle/>
-          <a:p>
-            <a:pPr algn="ctr"/>
-            <a:endParaRPr lang="en-US"/>
-          </a:p>
-        </p:txBody>
-      </p:sp>
-      <p:cxnSp>
-        <p:nvCxnSpPr>
-          <p:cNvPr id="17" name="Straight Connector 16">
-            <a:extLst>
-              <a:ext uri="{FF2B5EF4-FFF2-40B4-BE49-F238E27FC236}">
-                <a16:creationId xmlns:a16="http://schemas.microsoft.com/office/drawing/2014/main" id="{BA3039BC-4FF1-DE75-D33F-9B39A4FF01A4}"/>
-              </a:ext>
-            </a:extLst>
-          </p:cNvPr>
-          <p:cNvCxnSpPr>
-            <a:cxnSpLocks/>
-            <a:stCxn id="15" idx="3"/>
-          </p:cNvCxnSpPr>
-          <p:nvPr/>
-        </p:nvCxnSpPr>
-        <p:spPr>
-          <a:xfrm flipV="1">
-            <a:off x="6733921" y="5040987"/>
-            <a:ext cx="1333754" cy="1"/>
-          </a:xfrm>
-          <a:prstGeom prst="line">
-            <a:avLst/>
-          </a:prstGeom>
-          <a:ln>
-            <a:solidFill>
-              <a:srgbClr val="00B0F0"/>
-            </a:solidFill>
-          </a:ln>
-        </p:spPr>
-        <p:style>
-          <a:lnRef idx="2">
-            <a:schemeClr val="accent1"/>
-          </a:lnRef>
-          <a:fillRef idx="0">
-            <a:schemeClr val="accent1"/>
-          </a:fillRef>
-          <a:effectRef idx="1">
-            <a:schemeClr val="accent1"/>
-          </a:effectRef>
-          <a:fontRef idx="minor">
-            <a:schemeClr val="tx1"/>
-          </a:fontRef>
-        </p:style>
-      </p:cxnSp>
-      <p:sp>
-        <p:nvSpPr>
-          <p:cNvPr id="20" name="Rectangle 19">
-            <a:extLst>
-              <a:ext uri="{FF2B5EF4-FFF2-40B4-BE49-F238E27FC236}">
-                <a16:creationId xmlns:a16="http://schemas.microsoft.com/office/drawing/2014/main" id="{5D09B655-9AE2-CD82-FD32-3842B4E7CE51}"/>
-              </a:ext>
-            </a:extLst>
-          </p:cNvPr>
-          <p:cNvSpPr/>
-          <p:nvPr/>
-        </p:nvSpPr>
-        <p:spPr>
-          <a:xfrm>
-            <a:off x="4586950" y="4890068"/>
-            <a:ext cx="301841" cy="301841"/>
-          </a:xfrm>
-          <a:prstGeom prst="rect">
-            <a:avLst/>
-          </a:prstGeom>
-          <a:noFill/>
-          <a:ln w="28575">
-            <a:solidFill>
-              <a:srgbClr val="FF66FF"/>
-            </a:solidFill>
-          </a:ln>
-        </p:spPr>
-        <p:style>
-          <a:lnRef idx="1">
-            <a:schemeClr val="accent1"/>
-          </a:lnRef>
-          <a:fillRef idx="3">
-            <a:schemeClr val="accent1"/>
-          </a:fillRef>
-          <a:effectRef idx="2">
-            <a:schemeClr val="accent1"/>
-          </a:effectRef>
-          <a:fontRef idx="minor">
-            <a:schemeClr val="lt1"/>
-          </a:fontRef>
-        </p:style>
-        <p:txBody>
-          <a:bodyPr rtlCol="0" anchor="ctr"/>
-          <a:lstStyle/>
-          <a:p>
-            <a:pPr algn="ctr"/>
-            <a:endParaRPr lang="en-US"/>
-          </a:p>
-        </p:txBody>
-      </p:sp>
-      <p:cxnSp>
-        <p:nvCxnSpPr>
-          <p:cNvPr id="21" name="Straight Connector 20">
-            <a:extLst>
-              <a:ext uri="{FF2B5EF4-FFF2-40B4-BE49-F238E27FC236}">
-                <a16:creationId xmlns:a16="http://schemas.microsoft.com/office/drawing/2014/main" id="{7E196047-6CDC-E235-C9D7-35AC5696AAD3}"/>
-              </a:ext>
-            </a:extLst>
-          </p:cNvPr>
-          <p:cNvCxnSpPr>
-            <a:cxnSpLocks/>
-          </p:cNvCxnSpPr>
-          <p:nvPr/>
-        </p:nvCxnSpPr>
-        <p:spPr>
-          <a:xfrm>
-            <a:off x="4052009" y="5021983"/>
-            <a:ext cx="534941" cy="0"/>
-          </a:xfrm>
-          <a:prstGeom prst="line">
-            <a:avLst/>
-          </a:prstGeom>
-          <a:ln>
-            <a:solidFill>
-              <a:srgbClr val="FF66FF"/>
-            </a:solidFill>
-          </a:ln>
-        </p:spPr>
-        <p:style>
-          <a:lnRef idx="2">
-            <a:schemeClr val="accent1"/>
-          </a:lnRef>
-          <a:fillRef idx="0">
-            <a:schemeClr val="accent1"/>
-          </a:fillRef>
-          <a:effectRef idx="1">
-            <a:schemeClr val="accent1"/>
-          </a:effectRef>
-          <a:fontRef idx="minor">
-            <a:schemeClr val="tx1"/>
-          </a:fontRef>
-        </p:style>
-      </p:cxnSp>
-      <p:sp>
-        <p:nvSpPr>
-          <p:cNvPr id="6" name="Rectangle 5">
-            <a:extLst>
-              <a:ext uri="{FF2B5EF4-FFF2-40B4-BE49-F238E27FC236}">
-                <a16:creationId xmlns:a16="http://schemas.microsoft.com/office/drawing/2014/main" id="{3CE7954B-586E-187C-6981-41C0CDD41E16}"/>
-              </a:ext>
-            </a:extLst>
-          </p:cNvPr>
-          <p:cNvSpPr/>
-          <p:nvPr/>
-        </p:nvSpPr>
-        <p:spPr>
-          <a:xfrm>
-            <a:off x="3063213" y="4687553"/>
-            <a:ext cx="988796" cy="772218"/>
-          </a:xfrm>
-          <a:prstGeom prst="rect">
-            <a:avLst/>
-          </a:prstGeom>
-          <a:noFill/>
-          <a:ln w="28575" cap="flat" cmpd="sng" algn="ctr">
-            <a:solidFill>
-              <a:srgbClr val="FF66FF"/>
-            </a:solidFill>
-            <a:prstDash val="solid"/>
-            <a:round/>
-            <a:headEnd type="none" w="med" len="med"/>
-            <a:tailEnd type="none" w="med" len="med"/>
-          </a:ln>
-        </p:spPr>
-        <p:style>
-          <a:lnRef idx="0">
-            <a:scrgbClr r="0" g="0" b="0"/>
-          </a:lnRef>
-          <a:fillRef idx="0">
-            <a:scrgbClr r="0" g="0" b="0"/>
-          </a:fillRef>
-          <a:effectRef idx="0">
-            <a:scrgbClr r="0" g="0" b="0"/>
-          </a:effectRef>
-          <a:fontRef idx="minor">
-            <a:schemeClr val="dk1"/>
-          </a:fontRef>
-        </p:style>
-        <p:txBody>
-          <a:bodyPr rtlCol="0" anchor="ctr"/>
-          <a:lstStyle/>
-          <a:p>
-            <a:pPr algn="ctr"/>
-            <a:r>
-              <a:rPr lang="en-US" sz="2000" dirty="0">
-                <a:solidFill>
-                  <a:schemeClr val="tx1"/>
-                </a:solidFill>
-              </a:rPr>
-              <a:t>very </a:t>
-            </a:r>
-            <a:br>
-              <a:rPr lang="en-US" sz="2000" dirty="0">
-                <a:solidFill>
-                  <a:schemeClr val="tx1"/>
-                </a:solidFill>
-              </a:rPr>
-            </a:br>
-            <a:r>
-              <a:rPr lang="en-US" sz="2000" dirty="0">
-                <a:solidFill>
-                  <a:schemeClr val="tx1"/>
-                </a:solidFill>
-              </a:rPr>
-              <a:t>atypical</a:t>
-            </a:r>
-          </a:p>
-        </p:txBody>
-      </p:sp>
-      <p:sp>
-        <p:nvSpPr>
-          <p:cNvPr id="7" name="Rectangle 6">
-            <a:extLst>
-              <a:ext uri="{FF2B5EF4-FFF2-40B4-BE49-F238E27FC236}">
-                <a16:creationId xmlns:a16="http://schemas.microsoft.com/office/drawing/2014/main" id="{0AA3FE03-F79A-542E-C548-871038B6ADAD}"/>
-              </a:ext>
-            </a:extLst>
-          </p:cNvPr>
-          <p:cNvSpPr/>
-          <p:nvPr/>
-        </p:nvSpPr>
-        <p:spPr>
-          <a:xfrm>
-            <a:off x="8067675" y="4687553"/>
-            <a:ext cx="988796" cy="772218"/>
-          </a:xfrm>
-          <a:prstGeom prst="rect">
-            <a:avLst/>
-          </a:prstGeom>
-          <a:noFill/>
-          <a:ln w="28575">
-            <a:solidFill>
-              <a:srgbClr val="00B0F0"/>
-            </a:solidFill>
-          </a:ln>
-        </p:spPr>
-        <p:style>
-          <a:lnRef idx="0">
-            <a:scrgbClr r="0" g="0" b="0"/>
-          </a:lnRef>
-          <a:fillRef idx="0">
-            <a:scrgbClr r="0" g="0" b="0"/>
-          </a:fillRef>
-          <a:effectRef idx="0">
-            <a:scrgbClr r="0" g="0" b="0"/>
-          </a:effectRef>
-          <a:fontRef idx="minor">
-            <a:schemeClr val="dk1"/>
-          </a:fontRef>
-        </p:style>
-        <p:txBody>
-          <a:bodyPr rtlCol="0" anchor="ctr"/>
-          <a:lstStyle/>
-          <a:p>
-            <a:pPr algn="ctr"/>
-            <a:r>
-              <a:rPr lang="en-US" sz="2000" dirty="0">
-                <a:solidFill>
-                  <a:schemeClr val="tx1"/>
-                </a:solidFill>
-              </a:rPr>
-              <a:t>very </a:t>
-            </a:r>
-            <a:br>
-              <a:rPr lang="en-US" sz="2000" dirty="0">
-                <a:solidFill>
-                  <a:schemeClr val="tx1"/>
-                </a:solidFill>
-              </a:rPr>
-            </a:br>
-            <a:r>
-              <a:rPr lang="en-US" sz="2000" dirty="0">
-                <a:solidFill>
-                  <a:schemeClr val="tx1"/>
-                </a:solidFill>
-              </a:rPr>
-              <a:t>typical</a:t>
-            </a:r>
           </a:p>
         </p:txBody>
       </p:sp>
@@ -6766,15 +6321,15 @@
           <p:nvPr/>
         </p:nvPicPr>
         <p:blipFill>
-          <a:blip r:embed="rId3"/>
+          <a:blip r:embed="rId2"/>
           <a:stretch>
             <a:fillRect/>
           </a:stretch>
         </p:blipFill>
         <p:spPr>
           <a:xfrm>
-            <a:off x="2976127" y="366285"/>
-            <a:ext cx="6239746" cy="6125430"/>
+            <a:off x="6551721" y="3006774"/>
+            <a:ext cx="2515313" cy="2469231"/>
           </a:xfrm>
           <a:prstGeom prst="rect">
             <a:avLst/>
@@ -6913,29 +6468,35 @@
             </a:r>
           </a:p>
           <a:p>
-            <a:endParaRPr lang="en-US" sz="2400" dirty="0"/>
-          </a:p>
-          <a:p>
-            <a:r>
-              <a:rPr lang="en-US" sz="2400" dirty="0"/>
-              <a:t>Take your time. No speed pressure in this task. </a:t>
-            </a:r>
-          </a:p>
-          <a:p>
-            <a:pPr algn="ctr"/>
-            <a:endParaRPr lang="en-US" sz="2400" dirty="0"/>
-          </a:p>
-          <a:p>
-            <a:pPr algn="ctr"/>
-            <a:endParaRPr lang="en-US" sz="2400" dirty="0"/>
-          </a:p>
-          <a:p>
-            <a:pPr algn="ctr"/>
-            <a:endParaRPr lang="en-US" sz="2400" dirty="0"/>
-          </a:p>
-          <a:p>
-            <a:pPr algn="ctr"/>
-            <a:endParaRPr lang="en-US" sz="2400" dirty="0"/>
+            <a:endParaRPr lang="en-US" sz="2400" b="1" dirty="0"/>
+          </a:p>
+          <a:p>
+            <a:r>
+              <a:rPr lang="en-US" sz="2400" dirty="0"/>
+              <a:t>To confirm your answer press </a:t>
+            </a:r>
+            <a:br>
+              <a:rPr lang="en-US" sz="2400" dirty="0"/>
+            </a:br>
+            <a:r>
+              <a:rPr lang="en-US" sz="2400" dirty="0"/>
+              <a:t>the space bar.</a:t>
+            </a:r>
+          </a:p>
+          <a:p>
+            <a:endParaRPr lang="en-US" sz="2400" dirty="0"/>
+          </a:p>
+          <a:p>
+            <a:r>
+              <a:rPr lang="en-US" sz="2400" dirty="0"/>
+              <a:t>Take your time. </a:t>
+            </a:r>
+          </a:p>
+          <a:p>
+            <a:r>
+              <a:rPr lang="en-US" sz="2400" dirty="0"/>
+              <a:t>No speed pressure in this task. </a:t>
+            </a:r>
           </a:p>
           <a:p>
             <a:pPr algn="ctr"/>
@@ -6990,391 +6551,10 @@
       </p:sp>
       <p:pic>
         <p:nvPicPr>
-          <p:cNvPr id="1028" name="Picture 4" descr="German (Germany) Keyboard Labels - DSI Computer Keyboards">
+          <p:cNvPr id="8" name="Picture 7">
             <a:extLst>
               <a:ext uri="{FF2B5EF4-FFF2-40B4-BE49-F238E27FC236}">
-                <a16:creationId xmlns:a16="http://schemas.microsoft.com/office/drawing/2014/main" id="{54921F55-1CC2-E0AA-F781-B13E39422D11}"/>
-              </a:ext>
-            </a:extLst>
-          </p:cNvPr>
-          <p:cNvPicPr>
-            <a:picLocks noChangeAspect="1" noChangeArrowheads="1"/>
-          </p:cNvPicPr>
-          <p:nvPr/>
-        </p:nvPicPr>
-        <p:blipFill rotWithShape="1">
-          <a:blip r:embed="rId2" cstate="hqprint">
-            <a:extLst>
-              <a:ext uri="{28A0092B-C50C-407E-A947-70E740481C1C}">
-                <a14:useLocalDpi xmlns:a14="http://schemas.microsoft.com/office/drawing/2010/main" val="0"/>
-              </a:ext>
-            </a:extLst>
-          </a:blip>
-          <a:srcRect r="26400" b="80062"/>
-          <a:stretch/>
-        </p:blipFill>
-        <p:spPr bwMode="auto">
-          <a:xfrm>
-            <a:off x="4285218" y="4871063"/>
-            <a:ext cx="3382407" cy="320846"/>
-          </a:xfrm>
-          <a:prstGeom prst="rect">
-            <a:avLst/>
-          </a:prstGeom>
-          <a:noFill/>
-          <a:ln>
-            <a:solidFill>
-              <a:schemeClr val="bg1"/>
-            </a:solidFill>
-          </a:ln>
-          <a:extLst>
-            <a:ext uri="{909E8E84-426E-40DD-AFC4-6F175D3DCCD1}">
-              <a14:hiddenFill xmlns:a14="http://schemas.microsoft.com/office/drawing/2010/main">
-                <a:solidFill>
-                  <a:srgbClr val="FFFFFF"/>
-                </a:solidFill>
-              </a14:hiddenFill>
-            </a:ext>
-          </a:extLst>
-        </p:spPr>
-      </p:pic>
-      <p:sp>
-        <p:nvSpPr>
-          <p:cNvPr id="15" name="Rectangle 14">
-            <a:extLst>
-              <a:ext uri="{FF2B5EF4-FFF2-40B4-BE49-F238E27FC236}">
-                <a16:creationId xmlns:a16="http://schemas.microsoft.com/office/drawing/2014/main" id="{97743DB1-FA0C-37E7-E303-A1AF55B8C84A}"/>
-              </a:ext>
-            </a:extLst>
-          </p:cNvPr>
-          <p:cNvSpPr/>
-          <p:nvPr/>
-        </p:nvSpPr>
-        <p:spPr>
-          <a:xfrm>
-            <a:off x="6432080" y="4890067"/>
-            <a:ext cx="301841" cy="301841"/>
-          </a:xfrm>
-          <a:prstGeom prst="rect">
-            <a:avLst/>
-          </a:prstGeom>
-          <a:noFill/>
-          <a:ln w="28575">
-            <a:solidFill>
-              <a:srgbClr val="00B0F0"/>
-            </a:solidFill>
-          </a:ln>
-        </p:spPr>
-        <p:style>
-          <a:lnRef idx="1">
-            <a:schemeClr val="accent1"/>
-          </a:lnRef>
-          <a:fillRef idx="3">
-            <a:schemeClr val="accent1"/>
-          </a:fillRef>
-          <a:effectRef idx="2">
-            <a:schemeClr val="accent1"/>
-          </a:effectRef>
-          <a:fontRef idx="minor">
-            <a:schemeClr val="lt1"/>
-          </a:fontRef>
-        </p:style>
-        <p:txBody>
-          <a:bodyPr rtlCol="0" anchor="ctr"/>
-          <a:lstStyle/>
-          <a:p>
-            <a:pPr algn="ctr"/>
-            <a:endParaRPr lang="en-US"/>
-          </a:p>
-        </p:txBody>
-      </p:sp>
-      <p:cxnSp>
-        <p:nvCxnSpPr>
-          <p:cNvPr id="17" name="Straight Connector 16">
-            <a:extLst>
-              <a:ext uri="{FF2B5EF4-FFF2-40B4-BE49-F238E27FC236}">
-                <a16:creationId xmlns:a16="http://schemas.microsoft.com/office/drawing/2014/main" id="{BA3039BC-4FF1-DE75-D33F-9B39A4FF01A4}"/>
-              </a:ext>
-            </a:extLst>
-          </p:cNvPr>
-          <p:cNvCxnSpPr>
-            <a:cxnSpLocks/>
-            <a:stCxn id="15" idx="3"/>
-          </p:cNvCxnSpPr>
-          <p:nvPr/>
-        </p:nvCxnSpPr>
-        <p:spPr>
-          <a:xfrm flipV="1">
-            <a:off x="6733921" y="5040987"/>
-            <a:ext cx="1333754" cy="1"/>
-          </a:xfrm>
-          <a:prstGeom prst="line">
-            <a:avLst/>
-          </a:prstGeom>
-          <a:ln>
-            <a:solidFill>
-              <a:srgbClr val="00B0F0"/>
-            </a:solidFill>
-          </a:ln>
-        </p:spPr>
-        <p:style>
-          <a:lnRef idx="2">
-            <a:schemeClr val="accent1"/>
-          </a:lnRef>
-          <a:fillRef idx="0">
-            <a:schemeClr val="accent1"/>
-          </a:fillRef>
-          <a:effectRef idx="1">
-            <a:schemeClr val="accent1"/>
-          </a:effectRef>
-          <a:fontRef idx="minor">
-            <a:schemeClr val="tx1"/>
-          </a:fontRef>
-        </p:style>
-      </p:cxnSp>
-      <p:sp>
-        <p:nvSpPr>
-          <p:cNvPr id="20" name="Rectangle 19">
-            <a:extLst>
-              <a:ext uri="{FF2B5EF4-FFF2-40B4-BE49-F238E27FC236}">
-                <a16:creationId xmlns:a16="http://schemas.microsoft.com/office/drawing/2014/main" id="{5D09B655-9AE2-CD82-FD32-3842B4E7CE51}"/>
-              </a:ext>
-            </a:extLst>
-          </p:cNvPr>
-          <p:cNvSpPr/>
-          <p:nvPr/>
-        </p:nvSpPr>
-        <p:spPr>
-          <a:xfrm>
-            <a:off x="4586950" y="4890068"/>
-            <a:ext cx="301841" cy="301841"/>
-          </a:xfrm>
-          <a:prstGeom prst="rect">
-            <a:avLst/>
-          </a:prstGeom>
-          <a:noFill/>
-          <a:ln w="28575">
-            <a:solidFill>
-              <a:srgbClr val="FF66FF"/>
-            </a:solidFill>
-          </a:ln>
-        </p:spPr>
-        <p:style>
-          <a:lnRef idx="1">
-            <a:schemeClr val="accent1"/>
-          </a:lnRef>
-          <a:fillRef idx="3">
-            <a:schemeClr val="accent1"/>
-          </a:fillRef>
-          <a:effectRef idx="2">
-            <a:schemeClr val="accent1"/>
-          </a:effectRef>
-          <a:fontRef idx="minor">
-            <a:schemeClr val="lt1"/>
-          </a:fontRef>
-        </p:style>
-        <p:txBody>
-          <a:bodyPr rtlCol="0" anchor="ctr"/>
-          <a:lstStyle/>
-          <a:p>
-            <a:pPr algn="ctr"/>
-            <a:endParaRPr lang="en-US"/>
-          </a:p>
-        </p:txBody>
-      </p:sp>
-      <p:cxnSp>
-        <p:nvCxnSpPr>
-          <p:cNvPr id="21" name="Straight Connector 20">
-            <a:extLst>
-              <a:ext uri="{FF2B5EF4-FFF2-40B4-BE49-F238E27FC236}">
-                <a16:creationId xmlns:a16="http://schemas.microsoft.com/office/drawing/2014/main" id="{7E196047-6CDC-E235-C9D7-35AC5696AAD3}"/>
-              </a:ext>
-            </a:extLst>
-          </p:cNvPr>
-          <p:cNvCxnSpPr>
-            <a:cxnSpLocks/>
-          </p:cNvCxnSpPr>
-          <p:nvPr/>
-        </p:nvCxnSpPr>
-        <p:spPr>
-          <a:xfrm>
-            <a:off x="4052009" y="5021983"/>
-            <a:ext cx="534941" cy="0"/>
-          </a:xfrm>
-          <a:prstGeom prst="line">
-            <a:avLst/>
-          </a:prstGeom>
-          <a:ln>
-            <a:solidFill>
-              <a:srgbClr val="FF66FF"/>
-            </a:solidFill>
-          </a:ln>
-        </p:spPr>
-        <p:style>
-          <a:lnRef idx="2">
-            <a:schemeClr val="accent1"/>
-          </a:lnRef>
-          <a:fillRef idx="0">
-            <a:schemeClr val="accent1"/>
-          </a:fillRef>
-          <a:effectRef idx="1">
-            <a:schemeClr val="accent1"/>
-          </a:effectRef>
-          <a:fontRef idx="minor">
-            <a:schemeClr val="tx1"/>
-          </a:fontRef>
-        </p:style>
-      </p:cxnSp>
-      <p:sp>
-        <p:nvSpPr>
-          <p:cNvPr id="6" name="Rectangle 5">
-            <a:extLst>
-              <a:ext uri="{FF2B5EF4-FFF2-40B4-BE49-F238E27FC236}">
-                <a16:creationId xmlns:a16="http://schemas.microsoft.com/office/drawing/2014/main" id="{3CE7954B-586E-187C-6981-41C0CDD41E16}"/>
-              </a:ext>
-            </a:extLst>
-          </p:cNvPr>
-          <p:cNvSpPr/>
-          <p:nvPr/>
-        </p:nvSpPr>
-        <p:spPr>
-          <a:xfrm>
-            <a:off x="2741929" y="4687553"/>
-            <a:ext cx="1310080" cy="772218"/>
-          </a:xfrm>
-          <a:prstGeom prst="rect">
-            <a:avLst/>
-          </a:prstGeom>
-          <a:noFill/>
-          <a:ln w="28575" cap="flat" cmpd="sng" algn="ctr">
-            <a:solidFill>
-              <a:srgbClr val="FF66FF"/>
-            </a:solidFill>
-            <a:prstDash val="solid"/>
-            <a:round/>
-            <a:headEnd type="none" w="med" len="med"/>
-            <a:tailEnd type="none" w="med" len="med"/>
-          </a:ln>
-        </p:spPr>
-        <p:style>
-          <a:lnRef idx="0">
-            <a:scrgbClr r="0" g="0" b="0"/>
-          </a:lnRef>
-          <a:fillRef idx="0">
-            <a:scrgbClr r="0" g="0" b="0"/>
-          </a:fillRef>
-          <a:effectRef idx="0">
-            <a:scrgbClr r="0" g="0" b="0"/>
-          </a:effectRef>
-          <a:fontRef idx="minor">
-            <a:schemeClr val="dk1"/>
-          </a:fontRef>
-        </p:style>
-        <p:txBody>
-          <a:bodyPr rtlCol="0" anchor="ctr"/>
-          <a:lstStyle/>
-          <a:p>
-            <a:pPr algn="ctr"/>
-            <a:r>
-              <a:rPr lang="en-US" sz="2000" dirty="0">
-                <a:solidFill>
-                  <a:schemeClr val="tx1"/>
-                </a:solidFill>
-              </a:rPr>
-              <a:t>very</a:t>
-            </a:r>
-          </a:p>
-          <a:p>
-            <a:pPr algn="ctr"/>
-            <a:r>
-              <a:rPr lang="en-US" sz="2000" dirty="0">
-                <a:solidFill>
-                  <a:schemeClr val="tx1"/>
-                </a:solidFill>
-              </a:rPr>
-              <a:t>unfamiliar</a:t>
-            </a:r>
-          </a:p>
-        </p:txBody>
-      </p:sp>
-      <p:sp>
-        <p:nvSpPr>
-          <p:cNvPr id="7" name="Rectangle 6">
-            <a:extLst>
-              <a:ext uri="{FF2B5EF4-FFF2-40B4-BE49-F238E27FC236}">
-                <a16:creationId xmlns:a16="http://schemas.microsoft.com/office/drawing/2014/main" id="{0AA3FE03-F79A-542E-C548-871038B6ADAD}"/>
-              </a:ext>
-            </a:extLst>
-          </p:cNvPr>
-          <p:cNvSpPr/>
-          <p:nvPr/>
-        </p:nvSpPr>
-        <p:spPr>
-          <a:xfrm>
-            <a:off x="8067675" y="4687553"/>
-            <a:ext cx="1218368" cy="772218"/>
-          </a:xfrm>
-          <a:prstGeom prst="rect">
-            <a:avLst/>
-          </a:prstGeom>
-          <a:noFill/>
-          <a:ln w="28575">
-            <a:solidFill>
-              <a:srgbClr val="00B0F0"/>
-            </a:solidFill>
-          </a:ln>
-        </p:spPr>
-        <p:style>
-          <a:lnRef idx="0">
-            <a:scrgbClr r="0" g="0" b="0"/>
-          </a:lnRef>
-          <a:fillRef idx="0">
-            <a:scrgbClr r="0" g="0" b="0"/>
-          </a:fillRef>
-          <a:effectRef idx="0">
-            <a:scrgbClr r="0" g="0" b="0"/>
-          </a:effectRef>
-          <a:fontRef idx="minor">
-            <a:schemeClr val="dk1"/>
-          </a:fontRef>
-        </p:style>
-        <p:txBody>
-          <a:bodyPr rtlCol="0" anchor="ctr"/>
-          <a:lstStyle/>
-          <a:p>
-            <a:pPr algn="ctr"/>
-            <a:r>
-              <a:rPr lang="en-US" sz="2000" dirty="0">
-                <a:solidFill>
-                  <a:schemeClr val="tx1"/>
-                </a:solidFill>
-              </a:rPr>
-              <a:t>very </a:t>
-            </a:r>
-            <a:br>
-              <a:rPr lang="en-US" sz="2000" dirty="0">
-                <a:solidFill>
-                  <a:schemeClr val="tx1"/>
-                </a:solidFill>
-              </a:rPr>
-            </a:br>
-            <a:r>
-              <a:rPr lang="en-US" sz="2000" dirty="0">
-                <a:solidFill>
-                  <a:schemeClr val="tx1"/>
-                </a:solidFill>
-              </a:rPr>
-              <a:t>familiar</a:t>
-            </a:r>
-          </a:p>
-        </p:txBody>
-      </p:sp>
-      <p:pic>
-        <p:nvPicPr>
-          <p:cNvPr id="3" name="Picture 2">
-            <a:extLst>
-              <a:ext uri="{FF2B5EF4-FFF2-40B4-BE49-F238E27FC236}">
-                <a16:creationId xmlns:a16="http://schemas.microsoft.com/office/drawing/2014/main" id="{511E7084-13DD-261A-40E7-8908B1FD66A5}"/>
+                <a16:creationId xmlns:a16="http://schemas.microsoft.com/office/drawing/2014/main" id="{F9D93483-E00C-4B3D-0016-4FAE33DDA13F}"/>
               </a:ext>
             </a:extLst>
           </p:cNvPr>
@@ -7384,25 +6564,66 @@
           <p:nvPr/>
         </p:nvPicPr>
         <p:blipFill>
-          <a:blip r:embed="rId3"/>
+          <a:blip r:embed="rId2"/>
           <a:stretch>
             <a:fillRect/>
           </a:stretch>
         </p:blipFill>
         <p:spPr>
           <a:xfrm>
-            <a:off x="619497" y="4840560"/>
-            <a:ext cx="1762371" cy="619211"/>
+            <a:off x="6551721" y="3006774"/>
+            <a:ext cx="2515313" cy="2469231"/>
           </a:xfrm>
           <a:prstGeom prst="rect">
             <a:avLst/>
           </a:prstGeom>
         </p:spPr>
       </p:pic>
+      <p:sp>
+        <p:nvSpPr>
+          <p:cNvPr id="3" name="TextBox 2">
+            <a:extLst>
+              <a:ext uri="{FF2B5EF4-FFF2-40B4-BE49-F238E27FC236}">
+                <a16:creationId xmlns:a16="http://schemas.microsoft.com/office/drawing/2014/main" id="{EBC2AABB-8846-1FEC-24FE-2D1D9A673E7C}"/>
+              </a:ext>
+            </a:extLst>
+          </p:cNvPr>
+          <p:cNvSpPr txBox="1"/>
+          <p:nvPr/>
+        </p:nvSpPr>
+        <p:spPr>
+          <a:xfrm>
+            <a:off x="7296150" y="4071712"/>
+            <a:ext cx="976313" cy="307777"/>
+          </a:xfrm>
+          <a:prstGeom prst="rect">
+            <a:avLst/>
+          </a:prstGeom>
+          <a:solidFill>
+            <a:srgbClr val="7D7D7D"/>
+          </a:solidFill>
+        </p:spPr>
+        <p:txBody>
+          <a:bodyPr wrap="square" rtlCol="0">
+            <a:spAutoFit/>
+          </a:bodyPr>
+          <a:lstStyle/>
+          <a:p>
+            <a:pPr algn="l"/>
+            <a:r>
+              <a:rPr lang="en-US" sz="1400" dirty="0">
+                <a:latin typeface="Arial" panose="020B0604020202020204" pitchFamily="34" charset="0"/>
+                <a:cs typeface="Arial" panose="020B0604020202020204" pitchFamily="34" charset="0"/>
+              </a:rPr>
+              <a:t>familiarity</a:t>
+            </a:r>
+          </a:p>
+        </p:txBody>
+      </p:sp>
     </p:spTree>
     <p:extLst>
       <p:ext uri="{BB962C8B-B14F-4D97-AF65-F5344CB8AC3E}">
-        <p14:creationId xmlns:p14="http://schemas.microsoft.com/office/powerpoint/2010/main" val="196451270"/>
+        <p14:creationId xmlns:p14="http://schemas.microsoft.com/office/powerpoint/2010/main" val="3615114323"/>
       </p:ext>
     </p:extLst>
   </p:cSld>
@@ -7466,14 +6687,11 @@
           <a:p>
             <a:r>
               <a:rPr lang="en-US" sz="2400" dirty="0"/>
-              <a:t>Please provide your personal judgment on the aesthetic appeal of the presented scene.</a:t>
-            </a:r>
-          </a:p>
-          <a:p>
-            <a:r>
-              <a:rPr lang="en-US" sz="2400" dirty="0"/>
-              <a:t>  beauty</a:t>
-            </a:r>
+              <a:t>Please provide your personal judgment on the aesthetic appeal of the presented scene. In other word how beautiful the scene appears to you</a:t>
+            </a:r>
+          </a:p>
+          <a:p>
+            <a:endParaRPr lang="en-US" sz="2400" dirty="0"/>
           </a:p>
           <a:p>
             <a:r>
@@ -7510,33 +6728,35 @@
             </a:r>
           </a:p>
           <a:p>
-            <a:endParaRPr lang="en-US" sz="2400" dirty="0"/>
-          </a:p>
-          <a:p>
-            <a:r>
-              <a:rPr lang="en-US" sz="2400" dirty="0"/>
-              <a:t>Take your time. No speed pressure in this task. </a:t>
-            </a:r>
-          </a:p>
-          <a:p>
-            <a:pPr algn="ctr"/>
-            <a:endParaRPr lang="en-US" sz="2400" dirty="0"/>
-          </a:p>
-          <a:p>
-            <a:pPr algn="ctr"/>
-            <a:endParaRPr lang="en-US" sz="2400" dirty="0"/>
-          </a:p>
-          <a:p>
-            <a:pPr algn="ctr"/>
-            <a:endParaRPr lang="en-US" sz="2400" dirty="0"/>
-          </a:p>
-          <a:p>
-            <a:pPr algn="ctr"/>
-            <a:endParaRPr lang="en-US" sz="2400" dirty="0"/>
-          </a:p>
-          <a:p>
-            <a:pPr algn="ctr"/>
-            <a:endParaRPr lang="en-US" sz="2400" dirty="0"/>
+            <a:endParaRPr lang="en-US" sz="2400" b="1" dirty="0"/>
+          </a:p>
+          <a:p>
+            <a:r>
+              <a:rPr lang="en-US" sz="2400" dirty="0"/>
+              <a:t>To confirm your answer press </a:t>
+            </a:r>
+            <a:br>
+              <a:rPr lang="en-US" sz="2400" dirty="0"/>
+            </a:br>
+            <a:r>
+              <a:rPr lang="en-US" sz="2400" dirty="0"/>
+              <a:t>the space bar</a:t>
+            </a:r>
+          </a:p>
+          <a:p>
+            <a:endParaRPr lang="en-US" sz="2400" dirty="0"/>
+          </a:p>
+          <a:p>
+            <a:r>
+              <a:rPr lang="en-US" sz="2400" dirty="0"/>
+              <a:t>Take your time. </a:t>
+            </a:r>
+          </a:p>
+          <a:p>
+            <a:r>
+              <a:rPr lang="en-US" sz="2400" dirty="0"/>
+              <a:t>No speed pressure in this task. </a:t>
+            </a:r>
           </a:p>
           <a:p>
             <a:pPr algn="ctr"/>
@@ -7591,391 +6811,10 @@
       </p:sp>
       <p:pic>
         <p:nvPicPr>
-          <p:cNvPr id="1028" name="Picture 4" descr="German (Germany) Keyboard Labels - DSI Computer Keyboards">
+          <p:cNvPr id="8" name="Picture 7">
             <a:extLst>
               <a:ext uri="{FF2B5EF4-FFF2-40B4-BE49-F238E27FC236}">
-                <a16:creationId xmlns:a16="http://schemas.microsoft.com/office/drawing/2014/main" id="{54921F55-1CC2-E0AA-F781-B13E39422D11}"/>
-              </a:ext>
-            </a:extLst>
-          </p:cNvPr>
-          <p:cNvPicPr>
-            <a:picLocks noChangeAspect="1" noChangeArrowheads="1"/>
-          </p:cNvPicPr>
-          <p:nvPr/>
-        </p:nvPicPr>
-        <p:blipFill rotWithShape="1">
-          <a:blip r:embed="rId2" cstate="hqprint">
-            <a:extLst>
-              <a:ext uri="{28A0092B-C50C-407E-A947-70E740481C1C}">
-                <a14:useLocalDpi xmlns:a14="http://schemas.microsoft.com/office/drawing/2010/main" val="0"/>
-              </a:ext>
-            </a:extLst>
-          </a:blip>
-          <a:srcRect r="26400" b="80062"/>
-          <a:stretch/>
-        </p:blipFill>
-        <p:spPr bwMode="auto">
-          <a:xfrm>
-            <a:off x="4285218" y="4871063"/>
-            <a:ext cx="3382407" cy="320846"/>
-          </a:xfrm>
-          <a:prstGeom prst="rect">
-            <a:avLst/>
-          </a:prstGeom>
-          <a:noFill/>
-          <a:ln>
-            <a:solidFill>
-              <a:schemeClr val="bg1"/>
-            </a:solidFill>
-          </a:ln>
-          <a:extLst>
-            <a:ext uri="{909E8E84-426E-40DD-AFC4-6F175D3DCCD1}">
-              <a14:hiddenFill xmlns:a14="http://schemas.microsoft.com/office/drawing/2010/main">
-                <a:solidFill>
-                  <a:srgbClr val="FFFFFF"/>
-                </a:solidFill>
-              </a14:hiddenFill>
-            </a:ext>
-          </a:extLst>
-        </p:spPr>
-      </p:pic>
-      <p:sp>
-        <p:nvSpPr>
-          <p:cNvPr id="15" name="Rectangle 14">
-            <a:extLst>
-              <a:ext uri="{FF2B5EF4-FFF2-40B4-BE49-F238E27FC236}">
-                <a16:creationId xmlns:a16="http://schemas.microsoft.com/office/drawing/2014/main" id="{97743DB1-FA0C-37E7-E303-A1AF55B8C84A}"/>
-              </a:ext>
-            </a:extLst>
-          </p:cNvPr>
-          <p:cNvSpPr/>
-          <p:nvPr/>
-        </p:nvSpPr>
-        <p:spPr>
-          <a:xfrm>
-            <a:off x="6432080" y="4890067"/>
-            <a:ext cx="301841" cy="301841"/>
-          </a:xfrm>
-          <a:prstGeom prst="rect">
-            <a:avLst/>
-          </a:prstGeom>
-          <a:noFill/>
-          <a:ln w="28575">
-            <a:solidFill>
-              <a:srgbClr val="00B0F0"/>
-            </a:solidFill>
-          </a:ln>
-        </p:spPr>
-        <p:style>
-          <a:lnRef idx="1">
-            <a:schemeClr val="accent1"/>
-          </a:lnRef>
-          <a:fillRef idx="3">
-            <a:schemeClr val="accent1"/>
-          </a:fillRef>
-          <a:effectRef idx="2">
-            <a:schemeClr val="accent1"/>
-          </a:effectRef>
-          <a:fontRef idx="minor">
-            <a:schemeClr val="lt1"/>
-          </a:fontRef>
-        </p:style>
-        <p:txBody>
-          <a:bodyPr rtlCol="0" anchor="ctr"/>
-          <a:lstStyle/>
-          <a:p>
-            <a:pPr algn="ctr"/>
-            <a:endParaRPr lang="en-US"/>
-          </a:p>
-        </p:txBody>
-      </p:sp>
-      <p:cxnSp>
-        <p:nvCxnSpPr>
-          <p:cNvPr id="17" name="Straight Connector 16">
-            <a:extLst>
-              <a:ext uri="{FF2B5EF4-FFF2-40B4-BE49-F238E27FC236}">
-                <a16:creationId xmlns:a16="http://schemas.microsoft.com/office/drawing/2014/main" id="{BA3039BC-4FF1-DE75-D33F-9B39A4FF01A4}"/>
-              </a:ext>
-            </a:extLst>
-          </p:cNvPr>
-          <p:cNvCxnSpPr>
-            <a:cxnSpLocks/>
-            <a:stCxn id="15" idx="3"/>
-          </p:cNvCxnSpPr>
-          <p:nvPr/>
-        </p:nvCxnSpPr>
-        <p:spPr>
-          <a:xfrm flipV="1">
-            <a:off x="6733921" y="5040987"/>
-            <a:ext cx="1333754" cy="1"/>
-          </a:xfrm>
-          <a:prstGeom prst="line">
-            <a:avLst/>
-          </a:prstGeom>
-          <a:ln>
-            <a:solidFill>
-              <a:srgbClr val="00B0F0"/>
-            </a:solidFill>
-          </a:ln>
-        </p:spPr>
-        <p:style>
-          <a:lnRef idx="2">
-            <a:schemeClr val="accent1"/>
-          </a:lnRef>
-          <a:fillRef idx="0">
-            <a:schemeClr val="accent1"/>
-          </a:fillRef>
-          <a:effectRef idx="1">
-            <a:schemeClr val="accent1"/>
-          </a:effectRef>
-          <a:fontRef idx="minor">
-            <a:schemeClr val="tx1"/>
-          </a:fontRef>
-        </p:style>
-      </p:cxnSp>
-      <p:sp>
-        <p:nvSpPr>
-          <p:cNvPr id="20" name="Rectangle 19">
-            <a:extLst>
-              <a:ext uri="{FF2B5EF4-FFF2-40B4-BE49-F238E27FC236}">
-                <a16:creationId xmlns:a16="http://schemas.microsoft.com/office/drawing/2014/main" id="{5D09B655-9AE2-CD82-FD32-3842B4E7CE51}"/>
-              </a:ext>
-            </a:extLst>
-          </p:cNvPr>
-          <p:cNvSpPr/>
-          <p:nvPr/>
-        </p:nvSpPr>
-        <p:spPr>
-          <a:xfrm>
-            <a:off x="4586950" y="4890068"/>
-            <a:ext cx="301841" cy="301841"/>
-          </a:xfrm>
-          <a:prstGeom prst="rect">
-            <a:avLst/>
-          </a:prstGeom>
-          <a:noFill/>
-          <a:ln w="28575">
-            <a:solidFill>
-              <a:srgbClr val="FF66FF"/>
-            </a:solidFill>
-          </a:ln>
-        </p:spPr>
-        <p:style>
-          <a:lnRef idx="1">
-            <a:schemeClr val="accent1"/>
-          </a:lnRef>
-          <a:fillRef idx="3">
-            <a:schemeClr val="accent1"/>
-          </a:fillRef>
-          <a:effectRef idx="2">
-            <a:schemeClr val="accent1"/>
-          </a:effectRef>
-          <a:fontRef idx="minor">
-            <a:schemeClr val="lt1"/>
-          </a:fontRef>
-        </p:style>
-        <p:txBody>
-          <a:bodyPr rtlCol="0" anchor="ctr"/>
-          <a:lstStyle/>
-          <a:p>
-            <a:pPr algn="ctr"/>
-            <a:endParaRPr lang="en-US"/>
-          </a:p>
-        </p:txBody>
-      </p:sp>
-      <p:cxnSp>
-        <p:nvCxnSpPr>
-          <p:cNvPr id="21" name="Straight Connector 20">
-            <a:extLst>
-              <a:ext uri="{FF2B5EF4-FFF2-40B4-BE49-F238E27FC236}">
-                <a16:creationId xmlns:a16="http://schemas.microsoft.com/office/drawing/2014/main" id="{7E196047-6CDC-E235-C9D7-35AC5696AAD3}"/>
-              </a:ext>
-            </a:extLst>
-          </p:cNvPr>
-          <p:cNvCxnSpPr>
-            <a:cxnSpLocks/>
-          </p:cNvCxnSpPr>
-          <p:nvPr/>
-        </p:nvCxnSpPr>
-        <p:spPr>
-          <a:xfrm>
-            <a:off x="4052009" y="5021983"/>
-            <a:ext cx="534941" cy="0"/>
-          </a:xfrm>
-          <a:prstGeom prst="line">
-            <a:avLst/>
-          </a:prstGeom>
-          <a:ln>
-            <a:solidFill>
-              <a:srgbClr val="FF66FF"/>
-            </a:solidFill>
-          </a:ln>
-        </p:spPr>
-        <p:style>
-          <a:lnRef idx="2">
-            <a:schemeClr val="accent1"/>
-          </a:lnRef>
-          <a:fillRef idx="0">
-            <a:schemeClr val="accent1"/>
-          </a:fillRef>
-          <a:effectRef idx="1">
-            <a:schemeClr val="accent1"/>
-          </a:effectRef>
-          <a:fontRef idx="minor">
-            <a:schemeClr val="tx1"/>
-          </a:fontRef>
-        </p:style>
-      </p:cxnSp>
-      <p:sp>
-        <p:nvSpPr>
-          <p:cNvPr id="6" name="Rectangle 5">
-            <a:extLst>
-              <a:ext uri="{FF2B5EF4-FFF2-40B4-BE49-F238E27FC236}">
-                <a16:creationId xmlns:a16="http://schemas.microsoft.com/office/drawing/2014/main" id="{3CE7954B-586E-187C-6981-41C0CDD41E16}"/>
-              </a:ext>
-            </a:extLst>
-          </p:cNvPr>
-          <p:cNvSpPr/>
-          <p:nvPr/>
-        </p:nvSpPr>
-        <p:spPr>
-          <a:xfrm>
-            <a:off x="2539014" y="4687553"/>
-            <a:ext cx="1512995" cy="772218"/>
-          </a:xfrm>
-          <a:prstGeom prst="rect">
-            <a:avLst/>
-          </a:prstGeom>
-          <a:noFill/>
-          <a:ln w="28575" cap="flat" cmpd="sng" algn="ctr">
-            <a:solidFill>
-              <a:srgbClr val="FF66FF"/>
-            </a:solidFill>
-            <a:prstDash val="solid"/>
-            <a:round/>
-            <a:headEnd type="none" w="med" len="med"/>
-            <a:tailEnd type="none" w="med" len="med"/>
-          </a:ln>
-        </p:spPr>
-        <p:style>
-          <a:lnRef idx="0">
-            <a:scrgbClr r="0" g="0" b="0"/>
-          </a:lnRef>
-          <a:fillRef idx="0">
-            <a:scrgbClr r="0" g="0" b="0"/>
-          </a:fillRef>
-          <a:effectRef idx="0">
-            <a:scrgbClr r="0" g="0" b="0"/>
-          </a:effectRef>
-          <a:fontRef idx="minor">
-            <a:schemeClr val="dk1"/>
-          </a:fontRef>
-        </p:style>
-        <p:txBody>
-          <a:bodyPr rtlCol="0" anchor="ctr"/>
-          <a:lstStyle/>
-          <a:p>
-            <a:pPr algn="ctr"/>
-            <a:r>
-              <a:rPr lang="en-US" sz="2000" dirty="0">
-                <a:solidFill>
-                  <a:schemeClr val="tx1"/>
-                </a:solidFill>
-              </a:rPr>
-              <a:t>very</a:t>
-            </a:r>
-          </a:p>
-          <a:p>
-            <a:pPr algn="ctr"/>
-            <a:r>
-              <a:rPr lang="en-US" sz="2000" dirty="0">
-                <a:solidFill>
-                  <a:schemeClr val="tx1"/>
-                </a:solidFill>
-              </a:rPr>
-              <a:t>unaesthetic</a:t>
-            </a:r>
-          </a:p>
-        </p:txBody>
-      </p:sp>
-      <p:sp>
-        <p:nvSpPr>
-          <p:cNvPr id="7" name="Rectangle 6">
-            <a:extLst>
-              <a:ext uri="{FF2B5EF4-FFF2-40B4-BE49-F238E27FC236}">
-                <a16:creationId xmlns:a16="http://schemas.microsoft.com/office/drawing/2014/main" id="{0AA3FE03-F79A-542E-C548-871038B6ADAD}"/>
-              </a:ext>
-            </a:extLst>
-          </p:cNvPr>
-          <p:cNvSpPr/>
-          <p:nvPr/>
-        </p:nvSpPr>
-        <p:spPr>
-          <a:xfrm>
-            <a:off x="8067675" y="4687553"/>
-            <a:ext cx="1218368" cy="772218"/>
-          </a:xfrm>
-          <a:prstGeom prst="rect">
-            <a:avLst/>
-          </a:prstGeom>
-          <a:noFill/>
-          <a:ln w="28575">
-            <a:solidFill>
-              <a:srgbClr val="00B0F0"/>
-            </a:solidFill>
-          </a:ln>
-        </p:spPr>
-        <p:style>
-          <a:lnRef idx="0">
-            <a:scrgbClr r="0" g="0" b="0"/>
-          </a:lnRef>
-          <a:fillRef idx="0">
-            <a:scrgbClr r="0" g="0" b="0"/>
-          </a:fillRef>
-          <a:effectRef idx="0">
-            <a:scrgbClr r="0" g="0" b="0"/>
-          </a:effectRef>
-          <a:fontRef idx="minor">
-            <a:schemeClr val="dk1"/>
-          </a:fontRef>
-        </p:style>
-        <p:txBody>
-          <a:bodyPr rtlCol="0" anchor="ctr"/>
-          <a:lstStyle/>
-          <a:p>
-            <a:pPr algn="ctr"/>
-            <a:r>
-              <a:rPr lang="en-US" sz="2000" dirty="0">
-                <a:solidFill>
-                  <a:schemeClr val="tx1"/>
-                </a:solidFill>
-              </a:rPr>
-              <a:t>very </a:t>
-            </a:r>
-            <a:br>
-              <a:rPr lang="en-US" sz="2000" dirty="0">
-                <a:solidFill>
-                  <a:schemeClr val="tx1"/>
-                </a:solidFill>
-              </a:rPr>
-            </a:br>
-            <a:r>
-              <a:rPr lang="en-US" sz="2000" dirty="0">
-                <a:solidFill>
-                  <a:schemeClr val="tx1"/>
-                </a:solidFill>
-              </a:rPr>
-              <a:t> aesthetic</a:t>
-            </a:r>
-          </a:p>
-        </p:txBody>
-      </p:sp>
-      <p:pic>
-        <p:nvPicPr>
-          <p:cNvPr id="3" name="Picture 2">
-            <a:extLst>
-              <a:ext uri="{FF2B5EF4-FFF2-40B4-BE49-F238E27FC236}">
-                <a16:creationId xmlns:a16="http://schemas.microsoft.com/office/drawing/2014/main" id="{58AC10CD-296A-6EE6-69A2-16B8EB978E39}"/>
+                <a16:creationId xmlns:a16="http://schemas.microsoft.com/office/drawing/2014/main" id="{F9D93483-E00C-4B3D-0016-4FAE33DDA13F}"/>
               </a:ext>
             </a:extLst>
           </p:cNvPr>
@@ -7985,15 +6824,44 @@
           <p:nvPr/>
         </p:nvPicPr>
         <p:blipFill>
-          <a:blip r:embed="rId3"/>
+          <a:blip r:embed="rId2"/>
           <a:stretch>
             <a:fillRect/>
           </a:stretch>
         </p:blipFill>
         <p:spPr>
           <a:xfrm>
-            <a:off x="595643" y="3235892"/>
-            <a:ext cx="1943371" cy="819264"/>
+            <a:off x="6551721" y="3006774"/>
+            <a:ext cx="2515313" cy="2469231"/>
+          </a:xfrm>
+          <a:prstGeom prst="rect">
+            <a:avLst/>
+          </a:prstGeom>
+        </p:spPr>
+      </p:pic>
+      <p:pic>
+        <p:nvPicPr>
+          <p:cNvPr id="2" name="Picture 1">
+            <a:extLst>
+              <a:ext uri="{FF2B5EF4-FFF2-40B4-BE49-F238E27FC236}">
+                <a16:creationId xmlns:a16="http://schemas.microsoft.com/office/drawing/2014/main" id="{CB505824-B206-4DFC-2B55-62AF7F83A0C4}"/>
+              </a:ext>
+            </a:extLst>
+          </p:cNvPr>
+          <p:cNvPicPr>
+            <a:picLocks noChangeAspect="1"/>
+          </p:cNvPicPr>
+          <p:nvPr/>
+        </p:nvPicPr>
+        <p:blipFill rotWithShape="1">
+          <a:blip r:embed="rId3"/>
+          <a:srcRect r="11058"/>
+          <a:stretch/>
+        </p:blipFill>
+        <p:spPr>
+          <a:xfrm>
+            <a:off x="7312212" y="4050459"/>
+            <a:ext cx="879288" cy="416766"/>
           </a:xfrm>
           <a:prstGeom prst="rect">
             <a:avLst/>
@@ -8003,7 +6871,7 @@
     </p:spTree>
     <p:extLst>
       <p:ext uri="{BB962C8B-B14F-4D97-AF65-F5344CB8AC3E}">
-        <p14:creationId xmlns:p14="http://schemas.microsoft.com/office/powerpoint/2010/main" val="1400370751"/>
+        <p14:creationId xmlns:p14="http://schemas.microsoft.com/office/powerpoint/2010/main" val="2565728965"/>
       </p:ext>
     </p:extLst>
   </p:cSld>
@@ -8203,29 +7071,35 @@
             </a:r>
           </a:p>
           <a:p>
-            <a:endParaRPr lang="en-US" sz="2400" dirty="0"/>
-          </a:p>
-          <a:p>
-            <a:r>
-              <a:rPr lang="en-US" sz="2400" dirty="0"/>
-              <a:t>Take your time. No speed pressure in this task. </a:t>
-            </a:r>
-          </a:p>
-          <a:p>
-            <a:pPr algn="ctr"/>
-            <a:endParaRPr lang="en-US" sz="2400" dirty="0"/>
-          </a:p>
-          <a:p>
-            <a:pPr algn="ctr"/>
-            <a:endParaRPr lang="en-US" sz="2400" dirty="0"/>
-          </a:p>
-          <a:p>
-            <a:pPr algn="ctr"/>
-            <a:endParaRPr lang="en-US" sz="2400" dirty="0"/>
-          </a:p>
-          <a:p>
-            <a:pPr algn="ctr"/>
-            <a:endParaRPr lang="en-US" sz="2400" dirty="0"/>
+            <a:endParaRPr lang="en-US" sz="2400" b="1" dirty="0"/>
+          </a:p>
+          <a:p>
+            <a:r>
+              <a:rPr lang="en-US" sz="2400" dirty="0"/>
+              <a:t>To confirm your answer press </a:t>
+            </a:r>
+            <a:br>
+              <a:rPr lang="en-US" sz="2400" dirty="0"/>
+            </a:br>
+            <a:r>
+              <a:rPr lang="en-US" sz="2400" dirty="0"/>
+              <a:t>the space bar</a:t>
+            </a:r>
+          </a:p>
+          <a:p>
+            <a:endParaRPr lang="en-US" sz="2400" dirty="0"/>
+          </a:p>
+          <a:p>
+            <a:r>
+              <a:rPr lang="en-US" sz="2400" dirty="0"/>
+              <a:t>Take your time. </a:t>
+            </a:r>
+          </a:p>
+          <a:p>
+            <a:r>
+              <a:rPr lang="en-US" sz="2400" dirty="0"/>
+              <a:t>No speed pressure in this task. </a:t>
+            </a:r>
           </a:p>
           <a:p>
             <a:pPr algn="ctr"/>
@@ -8280,391 +7154,40 @@
       </p:sp>
       <p:pic>
         <p:nvPicPr>
-          <p:cNvPr id="1028" name="Picture 4" descr="German (Germany) Keyboard Labels - DSI Computer Keyboards">
+          <p:cNvPr id="8" name="Picture 7">
             <a:extLst>
               <a:ext uri="{FF2B5EF4-FFF2-40B4-BE49-F238E27FC236}">
-                <a16:creationId xmlns:a16="http://schemas.microsoft.com/office/drawing/2014/main" id="{54921F55-1CC2-E0AA-F781-B13E39422D11}"/>
+                <a16:creationId xmlns:a16="http://schemas.microsoft.com/office/drawing/2014/main" id="{F9D93483-E00C-4B3D-0016-4FAE33DDA13F}"/>
               </a:ext>
             </a:extLst>
           </p:cNvPr>
           <p:cNvPicPr>
-            <a:picLocks noChangeAspect="1" noChangeArrowheads="1"/>
+            <a:picLocks noChangeAspect="1"/>
           </p:cNvPicPr>
           <p:nvPr/>
         </p:nvPicPr>
-        <p:blipFill rotWithShape="1">
-          <a:blip r:embed="rId2" cstate="hqprint">
-            <a:extLst>
-              <a:ext uri="{28A0092B-C50C-407E-A947-70E740481C1C}">
-                <a14:useLocalDpi xmlns:a14="http://schemas.microsoft.com/office/drawing/2010/main" val="0"/>
-              </a:ext>
-            </a:extLst>
-          </a:blip>
-          <a:srcRect r="26400" b="80062"/>
-          <a:stretch/>
+        <p:blipFill>
+          <a:blip r:embed="rId2"/>
+          <a:stretch>
+            <a:fillRect/>
+          </a:stretch>
         </p:blipFill>
-        <p:spPr bwMode="auto">
+        <p:spPr>
           <a:xfrm>
-            <a:off x="4285218" y="4871063"/>
-            <a:ext cx="3382407" cy="320846"/>
+            <a:off x="6551721" y="3006774"/>
+            <a:ext cx="2515313" cy="2469231"/>
           </a:xfrm>
           <a:prstGeom prst="rect">
             <a:avLst/>
           </a:prstGeom>
-          <a:noFill/>
-          <a:ln>
-            <a:solidFill>
-              <a:schemeClr val="bg1"/>
-            </a:solidFill>
-          </a:ln>
-          <a:extLst>
-            <a:ext uri="{909E8E84-426E-40DD-AFC4-6F175D3DCCD1}">
-              <a14:hiddenFill xmlns:a14="http://schemas.microsoft.com/office/drawing/2010/main">
-                <a:solidFill>
-                  <a:srgbClr val="FFFFFF"/>
-                </a:solidFill>
-              </a14:hiddenFill>
-            </a:ext>
-          </a:extLst>
         </p:spPr>
       </p:pic>
-      <p:sp>
-        <p:nvSpPr>
-          <p:cNvPr id="15" name="Rectangle 14">
+      <p:pic>
+        <p:nvPicPr>
+          <p:cNvPr id="2" name="Picture 1">
             <a:extLst>
               <a:ext uri="{FF2B5EF4-FFF2-40B4-BE49-F238E27FC236}">
-                <a16:creationId xmlns:a16="http://schemas.microsoft.com/office/drawing/2014/main" id="{97743DB1-FA0C-37E7-E303-A1AF55B8C84A}"/>
-              </a:ext>
-            </a:extLst>
-          </p:cNvPr>
-          <p:cNvSpPr/>
-          <p:nvPr/>
-        </p:nvSpPr>
-        <p:spPr>
-          <a:xfrm>
-            <a:off x="6432080" y="4890067"/>
-            <a:ext cx="301841" cy="301841"/>
-          </a:xfrm>
-          <a:prstGeom prst="rect">
-            <a:avLst/>
-          </a:prstGeom>
-          <a:noFill/>
-          <a:ln w="28575">
-            <a:solidFill>
-              <a:srgbClr val="00B0F0"/>
-            </a:solidFill>
-          </a:ln>
-        </p:spPr>
-        <p:style>
-          <a:lnRef idx="1">
-            <a:schemeClr val="accent1"/>
-          </a:lnRef>
-          <a:fillRef idx="3">
-            <a:schemeClr val="accent1"/>
-          </a:fillRef>
-          <a:effectRef idx="2">
-            <a:schemeClr val="accent1"/>
-          </a:effectRef>
-          <a:fontRef idx="minor">
-            <a:schemeClr val="lt1"/>
-          </a:fontRef>
-        </p:style>
-        <p:txBody>
-          <a:bodyPr rtlCol="0" anchor="ctr"/>
-          <a:lstStyle/>
-          <a:p>
-            <a:pPr algn="ctr"/>
-            <a:endParaRPr lang="en-US"/>
-          </a:p>
-        </p:txBody>
-      </p:sp>
-      <p:cxnSp>
-        <p:nvCxnSpPr>
-          <p:cNvPr id="17" name="Straight Connector 16">
-            <a:extLst>
-              <a:ext uri="{FF2B5EF4-FFF2-40B4-BE49-F238E27FC236}">
-                <a16:creationId xmlns:a16="http://schemas.microsoft.com/office/drawing/2014/main" id="{BA3039BC-4FF1-DE75-D33F-9B39A4FF01A4}"/>
-              </a:ext>
-            </a:extLst>
-          </p:cNvPr>
-          <p:cNvCxnSpPr>
-            <a:cxnSpLocks/>
-            <a:stCxn id="15" idx="3"/>
-          </p:cNvCxnSpPr>
-          <p:nvPr/>
-        </p:nvCxnSpPr>
-        <p:spPr>
-          <a:xfrm flipV="1">
-            <a:off x="6733921" y="5040987"/>
-            <a:ext cx="1333754" cy="1"/>
-          </a:xfrm>
-          <a:prstGeom prst="line">
-            <a:avLst/>
-          </a:prstGeom>
-          <a:ln>
-            <a:solidFill>
-              <a:srgbClr val="00B0F0"/>
-            </a:solidFill>
-          </a:ln>
-        </p:spPr>
-        <p:style>
-          <a:lnRef idx="2">
-            <a:schemeClr val="accent1"/>
-          </a:lnRef>
-          <a:fillRef idx="0">
-            <a:schemeClr val="accent1"/>
-          </a:fillRef>
-          <a:effectRef idx="1">
-            <a:schemeClr val="accent1"/>
-          </a:effectRef>
-          <a:fontRef idx="minor">
-            <a:schemeClr val="tx1"/>
-          </a:fontRef>
-        </p:style>
-      </p:cxnSp>
-      <p:sp>
-        <p:nvSpPr>
-          <p:cNvPr id="20" name="Rectangle 19">
-            <a:extLst>
-              <a:ext uri="{FF2B5EF4-FFF2-40B4-BE49-F238E27FC236}">
-                <a16:creationId xmlns:a16="http://schemas.microsoft.com/office/drawing/2014/main" id="{5D09B655-9AE2-CD82-FD32-3842B4E7CE51}"/>
-              </a:ext>
-            </a:extLst>
-          </p:cNvPr>
-          <p:cNvSpPr/>
-          <p:nvPr/>
-        </p:nvSpPr>
-        <p:spPr>
-          <a:xfrm>
-            <a:off x="4586950" y="4890068"/>
-            <a:ext cx="301841" cy="301841"/>
-          </a:xfrm>
-          <a:prstGeom prst="rect">
-            <a:avLst/>
-          </a:prstGeom>
-          <a:noFill/>
-          <a:ln w="28575">
-            <a:solidFill>
-              <a:srgbClr val="FF66FF"/>
-            </a:solidFill>
-          </a:ln>
-        </p:spPr>
-        <p:style>
-          <a:lnRef idx="1">
-            <a:schemeClr val="accent1"/>
-          </a:lnRef>
-          <a:fillRef idx="3">
-            <a:schemeClr val="accent1"/>
-          </a:fillRef>
-          <a:effectRef idx="2">
-            <a:schemeClr val="accent1"/>
-          </a:effectRef>
-          <a:fontRef idx="minor">
-            <a:schemeClr val="lt1"/>
-          </a:fontRef>
-        </p:style>
-        <p:txBody>
-          <a:bodyPr rtlCol="0" anchor="ctr"/>
-          <a:lstStyle/>
-          <a:p>
-            <a:pPr algn="ctr"/>
-            <a:endParaRPr lang="en-US"/>
-          </a:p>
-        </p:txBody>
-      </p:sp>
-      <p:cxnSp>
-        <p:nvCxnSpPr>
-          <p:cNvPr id="21" name="Straight Connector 20">
-            <a:extLst>
-              <a:ext uri="{FF2B5EF4-FFF2-40B4-BE49-F238E27FC236}">
-                <a16:creationId xmlns:a16="http://schemas.microsoft.com/office/drawing/2014/main" id="{7E196047-6CDC-E235-C9D7-35AC5696AAD3}"/>
-              </a:ext>
-            </a:extLst>
-          </p:cNvPr>
-          <p:cNvCxnSpPr>
-            <a:cxnSpLocks/>
-          </p:cNvCxnSpPr>
-          <p:nvPr/>
-        </p:nvCxnSpPr>
-        <p:spPr>
-          <a:xfrm>
-            <a:off x="4052009" y="5021983"/>
-            <a:ext cx="534941" cy="0"/>
-          </a:xfrm>
-          <a:prstGeom prst="line">
-            <a:avLst/>
-          </a:prstGeom>
-          <a:ln>
-            <a:solidFill>
-              <a:srgbClr val="FF66FF"/>
-            </a:solidFill>
-          </a:ln>
-        </p:spPr>
-        <p:style>
-          <a:lnRef idx="2">
-            <a:schemeClr val="accent1"/>
-          </a:lnRef>
-          <a:fillRef idx="0">
-            <a:schemeClr val="accent1"/>
-          </a:fillRef>
-          <a:effectRef idx="1">
-            <a:schemeClr val="accent1"/>
-          </a:effectRef>
-          <a:fontRef idx="minor">
-            <a:schemeClr val="tx1"/>
-          </a:fontRef>
-        </p:style>
-      </p:cxnSp>
-      <p:sp>
-        <p:nvSpPr>
-          <p:cNvPr id="6" name="Rectangle 5">
-            <a:extLst>
-              <a:ext uri="{FF2B5EF4-FFF2-40B4-BE49-F238E27FC236}">
-                <a16:creationId xmlns:a16="http://schemas.microsoft.com/office/drawing/2014/main" id="{3CE7954B-586E-187C-6981-41C0CDD41E16}"/>
-              </a:ext>
-            </a:extLst>
-          </p:cNvPr>
-          <p:cNvSpPr/>
-          <p:nvPr/>
-        </p:nvSpPr>
-        <p:spPr>
-          <a:xfrm>
-            <a:off x="2539014" y="4687553"/>
-            <a:ext cx="1512995" cy="772218"/>
-          </a:xfrm>
-          <a:prstGeom prst="rect">
-            <a:avLst/>
-          </a:prstGeom>
-          <a:noFill/>
-          <a:ln w="28575" cap="flat" cmpd="sng" algn="ctr">
-            <a:solidFill>
-              <a:srgbClr val="FF66FF"/>
-            </a:solidFill>
-            <a:prstDash val="solid"/>
-            <a:round/>
-            <a:headEnd type="none" w="med" len="med"/>
-            <a:tailEnd type="none" w="med" len="med"/>
-          </a:ln>
-        </p:spPr>
-        <p:style>
-          <a:lnRef idx="0">
-            <a:scrgbClr r="0" g="0" b="0"/>
-          </a:lnRef>
-          <a:fillRef idx="0">
-            <a:scrgbClr r="0" g="0" b="0"/>
-          </a:fillRef>
-          <a:effectRef idx="0">
-            <a:scrgbClr r="0" g="0" b="0"/>
-          </a:effectRef>
-          <a:fontRef idx="minor">
-            <a:schemeClr val="dk1"/>
-          </a:fontRef>
-        </p:style>
-        <p:txBody>
-          <a:bodyPr rtlCol="0" anchor="ctr"/>
-          <a:lstStyle/>
-          <a:p>
-            <a:pPr algn="ctr"/>
-            <a:r>
-              <a:rPr lang="en-US" sz="2000" dirty="0">
-                <a:solidFill>
-                  <a:schemeClr val="tx1"/>
-                </a:solidFill>
-              </a:rPr>
-              <a:t>very</a:t>
-            </a:r>
-          </a:p>
-          <a:p>
-            <a:pPr algn="ctr"/>
-            <a:r>
-              <a:rPr lang="en-US" sz="2000" dirty="0">
-                <a:solidFill>
-                  <a:schemeClr val="tx1"/>
-                </a:solidFill>
-              </a:rPr>
-              <a:t>unpractical</a:t>
-            </a:r>
-          </a:p>
-        </p:txBody>
-      </p:sp>
-      <p:sp>
-        <p:nvSpPr>
-          <p:cNvPr id="7" name="Rectangle 6">
-            <a:extLst>
-              <a:ext uri="{FF2B5EF4-FFF2-40B4-BE49-F238E27FC236}">
-                <a16:creationId xmlns:a16="http://schemas.microsoft.com/office/drawing/2014/main" id="{0AA3FE03-F79A-542E-C548-871038B6ADAD}"/>
-              </a:ext>
-            </a:extLst>
-          </p:cNvPr>
-          <p:cNvSpPr/>
-          <p:nvPr/>
-        </p:nvSpPr>
-        <p:spPr>
-          <a:xfrm>
-            <a:off x="8067675" y="4687553"/>
-            <a:ext cx="1218368" cy="772218"/>
-          </a:xfrm>
-          <a:prstGeom prst="rect">
-            <a:avLst/>
-          </a:prstGeom>
-          <a:noFill/>
-          <a:ln w="28575">
-            <a:solidFill>
-              <a:srgbClr val="00B0F0"/>
-            </a:solidFill>
-          </a:ln>
-        </p:spPr>
-        <p:style>
-          <a:lnRef idx="0">
-            <a:scrgbClr r="0" g="0" b="0"/>
-          </a:lnRef>
-          <a:fillRef idx="0">
-            <a:scrgbClr r="0" g="0" b="0"/>
-          </a:fillRef>
-          <a:effectRef idx="0">
-            <a:scrgbClr r="0" g="0" b="0"/>
-          </a:effectRef>
-          <a:fontRef idx="minor">
-            <a:schemeClr val="dk1"/>
-          </a:fontRef>
-        </p:style>
-        <p:txBody>
-          <a:bodyPr rtlCol="0" anchor="ctr"/>
-          <a:lstStyle/>
-          <a:p>
-            <a:pPr algn="ctr"/>
-            <a:r>
-              <a:rPr lang="en-US" sz="2000" dirty="0">
-                <a:solidFill>
-                  <a:schemeClr val="tx1"/>
-                </a:solidFill>
-              </a:rPr>
-              <a:t>very </a:t>
-            </a:r>
-            <a:br>
-              <a:rPr lang="en-US" sz="2000" dirty="0">
-                <a:solidFill>
-                  <a:schemeClr val="tx1"/>
-                </a:solidFill>
-              </a:rPr>
-            </a:br>
-            <a:r>
-              <a:rPr lang="en-US" sz="2000" dirty="0">
-                <a:solidFill>
-                  <a:schemeClr val="tx1"/>
-                </a:solidFill>
-              </a:rPr>
-              <a:t> practical</a:t>
-            </a:r>
-          </a:p>
-        </p:txBody>
-      </p:sp>
-      <p:pic>
-        <p:nvPicPr>
-          <p:cNvPr id="3" name="Picture 2">
-            <a:extLst>
-              <a:ext uri="{FF2B5EF4-FFF2-40B4-BE49-F238E27FC236}">
-                <a16:creationId xmlns:a16="http://schemas.microsoft.com/office/drawing/2014/main" id="{3228FD5D-5924-9876-43E6-734822CE9281}"/>
+                <a16:creationId xmlns:a16="http://schemas.microsoft.com/office/drawing/2014/main" id="{21B2A327-0C87-87EE-7943-D8A7CD79453F}"/>
               </a:ext>
             </a:extLst>
           </p:cNvPr>
@@ -8681,8 +7204,8 @@
         </p:blipFill>
         <p:spPr>
           <a:xfrm>
-            <a:off x="5291025" y="2971736"/>
-            <a:ext cx="1609950" cy="914528"/>
+            <a:off x="7400924" y="4035697"/>
+            <a:ext cx="818863" cy="465153"/>
           </a:xfrm>
           <a:prstGeom prst="rect">
             <a:avLst/>
@@ -8692,7 +7215,7 @@
     </p:spTree>
     <p:extLst>
       <p:ext uri="{BB962C8B-B14F-4D97-AF65-F5344CB8AC3E}">
-        <p14:creationId xmlns:p14="http://schemas.microsoft.com/office/powerpoint/2010/main" val="2961459844"/>
+        <p14:creationId xmlns:p14="http://schemas.microsoft.com/office/powerpoint/2010/main" val="193223339"/>
       </p:ext>
     </p:extLst>
   </p:cSld>

--- a/instructions/Instructions.pptx
+++ b/instructions/Instructions.pptx
@@ -159,7 +159,7 @@
 <file path=ppt/revisionInfo.xml><?xml version="1.0" encoding="utf-8"?>
 <p1510:revInfo xmlns:a="http://schemas.openxmlformats.org/drawingml/2006/main" xmlns:r="http://schemas.openxmlformats.org/officeDocument/2006/relationships" xmlns:p1510="http://schemas.microsoft.com/office/powerpoint/2015/10/main">
   <p1510:revLst>
-    <p1510:client id="{05E83482-96C4-4B03-864C-FE5F129C6CDA}" v="263" dt="2023-12-01T13:27:51.192"/>
+    <p1510:client id="{05E83482-96C4-4B03-864C-FE5F129C6CDA}" v="285" dt="2023-12-04T09:16:53.710"/>
   </p1510:revLst>
 </p1510:revInfo>
 </file>
@@ -169,12 +169,12 @@
   <pc:docChgLst>
     <pc:chgData name="Micha Engeser" userId="a533b431-da3e-471f-8983-fd723c6850d4" providerId="ADAL" clId="{05E83482-96C4-4B03-864C-FE5F129C6CDA}"/>
     <pc:docChg chg="undo custSel addSld delSld modSld sldOrd modMainMaster addSection modSection">
-      <pc:chgData name="Micha Engeser" userId="a533b431-da3e-471f-8983-fd723c6850d4" providerId="ADAL" clId="{05E83482-96C4-4B03-864C-FE5F129C6CDA}" dt="2023-12-01T13:30:23.298" v="3697" actId="20577"/>
+      <pc:chgData name="Micha Engeser" userId="a533b431-da3e-471f-8983-fd723c6850d4" providerId="ADAL" clId="{05E83482-96C4-4B03-864C-FE5F129C6CDA}" dt="2023-12-04T09:17:59.659" v="3804"/>
       <pc:docMkLst>
         <pc:docMk/>
       </pc:docMkLst>
       <pc:sldChg chg="addSp delSp modSp mod setBg modClrScheme chgLayout">
-        <pc:chgData name="Micha Engeser" userId="a533b431-da3e-471f-8983-fd723c6850d4" providerId="ADAL" clId="{05E83482-96C4-4B03-864C-FE5F129C6CDA}" dt="2023-12-01T13:27:51.192" v="3661"/>
+        <pc:chgData name="Micha Engeser" userId="a533b431-da3e-471f-8983-fd723c6850d4" providerId="ADAL" clId="{05E83482-96C4-4B03-864C-FE5F129C6CDA}" dt="2023-12-04T09:15:05.530" v="3747" actId="1076"/>
         <pc:sldMkLst>
           <pc:docMk/>
           <pc:sldMk cId="3993129042" sldId="256"/>
@@ -195,8 +195,8 @@
             <ac:spMk id="3" creationId="{E63E7FDD-EF4D-9978-1A53-ED43A13D6038}"/>
           </ac:spMkLst>
         </pc:spChg>
-        <pc:spChg chg="mod">
-          <ac:chgData name="Micha Engeser" userId="a533b431-da3e-471f-8983-fd723c6850d4" providerId="ADAL" clId="{05E83482-96C4-4B03-864C-FE5F129C6CDA}" dt="2023-11-27T15:45:21.831" v="3031" actId="20577"/>
+        <pc:spChg chg="mod ord">
+          <ac:chgData name="Micha Engeser" userId="a533b431-da3e-471f-8983-fd723c6850d4" providerId="ADAL" clId="{05E83482-96C4-4B03-864C-FE5F129C6CDA}" dt="2023-12-04T09:13:38.981" v="3742" actId="167"/>
           <ac:spMkLst>
             <pc:docMk/>
             <pc:sldMk cId="3993129042" sldId="256"/>
@@ -211,16 +211,32 @@
             <ac:spMk id="6" creationId="{3545D98F-5C7B-AD11-8F46-D02117E523B6}"/>
           </ac:spMkLst>
         </pc:spChg>
-        <pc:picChg chg="mod">
-          <ac:chgData name="Micha Engeser" userId="a533b431-da3e-471f-8983-fd723c6850d4" providerId="ADAL" clId="{05E83482-96C4-4B03-864C-FE5F129C6CDA}" dt="2023-11-24T14:55:00.693" v="1489" actId="1035"/>
+        <pc:picChg chg="add mod ord">
+          <ac:chgData name="Micha Engeser" userId="a533b431-da3e-471f-8983-fd723c6850d4" providerId="ADAL" clId="{05E83482-96C4-4B03-864C-FE5F129C6CDA}" dt="2023-12-04T09:15:05.530" v="3747" actId="1076"/>
+          <ac:picMkLst>
+            <pc:docMk/>
+            <pc:sldMk cId="3993129042" sldId="256"/>
+            <ac:picMk id="2" creationId="{9DF22546-8DDC-F6F4-3646-3C474562AB71}"/>
+          </ac:picMkLst>
+        </pc:picChg>
+        <pc:picChg chg="add mod ord">
+          <ac:chgData name="Micha Engeser" userId="a533b431-da3e-471f-8983-fd723c6850d4" providerId="ADAL" clId="{05E83482-96C4-4B03-864C-FE5F129C6CDA}" dt="2023-12-04T09:14:50.269" v="3744" actId="1582"/>
+          <ac:picMkLst>
+            <pc:docMk/>
+            <pc:sldMk cId="3993129042" sldId="256"/>
+            <ac:picMk id="3" creationId="{9F095D0F-73D0-2DB2-C177-72C81F4A434E}"/>
+          </ac:picMkLst>
+        </pc:picChg>
+        <pc:picChg chg="del mod">
+          <ac:chgData name="Micha Engeser" userId="a533b431-da3e-471f-8983-fd723c6850d4" providerId="ADAL" clId="{05E83482-96C4-4B03-864C-FE5F129C6CDA}" dt="2023-12-04T09:13:32.957" v="3741" actId="478"/>
           <ac:picMkLst>
             <pc:docMk/>
             <pc:sldMk cId="3993129042" sldId="256"/>
             <ac:picMk id="9" creationId="{1A89498A-8CFB-C0CE-E327-0F29E32E2FBD}"/>
           </ac:picMkLst>
         </pc:picChg>
-        <pc:picChg chg="mod">
-          <ac:chgData name="Micha Engeser" userId="a533b431-da3e-471f-8983-fd723c6850d4" providerId="ADAL" clId="{05E83482-96C4-4B03-864C-FE5F129C6CDA}" dt="2023-11-24T14:55:00.693" v="1489" actId="1035"/>
+        <pc:picChg chg="del mod">
+          <ac:chgData name="Micha Engeser" userId="a533b431-da3e-471f-8983-fd723c6850d4" providerId="ADAL" clId="{05E83482-96C4-4B03-864C-FE5F129C6CDA}" dt="2023-12-04T09:13:31.873" v="3740" actId="478"/>
           <ac:picMkLst>
             <pc:docMk/>
             <pc:sldMk cId="3993129042" sldId="256"/>
@@ -272,7 +288,7 @@
         </pc:spChg>
       </pc:sldChg>
       <pc:sldChg chg="addSp delSp modSp mod ord setBg">
-        <pc:chgData name="Micha Engeser" userId="a533b431-da3e-471f-8983-fd723c6850d4" providerId="ADAL" clId="{05E83482-96C4-4B03-864C-FE5F129C6CDA}" dt="2023-12-01T13:27:51.192" v="3661"/>
+        <pc:chgData name="Micha Engeser" userId="a533b431-da3e-471f-8983-fd723c6850d4" providerId="ADAL" clId="{05E83482-96C4-4B03-864C-FE5F129C6CDA}" dt="2023-12-04T09:16:53.709" v="3774" actId="1076"/>
         <pc:sldMkLst>
           <pc:docMk/>
           <pc:sldMk cId="3521823961" sldId="264"/>
@@ -302,7 +318,7 @@
           </ac:spMkLst>
         </pc:spChg>
         <pc:spChg chg="mod">
-          <ac:chgData name="Micha Engeser" userId="a533b431-da3e-471f-8983-fd723c6850d4" providerId="ADAL" clId="{05E83482-96C4-4B03-864C-FE5F129C6CDA}" dt="2023-11-24T15:00:54.309" v="1810" actId="1035"/>
+          <ac:chgData name="Micha Engeser" userId="a533b431-da3e-471f-8983-fd723c6850d4" providerId="ADAL" clId="{05E83482-96C4-4B03-864C-FE5F129C6CDA}" dt="2023-12-04T09:16:53.709" v="3774" actId="1076"/>
           <ac:spMkLst>
             <pc:docMk/>
             <pc:sldMk cId="3521823961" sldId="264"/>
@@ -310,23 +326,39 @@
           </ac:spMkLst>
         </pc:spChg>
         <pc:spChg chg="mod">
-          <ac:chgData name="Micha Engeser" userId="a533b431-da3e-471f-8983-fd723c6850d4" providerId="ADAL" clId="{05E83482-96C4-4B03-864C-FE5F129C6CDA}" dt="2023-11-24T15:00:54.309" v="1810" actId="1035"/>
+          <ac:chgData name="Micha Engeser" userId="a533b431-da3e-471f-8983-fd723c6850d4" providerId="ADAL" clId="{05E83482-96C4-4B03-864C-FE5F129C6CDA}" dt="2023-12-04T09:16:53.709" v="3774" actId="1076"/>
           <ac:spMkLst>
             <pc:docMk/>
             <pc:sldMk cId="3521823961" sldId="264"/>
             <ac:spMk id="20" creationId="{5D09B655-9AE2-CD82-FD32-3842B4E7CE51}"/>
           </ac:spMkLst>
         </pc:spChg>
-        <pc:picChg chg="mod">
-          <ac:chgData name="Micha Engeser" userId="a533b431-da3e-471f-8983-fd723c6850d4" providerId="ADAL" clId="{05E83482-96C4-4B03-864C-FE5F129C6CDA}" dt="2023-11-24T15:00:54.309" v="1810" actId="1035"/>
+        <pc:picChg chg="add mod">
+          <ac:chgData name="Micha Engeser" userId="a533b431-da3e-471f-8983-fd723c6850d4" providerId="ADAL" clId="{05E83482-96C4-4B03-864C-FE5F129C6CDA}" dt="2023-12-04T09:16:53.709" v="3774" actId="1076"/>
+          <ac:picMkLst>
+            <pc:docMk/>
+            <pc:sldMk cId="3521823961" sldId="264"/>
+            <ac:picMk id="2" creationId="{9F6942C4-867F-78CF-B118-4B5540BCBCD6}"/>
+          </ac:picMkLst>
+        </pc:picChg>
+        <pc:picChg chg="del mod">
+          <ac:chgData name="Micha Engeser" userId="a533b431-da3e-471f-8983-fd723c6850d4" providerId="ADAL" clId="{05E83482-96C4-4B03-864C-FE5F129C6CDA}" dt="2023-12-04T09:15:17.685" v="3750" actId="478"/>
           <ac:picMkLst>
             <pc:docMk/>
             <pc:sldMk cId="3521823961" sldId="264"/>
             <ac:picMk id="3" creationId="{203BE947-F453-4732-6E5E-DE77E119B2E2}"/>
           </ac:picMkLst>
         </pc:picChg>
-        <pc:picChg chg="mod">
-          <ac:chgData name="Micha Engeser" userId="a533b431-da3e-471f-8983-fd723c6850d4" providerId="ADAL" clId="{05E83482-96C4-4B03-864C-FE5F129C6CDA}" dt="2023-11-24T15:00:54.309" v="1810" actId="1035"/>
+        <pc:picChg chg="add mod">
+          <ac:chgData name="Micha Engeser" userId="a533b431-da3e-471f-8983-fd723c6850d4" providerId="ADAL" clId="{05E83482-96C4-4B03-864C-FE5F129C6CDA}" dt="2023-12-04T09:16:44.094" v="3773" actId="1076"/>
+          <ac:picMkLst>
+            <pc:docMk/>
+            <pc:sldMk cId="3521823961" sldId="264"/>
+            <ac:picMk id="5" creationId="{A667181F-EEC2-39A4-6F9E-C62229F93863}"/>
+          </ac:picMkLst>
+        </pc:picChg>
+        <pc:picChg chg="del mod">
+          <ac:chgData name="Micha Engeser" userId="a533b431-da3e-471f-8983-fd723c6850d4" providerId="ADAL" clId="{05E83482-96C4-4B03-864C-FE5F129C6CDA}" dt="2023-12-04T09:15:18.935" v="3751" actId="478"/>
           <ac:picMkLst>
             <pc:docMk/>
             <pc:sldMk cId="3521823961" sldId="264"/>
@@ -334,7 +366,7 @@
           </ac:picMkLst>
         </pc:picChg>
         <pc:picChg chg="mod">
-          <ac:chgData name="Micha Engeser" userId="a533b431-da3e-471f-8983-fd723c6850d4" providerId="ADAL" clId="{05E83482-96C4-4B03-864C-FE5F129C6CDA}" dt="2023-11-24T15:00:54.309" v="1810" actId="1035"/>
+          <ac:chgData name="Micha Engeser" userId="a533b431-da3e-471f-8983-fd723c6850d4" providerId="ADAL" clId="{05E83482-96C4-4B03-864C-FE5F129C6CDA}" dt="2023-12-04T09:16:53.709" v="3774" actId="1076"/>
           <ac:picMkLst>
             <pc:docMk/>
             <pc:sldMk cId="3521823961" sldId="264"/>
@@ -342,7 +374,7 @@
           </ac:picMkLst>
         </pc:picChg>
         <pc:cxnChg chg="mod">
-          <ac:chgData name="Micha Engeser" userId="a533b431-da3e-471f-8983-fd723c6850d4" providerId="ADAL" clId="{05E83482-96C4-4B03-864C-FE5F129C6CDA}" dt="2023-11-24T15:00:54.309" v="1810" actId="1035"/>
+          <ac:chgData name="Micha Engeser" userId="a533b431-da3e-471f-8983-fd723c6850d4" providerId="ADAL" clId="{05E83482-96C4-4B03-864C-FE5F129C6CDA}" dt="2023-12-04T09:16:53.709" v="3774" actId="1076"/>
           <ac:cxnSpMkLst>
             <pc:docMk/>
             <pc:sldMk cId="3521823961" sldId="264"/>
@@ -350,7 +382,7 @@
           </ac:cxnSpMkLst>
         </pc:cxnChg>
         <pc:cxnChg chg="mod">
-          <ac:chgData name="Micha Engeser" userId="a533b431-da3e-471f-8983-fd723c6850d4" providerId="ADAL" clId="{05E83482-96C4-4B03-864C-FE5F129C6CDA}" dt="2023-11-24T15:00:54.309" v="1810" actId="1035"/>
+          <ac:chgData name="Micha Engeser" userId="a533b431-da3e-471f-8983-fd723c6850d4" providerId="ADAL" clId="{05E83482-96C4-4B03-864C-FE5F129C6CDA}" dt="2023-12-04T09:16:53.709" v="3774" actId="1076"/>
           <ac:cxnSpMkLst>
             <pc:docMk/>
             <pc:sldMk cId="3521823961" sldId="264"/>
@@ -794,13 +826,13 @@
         </pc:picChg>
       </pc:sldChg>
       <pc:sldChg chg="addSp delSp modSp add mod setBg">
-        <pc:chgData name="Micha Engeser" userId="a533b431-da3e-471f-8983-fd723c6850d4" providerId="ADAL" clId="{05E83482-96C4-4B03-864C-FE5F129C6CDA}" dt="2023-12-01T13:27:51.192" v="3661"/>
+        <pc:chgData name="Micha Engeser" userId="a533b431-da3e-471f-8983-fd723c6850d4" providerId="ADAL" clId="{05E83482-96C4-4B03-864C-FE5F129C6CDA}" dt="2023-12-04T09:17:49.463" v="3803" actId="20577"/>
         <pc:sldMkLst>
           <pc:docMk/>
           <pc:sldMk cId="4137375922" sldId="277"/>
         </pc:sldMkLst>
         <pc:spChg chg="mod">
-          <ac:chgData name="Micha Engeser" userId="a533b431-da3e-471f-8983-fd723c6850d4" providerId="ADAL" clId="{05E83482-96C4-4B03-864C-FE5F129C6CDA}" dt="2023-11-28T10:20:56.681" v="3282" actId="20577"/>
+          <ac:chgData name="Micha Engeser" userId="a533b431-da3e-471f-8983-fd723c6850d4" providerId="ADAL" clId="{05E83482-96C4-4B03-864C-FE5F129C6CDA}" dt="2023-12-04T09:17:49.463" v="3803" actId="20577"/>
           <ac:spMkLst>
             <pc:docMk/>
             <pc:sldMk cId="4137375922" sldId="277"/>
@@ -840,13 +872,13 @@
         </pc:sldMkLst>
       </pc:sldChg>
       <pc:sldChg chg="delSp modSp add mod setBg">
-        <pc:chgData name="Micha Engeser" userId="a533b431-da3e-471f-8983-fd723c6850d4" providerId="ADAL" clId="{05E83482-96C4-4B03-864C-FE5F129C6CDA}" dt="2023-12-01T13:27:51.192" v="3661"/>
+        <pc:chgData name="Micha Engeser" userId="a533b431-da3e-471f-8983-fd723c6850d4" providerId="ADAL" clId="{05E83482-96C4-4B03-864C-FE5F129C6CDA}" dt="2023-12-04T09:17:59.659" v="3804"/>
         <pc:sldMkLst>
           <pc:docMk/>
           <pc:sldMk cId="3355149081" sldId="278"/>
         </pc:sldMkLst>
         <pc:spChg chg="mod">
-          <ac:chgData name="Micha Engeser" userId="a533b431-da3e-471f-8983-fd723c6850d4" providerId="ADAL" clId="{05E83482-96C4-4B03-864C-FE5F129C6CDA}" dt="2023-11-28T10:21:04.188" v="3285" actId="20577"/>
+          <ac:chgData name="Micha Engeser" userId="a533b431-da3e-471f-8983-fd723c6850d4" providerId="ADAL" clId="{05E83482-96C4-4B03-864C-FE5F129C6CDA}" dt="2023-12-04T09:17:59.659" v="3804"/>
           <ac:spMkLst>
             <pc:docMk/>
             <pc:sldMk cId="3355149081" sldId="278"/>
@@ -1596,7 +1628,7 @@
           <a:p>
             <a:fld id="{9D7C6ACB-8DF6-1449-BE97-CA8D947F79D3}" type="datetimeFigureOut">
               <a:rPr lang="en-US" smtClean="0"/>
-              <a:t>12/1/2023</a:t>
+              <a:t>12/4/2023</a:t>
             </a:fld>
             <a:endParaRPr lang="en-US"/>
           </a:p>
@@ -1764,7 +1796,7 @@
           <a:p>
             <a:fld id="{9D7C6ACB-8DF6-1449-BE97-CA8D947F79D3}" type="datetimeFigureOut">
               <a:rPr lang="en-US" smtClean="0"/>
-              <a:t>12/1/2023</a:t>
+              <a:t>12/4/2023</a:t>
             </a:fld>
             <a:endParaRPr lang="en-US"/>
           </a:p>
@@ -1942,7 +1974,7 @@
           <a:p>
             <a:fld id="{9D7C6ACB-8DF6-1449-BE97-CA8D947F79D3}" type="datetimeFigureOut">
               <a:rPr lang="en-US" smtClean="0"/>
-              <a:t>12/1/2023</a:t>
+              <a:t>12/4/2023</a:t>
             </a:fld>
             <a:endParaRPr lang="en-US"/>
           </a:p>
@@ -2110,7 +2142,7 @@
           <a:p>
             <a:fld id="{9D7C6ACB-8DF6-1449-BE97-CA8D947F79D3}" type="datetimeFigureOut">
               <a:rPr lang="en-US" smtClean="0"/>
-              <a:t>12/1/2023</a:t>
+              <a:t>12/4/2023</a:t>
             </a:fld>
             <a:endParaRPr lang="en-US"/>
           </a:p>
@@ -2355,7 +2387,7 @@
           <a:p>
             <a:fld id="{9D7C6ACB-8DF6-1449-BE97-CA8D947F79D3}" type="datetimeFigureOut">
               <a:rPr lang="en-US" smtClean="0"/>
-              <a:t>12/1/2023</a:t>
+              <a:t>12/4/2023</a:t>
             </a:fld>
             <a:endParaRPr lang="en-US"/>
           </a:p>
@@ -2640,7 +2672,7 @@
           <a:p>
             <a:fld id="{9D7C6ACB-8DF6-1449-BE97-CA8D947F79D3}" type="datetimeFigureOut">
               <a:rPr lang="en-US" smtClean="0"/>
-              <a:t>12/1/2023</a:t>
+              <a:t>12/4/2023</a:t>
             </a:fld>
             <a:endParaRPr lang="en-US"/>
           </a:p>
@@ -3059,7 +3091,7 @@
           <a:p>
             <a:fld id="{9D7C6ACB-8DF6-1449-BE97-CA8D947F79D3}" type="datetimeFigureOut">
               <a:rPr lang="en-US" smtClean="0"/>
-              <a:t>12/1/2023</a:t>
+              <a:t>12/4/2023</a:t>
             </a:fld>
             <a:endParaRPr lang="en-US"/>
           </a:p>
@@ -3176,7 +3208,7 @@
           <a:p>
             <a:fld id="{9D7C6ACB-8DF6-1449-BE97-CA8D947F79D3}" type="datetimeFigureOut">
               <a:rPr lang="en-US" smtClean="0"/>
-              <a:t>12/1/2023</a:t>
+              <a:t>12/4/2023</a:t>
             </a:fld>
             <a:endParaRPr lang="en-US"/>
           </a:p>
@@ -3271,7 +3303,7 @@
           <a:p>
             <a:fld id="{9D7C6ACB-8DF6-1449-BE97-CA8D947F79D3}" type="datetimeFigureOut">
               <a:rPr lang="en-US" smtClean="0"/>
-              <a:t>12/1/2023</a:t>
+              <a:t>12/4/2023</a:t>
             </a:fld>
             <a:endParaRPr lang="en-US"/>
           </a:p>
@@ -3546,7 +3578,7 @@
           <a:p>
             <a:fld id="{9D7C6ACB-8DF6-1449-BE97-CA8D947F79D3}" type="datetimeFigureOut">
               <a:rPr lang="en-US" smtClean="0"/>
-              <a:t>12/1/2023</a:t>
+              <a:t>12/4/2023</a:t>
             </a:fld>
             <a:endParaRPr lang="en-US"/>
           </a:p>
@@ -3798,7 +3830,7 @@
           <a:p>
             <a:fld id="{9D7C6ACB-8DF6-1449-BE97-CA8D947F79D3}" type="datetimeFigureOut">
               <a:rPr lang="en-US" smtClean="0"/>
-              <a:t>12/1/2023</a:t>
+              <a:t>12/4/2023</a:t>
             </a:fld>
             <a:endParaRPr lang="en-US"/>
           </a:p>
@@ -4012,7 +4044,7 @@
           <a:p>
             <a:fld id="{9D7C6ACB-8DF6-1449-BE97-CA8D947F79D3}" type="datetimeFigureOut">
               <a:rPr lang="en-US" smtClean="0"/>
-              <a:t>12/1/2023</a:t>
+              <a:t>12/4/2023</a:t>
             </a:fld>
             <a:endParaRPr lang="en-US"/>
           </a:p>
@@ -4431,7 +4463,7 @@
           <a:p>
             <a:r>
               <a:rPr lang="en-US" sz="2400" dirty="0"/>
-              <a:t>We will present you with images of </a:t>
+              <a:t>We will present you with low contrast images of </a:t>
             </a:r>
             <a:r>
               <a:rPr lang="en-US" sz="2400" b="1" dirty="0"/>
@@ -4504,10 +4536,10 @@
       </p:sp>
       <p:pic>
         <p:nvPicPr>
-          <p:cNvPr id="9" name="Picture 8" descr="A bathroom with a sink and toilet&#10;&#10;Description automatically generated">
+          <p:cNvPr id="2" name="Picture 1" descr="A bathroom with a sink and mirror&#10;&#10;Description automatically generated">
             <a:extLst>
               <a:ext uri="{FF2B5EF4-FFF2-40B4-BE49-F238E27FC236}">
-                <a16:creationId xmlns:a16="http://schemas.microsoft.com/office/drawing/2014/main" id="{1A89498A-8CFB-C0CE-E327-0F29E32E2FBD}"/>
+                <a16:creationId xmlns:a16="http://schemas.microsoft.com/office/drawing/2014/main" id="{9DF22546-8DDC-F6F4-3646-3C474562AB71}"/>
               </a:ext>
             </a:extLst>
           </p:cNvPr>
@@ -4517,7 +4549,7 @@
           <p:nvPr/>
         </p:nvPicPr>
         <p:blipFill>
-          <a:blip r:embed="rId2" cstate="hqprint">
+          <a:blip r:embed="rId2">
             <a:extLst>
               <a:ext uri="{28A0092B-C50C-407E-A947-70E740481C1C}">
                 <a14:useLocalDpi xmlns:a14="http://schemas.microsoft.com/office/drawing/2010/main" val="0"/>
@@ -4530,15 +4562,12 @@
         </p:blipFill>
         <p:spPr>
           <a:xfrm>
-            <a:off x="6001304" y="3531767"/>
-            <a:ext cx="2706783" cy="2030087"/>
+            <a:off x="6001304" y="3529555"/>
+            <a:ext cx="2706782" cy="2030087"/>
           </a:xfrm>
           <a:prstGeom prst="rect">
             <a:avLst/>
           </a:prstGeom>
-          <a:solidFill>
-            <a:schemeClr val="tx1"/>
-          </a:solidFill>
           <a:ln w="28575">
             <a:solidFill>
               <a:srgbClr val="FF66FF"/>
@@ -4548,10 +4577,10 @@
       </p:pic>
       <p:pic>
         <p:nvPicPr>
-          <p:cNvPr id="12" name="Picture 11" descr="A kitchen with white cabinets and appliances&#10;&#10;Description automatically generated">
+          <p:cNvPr id="3" name="Picture 2" descr="A kitchen with a large sink and cabinets&#10;&#10;Description automatically generated with medium confidence">
             <a:extLst>
               <a:ext uri="{FF2B5EF4-FFF2-40B4-BE49-F238E27FC236}">
-                <a16:creationId xmlns:a16="http://schemas.microsoft.com/office/drawing/2014/main" id="{338039F2-14B5-BB5E-4368-E9B77A849C77}"/>
+                <a16:creationId xmlns:a16="http://schemas.microsoft.com/office/drawing/2014/main" id="{9F095D0F-73D0-2DB2-C177-72C81F4A434E}"/>
               </a:ext>
             </a:extLst>
           </p:cNvPr>
@@ -4561,7 +4590,7 @@
           <p:nvPr/>
         </p:nvPicPr>
         <p:blipFill>
-          <a:blip r:embed="rId3" cstate="hqprint">
+          <a:blip r:embed="rId3">
             <a:extLst>
               <a:ext uri="{28A0092B-C50C-407E-A947-70E740481C1C}">
                 <a14:useLocalDpi xmlns:a14="http://schemas.microsoft.com/office/drawing/2010/main" val="0"/>
@@ -4574,8 +4603,8 @@
         </p:blipFill>
         <p:spPr>
           <a:xfrm>
-            <a:off x="2745640" y="3532361"/>
-            <a:ext cx="2706783" cy="2029493"/>
+            <a:off x="2734931" y="3529555"/>
+            <a:ext cx="2709730" cy="2032298"/>
           </a:xfrm>
           <a:prstGeom prst="rect">
             <a:avLst/>
@@ -5199,7 +5228,7 @@
         </p:blipFill>
         <p:spPr bwMode="auto">
           <a:xfrm>
-            <a:off x="3798163" y="3344037"/>
+            <a:off x="3798163" y="3787698"/>
             <a:ext cx="4595674" cy="1609188"/>
           </a:xfrm>
           <a:prstGeom prst="rect">
@@ -5236,7 +5265,7 @@
         </p:nvSpPr>
         <p:spPr>
           <a:xfrm>
-            <a:off x="6178858" y="3976571"/>
+            <a:off x="6178858" y="4420232"/>
             <a:ext cx="301841" cy="301841"/>
           </a:xfrm>
           <a:prstGeom prst="rect">
@@ -5284,13 +5313,12 @@
           <p:cNvCxnSpPr>
             <a:cxnSpLocks/>
             <a:stCxn id="15" idx="3"/>
-            <a:endCxn id="14" idx="1"/>
           </p:cNvCxnSpPr>
           <p:nvPr/>
         </p:nvCxnSpPr>
         <p:spPr>
           <a:xfrm flipV="1">
-            <a:off x="6480699" y="4119237"/>
+            <a:off x="6480699" y="4562898"/>
             <a:ext cx="2236589" cy="8255"/>
           </a:xfrm>
           <a:prstGeom prst="line">
@@ -5331,7 +5359,7 @@
         </p:nvSpPr>
         <p:spPr>
           <a:xfrm>
-            <a:off x="5251725" y="3976571"/>
+            <a:off x="5251725" y="4420232"/>
             <a:ext cx="301841" cy="301841"/>
           </a:xfrm>
           <a:prstGeom prst="rect">
@@ -5383,7 +5411,7 @@
         </p:nvCxnSpPr>
         <p:spPr>
           <a:xfrm>
-            <a:off x="3474712" y="4108486"/>
+            <a:off x="3474712" y="4552147"/>
             <a:ext cx="1777013" cy="0"/>
           </a:xfrm>
           <a:prstGeom prst="line">
@@ -5412,10 +5440,10 @@
       </p:cxnSp>
       <p:pic>
         <p:nvPicPr>
-          <p:cNvPr id="14" name="Picture 13" descr="A bathroom with a sink and toilet&#10;&#10;Description automatically generated">
+          <p:cNvPr id="2" name="Picture 1" descr="A bathroom with a sink and mirror&#10;&#10;Description automatically generated">
             <a:extLst>
               <a:ext uri="{FF2B5EF4-FFF2-40B4-BE49-F238E27FC236}">
-                <a16:creationId xmlns:a16="http://schemas.microsoft.com/office/drawing/2014/main" id="{915BF254-634A-721C-649A-E789B159443A}"/>
+                <a16:creationId xmlns:a16="http://schemas.microsoft.com/office/drawing/2014/main" id="{9F6942C4-867F-78CF-B118-4B5540BCBCD6}"/>
               </a:ext>
             </a:extLst>
           </p:cNvPr>
@@ -5425,7 +5453,7 @@
           <p:nvPr/>
         </p:nvPicPr>
         <p:blipFill>
-          <a:blip r:embed="rId3" cstate="hqprint">
+          <a:blip r:embed="rId3">
             <a:extLst>
               <a:ext uri="{28A0092B-C50C-407E-A947-70E740481C1C}">
                 <a14:useLocalDpi xmlns:a14="http://schemas.microsoft.com/office/drawing/2010/main" val="0"/>
@@ -5438,15 +5466,12 @@
         </p:blipFill>
         <p:spPr>
           <a:xfrm>
-            <a:off x="8717288" y="3414968"/>
-            <a:ext cx="1878048" cy="1408537"/>
+            <a:off x="8717288" y="3530211"/>
+            <a:ext cx="2706782" cy="2030087"/>
           </a:xfrm>
           <a:prstGeom prst="rect">
             <a:avLst/>
           </a:prstGeom>
-          <a:solidFill>
-            <a:srgbClr val="FF66FF"/>
-          </a:solidFill>
           <a:ln w="28575">
             <a:solidFill>
               <a:srgbClr val="FF66FF"/>
@@ -5456,10 +5481,10 @@
       </p:pic>
       <p:pic>
         <p:nvPicPr>
-          <p:cNvPr id="3" name="Picture 2" descr="A kitchen with white cabinets and appliances&#10;&#10;Description automatically generated">
+          <p:cNvPr id="5" name="Picture 4" descr="A kitchen with a large sink and cabinets&#10;&#10;Description automatically generated with medium confidence">
             <a:extLst>
               <a:ext uri="{FF2B5EF4-FFF2-40B4-BE49-F238E27FC236}">
-                <a16:creationId xmlns:a16="http://schemas.microsoft.com/office/drawing/2014/main" id="{203BE947-F453-4732-6E5E-DE77E119B2E2}"/>
+                <a16:creationId xmlns:a16="http://schemas.microsoft.com/office/drawing/2014/main" id="{A667181F-EEC2-39A4-6F9E-C62229F93863}"/>
               </a:ext>
             </a:extLst>
           </p:cNvPr>
@@ -5469,7 +5494,7 @@
           <p:nvPr/>
         </p:nvPicPr>
         <p:blipFill>
-          <a:blip r:embed="rId4" cstate="hqprint">
+          <a:blip r:embed="rId4">
             <a:extLst>
               <a:ext uri="{28A0092B-C50C-407E-A947-70E740481C1C}">
                 <a14:useLocalDpi xmlns:a14="http://schemas.microsoft.com/office/drawing/2010/main" val="0"/>
@@ -5482,8 +5507,8 @@
         </p:blipFill>
         <p:spPr>
           <a:xfrm>
-            <a:off x="1583184" y="3423429"/>
-            <a:ext cx="1878048" cy="1408124"/>
+            <a:off x="775787" y="3528000"/>
+            <a:ext cx="2709730" cy="2032298"/>
           </a:xfrm>
           <a:prstGeom prst="rect">
             <a:avLst/>
@@ -5721,7 +5746,7 @@
             </a:r>
             <a:r>
               <a:rPr lang="en-US" sz="2400" dirty="0"/>
-              <a:t>. The images will be shown for 1.5 seconds. Your task is to rate your personal experience of the image on a scale from </a:t>
+              <a:t>. The images will be shown for 1.5 seconds. Your task is to provide your personal rating of the image on a scale from </a:t>
             </a:r>
             <a:r>
               <a:rPr lang="en-US" sz="2400" b="1" dirty="0"/>
@@ -5906,15 +5931,7 @@
             </a:r>
             <a:r>
               <a:rPr lang="en-US" sz="2400" dirty="0"/>
-              <a:t>. The images will be shown for 1.5 seconds. Your task is to rate your personal experience of the </a:t>
-            </a:r>
-            <a:r>
-              <a:rPr lang="en-US" sz="2400"/>
-              <a:t>image on a </a:t>
-            </a:r>
-            <a:r>
-              <a:rPr lang="en-US" sz="2400" dirty="0"/>
-              <a:t>scale from </a:t>
+              <a:t>. The images will be shown for 1.5 seconds. Your task is to provide your personal rating of the image on a scale from </a:t>
             </a:r>
             <a:r>
               <a:rPr lang="en-US" sz="2400" b="1" dirty="0"/>

--- a/instructions/Instructions.pptx
+++ b/instructions/Instructions.pptx
@@ -169,7 +169,7 @@
   <pc:docChgLst>
     <pc:chgData name="Micha Engeser" userId="a533b431-da3e-471f-8983-fd723c6850d4" providerId="ADAL" clId="{05E83482-96C4-4B03-864C-FE5F129C6CDA}"/>
     <pc:docChg chg="undo custSel addSld delSld modSld sldOrd modMainMaster addSection modSection">
-      <pc:chgData name="Micha Engeser" userId="a533b431-da3e-471f-8983-fd723c6850d4" providerId="ADAL" clId="{05E83482-96C4-4B03-864C-FE5F129C6CDA}" dt="2023-12-04T09:17:59.659" v="3804"/>
+      <pc:chgData name="Micha Engeser" userId="a533b431-da3e-471f-8983-fd723c6850d4" providerId="ADAL" clId="{05E83482-96C4-4B03-864C-FE5F129C6CDA}" dt="2023-12-15T10:50:16.873" v="3811" actId="20577"/>
       <pc:docMkLst>
         <pc:docMk/>
       </pc:docMkLst>
@@ -1205,13 +1205,13 @@
         </pc:spChg>
       </pc:sldChg>
       <pc:sldChg chg="addSp delSp modSp add mod setBg">
-        <pc:chgData name="Micha Engeser" userId="a533b431-da3e-471f-8983-fd723c6850d4" providerId="ADAL" clId="{05E83482-96C4-4B03-864C-FE5F129C6CDA}" dt="2023-12-01T13:28:46.262" v="3674" actId="20577"/>
+        <pc:chgData name="Micha Engeser" userId="a533b431-da3e-471f-8983-fd723c6850d4" providerId="ADAL" clId="{05E83482-96C4-4B03-864C-FE5F129C6CDA}" dt="2023-12-15T09:55:57.645" v="3808" actId="20577"/>
         <pc:sldMkLst>
           <pc:docMk/>
           <pc:sldMk cId="3615114323" sldId="288"/>
         </pc:sldMkLst>
         <pc:spChg chg="add mod">
-          <ac:chgData name="Micha Engeser" userId="a533b431-da3e-471f-8983-fd723c6850d4" providerId="ADAL" clId="{05E83482-96C4-4B03-864C-FE5F129C6CDA}" dt="2023-12-01T13:27:06.446" v="3656" actId="2711"/>
+          <ac:chgData name="Micha Engeser" userId="a533b431-da3e-471f-8983-fd723c6850d4" providerId="ADAL" clId="{05E83482-96C4-4B03-864C-FE5F129C6CDA}" dt="2023-12-15T09:55:57.645" v="3808" actId="20577"/>
           <ac:spMkLst>
             <pc:docMk/>
             <pc:sldMk cId="3615114323" sldId="288"/>
@@ -1236,13 +1236,13 @@
         </pc:picChg>
       </pc:sldChg>
       <pc:sldChg chg="addSp modSp add mod setBg">
-        <pc:chgData name="Micha Engeser" userId="a533b431-da3e-471f-8983-fd723c6850d4" providerId="ADAL" clId="{05E83482-96C4-4B03-864C-FE5F129C6CDA}" dt="2023-12-01T13:28:53.407" v="3676" actId="20577"/>
+        <pc:chgData name="Micha Engeser" userId="a533b431-da3e-471f-8983-fd723c6850d4" providerId="ADAL" clId="{05E83482-96C4-4B03-864C-FE5F129C6CDA}" dt="2023-12-15T10:50:16.873" v="3811" actId="20577"/>
         <pc:sldMkLst>
           <pc:docMk/>
           <pc:sldMk cId="2565728965" sldId="289"/>
         </pc:sldMkLst>
         <pc:spChg chg="mod">
-          <ac:chgData name="Micha Engeser" userId="a533b431-da3e-471f-8983-fd723c6850d4" providerId="ADAL" clId="{05E83482-96C4-4B03-864C-FE5F129C6CDA}" dt="2023-12-01T13:28:53.407" v="3676" actId="20577"/>
+          <ac:chgData name="Micha Engeser" userId="a533b431-da3e-471f-8983-fd723c6850d4" providerId="ADAL" clId="{05E83482-96C4-4B03-864C-FE5F129C6CDA}" dt="2023-12-15T10:50:16.873" v="3811" actId="20577"/>
           <ac:spMkLst>
             <pc:docMk/>
             <pc:sldMk cId="2565728965" sldId="289"/>
@@ -1628,7 +1628,7 @@
           <a:p>
             <a:fld id="{9D7C6ACB-8DF6-1449-BE97-CA8D947F79D3}" type="datetimeFigureOut">
               <a:rPr lang="en-US" smtClean="0"/>
-              <a:t>12/4/2023</a:t>
+              <a:t>12/15/2023</a:t>
             </a:fld>
             <a:endParaRPr lang="en-US"/>
           </a:p>
@@ -1796,7 +1796,7 @@
           <a:p>
             <a:fld id="{9D7C6ACB-8DF6-1449-BE97-CA8D947F79D3}" type="datetimeFigureOut">
               <a:rPr lang="en-US" smtClean="0"/>
-              <a:t>12/4/2023</a:t>
+              <a:t>12/15/2023</a:t>
             </a:fld>
             <a:endParaRPr lang="en-US"/>
           </a:p>
@@ -1974,7 +1974,7 @@
           <a:p>
             <a:fld id="{9D7C6ACB-8DF6-1449-BE97-CA8D947F79D3}" type="datetimeFigureOut">
               <a:rPr lang="en-US" smtClean="0"/>
-              <a:t>12/4/2023</a:t>
+              <a:t>12/15/2023</a:t>
             </a:fld>
             <a:endParaRPr lang="en-US"/>
           </a:p>
@@ -2142,7 +2142,7 @@
           <a:p>
             <a:fld id="{9D7C6ACB-8DF6-1449-BE97-CA8D947F79D3}" type="datetimeFigureOut">
               <a:rPr lang="en-US" smtClean="0"/>
-              <a:t>12/4/2023</a:t>
+              <a:t>12/15/2023</a:t>
             </a:fld>
             <a:endParaRPr lang="en-US"/>
           </a:p>
@@ -2387,7 +2387,7 @@
           <a:p>
             <a:fld id="{9D7C6ACB-8DF6-1449-BE97-CA8D947F79D3}" type="datetimeFigureOut">
               <a:rPr lang="en-US" smtClean="0"/>
-              <a:t>12/4/2023</a:t>
+              <a:t>12/15/2023</a:t>
             </a:fld>
             <a:endParaRPr lang="en-US"/>
           </a:p>
@@ -2672,7 +2672,7 @@
           <a:p>
             <a:fld id="{9D7C6ACB-8DF6-1449-BE97-CA8D947F79D3}" type="datetimeFigureOut">
               <a:rPr lang="en-US" smtClean="0"/>
-              <a:t>12/4/2023</a:t>
+              <a:t>12/15/2023</a:t>
             </a:fld>
             <a:endParaRPr lang="en-US"/>
           </a:p>
@@ -3091,7 +3091,7 @@
           <a:p>
             <a:fld id="{9D7C6ACB-8DF6-1449-BE97-CA8D947F79D3}" type="datetimeFigureOut">
               <a:rPr lang="en-US" smtClean="0"/>
-              <a:t>12/4/2023</a:t>
+              <a:t>12/15/2023</a:t>
             </a:fld>
             <a:endParaRPr lang="en-US"/>
           </a:p>
@@ -3208,7 +3208,7 @@
           <a:p>
             <a:fld id="{9D7C6ACB-8DF6-1449-BE97-CA8D947F79D3}" type="datetimeFigureOut">
               <a:rPr lang="en-US" smtClean="0"/>
-              <a:t>12/4/2023</a:t>
+              <a:t>12/15/2023</a:t>
             </a:fld>
             <a:endParaRPr lang="en-US"/>
           </a:p>
@@ -3303,7 +3303,7 @@
           <a:p>
             <a:fld id="{9D7C6ACB-8DF6-1449-BE97-CA8D947F79D3}" type="datetimeFigureOut">
               <a:rPr lang="en-US" smtClean="0"/>
-              <a:t>12/4/2023</a:t>
+              <a:t>12/15/2023</a:t>
             </a:fld>
             <a:endParaRPr lang="en-US"/>
           </a:p>
@@ -3578,7 +3578,7 @@
           <a:p>
             <a:fld id="{9D7C6ACB-8DF6-1449-BE97-CA8D947F79D3}" type="datetimeFigureOut">
               <a:rPr lang="en-US" smtClean="0"/>
-              <a:t>12/4/2023</a:t>
+              <a:t>12/15/2023</a:t>
             </a:fld>
             <a:endParaRPr lang="en-US"/>
           </a:p>
@@ -3830,7 +3830,7 @@
           <a:p>
             <a:fld id="{9D7C6ACB-8DF6-1449-BE97-CA8D947F79D3}" type="datetimeFigureOut">
               <a:rPr lang="en-US" smtClean="0"/>
-              <a:t>12/4/2023</a:t>
+              <a:t>12/15/2023</a:t>
             </a:fld>
             <a:endParaRPr lang="en-US"/>
           </a:p>
@@ -4044,7 +4044,7 @@
           <a:p>
             <a:fld id="{9D7C6ACB-8DF6-1449-BE97-CA8D947F79D3}" type="datetimeFigureOut">
               <a:rPr lang="en-US" smtClean="0"/>
-              <a:t>12/4/2023</a:t>
+              <a:t>12/15/2023</a:t>
             </a:fld>
             <a:endParaRPr lang="en-US"/>
           </a:p>
@@ -6704,8 +6704,13 @@
           <a:p>
             <a:r>
               <a:rPr lang="en-US" sz="2400" dirty="0"/>
-              <a:t>Please provide your personal judgment on the aesthetic appeal of the presented scene. In other word how beautiful the scene appears to you</a:t>
-            </a:r>
+              <a:t>Please provide your personal judgment on the aesthetic appeal of the presented scene. In other word how beautiful the scene appears </a:t>
+            </a:r>
+            <a:r>
+              <a:rPr lang="en-US" sz="2400"/>
+              <a:t>to you.</a:t>
+            </a:r>
+            <a:endParaRPr lang="en-US" sz="2400" dirty="0"/>
           </a:p>
           <a:p>
             <a:endParaRPr lang="en-US" sz="2400" dirty="0"/>
